--- a/Presentation_YPS.pptx
+++ b/Presentation_YPS.pptx
@@ -5,7 +5,7 @@
     <p:sldMasterId id="2147483876" r:id="rId1"/>
   </p:sldMasterIdLst>
   <p:notesMasterIdLst>
-    <p:notesMasterId r:id="rId23"/>
+    <p:notesMasterId r:id="rId34"/>
   </p:notesMasterIdLst>
   <p:sldIdLst>
     <p:sldId id="256" r:id="rId2"/>
@@ -17,18 +17,29 @@
     <p:sldId id="272" r:id="rId8"/>
     <p:sldId id="273" r:id="rId9"/>
     <p:sldId id="263" r:id="rId10"/>
-    <p:sldId id="274" r:id="rId11"/>
-    <p:sldId id="275" r:id="rId12"/>
-    <p:sldId id="276" r:id="rId13"/>
-    <p:sldId id="264" r:id="rId14"/>
-    <p:sldId id="277" r:id="rId15"/>
-    <p:sldId id="278" r:id="rId16"/>
-    <p:sldId id="279" r:id="rId17"/>
-    <p:sldId id="280" r:id="rId18"/>
-    <p:sldId id="265" r:id="rId19"/>
-    <p:sldId id="266" r:id="rId20"/>
-    <p:sldId id="269" r:id="rId21"/>
-    <p:sldId id="271" r:id="rId22"/>
+    <p:sldId id="281" r:id="rId11"/>
+    <p:sldId id="274" r:id="rId12"/>
+    <p:sldId id="282" r:id="rId13"/>
+    <p:sldId id="275" r:id="rId14"/>
+    <p:sldId id="283" r:id="rId15"/>
+    <p:sldId id="284" r:id="rId16"/>
+    <p:sldId id="285" r:id="rId17"/>
+    <p:sldId id="286" r:id="rId18"/>
+    <p:sldId id="289" r:id="rId19"/>
+    <p:sldId id="288" r:id="rId20"/>
+    <p:sldId id="287" r:id="rId21"/>
+    <p:sldId id="276" r:id="rId22"/>
+    <p:sldId id="291" r:id="rId23"/>
+    <p:sldId id="290" r:id="rId24"/>
+    <p:sldId id="264" r:id="rId25"/>
+    <p:sldId id="277" r:id="rId26"/>
+    <p:sldId id="278" r:id="rId27"/>
+    <p:sldId id="279" r:id="rId28"/>
+    <p:sldId id="280" r:id="rId29"/>
+    <p:sldId id="265" r:id="rId30"/>
+    <p:sldId id="266" r:id="rId31"/>
+    <p:sldId id="269" r:id="rId32"/>
+    <p:sldId id="271" r:id="rId33"/>
   </p:sldIdLst>
   <p:sldSz cx="12192000" cy="6858000"/>
   <p:notesSz cx="6858000" cy="9144000"/>
@@ -129,7 +140,18 @@
   </p:defaultTextStyle>
   <p:extLst>
     <p:ext uri="{EFAFB233-063F-42B5-8137-9DF3F51BA10A}">
-      <p15:sldGuideLst xmlns:p15="http://schemas.microsoft.com/office/powerpoint/2012/main" xmlns=""/>
+      <p15:sldGuideLst xmlns:p15="http://schemas.microsoft.com/office/powerpoint/2012/main">
+        <p15:guide id="1" orient="horz" pos="2160">
+          <p15:clr>
+            <a:srgbClr val="A4A3A4"/>
+          </p15:clr>
+        </p15:guide>
+        <p15:guide id="2" pos="3840">
+          <p15:clr>
+            <a:srgbClr val="A4A3A4"/>
+          </p15:clr>
+        </p15:guide>
+      </p15:sldGuideLst>
     </p:ext>
   </p:extLst>
 </p:presentation>
@@ -222,7 +244,7 @@
             <a:fld id="{16D21240-5A3A-024F-BD43-24E48AF3A76B}" type="datetimeFigureOut">
               <a:rPr lang="en-US" smtClean="0"/>
               <a:pPr/>
-              <a:t>12/5/2017</a:t>
+              <a:t>12/6/2017</a:t>
             </a:fld>
             <a:endParaRPr lang="en-US"/>
           </a:p>
@@ -390,7 +412,7 @@
     </p:spTree>
     <p:extLst>
       <p:ext uri="{BB962C8B-B14F-4D97-AF65-F5344CB8AC3E}">
-        <p14:creationId xmlns:p14="http://schemas.microsoft.com/office/powerpoint/2010/main" xmlns="" val="2003527968"/>
+        <p14:creationId xmlns:p14="http://schemas.microsoft.com/office/powerpoint/2010/main" val="2003527968"/>
       </p:ext>
     </p:extLst>
   </p:cSld>
@@ -605,10 +627,9 @@
           </a:lstStyle>
           <a:p>
             <a:r>
-              <a:rPr kumimoji="0" lang="en-US" smtClean="0"/>
+              <a:rPr kumimoji="0" lang="en-US"/>
               <a:t>Click to edit Master title style</a:t>
             </a:r>
-            <a:endParaRPr kumimoji="0" lang="en-US"/>
           </a:p>
         </p:txBody>
       </p:sp>
@@ -676,10 +697,9 @@
           </a:lstStyle>
           <a:p>
             <a:r>
-              <a:rPr kumimoji="0" lang="en-US" smtClean="0"/>
+              <a:rPr kumimoji="0" lang="en-US"/>
               <a:t>Click to edit Master subtitle style</a:t>
             </a:r>
-            <a:endParaRPr kumimoji="0" lang="en-US"/>
           </a:p>
         </p:txBody>
       </p:sp>
@@ -710,7 +730,7 @@
             <a:fld id="{48A87A34-81AB-432B-8DAE-1953F412C126}" type="datetimeFigureOut">
               <a:rPr lang="en-US" smtClean="0"/>
               <a:pPr/>
-              <a:t>12/5/2017</a:t>
+              <a:t>12/6/2017</a:t>
             </a:fld>
             <a:endParaRPr lang="en-US" dirty="0"/>
           </a:p>
@@ -822,10 +842,9 @@
           <a:lstStyle/>
           <a:p>
             <a:r>
-              <a:rPr kumimoji="0" lang="en-US" smtClean="0"/>
+              <a:rPr kumimoji="0" lang="en-US"/>
               <a:t>Click to edit Master title style</a:t>
             </a:r>
-            <a:endParaRPr kumimoji="0" lang="en-US"/>
           </a:p>
         </p:txBody>
       </p:sp>
@@ -846,35 +865,35 @@
           <a:p>
             <a:pPr lvl="0" eaLnBrk="1" latinLnBrk="0" hangingPunct="1"/>
             <a:r>
-              <a:rPr lang="en-US" smtClean="0"/>
+              <a:rPr lang="en-US"/>
               <a:t>Click to edit Master text styles</a:t>
             </a:r>
           </a:p>
           <a:p>
             <a:pPr lvl="1" eaLnBrk="1" latinLnBrk="0" hangingPunct="1"/>
             <a:r>
-              <a:rPr lang="en-US" smtClean="0"/>
+              <a:rPr lang="en-US"/>
               <a:t>Second level</a:t>
             </a:r>
           </a:p>
           <a:p>
             <a:pPr lvl="2" eaLnBrk="1" latinLnBrk="0" hangingPunct="1"/>
             <a:r>
-              <a:rPr lang="en-US" smtClean="0"/>
+              <a:rPr lang="en-US"/>
               <a:t>Third level</a:t>
             </a:r>
           </a:p>
           <a:p>
             <a:pPr lvl="3" eaLnBrk="1" latinLnBrk="0" hangingPunct="1"/>
             <a:r>
-              <a:rPr lang="en-US" smtClean="0"/>
+              <a:rPr lang="en-US"/>
               <a:t>Fourth level</a:t>
             </a:r>
           </a:p>
           <a:p>
             <a:pPr lvl="4" eaLnBrk="1" latinLnBrk="0" hangingPunct="1"/>
             <a:r>
-              <a:rPr lang="en-US" smtClean="0"/>
+              <a:rPr lang="en-US"/>
               <a:t>Fifth level</a:t>
             </a:r>
             <a:endParaRPr kumimoji="0" lang="en-US"/>
@@ -899,7 +918,7 @@
             <a:fld id="{48A87A34-81AB-432B-8DAE-1953F412C126}" type="datetimeFigureOut">
               <a:rPr lang="en-US" smtClean="0"/>
               <a:pPr/>
-              <a:t>12/5/2017</a:t>
+              <a:t>12/6/2017</a:t>
             </a:fld>
             <a:endParaRPr lang="en-US" dirty="0"/>
           </a:p>
@@ -994,10 +1013,9 @@
           <a:lstStyle/>
           <a:p>
             <a:r>
-              <a:rPr kumimoji="0" lang="en-US" smtClean="0"/>
+              <a:rPr kumimoji="0" lang="en-US"/>
               <a:t>Click to edit Master title style</a:t>
             </a:r>
-            <a:endParaRPr kumimoji="0" lang="en-US"/>
           </a:p>
         </p:txBody>
       </p:sp>
@@ -1023,35 +1041,35 @@
           <a:p>
             <a:pPr lvl="0" eaLnBrk="1" latinLnBrk="0" hangingPunct="1"/>
             <a:r>
-              <a:rPr lang="en-US" smtClean="0"/>
+              <a:rPr lang="en-US"/>
               <a:t>Click to edit Master text styles</a:t>
             </a:r>
           </a:p>
           <a:p>
             <a:pPr lvl="1" eaLnBrk="1" latinLnBrk="0" hangingPunct="1"/>
             <a:r>
-              <a:rPr lang="en-US" smtClean="0"/>
+              <a:rPr lang="en-US"/>
               <a:t>Second level</a:t>
             </a:r>
           </a:p>
           <a:p>
             <a:pPr lvl="2" eaLnBrk="1" latinLnBrk="0" hangingPunct="1"/>
             <a:r>
-              <a:rPr lang="en-US" smtClean="0"/>
+              <a:rPr lang="en-US"/>
               <a:t>Third level</a:t>
             </a:r>
           </a:p>
           <a:p>
             <a:pPr lvl="3" eaLnBrk="1" latinLnBrk="0" hangingPunct="1"/>
             <a:r>
-              <a:rPr lang="en-US" smtClean="0"/>
+              <a:rPr lang="en-US"/>
               <a:t>Fourth level</a:t>
             </a:r>
           </a:p>
           <a:p>
             <a:pPr lvl="4" eaLnBrk="1" latinLnBrk="0" hangingPunct="1"/>
             <a:r>
-              <a:rPr lang="en-US" smtClean="0"/>
+              <a:rPr lang="en-US"/>
               <a:t>Fifth level</a:t>
             </a:r>
             <a:endParaRPr kumimoji="0" lang="en-US"/>
@@ -1076,7 +1094,7 @@
             <a:fld id="{48A87A34-81AB-432B-8DAE-1953F412C126}" type="datetimeFigureOut">
               <a:rPr lang="en-US" smtClean="0"/>
               <a:pPr/>
-              <a:t>12/5/2017</a:t>
+              <a:t>12/6/2017</a:t>
             </a:fld>
             <a:endParaRPr lang="en-US" dirty="0"/>
           </a:p>
@@ -1171,10 +1189,9 @@
           <a:lstStyle/>
           <a:p>
             <a:r>
-              <a:rPr kumimoji="0" lang="en-US" smtClean="0"/>
+              <a:rPr kumimoji="0" lang="en-US"/>
               <a:t>Click to edit Master title style</a:t>
             </a:r>
-            <a:endParaRPr kumimoji="0" lang="en-US"/>
           </a:p>
         </p:txBody>
       </p:sp>
@@ -1200,35 +1217,35 @@
           <a:p>
             <a:pPr lvl="0" eaLnBrk="1" latinLnBrk="0" hangingPunct="1"/>
             <a:r>
-              <a:rPr lang="en-US" smtClean="0"/>
+              <a:rPr lang="en-US"/>
               <a:t>Click to edit Master text styles</a:t>
             </a:r>
           </a:p>
           <a:p>
             <a:pPr lvl="1" eaLnBrk="1" latinLnBrk="0" hangingPunct="1"/>
             <a:r>
-              <a:rPr lang="en-US" smtClean="0"/>
+              <a:rPr lang="en-US"/>
               <a:t>Second level</a:t>
             </a:r>
           </a:p>
           <a:p>
             <a:pPr lvl="2" eaLnBrk="1" latinLnBrk="0" hangingPunct="1"/>
             <a:r>
-              <a:rPr lang="en-US" smtClean="0"/>
+              <a:rPr lang="en-US"/>
               <a:t>Third level</a:t>
             </a:r>
           </a:p>
           <a:p>
             <a:pPr lvl="3" eaLnBrk="1" latinLnBrk="0" hangingPunct="1"/>
             <a:r>
-              <a:rPr lang="en-US" smtClean="0"/>
+              <a:rPr lang="en-US"/>
               <a:t>Fourth level</a:t>
             </a:r>
           </a:p>
           <a:p>
             <a:pPr lvl="4" eaLnBrk="1" latinLnBrk="0" hangingPunct="1"/>
             <a:r>
-              <a:rPr lang="en-US" smtClean="0"/>
+              <a:rPr lang="en-US"/>
               <a:t>Fifth level</a:t>
             </a:r>
             <a:endParaRPr kumimoji="0" lang="en-US"/>
@@ -1258,7 +1275,7 @@
             <a:fld id="{48A87A34-81AB-432B-8DAE-1953F412C126}" type="datetimeFigureOut">
               <a:rPr lang="en-US" smtClean="0"/>
               <a:pPr/>
-              <a:t>12/5/2017</a:t>
+              <a:t>12/6/2017</a:t>
             </a:fld>
             <a:endParaRPr lang="en-US" dirty="0"/>
           </a:p>
@@ -1507,7 +1524,7 @@
             <a:fld id="{48A87A34-81AB-432B-8DAE-1953F412C126}" type="datetimeFigureOut">
               <a:rPr lang="en-US" smtClean="0"/>
               <a:pPr/>
-              <a:t>12/5/2017</a:t>
+              <a:t>12/6/2017</a:t>
             </a:fld>
             <a:endParaRPr lang="en-US" dirty="0"/>
           </a:p>
@@ -1676,10 +1693,9 @@
           </a:lstStyle>
           <a:p>
             <a:r>
-              <a:rPr kumimoji="0" lang="en-US" smtClean="0"/>
+              <a:rPr kumimoji="0" lang="en-US"/>
               <a:t>Click to edit Master title style</a:t>
             </a:r>
-            <a:endParaRPr kumimoji="0" lang="en-US"/>
           </a:p>
         </p:txBody>
       </p:sp>
@@ -1756,7 +1772,7 @@
           <a:p>
             <a:pPr lvl="0" eaLnBrk="1" latinLnBrk="0" hangingPunct="1"/>
             <a:r>
-              <a:rPr kumimoji="0" lang="en-US" smtClean="0"/>
+              <a:rPr kumimoji="0" lang="en-US"/>
               <a:t>Click to edit Master text styles</a:t>
             </a:r>
           </a:p>
@@ -1807,10 +1823,9 @@
           </a:lstStyle>
           <a:p>
             <a:r>
-              <a:rPr kumimoji="0" lang="en-US" smtClean="0"/>
+              <a:rPr kumimoji="0" lang="en-US"/>
               <a:t>Click to edit Master title style</a:t>
             </a:r>
-            <a:endParaRPr kumimoji="0" lang="en-US"/>
           </a:p>
         </p:txBody>
       </p:sp>
@@ -1852,35 +1867,35 @@
           <a:p>
             <a:pPr lvl="0" eaLnBrk="1" latinLnBrk="0" hangingPunct="1"/>
             <a:r>
-              <a:rPr lang="en-US" smtClean="0"/>
+              <a:rPr lang="en-US"/>
               <a:t>Click to edit Master text styles</a:t>
             </a:r>
           </a:p>
           <a:p>
             <a:pPr lvl="1" eaLnBrk="1" latinLnBrk="0" hangingPunct="1"/>
             <a:r>
-              <a:rPr lang="en-US" smtClean="0"/>
+              <a:rPr lang="en-US"/>
               <a:t>Second level</a:t>
             </a:r>
           </a:p>
           <a:p>
             <a:pPr lvl="2" eaLnBrk="1" latinLnBrk="0" hangingPunct="1"/>
             <a:r>
-              <a:rPr lang="en-US" smtClean="0"/>
+              <a:rPr lang="en-US"/>
               <a:t>Third level</a:t>
             </a:r>
           </a:p>
           <a:p>
             <a:pPr lvl="3" eaLnBrk="1" latinLnBrk="0" hangingPunct="1"/>
             <a:r>
-              <a:rPr lang="en-US" smtClean="0"/>
+              <a:rPr lang="en-US"/>
               <a:t>Fourth level</a:t>
             </a:r>
           </a:p>
           <a:p>
             <a:pPr lvl="4" eaLnBrk="1" latinLnBrk="0" hangingPunct="1"/>
             <a:r>
-              <a:rPr lang="en-US" smtClean="0"/>
+              <a:rPr lang="en-US"/>
               <a:t>Fifth level</a:t>
             </a:r>
             <a:endParaRPr kumimoji="0" lang="en-US"/>
@@ -1925,35 +1940,35 @@
           <a:p>
             <a:pPr lvl="0" eaLnBrk="1" latinLnBrk="0" hangingPunct="1"/>
             <a:r>
-              <a:rPr lang="en-US" smtClean="0"/>
+              <a:rPr lang="en-US"/>
               <a:t>Click to edit Master text styles</a:t>
             </a:r>
           </a:p>
           <a:p>
             <a:pPr lvl="1" eaLnBrk="1" latinLnBrk="0" hangingPunct="1"/>
             <a:r>
-              <a:rPr lang="en-US" smtClean="0"/>
+              <a:rPr lang="en-US"/>
               <a:t>Second level</a:t>
             </a:r>
           </a:p>
           <a:p>
             <a:pPr lvl="2" eaLnBrk="1" latinLnBrk="0" hangingPunct="1"/>
             <a:r>
-              <a:rPr lang="en-US" smtClean="0"/>
+              <a:rPr lang="en-US"/>
               <a:t>Third level</a:t>
             </a:r>
           </a:p>
           <a:p>
             <a:pPr lvl="3" eaLnBrk="1" latinLnBrk="0" hangingPunct="1"/>
             <a:r>
-              <a:rPr lang="en-US" smtClean="0"/>
+              <a:rPr lang="en-US"/>
               <a:t>Fourth level</a:t>
             </a:r>
           </a:p>
           <a:p>
             <a:pPr lvl="4" eaLnBrk="1" latinLnBrk="0" hangingPunct="1"/>
             <a:r>
-              <a:rPr lang="en-US" smtClean="0"/>
+              <a:rPr lang="en-US"/>
               <a:t>Fifth level</a:t>
             </a:r>
             <a:endParaRPr kumimoji="0" lang="en-US"/>
@@ -1983,7 +1998,7 @@
             <a:fld id="{48A87A34-81AB-432B-8DAE-1953F412C126}" type="datetimeFigureOut">
               <a:rPr lang="en-US" smtClean="0"/>
               <a:pPr/>
-              <a:t>12/5/2017</a:t>
+              <a:t>12/6/2017</a:t>
             </a:fld>
             <a:endParaRPr lang="en-US" dirty="0"/>
           </a:p>
@@ -2106,10 +2121,9 @@
           </a:lstStyle>
           <a:p>
             <a:r>
-              <a:rPr kumimoji="0" lang="en-US" smtClean="0"/>
+              <a:rPr kumimoji="0" lang="en-US"/>
               <a:t>Click to edit Master title style</a:t>
             </a:r>
-            <a:endParaRPr kumimoji="0" lang="en-US"/>
           </a:p>
         </p:txBody>
       </p:sp>
@@ -2166,7 +2180,7 @@
           <a:p>
             <a:pPr lvl="0" eaLnBrk="1" latinLnBrk="0" hangingPunct="1"/>
             <a:r>
-              <a:rPr kumimoji="0" lang="en-US" smtClean="0"/>
+              <a:rPr kumimoji="0" lang="en-US"/>
               <a:t>Click to edit Master text styles</a:t>
             </a:r>
           </a:p>
@@ -2225,7 +2239,7 @@
           <a:p>
             <a:pPr lvl="0" eaLnBrk="1" latinLnBrk="0" hangingPunct="1"/>
             <a:r>
-              <a:rPr kumimoji="0" lang="en-US" smtClean="0"/>
+              <a:rPr kumimoji="0" lang="en-US"/>
               <a:t>Click to edit Master text styles</a:t>
             </a:r>
           </a:p>
@@ -2269,35 +2283,35 @@
           <a:p>
             <a:pPr lvl="0" eaLnBrk="1" latinLnBrk="0" hangingPunct="1"/>
             <a:r>
-              <a:rPr lang="en-US" smtClean="0"/>
+              <a:rPr lang="en-US"/>
               <a:t>Click to edit Master text styles</a:t>
             </a:r>
           </a:p>
           <a:p>
             <a:pPr lvl="1" eaLnBrk="1" latinLnBrk="0" hangingPunct="1"/>
             <a:r>
-              <a:rPr lang="en-US" smtClean="0"/>
+              <a:rPr lang="en-US"/>
               <a:t>Second level</a:t>
             </a:r>
           </a:p>
           <a:p>
             <a:pPr lvl="2" eaLnBrk="1" latinLnBrk="0" hangingPunct="1"/>
             <a:r>
-              <a:rPr lang="en-US" smtClean="0"/>
+              <a:rPr lang="en-US"/>
               <a:t>Third level</a:t>
             </a:r>
           </a:p>
           <a:p>
             <a:pPr lvl="3" eaLnBrk="1" latinLnBrk="0" hangingPunct="1"/>
             <a:r>
-              <a:rPr lang="en-US" smtClean="0"/>
+              <a:rPr lang="en-US"/>
               <a:t>Fourth level</a:t>
             </a:r>
           </a:p>
           <a:p>
             <a:pPr lvl="4" eaLnBrk="1" latinLnBrk="0" hangingPunct="1"/>
             <a:r>
-              <a:rPr lang="en-US" smtClean="0"/>
+              <a:rPr lang="en-US"/>
               <a:t>Fifth level</a:t>
             </a:r>
             <a:endParaRPr kumimoji="0" lang="en-US"/>
@@ -2342,35 +2356,35 @@
           <a:p>
             <a:pPr lvl="0" eaLnBrk="1" latinLnBrk="0" hangingPunct="1"/>
             <a:r>
-              <a:rPr lang="en-US" smtClean="0"/>
+              <a:rPr lang="en-US"/>
               <a:t>Click to edit Master text styles</a:t>
             </a:r>
           </a:p>
           <a:p>
             <a:pPr lvl="1" eaLnBrk="1" latinLnBrk="0" hangingPunct="1"/>
             <a:r>
-              <a:rPr lang="en-US" smtClean="0"/>
+              <a:rPr lang="en-US"/>
               <a:t>Second level</a:t>
             </a:r>
           </a:p>
           <a:p>
             <a:pPr lvl="2" eaLnBrk="1" latinLnBrk="0" hangingPunct="1"/>
             <a:r>
-              <a:rPr lang="en-US" smtClean="0"/>
+              <a:rPr lang="en-US"/>
               <a:t>Third level</a:t>
             </a:r>
           </a:p>
           <a:p>
             <a:pPr lvl="3" eaLnBrk="1" latinLnBrk="0" hangingPunct="1"/>
             <a:r>
-              <a:rPr lang="en-US" smtClean="0"/>
+              <a:rPr lang="en-US"/>
               <a:t>Fourth level</a:t>
             </a:r>
           </a:p>
           <a:p>
             <a:pPr lvl="4" eaLnBrk="1" latinLnBrk="0" hangingPunct="1"/>
             <a:r>
-              <a:rPr lang="en-US" smtClean="0"/>
+              <a:rPr lang="en-US"/>
               <a:t>Fifth level</a:t>
             </a:r>
             <a:endParaRPr kumimoji="0" lang="en-US"/>
@@ -2400,7 +2414,7 @@
             <a:fld id="{48A87A34-81AB-432B-8DAE-1953F412C126}" type="datetimeFigureOut">
               <a:rPr lang="en-US" smtClean="0"/>
               <a:pPr/>
-              <a:t>12/5/2017</a:t>
+              <a:t>12/6/2017</a:t>
             </a:fld>
             <a:endParaRPr lang="en-US" dirty="0"/>
           </a:p>
@@ -2508,10 +2522,9 @@
           </a:lstStyle>
           <a:p>
             <a:r>
-              <a:rPr kumimoji="0" lang="en-US" smtClean="0"/>
+              <a:rPr kumimoji="0" lang="en-US"/>
               <a:t>Click to edit Master title style</a:t>
             </a:r>
-            <a:endParaRPr kumimoji="0" lang="en-US"/>
           </a:p>
         </p:txBody>
       </p:sp>
@@ -2533,7 +2546,7 @@
             <a:fld id="{48A87A34-81AB-432B-8DAE-1953F412C126}" type="datetimeFigureOut">
               <a:rPr lang="en-US" smtClean="0"/>
               <a:pPr/>
-              <a:t>12/5/2017</a:t>
+              <a:t>12/6/2017</a:t>
             </a:fld>
             <a:endParaRPr lang="en-US" dirty="0"/>
           </a:p>
@@ -2630,7 +2643,7 @@
             <a:fld id="{48A87A34-81AB-432B-8DAE-1953F412C126}" type="datetimeFigureOut">
               <a:rPr lang="en-US" smtClean="0"/>
               <a:pPr/>
-              <a:t>12/5/2017</a:t>
+              <a:t>12/6/2017</a:t>
             </a:fld>
             <a:endParaRPr lang="en-US" dirty="0"/>
           </a:p>
@@ -2748,10 +2761,9 @@
           </a:lstStyle>
           <a:p>
             <a:r>
-              <a:rPr kumimoji="0" lang="en-US" smtClean="0"/>
+              <a:rPr kumimoji="0" lang="en-US"/>
               <a:t>Click to edit Master title style</a:t>
             </a:r>
-            <a:endParaRPr kumimoji="0" lang="en-US"/>
           </a:p>
         </p:txBody>
       </p:sp>
@@ -2801,7 +2813,7 @@
           <a:p>
             <a:pPr lvl="0" eaLnBrk="1" latinLnBrk="0" hangingPunct="1"/>
             <a:r>
-              <a:rPr kumimoji="0" lang="en-US" smtClean="0"/>
+              <a:rPr kumimoji="0" lang="en-US"/>
               <a:t>Click to edit Master text styles</a:t>
             </a:r>
           </a:p>
@@ -2848,35 +2860,35 @@
           <a:p>
             <a:pPr lvl="0" eaLnBrk="1" latinLnBrk="0" hangingPunct="1"/>
             <a:r>
-              <a:rPr lang="en-US" smtClean="0"/>
+              <a:rPr lang="en-US"/>
               <a:t>Click to edit Master text styles</a:t>
             </a:r>
           </a:p>
           <a:p>
             <a:pPr lvl="1" eaLnBrk="1" latinLnBrk="0" hangingPunct="1"/>
             <a:r>
-              <a:rPr lang="en-US" smtClean="0"/>
+              <a:rPr lang="en-US"/>
               <a:t>Second level</a:t>
             </a:r>
           </a:p>
           <a:p>
             <a:pPr lvl="2" eaLnBrk="1" latinLnBrk="0" hangingPunct="1"/>
             <a:r>
-              <a:rPr lang="en-US" smtClean="0"/>
+              <a:rPr lang="en-US"/>
               <a:t>Third level</a:t>
             </a:r>
           </a:p>
           <a:p>
             <a:pPr lvl="3" eaLnBrk="1" latinLnBrk="0" hangingPunct="1"/>
             <a:r>
-              <a:rPr lang="en-US" smtClean="0"/>
+              <a:rPr lang="en-US"/>
               <a:t>Fourth level</a:t>
             </a:r>
           </a:p>
           <a:p>
             <a:pPr lvl="4" eaLnBrk="1" latinLnBrk="0" hangingPunct="1"/>
             <a:r>
-              <a:rPr lang="en-US" smtClean="0"/>
+              <a:rPr lang="en-US"/>
               <a:t>Fifth level</a:t>
             </a:r>
             <a:endParaRPr kumimoji="0" lang="en-US"/>
@@ -2910,7 +2922,7 @@
             <a:fld id="{48A87A34-81AB-432B-8DAE-1953F412C126}" type="datetimeFigureOut">
               <a:rPr lang="en-US" smtClean="0"/>
               <a:pPr/>
-              <a:t>12/5/2017</a:t>
+              <a:t>12/6/2017</a:t>
             </a:fld>
             <a:endParaRPr lang="en-US" dirty="0"/>
           </a:p>
@@ -3033,10 +3045,9 @@
           </a:lstStyle>
           <a:p>
             <a:r>
-              <a:rPr kumimoji="0" lang="en-US" smtClean="0"/>
+              <a:rPr kumimoji="0" lang="en-US"/>
               <a:t>Click to edit Master title style</a:t>
             </a:r>
-            <a:endParaRPr kumimoji="0" lang="en-US"/>
           </a:p>
         </p:txBody>
       </p:sp>
@@ -3071,7 +3082,7 @@
           </a:lstStyle>
           <a:p>
             <a:r>
-              <a:rPr kumimoji="0" lang="en-US" smtClean="0"/>
+              <a:rPr kumimoji="0" lang="en-US"/>
               <a:t>Click icon to add picture</a:t>
             </a:r>
             <a:endParaRPr kumimoji="0" lang="en-US" dirty="0"/>
@@ -3131,7 +3142,7 @@
           <a:p>
             <a:pPr lvl="0" eaLnBrk="1" latinLnBrk="0" hangingPunct="1"/>
             <a:r>
-              <a:rPr kumimoji="0" lang="en-US" smtClean="0"/>
+              <a:rPr kumimoji="0" lang="en-US"/>
               <a:t>Click to edit Master text styles</a:t>
             </a:r>
           </a:p>
@@ -3164,7 +3175,7 @@
             <a:fld id="{48A87A34-81AB-432B-8DAE-1953F412C126}" type="datetimeFigureOut">
               <a:rPr lang="en-US" smtClean="0"/>
               <a:pPr/>
-              <a:t>12/5/2017</a:t>
+              <a:t>12/6/2017</a:t>
             </a:fld>
             <a:endParaRPr lang="en-US" dirty="0"/>
           </a:p>
@@ -3435,10 +3446,9 @@
           <a:lstStyle/>
           <a:p>
             <a:r>
-              <a:rPr kumimoji="0" lang="en-US" smtClean="0"/>
+              <a:rPr kumimoji="0" lang="en-US"/>
               <a:t>Click to edit Master title style</a:t>
             </a:r>
-            <a:endParaRPr kumimoji="0" lang="en-US"/>
           </a:p>
         </p:txBody>
       </p:sp>
@@ -3469,38 +3479,37 @@
           <a:p>
             <a:pPr lvl="0" eaLnBrk="1" latinLnBrk="0" hangingPunct="1"/>
             <a:r>
-              <a:rPr kumimoji="0" lang="en-US" smtClean="0"/>
+              <a:rPr kumimoji="0" lang="en-US"/>
               <a:t>Click to edit Master text styles</a:t>
             </a:r>
           </a:p>
           <a:p>
             <a:pPr lvl="1" eaLnBrk="1" latinLnBrk="0" hangingPunct="1"/>
             <a:r>
-              <a:rPr kumimoji="0" lang="en-US" smtClean="0"/>
+              <a:rPr kumimoji="0" lang="en-US"/>
               <a:t>Second level</a:t>
             </a:r>
           </a:p>
           <a:p>
             <a:pPr lvl="2" eaLnBrk="1" latinLnBrk="0" hangingPunct="1"/>
             <a:r>
-              <a:rPr kumimoji="0" lang="en-US" smtClean="0"/>
+              <a:rPr kumimoji="0" lang="en-US"/>
               <a:t>Third level</a:t>
             </a:r>
           </a:p>
           <a:p>
             <a:pPr lvl="3" eaLnBrk="1" latinLnBrk="0" hangingPunct="1"/>
             <a:r>
-              <a:rPr kumimoji="0" lang="en-US" smtClean="0"/>
+              <a:rPr kumimoji="0" lang="en-US"/>
               <a:t>Fourth level</a:t>
             </a:r>
           </a:p>
           <a:p>
             <a:pPr lvl="4" eaLnBrk="1" latinLnBrk="0" hangingPunct="1"/>
             <a:r>
-              <a:rPr kumimoji="0" lang="en-US" smtClean="0"/>
+              <a:rPr kumimoji="0" lang="en-US"/>
               <a:t>Fifth level</a:t>
             </a:r>
-            <a:endParaRPr kumimoji="0" lang="en-US"/>
           </a:p>
         </p:txBody>
       </p:sp>
@@ -3538,7 +3547,7 @@
             <a:fld id="{48A87A34-81AB-432B-8DAE-1953F412C126}" type="datetimeFigureOut">
               <a:rPr lang="en-US" smtClean="0"/>
               <a:pPr/>
-              <a:t>12/5/2017</a:t>
+              <a:t>12/6/2017</a:t>
             </a:fld>
             <a:endParaRPr lang="en-US" dirty="0"/>
           </a:p>
@@ -4011,20 +4020,13 @@
     </p:spTree>
     <p:extLst>
       <p:ext uri="{BB962C8B-B14F-4D97-AF65-F5344CB8AC3E}">
-        <p14:creationId xmlns:p14="http://schemas.microsoft.com/office/powerpoint/2010/main" xmlns="" val="2624391631"/>
+        <p14:creationId xmlns:p14="http://schemas.microsoft.com/office/powerpoint/2010/main" val="2624391631"/>
       </p:ext>
     </p:extLst>
   </p:cSld>
   <p:clrMapOvr>
     <a:masterClrMapping/>
   </p:clrMapOvr>
-  <p:timing>
-    <p:tnLst>
-      <p:par>
-        <p:cTn id="1" dur="indefinite" restart="never" nodeType="tmRoot"/>
-      </p:par>
-    </p:tnLst>
-  </p:timing>
 </p:sld>
 </file>
 
@@ -4045,205 +4047,76 @@
           <a:chExt cx="0" cy="0"/>
         </a:xfrm>
       </p:grpSpPr>
-      <p:sp>
-        <p:nvSpPr>
-          <p:cNvPr id="2" name="Title 1"/>
-          <p:cNvSpPr>
-            <a:spLocks noGrp="1"/>
-          </p:cNvSpPr>
-          <p:nvPr>
-            <p:ph type="title"/>
-          </p:nvPr>
-        </p:nvSpPr>
-        <p:spPr/>
-        <p:txBody>
-          <a:bodyPr/>
-          <a:lstStyle/>
-          <a:p>
-            <a:r>
-              <a:rPr lang="en-US" dirty="0"/>
-              <a:t>Algorithm 2 </a:t>
-            </a:r>
-            <a:r>
-              <a:rPr lang="mr-IN" dirty="0"/>
-              <a:t>–</a:t>
-            </a:r>
-            <a:r>
-              <a:rPr lang="en-US" dirty="0"/>
-              <a:t> Random Forest</a:t>
-            </a:r>
-          </a:p>
-        </p:txBody>
-      </p:sp>
-      <p:sp>
-        <p:nvSpPr>
-          <p:cNvPr id="3" name="Content Placeholder 2"/>
-          <p:cNvSpPr>
-            <a:spLocks noGrp="1"/>
-          </p:cNvSpPr>
-          <p:nvPr>
-            <p:ph idx="1"/>
-          </p:nvPr>
-        </p:nvSpPr>
-        <p:spPr/>
-        <p:txBody>
-          <a:bodyPr>
-            <a:normAutofit fontScale="85000" lnSpcReduction="20000"/>
-          </a:bodyPr>
-          <a:lstStyle/>
-          <a:p>
-            <a:r>
-              <a:rPr lang="en-US" dirty="0"/>
-              <a:t>For Gender, number of Trees (</a:t>
-            </a:r>
-            <a:r>
-              <a:rPr lang="en-US" dirty="0" err="1"/>
-              <a:t>ntree</a:t>
-            </a:r>
-            <a:r>
-              <a:rPr lang="en-US" dirty="0"/>
-              <a:t>) = 1000</a:t>
-            </a:r>
-          </a:p>
-          <a:p>
-            <a:pPr lvl="1"/>
-            <a:r>
-              <a:rPr lang="nb-NO" dirty="0"/>
-              <a:t>0.874 accuracy</a:t>
-            </a:r>
-          </a:p>
-          <a:p>
-            <a:r>
-              <a:rPr lang="en-US" dirty="0"/>
-              <a:t>For Gender, number of Trees (</a:t>
-            </a:r>
-            <a:r>
-              <a:rPr lang="en-US" dirty="0" err="1"/>
-              <a:t>ntree</a:t>
-            </a:r>
-            <a:r>
-              <a:rPr lang="en-US" dirty="0"/>
-              <a:t>) = 2000</a:t>
-            </a:r>
-          </a:p>
-          <a:p>
-            <a:pPr lvl="1"/>
-            <a:r>
-              <a:rPr lang="nb-NO" dirty="0"/>
-              <a:t>0.88 accuracy</a:t>
-            </a:r>
-          </a:p>
-          <a:p>
-            <a:r>
-              <a:rPr lang="en-US" dirty="0"/>
-              <a:t>For Gender, number of Trees (</a:t>
-            </a:r>
-            <a:r>
-              <a:rPr lang="en-US" dirty="0" err="1"/>
-              <a:t>ntree</a:t>
-            </a:r>
-            <a:r>
-              <a:rPr lang="en-US" dirty="0"/>
-              <a:t>) = 3000</a:t>
-            </a:r>
-          </a:p>
-          <a:p>
-            <a:pPr lvl="1"/>
-            <a:r>
-              <a:rPr lang="nb-NO" dirty="0"/>
-              <a:t>0.88 accuracy</a:t>
-            </a:r>
-          </a:p>
-          <a:p>
-            <a:r>
-              <a:rPr lang="en-US" dirty="0"/>
-              <a:t>For Liar, number of Trees (</a:t>
-            </a:r>
-            <a:r>
-              <a:rPr lang="en-US" dirty="0" err="1"/>
-              <a:t>ntree</a:t>
-            </a:r>
-            <a:r>
-              <a:rPr lang="en-US" dirty="0"/>
-              <a:t>) = 1000</a:t>
-            </a:r>
-          </a:p>
-          <a:p>
-            <a:pPr lvl="1"/>
-            <a:r>
-              <a:rPr lang="nb-NO" dirty="0"/>
-              <a:t>0.5822785 accuracy</a:t>
-            </a:r>
-          </a:p>
-          <a:p>
-            <a:r>
-              <a:rPr lang="en-US" dirty="0"/>
-              <a:t>For Liar, number of Trees (</a:t>
-            </a:r>
-            <a:r>
-              <a:rPr lang="en-US" dirty="0" err="1"/>
-              <a:t>ntree</a:t>
-            </a:r>
-            <a:r>
-              <a:rPr lang="en-US" dirty="0"/>
-              <a:t>) = 2000</a:t>
-            </a:r>
-          </a:p>
-          <a:p>
-            <a:pPr lvl="1"/>
-            <a:r>
-              <a:rPr lang="nb-NO" dirty="0"/>
-              <a:t>0.5886076 accuracy</a:t>
-            </a:r>
-          </a:p>
-          <a:p>
-            <a:r>
-              <a:rPr lang="en-US" dirty="0"/>
-              <a:t>For Liar, number of Trees (</a:t>
-            </a:r>
-            <a:r>
-              <a:rPr lang="en-US" dirty="0" err="1"/>
-              <a:t>ntree</a:t>
-            </a:r>
-            <a:r>
-              <a:rPr lang="en-US" dirty="0"/>
-              <a:t>) = 3000</a:t>
-            </a:r>
-          </a:p>
-          <a:p>
-            <a:pPr lvl="1"/>
-            <a:r>
-              <a:rPr lang="nb-NO" dirty="0"/>
-              <a:t>0.5822785 accuracy</a:t>
-            </a:r>
-          </a:p>
-          <a:p>
-            <a:pPr lvl="1"/>
-            <a:endParaRPr lang="nb-NO" dirty="0"/>
-          </a:p>
-          <a:p>
-            <a:pPr lvl="1"/>
-            <a:endParaRPr lang="en-US" dirty="0"/>
-          </a:p>
-        </p:txBody>
-      </p:sp>
+      <p:pic>
+        <p:nvPicPr>
+          <p:cNvPr id="6" name="Picture 5">
+            <a:extLst>
+              <a:ext uri="{FF2B5EF4-FFF2-40B4-BE49-F238E27FC236}">
+                <a16:creationId xmlns:a16="http://schemas.microsoft.com/office/drawing/2014/main" id="{2EE0A306-66B1-476B-828C-664E99CBFE66}"/>
+              </a:ext>
+            </a:extLst>
+          </p:cNvPr>
+          <p:cNvPicPr>
+            <a:picLocks noChangeAspect="1"/>
+          </p:cNvPicPr>
+          <p:nvPr/>
+        </p:nvPicPr>
+        <p:blipFill>
+          <a:blip r:embed="rId2"/>
+          <a:stretch>
+            <a:fillRect/>
+          </a:stretch>
+        </p:blipFill>
+        <p:spPr>
+          <a:xfrm>
+            <a:off x="502906" y="249860"/>
+            <a:ext cx="5549102" cy="5830430"/>
+          </a:xfrm>
+          <a:prstGeom prst="rect">
+            <a:avLst/>
+          </a:prstGeom>
+        </p:spPr>
+      </p:pic>
+      <p:pic>
+        <p:nvPicPr>
+          <p:cNvPr id="2" name="Picture 1">
+            <a:extLst>
+              <a:ext uri="{FF2B5EF4-FFF2-40B4-BE49-F238E27FC236}">
+                <a16:creationId xmlns:a16="http://schemas.microsoft.com/office/drawing/2014/main" id="{86A41FC7-4FA5-41EE-B9C9-57C6CE06F3D5}"/>
+              </a:ext>
+            </a:extLst>
+          </p:cNvPr>
+          <p:cNvPicPr>
+            <a:picLocks noChangeAspect="1"/>
+          </p:cNvPicPr>
+          <p:nvPr/>
+        </p:nvPicPr>
+        <p:blipFill>
+          <a:blip r:embed="rId3"/>
+          <a:stretch>
+            <a:fillRect/>
+          </a:stretch>
+        </p:blipFill>
+        <p:spPr>
+          <a:xfrm>
+            <a:off x="6617615" y="249860"/>
+            <a:ext cx="5043342" cy="5830430"/>
+          </a:xfrm>
+          <a:prstGeom prst="rect">
+            <a:avLst/>
+          </a:prstGeom>
+        </p:spPr>
+      </p:pic>
     </p:spTree>
     <p:extLst>
       <p:ext uri="{BB962C8B-B14F-4D97-AF65-F5344CB8AC3E}">
-        <p14:creationId xmlns:p14="http://schemas.microsoft.com/office/powerpoint/2010/main" xmlns="" val="1835096561"/>
+        <p14:creationId xmlns:p14="http://schemas.microsoft.com/office/powerpoint/2010/main" val="2813237534"/>
       </p:ext>
     </p:extLst>
   </p:cSld>
   <p:clrMapOvr>
     <a:masterClrMapping/>
   </p:clrMapOvr>
-  <p:timing>
-    <p:tnLst>
-      <p:par>
-        <p:cTn id="1" dur="indefinite" restart="never" nodeType="tmRoot"/>
-      </p:par>
-    </p:tnLst>
-  </p:timing>
 </p:sld>
 </file>
 
@@ -4306,12 +4179,14 @@
         </p:nvSpPr>
         <p:spPr/>
         <p:txBody>
-          <a:bodyPr/>
+          <a:bodyPr>
+            <a:normAutofit/>
+          </a:bodyPr>
           <a:lstStyle/>
           <a:p>
             <a:r>
               <a:rPr lang="en-US" dirty="0"/>
-              <a:t>For Alcoholic, number of Trees (</a:t>
+              <a:t>For Gender, number of Trees (</a:t>
             </a:r>
             <a:r>
               <a:rPr lang="en-US" dirty="0" err="1"/>
@@ -4319,87 +4194,66 @@
             </a:r>
             <a:r>
               <a:rPr lang="en-US" dirty="0"/>
-              <a:t>) = 1000</a:t>
+              <a:t>) = 2000</a:t>
             </a:r>
           </a:p>
           <a:p>
             <a:pPr lvl="1"/>
             <a:r>
               <a:rPr lang="nb-NO" dirty="0"/>
-              <a:t>0.65823 accuracy</a:t>
-            </a:r>
-          </a:p>
-          <a:p>
-            <a:r>
-              <a:rPr lang="en-US" dirty="0"/>
-              <a:t>For Alcoholic, number of Trees (</a:t>
-            </a:r>
-            <a:r>
-              <a:rPr lang="en-US" dirty="0" err="1"/>
-              <a:t>ntree</a:t>
-            </a:r>
-            <a:r>
-              <a:rPr lang="en-US" dirty="0"/>
-              <a:t>) = 2000</a:t>
+              <a:t>0.9307 accuracy</a:t>
             </a:r>
           </a:p>
           <a:p>
             <a:pPr lvl="1"/>
-            <a:r>
-              <a:rPr lang="nb-NO" dirty="0"/>
-              <a:t>0.65823 accuracy</a:t>
-            </a:r>
-          </a:p>
-          <a:p>
-            <a:r>
-              <a:rPr lang="en-US" dirty="0"/>
-              <a:t>For Alcoholic, number of Trees (</a:t>
-            </a:r>
-            <a:r>
-              <a:rPr lang="en-US" dirty="0" err="1"/>
-              <a:t>ntree</a:t>
-            </a:r>
-            <a:r>
-              <a:rPr lang="en-US" dirty="0"/>
-              <a:t>) = 3000</a:t>
-            </a:r>
+            <a:endParaRPr lang="nb-NO" dirty="0"/>
           </a:p>
           <a:p>
             <a:pPr lvl="1"/>
-            <a:r>
-              <a:rPr lang="nb-NO" dirty="0"/>
-              <a:t>0.65823 accuracy</a:t>
-            </a:r>
-          </a:p>
-          <a:p>
-            <a:pPr marL="457200" lvl="1" indent="0">
-              <a:buNone/>
-            </a:pPr>
-            <a:endParaRPr lang="nb-NO" dirty="0"/>
-          </a:p>
-          <a:p>
-            <a:pPr lvl="1"/>
-            <a:endParaRPr lang="en-US" dirty="0"/>
-          </a:p>
-        </p:txBody>
-      </p:sp>
+            <a:endParaRPr lang="en-US" dirty="0"/>
+          </a:p>
+        </p:txBody>
+      </p:sp>
+      <p:pic>
+        <p:nvPicPr>
+          <p:cNvPr id="4" name="Picture 3">
+            <a:extLst>
+              <a:ext uri="{FF2B5EF4-FFF2-40B4-BE49-F238E27FC236}">
+                <a16:creationId xmlns:a16="http://schemas.microsoft.com/office/drawing/2014/main" id="{E41201F2-5E9E-49B7-9290-45E8A98E0C9B}"/>
+              </a:ext>
+            </a:extLst>
+          </p:cNvPr>
+          <p:cNvPicPr>
+            <a:picLocks noChangeAspect="1"/>
+          </p:cNvPicPr>
+          <p:nvPr/>
+        </p:nvPicPr>
+        <p:blipFill>
+          <a:blip r:embed="rId2"/>
+          <a:stretch>
+            <a:fillRect/>
+          </a:stretch>
+        </p:blipFill>
+        <p:spPr>
+          <a:xfrm>
+            <a:off x="3168978" y="3912125"/>
+            <a:ext cx="5231876" cy="1470582"/>
+          </a:xfrm>
+          <a:prstGeom prst="rect">
+            <a:avLst/>
+          </a:prstGeom>
+        </p:spPr>
+      </p:pic>
     </p:spTree>
     <p:extLst>
       <p:ext uri="{BB962C8B-B14F-4D97-AF65-F5344CB8AC3E}">
-        <p14:creationId xmlns:p14="http://schemas.microsoft.com/office/powerpoint/2010/main" xmlns="" val="1644211426"/>
+        <p14:creationId xmlns:p14="http://schemas.microsoft.com/office/powerpoint/2010/main" val="1835096561"/>
       </p:ext>
     </p:extLst>
   </p:cSld>
   <p:clrMapOvr>
     <a:masterClrMapping/>
   </p:clrMapOvr>
-  <p:timing>
-    <p:tnLst>
-      <p:par>
-        <p:cTn id="1" dur="indefinite" restart="never" nodeType="tmRoot"/>
-      </p:par>
-    </p:tnLst>
-  </p:timing>
 </p:sld>
 </file>
 
@@ -4420,105 +4274,76 @@
           <a:chExt cx="0" cy="0"/>
         </a:xfrm>
       </p:grpSpPr>
-      <p:sp>
-        <p:nvSpPr>
-          <p:cNvPr id="2" name="Title 1"/>
-          <p:cNvSpPr>
-            <a:spLocks noGrp="1"/>
-          </p:cNvSpPr>
-          <p:nvPr>
-            <p:ph type="title"/>
-          </p:nvPr>
-        </p:nvSpPr>
-        <p:spPr/>
-        <p:txBody>
-          <a:bodyPr/>
-          <a:lstStyle/>
-          <a:p>
-            <a:r>
-              <a:rPr lang="en-US" dirty="0"/>
-              <a:t>Algorithm 2 </a:t>
-            </a:r>
-            <a:r>
-              <a:rPr lang="mr-IN" dirty="0"/>
-              <a:t>–</a:t>
-            </a:r>
-            <a:r>
-              <a:rPr lang="en-US" dirty="0"/>
-              <a:t> Random Forest</a:t>
-            </a:r>
-          </a:p>
-        </p:txBody>
-      </p:sp>
-      <p:sp>
-        <p:nvSpPr>
-          <p:cNvPr id="3" name="Content Placeholder 2"/>
-          <p:cNvSpPr>
-            <a:spLocks noGrp="1"/>
-          </p:cNvSpPr>
-          <p:nvPr>
-            <p:ph idx="1"/>
-          </p:nvPr>
-        </p:nvSpPr>
-        <p:spPr/>
-        <p:txBody>
-          <a:bodyPr/>
-          <a:lstStyle/>
-          <a:p>
-            <a:r>
-              <a:rPr lang="en-US" dirty="0"/>
-              <a:t>Conclusion for random forest model:</a:t>
-            </a:r>
-          </a:p>
-          <a:p>
-            <a:pPr lvl="1"/>
-            <a:r>
-              <a:rPr lang="nb-NO" dirty="0"/>
-              <a:t>As the number of trees increase accuracy may or may not increase.</a:t>
-            </a:r>
-          </a:p>
-          <a:p>
-            <a:pPr lvl="1"/>
-            <a:r>
-              <a:rPr lang="nb-NO" dirty="0"/>
-              <a:t>Sometimes the accuracy of training dataset is less than the test dataset even though training has more data in it. So the size of data is also an important factor apart from number of trees.</a:t>
-            </a:r>
-          </a:p>
-          <a:p>
-            <a:pPr lvl="1"/>
-            <a:endParaRPr lang="nb-NO" dirty="0"/>
-          </a:p>
-          <a:p>
-            <a:pPr lvl="1"/>
-            <a:endParaRPr lang="nb-NO" dirty="0"/>
-          </a:p>
-          <a:p>
-            <a:pPr lvl="1"/>
-            <a:endParaRPr lang="nb-NO" dirty="0"/>
-          </a:p>
-          <a:p>
-            <a:pPr lvl="1"/>
-            <a:endParaRPr lang="en-US" dirty="0"/>
-          </a:p>
-        </p:txBody>
-      </p:sp>
+      <p:pic>
+        <p:nvPicPr>
+          <p:cNvPr id="2" name="Picture 1">
+            <a:extLst>
+              <a:ext uri="{FF2B5EF4-FFF2-40B4-BE49-F238E27FC236}">
+                <a16:creationId xmlns:a16="http://schemas.microsoft.com/office/drawing/2014/main" id="{CD66F473-202E-4695-A31E-CD0C63192611}"/>
+              </a:ext>
+            </a:extLst>
+          </p:cNvPr>
+          <p:cNvPicPr>
+            <a:picLocks noChangeAspect="1"/>
+          </p:cNvPicPr>
+          <p:nvPr/>
+        </p:nvPicPr>
+        <p:blipFill>
+          <a:blip r:embed="rId2"/>
+          <a:stretch>
+            <a:fillRect/>
+          </a:stretch>
+        </p:blipFill>
+        <p:spPr>
+          <a:xfrm>
+            <a:off x="6608190" y="287567"/>
+            <a:ext cx="5076972" cy="5830430"/>
+          </a:xfrm>
+          <a:prstGeom prst="rect">
+            <a:avLst/>
+          </a:prstGeom>
+        </p:spPr>
+      </p:pic>
+      <p:pic>
+        <p:nvPicPr>
+          <p:cNvPr id="3" name="Picture 2">
+            <a:extLst>
+              <a:ext uri="{FF2B5EF4-FFF2-40B4-BE49-F238E27FC236}">
+                <a16:creationId xmlns:a16="http://schemas.microsoft.com/office/drawing/2014/main" id="{88DE7B0B-7E4E-40A9-BA41-946E7654D5FB}"/>
+              </a:ext>
+            </a:extLst>
+          </p:cNvPr>
+          <p:cNvPicPr>
+            <a:picLocks noChangeAspect="1"/>
+          </p:cNvPicPr>
+          <p:nvPr/>
+        </p:nvPicPr>
+        <p:blipFill>
+          <a:blip r:embed="rId3"/>
+          <a:stretch>
+            <a:fillRect/>
+          </a:stretch>
+        </p:blipFill>
+        <p:spPr>
+          <a:xfrm>
+            <a:off x="502906" y="212153"/>
+            <a:ext cx="5549102" cy="5830430"/>
+          </a:xfrm>
+          <a:prstGeom prst="rect">
+            <a:avLst/>
+          </a:prstGeom>
+        </p:spPr>
+      </p:pic>
     </p:spTree>
     <p:extLst>
       <p:ext uri="{BB962C8B-B14F-4D97-AF65-F5344CB8AC3E}">
-        <p14:creationId xmlns:p14="http://schemas.microsoft.com/office/powerpoint/2010/main" xmlns="" val="501309509"/>
+        <p14:creationId xmlns:p14="http://schemas.microsoft.com/office/powerpoint/2010/main" val="1066629938"/>
       </p:ext>
     </p:extLst>
   </p:cSld>
   <p:clrMapOvr>
     <a:masterClrMapping/>
   </p:clrMapOvr>
-  <p:timing>
-    <p:tnLst>
-      <p:par>
-        <p:cTn id="1" dur="indefinite" restart="never" nodeType="tmRoot"/>
-      </p:par>
-    </p:tnLst>
-  </p:timing>
 </p:sld>
 </file>
 
@@ -4556,7 +4381,7 @@
           <a:p>
             <a:r>
               <a:rPr lang="en-US" dirty="0"/>
-              <a:t>Algorithm 3 </a:t>
+              <a:t>Algorithm 2 </a:t>
             </a:r>
             <a:r>
               <a:rPr lang="mr-IN" dirty="0"/>
@@ -4564,7 +4389,7 @@
             </a:r>
             <a:r>
               <a:rPr lang="en-US" dirty="0"/>
-              <a:t> Neural Network</a:t>
+              <a:t> Random Forest</a:t>
             </a:r>
           </a:p>
         </p:txBody>
@@ -4581,117 +4406,50 @@
         </p:nvSpPr>
         <p:spPr/>
         <p:txBody>
-          <a:bodyPr>
-            <a:normAutofit fontScale="92500" lnSpcReduction="20000"/>
-          </a:bodyPr>
+          <a:bodyPr/>
           <a:lstStyle/>
           <a:p>
             <a:r>
               <a:rPr lang="en-US" dirty="0"/>
-              <a:t>Features used </a:t>
-            </a:r>
-            <a:r>
-              <a:rPr lang="en-US" dirty="0" smtClean="0"/>
-              <a:t>All columns except the categorical data like smoker, alcoholic etc</a:t>
-            </a:r>
-          </a:p>
-          <a:p>
-            <a:r>
-              <a:rPr lang="en-US" i="1" dirty="0" smtClean="0"/>
-              <a:t>Approach 1</a:t>
-            </a:r>
-            <a:r>
-              <a:rPr lang="en-US" dirty="0" smtClean="0"/>
-              <a:t>: replace missing value with mean of column</a:t>
-            </a:r>
-            <a:endParaRPr lang="en-US" dirty="0"/>
-          </a:p>
-          <a:p>
-            <a:r>
-              <a:rPr lang="en-US" dirty="0"/>
-              <a:t>Learning Rate: </a:t>
-            </a:r>
-            <a:r>
-              <a:rPr lang="en-US" dirty="0" smtClean="0"/>
-              <a:t>0.05 Hidden </a:t>
-            </a:r>
-            <a:r>
-              <a:rPr lang="en-US" dirty="0"/>
-              <a:t>Layers = </a:t>
-            </a:r>
-            <a:r>
-              <a:rPr lang="en-US" dirty="0" smtClean="0"/>
-              <a:t>5</a:t>
-            </a:r>
-            <a:endParaRPr lang="en-US" dirty="0"/>
+              <a:t>For Gender, number of Trees (</a:t>
+            </a:r>
+            <a:r>
+              <a:rPr lang="en-US" dirty="0" err="1"/>
+              <a:t>ntree</a:t>
+            </a:r>
+            <a:r>
+              <a:rPr lang="en-US" dirty="0"/>
+              <a:t>) = 3000</a:t>
+            </a:r>
           </a:p>
           <a:p>
             <a:pPr lvl="1"/>
             <a:r>
-              <a:rPr lang="en-US" dirty="0" smtClean="0"/>
-              <a:t>0.9207920792</a:t>
-            </a:r>
-            <a:r>
-              <a:rPr lang="en-US" dirty="0" smtClean="0"/>
-              <a:t> accuracy  (1= Female, 0= Male)</a:t>
-            </a:r>
-            <a:endParaRPr lang="en-US" dirty="0"/>
+              <a:rPr lang="nb-NO" dirty="0"/>
+              <a:t>0.94 accuracy</a:t>
+            </a:r>
+          </a:p>
+          <a:p>
+            <a:pPr marL="457200" lvl="1" indent="0">
+              <a:buNone/>
+            </a:pPr>
+            <a:endParaRPr lang="nb-NO" dirty="0"/>
           </a:p>
           <a:p>
             <a:pPr lvl="1"/>
-            <a:endParaRPr lang="en-US" dirty="0"/>
-          </a:p>
-          <a:p>
-            <a:pPr lvl="1"/>
-            <a:endParaRPr lang="en-US" dirty="0"/>
-          </a:p>
-          <a:p>
-            <a:pPr lvl="1"/>
-            <a:endParaRPr lang="en-US" dirty="0"/>
-          </a:p>
-          <a:p>
-            <a:pPr lvl="1"/>
-            <a:endParaRPr lang="en-US" dirty="0"/>
-          </a:p>
-          <a:p>
-            <a:r>
-              <a:rPr lang="en-US" dirty="0"/>
-              <a:t>Learning Rate: </a:t>
-            </a:r>
-            <a:r>
-              <a:rPr lang="en-US" dirty="0" smtClean="0"/>
-              <a:t>0.1 </a:t>
-            </a:r>
-            <a:r>
-              <a:rPr lang="en-US" dirty="0"/>
-              <a:t>Hidden Layers = </a:t>
-            </a:r>
-            <a:r>
-              <a:rPr lang="en-US" dirty="0" smtClean="0"/>
-              <a:t>5</a:t>
-            </a:r>
-            <a:endParaRPr lang="en-US" dirty="0"/>
-          </a:p>
-          <a:p>
-            <a:pPr lvl="1"/>
-            <a:r>
-              <a:rPr lang="en-US" dirty="0" smtClean="0"/>
-              <a:t>0.900990099 accuracy</a:t>
-            </a:r>
-            <a:endParaRPr lang="en-US" dirty="0"/>
-          </a:p>
-          <a:p>
-            <a:pPr lvl="1"/>
-            <a:endParaRPr lang="en-US" dirty="0"/>
-          </a:p>
-          <a:p>
             <a:endParaRPr lang="en-US" dirty="0"/>
           </a:p>
         </p:txBody>
       </p:sp>
       <p:pic>
         <p:nvPicPr>
-          <p:cNvPr id="6" name="Picture 5" descr="ann_5_5.PNG"/>
+          <p:cNvPr id="4" name="Picture 3">
+            <a:extLst>
+              <a:ext uri="{FF2B5EF4-FFF2-40B4-BE49-F238E27FC236}">
+                <a16:creationId xmlns:a16="http://schemas.microsoft.com/office/drawing/2014/main" id="{E547C40E-EBC3-48BE-A5E8-18839AC62B6E}"/>
+              </a:ext>
+            </a:extLst>
+          </p:cNvPr>
           <p:cNvPicPr>
             <a:picLocks noChangeAspect="1"/>
           </p:cNvPicPr>
@@ -4705,8 +4463,8 @@
         </p:blipFill>
         <p:spPr>
           <a:xfrm>
-            <a:off x="3232591" y="3987129"/>
-            <a:ext cx="2886853" cy="1069834"/>
+            <a:off x="3214540" y="3679890"/>
+            <a:ext cx="4807670" cy="1617973"/>
           </a:xfrm>
           <a:prstGeom prst="rect">
             <a:avLst/>
@@ -4716,20 +4474,13 @@
     </p:spTree>
     <p:extLst>
       <p:ext uri="{BB962C8B-B14F-4D97-AF65-F5344CB8AC3E}">
-        <p14:creationId xmlns:p14="http://schemas.microsoft.com/office/powerpoint/2010/main" xmlns="" val="2699455244"/>
+        <p14:creationId xmlns:p14="http://schemas.microsoft.com/office/powerpoint/2010/main" val="1644211426"/>
       </p:ext>
     </p:extLst>
   </p:cSld>
   <p:clrMapOvr>
     <a:masterClrMapping/>
   </p:clrMapOvr>
-  <p:timing>
-    <p:tnLst>
-      <p:par>
-        <p:cTn id="1" dur="indefinite" restart="never" nodeType="tmRoot"/>
-      </p:par>
-    </p:tnLst>
-  </p:timing>
 </p:sld>
 </file>
 
@@ -4750,131 +4501,15 @@
           <a:chExt cx="0" cy="0"/>
         </a:xfrm>
       </p:grpSpPr>
-      <p:sp>
-        <p:nvSpPr>
-          <p:cNvPr id="2" name="Title 1"/>
-          <p:cNvSpPr>
-            <a:spLocks noGrp="1"/>
-          </p:cNvSpPr>
-          <p:nvPr>
-            <p:ph type="title"/>
-          </p:nvPr>
-        </p:nvSpPr>
-        <p:spPr/>
-        <p:txBody>
-          <a:bodyPr/>
-          <a:lstStyle/>
-          <a:p>
-            <a:r>
-              <a:rPr lang="en-US" dirty="0" smtClean="0"/>
-              <a:t>Algorithm 3 </a:t>
-            </a:r>
-            <a:r>
-              <a:rPr lang="mr-IN" dirty="0" smtClean="0"/>
-              <a:t>–</a:t>
-            </a:r>
-            <a:r>
-              <a:rPr lang="en-US" dirty="0" smtClean="0"/>
-              <a:t> Neural Network</a:t>
-            </a:r>
-            <a:endParaRPr lang="en-US" dirty="0"/>
-          </a:p>
-        </p:txBody>
-      </p:sp>
-      <p:sp>
-        <p:nvSpPr>
-          <p:cNvPr id="3" name="Content Placeholder 2"/>
-          <p:cNvSpPr>
-            <a:spLocks noGrp="1"/>
-          </p:cNvSpPr>
-          <p:nvPr>
-            <p:ph idx="1"/>
-          </p:nvPr>
-        </p:nvSpPr>
-        <p:spPr/>
-        <p:txBody>
-          <a:bodyPr>
-            <a:normAutofit/>
-          </a:bodyPr>
-          <a:lstStyle/>
-          <a:p>
-            <a:r>
-              <a:rPr lang="en-US" i="1" dirty="0" smtClean="0"/>
-              <a:t>Approach 1</a:t>
-            </a:r>
-            <a:r>
-              <a:rPr lang="en-US" dirty="0" smtClean="0"/>
-              <a:t>: </a:t>
-            </a:r>
-            <a:r>
-              <a:rPr lang="en-US" dirty="0" smtClean="0"/>
-              <a:t>omit missing value (684 columns)</a:t>
-            </a:r>
-            <a:endParaRPr lang="en-US" dirty="0" smtClean="0"/>
-          </a:p>
-          <a:p>
-            <a:r>
-              <a:rPr lang="en-US" dirty="0" smtClean="0"/>
-              <a:t>Learning Rate: 0.05 Hidden Layers = 5</a:t>
-            </a:r>
-          </a:p>
-          <a:p>
-            <a:pPr lvl="1"/>
-            <a:r>
-              <a:rPr lang="en-US" dirty="0" smtClean="0"/>
-              <a:t>0.9197080292 accuracy  (1= Female, 0= Male)</a:t>
-            </a:r>
-          </a:p>
-          <a:p>
-            <a:pPr lvl="1"/>
-            <a:endParaRPr lang="en-US" dirty="0" smtClean="0"/>
-          </a:p>
-          <a:p>
-            <a:pPr lvl="1"/>
-            <a:endParaRPr lang="en-US" dirty="0" smtClean="0"/>
-          </a:p>
-          <a:p>
-            <a:pPr lvl="1"/>
-            <a:endParaRPr lang="en-US" dirty="0" smtClean="0"/>
-          </a:p>
-          <a:p>
-            <a:pPr lvl="1"/>
-            <a:endParaRPr lang="en-US" dirty="0" smtClean="0"/>
-          </a:p>
-          <a:p>
-            <a:r>
-              <a:rPr lang="en-US" dirty="0" smtClean="0"/>
-              <a:t>Learning Rate: </a:t>
-            </a:r>
-            <a:r>
-              <a:rPr lang="en-US" dirty="0" smtClean="0"/>
-              <a:t>0.05 </a:t>
-            </a:r>
-            <a:r>
-              <a:rPr lang="en-US" dirty="0" smtClean="0"/>
-              <a:t>Hidden Layers = </a:t>
-            </a:r>
-            <a:r>
-              <a:rPr lang="en-US" dirty="0" smtClean="0"/>
-              <a:t>10</a:t>
-            </a:r>
-            <a:endParaRPr lang="en-US" dirty="0" smtClean="0"/>
-          </a:p>
-          <a:p>
-            <a:pPr lvl="1"/>
-            <a:r>
-              <a:rPr lang="en-US" dirty="0" smtClean="0"/>
-              <a:t>0.9051094891 accuracy</a:t>
-            </a:r>
-          </a:p>
-          <a:p>
-            <a:endParaRPr lang="en-US" dirty="0"/>
-          </a:p>
-        </p:txBody>
-      </p:sp>
       <p:pic>
         <p:nvPicPr>
-          <p:cNvPr id="4" name="Picture 3" descr="ann_5_5_omit.PNG"/>
+          <p:cNvPr id="6" name="Picture 5">
+            <a:extLst>
+              <a:ext uri="{FF2B5EF4-FFF2-40B4-BE49-F238E27FC236}">
+                <a16:creationId xmlns:a16="http://schemas.microsoft.com/office/drawing/2014/main" id="{E5500A7C-34BB-49CE-8A02-F70D95A61149}"/>
+              </a:ext>
+            </a:extLst>
+          </p:cNvPr>
           <p:cNvPicPr>
             <a:picLocks noChangeAspect="1"/>
           </p:cNvPicPr>
@@ -4888,26 +4523,54 @@
         </p:blipFill>
         <p:spPr>
           <a:xfrm>
-            <a:off x="3066757" y="3682324"/>
-            <a:ext cx="2700997" cy="1116411"/>
+            <a:off x="502906" y="212153"/>
+            <a:ext cx="5549102" cy="5830430"/>
           </a:xfrm>
           <a:prstGeom prst="rect">
             <a:avLst/>
           </a:prstGeom>
         </p:spPr>
       </p:pic>
+      <p:pic>
+        <p:nvPicPr>
+          <p:cNvPr id="2" name="Picture 1">
+            <a:extLst>
+              <a:ext uri="{FF2B5EF4-FFF2-40B4-BE49-F238E27FC236}">
+                <a16:creationId xmlns:a16="http://schemas.microsoft.com/office/drawing/2014/main" id="{E0455F67-7B2A-43B3-8BAD-3ABFCA79DEB2}"/>
+              </a:ext>
+            </a:extLst>
+          </p:cNvPr>
+          <p:cNvPicPr>
+            <a:picLocks noChangeAspect="1"/>
+          </p:cNvPicPr>
+          <p:nvPr/>
+        </p:nvPicPr>
+        <p:blipFill>
+          <a:blip r:embed="rId3"/>
+          <a:stretch>
+            <a:fillRect/>
+          </a:stretch>
+        </p:blipFill>
+        <p:spPr>
+          <a:xfrm>
+            <a:off x="6476213" y="212152"/>
+            <a:ext cx="5316719" cy="5830431"/>
+          </a:xfrm>
+          <a:prstGeom prst="rect">
+            <a:avLst/>
+          </a:prstGeom>
+        </p:spPr>
+      </p:pic>
     </p:spTree>
+    <p:extLst>
+      <p:ext uri="{BB962C8B-B14F-4D97-AF65-F5344CB8AC3E}">
+        <p14:creationId xmlns:p14="http://schemas.microsoft.com/office/powerpoint/2010/main" val="661810499"/>
+      </p:ext>
+    </p:extLst>
   </p:cSld>
   <p:clrMapOvr>
     <a:masterClrMapping/>
   </p:clrMapOvr>
-  <p:timing>
-    <p:tnLst>
-      <p:par>
-        <p:cTn id="1" dur="indefinite" restart="never" nodeType="tmRoot"/>
-      </p:par>
-    </p:tnLst>
-  </p:timing>
 </p:sld>
 </file>
 
@@ -4944,10 +4607,17 @@
           <a:lstStyle/>
           <a:p>
             <a:r>
-              <a:rPr lang="en-US" dirty="0" smtClean="0"/>
-              <a:t>Algorithm 4 – C5.0</a:t>
-            </a:r>
-            <a:endParaRPr lang="en-US" dirty="0"/>
+              <a:rPr lang="en-US" dirty="0"/>
+              <a:t>Algorithm 2 </a:t>
+            </a:r>
+            <a:r>
+              <a:rPr lang="mr-IN" dirty="0"/>
+              <a:t>–</a:t>
+            </a:r>
+            <a:r>
+              <a:rPr lang="en-US" dirty="0"/>
+              <a:t> Random Forest</a:t>
+            </a:r>
           </a:p>
         </p:txBody>
       </p:sp>
@@ -4967,30 +4637,98 @@
           <a:lstStyle/>
           <a:p>
             <a:r>
-              <a:rPr lang="en-US" dirty="0" smtClean="0"/>
-              <a:t>Extra!</a:t>
-            </a:r>
-          </a:p>
-          <a:p>
-            <a:r>
-              <a:rPr lang="en-US" dirty="0" smtClean="0"/>
-              <a:t>Interesting dependencies between seemingly independent aspects of an individual</a:t>
-            </a:r>
-          </a:p>
-        </p:txBody>
-      </p:sp>
+              <a:rPr lang="en-US" dirty="0"/>
+              <a:t>Approach 2: Omitting NA values. (684 columns)</a:t>
+            </a:r>
+          </a:p>
+          <a:p>
+            <a:r>
+              <a:rPr lang="en-US" dirty="0"/>
+              <a:t>For Gender, number of Trees (</a:t>
+            </a:r>
+            <a:r>
+              <a:rPr lang="en-US" dirty="0" err="1"/>
+              <a:t>ntree</a:t>
+            </a:r>
+            <a:r>
+              <a:rPr lang="en-US" dirty="0"/>
+              <a:t>) = 1000</a:t>
+            </a:r>
+          </a:p>
+          <a:p>
+            <a:pPr lvl="1"/>
+            <a:r>
+              <a:rPr lang="nb-NO" dirty="0"/>
+              <a:t>0.9416 accuracy</a:t>
+            </a:r>
+          </a:p>
+          <a:p>
+            <a:pPr marL="457200" lvl="1" indent="0">
+              <a:buNone/>
+            </a:pPr>
+            <a:endParaRPr lang="nb-NO" dirty="0"/>
+          </a:p>
+          <a:p>
+            <a:pPr lvl="1"/>
+            <a:endParaRPr lang="nb-NO" dirty="0"/>
+          </a:p>
+          <a:p>
+            <a:pPr lvl="1"/>
+            <a:endParaRPr lang="nb-NO" dirty="0"/>
+          </a:p>
+          <a:p>
+            <a:pPr lvl="1"/>
+            <a:endParaRPr lang="nb-NO" dirty="0"/>
+          </a:p>
+          <a:p>
+            <a:endParaRPr lang="nb-NO" dirty="0"/>
+          </a:p>
+          <a:p>
+            <a:pPr lvl="1"/>
+            <a:endParaRPr lang="en-US" dirty="0"/>
+          </a:p>
+        </p:txBody>
+      </p:sp>
+      <p:pic>
+        <p:nvPicPr>
+          <p:cNvPr id="5" name="Picture 4">
+            <a:extLst>
+              <a:ext uri="{FF2B5EF4-FFF2-40B4-BE49-F238E27FC236}">
+                <a16:creationId xmlns:a16="http://schemas.microsoft.com/office/drawing/2014/main" id="{5431268D-64C4-48CF-B095-7AE8588FC7E0}"/>
+              </a:ext>
+            </a:extLst>
+          </p:cNvPr>
+          <p:cNvPicPr>
+            <a:picLocks noChangeAspect="1"/>
+          </p:cNvPicPr>
+          <p:nvPr/>
+        </p:nvPicPr>
+        <p:blipFill>
+          <a:blip r:embed="rId2"/>
+          <a:stretch>
+            <a:fillRect/>
+          </a:stretch>
+        </p:blipFill>
+        <p:spPr>
+          <a:xfrm>
+            <a:off x="3374797" y="4339471"/>
+            <a:ext cx="4666268" cy="1344891"/>
+          </a:xfrm>
+          <a:prstGeom prst="rect">
+            <a:avLst/>
+          </a:prstGeom>
+        </p:spPr>
+      </p:pic>
     </p:spTree>
+    <p:extLst>
+      <p:ext uri="{BB962C8B-B14F-4D97-AF65-F5344CB8AC3E}">
+        <p14:creationId xmlns:p14="http://schemas.microsoft.com/office/powerpoint/2010/main" val="2723044403"/>
+      </p:ext>
+    </p:extLst>
   </p:cSld>
   <p:clrMapOvr>
     <a:masterClrMapping/>
   </p:clrMapOvr>
-  <p:timing>
-    <p:tnLst>
-      <p:par>
-        <p:cTn id="1" dur="indefinite" restart="never" nodeType="tmRoot"/>
-      </p:par>
-    </p:tnLst>
-  </p:timing>
 </p:sld>
 </file>
 
@@ -5013,6 +4751,1523 @@
       </p:grpSpPr>
       <p:pic>
         <p:nvPicPr>
+          <p:cNvPr id="3" name="Picture 2">
+            <a:extLst>
+              <a:ext uri="{FF2B5EF4-FFF2-40B4-BE49-F238E27FC236}">
+                <a16:creationId xmlns:a16="http://schemas.microsoft.com/office/drawing/2014/main" id="{F48C9E8F-062F-4E88-9578-6715791F02A7}"/>
+              </a:ext>
+            </a:extLst>
+          </p:cNvPr>
+          <p:cNvPicPr>
+            <a:picLocks noChangeAspect="1"/>
+          </p:cNvPicPr>
+          <p:nvPr/>
+        </p:nvPicPr>
+        <p:blipFill>
+          <a:blip r:embed="rId2"/>
+          <a:stretch>
+            <a:fillRect/>
+          </a:stretch>
+        </p:blipFill>
+        <p:spPr>
+          <a:xfrm>
+            <a:off x="358218" y="212152"/>
+            <a:ext cx="5804431" cy="5830431"/>
+          </a:xfrm>
+          <a:prstGeom prst="rect">
+            <a:avLst/>
+          </a:prstGeom>
+        </p:spPr>
+      </p:pic>
+      <p:pic>
+        <p:nvPicPr>
+          <p:cNvPr id="7" name="Picture 6">
+            <a:extLst>
+              <a:ext uri="{FF2B5EF4-FFF2-40B4-BE49-F238E27FC236}">
+                <a16:creationId xmlns:a16="http://schemas.microsoft.com/office/drawing/2014/main" id="{8288FDD6-6F4B-494E-99F2-4CE085353B9A}"/>
+              </a:ext>
+            </a:extLst>
+          </p:cNvPr>
+          <p:cNvPicPr>
+            <a:picLocks noChangeAspect="1"/>
+          </p:cNvPicPr>
+          <p:nvPr/>
+        </p:nvPicPr>
+        <p:blipFill>
+          <a:blip r:embed="rId3"/>
+          <a:stretch>
+            <a:fillRect/>
+          </a:stretch>
+        </p:blipFill>
+        <p:spPr>
+          <a:xfrm>
+            <a:off x="6551628" y="212152"/>
+            <a:ext cx="5260157" cy="5830431"/>
+          </a:xfrm>
+          <a:prstGeom prst="rect">
+            <a:avLst/>
+          </a:prstGeom>
+        </p:spPr>
+      </p:pic>
+    </p:spTree>
+    <p:extLst>
+      <p:ext uri="{BB962C8B-B14F-4D97-AF65-F5344CB8AC3E}">
+        <p14:creationId xmlns:p14="http://schemas.microsoft.com/office/powerpoint/2010/main" val="3584826668"/>
+      </p:ext>
+    </p:extLst>
+  </p:cSld>
+  <p:clrMapOvr>
+    <a:masterClrMapping/>
+  </p:clrMapOvr>
+</p:sld>
+</file>
+
+<file path=ppt/slides/slide17.xml><?xml version="1.0" encoding="utf-8"?>
+<p:sld xmlns:a="http://schemas.openxmlformats.org/drawingml/2006/main" xmlns:r="http://schemas.openxmlformats.org/officeDocument/2006/relationships" xmlns:p="http://schemas.openxmlformats.org/presentationml/2006/main">
+  <p:cSld>
+    <p:spTree>
+      <p:nvGrpSpPr>
+        <p:cNvPr id="1" name=""/>
+        <p:cNvGrpSpPr/>
+        <p:nvPr/>
+      </p:nvGrpSpPr>
+      <p:grpSpPr>
+        <a:xfrm>
+          <a:off x="0" y="0"/>
+          <a:ext cx="0" cy="0"/>
+          <a:chOff x="0" y="0"/>
+          <a:chExt cx="0" cy="0"/>
+        </a:xfrm>
+      </p:grpSpPr>
+      <p:sp>
+        <p:nvSpPr>
+          <p:cNvPr id="2" name="Title 1"/>
+          <p:cNvSpPr>
+            <a:spLocks noGrp="1"/>
+          </p:cNvSpPr>
+          <p:nvPr>
+            <p:ph type="title"/>
+          </p:nvPr>
+        </p:nvSpPr>
+        <p:spPr/>
+        <p:txBody>
+          <a:bodyPr/>
+          <a:lstStyle/>
+          <a:p>
+            <a:r>
+              <a:rPr lang="en-US" dirty="0"/>
+              <a:t>Algorithm 2 </a:t>
+            </a:r>
+            <a:r>
+              <a:rPr lang="mr-IN" dirty="0"/>
+              <a:t>–</a:t>
+            </a:r>
+            <a:r>
+              <a:rPr lang="en-US" dirty="0"/>
+              <a:t> Random Forest</a:t>
+            </a:r>
+          </a:p>
+        </p:txBody>
+      </p:sp>
+      <p:sp>
+        <p:nvSpPr>
+          <p:cNvPr id="3" name="Content Placeholder 2"/>
+          <p:cNvSpPr>
+            <a:spLocks noGrp="1"/>
+          </p:cNvSpPr>
+          <p:nvPr>
+            <p:ph idx="1"/>
+          </p:nvPr>
+        </p:nvSpPr>
+        <p:spPr/>
+        <p:txBody>
+          <a:bodyPr/>
+          <a:lstStyle/>
+          <a:p>
+            <a:r>
+              <a:rPr lang="en-US" dirty="0"/>
+              <a:t>For Gender, number of Trees (</a:t>
+            </a:r>
+            <a:r>
+              <a:rPr lang="en-US" dirty="0" err="1"/>
+              <a:t>ntree</a:t>
+            </a:r>
+            <a:r>
+              <a:rPr lang="en-US" dirty="0"/>
+              <a:t>) = 2000</a:t>
+            </a:r>
+          </a:p>
+          <a:p>
+            <a:pPr lvl="1"/>
+            <a:r>
+              <a:rPr lang="nb-NO" dirty="0"/>
+              <a:t>0.9416 accuracy</a:t>
+            </a:r>
+          </a:p>
+          <a:p>
+            <a:pPr marL="457200" lvl="1" indent="0">
+              <a:buNone/>
+            </a:pPr>
+            <a:endParaRPr lang="nb-NO" dirty="0"/>
+          </a:p>
+          <a:p>
+            <a:pPr lvl="1"/>
+            <a:endParaRPr lang="nb-NO" dirty="0"/>
+          </a:p>
+          <a:p>
+            <a:pPr lvl="1"/>
+            <a:endParaRPr lang="nb-NO" dirty="0"/>
+          </a:p>
+          <a:p>
+            <a:pPr lvl="1"/>
+            <a:endParaRPr lang="nb-NO" dirty="0"/>
+          </a:p>
+          <a:p>
+            <a:endParaRPr lang="nb-NO" dirty="0"/>
+          </a:p>
+          <a:p>
+            <a:pPr lvl="1"/>
+            <a:endParaRPr lang="en-US" dirty="0"/>
+          </a:p>
+        </p:txBody>
+      </p:sp>
+      <p:pic>
+        <p:nvPicPr>
+          <p:cNvPr id="5" name="Picture 4">
+            <a:extLst>
+              <a:ext uri="{FF2B5EF4-FFF2-40B4-BE49-F238E27FC236}">
+                <a16:creationId xmlns:a16="http://schemas.microsoft.com/office/drawing/2014/main" id="{5431268D-64C4-48CF-B095-7AE8588FC7E0}"/>
+              </a:ext>
+            </a:extLst>
+          </p:cNvPr>
+          <p:cNvPicPr>
+            <a:picLocks noChangeAspect="1"/>
+          </p:cNvPicPr>
+          <p:nvPr/>
+        </p:nvPicPr>
+        <p:blipFill>
+          <a:blip r:embed="rId2"/>
+          <a:stretch>
+            <a:fillRect/>
+          </a:stretch>
+        </p:blipFill>
+        <p:spPr>
+          <a:xfrm>
+            <a:off x="3374797" y="4339471"/>
+            <a:ext cx="4666268" cy="1344891"/>
+          </a:xfrm>
+          <a:prstGeom prst="rect">
+            <a:avLst/>
+          </a:prstGeom>
+        </p:spPr>
+      </p:pic>
+    </p:spTree>
+    <p:extLst>
+      <p:ext uri="{BB962C8B-B14F-4D97-AF65-F5344CB8AC3E}">
+        <p14:creationId xmlns:p14="http://schemas.microsoft.com/office/powerpoint/2010/main" val="1421159567"/>
+      </p:ext>
+    </p:extLst>
+  </p:cSld>
+  <p:clrMapOvr>
+    <a:masterClrMapping/>
+  </p:clrMapOvr>
+</p:sld>
+</file>
+
+<file path=ppt/slides/slide18.xml><?xml version="1.0" encoding="utf-8"?>
+<p:sld xmlns:a="http://schemas.openxmlformats.org/drawingml/2006/main" xmlns:r="http://schemas.openxmlformats.org/officeDocument/2006/relationships" xmlns:p="http://schemas.openxmlformats.org/presentationml/2006/main">
+  <p:cSld>
+    <p:spTree>
+      <p:nvGrpSpPr>
+        <p:cNvPr id="1" name=""/>
+        <p:cNvGrpSpPr/>
+        <p:nvPr/>
+      </p:nvGrpSpPr>
+      <p:grpSpPr>
+        <a:xfrm>
+          <a:off x="0" y="0"/>
+          <a:ext cx="0" cy="0"/>
+          <a:chOff x="0" y="0"/>
+          <a:chExt cx="0" cy="0"/>
+        </a:xfrm>
+      </p:grpSpPr>
+      <p:pic>
+        <p:nvPicPr>
+          <p:cNvPr id="3" name="Picture 2">
+            <a:extLst>
+              <a:ext uri="{FF2B5EF4-FFF2-40B4-BE49-F238E27FC236}">
+                <a16:creationId xmlns:a16="http://schemas.microsoft.com/office/drawing/2014/main" id="{F48C9E8F-062F-4E88-9578-6715791F02A7}"/>
+              </a:ext>
+            </a:extLst>
+          </p:cNvPr>
+          <p:cNvPicPr>
+            <a:picLocks noChangeAspect="1"/>
+          </p:cNvPicPr>
+          <p:nvPr/>
+        </p:nvPicPr>
+        <p:blipFill>
+          <a:blip r:embed="rId2"/>
+          <a:stretch>
+            <a:fillRect/>
+          </a:stretch>
+        </p:blipFill>
+        <p:spPr>
+          <a:xfrm>
+            <a:off x="358218" y="212152"/>
+            <a:ext cx="5804431" cy="5830431"/>
+          </a:xfrm>
+          <a:prstGeom prst="rect">
+            <a:avLst/>
+          </a:prstGeom>
+        </p:spPr>
+      </p:pic>
+      <p:pic>
+        <p:nvPicPr>
+          <p:cNvPr id="2" name="Picture 1">
+            <a:extLst>
+              <a:ext uri="{FF2B5EF4-FFF2-40B4-BE49-F238E27FC236}">
+                <a16:creationId xmlns:a16="http://schemas.microsoft.com/office/drawing/2014/main" id="{4B4B784D-AF37-4CD2-B5E6-80C0A35A8B4B}"/>
+              </a:ext>
+            </a:extLst>
+          </p:cNvPr>
+          <p:cNvPicPr>
+            <a:picLocks noChangeAspect="1"/>
+          </p:cNvPicPr>
+          <p:nvPr/>
+        </p:nvPicPr>
+        <p:blipFill>
+          <a:blip r:embed="rId3"/>
+          <a:stretch>
+            <a:fillRect/>
+          </a:stretch>
+        </p:blipFill>
+        <p:spPr>
+          <a:xfrm>
+            <a:off x="6664751" y="212151"/>
+            <a:ext cx="5184742" cy="5830431"/>
+          </a:xfrm>
+          <a:prstGeom prst="rect">
+            <a:avLst/>
+          </a:prstGeom>
+        </p:spPr>
+      </p:pic>
+    </p:spTree>
+    <p:extLst>
+      <p:ext uri="{BB962C8B-B14F-4D97-AF65-F5344CB8AC3E}">
+        <p14:creationId xmlns:p14="http://schemas.microsoft.com/office/powerpoint/2010/main" val="2747040706"/>
+      </p:ext>
+    </p:extLst>
+  </p:cSld>
+  <p:clrMapOvr>
+    <a:masterClrMapping/>
+  </p:clrMapOvr>
+</p:sld>
+</file>
+
+<file path=ppt/slides/slide19.xml><?xml version="1.0" encoding="utf-8"?>
+<p:sld xmlns:a="http://schemas.openxmlformats.org/drawingml/2006/main" xmlns:r="http://schemas.openxmlformats.org/officeDocument/2006/relationships" xmlns:p="http://schemas.openxmlformats.org/presentationml/2006/main">
+  <p:cSld>
+    <p:spTree>
+      <p:nvGrpSpPr>
+        <p:cNvPr id="1" name=""/>
+        <p:cNvGrpSpPr/>
+        <p:nvPr/>
+      </p:nvGrpSpPr>
+      <p:grpSpPr>
+        <a:xfrm>
+          <a:off x="0" y="0"/>
+          <a:ext cx="0" cy="0"/>
+          <a:chOff x="0" y="0"/>
+          <a:chExt cx="0" cy="0"/>
+        </a:xfrm>
+      </p:grpSpPr>
+      <p:sp>
+        <p:nvSpPr>
+          <p:cNvPr id="2" name="Title 1"/>
+          <p:cNvSpPr>
+            <a:spLocks noGrp="1"/>
+          </p:cNvSpPr>
+          <p:nvPr>
+            <p:ph type="title"/>
+          </p:nvPr>
+        </p:nvSpPr>
+        <p:spPr/>
+        <p:txBody>
+          <a:bodyPr/>
+          <a:lstStyle/>
+          <a:p>
+            <a:r>
+              <a:rPr lang="en-US" dirty="0"/>
+              <a:t>Algorithm 2 </a:t>
+            </a:r>
+            <a:r>
+              <a:rPr lang="mr-IN" dirty="0"/>
+              <a:t>–</a:t>
+            </a:r>
+            <a:r>
+              <a:rPr lang="en-US" dirty="0"/>
+              <a:t> Random Forest</a:t>
+            </a:r>
+          </a:p>
+        </p:txBody>
+      </p:sp>
+      <p:sp>
+        <p:nvSpPr>
+          <p:cNvPr id="3" name="Content Placeholder 2"/>
+          <p:cNvSpPr>
+            <a:spLocks noGrp="1"/>
+          </p:cNvSpPr>
+          <p:nvPr>
+            <p:ph idx="1"/>
+          </p:nvPr>
+        </p:nvSpPr>
+        <p:spPr/>
+        <p:txBody>
+          <a:bodyPr/>
+          <a:lstStyle/>
+          <a:p>
+            <a:r>
+              <a:rPr lang="en-US" dirty="0"/>
+              <a:t>For Gender, number of Trees (</a:t>
+            </a:r>
+            <a:r>
+              <a:rPr lang="en-US" dirty="0" err="1"/>
+              <a:t>ntree</a:t>
+            </a:r>
+            <a:r>
+              <a:rPr lang="en-US" dirty="0"/>
+              <a:t>) = 3000</a:t>
+            </a:r>
+          </a:p>
+          <a:p>
+            <a:pPr lvl="1"/>
+            <a:r>
+              <a:rPr lang="nb-NO" dirty="0"/>
+              <a:t>0.9416 accuracy</a:t>
+            </a:r>
+          </a:p>
+          <a:p>
+            <a:pPr marL="457200" lvl="1" indent="0">
+              <a:buNone/>
+            </a:pPr>
+            <a:endParaRPr lang="nb-NO" dirty="0"/>
+          </a:p>
+          <a:p>
+            <a:pPr lvl="1"/>
+            <a:endParaRPr lang="nb-NO" dirty="0"/>
+          </a:p>
+          <a:p>
+            <a:pPr lvl="1"/>
+            <a:endParaRPr lang="nb-NO" dirty="0"/>
+          </a:p>
+          <a:p>
+            <a:pPr lvl="1"/>
+            <a:endParaRPr lang="nb-NO" dirty="0"/>
+          </a:p>
+          <a:p>
+            <a:endParaRPr lang="nb-NO" dirty="0"/>
+          </a:p>
+          <a:p>
+            <a:pPr lvl="1"/>
+            <a:endParaRPr lang="en-US" dirty="0"/>
+          </a:p>
+        </p:txBody>
+      </p:sp>
+      <p:pic>
+        <p:nvPicPr>
+          <p:cNvPr id="5" name="Picture 4">
+            <a:extLst>
+              <a:ext uri="{FF2B5EF4-FFF2-40B4-BE49-F238E27FC236}">
+                <a16:creationId xmlns:a16="http://schemas.microsoft.com/office/drawing/2014/main" id="{5431268D-64C4-48CF-B095-7AE8588FC7E0}"/>
+              </a:ext>
+            </a:extLst>
+          </p:cNvPr>
+          <p:cNvPicPr>
+            <a:picLocks noChangeAspect="1"/>
+          </p:cNvPicPr>
+          <p:nvPr/>
+        </p:nvPicPr>
+        <p:blipFill>
+          <a:blip r:embed="rId2"/>
+          <a:stretch>
+            <a:fillRect/>
+          </a:stretch>
+        </p:blipFill>
+        <p:spPr>
+          <a:xfrm>
+            <a:off x="3374797" y="4339471"/>
+            <a:ext cx="4666268" cy="1344891"/>
+          </a:xfrm>
+          <a:prstGeom prst="rect">
+            <a:avLst/>
+          </a:prstGeom>
+        </p:spPr>
+      </p:pic>
+    </p:spTree>
+    <p:extLst>
+      <p:ext uri="{BB962C8B-B14F-4D97-AF65-F5344CB8AC3E}">
+        <p14:creationId xmlns:p14="http://schemas.microsoft.com/office/powerpoint/2010/main" val="3190382384"/>
+      </p:ext>
+    </p:extLst>
+  </p:cSld>
+  <p:clrMapOvr>
+    <a:masterClrMapping/>
+  </p:clrMapOvr>
+</p:sld>
+</file>
+
+<file path=ppt/slides/slide2.xml><?xml version="1.0" encoding="utf-8"?>
+<p:sld xmlns:a="http://schemas.openxmlformats.org/drawingml/2006/main" xmlns:r="http://schemas.openxmlformats.org/officeDocument/2006/relationships" xmlns:p="http://schemas.openxmlformats.org/presentationml/2006/main">
+  <p:cSld>
+    <p:spTree>
+      <p:nvGrpSpPr>
+        <p:cNvPr id="1" name=""/>
+        <p:cNvGrpSpPr/>
+        <p:nvPr/>
+      </p:nvGrpSpPr>
+      <p:grpSpPr>
+        <a:xfrm>
+          <a:off x="0" y="0"/>
+          <a:ext cx="0" cy="0"/>
+          <a:chOff x="0" y="0"/>
+          <a:chExt cx="0" cy="0"/>
+        </a:xfrm>
+      </p:grpSpPr>
+      <p:sp>
+        <p:nvSpPr>
+          <p:cNvPr id="2" name="Title 1"/>
+          <p:cNvSpPr>
+            <a:spLocks noGrp="1"/>
+          </p:cNvSpPr>
+          <p:nvPr>
+            <p:ph type="title"/>
+          </p:nvPr>
+        </p:nvSpPr>
+        <p:spPr/>
+        <p:txBody>
+          <a:bodyPr/>
+          <a:lstStyle/>
+          <a:p>
+            <a:r>
+              <a:rPr lang="en-US" dirty="0"/>
+              <a:t>TEAM MEMBERS</a:t>
+            </a:r>
+          </a:p>
+        </p:txBody>
+      </p:sp>
+      <p:sp>
+        <p:nvSpPr>
+          <p:cNvPr id="3" name="Content Placeholder 2"/>
+          <p:cNvSpPr>
+            <a:spLocks noGrp="1"/>
+          </p:cNvSpPr>
+          <p:nvPr>
+            <p:ph idx="1"/>
+          </p:nvPr>
+        </p:nvSpPr>
+        <p:spPr>
+          <a:xfrm>
+            <a:off x="1168835" y="1491175"/>
+            <a:ext cx="10493282" cy="4377844"/>
+          </a:xfrm>
+        </p:spPr>
+        <p:txBody>
+          <a:bodyPr/>
+          <a:lstStyle/>
+          <a:p>
+            <a:pPr marL="0" indent="0">
+              <a:buNone/>
+            </a:pPr>
+            <a:r>
+              <a:rPr lang="en-US" dirty="0"/>
+              <a:t>  Dhavala                   </a:t>
+            </a:r>
+            <a:r>
+              <a:rPr lang="en-US" dirty="0" err="1"/>
+              <a:t>Sowmya</a:t>
+            </a:r>
+            <a:r>
+              <a:rPr lang="en-US" dirty="0"/>
+              <a:t>		        </a:t>
+            </a:r>
+            <a:r>
+              <a:rPr lang="en-US" dirty="0" err="1"/>
+              <a:t>Devanshu</a:t>
+            </a:r>
+            <a:endParaRPr lang="en-US" dirty="0"/>
+          </a:p>
+          <a:p>
+            <a:pPr marL="0" indent="0">
+              <a:buNone/>
+            </a:pPr>
+            <a:endParaRPr lang="en-US" dirty="0"/>
+          </a:p>
+          <a:p>
+            <a:pPr marL="0" indent="0">
+              <a:buNone/>
+            </a:pPr>
+            <a:endParaRPr lang="en-US" dirty="0"/>
+          </a:p>
+          <a:p>
+            <a:pPr marL="0" indent="0">
+              <a:buNone/>
+            </a:pPr>
+            <a:endParaRPr lang="en-US" dirty="0"/>
+          </a:p>
+          <a:p>
+            <a:pPr marL="0" indent="0">
+              <a:buNone/>
+            </a:pPr>
+            <a:endParaRPr lang="en-US" dirty="0"/>
+          </a:p>
+          <a:p>
+            <a:pPr marL="0" indent="0">
+              <a:buNone/>
+            </a:pPr>
+            <a:endParaRPr lang="en-US" dirty="0"/>
+          </a:p>
+        </p:txBody>
+      </p:sp>
+      <p:pic>
+        <p:nvPicPr>
+          <p:cNvPr id="8" name="Picture 7">
+            <a:extLst>
+              <a:ext uri="{FF2B5EF4-FFF2-40B4-BE49-F238E27FC236}">
+                <a16:creationId xmlns:a16="http://schemas.microsoft.com/office/drawing/2014/main" id="{8B297A75-5C96-4B8E-A721-B5A80A818F40}"/>
+              </a:ext>
+            </a:extLst>
+          </p:cNvPr>
+          <p:cNvPicPr>
+            <a:picLocks noChangeAspect="1"/>
+          </p:cNvPicPr>
+          <p:nvPr/>
+        </p:nvPicPr>
+        <p:blipFill>
+          <a:blip r:embed="rId2"/>
+          <a:stretch>
+            <a:fillRect/>
+          </a:stretch>
+        </p:blipFill>
+        <p:spPr>
+          <a:xfrm>
+            <a:off x="8424356" y="2525997"/>
+            <a:ext cx="2650344" cy="2890065"/>
+          </a:xfrm>
+          <a:prstGeom prst="rect">
+            <a:avLst/>
+          </a:prstGeom>
+        </p:spPr>
+      </p:pic>
+      <p:pic>
+        <p:nvPicPr>
+          <p:cNvPr id="5" name="Picture 4" descr="Dhavala_Manjunatha_photo.JPG"/>
+          <p:cNvPicPr>
+            <a:picLocks noChangeAspect="1"/>
+          </p:cNvPicPr>
+          <p:nvPr/>
+        </p:nvPicPr>
+        <p:blipFill>
+          <a:blip r:embed="rId3"/>
+          <a:stretch>
+            <a:fillRect/>
+          </a:stretch>
+        </p:blipFill>
+        <p:spPr>
+          <a:xfrm>
+            <a:off x="1452939" y="2560320"/>
+            <a:ext cx="2134321" cy="2708030"/>
+          </a:xfrm>
+          <a:prstGeom prst="rect">
+            <a:avLst/>
+          </a:prstGeom>
+        </p:spPr>
+      </p:pic>
+    </p:spTree>
+    <p:extLst>
+      <p:ext uri="{BB962C8B-B14F-4D97-AF65-F5344CB8AC3E}">
+        <p14:creationId xmlns:p14="http://schemas.microsoft.com/office/powerpoint/2010/main" val="2694219937"/>
+      </p:ext>
+    </p:extLst>
+  </p:cSld>
+  <p:clrMapOvr>
+    <a:masterClrMapping/>
+  </p:clrMapOvr>
+</p:sld>
+</file>
+
+<file path=ppt/slides/slide20.xml><?xml version="1.0" encoding="utf-8"?>
+<p:sld xmlns:a="http://schemas.openxmlformats.org/drawingml/2006/main" xmlns:r="http://schemas.openxmlformats.org/officeDocument/2006/relationships" xmlns:p="http://schemas.openxmlformats.org/presentationml/2006/main">
+  <p:cSld>
+    <p:spTree>
+      <p:nvGrpSpPr>
+        <p:cNvPr id="1" name=""/>
+        <p:cNvGrpSpPr/>
+        <p:nvPr/>
+      </p:nvGrpSpPr>
+      <p:grpSpPr>
+        <a:xfrm>
+          <a:off x="0" y="0"/>
+          <a:ext cx="0" cy="0"/>
+          <a:chOff x="0" y="0"/>
+          <a:chExt cx="0" cy="0"/>
+        </a:xfrm>
+      </p:grpSpPr>
+      <p:pic>
+        <p:nvPicPr>
+          <p:cNvPr id="3" name="Picture 2">
+            <a:extLst>
+              <a:ext uri="{FF2B5EF4-FFF2-40B4-BE49-F238E27FC236}">
+                <a16:creationId xmlns:a16="http://schemas.microsoft.com/office/drawing/2014/main" id="{F48C9E8F-062F-4E88-9578-6715791F02A7}"/>
+              </a:ext>
+            </a:extLst>
+          </p:cNvPr>
+          <p:cNvPicPr>
+            <a:picLocks noChangeAspect="1"/>
+          </p:cNvPicPr>
+          <p:nvPr/>
+        </p:nvPicPr>
+        <p:blipFill>
+          <a:blip r:embed="rId2"/>
+          <a:stretch>
+            <a:fillRect/>
+          </a:stretch>
+        </p:blipFill>
+        <p:spPr>
+          <a:xfrm>
+            <a:off x="358218" y="212152"/>
+            <a:ext cx="5804431" cy="5830431"/>
+          </a:xfrm>
+          <a:prstGeom prst="rect">
+            <a:avLst/>
+          </a:prstGeom>
+        </p:spPr>
+      </p:pic>
+      <p:pic>
+        <p:nvPicPr>
+          <p:cNvPr id="4" name="Picture 3">
+            <a:extLst>
+              <a:ext uri="{FF2B5EF4-FFF2-40B4-BE49-F238E27FC236}">
+                <a16:creationId xmlns:a16="http://schemas.microsoft.com/office/drawing/2014/main" id="{FCDFFB69-D0BC-45F9-A7E5-60B1F3210EF2}"/>
+              </a:ext>
+            </a:extLst>
+          </p:cNvPr>
+          <p:cNvPicPr>
+            <a:picLocks noChangeAspect="1"/>
+          </p:cNvPicPr>
+          <p:nvPr/>
+        </p:nvPicPr>
+        <p:blipFill>
+          <a:blip r:embed="rId3"/>
+          <a:stretch>
+            <a:fillRect/>
+          </a:stretch>
+        </p:blipFill>
+        <p:spPr>
+          <a:xfrm>
+            <a:off x="6608190" y="212152"/>
+            <a:ext cx="5175315" cy="5830432"/>
+          </a:xfrm>
+          <a:prstGeom prst="rect">
+            <a:avLst/>
+          </a:prstGeom>
+        </p:spPr>
+      </p:pic>
+    </p:spTree>
+    <p:extLst>
+      <p:ext uri="{BB962C8B-B14F-4D97-AF65-F5344CB8AC3E}">
+        <p14:creationId xmlns:p14="http://schemas.microsoft.com/office/powerpoint/2010/main" val="18533381"/>
+      </p:ext>
+    </p:extLst>
+  </p:cSld>
+  <p:clrMapOvr>
+    <a:masterClrMapping/>
+  </p:clrMapOvr>
+</p:sld>
+</file>
+
+<file path=ppt/slides/slide21.xml><?xml version="1.0" encoding="utf-8"?>
+<p:sld xmlns:a="http://schemas.openxmlformats.org/drawingml/2006/main" xmlns:r="http://schemas.openxmlformats.org/officeDocument/2006/relationships" xmlns:p="http://schemas.openxmlformats.org/presentationml/2006/main">
+  <p:cSld>
+    <p:spTree>
+      <p:nvGrpSpPr>
+        <p:cNvPr id="1" name=""/>
+        <p:cNvGrpSpPr/>
+        <p:nvPr/>
+      </p:nvGrpSpPr>
+      <p:grpSpPr>
+        <a:xfrm>
+          <a:off x="0" y="0"/>
+          <a:ext cx="0" cy="0"/>
+          <a:chOff x="0" y="0"/>
+          <a:chExt cx="0" cy="0"/>
+        </a:xfrm>
+      </p:grpSpPr>
+      <p:sp>
+        <p:nvSpPr>
+          <p:cNvPr id="2" name="Title 1"/>
+          <p:cNvSpPr>
+            <a:spLocks noGrp="1"/>
+          </p:cNvSpPr>
+          <p:nvPr>
+            <p:ph type="title"/>
+          </p:nvPr>
+        </p:nvSpPr>
+        <p:spPr/>
+        <p:txBody>
+          <a:bodyPr/>
+          <a:lstStyle/>
+          <a:p>
+            <a:r>
+              <a:rPr lang="en-US" dirty="0"/>
+              <a:t>Algorithm 2 </a:t>
+            </a:r>
+            <a:r>
+              <a:rPr lang="mr-IN" dirty="0"/>
+              <a:t>–</a:t>
+            </a:r>
+            <a:r>
+              <a:rPr lang="en-US" dirty="0"/>
+              <a:t> Random Forest</a:t>
+            </a:r>
+          </a:p>
+        </p:txBody>
+      </p:sp>
+      <p:sp>
+        <p:nvSpPr>
+          <p:cNvPr id="3" name="Content Placeholder 2"/>
+          <p:cNvSpPr>
+            <a:spLocks noGrp="1"/>
+          </p:cNvSpPr>
+          <p:nvPr>
+            <p:ph idx="1"/>
+          </p:nvPr>
+        </p:nvSpPr>
+        <p:spPr/>
+        <p:txBody>
+          <a:bodyPr>
+            <a:normAutofit/>
+          </a:bodyPr>
+          <a:lstStyle/>
+          <a:p>
+            <a:pPr lvl="1"/>
+            <a:endParaRPr lang="nb-NO" dirty="0"/>
+          </a:p>
+          <a:p>
+            <a:r>
+              <a:rPr lang="en-US" dirty="0"/>
+              <a:t>Interesting/Fun prediction:</a:t>
+            </a:r>
+          </a:p>
+          <a:p>
+            <a:pPr lvl="1"/>
+            <a:r>
+              <a:rPr lang="nb-NO" dirty="0"/>
+              <a:t>Who do you think is more romantic?</a:t>
+            </a:r>
+          </a:p>
+          <a:p>
+            <a:pPr lvl="1"/>
+            <a:r>
+              <a:rPr lang="nb-NO" dirty="0"/>
+              <a:t>Who do you think like more cars?</a:t>
+            </a:r>
+          </a:p>
+          <a:p>
+            <a:pPr lvl="1"/>
+            <a:r>
+              <a:rPr lang="nb-NO" dirty="0"/>
+              <a:t>Who thinks ahead of time?</a:t>
+            </a:r>
+          </a:p>
+          <a:p>
+            <a:pPr lvl="1"/>
+            <a:r>
+              <a:rPr lang="nb-NO" dirty="0"/>
+              <a:t>Who gives the final judgement?</a:t>
+            </a:r>
+          </a:p>
+          <a:p>
+            <a:pPr lvl="1"/>
+            <a:endParaRPr lang="nb-NO" dirty="0"/>
+          </a:p>
+          <a:p>
+            <a:pPr lvl="1"/>
+            <a:endParaRPr lang="nb-NO" dirty="0"/>
+          </a:p>
+          <a:p>
+            <a:pPr lvl="1"/>
+            <a:endParaRPr lang="en-US" dirty="0"/>
+          </a:p>
+        </p:txBody>
+      </p:sp>
+    </p:spTree>
+    <p:extLst>
+      <p:ext uri="{BB962C8B-B14F-4D97-AF65-F5344CB8AC3E}">
+        <p14:creationId xmlns:p14="http://schemas.microsoft.com/office/powerpoint/2010/main" val="501309509"/>
+      </p:ext>
+    </p:extLst>
+  </p:cSld>
+  <p:clrMapOvr>
+    <a:masterClrMapping/>
+  </p:clrMapOvr>
+</p:sld>
+</file>
+
+<file path=ppt/slides/slide22.xml><?xml version="1.0" encoding="utf-8"?>
+<p:sld xmlns:a="http://schemas.openxmlformats.org/drawingml/2006/main" xmlns:r="http://schemas.openxmlformats.org/officeDocument/2006/relationships" xmlns:p="http://schemas.openxmlformats.org/presentationml/2006/main">
+  <p:cSld>
+    <p:spTree>
+      <p:nvGrpSpPr>
+        <p:cNvPr id="1" name=""/>
+        <p:cNvGrpSpPr/>
+        <p:nvPr/>
+      </p:nvGrpSpPr>
+      <p:grpSpPr>
+        <a:xfrm>
+          <a:off x="0" y="0"/>
+          <a:ext cx="0" cy="0"/>
+          <a:chOff x="0" y="0"/>
+          <a:chExt cx="0" cy="0"/>
+        </a:xfrm>
+      </p:grpSpPr>
+      <p:sp>
+        <p:nvSpPr>
+          <p:cNvPr id="2" name="Title 1"/>
+          <p:cNvSpPr>
+            <a:spLocks noGrp="1"/>
+          </p:cNvSpPr>
+          <p:nvPr>
+            <p:ph type="title"/>
+          </p:nvPr>
+        </p:nvSpPr>
+        <p:spPr/>
+        <p:txBody>
+          <a:bodyPr/>
+          <a:lstStyle/>
+          <a:p>
+            <a:r>
+              <a:rPr lang="en-US" dirty="0"/>
+              <a:t>Algorithm 2 </a:t>
+            </a:r>
+            <a:r>
+              <a:rPr lang="mr-IN" dirty="0"/>
+              <a:t>–</a:t>
+            </a:r>
+            <a:r>
+              <a:rPr lang="en-US" dirty="0"/>
+              <a:t> Random Forest</a:t>
+            </a:r>
+          </a:p>
+        </p:txBody>
+      </p:sp>
+      <p:sp>
+        <p:nvSpPr>
+          <p:cNvPr id="3" name="Content Placeholder 2"/>
+          <p:cNvSpPr>
+            <a:spLocks noGrp="1"/>
+          </p:cNvSpPr>
+          <p:nvPr>
+            <p:ph idx="1"/>
+          </p:nvPr>
+        </p:nvSpPr>
+        <p:spPr/>
+        <p:txBody>
+          <a:bodyPr>
+            <a:normAutofit/>
+          </a:bodyPr>
+          <a:lstStyle/>
+          <a:p>
+            <a:pPr lvl="1"/>
+            <a:endParaRPr lang="nb-NO" dirty="0"/>
+          </a:p>
+          <a:p>
+            <a:r>
+              <a:rPr lang="en-US" dirty="0"/>
+              <a:t>Answers:</a:t>
+            </a:r>
+          </a:p>
+          <a:p>
+            <a:pPr lvl="1"/>
+            <a:r>
+              <a:rPr lang="nb-NO" dirty="0"/>
+              <a:t>Who do you think is more romantic?  Female</a:t>
+            </a:r>
+          </a:p>
+          <a:p>
+            <a:pPr lvl="1"/>
+            <a:r>
+              <a:rPr lang="nb-NO" dirty="0"/>
+              <a:t>Who do you think like more cars? Male</a:t>
+            </a:r>
+          </a:p>
+          <a:p>
+            <a:pPr lvl="1"/>
+            <a:r>
+              <a:rPr lang="nb-NO" dirty="0"/>
+              <a:t>Who thinks ahead of time? Male</a:t>
+            </a:r>
+          </a:p>
+          <a:p>
+            <a:pPr lvl="1"/>
+            <a:r>
+              <a:rPr lang="nb-NO" dirty="0"/>
+              <a:t>Who gives the final judgement? Female</a:t>
+            </a:r>
+          </a:p>
+          <a:p>
+            <a:pPr lvl="1"/>
+            <a:endParaRPr lang="nb-NO" dirty="0"/>
+          </a:p>
+          <a:p>
+            <a:pPr lvl="1"/>
+            <a:endParaRPr lang="nb-NO" dirty="0"/>
+          </a:p>
+          <a:p>
+            <a:pPr lvl="1"/>
+            <a:endParaRPr lang="en-US" dirty="0"/>
+          </a:p>
+        </p:txBody>
+      </p:sp>
+    </p:spTree>
+    <p:extLst>
+      <p:ext uri="{BB962C8B-B14F-4D97-AF65-F5344CB8AC3E}">
+        <p14:creationId xmlns:p14="http://schemas.microsoft.com/office/powerpoint/2010/main" val="1078131030"/>
+      </p:ext>
+    </p:extLst>
+  </p:cSld>
+  <p:clrMapOvr>
+    <a:masterClrMapping/>
+  </p:clrMapOvr>
+</p:sld>
+</file>
+
+<file path=ppt/slides/slide23.xml><?xml version="1.0" encoding="utf-8"?>
+<p:sld xmlns:a="http://schemas.openxmlformats.org/drawingml/2006/main" xmlns:r="http://schemas.openxmlformats.org/officeDocument/2006/relationships" xmlns:p="http://schemas.openxmlformats.org/presentationml/2006/main">
+  <p:cSld>
+    <p:spTree>
+      <p:nvGrpSpPr>
+        <p:cNvPr id="1" name=""/>
+        <p:cNvGrpSpPr/>
+        <p:nvPr/>
+      </p:nvGrpSpPr>
+      <p:grpSpPr>
+        <a:xfrm>
+          <a:off x="0" y="0"/>
+          <a:ext cx="0" cy="0"/>
+          <a:chOff x="0" y="0"/>
+          <a:chExt cx="0" cy="0"/>
+        </a:xfrm>
+      </p:grpSpPr>
+      <p:sp>
+        <p:nvSpPr>
+          <p:cNvPr id="2" name="Title 1"/>
+          <p:cNvSpPr>
+            <a:spLocks noGrp="1"/>
+          </p:cNvSpPr>
+          <p:nvPr>
+            <p:ph type="title"/>
+          </p:nvPr>
+        </p:nvSpPr>
+        <p:spPr/>
+        <p:txBody>
+          <a:bodyPr/>
+          <a:lstStyle/>
+          <a:p>
+            <a:r>
+              <a:rPr lang="en-US" dirty="0"/>
+              <a:t>Algorithm 2 </a:t>
+            </a:r>
+            <a:r>
+              <a:rPr lang="mr-IN" dirty="0"/>
+              <a:t>–</a:t>
+            </a:r>
+            <a:r>
+              <a:rPr lang="en-US" dirty="0"/>
+              <a:t> Random Forest</a:t>
+            </a:r>
+          </a:p>
+        </p:txBody>
+      </p:sp>
+      <p:sp>
+        <p:nvSpPr>
+          <p:cNvPr id="3" name="Content Placeholder 2"/>
+          <p:cNvSpPr>
+            <a:spLocks noGrp="1"/>
+          </p:cNvSpPr>
+          <p:nvPr>
+            <p:ph idx="1"/>
+          </p:nvPr>
+        </p:nvSpPr>
+        <p:spPr/>
+        <p:txBody>
+          <a:bodyPr>
+            <a:normAutofit/>
+          </a:bodyPr>
+          <a:lstStyle/>
+          <a:p>
+            <a:r>
+              <a:rPr lang="en-US" dirty="0"/>
+              <a:t>Conclusion for random forest model:</a:t>
+            </a:r>
+          </a:p>
+          <a:p>
+            <a:pPr lvl="1"/>
+            <a:r>
+              <a:rPr lang="nb-NO" dirty="0"/>
+              <a:t>As the number of trees increase accuracy may or may not increase.</a:t>
+            </a:r>
+          </a:p>
+          <a:p>
+            <a:pPr lvl="1"/>
+            <a:r>
+              <a:rPr lang="nb-NO" dirty="0"/>
+              <a:t>Sometimes the accuracy of training dataset is less than the test dataset even though training has more data in it. So the size of data is also an important factor apart from number of trees.</a:t>
+            </a:r>
+          </a:p>
+          <a:p>
+            <a:pPr lvl="1"/>
+            <a:endParaRPr lang="nb-NO" dirty="0"/>
+          </a:p>
+          <a:p>
+            <a:pPr lvl="1"/>
+            <a:endParaRPr lang="nb-NO" dirty="0"/>
+          </a:p>
+          <a:p>
+            <a:pPr lvl="1"/>
+            <a:endParaRPr lang="nb-NO" dirty="0"/>
+          </a:p>
+          <a:p>
+            <a:pPr lvl="1"/>
+            <a:endParaRPr lang="en-US" dirty="0"/>
+          </a:p>
+        </p:txBody>
+      </p:sp>
+    </p:spTree>
+    <p:extLst>
+      <p:ext uri="{BB962C8B-B14F-4D97-AF65-F5344CB8AC3E}">
+        <p14:creationId xmlns:p14="http://schemas.microsoft.com/office/powerpoint/2010/main" val="239787179"/>
+      </p:ext>
+    </p:extLst>
+  </p:cSld>
+  <p:clrMapOvr>
+    <a:masterClrMapping/>
+  </p:clrMapOvr>
+</p:sld>
+</file>
+
+<file path=ppt/slides/slide24.xml><?xml version="1.0" encoding="utf-8"?>
+<p:sld xmlns:a="http://schemas.openxmlformats.org/drawingml/2006/main" xmlns:r="http://schemas.openxmlformats.org/officeDocument/2006/relationships" xmlns:p="http://schemas.openxmlformats.org/presentationml/2006/main">
+  <p:cSld>
+    <p:spTree>
+      <p:nvGrpSpPr>
+        <p:cNvPr id="1" name=""/>
+        <p:cNvGrpSpPr/>
+        <p:nvPr/>
+      </p:nvGrpSpPr>
+      <p:grpSpPr>
+        <a:xfrm>
+          <a:off x="0" y="0"/>
+          <a:ext cx="0" cy="0"/>
+          <a:chOff x="0" y="0"/>
+          <a:chExt cx="0" cy="0"/>
+        </a:xfrm>
+      </p:grpSpPr>
+      <p:sp>
+        <p:nvSpPr>
+          <p:cNvPr id="2" name="Title 1"/>
+          <p:cNvSpPr>
+            <a:spLocks noGrp="1"/>
+          </p:cNvSpPr>
+          <p:nvPr>
+            <p:ph type="title"/>
+          </p:nvPr>
+        </p:nvSpPr>
+        <p:spPr/>
+        <p:txBody>
+          <a:bodyPr/>
+          <a:lstStyle/>
+          <a:p>
+            <a:r>
+              <a:rPr lang="en-US" dirty="0"/>
+              <a:t>Algorithm 3 </a:t>
+            </a:r>
+            <a:r>
+              <a:rPr lang="mr-IN" dirty="0"/>
+              <a:t>–</a:t>
+            </a:r>
+            <a:r>
+              <a:rPr lang="en-US" dirty="0"/>
+              <a:t> Neural Network</a:t>
+            </a:r>
+          </a:p>
+        </p:txBody>
+      </p:sp>
+      <p:sp>
+        <p:nvSpPr>
+          <p:cNvPr id="3" name="Content Placeholder 2"/>
+          <p:cNvSpPr>
+            <a:spLocks noGrp="1"/>
+          </p:cNvSpPr>
+          <p:nvPr>
+            <p:ph idx="1"/>
+          </p:nvPr>
+        </p:nvSpPr>
+        <p:spPr/>
+        <p:txBody>
+          <a:bodyPr>
+            <a:normAutofit fontScale="92500" lnSpcReduction="20000"/>
+          </a:bodyPr>
+          <a:lstStyle/>
+          <a:p>
+            <a:r>
+              <a:rPr lang="en-US" dirty="0"/>
+              <a:t>Features used All columns except the categorical data like smoker, alcoholic etc</a:t>
+            </a:r>
+          </a:p>
+          <a:p>
+            <a:r>
+              <a:rPr lang="en-US" i="1" dirty="0"/>
+              <a:t>Approach 1</a:t>
+            </a:r>
+            <a:r>
+              <a:rPr lang="en-US" dirty="0"/>
+              <a:t>: replace missing value with mean of column</a:t>
+            </a:r>
+          </a:p>
+          <a:p>
+            <a:r>
+              <a:rPr lang="en-US" dirty="0"/>
+              <a:t>Learning Rate: 0.05 Hidden Layers = 5</a:t>
+            </a:r>
+          </a:p>
+          <a:p>
+            <a:pPr lvl="1"/>
+            <a:r>
+              <a:rPr lang="en-US" dirty="0"/>
+              <a:t>0.9207920792 accuracy  (1= Female, 0= Male)</a:t>
+            </a:r>
+          </a:p>
+          <a:p>
+            <a:pPr lvl="1"/>
+            <a:endParaRPr lang="en-US" dirty="0"/>
+          </a:p>
+          <a:p>
+            <a:pPr lvl="1"/>
+            <a:endParaRPr lang="en-US" dirty="0"/>
+          </a:p>
+          <a:p>
+            <a:pPr lvl="1"/>
+            <a:endParaRPr lang="en-US" dirty="0"/>
+          </a:p>
+          <a:p>
+            <a:pPr lvl="1"/>
+            <a:endParaRPr lang="en-US" dirty="0"/>
+          </a:p>
+          <a:p>
+            <a:r>
+              <a:rPr lang="en-US" dirty="0"/>
+              <a:t>Learning Rate: 0.1 Hidden Layers = 5</a:t>
+            </a:r>
+          </a:p>
+          <a:p>
+            <a:pPr lvl="1"/>
+            <a:r>
+              <a:rPr lang="en-US" dirty="0"/>
+              <a:t>0.900990099 accuracy</a:t>
+            </a:r>
+          </a:p>
+          <a:p>
+            <a:pPr lvl="1"/>
+            <a:endParaRPr lang="en-US" dirty="0"/>
+          </a:p>
+          <a:p>
+            <a:endParaRPr lang="en-US" dirty="0"/>
+          </a:p>
+        </p:txBody>
+      </p:sp>
+      <p:pic>
+        <p:nvPicPr>
+          <p:cNvPr id="6" name="Picture 5" descr="ann_5_5.PNG"/>
+          <p:cNvPicPr>
+            <a:picLocks noChangeAspect="1"/>
+          </p:cNvPicPr>
+          <p:nvPr/>
+        </p:nvPicPr>
+        <p:blipFill>
+          <a:blip r:embed="rId2"/>
+          <a:stretch>
+            <a:fillRect/>
+          </a:stretch>
+        </p:blipFill>
+        <p:spPr>
+          <a:xfrm>
+            <a:off x="3232591" y="3987129"/>
+            <a:ext cx="2886853" cy="1069834"/>
+          </a:xfrm>
+          <a:prstGeom prst="rect">
+            <a:avLst/>
+          </a:prstGeom>
+        </p:spPr>
+      </p:pic>
+    </p:spTree>
+    <p:extLst>
+      <p:ext uri="{BB962C8B-B14F-4D97-AF65-F5344CB8AC3E}">
+        <p14:creationId xmlns:p14="http://schemas.microsoft.com/office/powerpoint/2010/main" val="2699455244"/>
+      </p:ext>
+    </p:extLst>
+  </p:cSld>
+  <p:clrMapOvr>
+    <a:masterClrMapping/>
+  </p:clrMapOvr>
+</p:sld>
+</file>
+
+<file path=ppt/slides/slide25.xml><?xml version="1.0" encoding="utf-8"?>
+<p:sld xmlns:a="http://schemas.openxmlformats.org/drawingml/2006/main" xmlns:r="http://schemas.openxmlformats.org/officeDocument/2006/relationships" xmlns:p="http://schemas.openxmlformats.org/presentationml/2006/main">
+  <p:cSld>
+    <p:spTree>
+      <p:nvGrpSpPr>
+        <p:cNvPr id="1" name=""/>
+        <p:cNvGrpSpPr/>
+        <p:nvPr/>
+      </p:nvGrpSpPr>
+      <p:grpSpPr>
+        <a:xfrm>
+          <a:off x="0" y="0"/>
+          <a:ext cx="0" cy="0"/>
+          <a:chOff x="0" y="0"/>
+          <a:chExt cx="0" cy="0"/>
+        </a:xfrm>
+      </p:grpSpPr>
+      <p:sp>
+        <p:nvSpPr>
+          <p:cNvPr id="2" name="Title 1"/>
+          <p:cNvSpPr>
+            <a:spLocks noGrp="1"/>
+          </p:cNvSpPr>
+          <p:nvPr>
+            <p:ph type="title"/>
+          </p:nvPr>
+        </p:nvSpPr>
+        <p:spPr/>
+        <p:txBody>
+          <a:bodyPr/>
+          <a:lstStyle/>
+          <a:p>
+            <a:r>
+              <a:rPr lang="en-US" dirty="0"/>
+              <a:t>Algorithm 3 </a:t>
+            </a:r>
+            <a:r>
+              <a:rPr lang="mr-IN" dirty="0"/>
+              <a:t>–</a:t>
+            </a:r>
+            <a:r>
+              <a:rPr lang="en-US" dirty="0"/>
+              <a:t> Neural Network</a:t>
+            </a:r>
+          </a:p>
+        </p:txBody>
+      </p:sp>
+      <p:sp>
+        <p:nvSpPr>
+          <p:cNvPr id="3" name="Content Placeholder 2"/>
+          <p:cNvSpPr>
+            <a:spLocks noGrp="1"/>
+          </p:cNvSpPr>
+          <p:nvPr>
+            <p:ph idx="1"/>
+          </p:nvPr>
+        </p:nvSpPr>
+        <p:spPr/>
+        <p:txBody>
+          <a:bodyPr>
+            <a:normAutofit/>
+          </a:bodyPr>
+          <a:lstStyle/>
+          <a:p>
+            <a:r>
+              <a:rPr lang="en-US" i="1" dirty="0"/>
+              <a:t>Approach 2</a:t>
+            </a:r>
+            <a:r>
+              <a:rPr lang="en-US" dirty="0"/>
+              <a:t>: omit missing value (684 columns)</a:t>
+            </a:r>
+          </a:p>
+          <a:p>
+            <a:r>
+              <a:rPr lang="en-US" dirty="0"/>
+              <a:t>Learning Rate: 0.05 Hidden Layers = 5</a:t>
+            </a:r>
+          </a:p>
+          <a:p>
+            <a:pPr lvl="1"/>
+            <a:r>
+              <a:rPr lang="en-US" dirty="0"/>
+              <a:t>0.9197080292 accuracy  (1= Female, 0= Male)</a:t>
+            </a:r>
+          </a:p>
+          <a:p>
+            <a:pPr lvl="1"/>
+            <a:endParaRPr lang="en-US" dirty="0"/>
+          </a:p>
+          <a:p>
+            <a:pPr lvl="1"/>
+            <a:endParaRPr lang="en-US" dirty="0"/>
+          </a:p>
+          <a:p>
+            <a:pPr lvl="1"/>
+            <a:endParaRPr lang="en-US" dirty="0"/>
+          </a:p>
+          <a:p>
+            <a:pPr lvl="1"/>
+            <a:endParaRPr lang="en-US" dirty="0"/>
+          </a:p>
+          <a:p>
+            <a:r>
+              <a:rPr lang="en-US" dirty="0"/>
+              <a:t>Learning Rate: 0.05 Hidden Layers = 10</a:t>
+            </a:r>
+          </a:p>
+          <a:p>
+            <a:pPr lvl="1"/>
+            <a:r>
+              <a:rPr lang="en-US" dirty="0"/>
+              <a:t>0.9051094891 accuracy</a:t>
+            </a:r>
+          </a:p>
+          <a:p>
+            <a:endParaRPr lang="en-US" dirty="0"/>
+          </a:p>
+        </p:txBody>
+      </p:sp>
+      <p:pic>
+        <p:nvPicPr>
+          <p:cNvPr id="4" name="Picture 3" descr="ann_5_5_omit.PNG"/>
+          <p:cNvPicPr>
+            <a:picLocks noChangeAspect="1"/>
+          </p:cNvPicPr>
+          <p:nvPr/>
+        </p:nvPicPr>
+        <p:blipFill>
+          <a:blip r:embed="rId2"/>
+          <a:stretch>
+            <a:fillRect/>
+          </a:stretch>
+        </p:blipFill>
+        <p:spPr>
+          <a:xfrm>
+            <a:off x="3066757" y="3682324"/>
+            <a:ext cx="2700997" cy="1116411"/>
+          </a:xfrm>
+          <a:prstGeom prst="rect">
+            <a:avLst/>
+          </a:prstGeom>
+        </p:spPr>
+      </p:pic>
+    </p:spTree>
+  </p:cSld>
+  <p:clrMapOvr>
+    <a:masterClrMapping/>
+  </p:clrMapOvr>
+</p:sld>
+</file>
+
+<file path=ppt/slides/slide26.xml><?xml version="1.0" encoding="utf-8"?>
+<p:sld xmlns:a="http://schemas.openxmlformats.org/drawingml/2006/main" xmlns:r="http://schemas.openxmlformats.org/officeDocument/2006/relationships" xmlns:p="http://schemas.openxmlformats.org/presentationml/2006/main">
+  <p:cSld>
+    <p:spTree>
+      <p:nvGrpSpPr>
+        <p:cNvPr id="1" name=""/>
+        <p:cNvGrpSpPr/>
+        <p:nvPr/>
+      </p:nvGrpSpPr>
+      <p:grpSpPr>
+        <a:xfrm>
+          <a:off x="0" y="0"/>
+          <a:ext cx="0" cy="0"/>
+          <a:chOff x="0" y="0"/>
+          <a:chExt cx="0" cy="0"/>
+        </a:xfrm>
+      </p:grpSpPr>
+      <p:sp>
+        <p:nvSpPr>
+          <p:cNvPr id="2" name="Title 1"/>
+          <p:cNvSpPr>
+            <a:spLocks noGrp="1"/>
+          </p:cNvSpPr>
+          <p:nvPr>
+            <p:ph type="title"/>
+          </p:nvPr>
+        </p:nvSpPr>
+        <p:spPr/>
+        <p:txBody>
+          <a:bodyPr/>
+          <a:lstStyle/>
+          <a:p>
+            <a:r>
+              <a:rPr lang="en-US" dirty="0"/>
+              <a:t>Algorithm 4 – C5.0</a:t>
+            </a:r>
+          </a:p>
+        </p:txBody>
+      </p:sp>
+      <p:sp>
+        <p:nvSpPr>
+          <p:cNvPr id="3" name="Content Placeholder 2"/>
+          <p:cNvSpPr>
+            <a:spLocks noGrp="1"/>
+          </p:cNvSpPr>
+          <p:nvPr>
+            <p:ph idx="1"/>
+          </p:nvPr>
+        </p:nvSpPr>
+        <p:spPr/>
+        <p:txBody>
+          <a:bodyPr/>
+          <a:lstStyle/>
+          <a:p>
+            <a:r>
+              <a:rPr lang="en-US" dirty="0"/>
+              <a:t>Extra!</a:t>
+            </a:r>
+          </a:p>
+          <a:p>
+            <a:r>
+              <a:rPr lang="en-US" dirty="0"/>
+              <a:t>Interesting dependencies between seemingly independent aspects of an individual</a:t>
+            </a:r>
+          </a:p>
+        </p:txBody>
+      </p:sp>
+    </p:spTree>
+  </p:cSld>
+  <p:clrMapOvr>
+    <a:masterClrMapping/>
+  </p:clrMapOvr>
+</p:sld>
+</file>
+
+<file path=ppt/slides/slide27.xml><?xml version="1.0" encoding="utf-8"?>
+<p:sld xmlns:a="http://schemas.openxmlformats.org/drawingml/2006/main" xmlns:r="http://schemas.openxmlformats.org/officeDocument/2006/relationships" xmlns:p="http://schemas.openxmlformats.org/presentationml/2006/main">
+  <p:cSld>
+    <p:spTree>
+      <p:nvGrpSpPr>
+        <p:cNvPr id="1" name=""/>
+        <p:cNvGrpSpPr/>
+        <p:nvPr/>
+      </p:nvGrpSpPr>
+      <p:grpSpPr>
+        <a:xfrm>
+          <a:off x="0" y="0"/>
+          <a:ext cx="0" cy="0"/>
+          <a:chOff x="0" y="0"/>
+          <a:chExt cx="0" cy="0"/>
+        </a:xfrm>
+      </p:grpSpPr>
+      <p:pic>
+        <p:nvPicPr>
           <p:cNvPr id="4" name="Content Placeholder 3" descr="gender_movies.PNG"/>
           <p:cNvPicPr>
             <a:picLocks noGrp="1" noChangeAspect="1"/>
@@ -5066,7 +6321,7 @@
               <a:buChar char=""/>
             </a:pPr>
             <a:r>
-              <a:rPr lang="en-US" sz="2000" b="1" dirty="0" smtClean="0">
+              <a:rPr lang="en-US" sz="2000" b="1" dirty="0">
                 <a:solidFill>
                   <a:schemeClr val="accent2"/>
                 </a:solidFill>
@@ -5081,17 +6336,10 @@
   <p:clrMapOvr>
     <a:masterClrMapping/>
   </p:clrMapOvr>
-  <p:timing>
-    <p:tnLst>
-      <p:par>
-        <p:cTn id="1" dur="indefinite" restart="never" nodeType="tmRoot"/>
-      </p:par>
-    </p:tnLst>
-  </p:timing>
 </p:sld>
 </file>
 
-<file path=ppt/slides/slide17.xml><?xml version="1.0" encoding="utf-8"?>
+<file path=ppt/slides/slide28.xml><?xml version="1.0" encoding="utf-8"?>
 <p:sld xmlns:a="http://schemas.openxmlformats.org/drawingml/2006/main" xmlns:r="http://schemas.openxmlformats.org/officeDocument/2006/relationships" xmlns:p="http://schemas.openxmlformats.org/presentationml/2006/main">
   <p:cSld>
     <p:spTree>
@@ -5149,8 +6397,20 @@
             <a:tbl>
               <a:tblPr/>
               <a:tblGrid>
-                <a:gridCol w="657948"/>
-                <a:gridCol w="932092"/>
+                <a:gridCol w="657948">
+                  <a:extLst>
+                    <a:ext uri="{9D8B030D-6E8A-4147-A177-3AD203B41FA5}">
+                      <a16:colId xmlns:a16="http://schemas.microsoft.com/office/drawing/2014/main" val="20000"/>
+                    </a:ext>
+                  </a:extLst>
+                </a:gridCol>
+                <a:gridCol w="932092">
+                  <a:extLst>
+                    <a:ext uri="{9D8B030D-6E8A-4147-A177-3AD203B41FA5}">
+                      <a16:colId xmlns:a16="http://schemas.microsoft.com/office/drawing/2014/main" val="20001"/>
+                    </a:ext>
+                  </a:extLst>
+                </a:gridCol>
               </a:tblGrid>
               <a:tr h="241789">
                 <a:tc>
@@ -5265,6 +6525,11 @@
                     </a:lnB>
                   </a:tcPr>
                 </a:tc>
+                <a:extLst>
+                  <a:ext uri="{0D108BD9-81ED-4DB2-BD59-A6C34878D82A}">
+                    <a16:rowId xmlns:a16="http://schemas.microsoft.com/office/drawing/2014/main" val="10000"/>
+                  </a:ext>
+                </a:extLst>
               </a:tr>
               <a:tr h="241789">
                 <a:tc>
@@ -5379,6 +6644,11 @@
                     </a:lnB>
                   </a:tcPr>
                 </a:tc>
+                <a:extLst>
+                  <a:ext uri="{0D108BD9-81ED-4DB2-BD59-A6C34878D82A}">
+                    <a16:rowId xmlns:a16="http://schemas.microsoft.com/office/drawing/2014/main" val="10001"/>
+                  </a:ext>
+                </a:extLst>
               </a:tr>
               <a:tr h="241789">
                 <a:tc>
@@ -5493,6 +6763,11 @@
                     </a:lnB>
                   </a:tcPr>
                 </a:tc>
+                <a:extLst>
+                  <a:ext uri="{0D108BD9-81ED-4DB2-BD59-A6C34878D82A}">
+                    <a16:rowId xmlns:a16="http://schemas.microsoft.com/office/drawing/2014/main" val="10002"/>
+                  </a:ext>
+                </a:extLst>
               </a:tr>
             </a:tbl>
           </a:graphicData>
@@ -5530,7 +6805,7 @@
               <a:buChar char=""/>
             </a:pPr>
             <a:r>
-              <a:rPr lang="en-US" sz="2000" b="1" dirty="0" smtClean="0">
+              <a:rPr lang="en-US" sz="2000" b="1" dirty="0">
                 <a:solidFill>
                   <a:schemeClr val="accent2"/>
                 </a:solidFill>
@@ -5545,17 +6820,10 @@
   <p:clrMapOvr>
     <a:masterClrMapping/>
   </p:clrMapOvr>
-  <p:timing>
-    <p:tnLst>
-      <p:par>
-        <p:cTn id="1" dur="indefinite" restart="never" nodeType="tmRoot"/>
-      </p:par>
-    </p:tnLst>
-  </p:timing>
 </p:sld>
 </file>
 
-<file path=ppt/slides/slide18.xml><?xml version="1.0" encoding="utf-8"?>
+<file path=ppt/slides/slide29.xml><?xml version="1.0" encoding="utf-8"?>
 <p:sld xmlns:a="http://schemas.openxmlformats.org/drawingml/2006/main" xmlns:r="http://schemas.openxmlformats.org/officeDocument/2006/relationships" xmlns:p="http://schemas.openxmlformats.org/presentationml/2006/main">
   <p:cSld>
     <p:spTree>
@@ -5657,24 +6925,17 @@
     </p:spTree>
     <p:extLst>
       <p:ext uri="{BB962C8B-B14F-4D97-AF65-F5344CB8AC3E}">
-        <p14:creationId xmlns:p14="http://schemas.microsoft.com/office/powerpoint/2010/main" xmlns="" val="1911665564"/>
+        <p14:creationId xmlns:p14="http://schemas.microsoft.com/office/powerpoint/2010/main" val="1911665564"/>
       </p:ext>
     </p:extLst>
   </p:cSld>
   <p:clrMapOvr>
     <a:masterClrMapping/>
   </p:clrMapOvr>
-  <p:timing>
-    <p:tnLst>
-      <p:par>
-        <p:cTn id="1" dur="indefinite" restart="never" nodeType="tmRoot"/>
-      </p:par>
-    </p:tnLst>
-  </p:timing>
 </p:sld>
 </file>
 
-<file path=ppt/slides/slide19.xml><?xml version="1.0" encoding="utf-8"?>
+<file path=ppt/slides/slide3.xml><?xml version="1.0" encoding="utf-8"?>
 <p:sld xmlns:a="http://schemas.openxmlformats.org/drawingml/2006/main" xmlns:r="http://schemas.openxmlformats.org/officeDocument/2006/relationships" xmlns:p="http://schemas.openxmlformats.org/presentationml/2006/main">
   <p:cSld>
     <p:spTree>
@@ -5703,194 +6964,92 @@
         </p:nvSpPr>
         <p:spPr/>
         <p:txBody>
+          <a:bodyPr/>
+          <a:lstStyle/>
+          <a:p>
+            <a:r>
+              <a:rPr lang="en-US" dirty="0"/>
+              <a:t>INTRODUCTION &amp; MOTIVATION</a:t>
+            </a:r>
+          </a:p>
+        </p:txBody>
+      </p:sp>
+      <p:sp>
+        <p:nvSpPr>
+          <p:cNvPr id="3" name="Content Placeholder 2"/>
+          <p:cNvSpPr>
+            <a:spLocks noGrp="1"/>
+          </p:cNvSpPr>
+          <p:nvPr>
+            <p:ph idx="1"/>
+          </p:nvPr>
+        </p:nvSpPr>
+        <p:spPr/>
+        <p:txBody>
           <a:bodyPr>
             <a:normAutofit/>
           </a:bodyPr>
           <a:lstStyle/>
           <a:p>
-            <a:r>
-              <a:rPr lang="en-US" dirty="0"/>
-              <a:t>Algorithm 5 </a:t>
-            </a:r>
-            <a:r>
-              <a:rPr lang="mr-IN" dirty="0"/>
-              <a:t>–</a:t>
-            </a:r>
-            <a:r>
-              <a:rPr lang="en-US" dirty="0"/>
-              <a:t> Support Vector Machine</a:t>
-            </a:r>
-          </a:p>
-        </p:txBody>
-      </p:sp>
-      <p:sp>
-        <p:nvSpPr>
-          <p:cNvPr id="3" name="Content Placeholder 2"/>
-          <p:cNvSpPr>
-            <a:spLocks noGrp="1"/>
-          </p:cNvSpPr>
-          <p:nvPr>
-            <p:ph idx="1"/>
-          </p:nvPr>
-        </p:nvSpPr>
-        <p:spPr>
-          <a:xfrm>
-            <a:off x="2589212" y="1569156"/>
-            <a:ext cx="8915400" cy="4342066"/>
-          </a:xfrm>
-        </p:spPr>
-        <p:txBody>
-          <a:bodyPr>
-            <a:normAutofit fontScale="77500" lnSpcReduction="20000"/>
-          </a:bodyPr>
-          <a:lstStyle/>
-          <a:p>
-            <a:r>
-              <a:rPr lang="en-US" dirty="0"/>
-              <a:t>SVM method in R for classification used to divide data in two sets using a hyperplane.</a:t>
-            </a:r>
-          </a:p>
-          <a:p>
-            <a:r>
-              <a:rPr lang="en-US" dirty="0"/>
-              <a:t>Predictors used </a:t>
-            </a:r>
-            <a:r>
-              <a:rPr lang="mr-IN" dirty="0"/>
-              <a:t>–</a:t>
-            </a:r>
-            <a:r>
-              <a:rPr lang="en-US" dirty="0"/>
-              <a:t> Satisfaction Level, Last Evaluation, Number of Projects, Average Monthly Hours and Time spent at company.</a:t>
-            </a:r>
-          </a:p>
-          <a:p>
-            <a:r>
-              <a:rPr lang="en-US" dirty="0"/>
-              <a:t>Default parameters - Radial kernel function, Gamma = 1 / 5, Cost = 1</a:t>
-            </a:r>
-          </a:p>
-          <a:p>
-            <a:pPr lvl="1"/>
-            <a:r>
-              <a:rPr lang="en-US" dirty="0"/>
-              <a:t>RMSE: </a:t>
-            </a:r>
-            <a:r>
-              <a:rPr lang="nb-NO" dirty="0"/>
-              <a:t>0.1867857</a:t>
-            </a:r>
-            <a:endParaRPr lang="en-US" dirty="0"/>
-          </a:p>
-          <a:p>
-            <a:endParaRPr lang="en-US" dirty="0"/>
-          </a:p>
-          <a:p>
-            <a:endParaRPr lang="en-US" dirty="0"/>
-          </a:p>
-          <a:p>
-            <a:endParaRPr lang="en-US" dirty="0"/>
-          </a:p>
-          <a:p>
-            <a:r>
-              <a:rPr lang="en-US" dirty="0"/>
-              <a:t>After tuning the parameters </a:t>
-            </a:r>
-            <a:r>
-              <a:rPr lang="mr-IN" dirty="0"/>
-              <a:t>–</a:t>
-            </a:r>
-            <a:r>
-              <a:rPr lang="en-US" dirty="0"/>
-              <a:t> Gamma = 2, Cost = 10</a:t>
-            </a:r>
-          </a:p>
-          <a:p>
-            <a:pPr lvl="1"/>
-            <a:r>
-              <a:rPr lang="en-US" dirty="0"/>
-              <a:t>RMSE: </a:t>
-            </a:r>
-            <a:r>
-              <a:rPr lang="nb-NO" dirty="0"/>
-              <a:t>0.1598611</a:t>
-            </a:r>
-          </a:p>
-          <a:p>
-            <a:pPr lvl="1"/>
-            <a:endParaRPr lang="en-US" dirty="0"/>
-          </a:p>
-        </p:txBody>
-      </p:sp>
-      <p:pic>
-        <p:nvPicPr>
-          <p:cNvPr id="4" name="Picture 3"/>
-          <p:cNvPicPr>
-            <a:picLocks noChangeAspect="1"/>
-          </p:cNvPicPr>
-          <p:nvPr/>
-        </p:nvPicPr>
-        <p:blipFill>
-          <a:blip r:embed="rId2"/>
-          <a:stretch>
-            <a:fillRect/>
-          </a:stretch>
-        </p:blipFill>
-        <p:spPr>
-          <a:xfrm>
-            <a:off x="3178822" y="3687309"/>
-            <a:ext cx="2023794" cy="1040401"/>
-          </a:xfrm>
-          <a:prstGeom prst="rect">
-            <a:avLst/>
-          </a:prstGeom>
-        </p:spPr>
-      </p:pic>
-      <p:pic>
-        <p:nvPicPr>
-          <p:cNvPr id="5" name="Picture 4"/>
-          <p:cNvPicPr>
-            <a:picLocks noChangeAspect="1"/>
-          </p:cNvPicPr>
-          <p:nvPr/>
-        </p:nvPicPr>
-        <p:blipFill>
-          <a:blip r:embed="rId3"/>
-          <a:stretch>
-            <a:fillRect/>
-          </a:stretch>
-        </p:blipFill>
-        <p:spPr>
-          <a:xfrm>
-            <a:off x="3178822" y="5682478"/>
-            <a:ext cx="2023794" cy="1065155"/>
-          </a:xfrm>
-          <a:prstGeom prst="rect">
-            <a:avLst/>
-          </a:prstGeom>
-        </p:spPr>
-      </p:pic>
+            <a:pPr algn="just"/>
+            <a:r>
+              <a:rPr lang="en-US" dirty="0"/>
+              <a:t>“Young People Survey” data set</a:t>
+            </a:r>
+          </a:p>
+          <a:p>
+            <a:pPr algn="just">
+              <a:buNone/>
+            </a:pPr>
+            <a:endParaRPr lang="en-US" dirty="0"/>
+          </a:p>
+          <a:p>
+            <a:pPr algn="just"/>
+            <a:r>
+              <a:rPr lang="en-US" dirty="0"/>
+              <a:t>Interesting data set spanning across diverse behavior and preference metrics</a:t>
+            </a:r>
+          </a:p>
+          <a:p>
+            <a:pPr algn="just">
+              <a:buNone/>
+            </a:pPr>
+            <a:endParaRPr lang="en-US" sz="1400" i="1" dirty="0"/>
+          </a:p>
+          <a:p>
+            <a:pPr algn="just"/>
+            <a:r>
+              <a:rPr lang="en-US" dirty="0" err="1"/>
+              <a:t>DataSource</a:t>
+            </a:r>
+            <a:r>
+              <a:rPr lang="en-US" dirty="0"/>
+              <a:t>: </a:t>
+            </a:r>
+            <a:r>
+              <a:rPr lang="en-US" i="1" dirty="0"/>
+              <a:t>https://www.kaggle.com/miroslavsabo/young-people-survey</a:t>
+            </a:r>
+          </a:p>
+          <a:p>
+            <a:endParaRPr lang="en-US" sz="1400" i="1" dirty="0"/>
+          </a:p>
+        </p:txBody>
+      </p:sp>
     </p:spTree>
     <p:extLst>
       <p:ext uri="{BB962C8B-B14F-4D97-AF65-F5344CB8AC3E}">
-        <p14:creationId xmlns:p14="http://schemas.microsoft.com/office/powerpoint/2010/main" xmlns="" val="1042283074"/>
+        <p14:creationId xmlns:p14="http://schemas.microsoft.com/office/powerpoint/2010/main" val="1542116808"/>
       </p:ext>
     </p:extLst>
   </p:cSld>
   <p:clrMapOvr>
     <a:masterClrMapping/>
   </p:clrMapOvr>
-  <p:timing>
-    <p:tnLst>
-      <p:par>
-        <p:cTn id="1" dur="indefinite" restart="never" nodeType="tmRoot"/>
-      </p:par>
-    </p:tnLst>
-  </p:timing>
 </p:sld>
 </file>
 
-<file path=ppt/slides/slide2.xml><?xml version="1.0" encoding="utf-8"?>
+<file path=ppt/slides/slide30.xml><?xml version="1.0" encoding="utf-8"?>
 <p:sld xmlns:a="http://schemas.openxmlformats.org/drawingml/2006/main" xmlns:r="http://schemas.openxmlformats.org/officeDocument/2006/relationships" xmlns:p="http://schemas.openxmlformats.org/presentationml/2006/main">
   <p:cSld>
     <p:spTree>
@@ -5919,12 +7078,22 @@
         </p:nvSpPr>
         <p:spPr/>
         <p:txBody>
-          <a:bodyPr/>
+          <a:bodyPr>
+            <a:normAutofit/>
+          </a:bodyPr>
           <a:lstStyle/>
           <a:p>
             <a:r>
               <a:rPr lang="en-US" dirty="0"/>
-              <a:t>TEAM MEMBERS</a:t>
+              <a:t>Algorithm 5 </a:t>
+            </a:r>
+            <a:r>
+              <a:rPr lang="mr-IN" dirty="0"/>
+              <a:t>–</a:t>
+            </a:r>
+            <a:r>
+              <a:rPr lang="en-US" dirty="0"/>
+              <a:t> Support Vector Machine</a:t>
             </a:r>
           </a:p>
         </p:txBody>
@@ -5941,88 +7110,96 @@
         </p:nvSpPr>
         <p:spPr>
           <a:xfrm>
-            <a:off x="1168835" y="1491175"/>
-            <a:ext cx="10493282" cy="4377844"/>
-          </a:xfrm>
-        </p:spPr>
-        <p:txBody>
-          <a:bodyPr/>
+            <a:off x="2589212" y="1569156"/>
+            <a:ext cx="8915400" cy="4342066"/>
+          </a:xfrm>
+        </p:spPr>
+        <p:txBody>
+          <a:bodyPr>
+            <a:normAutofit fontScale="77500" lnSpcReduction="20000"/>
+          </a:bodyPr>
           <a:lstStyle/>
           <a:p>
-            <a:pPr marL="0" indent="0">
-              <a:buNone/>
-            </a:pPr>
-            <a:r>
-              <a:rPr lang="en-US" dirty="0"/>
-              <a:t>  Dhavala             </a:t>
-            </a:r>
-            <a:r>
-              <a:rPr lang="en-US" dirty="0" smtClean="0"/>
-              <a:t>      </a:t>
-            </a:r>
-            <a:r>
-              <a:rPr lang="en-US" dirty="0" err="1" smtClean="0"/>
-              <a:t>Sowmya</a:t>
-            </a:r>
-            <a:r>
-              <a:rPr lang="en-US" dirty="0"/>
-              <a:t>		</a:t>
-            </a:r>
-            <a:r>
-              <a:rPr lang="en-US" dirty="0" smtClean="0"/>
-              <a:t>       </a:t>
-            </a:r>
-            <a:r>
-              <a:rPr lang="en-US" dirty="0" smtClean="0"/>
-              <a:t> </a:t>
-            </a:r>
-            <a:r>
-              <a:rPr lang="en-US" dirty="0" err="1" smtClean="0"/>
-              <a:t>Devanshu</a:t>
-            </a:r>
-            <a:endParaRPr lang="en-US" dirty="0"/>
-          </a:p>
-          <a:p>
-            <a:pPr marL="0" indent="0">
-              <a:buNone/>
-            </a:pPr>
-            <a:endParaRPr lang="en-US" dirty="0"/>
-          </a:p>
-          <a:p>
-            <a:pPr marL="0" indent="0">
-              <a:buNone/>
-            </a:pPr>
-            <a:endParaRPr lang="en-US" dirty="0"/>
-          </a:p>
-          <a:p>
-            <a:pPr marL="0" indent="0">
-              <a:buNone/>
-            </a:pPr>
-            <a:endParaRPr lang="en-US" dirty="0"/>
-          </a:p>
-          <a:p>
-            <a:pPr marL="0" indent="0">
-              <a:buNone/>
-            </a:pPr>
-            <a:endParaRPr lang="en-US" dirty="0"/>
-          </a:p>
-          <a:p>
-            <a:pPr marL="0" indent="0">
-              <a:buNone/>
-            </a:pPr>
+            <a:r>
+              <a:rPr lang="en-US" dirty="0"/>
+              <a:t>SVM method in R for classification used to divide data in two sets using a hyperplane.</a:t>
+            </a:r>
+          </a:p>
+          <a:p>
+            <a:r>
+              <a:rPr lang="en-US" dirty="0"/>
+              <a:t>Predictors used </a:t>
+            </a:r>
+            <a:r>
+              <a:rPr lang="mr-IN" dirty="0"/>
+              <a:t>–</a:t>
+            </a:r>
+            <a:r>
+              <a:rPr lang="en-US" dirty="0"/>
+              <a:t> Satisfaction Level, Last Evaluation, Number of Projects, Average Monthly Hours and Time spent at company.</a:t>
+            </a:r>
+          </a:p>
+          <a:p>
+            <a:r>
+              <a:rPr lang="en-US" dirty="0"/>
+              <a:t>Default parameters - Radial kernel function, Gamma = 1 / 5, Cost = 1</a:t>
+            </a:r>
+          </a:p>
+          <a:p>
+            <a:pPr lvl="1"/>
+            <a:r>
+              <a:rPr lang="en-US" dirty="0"/>
+              <a:t>RMSE: </a:t>
+            </a:r>
+            <a:r>
+              <a:rPr lang="nb-NO" dirty="0"/>
+              <a:t>0.1867857</a:t>
+            </a:r>
+            <a:endParaRPr lang="en-US" dirty="0"/>
+          </a:p>
+          <a:p>
+            <a:endParaRPr lang="en-US" dirty="0"/>
+          </a:p>
+          <a:p>
+            <a:endParaRPr lang="en-US" dirty="0"/>
+          </a:p>
+          <a:p>
+            <a:endParaRPr lang="en-US" dirty="0"/>
+          </a:p>
+          <a:p>
+            <a:r>
+              <a:rPr lang="en-US" dirty="0"/>
+              <a:t>After tuning the parameters </a:t>
+            </a:r>
+            <a:r>
+              <a:rPr lang="mr-IN" dirty="0"/>
+              <a:t>–</a:t>
+            </a:r>
+            <a:r>
+              <a:rPr lang="en-US" dirty="0"/>
+              <a:t> Gamma = 2, Cost = 10</a:t>
+            </a:r>
+          </a:p>
+          <a:p>
+            <a:pPr lvl="1"/>
+            <a:r>
+              <a:rPr lang="en-US" dirty="0"/>
+              <a:t>RMSE: </a:t>
+            </a:r>
+            <a:r>
+              <a:rPr lang="nb-NO" dirty="0"/>
+              <a:t>0.1598611</a:t>
+            </a:r>
+          </a:p>
+          <a:p>
+            <a:pPr lvl="1"/>
             <a:endParaRPr lang="en-US" dirty="0"/>
           </a:p>
         </p:txBody>
       </p:sp>
       <p:pic>
         <p:nvPicPr>
-          <p:cNvPr id="8" name="Picture 7">
-            <a:extLst>
-              <a:ext uri="{FF2B5EF4-FFF2-40B4-BE49-F238E27FC236}">
-                <a16:creationId xmlns:a16="http://schemas.microsoft.com/office/drawing/2014/main" xmlns="" id="{8B297A75-5C96-4B8E-A721-B5A80A818F40}"/>
-              </a:ext>
-            </a:extLst>
-          </p:cNvPr>
+          <p:cNvPr id="4" name="Picture 3"/>
           <p:cNvPicPr>
             <a:picLocks noChangeAspect="1"/>
           </p:cNvPicPr>
@@ -6036,8 +7213,8 @@
         </p:blipFill>
         <p:spPr>
           <a:xfrm>
-            <a:off x="8424356" y="2525997"/>
-            <a:ext cx="2650344" cy="2890065"/>
+            <a:off x="3178822" y="3687309"/>
+            <a:ext cx="2023794" cy="1040401"/>
           </a:xfrm>
           <a:prstGeom prst="rect">
             <a:avLst/>
@@ -6046,7 +7223,7 @@
       </p:pic>
       <p:pic>
         <p:nvPicPr>
-          <p:cNvPr id="5" name="Picture 4" descr="Dhavala_Manjunatha_photo.JPG"/>
+          <p:cNvPr id="5" name="Picture 4"/>
           <p:cNvPicPr>
             <a:picLocks noChangeAspect="1"/>
           </p:cNvPicPr>
@@ -6060,8 +7237,8 @@
         </p:blipFill>
         <p:spPr>
           <a:xfrm>
-            <a:off x="1452939" y="2560320"/>
-            <a:ext cx="2134321" cy="2708030"/>
+            <a:off x="3178822" y="5682478"/>
+            <a:ext cx="2023794" cy="1065155"/>
           </a:xfrm>
           <a:prstGeom prst="rect">
             <a:avLst/>
@@ -6071,24 +7248,17 @@
     </p:spTree>
     <p:extLst>
       <p:ext uri="{BB962C8B-B14F-4D97-AF65-F5344CB8AC3E}">
-        <p14:creationId xmlns:p14="http://schemas.microsoft.com/office/powerpoint/2010/main" xmlns="" val="2694219937"/>
+        <p14:creationId xmlns:p14="http://schemas.microsoft.com/office/powerpoint/2010/main" val="1042283074"/>
       </p:ext>
     </p:extLst>
   </p:cSld>
   <p:clrMapOvr>
     <a:masterClrMapping/>
   </p:clrMapOvr>
-  <p:timing>
-    <p:tnLst>
-      <p:par>
-        <p:cTn id="1" dur="indefinite" restart="never" nodeType="tmRoot"/>
-      </p:par>
-    </p:tnLst>
-  </p:timing>
 </p:sld>
 </file>
 
-<file path=ppt/slides/slide20.xml><?xml version="1.0" encoding="utf-8"?>
+<file path=ppt/slides/slide31.xml><?xml version="1.0" encoding="utf-8"?>
 <p:sld xmlns:a="http://schemas.openxmlformats.org/drawingml/2006/main" xmlns:r="http://schemas.openxmlformats.org/officeDocument/2006/relationships" xmlns:p="http://schemas.openxmlformats.org/presentationml/2006/main">
   <p:cSld>
     <p:spTree>
@@ -6207,14 +7377,14 @@
           <p:nvPr>
             <p:extLst>
               <p:ext uri="{D42A27DB-BD31-4B8C-83A1-F6EECF244321}">
-                <p14:modId xmlns:p14="http://schemas.microsoft.com/office/powerpoint/2010/main" xmlns="" val="169962830"/>
+                <p14:modId xmlns:p14="http://schemas.microsoft.com/office/powerpoint/2010/main" val="3813217767"/>
               </p:ext>
             </p:extLst>
           </p:nvPr>
         </p:nvGraphicFramePr>
         <p:xfrm>
-          <a:off x="2589212" y="2074509"/>
-          <a:ext cx="8127999" cy="2763520"/>
+          <a:off x="2777748" y="1874521"/>
+          <a:ext cx="8127999" cy="2697480"/>
         </p:xfrm>
         <a:graphic>
           <a:graphicData uri="http://schemas.openxmlformats.org/drawingml/2006/table">
@@ -6226,26 +7396,26 @@
                 <a:gridCol w="2709333">
                   <a:extLst>
                     <a:ext uri="{9D8B030D-6E8A-4147-A177-3AD203B41FA5}">
-                      <a16:colId xmlns:a16="http://schemas.microsoft.com/office/drawing/2014/main" xmlns="" val="20000"/>
+                      <a16:colId xmlns:a16="http://schemas.microsoft.com/office/drawing/2014/main" val="20000"/>
                     </a:ext>
                   </a:extLst>
                 </a:gridCol>
                 <a:gridCol w="2709333">
                   <a:extLst>
                     <a:ext uri="{9D8B030D-6E8A-4147-A177-3AD203B41FA5}">
-                      <a16:colId xmlns:a16="http://schemas.microsoft.com/office/drawing/2014/main" xmlns="" val="20001"/>
+                      <a16:colId xmlns:a16="http://schemas.microsoft.com/office/drawing/2014/main" val="20001"/>
                     </a:ext>
                   </a:extLst>
                 </a:gridCol>
                 <a:gridCol w="2709333">
                   <a:extLst>
                     <a:ext uri="{9D8B030D-6E8A-4147-A177-3AD203B41FA5}">
-                      <a16:colId xmlns:a16="http://schemas.microsoft.com/office/drawing/2014/main" xmlns="" val="20002"/>
+                      <a16:colId xmlns:a16="http://schemas.microsoft.com/office/drawing/2014/main" val="20002"/>
                     </a:ext>
                   </a:extLst>
                 </a:gridCol>
               </a:tblGrid>
-              <a:tr h="370840">
+              <a:tr h="281846">
                 <a:tc>
                   <a:txBody>
                     <a:bodyPr/>
@@ -6290,11 +7460,11 @@
                 </a:tc>
                 <a:extLst>
                   <a:ext uri="{0D108BD9-81ED-4DB2-BD59-A6C34878D82A}">
-                    <a16:rowId xmlns:a16="http://schemas.microsoft.com/office/drawing/2014/main" xmlns="" val="10000"/>
+                    <a16:rowId xmlns:a16="http://schemas.microsoft.com/office/drawing/2014/main" val="10000"/>
                   </a:ext>
                 </a:extLst>
               </a:tr>
-              <a:tr h="370840">
+              <a:tr h="322109">
                 <a:tc>
                   <a:txBody>
                     <a:bodyPr/>
@@ -6337,11 +7507,11 @@
                 </a:tc>
                 <a:extLst>
                   <a:ext uri="{0D108BD9-81ED-4DB2-BD59-A6C34878D82A}">
-                    <a16:rowId xmlns:a16="http://schemas.microsoft.com/office/drawing/2014/main" xmlns="" val="10001"/>
+                    <a16:rowId xmlns:a16="http://schemas.microsoft.com/office/drawing/2014/main" val="10001"/>
                   </a:ext>
                 </a:extLst>
               </a:tr>
-              <a:tr h="370840">
+              <a:tr h="322109">
                 <a:tc>
                   <a:txBody>
                     <a:bodyPr/>
@@ -6380,20 +7550,23 @@
                     <a:p>
                       <a:r>
                         <a:rPr lang="hr-HR" dirty="0"/>
-                        <a:t>0.974000</a:t>
+                        <a:t>0.94</a:t>
                       </a:r>
-                      <a:endParaRPr lang="en-US" dirty="0"/>
+                      <a:r>
+                        <a:rPr lang="en-US" dirty="0"/>
+                        <a:t>16</a:t>
+                      </a:r>
                     </a:p>
                   </a:txBody>
                   <a:tcPr/>
                 </a:tc>
                 <a:extLst>
                   <a:ext uri="{0D108BD9-81ED-4DB2-BD59-A6C34878D82A}">
-                    <a16:rowId xmlns:a16="http://schemas.microsoft.com/office/drawing/2014/main" xmlns="" val="10002"/>
+                    <a16:rowId xmlns:a16="http://schemas.microsoft.com/office/drawing/2014/main" val="10002"/>
                   </a:ext>
                 </a:extLst>
               </a:tr>
-              <a:tr h="370840">
+              <a:tr h="563691">
                 <a:tc>
                   <a:txBody>
                     <a:bodyPr/>
@@ -6442,11 +7615,11 @@
                 </a:tc>
                 <a:extLst>
                   <a:ext uri="{0D108BD9-81ED-4DB2-BD59-A6C34878D82A}">
-                    <a16:rowId xmlns:a16="http://schemas.microsoft.com/office/drawing/2014/main" xmlns="" val="10003"/>
+                    <a16:rowId xmlns:a16="http://schemas.microsoft.com/office/drawing/2014/main" val="10003"/>
                   </a:ext>
                 </a:extLst>
               </a:tr>
-              <a:tr h="370840">
+              <a:tr h="322109">
                 <a:tc>
                   <a:txBody>
                     <a:bodyPr/>
@@ -6489,11 +7662,11 @@
                 </a:tc>
                 <a:extLst>
                   <a:ext uri="{0D108BD9-81ED-4DB2-BD59-A6C34878D82A}">
-                    <a16:rowId xmlns:a16="http://schemas.microsoft.com/office/drawing/2014/main" xmlns="" val="10004"/>
+                    <a16:rowId xmlns:a16="http://schemas.microsoft.com/office/drawing/2014/main" val="10004"/>
                   </a:ext>
                 </a:extLst>
               </a:tr>
-              <a:tr h="370840">
+              <a:tr h="563691">
                 <a:tc>
                   <a:txBody>
                     <a:bodyPr/>
@@ -6551,7 +7724,7 @@
                 </a:tc>
                 <a:extLst>
                   <a:ext uri="{0D108BD9-81ED-4DB2-BD59-A6C34878D82A}">
-                    <a16:rowId xmlns:a16="http://schemas.microsoft.com/office/drawing/2014/main" xmlns="" val="10005"/>
+                    <a16:rowId xmlns:a16="http://schemas.microsoft.com/office/drawing/2014/main" val="10005"/>
                   </a:ext>
                 </a:extLst>
               </a:tr>
@@ -6562,24 +7735,17 @@
     </p:spTree>
     <p:extLst>
       <p:ext uri="{BB962C8B-B14F-4D97-AF65-F5344CB8AC3E}">
-        <p14:creationId xmlns:p14="http://schemas.microsoft.com/office/powerpoint/2010/main" xmlns="" val="3578044046"/>
+        <p14:creationId xmlns:p14="http://schemas.microsoft.com/office/powerpoint/2010/main" val="3578044046"/>
       </p:ext>
     </p:extLst>
   </p:cSld>
   <p:clrMapOvr>
     <a:masterClrMapping/>
   </p:clrMapOvr>
-  <p:timing>
-    <p:tnLst>
-      <p:par>
-        <p:cTn id="1" dur="indefinite" restart="never" nodeType="tmRoot"/>
-      </p:par>
-    </p:tnLst>
-  </p:timing>
 </p:sld>
 </file>
 
-<file path=ppt/slides/slide21.xml><?xml version="1.0" encoding="utf-8"?>
+<file path=ppt/slides/slide32.xml><?xml version="1.0" encoding="utf-8"?>
 <p:sld xmlns:a="http://schemas.openxmlformats.org/drawingml/2006/main" xmlns:r="http://schemas.openxmlformats.org/officeDocument/2006/relationships" xmlns:p="http://schemas.openxmlformats.org/presentationml/2006/main">
   <p:cSld>
     <p:spTree>
@@ -6640,161 +7806,13 @@
     </p:spTree>
     <p:extLst>
       <p:ext uri="{BB962C8B-B14F-4D97-AF65-F5344CB8AC3E}">
-        <p14:creationId xmlns:p14="http://schemas.microsoft.com/office/powerpoint/2010/main" xmlns="" val="30137763"/>
+        <p14:creationId xmlns:p14="http://schemas.microsoft.com/office/powerpoint/2010/main" val="30137763"/>
       </p:ext>
     </p:extLst>
   </p:cSld>
   <p:clrMapOvr>
     <a:masterClrMapping/>
   </p:clrMapOvr>
-  <p:timing>
-    <p:tnLst>
-      <p:par>
-        <p:cTn id="1" dur="indefinite" restart="never" nodeType="tmRoot"/>
-      </p:par>
-    </p:tnLst>
-  </p:timing>
-</p:sld>
-</file>
-
-<file path=ppt/slides/slide3.xml><?xml version="1.0" encoding="utf-8"?>
-<p:sld xmlns:a="http://schemas.openxmlformats.org/drawingml/2006/main" xmlns:r="http://schemas.openxmlformats.org/officeDocument/2006/relationships" xmlns:p="http://schemas.openxmlformats.org/presentationml/2006/main">
-  <p:cSld>
-    <p:spTree>
-      <p:nvGrpSpPr>
-        <p:cNvPr id="1" name=""/>
-        <p:cNvGrpSpPr/>
-        <p:nvPr/>
-      </p:nvGrpSpPr>
-      <p:grpSpPr>
-        <a:xfrm>
-          <a:off x="0" y="0"/>
-          <a:ext cx="0" cy="0"/>
-          <a:chOff x="0" y="0"/>
-          <a:chExt cx="0" cy="0"/>
-        </a:xfrm>
-      </p:grpSpPr>
-      <p:sp>
-        <p:nvSpPr>
-          <p:cNvPr id="2" name="Title 1"/>
-          <p:cNvSpPr>
-            <a:spLocks noGrp="1"/>
-          </p:cNvSpPr>
-          <p:nvPr>
-            <p:ph type="title"/>
-          </p:nvPr>
-        </p:nvSpPr>
-        <p:spPr/>
-        <p:txBody>
-          <a:bodyPr/>
-          <a:lstStyle/>
-          <a:p>
-            <a:r>
-              <a:rPr lang="en-US" dirty="0"/>
-              <a:t>INTRODUCTION &amp; MOTIVATION</a:t>
-            </a:r>
-          </a:p>
-        </p:txBody>
-      </p:sp>
-      <p:sp>
-        <p:nvSpPr>
-          <p:cNvPr id="3" name="Content Placeholder 2"/>
-          <p:cNvSpPr>
-            <a:spLocks noGrp="1"/>
-          </p:cNvSpPr>
-          <p:nvPr>
-            <p:ph idx="1"/>
-          </p:nvPr>
-        </p:nvSpPr>
-        <p:spPr/>
-        <p:txBody>
-          <a:bodyPr>
-            <a:normAutofit/>
-          </a:bodyPr>
-          <a:lstStyle/>
-          <a:p>
-            <a:pPr algn="just"/>
-            <a:r>
-              <a:rPr lang="en-US" dirty="0" smtClean="0"/>
-              <a:t>“Young </a:t>
-            </a:r>
-            <a:r>
-              <a:rPr lang="en-US" dirty="0"/>
-              <a:t>P</a:t>
-            </a:r>
-            <a:r>
-              <a:rPr lang="en-US" dirty="0" smtClean="0"/>
-              <a:t>eople </a:t>
-            </a:r>
-            <a:r>
-              <a:rPr lang="en-US" dirty="0" smtClean="0"/>
-              <a:t>S</a:t>
-            </a:r>
-            <a:r>
-              <a:rPr lang="en-US" dirty="0" smtClean="0"/>
-              <a:t>urvey” data set</a:t>
-            </a:r>
-          </a:p>
-          <a:p>
-            <a:pPr algn="just">
-              <a:buNone/>
-            </a:pPr>
-            <a:endParaRPr lang="en-US" dirty="0"/>
-          </a:p>
-          <a:p>
-            <a:pPr algn="just"/>
-            <a:r>
-              <a:rPr lang="en-US" dirty="0" smtClean="0"/>
-              <a:t>Interesting data set spanning across diverse behavior and preference metrics</a:t>
-            </a:r>
-          </a:p>
-          <a:p>
-            <a:pPr algn="just">
-              <a:buNone/>
-            </a:pPr>
-            <a:endParaRPr lang="en-US" sz="1400" i="1" dirty="0"/>
-          </a:p>
-          <a:p>
-            <a:pPr algn="just"/>
-            <a:r>
-              <a:rPr lang="en-US" dirty="0" err="1" smtClean="0"/>
-              <a:t>DataSource</a:t>
-            </a:r>
-            <a:r>
-              <a:rPr lang="en-US" dirty="0" smtClean="0"/>
-              <a:t>: </a:t>
-            </a:r>
-            <a:r>
-              <a:rPr lang="en-US" i="1" dirty="0" smtClean="0"/>
-              <a:t>https</a:t>
-            </a:r>
-            <a:r>
-              <a:rPr lang="en-US" i="1" dirty="0"/>
-              <a:t>://www.kaggle.com/miroslavsabo/young-people-survey</a:t>
-            </a:r>
-          </a:p>
-          <a:p>
-            <a:endParaRPr lang="en-US" sz="1400" i="1" dirty="0"/>
-          </a:p>
-        </p:txBody>
-      </p:sp>
-    </p:spTree>
-    <p:extLst>
-      <p:ext uri="{BB962C8B-B14F-4D97-AF65-F5344CB8AC3E}">
-        <p14:creationId xmlns:p14="http://schemas.microsoft.com/office/powerpoint/2010/main" xmlns="" val="1542116808"/>
-      </p:ext>
-    </p:extLst>
-  </p:cSld>
-  <p:clrMapOvr>
-    <a:masterClrMapping/>
-  </p:clrMapOvr>
-  <p:timing>
-    <p:tnLst>
-      <p:par>
-        <p:cTn id="1" dur="indefinite" restart="never" nodeType="tmRoot"/>
-      </p:par>
-    </p:tnLst>
-  </p:timing>
 </p:sld>
 </file>
 
@@ -6855,25 +7873,15 @@
           <a:lstStyle/>
           <a:p>
             <a:r>
-              <a:rPr lang="en-US" dirty="0" smtClean="0"/>
-              <a:t>1010 </a:t>
-            </a:r>
-            <a:r>
-              <a:rPr lang="en-US" dirty="0"/>
-              <a:t>rows </a:t>
-            </a:r>
-            <a:r>
-              <a:rPr lang="en-US" dirty="0" smtClean="0"/>
-              <a:t>,140columns</a:t>
-            </a:r>
-            <a:endParaRPr lang="en-US" dirty="0"/>
-          </a:p>
-          <a:p>
-            <a:r>
-              <a:rPr lang="en-US" dirty="0" smtClean="0"/>
+              <a:rPr lang="en-US" dirty="0"/>
+              <a:t>1010 rows ,140columns</a:t>
+            </a:r>
+          </a:p>
+          <a:p>
+            <a:r>
+              <a:rPr lang="en-US" dirty="0"/>
               <a:t>Target variable: Gender</a:t>
             </a:r>
-            <a:endParaRPr lang="en-US" dirty="0"/>
           </a:p>
           <a:p>
             <a:r>
@@ -6913,33 +7921,21 @@
             <a:pPr lvl="1"/>
             <a:r>
               <a:rPr lang="en-US" dirty="0"/>
-              <a:t>And so </a:t>
-            </a:r>
-            <a:r>
-              <a:rPr lang="en-US" dirty="0" smtClean="0"/>
-              <a:t>on</a:t>
-            </a:r>
-            <a:endParaRPr lang="en-US" dirty="0"/>
+              <a:t>And so on</a:t>
+            </a:r>
           </a:p>
         </p:txBody>
       </p:sp>
     </p:spTree>
     <p:extLst>
       <p:ext uri="{BB962C8B-B14F-4D97-AF65-F5344CB8AC3E}">
-        <p14:creationId xmlns:p14="http://schemas.microsoft.com/office/powerpoint/2010/main" xmlns="" val="306933364"/>
+        <p14:creationId xmlns:p14="http://schemas.microsoft.com/office/powerpoint/2010/main" val="306933364"/>
       </p:ext>
     </p:extLst>
   </p:cSld>
   <p:clrMapOvr>
     <a:masterClrMapping/>
   </p:clrMapOvr>
-  <p:timing>
-    <p:tnLst>
-      <p:par>
-        <p:cTn id="1" dur="indefinite" restart="never" nodeType="tmRoot"/>
-      </p:par>
-    </p:tnLst>
-  </p:timing>
 </p:sld>
 </file>
 
@@ -7002,61 +7998,33 @@
           <a:lstStyle/>
           <a:p>
             <a:r>
-              <a:rPr lang="en-US" dirty="0" smtClean="0"/>
+              <a:rPr lang="en-US" dirty="0"/>
               <a:t>Multiple missing values</a:t>
             </a:r>
-            <a:endParaRPr lang="en-US" dirty="0"/>
-          </a:p>
-          <a:p>
-            <a:r>
-              <a:rPr lang="en-US" dirty="0" smtClean="0"/>
-              <a:t>Approach 1: replace missing </a:t>
-            </a:r>
-            <a:r>
-              <a:rPr lang="en-US" dirty="0"/>
-              <a:t>values </a:t>
-            </a:r>
-            <a:r>
-              <a:rPr lang="en-US" dirty="0" smtClean="0"/>
-              <a:t>with mean of column </a:t>
-            </a:r>
-          </a:p>
-          <a:p>
-            <a:r>
-              <a:rPr lang="en-US" dirty="0" smtClean="0"/>
-              <a:t>Approach 2: </a:t>
-            </a:r>
-            <a:r>
-              <a:rPr lang="en-US" dirty="0" smtClean="0"/>
-              <a:t>omit missing values</a:t>
-            </a:r>
-            <a:endParaRPr lang="en-US" dirty="0"/>
-          </a:p>
-          <a:p>
-            <a:r>
-              <a:rPr lang="en-US" dirty="0" smtClean="0"/>
-              <a:t>Normalize </a:t>
-            </a:r>
-            <a:r>
-              <a:rPr lang="en-US" dirty="0"/>
-              <a:t>the Integer columns for certain algorithms like </a:t>
-            </a:r>
-            <a:r>
-              <a:rPr lang="en-US" dirty="0" smtClean="0"/>
-              <a:t>KNN</a:t>
-            </a:r>
-            <a:endParaRPr lang="en-US" dirty="0"/>
-          </a:p>
-          <a:p>
-            <a:r>
-              <a:rPr lang="en-US" dirty="0"/>
-              <a:t>Training and Test </a:t>
-            </a:r>
-            <a:r>
-              <a:rPr lang="en-US" dirty="0" smtClean="0"/>
-              <a:t>Data</a:t>
-            </a:r>
-            <a:endParaRPr lang="en-US" dirty="0"/>
+          </a:p>
+          <a:p>
+            <a:r>
+              <a:rPr lang="en-US" dirty="0"/>
+              <a:t>Approach 1: replace missing values with mean of column </a:t>
+            </a:r>
+          </a:p>
+          <a:p>
+            <a:r>
+              <a:rPr lang="en-US" dirty="0"/>
+              <a:t>Approach 2: omit missing values</a:t>
+            </a:r>
+          </a:p>
+          <a:p>
+            <a:r>
+              <a:rPr lang="en-US" dirty="0"/>
+              <a:t>Normalize the Integer columns for certain algorithms like KNN</a:t>
+            </a:r>
+          </a:p>
+          <a:p>
+            <a:r>
+              <a:rPr lang="en-US" dirty="0"/>
+              <a:t>Training and Test Data</a:t>
+            </a:r>
           </a:p>
           <a:p>
             <a:endParaRPr lang="en-US" dirty="0"/>
@@ -7066,20 +8034,13 @@
     </p:spTree>
     <p:extLst>
       <p:ext uri="{BB962C8B-B14F-4D97-AF65-F5344CB8AC3E}">
-        <p14:creationId xmlns:p14="http://schemas.microsoft.com/office/powerpoint/2010/main" xmlns="" val="220168066"/>
+        <p14:creationId xmlns:p14="http://schemas.microsoft.com/office/powerpoint/2010/main" val="220168066"/>
       </p:ext>
     </p:extLst>
   </p:cSld>
   <p:clrMapOvr>
     <a:masterClrMapping/>
   </p:clrMapOvr>
-  <p:timing>
-    <p:tnLst>
-      <p:par>
-        <p:cTn id="1" dur="indefinite" restart="never" nodeType="tmRoot"/>
-      </p:par>
-    </p:tnLst>
-  </p:timing>
 </p:sld>
 </file>
 
@@ -7234,20 +8195,13 @@
     </p:spTree>
     <p:extLst>
       <p:ext uri="{BB962C8B-B14F-4D97-AF65-F5344CB8AC3E}">
-        <p14:creationId xmlns:p14="http://schemas.microsoft.com/office/powerpoint/2010/main" xmlns="" val="597700395"/>
+        <p14:creationId xmlns:p14="http://schemas.microsoft.com/office/powerpoint/2010/main" val="597700395"/>
       </p:ext>
     </p:extLst>
   </p:cSld>
   <p:clrMapOvr>
     <a:masterClrMapping/>
   </p:clrMapOvr>
-  <p:timing>
-    <p:tnLst>
-      <p:par>
-        <p:cTn id="1" dur="indefinite" restart="never" nodeType="tmRoot"/>
-      </p:par>
-    </p:tnLst>
-  </p:timing>
 </p:sld>
 </file>
 
@@ -7338,12 +8292,8 @@
           </a:p>
           <a:p>
             <a:r>
-              <a:rPr lang="en-US" dirty="0" smtClean="0"/>
-              <a:t>K </a:t>
-            </a:r>
-            <a:r>
-              <a:rPr lang="en-US" dirty="0"/>
-              <a:t>= 5 (</a:t>
+              <a:rPr lang="en-US" dirty="0"/>
+              <a:t>K = 5 (</a:t>
             </a:r>
             <a:r>
               <a:rPr lang="it-IT" dirty="0"/>
@@ -7410,20 +8360,13 @@
     </p:spTree>
     <p:extLst>
       <p:ext uri="{BB962C8B-B14F-4D97-AF65-F5344CB8AC3E}">
-        <p14:creationId xmlns:p14="http://schemas.microsoft.com/office/powerpoint/2010/main" xmlns="" val="750973216"/>
+        <p14:creationId xmlns:p14="http://schemas.microsoft.com/office/powerpoint/2010/main" val="750973216"/>
       </p:ext>
     </p:extLst>
   </p:cSld>
   <p:clrMapOvr>
     <a:masterClrMapping/>
   </p:clrMapOvr>
-  <p:timing>
-    <p:tnLst>
-      <p:par>
-        <p:cTn id="1" dur="indefinite" restart="never" nodeType="tmRoot"/>
-      </p:par>
-    </p:tnLst>
-  </p:timing>
 </p:sld>
 </file>
 
@@ -7510,12 +8453,8 @@
           </a:p>
           <a:p>
             <a:r>
-              <a:rPr lang="en-US" dirty="0" smtClean="0"/>
-              <a:t>K </a:t>
-            </a:r>
-            <a:r>
-              <a:rPr lang="en-US" dirty="0"/>
-              <a:t>= 15 (</a:t>
+              <a:rPr lang="en-US" dirty="0"/>
+              <a:t>K = 15 (</a:t>
             </a:r>
             <a:r>
               <a:rPr lang="de-DE" dirty="0"/>
@@ -7586,20 +8525,13 @@
     </p:spTree>
     <p:extLst>
       <p:ext uri="{BB962C8B-B14F-4D97-AF65-F5344CB8AC3E}">
-        <p14:creationId xmlns:p14="http://schemas.microsoft.com/office/powerpoint/2010/main" xmlns="" val="313837605"/>
+        <p14:creationId xmlns:p14="http://schemas.microsoft.com/office/powerpoint/2010/main" val="313837605"/>
       </p:ext>
     </p:extLst>
   </p:cSld>
   <p:clrMapOvr>
     <a:masterClrMapping/>
   </p:clrMapOvr>
-  <p:timing>
-    <p:tnLst>
-      <p:par>
-        <p:cTn id="1" dur="indefinite" restart="never" nodeType="tmRoot"/>
-      </p:par>
-    </p:tnLst>
-  </p:timing>
 </p:sld>
 </file>
 
@@ -7667,26 +8599,19 @@
           <a:p>
             <a:r>
               <a:rPr lang="en-US" dirty="0"/>
-              <a:t>Used all features after data cleaning to classify smoker, alcoholic, gender, and liar.</a:t>
-            </a:r>
-          </a:p>
-          <a:p>
-            <a:r>
-              <a:rPr lang="en-US" dirty="0"/>
-              <a:t>For Smoker, number of Trees (ntree) = 1000</a:t>
-            </a:r>
-          </a:p>
-          <a:p>
-            <a:pPr lvl="1"/>
-            <a:r>
-              <a:rPr lang="nb-NO" dirty="0"/>
-              <a:t>0.4936709 accuracy</a:t>
-            </a:r>
-          </a:p>
-          <a:p>
-            <a:r>
-              <a:rPr lang="en-US" dirty="0"/>
-              <a:t>For Smoker, number of Trees (</a:t>
+              <a:t>Used all features after data cleaning to classify gender.</a:t>
+            </a:r>
+          </a:p>
+          <a:p>
+            <a:r>
+              <a:rPr lang="en-US" dirty="0"/>
+              <a:t>Approach 1: Replaced integer “NA” values with mean and factor “NA” values with mode.</a:t>
+            </a:r>
+          </a:p>
+          <a:p>
+            <a:r>
+              <a:rPr lang="en-US" dirty="0"/>
+              <a:t>For Gender, number of Trees (</a:t>
             </a:r>
             <a:r>
               <a:rPr lang="en-US" dirty="0" err="1"/>
@@ -7694,35 +8619,14 @@
             </a:r>
             <a:r>
               <a:rPr lang="en-US" dirty="0"/>
-              <a:t>) = 2000</a:t>
+              <a:t>) = 1000</a:t>
             </a:r>
           </a:p>
           <a:p>
             <a:pPr lvl="1"/>
             <a:r>
               <a:rPr lang="nb-NO" dirty="0"/>
-              <a:t>0.5 accuracy</a:t>
-            </a:r>
-          </a:p>
-          <a:p>
-            <a:r>
-              <a:rPr lang="en-US" dirty="0"/>
-              <a:t>For Smoker, number of Trees (</a:t>
-            </a:r>
-            <a:r>
-              <a:rPr lang="en-US" dirty="0" err="1"/>
-              <a:t>ntree</a:t>
-            </a:r>
-            <a:r>
-              <a:rPr lang="en-US" dirty="0"/>
-              <a:t>) = 3000</a:t>
-            </a:r>
-          </a:p>
-          <a:p>
-            <a:pPr lvl="1"/>
-            <a:r>
-              <a:rPr lang="nb-NO" dirty="0"/>
-              <a:t>0.5063291 accuracy</a:t>
+              <a:t>0.9306 accuracy</a:t>
             </a:r>
           </a:p>
           <a:p>
@@ -7752,23 +8656,46 @@
           </a:p>
         </p:txBody>
       </p:sp>
+      <p:pic>
+        <p:nvPicPr>
+          <p:cNvPr id="4" name="Picture 3">
+            <a:extLst>
+              <a:ext uri="{FF2B5EF4-FFF2-40B4-BE49-F238E27FC236}">
+                <a16:creationId xmlns:a16="http://schemas.microsoft.com/office/drawing/2014/main" id="{2487C7DE-DE19-4190-AFF7-8E55A70D19E2}"/>
+              </a:ext>
+            </a:extLst>
+          </p:cNvPr>
+          <p:cNvPicPr>
+            <a:picLocks noChangeAspect="1"/>
+          </p:cNvPicPr>
+          <p:nvPr/>
+        </p:nvPicPr>
+        <p:blipFill>
+          <a:blip r:embed="rId2"/>
+          <a:stretch>
+            <a:fillRect/>
+          </a:stretch>
+        </p:blipFill>
+        <p:spPr>
+          <a:xfrm>
+            <a:off x="3168978" y="4732258"/>
+            <a:ext cx="5231876" cy="1470582"/>
+          </a:xfrm>
+          <a:prstGeom prst="rect">
+            <a:avLst/>
+          </a:prstGeom>
+        </p:spPr>
+      </p:pic>
     </p:spTree>
     <p:extLst>
       <p:ext uri="{BB962C8B-B14F-4D97-AF65-F5344CB8AC3E}">
-        <p14:creationId xmlns:p14="http://schemas.microsoft.com/office/powerpoint/2010/main" xmlns="" val="1353407553"/>
+        <p14:creationId xmlns:p14="http://schemas.microsoft.com/office/powerpoint/2010/main" val="1353407553"/>
       </p:ext>
     </p:extLst>
   </p:cSld>
   <p:clrMapOvr>
     <a:masterClrMapping/>
   </p:clrMapOvr>
-  <p:timing>
-    <p:tnLst>
-      <p:par>
-        <p:cTn id="1" dur="indefinite" restart="never" nodeType="tmRoot"/>
-      </p:par>
-    </p:tnLst>
-  </p:timing>
 </p:sld>
 </file>
 
@@ -8309,7 +9236,7 @@
   <a:extraClrSchemeLst/>
   <a:extLst>
     <a:ext uri="{05A4C25C-085E-4340-85A3-A5531E510DB2}">
-      <thm15:themeFamily xmlns:thm15="http://schemas.microsoft.com/office/thememl/2012/main" xmlns="" name="Office Theme" id="{62F939B6-93AF-4DB8-9C6B-D6C7DFDC589F}" vid="{4A3C46E8-61CC-4603-A589-7422A47A8E4A}"/>
+      <thm15:themeFamily xmlns:thm15="http://schemas.microsoft.com/office/thememl/2012/main" name="Office Theme" id="{62F939B6-93AF-4DB8-9C6B-D6C7DFDC589F}" vid="{4A3C46E8-61CC-4603-A589-7422A47A8E4A}"/>
     </a:ext>
   </a:extLst>
 </a:theme>

--- a/Presentation_YPS.pptx
+++ b/Presentation_YPS.pptx
@@ -5,7 +5,7 @@
     <p:sldMasterId id="2147483876" r:id="rId1"/>
   </p:sldMasterIdLst>
   <p:notesMasterIdLst>
-    <p:notesMasterId r:id="rId34"/>
+    <p:notesMasterId r:id="rId35"/>
   </p:notesMasterIdLst>
   <p:sldIdLst>
     <p:sldId id="256" r:id="rId2"/>
@@ -16,30 +16,31 @@
     <p:sldId id="262" r:id="rId7"/>
     <p:sldId id="272" r:id="rId8"/>
     <p:sldId id="273" r:id="rId9"/>
-    <p:sldId id="263" r:id="rId10"/>
-    <p:sldId id="281" r:id="rId11"/>
-    <p:sldId id="274" r:id="rId12"/>
-    <p:sldId id="282" r:id="rId13"/>
-    <p:sldId id="275" r:id="rId14"/>
-    <p:sldId id="283" r:id="rId15"/>
-    <p:sldId id="284" r:id="rId16"/>
-    <p:sldId id="285" r:id="rId17"/>
-    <p:sldId id="286" r:id="rId18"/>
-    <p:sldId id="289" r:id="rId19"/>
-    <p:sldId id="288" r:id="rId20"/>
-    <p:sldId id="287" r:id="rId21"/>
-    <p:sldId id="276" r:id="rId22"/>
-    <p:sldId id="291" r:id="rId23"/>
-    <p:sldId id="290" r:id="rId24"/>
-    <p:sldId id="264" r:id="rId25"/>
-    <p:sldId id="277" r:id="rId26"/>
-    <p:sldId id="278" r:id="rId27"/>
-    <p:sldId id="279" r:id="rId28"/>
-    <p:sldId id="280" r:id="rId29"/>
-    <p:sldId id="265" r:id="rId30"/>
-    <p:sldId id="266" r:id="rId31"/>
-    <p:sldId id="269" r:id="rId32"/>
-    <p:sldId id="271" r:id="rId33"/>
+    <p:sldId id="292" r:id="rId10"/>
+    <p:sldId id="295" r:id="rId11"/>
+    <p:sldId id="296" r:id="rId12"/>
+    <p:sldId id="263" r:id="rId13"/>
+    <p:sldId id="281" r:id="rId14"/>
+    <p:sldId id="274" r:id="rId15"/>
+    <p:sldId id="282" r:id="rId16"/>
+    <p:sldId id="275" r:id="rId17"/>
+    <p:sldId id="283" r:id="rId18"/>
+    <p:sldId id="284" r:id="rId19"/>
+    <p:sldId id="285" r:id="rId20"/>
+    <p:sldId id="286" r:id="rId21"/>
+    <p:sldId id="289" r:id="rId22"/>
+    <p:sldId id="288" r:id="rId23"/>
+    <p:sldId id="287" r:id="rId24"/>
+    <p:sldId id="276" r:id="rId25"/>
+    <p:sldId id="291" r:id="rId26"/>
+    <p:sldId id="290" r:id="rId27"/>
+    <p:sldId id="264" r:id="rId28"/>
+    <p:sldId id="277" r:id="rId29"/>
+    <p:sldId id="278" r:id="rId30"/>
+    <p:sldId id="279" r:id="rId31"/>
+    <p:sldId id="280" r:id="rId32"/>
+    <p:sldId id="269" r:id="rId33"/>
+    <p:sldId id="271" r:id="rId34"/>
   </p:sldIdLst>
   <p:sldSz cx="12192000" cy="6858000"/>
   <p:notesSz cx="6858000" cy="9144000"/>
@@ -157,8 +158,41 @@
 </p:presentation>
 </file>
 
+<file path=ppt/commentAuthors.xml><?xml version="1.0" encoding="utf-8"?>
+<p:cmAuthorLst xmlns:a="http://schemas.openxmlformats.org/drawingml/2006/main" xmlns:r="http://schemas.openxmlformats.org/officeDocument/2006/relationships" xmlns:p="http://schemas.openxmlformats.org/presentationml/2006/main">
+  <p:cmAuthor id="1" name="Sowmya Vijayakumar" initials="SV" lastIdx="1" clrIdx="0">
+    <p:extLst>
+      <p:ext uri="{19B8F6BF-5375-455C-9EA6-DF929625EA0E}">
+        <p15:presenceInfo xmlns:p15="http://schemas.microsoft.com/office/powerpoint/2012/main" userId="" providerId=""/>
+      </p:ext>
+    </p:extLst>
+  </p:cmAuthor>
+  <p:cmAuthor id="2" name="Sowmya Vijayakumar" initials="SV [2]" lastIdx="1" clrIdx="1">
+    <p:extLst>
+      <p:ext uri="{19B8F6BF-5375-455C-9EA6-DF929625EA0E}">
+        <p15:presenceInfo xmlns:p15="http://schemas.microsoft.com/office/powerpoint/2012/main" userId="" providerId=""/>
+      </p:ext>
+    </p:extLst>
+  </p:cmAuthor>
+</p:cmAuthorLst>
+</file>
+
 <file path=ppt/revisionInfo.xml><?xml version="1.0" encoding="utf-8"?>
 <p1510:revInfo xmlns:a="http://schemas.openxmlformats.org/drawingml/2006/main" xmlns:r="http://schemas.openxmlformats.org/officeDocument/2006/relationships" xmlns:p1510="http://schemas.microsoft.com/office/powerpoint/2015/10/main"/>
+</file>
+
+<file path=ppt/comments/comment1.xml><?xml version="1.0" encoding="utf-8"?>
+<p:cmLst xmlns:a="http://schemas.openxmlformats.org/drawingml/2006/main" xmlns:r="http://schemas.openxmlformats.org/officeDocument/2006/relationships" xmlns:p="http://schemas.openxmlformats.org/presentationml/2006/main">
+  <p:cm authorId="2" dt="2017-12-06T08:40:37.421" idx="1">
+    <p:pos x="10" y="10"/>
+    <p:text> It predicts membership probabilities for each class such as the probability that given record or data point belongs to a particular class.  The class with the highest probability is considered as the most likely class</p:text>
+    <p:extLst>
+      <p:ext uri="{C676402C-5697-4E1C-873F-D02D1690AC5C}">
+        <p15:threadingInfo xmlns:p15="http://schemas.microsoft.com/office/powerpoint/2012/main" timeZoneBias="300"/>
+      </p:ext>
+    </p:extLst>
+  </p:cm>
+</p:cmLst>
 </file>
 
 <file path=ppt/notesMasters/notesMaster1.xml><?xml version="1.0" encoding="utf-8"?>
@@ -244,7 +278,7 @@
             <a:fld id="{16D21240-5A3A-024F-BD43-24E48AF3A76B}" type="datetimeFigureOut">
               <a:rPr lang="en-US" smtClean="0"/>
               <a:pPr/>
-              <a:t>12/6/2017</a:t>
+              <a:t>12/6/17</a:t>
             </a:fld>
             <a:endParaRPr lang="en-US"/>
           </a:p>
@@ -730,7 +764,7 @@
             <a:fld id="{48A87A34-81AB-432B-8DAE-1953F412C126}" type="datetimeFigureOut">
               <a:rPr lang="en-US" smtClean="0"/>
               <a:pPr/>
-              <a:t>12/6/2017</a:t>
+              <a:t>12/6/17</a:t>
             </a:fld>
             <a:endParaRPr lang="en-US" dirty="0"/>
           </a:p>
@@ -918,7 +952,7 @@
             <a:fld id="{48A87A34-81AB-432B-8DAE-1953F412C126}" type="datetimeFigureOut">
               <a:rPr lang="en-US" smtClean="0"/>
               <a:pPr/>
-              <a:t>12/6/2017</a:t>
+              <a:t>12/6/17</a:t>
             </a:fld>
             <a:endParaRPr lang="en-US" dirty="0"/>
           </a:p>
@@ -1094,7 +1128,7 @@
             <a:fld id="{48A87A34-81AB-432B-8DAE-1953F412C126}" type="datetimeFigureOut">
               <a:rPr lang="en-US" smtClean="0"/>
               <a:pPr/>
-              <a:t>12/6/2017</a:t>
+              <a:t>12/6/17</a:t>
             </a:fld>
             <a:endParaRPr lang="en-US" dirty="0"/>
           </a:p>
@@ -1275,7 +1309,7 @@
             <a:fld id="{48A87A34-81AB-432B-8DAE-1953F412C126}" type="datetimeFigureOut">
               <a:rPr lang="en-US" smtClean="0"/>
               <a:pPr/>
-              <a:t>12/6/2017</a:t>
+              <a:t>12/6/17</a:t>
             </a:fld>
             <a:endParaRPr lang="en-US" dirty="0"/>
           </a:p>
@@ -1524,7 +1558,7 @@
             <a:fld id="{48A87A34-81AB-432B-8DAE-1953F412C126}" type="datetimeFigureOut">
               <a:rPr lang="en-US" smtClean="0"/>
               <a:pPr/>
-              <a:t>12/6/2017</a:t>
+              <a:t>12/6/17</a:t>
             </a:fld>
             <a:endParaRPr lang="en-US" dirty="0"/>
           </a:p>
@@ -1998,7 +2032,7 @@
             <a:fld id="{48A87A34-81AB-432B-8DAE-1953F412C126}" type="datetimeFigureOut">
               <a:rPr lang="en-US" smtClean="0"/>
               <a:pPr/>
-              <a:t>12/6/2017</a:t>
+              <a:t>12/6/17</a:t>
             </a:fld>
             <a:endParaRPr lang="en-US" dirty="0"/>
           </a:p>
@@ -2414,7 +2448,7 @@
             <a:fld id="{48A87A34-81AB-432B-8DAE-1953F412C126}" type="datetimeFigureOut">
               <a:rPr lang="en-US" smtClean="0"/>
               <a:pPr/>
-              <a:t>12/6/2017</a:t>
+              <a:t>12/6/17</a:t>
             </a:fld>
             <a:endParaRPr lang="en-US" dirty="0"/>
           </a:p>
@@ -2546,7 +2580,7 @@
             <a:fld id="{48A87A34-81AB-432B-8DAE-1953F412C126}" type="datetimeFigureOut">
               <a:rPr lang="en-US" smtClean="0"/>
               <a:pPr/>
-              <a:t>12/6/2017</a:t>
+              <a:t>12/6/17</a:t>
             </a:fld>
             <a:endParaRPr lang="en-US" dirty="0"/>
           </a:p>
@@ -2643,7 +2677,7 @@
             <a:fld id="{48A87A34-81AB-432B-8DAE-1953F412C126}" type="datetimeFigureOut">
               <a:rPr lang="en-US" smtClean="0"/>
               <a:pPr/>
-              <a:t>12/6/2017</a:t>
+              <a:t>12/6/17</a:t>
             </a:fld>
             <a:endParaRPr lang="en-US" dirty="0"/>
           </a:p>
@@ -2922,7 +2956,7 @@
             <a:fld id="{48A87A34-81AB-432B-8DAE-1953F412C126}" type="datetimeFigureOut">
               <a:rPr lang="en-US" smtClean="0"/>
               <a:pPr/>
-              <a:t>12/6/2017</a:t>
+              <a:t>12/6/17</a:t>
             </a:fld>
             <a:endParaRPr lang="en-US" dirty="0"/>
           </a:p>
@@ -3175,7 +3209,7 @@
             <a:fld id="{48A87A34-81AB-432B-8DAE-1953F412C126}" type="datetimeFigureOut">
               <a:rPr lang="en-US" smtClean="0"/>
               <a:pPr/>
-              <a:t>12/6/2017</a:t>
+              <a:t>12/6/17</a:t>
             </a:fld>
             <a:endParaRPr lang="en-US" dirty="0"/>
           </a:p>
@@ -3547,7 +3581,7 @@
             <a:fld id="{48A87A34-81AB-432B-8DAE-1953F412C126}" type="datetimeFigureOut">
               <a:rPr lang="en-US" smtClean="0"/>
               <a:pPr/>
-              <a:t>12/6/2017</a:t>
+              <a:t>12/6/17</a:t>
             </a:fld>
             <a:endParaRPr lang="en-US" dirty="0"/>
           </a:p>
@@ -4047,76 +4081,93 @@
           <a:chExt cx="0" cy="0"/>
         </a:xfrm>
       </p:grpSpPr>
-      <p:pic>
-        <p:nvPicPr>
-          <p:cNvPr id="6" name="Picture 5">
-            <a:extLst>
-              <a:ext uri="{FF2B5EF4-FFF2-40B4-BE49-F238E27FC236}">
-                <a16:creationId xmlns:a16="http://schemas.microsoft.com/office/drawing/2014/main" id="{2EE0A306-66B1-476B-828C-664E99CBFE66}"/>
-              </a:ext>
-            </a:extLst>
-          </p:cNvPr>
-          <p:cNvPicPr>
-            <a:picLocks noChangeAspect="1"/>
-          </p:cNvPicPr>
-          <p:nvPr/>
-        </p:nvPicPr>
-        <p:blipFill>
-          <a:blip r:embed="rId2"/>
-          <a:stretch>
-            <a:fillRect/>
-          </a:stretch>
-        </p:blipFill>
-        <p:spPr>
-          <a:xfrm>
-            <a:off x="502906" y="249860"/>
-            <a:ext cx="5549102" cy="5830430"/>
-          </a:xfrm>
-          <a:prstGeom prst="rect">
-            <a:avLst/>
-          </a:prstGeom>
-        </p:spPr>
-      </p:pic>
-      <p:pic>
-        <p:nvPicPr>
-          <p:cNvPr id="2" name="Picture 1">
-            <a:extLst>
-              <a:ext uri="{FF2B5EF4-FFF2-40B4-BE49-F238E27FC236}">
-                <a16:creationId xmlns:a16="http://schemas.microsoft.com/office/drawing/2014/main" id="{86A41FC7-4FA5-41EE-B9C9-57C6CE06F3D5}"/>
-              </a:ext>
-            </a:extLst>
-          </p:cNvPr>
-          <p:cNvPicPr>
-            <a:picLocks noChangeAspect="1"/>
-          </p:cNvPicPr>
-          <p:nvPr/>
-        </p:nvPicPr>
-        <p:blipFill>
-          <a:blip r:embed="rId3"/>
-          <a:stretch>
-            <a:fillRect/>
-          </a:stretch>
-        </p:blipFill>
-        <p:spPr>
-          <a:xfrm>
-            <a:off x="6617615" y="249860"/>
-            <a:ext cx="5043342" cy="5830430"/>
-          </a:xfrm>
-          <a:prstGeom prst="rect">
-            <a:avLst/>
-          </a:prstGeom>
-        </p:spPr>
-      </p:pic>
+      <p:sp>
+        <p:nvSpPr>
+          <p:cNvPr id="2" name="Title 1"/>
+          <p:cNvSpPr>
+            <a:spLocks noGrp="1"/>
+          </p:cNvSpPr>
+          <p:nvPr>
+            <p:ph type="title"/>
+          </p:nvPr>
+        </p:nvSpPr>
+        <p:spPr/>
+        <p:txBody>
+          <a:bodyPr/>
+          <a:lstStyle/>
+          <a:p>
+            <a:r>
+              <a:rPr lang="en-US" dirty="0"/>
+              <a:t>Algorithm </a:t>
+            </a:r>
+            <a:r>
+              <a:rPr lang="en-US" dirty="0" smtClean="0"/>
+              <a:t>2 </a:t>
+            </a:r>
+            <a:r>
+              <a:rPr lang="en-US" dirty="0"/>
+              <a:t>- Naïve Bayes</a:t>
+            </a:r>
+          </a:p>
+        </p:txBody>
+      </p:sp>
+      <p:sp>
+        <p:nvSpPr>
+          <p:cNvPr id="3" name="Content Placeholder 2"/>
+          <p:cNvSpPr>
+            <a:spLocks noGrp="1"/>
+          </p:cNvSpPr>
+          <p:nvPr>
+            <p:ph idx="1"/>
+          </p:nvPr>
+        </p:nvSpPr>
+        <p:spPr/>
+        <p:txBody>
+          <a:bodyPr/>
+          <a:lstStyle/>
+          <a:p>
+            <a:r>
+              <a:rPr lang="en-US" dirty="0" smtClean="0"/>
+              <a:t>Works on the assumption that given a class the occurrence of a certain feature is independent of other features</a:t>
+            </a:r>
+          </a:p>
+          <a:p>
+            <a:r>
+              <a:rPr lang="en-US" dirty="0" smtClean="0"/>
+              <a:t>Based on the Bayes theorem of conditional probability</a:t>
+            </a:r>
+            <a:endParaRPr lang="en-US" dirty="0"/>
+          </a:p>
+          <a:p>
+            <a:pPr lvl="1"/>
+            <a:endParaRPr lang="en-US" dirty="0"/>
+          </a:p>
+          <a:p>
+            <a:pPr lvl="1"/>
+            <a:r>
+              <a:rPr lang="en-US" dirty="0" smtClean="0"/>
+              <a:t>P(A/B) = P(B/A) * (P(A) /P(B))</a:t>
+            </a:r>
+          </a:p>
+        </p:txBody>
+      </p:sp>
     </p:spTree>
     <p:extLst>
       <p:ext uri="{BB962C8B-B14F-4D97-AF65-F5344CB8AC3E}">
-        <p14:creationId xmlns:p14="http://schemas.microsoft.com/office/powerpoint/2010/main" val="2813237534"/>
+        <p14:creationId xmlns:p14="http://schemas.microsoft.com/office/powerpoint/2010/main" val="13913338"/>
       </p:ext>
     </p:extLst>
   </p:cSld>
   <p:clrMapOvr>
     <a:masterClrMapping/>
   </p:clrMapOvr>
+  <p:timing>
+    <p:tnLst>
+      <p:par>
+        <p:cTn id="1" dur="indefinite" restart="never" nodeType="tmRoot"/>
+      </p:par>
+    </p:tnLst>
+  </p:timing>
 </p:sld>
 </file>
 
@@ -4153,17 +4204,18 @@
           <a:lstStyle/>
           <a:p>
             <a:r>
-              <a:rPr lang="en-US" dirty="0"/>
-              <a:t>Algorithm 2 </a:t>
-            </a:r>
-            <a:r>
-              <a:rPr lang="mr-IN" dirty="0"/>
+              <a:rPr lang="en-US" dirty="0" smtClean="0"/>
+              <a:t>Algorithm 2</a:t>
+            </a:r>
+            <a:r>
+              <a:rPr lang="mr-IN" dirty="0" smtClean="0"/>
               <a:t>–</a:t>
             </a:r>
             <a:r>
-              <a:rPr lang="en-US" dirty="0"/>
-              <a:t> Random Forest</a:t>
-            </a:r>
+              <a:rPr lang="en-US" dirty="0" smtClean="0"/>
+              <a:t> Naïve Bayes</a:t>
+            </a:r>
+            <a:endParaRPr lang="en-US" dirty="0"/>
           </a:p>
         </p:txBody>
       </p:sp>
@@ -4179,65 +4231,131 @@
         </p:nvSpPr>
         <p:spPr/>
         <p:txBody>
-          <a:bodyPr>
-            <a:normAutofit/>
-          </a:bodyPr>
+          <a:bodyPr/>
           <a:lstStyle/>
           <a:p>
-            <a:r>
-              <a:rPr lang="en-US" dirty="0"/>
-              <a:t>For Gender, number of Trees (</a:t>
-            </a:r>
-            <a:r>
-              <a:rPr lang="en-US" dirty="0" err="1"/>
-              <a:t>ntree</a:t>
-            </a:r>
-            <a:r>
-              <a:rPr lang="en-US" dirty="0"/>
-              <a:t>) = 2000</a:t>
-            </a:r>
+            <a:endParaRPr lang="en-US" dirty="0" smtClean="0"/>
+          </a:p>
+          <a:p>
+            <a:r>
+              <a:rPr lang="en-US" dirty="0" smtClean="0"/>
+              <a:t>Approach </a:t>
+            </a:r>
+            <a:r>
+              <a:rPr lang="en-US" dirty="0"/>
+              <a:t>1 : Omit NA </a:t>
+            </a:r>
+            <a:endParaRPr lang="en-US" dirty="0" smtClean="0"/>
           </a:p>
           <a:p>
             <a:pPr lvl="1"/>
             <a:r>
-              <a:rPr lang="nb-NO" dirty="0"/>
-              <a:t>0.9307 accuracy</a:t>
+              <a:rPr lang="en-US" dirty="0"/>
+              <a:t>D</a:t>
+            </a:r>
+            <a:r>
+              <a:rPr lang="en-US" dirty="0" smtClean="0"/>
+              <a:t>ataset : All predictors</a:t>
             </a:r>
           </a:p>
           <a:p>
             <a:pPr lvl="1"/>
-            <a:endParaRPr lang="nb-NO" dirty="0"/>
+            <a:r>
+              <a:rPr lang="en-US" dirty="0" smtClean="0"/>
+              <a:t>Accuracy: 0.902</a:t>
+            </a:r>
+            <a:endParaRPr lang="en-US" dirty="0"/>
           </a:p>
           <a:p>
             <a:pPr lvl="1"/>
             <a:endParaRPr lang="en-US" dirty="0"/>
+          </a:p>
+          <a:p>
+            <a:r>
+              <a:rPr lang="en-US" dirty="0"/>
+              <a:t>Approach 1 : </a:t>
+            </a:r>
+            <a:r>
+              <a:rPr lang="en-US" dirty="0" smtClean="0"/>
+              <a:t>Replaced NAs with mean/mode </a:t>
+            </a:r>
+            <a:endParaRPr lang="en-US" dirty="0"/>
+          </a:p>
+          <a:p>
+            <a:pPr lvl="1"/>
+            <a:r>
+              <a:rPr lang="en-US" dirty="0"/>
+              <a:t>Dataset : All predictors</a:t>
+            </a:r>
+          </a:p>
+          <a:p>
+            <a:pPr lvl="1"/>
+            <a:r>
+              <a:rPr lang="en-US" dirty="0" smtClean="0"/>
+              <a:t>Accuracy: </a:t>
+            </a:r>
+            <a:r>
+              <a:rPr lang="it-IT" dirty="0"/>
+              <a:t>0.943</a:t>
+            </a:r>
+            <a:endParaRPr lang="en-US" dirty="0" smtClean="0"/>
           </a:p>
         </p:txBody>
       </p:sp>
       <p:pic>
         <p:nvPicPr>
-          <p:cNvPr id="4" name="Picture 3">
-            <a:extLst>
-              <a:ext uri="{FF2B5EF4-FFF2-40B4-BE49-F238E27FC236}">
-                <a16:creationId xmlns:a16="http://schemas.microsoft.com/office/drawing/2014/main" id="{E41201F2-5E9E-49B7-9290-45E8A98E0C9B}"/>
-              </a:ext>
-            </a:extLst>
-          </p:cNvPr>
+          <p:cNvPr id="4" name="Picture 3"/>
           <p:cNvPicPr>
             <a:picLocks noChangeAspect="1"/>
           </p:cNvPicPr>
           <p:nvPr/>
         </p:nvPicPr>
         <p:blipFill>
-          <a:blip r:embed="rId2"/>
+          <a:blip r:embed="rId2">
+            <a:extLst>
+              <a:ext uri="{28A0092B-C50C-407E-A947-70E740481C1C}">
+                <a14:useLocalDpi xmlns:a14="http://schemas.microsoft.com/office/drawing/2010/main" val="0"/>
+              </a:ext>
+            </a:extLst>
+          </a:blip>
           <a:stretch>
             <a:fillRect/>
           </a:stretch>
         </p:blipFill>
         <p:spPr>
           <a:xfrm>
-            <a:off x="3168978" y="3912125"/>
-            <a:ext cx="5231876" cy="1470582"/>
+            <a:off x="7569200" y="5029200"/>
+            <a:ext cx="3022600" cy="1257300"/>
+          </a:xfrm>
+          <a:prstGeom prst="rect">
+            <a:avLst/>
+          </a:prstGeom>
+        </p:spPr>
+      </p:pic>
+      <p:pic>
+        <p:nvPicPr>
+          <p:cNvPr id="5" name="Picture 4"/>
+          <p:cNvPicPr>
+            <a:picLocks noChangeAspect="1"/>
+          </p:cNvPicPr>
+          <p:nvPr/>
+        </p:nvPicPr>
+        <p:blipFill>
+          <a:blip r:embed="rId3">
+            <a:extLst>
+              <a:ext uri="{28A0092B-C50C-407E-A947-70E740481C1C}">
+                <a14:useLocalDpi xmlns:a14="http://schemas.microsoft.com/office/drawing/2010/main" val="0"/>
+              </a:ext>
+            </a:extLst>
+          </a:blip>
+          <a:stretch>
+            <a:fillRect/>
+          </a:stretch>
+        </p:blipFill>
+        <p:spPr>
+          <a:xfrm>
+            <a:off x="7569200" y="2652729"/>
+            <a:ext cx="3022600" cy="1347772"/>
           </a:xfrm>
           <a:prstGeom prst="rect">
             <a:avLst/>
@@ -4247,7 +4365,7 @@
     </p:spTree>
     <p:extLst>
       <p:ext uri="{BB962C8B-B14F-4D97-AF65-F5344CB8AC3E}">
-        <p14:creationId xmlns:p14="http://schemas.microsoft.com/office/powerpoint/2010/main" val="1835096561"/>
+        <p14:creationId xmlns:p14="http://schemas.microsoft.com/office/powerpoint/2010/main" val="1913237890"/>
       </p:ext>
     </p:extLst>
   </p:cSld>
@@ -4274,12 +4392,120 @@
           <a:chExt cx="0" cy="0"/>
         </a:xfrm>
       </p:grpSpPr>
+      <p:sp>
+        <p:nvSpPr>
+          <p:cNvPr id="2" name="Title 1"/>
+          <p:cNvSpPr>
+            <a:spLocks noGrp="1"/>
+          </p:cNvSpPr>
+          <p:nvPr>
+            <p:ph type="title"/>
+          </p:nvPr>
+        </p:nvSpPr>
+        <p:spPr/>
+        <p:txBody>
+          <a:bodyPr/>
+          <a:lstStyle/>
+          <a:p>
+            <a:r>
+              <a:rPr lang="en-US" dirty="0"/>
+              <a:t>Algorithm </a:t>
+            </a:r>
+            <a:r>
+              <a:rPr lang="en-US" dirty="0" smtClean="0"/>
+              <a:t>3 </a:t>
+            </a:r>
+            <a:r>
+              <a:rPr lang="mr-IN" dirty="0"/>
+              <a:t>–</a:t>
+            </a:r>
+            <a:r>
+              <a:rPr lang="en-US" dirty="0"/>
+              <a:t> Random Forest</a:t>
+            </a:r>
+          </a:p>
+        </p:txBody>
+      </p:sp>
+      <p:sp>
+        <p:nvSpPr>
+          <p:cNvPr id="3" name="Content Placeholder 2"/>
+          <p:cNvSpPr>
+            <a:spLocks noGrp="1"/>
+          </p:cNvSpPr>
+          <p:nvPr>
+            <p:ph idx="1"/>
+          </p:nvPr>
+        </p:nvSpPr>
+        <p:spPr/>
+        <p:txBody>
+          <a:bodyPr/>
+          <a:lstStyle/>
+          <a:p>
+            <a:r>
+              <a:rPr lang="en-US" dirty="0"/>
+              <a:t>Used all features after data cleaning to classify gender.</a:t>
+            </a:r>
+          </a:p>
+          <a:p>
+            <a:r>
+              <a:rPr lang="en-US" dirty="0"/>
+              <a:t>Approach 1: Replaced integer “NA” values with mean and factor “NA” values with mode.</a:t>
+            </a:r>
+          </a:p>
+          <a:p>
+            <a:r>
+              <a:rPr lang="en-US" dirty="0"/>
+              <a:t>For Gender, number of Trees (</a:t>
+            </a:r>
+            <a:r>
+              <a:rPr lang="en-US" dirty="0" err="1"/>
+              <a:t>ntree</a:t>
+            </a:r>
+            <a:r>
+              <a:rPr lang="en-US" dirty="0"/>
+              <a:t>) = 1000</a:t>
+            </a:r>
+          </a:p>
+          <a:p>
+            <a:pPr lvl="1"/>
+            <a:r>
+              <a:rPr lang="nb-NO" dirty="0"/>
+              <a:t>0.9306 accuracy</a:t>
+            </a:r>
+          </a:p>
+          <a:p>
+            <a:pPr marL="457200" lvl="1" indent="0">
+              <a:buNone/>
+            </a:pPr>
+            <a:endParaRPr lang="nb-NO" dirty="0"/>
+          </a:p>
+          <a:p>
+            <a:pPr lvl="1"/>
+            <a:endParaRPr lang="nb-NO" dirty="0"/>
+          </a:p>
+          <a:p>
+            <a:pPr lvl="1"/>
+            <a:endParaRPr lang="nb-NO" dirty="0"/>
+          </a:p>
+          <a:p>
+            <a:pPr lvl="1"/>
+            <a:endParaRPr lang="nb-NO" dirty="0"/>
+          </a:p>
+          <a:p>
+            <a:endParaRPr lang="nb-NO" dirty="0"/>
+          </a:p>
+          <a:p>
+            <a:pPr lvl="1"/>
+            <a:endParaRPr lang="en-US" dirty="0"/>
+          </a:p>
+        </p:txBody>
+      </p:sp>
       <p:pic>
         <p:nvPicPr>
-          <p:cNvPr id="2" name="Picture 1">
+          <p:cNvPr id="4" name="Picture 3">
             <a:extLst>
               <a:ext uri="{FF2B5EF4-FFF2-40B4-BE49-F238E27FC236}">
-                <a16:creationId xmlns:a16="http://schemas.microsoft.com/office/drawing/2014/main" id="{CD66F473-202E-4695-A31E-CD0C63192611}"/>
+                <a16:creationId xmlns:a16="http://schemas.microsoft.com/office/drawing/2014/main" xmlns="" id="{2487C7DE-DE19-4190-AFF7-8E55A70D19E2}"/>
               </a:ext>
             </a:extLst>
           </p:cNvPr>
@@ -4296,38 +4522,8 @@
         </p:blipFill>
         <p:spPr>
           <a:xfrm>
-            <a:off x="6608190" y="287567"/>
-            <a:ext cx="5076972" cy="5830430"/>
-          </a:xfrm>
-          <a:prstGeom prst="rect">
-            <a:avLst/>
-          </a:prstGeom>
-        </p:spPr>
-      </p:pic>
-      <p:pic>
-        <p:nvPicPr>
-          <p:cNvPr id="3" name="Picture 2">
-            <a:extLst>
-              <a:ext uri="{FF2B5EF4-FFF2-40B4-BE49-F238E27FC236}">
-                <a16:creationId xmlns:a16="http://schemas.microsoft.com/office/drawing/2014/main" id="{88DE7B0B-7E4E-40A9-BA41-946E7654D5FB}"/>
-              </a:ext>
-            </a:extLst>
-          </p:cNvPr>
-          <p:cNvPicPr>
-            <a:picLocks noChangeAspect="1"/>
-          </p:cNvPicPr>
-          <p:nvPr/>
-        </p:nvPicPr>
-        <p:blipFill>
-          <a:blip r:embed="rId3"/>
-          <a:stretch>
-            <a:fillRect/>
-          </a:stretch>
-        </p:blipFill>
-        <p:spPr>
-          <a:xfrm>
-            <a:off x="502906" y="212153"/>
-            <a:ext cx="5549102" cy="5830430"/>
+            <a:off x="3168978" y="4732258"/>
+            <a:ext cx="5231876" cy="1470582"/>
           </a:xfrm>
           <a:prstGeom prst="rect">
             <a:avLst/>
@@ -4337,7 +4533,7 @@
     </p:spTree>
     <p:extLst>
       <p:ext uri="{BB962C8B-B14F-4D97-AF65-F5344CB8AC3E}">
-        <p14:creationId xmlns:p14="http://schemas.microsoft.com/office/powerpoint/2010/main" val="1066629938"/>
+        <p14:creationId xmlns:p14="http://schemas.microsoft.com/office/powerpoint/2010/main" val="1353407553"/>
       </p:ext>
     </p:extLst>
   </p:cSld>
@@ -4364,89 +4560,12 @@
           <a:chExt cx="0" cy="0"/>
         </a:xfrm>
       </p:grpSpPr>
-      <p:sp>
-        <p:nvSpPr>
-          <p:cNvPr id="2" name="Title 1"/>
-          <p:cNvSpPr>
-            <a:spLocks noGrp="1"/>
-          </p:cNvSpPr>
-          <p:nvPr>
-            <p:ph type="title"/>
-          </p:nvPr>
-        </p:nvSpPr>
-        <p:spPr/>
-        <p:txBody>
-          <a:bodyPr/>
-          <a:lstStyle/>
-          <a:p>
-            <a:r>
-              <a:rPr lang="en-US" dirty="0"/>
-              <a:t>Algorithm 2 </a:t>
-            </a:r>
-            <a:r>
-              <a:rPr lang="mr-IN" dirty="0"/>
-              <a:t>–</a:t>
-            </a:r>
-            <a:r>
-              <a:rPr lang="en-US" dirty="0"/>
-              <a:t> Random Forest</a:t>
-            </a:r>
-          </a:p>
-        </p:txBody>
-      </p:sp>
-      <p:sp>
-        <p:nvSpPr>
-          <p:cNvPr id="3" name="Content Placeholder 2"/>
-          <p:cNvSpPr>
-            <a:spLocks noGrp="1"/>
-          </p:cNvSpPr>
-          <p:nvPr>
-            <p:ph idx="1"/>
-          </p:nvPr>
-        </p:nvSpPr>
-        <p:spPr/>
-        <p:txBody>
-          <a:bodyPr/>
-          <a:lstStyle/>
-          <a:p>
-            <a:r>
-              <a:rPr lang="en-US" dirty="0"/>
-              <a:t>For Gender, number of Trees (</a:t>
-            </a:r>
-            <a:r>
-              <a:rPr lang="en-US" dirty="0" err="1"/>
-              <a:t>ntree</a:t>
-            </a:r>
-            <a:r>
-              <a:rPr lang="en-US" dirty="0"/>
-              <a:t>) = 3000</a:t>
-            </a:r>
-          </a:p>
-          <a:p>
-            <a:pPr lvl="1"/>
-            <a:r>
-              <a:rPr lang="nb-NO" dirty="0"/>
-              <a:t>0.94 accuracy</a:t>
-            </a:r>
-          </a:p>
-          <a:p>
-            <a:pPr marL="457200" lvl="1" indent="0">
-              <a:buNone/>
-            </a:pPr>
-            <a:endParaRPr lang="nb-NO" dirty="0"/>
-          </a:p>
-          <a:p>
-            <a:pPr lvl="1"/>
-            <a:endParaRPr lang="en-US" dirty="0"/>
-          </a:p>
-        </p:txBody>
-      </p:sp>
       <p:pic>
         <p:nvPicPr>
-          <p:cNvPr id="4" name="Picture 3">
+          <p:cNvPr id="6" name="Picture 5">
             <a:extLst>
               <a:ext uri="{FF2B5EF4-FFF2-40B4-BE49-F238E27FC236}">
-                <a16:creationId xmlns:a16="http://schemas.microsoft.com/office/drawing/2014/main" id="{E547C40E-EBC3-48BE-A5E8-18839AC62B6E}"/>
+                <a16:creationId xmlns:a16="http://schemas.microsoft.com/office/drawing/2014/main" xmlns="" id="{2EE0A306-66B1-476B-828C-664E99CBFE66}"/>
               </a:ext>
             </a:extLst>
           </p:cNvPr>
@@ -4463,8 +4582,38 @@
         </p:blipFill>
         <p:spPr>
           <a:xfrm>
-            <a:off x="3214540" y="3679890"/>
-            <a:ext cx="4807670" cy="1617973"/>
+            <a:off x="502906" y="249860"/>
+            <a:ext cx="5549102" cy="5830430"/>
+          </a:xfrm>
+          <a:prstGeom prst="rect">
+            <a:avLst/>
+          </a:prstGeom>
+        </p:spPr>
+      </p:pic>
+      <p:pic>
+        <p:nvPicPr>
+          <p:cNvPr id="2" name="Picture 1">
+            <a:extLst>
+              <a:ext uri="{FF2B5EF4-FFF2-40B4-BE49-F238E27FC236}">
+                <a16:creationId xmlns:a16="http://schemas.microsoft.com/office/drawing/2014/main" xmlns="" id="{86A41FC7-4FA5-41EE-B9C9-57C6CE06F3D5}"/>
+              </a:ext>
+            </a:extLst>
+          </p:cNvPr>
+          <p:cNvPicPr>
+            <a:picLocks noChangeAspect="1"/>
+          </p:cNvPicPr>
+          <p:nvPr/>
+        </p:nvPicPr>
+        <p:blipFill>
+          <a:blip r:embed="rId3"/>
+          <a:stretch>
+            <a:fillRect/>
+          </a:stretch>
+        </p:blipFill>
+        <p:spPr>
+          <a:xfrm>
+            <a:off x="6617615" y="249860"/>
+            <a:ext cx="5043342" cy="5830430"/>
           </a:xfrm>
           <a:prstGeom prst="rect">
             <a:avLst/>
@@ -4474,7 +4623,7 @@
     </p:spTree>
     <p:extLst>
       <p:ext uri="{BB962C8B-B14F-4D97-AF65-F5344CB8AC3E}">
-        <p14:creationId xmlns:p14="http://schemas.microsoft.com/office/powerpoint/2010/main" val="1644211426"/>
+        <p14:creationId xmlns:p14="http://schemas.microsoft.com/office/powerpoint/2010/main" val="2813237534"/>
       </p:ext>
     </p:extLst>
   </p:cSld>
@@ -4501,12 +4650,93 @@
           <a:chExt cx="0" cy="0"/>
         </a:xfrm>
       </p:grpSpPr>
+      <p:sp>
+        <p:nvSpPr>
+          <p:cNvPr id="2" name="Title 1"/>
+          <p:cNvSpPr>
+            <a:spLocks noGrp="1"/>
+          </p:cNvSpPr>
+          <p:nvPr>
+            <p:ph type="title"/>
+          </p:nvPr>
+        </p:nvSpPr>
+        <p:spPr/>
+        <p:txBody>
+          <a:bodyPr/>
+          <a:lstStyle/>
+          <a:p>
+            <a:r>
+              <a:rPr lang="en-US" dirty="0"/>
+              <a:t>Algorithm </a:t>
+            </a:r>
+            <a:r>
+              <a:rPr lang="en-US" dirty="0" smtClean="0"/>
+              <a:t>3 </a:t>
+            </a:r>
+            <a:r>
+              <a:rPr lang="mr-IN" dirty="0"/>
+              <a:t>–</a:t>
+            </a:r>
+            <a:r>
+              <a:rPr lang="en-US" dirty="0"/>
+              <a:t> Random Forest</a:t>
+            </a:r>
+          </a:p>
+        </p:txBody>
+      </p:sp>
+      <p:sp>
+        <p:nvSpPr>
+          <p:cNvPr id="3" name="Content Placeholder 2"/>
+          <p:cNvSpPr>
+            <a:spLocks noGrp="1"/>
+          </p:cNvSpPr>
+          <p:nvPr>
+            <p:ph idx="1"/>
+          </p:nvPr>
+        </p:nvSpPr>
+        <p:spPr/>
+        <p:txBody>
+          <a:bodyPr>
+            <a:normAutofit/>
+          </a:bodyPr>
+          <a:lstStyle/>
+          <a:p>
+            <a:r>
+              <a:rPr lang="en-US" dirty="0"/>
+              <a:t>For Gender, number of Trees (</a:t>
+            </a:r>
+            <a:r>
+              <a:rPr lang="en-US" dirty="0" err="1"/>
+              <a:t>ntree</a:t>
+            </a:r>
+            <a:r>
+              <a:rPr lang="en-US" dirty="0"/>
+              <a:t>) = 2000</a:t>
+            </a:r>
+          </a:p>
+          <a:p>
+            <a:pPr lvl="1"/>
+            <a:r>
+              <a:rPr lang="nb-NO" dirty="0"/>
+              <a:t>0.9307 accuracy</a:t>
+            </a:r>
+          </a:p>
+          <a:p>
+            <a:pPr lvl="1"/>
+            <a:endParaRPr lang="nb-NO" dirty="0"/>
+          </a:p>
+          <a:p>
+            <a:pPr lvl="1"/>
+            <a:endParaRPr lang="en-US" dirty="0"/>
+          </a:p>
+        </p:txBody>
+      </p:sp>
       <p:pic>
         <p:nvPicPr>
-          <p:cNvPr id="6" name="Picture 5">
+          <p:cNvPr id="4" name="Picture 3">
             <a:extLst>
               <a:ext uri="{FF2B5EF4-FFF2-40B4-BE49-F238E27FC236}">
-                <a16:creationId xmlns:a16="http://schemas.microsoft.com/office/drawing/2014/main" id="{E5500A7C-34BB-49CE-8A02-F70D95A61149}"/>
+                <a16:creationId xmlns:a16="http://schemas.microsoft.com/office/drawing/2014/main" xmlns="" id="{E41201F2-5E9E-49B7-9290-45E8A98E0C9B}"/>
               </a:ext>
             </a:extLst>
           </p:cNvPr>
@@ -4523,38 +4753,8 @@
         </p:blipFill>
         <p:spPr>
           <a:xfrm>
-            <a:off x="502906" y="212153"/>
-            <a:ext cx="5549102" cy="5830430"/>
-          </a:xfrm>
-          <a:prstGeom prst="rect">
-            <a:avLst/>
-          </a:prstGeom>
-        </p:spPr>
-      </p:pic>
-      <p:pic>
-        <p:nvPicPr>
-          <p:cNvPr id="2" name="Picture 1">
-            <a:extLst>
-              <a:ext uri="{FF2B5EF4-FFF2-40B4-BE49-F238E27FC236}">
-                <a16:creationId xmlns:a16="http://schemas.microsoft.com/office/drawing/2014/main" id="{E0455F67-7B2A-43B3-8BAD-3ABFCA79DEB2}"/>
-              </a:ext>
-            </a:extLst>
-          </p:cNvPr>
-          <p:cNvPicPr>
-            <a:picLocks noChangeAspect="1"/>
-          </p:cNvPicPr>
-          <p:nvPr/>
-        </p:nvPicPr>
-        <p:blipFill>
-          <a:blip r:embed="rId3"/>
-          <a:stretch>
-            <a:fillRect/>
-          </a:stretch>
-        </p:blipFill>
-        <p:spPr>
-          <a:xfrm>
-            <a:off x="6476213" y="212152"/>
-            <a:ext cx="5316719" cy="5830431"/>
+            <a:off x="3168978" y="3912125"/>
+            <a:ext cx="5231876" cy="1470582"/>
           </a:xfrm>
           <a:prstGeom prst="rect">
             <a:avLst/>
@@ -4564,7 +4764,7 @@
     </p:spTree>
     <p:extLst>
       <p:ext uri="{BB962C8B-B14F-4D97-AF65-F5344CB8AC3E}">
-        <p14:creationId xmlns:p14="http://schemas.microsoft.com/office/powerpoint/2010/main" val="661810499"/>
+        <p14:creationId xmlns:p14="http://schemas.microsoft.com/office/powerpoint/2010/main" val="1835096561"/>
       </p:ext>
     </p:extLst>
   </p:cSld>
@@ -4591,110 +4791,12 @@
           <a:chExt cx="0" cy="0"/>
         </a:xfrm>
       </p:grpSpPr>
-      <p:sp>
-        <p:nvSpPr>
-          <p:cNvPr id="2" name="Title 1"/>
-          <p:cNvSpPr>
-            <a:spLocks noGrp="1"/>
-          </p:cNvSpPr>
-          <p:nvPr>
-            <p:ph type="title"/>
-          </p:nvPr>
-        </p:nvSpPr>
-        <p:spPr/>
-        <p:txBody>
-          <a:bodyPr/>
-          <a:lstStyle/>
-          <a:p>
-            <a:r>
-              <a:rPr lang="en-US" dirty="0"/>
-              <a:t>Algorithm 2 </a:t>
-            </a:r>
-            <a:r>
-              <a:rPr lang="mr-IN" dirty="0"/>
-              <a:t>–</a:t>
-            </a:r>
-            <a:r>
-              <a:rPr lang="en-US" dirty="0"/>
-              <a:t> Random Forest</a:t>
-            </a:r>
-          </a:p>
-        </p:txBody>
-      </p:sp>
-      <p:sp>
-        <p:nvSpPr>
-          <p:cNvPr id="3" name="Content Placeholder 2"/>
-          <p:cNvSpPr>
-            <a:spLocks noGrp="1"/>
-          </p:cNvSpPr>
-          <p:nvPr>
-            <p:ph idx="1"/>
-          </p:nvPr>
-        </p:nvSpPr>
-        <p:spPr/>
-        <p:txBody>
-          <a:bodyPr/>
-          <a:lstStyle/>
-          <a:p>
-            <a:r>
-              <a:rPr lang="en-US" dirty="0"/>
-              <a:t>Approach 2: Omitting NA values. (684 columns)</a:t>
-            </a:r>
-          </a:p>
-          <a:p>
-            <a:r>
-              <a:rPr lang="en-US" dirty="0"/>
-              <a:t>For Gender, number of Trees (</a:t>
-            </a:r>
-            <a:r>
-              <a:rPr lang="en-US" dirty="0" err="1"/>
-              <a:t>ntree</a:t>
-            </a:r>
-            <a:r>
-              <a:rPr lang="en-US" dirty="0"/>
-              <a:t>) = 1000</a:t>
-            </a:r>
-          </a:p>
-          <a:p>
-            <a:pPr lvl="1"/>
-            <a:r>
-              <a:rPr lang="nb-NO" dirty="0"/>
-              <a:t>0.9416 accuracy</a:t>
-            </a:r>
-          </a:p>
-          <a:p>
-            <a:pPr marL="457200" lvl="1" indent="0">
-              <a:buNone/>
-            </a:pPr>
-            <a:endParaRPr lang="nb-NO" dirty="0"/>
-          </a:p>
-          <a:p>
-            <a:pPr lvl="1"/>
-            <a:endParaRPr lang="nb-NO" dirty="0"/>
-          </a:p>
-          <a:p>
-            <a:pPr lvl="1"/>
-            <a:endParaRPr lang="nb-NO" dirty="0"/>
-          </a:p>
-          <a:p>
-            <a:pPr lvl="1"/>
-            <a:endParaRPr lang="nb-NO" dirty="0"/>
-          </a:p>
-          <a:p>
-            <a:endParaRPr lang="nb-NO" dirty="0"/>
-          </a:p>
-          <a:p>
-            <a:pPr lvl="1"/>
-            <a:endParaRPr lang="en-US" dirty="0"/>
-          </a:p>
-        </p:txBody>
-      </p:sp>
       <p:pic>
         <p:nvPicPr>
-          <p:cNvPr id="5" name="Picture 4">
+          <p:cNvPr id="2" name="Picture 1">
             <a:extLst>
               <a:ext uri="{FF2B5EF4-FFF2-40B4-BE49-F238E27FC236}">
-                <a16:creationId xmlns:a16="http://schemas.microsoft.com/office/drawing/2014/main" id="{5431268D-64C4-48CF-B095-7AE8588FC7E0}"/>
+                <a16:creationId xmlns:a16="http://schemas.microsoft.com/office/drawing/2014/main" xmlns="" id="{CD66F473-202E-4695-A31E-CD0C63192611}"/>
               </a:ext>
             </a:extLst>
           </p:cNvPr>
@@ -4711,8 +4813,38 @@
         </p:blipFill>
         <p:spPr>
           <a:xfrm>
-            <a:off x="3374797" y="4339471"/>
-            <a:ext cx="4666268" cy="1344891"/>
+            <a:off x="6608190" y="287567"/>
+            <a:ext cx="5076972" cy="5830430"/>
+          </a:xfrm>
+          <a:prstGeom prst="rect">
+            <a:avLst/>
+          </a:prstGeom>
+        </p:spPr>
+      </p:pic>
+      <p:pic>
+        <p:nvPicPr>
+          <p:cNvPr id="3" name="Picture 2">
+            <a:extLst>
+              <a:ext uri="{FF2B5EF4-FFF2-40B4-BE49-F238E27FC236}">
+                <a16:creationId xmlns:a16="http://schemas.microsoft.com/office/drawing/2014/main" xmlns="" id="{88DE7B0B-7E4E-40A9-BA41-946E7654D5FB}"/>
+              </a:ext>
+            </a:extLst>
+          </p:cNvPr>
+          <p:cNvPicPr>
+            <a:picLocks noChangeAspect="1"/>
+          </p:cNvPicPr>
+          <p:nvPr/>
+        </p:nvPicPr>
+        <p:blipFill>
+          <a:blip r:embed="rId3"/>
+          <a:stretch>
+            <a:fillRect/>
+          </a:stretch>
+        </p:blipFill>
+        <p:spPr>
+          <a:xfrm>
+            <a:off x="502906" y="212153"/>
+            <a:ext cx="5549102" cy="5830430"/>
           </a:xfrm>
           <a:prstGeom prst="rect">
             <a:avLst/>
@@ -4722,7 +4854,7 @@
     </p:spTree>
     <p:extLst>
       <p:ext uri="{BB962C8B-B14F-4D97-AF65-F5344CB8AC3E}">
-        <p14:creationId xmlns:p14="http://schemas.microsoft.com/office/powerpoint/2010/main" val="2723044403"/>
+        <p14:creationId xmlns:p14="http://schemas.microsoft.com/office/powerpoint/2010/main" val="1066629938"/>
       </p:ext>
     </p:extLst>
   </p:cSld>
@@ -4749,12 +4881,93 @@
           <a:chExt cx="0" cy="0"/>
         </a:xfrm>
       </p:grpSpPr>
+      <p:sp>
+        <p:nvSpPr>
+          <p:cNvPr id="2" name="Title 1"/>
+          <p:cNvSpPr>
+            <a:spLocks noGrp="1"/>
+          </p:cNvSpPr>
+          <p:nvPr>
+            <p:ph type="title"/>
+          </p:nvPr>
+        </p:nvSpPr>
+        <p:spPr/>
+        <p:txBody>
+          <a:bodyPr/>
+          <a:lstStyle/>
+          <a:p>
+            <a:r>
+              <a:rPr lang="en-US" dirty="0"/>
+              <a:t>Algorithm </a:t>
+            </a:r>
+            <a:r>
+              <a:rPr lang="en-US" dirty="0" smtClean="0"/>
+              <a:t>3 </a:t>
+            </a:r>
+            <a:r>
+              <a:rPr lang="mr-IN" dirty="0"/>
+              <a:t>–</a:t>
+            </a:r>
+            <a:r>
+              <a:rPr lang="en-US" dirty="0"/>
+              <a:t> Random Forest</a:t>
+            </a:r>
+          </a:p>
+        </p:txBody>
+      </p:sp>
+      <p:sp>
+        <p:nvSpPr>
+          <p:cNvPr id="3" name="Content Placeholder 2"/>
+          <p:cNvSpPr>
+            <a:spLocks noGrp="1"/>
+          </p:cNvSpPr>
+          <p:nvPr>
+            <p:ph idx="1"/>
+          </p:nvPr>
+        </p:nvSpPr>
+        <p:spPr/>
+        <p:txBody>
+          <a:bodyPr/>
+          <a:lstStyle/>
+          <a:p>
+            <a:r>
+              <a:rPr lang="en-US" dirty="0"/>
+              <a:t>For Gender, number of Trees (</a:t>
+            </a:r>
+            <a:r>
+              <a:rPr lang="en-US" dirty="0" err="1"/>
+              <a:t>ntree</a:t>
+            </a:r>
+            <a:r>
+              <a:rPr lang="en-US" dirty="0"/>
+              <a:t>) = 3000</a:t>
+            </a:r>
+          </a:p>
+          <a:p>
+            <a:pPr lvl="1"/>
+            <a:r>
+              <a:rPr lang="nb-NO" dirty="0"/>
+              <a:t>0.94 accuracy</a:t>
+            </a:r>
+          </a:p>
+          <a:p>
+            <a:pPr marL="457200" lvl="1" indent="0">
+              <a:buNone/>
+            </a:pPr>
+            <a:endParaRPr lang="nb-NO" dirty="0"/>
+          </a:p>
+          <a:p>
+            <a:pPr lvl="1"/>
+            <a:endParaRPr lang="en-US" dirty="0"/>
+          </a:p>
+        </p:txBody>
+      </p:sp>
       <p:pic>
         <p:nvPicPr>
-          <p:cNvPr id="3" name="Picture 2">
+          <p:cNvPr id="4" name="Picture 3">
             <a:extLst>
               <a:ext uri="{FF2B5EF4-FFF2-40B4-BE49-F238E27FC236}">
-                <a16:creationId xmlns:a16="http://schemas.microsoft.com/office/drawing/2014/main" id="{F48C9E8F-062F-4E88-9578-6715791F02A7}"/>
+                <a16:creationId xmlns:a16="http://schemas.microsoft.com/office/drawing/2014/main" xmlns="" id="{E547C40E-EBC3-48BE-A5E8-18839AC62B6E}"/>
               </a:ext>
             </a:extLst>
           </p:cNvPr>
@@ -4771,38 +4984,8 @@
         </p:blipFill>
         <p:spPr>
           <a:xfrm>
-            <a:off x="358218" y="212152"/>
-            <a:ext cx="5804431" cy="5830431"/>
-          </a:xfrm>
-          <a:prstGeom prst="rect">
-            <a:avLst/>
-          </a:prstGeom>
-        </p:spPr>
-      </p:pic>
-      <p:pic>
-        <p:nvPicPr>
-          <p:cNvPr id="7" name="Picture 6">
-            <a:extLst>
-              <a:ext uri="{FF2B5EF4-FFF2-40B4-BE49-F238E27FC236}">
-                <a16:creationId xmlns:a16="http://schemas.microsoft.com/office/drawing/2014/main" id="{8288FDD6-6F4B-494E-99F2-4CE085353B9A}"/>
-              </a:ext>
-            </a:extLst>
-          </p:cNvPr>
-          <p:cNvPicPr>
-            <a:picLocks noChangeAspect="1"/>
-          </p:cNvPicPr>
-          <p:nvPr/>
-        </p:nvPicPr>
-        <p:blipFill>
-          <a:blip r:embed="rId3"/>
-          <a:stretch>
-            <a:fillRect/>
-          </a:stretch>
-        </p:blipFill>
-        <p:spPr>
-          <a:xfrm>
-            <a:off x="6551628" y="212152"/>
-            <a:ext cx="5260157" cy="5830431"/>
+            <a:off x="3214540" y="3679890"/>
+            <a:ext cx="4807670" cy="1617973"/>
           </a:xfrm>
           <a:prstGeom prst="rect">
             <a:avLst/>
@@ -4812,7 +4995,7 @@
     </p:spTree>
     <p:extLst>
       <p:ext uri="{BB962C8B-B14F-4D97-AF65-F5344CB8AC3E}">
-        <p14:creationId xmlns:p14="http://schemas.microsoft.com/office/powerpoint/2010/main" val="3584826668"/>
+        <p14:creationId xmlns:p14="http://schemas.microsoft.com/office/powerpoint/2010/main" val="1644211426"/>
       </p:ext>
     </p:extLst>
   </p:cSld>
@@ -4839,104 +5022,12 @@
           <a:chExt cx="0" cy="0"/>
         </a:xfrm>
       </p:grpSpPr>
-      <p:sp>
-        <p:nvSpPr>
-          <p:cNvPr id="2" name="Title 1"/>
-          <p:cNvSpPr>
-            <a:spLocks noGrp="1"/>
-          </p:cNvSpPr>
-          <p:nvPr>
-            <p:ph type="title"/>
-          </p:nvPr>
-        </p:nvSpPr>
-        <p:spPr/>
-        <p:txBody>
-          <a:bodyPr/>
-          <a:lstStyle/>
-          <a:p>
-            <a:r>
-              <a:rPr lang="en-US" dirty="0"/>
-              <a:t>Algorithm 2 </a:t>
-            </a:r>
-            <a:r>
-              <a:rPr lang="mr-IN" dirty="0"/>
-              <a:t>–</a:t>
-            </a:r>
-            <a:r>
-              <a:rPr lang="en-US" dirty="0"/>
-              <a:t> Random Forest</a:t>
-            </a:r>
-          </a:p>
-        </p:txBody>
-      </p:sp>
-      <p:sp>
-        <p:nvSpPr>
-          <p:cNvPr id="3" name="Content Placeholder 2"/>
-          <p:cNvSpPr>
-            <a:spLocks noGrp="1"/>
-          </p:cNvSpPr>
-          <p:nvPr>
-            <p:ph idx="1"/>
-          </p:nvPr>
-        </p:nvSpPr>
-        <p:spPr/>
-        <p:txBody>
-          <a:bodyPr/>
-          <a:lstStyle/>
-          <a:p>
-            <a:r>
-              <a:rPr lang="en-US" dirty="0"/>
-              <a:t>For Gender, number of Trees (</a:t>
-            </a:r>
-            <a:r>
-              <a:rPr lang="en-US" dirty="0" err="1"/>
-              <a:t>ntree</a:t>
-            </a:r>
-            <a:r>
-              <a:rPr lang="en-US" dirty="0"/>
-              <a:t>) = 2000</a:t>
-            </a:r>
-          </a:p>
-          <a:p>
-            <a:pPr lvl="1"/>
-            <a:r>
-              <a:rPr lang="nb-NO" dirty="0"/>
-              <a:t>0.9416 accuracy</a:t>
-            </a:r>
-          </a:p>
-          <a:p>
-            <a:pPr marL="457200" lvl="1" indent="0">
-              <a:buNone/>
-            </a:pPr>
-            <a:endParaRPr lang="nb-NO" dirty="0"/>
-          </a:p>
-          <a:p>
-            <a:pPr lvl="1"/>
-            <a:endParaRPr lang="nb-NO" dirty="0"/>
-          </a:p>
-          <a:p>
-            <a:pPr lvl="1"/>
-            <a:endParaRPr lang="nb-NO" dirty="0"/>
-          </a:p>
-          <a:p>
-            <a:pPr lvl="1"/>
-            <a:endParaRPr lang="nb-NO" dirty="0"/>
-          </a:p>
-          <a:p>
-            <a:endParaRPr lang="nb-NO" dirty="0"/>
-          </a:p>
-          <a:p>
-            <a:pPr lvl="1"/>
-            <a:endParaRPr lang="en-US" dirty="0"/>
-          </a:p>
-        </p:txBody>
-      </p:sp>
       <p:pic>
         <p:nvPicPr>
-          <p:cNvPr id="5" name="Picture 4">
+          <p:cNvPr id="6" name="Picture 5">
             <a:extLst>
               <a:ext uri="{FF2B5EF4-FFF2-40B4-BE49-F238E27FC236}">
-                <a16:creationId xmlns:a16="http://schemas.microsoft.com/office/drawing/2014/main" id="{5431268D-64C4-48CF-B095-7AE8588FC7E0}"/>
+                <a16:creationId xmlns:a16="http://schemas.microsoft.com/office/drawing/2014/main" xmlns="" id="{E5500A7C-34BB-49CE-8A02-F70D95A61149}"/>
               </a:ext>
             </a:extLst>
           </p:cNvPr>
@@ -4953,8 +5044,38 @@
         </p:blipFill>
         <p:spPr>
           <a:xfrm>
-            <a:off x="3374797" y="4339471"/>
-            <a:ext cx="4666268" cy="1344891"/>
+            <a:off x="502906" y="212153"/>
+            <a:ext cx="5549102" cy="5830430"/>
+          </a:xfrm>
+          <a:prstGeom prst="rect">
+            <a:avLst/>
+          </a:prstGeom>
+        </p:spPr>
+      </p:pic>
+      <p:pic>
+        <p:nvPicPr>
+          <p:cNvPr id="2" name="Picture 1">
+            <a:extLst>
+              <a:ext uri="{FF2B5EF4-FFF2-40B4-BE49-F238E27FC236}">
+                <a16:creationId xmlns:a16="http://schemas.microsoft.com/office/drawing/2014/main" xmlns="" id="{E0455F67-7B2A-43B3-8BAD-3ABFCA79DEB2}"/>
+              </a:ext>
+            </a:extLst>
+          </p:cNvPr>
+          <p:cNvPicPr>
+            <a:picLocks noChangeAspect="1"/>
+          </p:cNvPicPr>
+          <p:nvPr/>
+        </p:nvPicPr>
+        <p:blipFill>
+          <a:blip r:embed="rId3"/>
+          <a:stretch>
+            <a:fillRect/>
+          </a:stretch>
+        </p:blipFill>
+        <p:spPr>
+          <a:xfrm>
+            <a:off x="6476213" y="212152"/>
+            <a:ext cx="5316719" cy="5830431"/>
           </a:xfrm>
           <a:prstGeom prst="rect">
             <a:avLst/>
@@ -4964,7 +5085,7 @@
     </p:spTree>
     <p:extLst>
       <p:ext uri="{BB962C8B-B14F-4D97-AF65-F5344CB8AC3E}">
-        <p14:creationId xmlns:p14="http://schemas.microsoft.com/office/powerpoint/2010/main" val="1421159567"/>
+        <p14:creationId xmlns:p14="http://schemas.microsoft.com/office/powerpoint/2010/main" val="661810499"/>
       </p:ext>
     </p:extLst>
   </p:cSld>
@@ -4991,12 +5112,114 @@
           <a:chExt cx="0" cy="0"/>
         </a:xfrm>
       </p:grpSpPr>
+      <p:sp>
+        <p:nvSpPr>
+          <p:cNvPr id="2" name="Title 1"/>
+          <p:cNvSpPr>
+            <a:spLocks noGrp="1"/>
+          </p:cNvSpPr>
+          <p:nvPr>
+            <p:ph type="title"/>
+          </p:nvPr>
+        </p:nvSpPr>
+        <p:spPr/>
+        <p:txBody>
+          <a:bodyPr/>
+          <a:lstStyle/>
+          <a:p>
+            <a:r>
+              <a:rPr lang="en-US" dirty="0"/>
+              <a:t>Algorithm </a:t>
+            </a:r>
+            <a:r>
+              <a:rPr lang="en-US" dirty="0" smtClean="0"/>
+              <a:t>3 </a:t>
+            </a:r>
+            <a:r>
+              <a:rPr lang="mr-IN" dirty="0"/>
+              <a:t>–</a:t>
+            </a:r>
+            <a:r>
+              <a:rPr lang="en-US" dirty="0"/>
+              <a:t> Random Forest</a:t>
+            </a:r>
+          </a:p>
+        </p:txBody>
+      </p:sp>
+      <p:sp>
+        <p:nvSpPr>
+          <p:cNvPr id="3" name="Content Placeholder 2"/>
+          <p:cNvSpPr>
+            <a:spLocks noGrp="1"/>
+          </p:cNvSpPr>
+          <p:nvPr>
+            <p:ph idx="1"/>
+          </p:nvPr>
+        </p:nvSpPr>
+        <p:spPr/>
+        <p:txBody>
+          <a:bodyPr/>
+          <a:lstStyle/>
+          <a:p>
+            <a:r>
+              <a:rPr lang="en-US" dirty="0"/>
+              <a:t>Approach 2: Omitting NA values. (684 columns)</a:t>
+            </a:r>
+          </a:p>
+          <a:p>
+            <a:r>
+              <a:rPr lang="en-US" dirty="0"/>
+              <a:t>For Gender, number of Trees (</a:t>
+            </a:r>
+            <a:r>
+              <a:rPr lang="en-US" dirty="0" err="1"/>
+              <a:t>ntree</a:t>
+            </a:r>
+            <a:r>
+              <a:rPr lang="en-US" dirty="0"/>
+              <a:t>) = 1000</a:t>
+            </a:r>
+          </a:p>
+          <a:p>
+            <a:pPr lvl="1"/>
+            <a:r>
+              <a:rPr lang="nb-NO" dirty="0"/>
+              <a:t>0.9416 accuracy</a:t>
+            </a:r>
+          </a:p>
+          <a:p>
+            <a:pPr marL="457200" lvl="1" indent="0">
+              <a:buNone/>
+            </a:pPr>
+            <a:endParaRPr lang="nb-NO" dirty="0"/>
+          </a:p>
+          <a:p>
+            <a:pPr lvl="1"/>
+            <a:endParaRPr lang="nb-NO" dirty="0"/>
+          </a:p>
+          <a:p>
+            <a:pPr lvl="1"/>
+            <a:endParaRPr lang="nb-NO" dirty="0"/>
+          </a:p>
+          <a:p>
+            <a:pPr lvl="1"/>
+            <a:endParaRPr lang="nb-NO" dirty="0"/>
+          </a:p>
+          <a:p>
+            <a:endParaRPr lang="nb-NO" dirty="0"/>
+          </a:p>
+          <a:p>
+            <a:pPr lvl="1"/>
+            <a:endParaRPr lang="en-US" dirty="0"/>
+          </a:p>
+        </p:txBody>
+      </p:sp>
       <p:pic>
         <p:nvPicPr>
-          <p:cNvPr id="3" name="Picture 2">
+          <p:cNvPr id="5" name="Picture 4">
             <a:extLst>
               <a:ext uri="{FF2B5EF4-FFF2-40B4-BE49-F238E27FC236}">
-                <a16:creationId xmlns:a16="http://schemas.microsoft.com/office/drawing/2014/main" id="{F48C9E8F-062F-4E88-9578-6715791F02A7}"/>
+                <a16:creationId xmlns:a16="http://schemas.microsoft.com/office/drawing/2014/main" xmlns="" id="{5431268D-64C4-48CF-B095-7AE8588FC7E0}"/>
               </a:ext>
             </a:extLst>
           </p:cNvPr>
@@ -5013,38 +5236,8 @@
         </p:blipFill>
         <p:spPr>
           <a:xfrm>
-            <a:off x="358218" y="212152"/>
-            <a:ext cx="5804431" cy="5830431"/>
-          </a:xfrm>
-          <a:prstGeom prst="rect">
-            <a:avLst/>
-          </a:prstGeom>
-        </p:spPr>
-      </p:pic>
-      <p:pic>
-        <p:nvPicPr>
-          <p:cNvPr id="2" name="Picture 1">
-            <a:extLst>
-              <a:ext uri="{FF2B5EF4-FFF2-40B4-BE49-F238E27FC236}">
-                <a16:creationId xmlns:a16="http://schemas.microsoft.com/office/drawing/2014/main" id="{4B4B784D-AF37-4CD2-B5E6-80C0A35A8B4B}"/>
-              </a:ext>
-            </a:extLst>
-          </p:cNvPr>
-          <p:cNvPicPr>
-            <a:picLocks noChangeAspect="1"/>
-          </p:cNvPicPr>
-          <p:nvPr/>
-        </p:nvPicPr>
-        <p:blipFill>
-          <a:blip r:embed="rId3"/>
-          <a:stretch>
-            <a:fillRect/>
-          </a:stretch>
-        </p:blipFill>
-        <p:spPr>
-          <a:xfrm>
-            <a:off x="6664751" y="212151"/>
-            <a:ext cx="5184742" cy="5830431"/>
+            <a:off x="3374797" y="4339471"/>
+            <a:ext cx="4666268" cy="1344891"/>
           </a:xfrm>
           <a:prstGeom prst="rect">
             <a:avLst/>
@@ -5054,7 +5247,7 @@
     </p:spTree>
     <p:extLst>
       <p:ext uri="{BB962C8B-B14F-4D97-AF65-F5344CB8AC3E}">
-        <p14:creationId xmlns:p14="http://schemas.microsoft.com/office/powerpoint/2010/main" val="2747040706"/>
+        <p14:creationId xmlns:p14="http://schemas.microsoft.com/office/powerpoint/2010/main" val="2723044403"/>
       </p:ext>
     </p:extLst>
   </p:cSld>
@@ -5081,104 +5274,12 @@
           <a:chExt cx="0" cy="0"/>
         </a:xfrm>
       </p:grpSpPr>
-      <p:sp>
-        <p:nvSpPr>
-          <p:cNvPr id="2" name="Title 1"/>
-          <p:cNvSpPr>
-            <a:spLocks noGrp="1"/>
-          </p:cNvSpPr>
-          <p:nvPr>
-            <p:ph type="title"/>
-          </p:nvPr>
-        </p:nvSpPr>
-        <p:spPr/>
-        <p:txBody>
-          <a:bodyPr/>
-          <a:lstStyle/>
-          <a:p>
-            <a:r>
-              <a:rPr lang="en-US" dirty="0"/>
-              <a:t>Algorithm 2 </a:t>
-            </a:r>
-            <a:r>
-              <a:rPr lang="mr-IN" dirty="0"/>
-              <a:t>–</a:t>
-            </a:r>
-            <a:r>
-              <a:rPr lang="en-US" dirty="0"/>
-              <a:t> Random Forest</a:t>
-            </a:r>
-          </a:p>
-        </p:txBody>
-      </p:sp>
-      <p:sp>
-        <p:nvSpPr>
-          <p:cNvPr id="3" name="Content Placeholder 2"/>
-          <p:cNvSpPr>
-            <a:spLocks noGrp="1"/>
-          </p:cNvSpPr>
-          <p:nvPr>
-            <p:ph idx="1"/>
-          </p:nvPr>
-        </p:nvSpPr>
-        <p:spPr/>
-        <p:txBody>
-          <a:bodyPr/>
-          <a:lstStyle/>
-          <a:p>
-            <a:r>
-              <a:rPr lang="en-US" dirty="0"/>
-              <a:t>For Gender, number of Trees (</a:t>
-            </a:r>
-            <a:r>
-              <a:rPr lang="en-US" dirty="0" err="1"/>
-              <a:t>ntree</a:t>
-            </a:r>
-            <a:r>
-              <a:rPr lang="en-US" dirty="0"/>
-              <a:t>) = 3000</a:t>
-            </a:r>
-          </a:p>
-          <a:p>
-            <a:pPr lvl="1"/>
-            <a:r>
-              <a:rPr lang="nb-NO" dirty="0"/>
-              <a:t>0.9416 accuracy</a:t>
-            </a:r>
-          </a:p>
-          <a:p>
-            <a:pPr marL="457200" lvl="1" indent="0">
-              <a:buNone/>
-            </a:pPr>
-            <a:endParaRPr lang="nb-NO" dirty="0"/>
-          </a:p>
-          <a:p>
-            <a:pPr lvl="1"/>
-            <a:endParaRPr lang="nb-NO" dirty="0"/>
-          </a:p>
-          <a:p>
-            <a:pPr lvl="1"/>
-            <a:endParaRPr lang="nb-NO" dirty="0"/>
-          </a:p>
-          <a:p>
-            <a:pPr lvl="1"/>
-            <a:endParaRPr lang="nb-NO" dirty="0"/>
-          </a:p>
-          <a:p>
-            <a:endParaRPr lang="nb-NO" dirty="0"/>
-          </a:p>
-          <a:p>
-            <a:pPr lvl="1"/>
-            <a:endParaRPr lang="en-US" dirty="0"/>
-          </a:p>
-        </p:txBody>
-      </p:sp>
       <p:pic>
         <p:nvPicPr>
-          <p:cNvPr id="5" name="Picture 4">
+          <p:cNvPr id="3" name="Picture 2">
             <a:extLst>
               <a:ext uri="{FF2B5EF4-FFF2-40B4-BE49-F238E27FC236}">
-                <a16:creationId xmlns:a16="http://schemas.microsoft.com/office/drawing/2014/main" id="{5431268D-64C4-48CF-B095-7AE8588FC7E0}"/>
+                <a16:creationId xmlns:a16="http://schemas.microsoft.com/office/drawing/2014/main" xmlns="" id="{F48C9E8F-062F-4E88-9578-6715791F02A7}"/>
               </a:ext>
             </a:extLst>
           </p:cNvPr>
@@ -5195,8 +5296,38 @@
         </p:blipFill>
         <p:spPr>
           <a:xfrm>
-            <a:off x="3374797" y="4339471"/>
-            <a:ext cx="4666268" cy="1344891"/>
+            <a:off x="358218" y="212152"/>
+            <a:ext cx="5804431" cy="5830431"/>
+          </a:xfrm>
+          <a:prstGeom prst="rect">
+            <a:avLst/>
+          </a:prstGeom>
+        </p:spPr>
+      </p:pic>
+      <p:pic>
+        <p:nvPicPr>
+          <p:cNvPr id="7" name="Picture 6">
+            <a:extLst>
+              <a:ext uri="{FF2B5EF4-FFF2-40B4-BE49-F238E27FC236}">
+                <a16:creationId xmlns:a16="http://schemas.microsoft.com/office/drawing/2014/main" xmlns="" id="{8288FDD6-6F4B-494E-99F2-4CE085353B9A}"/>
+              </a:ext>
+            </a:extLst>
+          </p:cNvPr>
+          <p:cNvPicPr>
+            <a:picLocks noChangeAspect="1"/>
+          </p:cNvPicPr>
+          <p:nvPr/>
+        </p:nvPicPr>
+        <p:blipFill>
+          <a:blip r:embed="rId3"/>
+          <a:stretch>
+            <a:fillRect/>
+          </a:stretch>
+        </p:blipFill>
+        <p:spPr>
+          <a:xfrm>
+            <a:off x="6551628" y="212152"/>
+            <a:ext cx="5260157" cy="5830431"/>
           </a:xfrm>
           <a:prstGeom prst="rect">
             <a:avLst/>
@@ -5206,7 +5337,7 @@
     </p:spTree>
     <p:extLst>
       <p:ext uri="{BB962C8B-B14F-4D97-AF65-F5344CB8AC3E}">
-        <p14:creationId xmlns:p14="http://schemas.microsoft.com/office/powerpoint/2010/main" val="3190382384"/>
+        <p14:creationId xmlns:p14="http://schemas.microsoft.com/office/powerpoint/2010/main" val="3584826668"/>
       </p:ext>
     </p:extLst>
   </p:cSld>
@@ -5280,21 +5411,8 @@
             </a:pPr>
             <a:r>
               <a:rPr lang="en-US" dirty="0"/>
-              <a:t>  Dhavala                   </a:t>
-            </a:r>
-            <a:r>
-              <a:rPr lang="en-US" dirty="0" err="1"/>
-              <a:t>Sowmya</a:t>
-            </a:r>
-            <a:r>
-              <a:rPr lang="en-US" dirty="0"/>
-              <a:t>		        </a:t>
-            </a:r>
-            <a:r>
-              <a:rPr lang="en-US" dirty="0" err="1"/>
-              <a:t>Devanshu</a:t>
-            </a:r>
-            <a:endParaRPr lang="en-US" dirty="0"/>
+              <a:t>  Dhavala                   Sowmya		        Devanshu</a:t>
+            </a:r>
           </a:p>
           <a:p>
             <a:pPr marL="0" indent="0">
@@ -5333,7 +5451,7 @@
           <p:cNvPr id="8" name="Picture 7">
             <a:extLst>
               <a:ext uri="{FF2B5EF4-FFF2-40B4-BE49-F238E27FC236}">
-                <a16:creationId xmlns:a16="http://schemas.microsoft.com/office/drawing/2014/main" id="{8B297A75-5C96-4B8E-A721-B5A80A818F40}"/>
+                <a16:creationId xmlns:a16="http://schemas.microsoft.com/office/drawing/2014/main" xmlns="" id="{8B297A75-5C96-4B8E-A721-B5A80A818F40}"/>
               </a:ext>
             </a:extLst>
           </p:cNvPr>
@@ -5351,7 +5469,7 @@
         <p:spPr>
           <a:xfrm>
             <a:off x="8424356" y="2525997"/>
-            <a:ext cx="2650344" cy="2890065"/>
+            <a:ext cx="2650344" cy="2742353"/>
           </a:xfrm>
           <a:prstGeom prst="rect">
             <a:avLst/>
@@ -5376,6 +5494,30 @@
           <a:xfrm>
             <a:off x="1452939" y="2560320"/>
             <a:ext cx="2134321" cy="2708030"/>
+          </a:xfrm>
+          <a:prstGeom prst="rect">
+            <a:avLst/>
+          </a:prstGeom>
+        </p:spPr>
+      </p:pic>
+      <p:pic>
+        <p:nvPicPr>
+          <p:cNvPr id="4" name="Picture 3"/>
+          <p:cNvPicPr>
+            <a:picLocks noChangeAspect="1"/>
+          </p:cNvPicPr>
+          <p:nvPr/>
+        </p:nvPicPr>
+        <p:blipFill>
+          <a:blip r:embed="rId4"/>
+          <a:stretch>
+            <a:fillRect/>
+          </a:stretch>
+        </p:blipFill>
+        <p:spPr>
+          <a:xfrm>
+            <a:off x="4602458" y="2525997"/>
+            <a:ext cx="2806700" cy="2742353"/>
           </a:xfrm>
           <a:prstGeom prst="rect">
             <a:avLst/>
@@ -5412,12 +5554,108 @@
           <a:chExt cx="0" cy="0"/>
         </a:xfrm>
       </p:grpSpPr>
+      <p:sp>
+        <p:nvSpPr>
+          <p:cNvPr id="2" name="Title 1"/>
+          <p:cNvSpPr>
+            <a:spLocks noGrp="1"/>
+          </p:cNvSpPr>
+          <p:nvPr>
+            <p:ph type="title"/>
+          </p:nvPr>
+        </p:nvSpPr>
+        <p:spPr/>
+        <p:txBody>
+          <a:bodyPr/>
+          <a:lstStyle/>
+          <a:p>
+            <a:r>
+              <a:rPr lang="en-US" dirty="0"/>
+              <a:t>Algorithm </a:t>
+            </a:r>
+            <a:r>
+              <a:rPr lang="en-US" dirty="0" smtClean="0"/>
+              <a:t>3 </a:t>
+            </a:r>
+            <a:r>
+              <a:rPr lang="mr-IN" dirty="0"/>
+              <a:t>–</a:t>
+            </a:r>
+            <a:r>
+              <a:rPr lang="en-US" dirty="0"/>
+              <a:t> Random Forest</a:t>
+            </a:r>
+          </a:p>
+        </p:txBody>
+      </p:sp>
+      <p:sp>
+        <p:nvSpPr>
+          <p:cNvPr id="3" name="Content Placeholder 2"/>
+          <p:cNvSpPr>
+            <a:spLocks noGrp="1"/>
+          </p:cNvSpPr>
+          <p:nvPr>
+            <p:ph idx="1"/>
+          </p:nvPr>
+        </p:nvSpPr>
+        <p:spPr/>
+        <p:txBody>
+          <a:bodyPr/>
+          <a:lstStyle/>
+          <a:p>
+            <a:r>
+              <a:rPr lang="en-US" dirty="0"/>
+              <a:t>For Gender, number of Trees (</a:t>
+            </a:r>
+            <a:r>
+              <a:rPr lang="en-US" dirty="0" err="1"/>
+              <a:t>ntree</a:t>
+            </a:r>
+            <a:r>
+              <a:rPr lang="en-US" dirty="0"/>
+              <a:t>) = 2000</a:t>
+            </a:r>
+          </a:p>
+          <a:p>
+            <a:pPr lvl="1"/>
+            <a:r>
+              <a:rPr lang="nb-NO" dirty="0"/>
+              <a:t>0.9416 accuracy</a:t>
+            </a:r>
+          </a:p>
+          <a:p>
+            <a:pPr marL="457200" lvl="1" indent="0">
+              <a:buNone/>
+            </a:pPr>
+            <a:endParaRPr lang="nb-NO" dirty="0"/>
+          </a:p>
+          <a:p>
+            <a:pPr lvl="1"/>
+            <a:endParaRPr lang="nb-NO" dirty="0"/>
+          </a:p>
+          <a:p>
+            <a:pPr lvl="1"/>
+            <a:endParaRPr lang="nb-NO" dirty="0"/>
+          </a:p>
+          <a:p>
+            <a:pPr lvl="1"/>
+            <a:endParaRPr lang="nb-NO" dirty="0"/>
+          </a:p>
+          <a:p>
+            <a:endParaRPr lang="nb-NO" dirty="0"/>
+          </a:p>
+          <a:p>
+            <a:pPr lvl="1"/>
+            <a:endParaRPr lang="en-US" dirty="0"/>
+          </a:p>
+        </p:txBody>
+      </p:sp>
       <p:pic>
         <p:nvPicPr>
-          <p:cNvPr id="3" name="Picture 2">
+          <p:cNvPr id="5" name="Picture 4">
             <a:extLst>
               <a:ext uri="{FF2B5EF4-FFF2-40B4-BE49-F238E27FC236}">
-                <a16:creationId xmlns:a16="http://schemas.microsoft.com/office/drawing/2014/main" id="{F48C9E8F-062F-4E88-9578-6715791F02A7}"/>
+                <a16:creationId xmlns:a16="http://schemas.microsoft.com/office/drawing/2014/main" xmlns="" id="{5431268D-64C4-48CF-B095-7AE8588FC7E0}"/>
               </a:ext>
             </a:extLst>
           </p:cNvPr>
@@ -5434,38 +5672,8 @@
         </p:blipFill>
         <p:spPr>
           <a:xfrm>
-            <a:off x="358218" y="212152"/>
-            <a:ext cx="5804431" cy="5830431"/>
-          </a:xfrm>
-          <a:prstGeom prst="rect">
-            <a:avLst/>
-          </a:prstGeom>
-        </p:spPr>
-      </p:pic>
-      <p:pic>
-        <p:nvPicPr>
-          <p:cNvPr id="4" name="Picture 3">
-            <a:extLst>
-              <a:ext uri="{FF2B5EF4-FFF2-40B4-BE49-F238E27FC236}">
-                <a16:creationId xmlns:a16="http://schemas.microsoft.com/office/drawing/2014/main" id="{FCDFFB69-D0BC-45F9-A7E5-60B1F3210EF2}"/>
-              </a:ext>
-            </a:extLst>
-          </p:cNvPr>
-          <p:cNvPicPr>
-            <a:picLocks noChangeAspect="1"/>
-          </p:cNvPicPr>
-          <p:nvPr/>
-        </p:nvPicPr>
-        <p:blipFill>
-          <a:blip r:embed="rId3"/>
-          <a:stretch>
-            <a:fillRect/>
-          </a:stretch>
-        </p:blipFill>
-        <p:spPr>
-          <a:xfrm>
-            <a:off x="6608190" y="212152"/>
-            <a:ext cx="5175315" cy="5830432"/>
+            <a:off x="3374797" y="4339471"/>
+            <a:ext cx="4666268" cy="1344891"/>
           </a:xfrm>
           <a:prstGeom prst="rect">
             <a:avLst/>
@@ -5475,7 +5683,7 @@
     </p:spTree>
     <p:extLst>
       <p:ext uri="{BB962C8B-B14F-4D97-AF65-F5344CB8AC3E}">
-        <p14:creationId xmlns:p14="http://schemas.microsoft.com/office/powerpoint/2010/main" val="18533381"/>
+        <p14:creationId xmlns:p14="http://schemas.microsoft.com/office/powerpoint/2010/main" val="1421159567"/>
       </p:ext>
     </p:extLst>
   </p:cSld>
@@ -5502,108 +5710,70 @@
           <a:chExt cx="0" cy="0"/>
         </a:xfrm>
       </p:grpSpPr>
-      <p:sp>
-        <p:nvSpPr>
-          <p:cNvPr id="2" name="Title 1"/>
-          <p:cNvSpPr>
-            <a:spLocks noGrp="1"/>
-          </p:cNvSpPr>
-          <p:nvPr>
-            <p:ph type="title"/>
-          </p:nvPr>
-        </p:nvSpPr>
-        <p:spPr/>
-        <p:txBody>
-          <a:bodyPr/>
-          <a:lstStyle/>
-          <a:p>
-            <a:r>
-              <a:rPr lang="en-US" dirty="0"/>
-              <a:t>Algorithm 2 </a:t>
-            </a:r>
-            <a:r>
-              <a:rPr lang="mr-IN" dirty="0"/>
-              <a:t>–</a:t>
-            </a:r>
-            <a:r>
-              <a:rPr lang="en-US" dirty="0"/>
-              <a:t> Random Forest</a:t>
-            </a:r>
-          </a:p>
-        </p:txBody>
-      </p:sp>
-      <p:sp>
-        <p:nvSpPr>
-          <p:cNvPr id="3" name="Content Placeholder 2"/>
-          <p:cNvSpPr>
-            <a:spLocks noGrp="1"/>
-          </p:cNvSpPr>
-          <p:nvPr>
-            <p:ph idx="1"/>
-          </p:nvPr>
-        </p:nvSpPr>
-        <p:spPr/>
-        <p:txBody>
-          <a:bodyPr>
-            <a:normAutofit/>
-          </a:bodyPr>
-          <a:lstStyle/>
-          <a:p>
-            <a:pPr lvl="1"/>
-            <a:endParaRPr lang="nb-NO" dirty="0"/>
-          </a:p>
-          <a:p>
-            <a:r>
-              <a:rPr lang="en-US" dirty="0"/>
-              <a:t>Interesting/Fun prediction:</a:t>
-            </a:r>
-          </a:p>
-          <a:p>
-            <a:pPr lvl="1"/>
-            <a:r>
-              <a:rPr lang="nb-NO" dirty="0"/>
-              <a:t>Who do you think is more romantic?</a:t>
-            </a:r>
-          </a:p>
-          <a:p>
-            <a:pPr lvl="1"/>
-            <a:r>
-              <a:rPr lang="nb-NO" dirty="0"/>
-              <a:t>Who do you think like more cars?</a:t>
-            </a:r>
-          </a:p>
-          <a:p>
-            <a:pPr lvl="1"/>
-            <a:r>
-              <a:rPr lang="nb-NO" dirty="0"/>
-              <a:t>Who thinks ahead of time?</a:t>
-            </a:r>
-          </a:p>
-          <a:p>
-            <a:pPr lvl="1"/>
-            <a:r>
-              <a:rPr lang="nb-NO" dirty="0"/>
-              <a:t>Who gives the final judgement?</a:t>
-            </a:r>
-          </a:p>
-          <a:p>
-            <a:pPr lvl="1"/>
-            <a:endParaRPr lang="nb-NO" dirty="0"/>
-          </a:p>
-          <a:p>
-            <a:pPr lvl="1"/>
-            <a:endParaRPr lang="nb-NO" dirty="0"/>
-          </a:p>
-          <a:p>
-            <a:pPr lvl="1"/>
-            <a:endParaRPr lang="en-US" dirty="0"/>
-          </a:p>
-        </p:txBody>
-      </p:sp>
+      <p:pic>
+        <p:nvPicPr>
+          <p:cNvPr id="3" name="Picture 2">
+            <a:extLst>
+              <a:ext uri="{FF2B5EF4-FFF2-40B4-BE49-F238E27FC236}">
+                <a16:creationId xmlns:a16="http://schemas.microsoft.com/office/drawing/2014/main" xmlns="" id="{F48C9E8F-062F-4E88-9578-6715791F02A7}"/>
+              </a:ext>
+            </a:extLst>
+          </p:cNvPr>
+          <p:cNvPicPr>
+            <a:picLocks noChangeAspect="1"/>
+          </p:cNvPicPr>
+          <p:nvPr/>
+        </p:nvPicPr>
+        <p:blipFill>
+          <a:blip r:embed="rId2"/>
+          <a:stretch>
+            <a:fillRect/>
+          </a:stretch>
+        </p:blipFill>
+        <p:spPr>
+          <a:xfrm>
+            <a:off x="358218" y="212152"/>
+            <a:ext cx="5804431" cy="5830431"/>
+          </a:xfrm>
+          <a:prstGeom prst="rect">
+            <a:avLst/>
+          </a:prstGeom>
+        </p:spPr>
+      </p:pic>
+      <p:pic>
+        <p:nvPicPr>
+          <p:cNvPr id="2" name="Picture 1">
+            <a:extLst>
+              <a:ext uri="{FF2B5EF4-FFF2-40B4-BE49-F238E27FC236}">
+                <a16:creationId xmlns:a16="http://schemas.microsoft.com/office/drawing/2014/main" xmlns="" id="{4B4B784D-AF37-4CD2-B5E6-80C0A35A8B4B}"/>
+              </a:ext>
+            </a:extLst>
+          </p:cNvPr>
+          <p:cNvPicPr>
+            <a:picLocks noChangeAspect="1"/>
+          </p:cNvPicPr>
+          <p:nvPr/>
+        </p:nvPicPr>
+        <p:blipFill>
+          <a:blip r:embed="rId3"/>
+          <a:stretch>
+            <a:fillRect/>
+          </a:stretch>
+        </p:blipFill>
+        <p:spPr>
+          <a:xfrm>
+            <a:off x="6664751" y="212151"/>
+            <a:ext cx="5184742" cy="5830431"/>
+          </a:xfrm>
+          <a:prstGeom prst="rect">
+            <a:avLst/>
+          </a:prstGeom>
+        </p:spPr>
+      </p:pic>
     </p:spTree>
     <p:extLst>
       <p:ext uri="{BB962C8B-B14F-4D97-AF65-F5344CB8AC3E}">
-        <p14:creationId xmlns:p14="http://schemas.microsoft.com/office/powerpoint/2010/main" val="501309509"/>
+        <p14:creationId xmlns:p14="http://schemas.microsoft.com/office/powerpoint/2010/main" val="2747040706"/>
       </p:ext>
     </p:extLst>
   </p:cSld>
@@ -5647,7 +5817,11 @@
           <a:p>
             <a:r>
               <a:rPr lang="en-US" dirty="0"/>
-              <a:t>Algorithm 2 </a:t>
+              <a:t>Algorithm </a:t>
+            </a:r>
+            <a:r>
+              <a:rPr lang="en-US" dirty="0" smtClean="0"/>
+              <a:t>3 </a:t>
             </a:r>
             <a:r>
               <a:rPr lang="mr-IN" dirty="0"/>
@@ -5672,49 +5846,40 @@
         </p:nvSpPr>
         <p:spPr/>
         <p:txBody>
-          <a:bodyPr>
-            <a:normAutofit/>
-          </a:bodyPr>
+          <a:bodyPr/>
           <a:lstStyle/>
+          <a:p>
+            <a:r>
+              <a:rPr lang="en-US" dirty="0"/>
+              <a:t>For Gender, number of Trees (</a:t>
+            </a:r>
+            <a:r>
+              <a:rPr lang="en-US" dirty="0" err="1"/>
+              <a:t>ntree</a:t>
+            </a:r>
+            <a:r>
+              <a:rPr lang="en-US" dirty="0"/>
+              <a:t>) = 3000</a:t>
+            </a:r>
+          </a:p>
+          <a:p>
+            <a:pPr lvl="1"/>
+            <a:r>
+              <a:rPr lang="nb-NO" dirty="0"/>
+              <a:t>0.9416 accuracy</a:t>
+            </a:r>
+          </a:p>
+          <a:p>
+            <a:pPr marL="457200" lvl="1" indent="0">
+              <a:buNone/>
+            </a:pPr>
+            <a:endParaRPr lang="nb-NO" dirty="0"/>
+          </a:p>
           <a:p>
             <a:pPr lvl="1"/>
             <a:endParaRPr lang="nb-NO" dirty="0"/>
           </a:p>
           <a:p>
-            <a:r>
-              <a:rPr lang="en-US" dirty="0"/>
-              <a:t>Answers:</a:t>
-            </a:r>
-          </a:p>
-          <a:p>
-            <a:pPr lvl="1"/>
-            <a:r>
-              <a:rPr lang="nb-NO" dirty="0"/>
-              <a:t>Who do you think is more romantic?  Female</a:t>
-            </a:r>
-          </a:p>
-          <a:p>
-            <a:pPr lvl="1"/>
-            <a:r>
-              <a:rPr lang="nb-NO" dirty="0"/>
-              <a:t>Who do you think like more cars? Male</a:t>
-            </a:r>
-          </a:p>
-          <a:p>
-            <a:pPr lvl="1"/>
-            <a:r>
-              <a:rPr lang="nb-NO" dirty="0"/>
-              <a:t>Who thinks ahead of time? Male</a:t>
-            </a:r>
-          </a:p>
-          <a:p>
-            <a:pPr lvl="1"/>
-            <a:r>
-              <a:rPr lang="nb-NO" dirty="0"/>
-              <a:t>Who gives the final judgement? Female</a:t>
-            </a:r>
-          </a:p>
-          <a:p>
             <a:pPr lvl="1"/>
             <a:endParaRPr lang="nb-NO" dirty="0"/>
           </a:p>
@@ -5723,15 +5888,48 @@
             <a:endParaRPr lang="nb-NO" dirty="0"/>
           </a:p>
           <a:p>
+            <a:endParaRPr lang="nb-NO" dirty="0"/>
+          </a:p>
+          <a:p>
             <a:pPr lvl="1"/>
             <a:endParaRPr lang="en-US" dirty="0"/>
           </a:p>
         </p:txBody>
       </p:sp>
+      <p:pic>
+        <p:nvPicPr>
+          <p:cNvPr id="5" name="Picture 4">
+            <a:extLst>
+              <a:ext uri="{FF2B5EF4-FFF2-40B4-BE49-F238E27FC236}">
+                <a16:creationId xmlns:a16="http://schemas.microsoft.com/office/drawing/2014/main" xmlns="" id="{5431268D-64C4-48CF-B095-7AE8588FC7E0}"/>
+              </a:ext>
+            </a:extLst>
+          </p:cNvPr>
+          <p:cNvPicPr>
+            <a:picLocks noChangeAspect="1"/>
+          </p:cNvPicPr>
+          <p:nvPr/>
+        </p:nvPicPr>
+        <p:blipFill>
+          <a:blip r:embed="rId2"/>
+          <a:stretch>
+            <a:fillRect/>
+          </a:stretch>
+        </p:blipFill>
+        <p:spPr>
+          <a:xfrm>
+            <a:off x="3374797" y="4339471"/>
+            <a:ext cx="4666268" cy="1344891"/>
+          </a:xfrm>
+          <a:prstGeom prst="rect">
+            <a:avLst/>
+          </a:prstGeom>
+        </p:spPr>
+      </p:pic>
     </p:spTree>
     <p:extLst>
       <p:ext uri="{BB962C8B-B14F-4D97-AF65-F5344CB8AC3E}">
-        <p14:creationId xmlns:p14="http://schemas.microsoft.com/office/powerpoint/2010/main" val="1078131030"/>
+        <p14:creationId xmlns:p14="http://schemas.microsoft.com/office/powerpoint/2010/main" val="3190382384"/>
       </p:ext>
     </p:extLst>
   </p:cSld>
@@ -5758,94 +5956,70 @@
           <a:chExt cx="0" cy="0"/>
         </a:xfrm>
       </p:grpSpPr>
-      <p:sp>
-        <p:nvSpPr>
-          <p:cNvPr id="2" name="Title 1"/>
-          <p:cNvSpPr>
-            <a:spLocks noGrp="1"/>
-          </p:cNvSpPr>
-          <p:nvPr>
-            <p:ph type="title"/>
-          </p:nvPr>
-        </p:nvSpPr>
-        <p:spPr/>
-        <p:txBody>
-          <a:bodyPr/>
-          <a:lstStyle/>
-          <a:p>
-            <a:r>
-              <a:rPr lang="en-US" dirty="0"/>
-              <a:t>Algorithm 2 </a:t>
-            </a:r>
-            <a:r>
-              <a:rPr lang="mr-IN" dirty="0"/>
-              <a:t>–</a:t>
-            </a:r>
-            <a:r>
-              <a:rPr lang="en-US" dirty="0"/>
-              <a:t> Random Forest</a:t>
-            </a:r>
-          </a:p>
-        </p:txBody>
-      </p:sp>
-      <p:sp>
-        <p:nvSpPr>
-          <p:cNvPr id="3" name="Content Placeholder 2"/>
-          <p:cNvSpPr>
-            <a:spLocks noGrp="1"/>
-          </p:cNvSpPr>
-          <p:nvPr>
-            <p:ph idx="1"/>
-          </p:nvPr>
-        </p:nvSpPr>
-        <p:spPr/>
-        <p:txBody>
-          <a:bodyPr>
-            <a:normAutofit/>
-          </a:bodyPr>
-          <a:lstStyle/>
-          <a:p>
-            <a:r>
-              <a:rPr lang="en-US" dirty="0"/>
-              <a:t>Conclusion for random forest model:</a:t>
-            </a:r>
-          </a:p>
-          <a:p>
-            <a:pPr lvl="1"/>
-            <a:r>
-              <a:rPr lang="nb-NO" dirty="0"/>
-              <a:t>As the number of trees increase accuracy may or may not increase.</a:t>
-            </a:r>
-          </a:p>
-          <a:p>
-            <a:pPr lvl="1"/>
-            <a:r>
-              <a:rPr lang="nb-NO" dirty="0"/>
-              <a:t>Sometimes the accuracy of training dataset is less than the test dataset even though training has more data in it. So the size of data is also an important factor apart from number of trees.</a:t>
-            </a:r>
-          </a:p>
-          <a:p>
-            <a:pPr lvl="1"/>
-            <a:endParaRPr lang="nb-NO" dirty="0"/>
-          </a:p>
-          <a:p>
-            <a:pPr lvl="1"/>
-            <a:endParaRPr lang="nb-NO" dirty="0"/>
-          </a:p>
-          <a:p>
-            <a:pPr lvl="1"/>
-            <a:endParaRPr lang="nb-NO" dirty="0"/>
-          </a:p>
-          <a:p>
-            <a:pPr lvl="1"/>
-            <a:endParaRPr lang="en-US" dirty="0"/>
-          </a:p>
-        </p:txBody>
-      </p:sp>
+      <p:pic>
+        <p:nvPicPr>
+          <p:cNvPr id="3" name="Picture 2">
+            <a:extLst>
+              <a:ext uri="{FF2B5EF4-FFF2-40B4-BE49-F238E27FC236}">
+                <a16:creationId xmlns:a16="http://schemas.microsoft.com/office/drawing/2014/main" xmlns="" id="{F48C9E8F-062F-4E88-9578-6715791F02A7}"/>
+              </a:ext>
+            </a:extLst>
+          </p:cNvPr>
+          <p:cNvPicPr>
+            <a:picLocks noChangeAspect="1"/>
+          </p:cNvPicPr>
+          <p:nvPr/>
+        </p:nvPicPr>
+        <p:blipFill>
+          <a:blip r:embed="rId2"/>
+          <a:stretch>
+            <a:fillRect/>
+          </a:stretch>
+        </p:blipFill>
+        <p:spPr>
+          <a:xfrm>
+            <a:off x="358218" y="212152"/>
+            <a:ext cx="5804431" cy="5830431"/>
+          </a:xfrm>
+          <a:prstGeom prst="rect">
+            <a:avLst/>
+          </a:prstGeom>
+        </p:spPr>
+      </p:pic>
+      <p:pic>
+        <p:nvPicPr>
+          <p:cNvPr id="4" name="Picture 3">
+            <a:extLst>
+              <a:ext uri="{FF2B5EF4-FFF2-40B4-BE49-F238E27FC236}">
+                <a16:creationId xmlns:a16="http://schemas.microsoft.com/office/drawing/2014/main" xmlns="" id="{FCDFFB69-D0BC-45F9-A7E5-60B1F3210EF2}"/>
+              </a:ext>
+            </a:extLst>
+          </p:cNvPr>
+          <p:cNvPicPr>
+            <a:picLocks noChangeAspect="1"/>
+          </p:cNvPicPr>
+          <p:nvPr/>
+        </p:nvPicPr>
+        <p:blipFill>
+          <a:blip r:embed="rId3"/>
+          <a:stretch>
+            <a:fillRect/>
+          </a:stretch>
+        </p:blipFill>
+        <p:spPr>
+          <a:xfrm>
+            <a:off x="6608190" y="212152"/>
+            <a:ext cx="5175315" cy="5830432"/>
+          </a:xfrm>
+          <a:prstGeom prst="rect">
+            <a:avLst/>
+          </a:prstGeom>
+        </p:spPr>
+      </p:pic>
     </p:spTree>
     <p:extLst>
       <p:ext uri="{BB962C8B-B14F-4D97-AF65-F5344CB8AC3E}">
-        <p14:creationId xmlns:p14="http://schemas.microsoft.com/office/powerpoint/2010/main" val="239787179"/>
+        <p14:creationId xmlns:p14="http://schemas.microsoft.com/office/powerpoint/2010/main" val="18533381"/>
       </p:ext>
     </p:extLst>
   </p:cSld>
@@ -5889,7 +6063,11 @@
           <a:p>
             <a:r>
               <a:rPr lang="en-US" dirty="0"/>
-              <a:t>Algorithm 3 </a:t>
+              <a:t>Algorithm </a:t>
+            </a:r>
+            <a:r>
+              <a:rPr lang="en-US" dirty="0" smtClean="0"/>
+              <a:t>3 </a:t>
             </a:r>
             <a:r>
               <a:rPr lang="mr-IN" dirty="0"/>
@@ -5897,7 +6075,7 @@
             </a:r>
             <a:r>
               <a:rPr lang="en-US" dirty="0"/>
-              <a:t> Neural Network</a:t>
+              <a:t> Random Forest</a:t>
             </a:r>
           </a:p>
         </p:txBody>
@@ -5915,104 +6093,65 @@
         <p:spPr/>
         <p:txBody>
           <a:bodyPr>
-            <a:normAutofit fontScale="92500" lnSpcReduction="20000"/>
+            <a:normAutofit/>
           </a:bodyPr>
           <a:lstStyle/>
           <a:p>
-            <a:r>
-              <a:rPr lang="en-US" dirty="0"/>
-              <a:t>Features used All columns except the categorical data like smoker, alcoholic etc</a:t>
-            </a:r>
-          </a:p>
-          <a:p>
-            <a:r>
-              <a:rPr lang="en-US" i="1" dirty="0"/>
-              <a:t>Approach 1</a:t>
-            </a:r>
-            <a:r>
-              <a:rPr lang="en-US" dirty="0"/>
-              <a:t>: replace missing value with mean of column</a:t>
-            </a:r>
-          </a:p>
-          <a:p>
-            <a:r>
-              <a:rPr lang="en-US" dirty="0"/>
-              <a:t>Learning Rate: 0.05 Hidden Layers = 5</a:t>
-            </a:r>
-          </a:p>
-          <a:p>
             <a:pPr lvl="1"/>
-            <a:r>
-              <a:rPr lang="en-US" dirty="0"/>
-              <a:t>0.9207920792 accuracy  (1= Female, 0= Male)</a:t>
+            <a:endParaRPr lang="nb-NO" dirty="0"/>
+          </a:p>
+          <a:p>
+            <a:r>
+              <a:rPr lang="en-US" dirty="0"/>
+              <a:t>Interesting/Fun prediction:</a:t>
             </a:r>
           </a:p>
           <a:p>
             <a:pPr lvl="1"/>
-            <a:endParaRPr lang="en-US" dirty="0"/>
+            <a:r>
+              <a:rPr lang="nb-NO" dirty="0"/>
+              <a:t>Who do you think is more romantic?</a:t>
+            </a:r>
           </a:p>
           <a:p>
             <a:pPr lvl="1"/>
-            <a:endParaRPr lang="en-US" dirty="0"/>
+            <a:r>
+              <a:rPr lang="nb-NO" dirty="0"/>
+              <a:t>Who do you think like more cars?</a:t>
+            </a:r>
           </a:p>
           <a:p>
             <a:pPr lvl="1"/>
-            <a:endParaRPr lang="en-US" dirty="0"/>
+            <a:r>
+              <a:rPr lang="nb-NO" dirty="0"/>
+              <a:t>Who thinks ahead of time?</a:t>
+            </a:r>
           </a:p>
           <a:p>
             <a:pPr lvl="1"/>
-            <a:endParaRPr lang="en-US" dirty="0"/>
-          </a:p>
-          <a:p>
-            <a:r>
-              <a:rPr lang="en-US" dirty="0"/>
-              <a:t>Learning Rate: 0.1 Hidden Layers = 5</a:t>
+            <a:r>
+              <a:rPr lang="nb-NO" dirty="0"/>
+              <a:t>Who gives the final judgement?</a:t>
             </a:r>
           </a:p>
           <a:p>
             <a:pPr lvl="1"/>
-            <a:r>
-              <a:rPr lang="en-US" dirty="0"/>
-              <a:t>0.900990099 accuracy</a:t>
-            </a:r>
+            <a:endParaRPr lang="nb-NO" dirty="0"/>
           </a:p>
           <a:p>
             <a:pPr lvl="1"/>
-            <a:endParaRPr lang="en-US" dirty="0"/>
-          </a:p>
-          <a:p>
-            <a:endParaRPr lang="en-US" dirty="0"/>
-          </a:p>
-        </p:txBody>
-      </p:sp>
-      <p:pic>
-        <p:nvPicPr>
-          <p:cNvPr id="6" name="Picture 5" descr="ann_5_5.PNG"/>
-          <p:cNvPicPr>
-            <a:picLocks noChangeAspect="1"/>
-          </p:cNvPicPr>
-          <p:nvPr/>
-        </p:nvPicPr>
-        <p:blipFill>
-          <a:blip r:embed="rId2"/>
-          <a:stretch>
-            <a:fillRect/>
-          </a:stretch>
-        </p:blipFill>
-        <p:spPr>
-          <a:xfrm>
-            <a:off x="3232591" y="3987129"/>
-            <a:ext cx="2886853" cy="1069834"/>
-          </a:xfrm>
-          <a:prstGeom prst="rect">
-            <a:avLst/>
-          </a:prstGeom>
-        </p:spPr>
-      </p:pic>
+            <a:endParaRPr lang="nb-NO" dirty="0"/>
+          </a:p>
+          <a:p>
+            <a:pPr lvl="1"/>
+            <a:endParaRPr lang="en-US" dirty="0"/>
+          </a:p>
+        </p:txBody>
+      </p:sp>
     </p:spTree>
     <p:extLst>
       <p:ext uri="{BB962C8B-B14F-4D97-AF65-F5344CB8AC3E}">
-        <p14:creationId xmlns:p14="http://schemas.microsoft.com/office/powerpoint/2010/main" val="2699455244"/>
+        <p14:creationId xmlns:p14="http://schemas.microsoft.com/office/powerpoint/2010/main" val="501309509"/>
       </p:ext>
     </p:extLst>
   </p:cSld>
@@ -6056,7 +6195,11 @@
           <a:p>
             <a:r>
               <a:rPr lang="en-US" dirty="0"/>
-              <a:t>Algorithm 3 </a:t>
+              <a:t>Algorithm </a:t>
+            </a:r>
+            <a:r>
+              <a:rPr lang="en-US" dirty="0" smtClean="0"/>
+              <a:t>3 </a:t>
             </a:r>
             <a:r>
               <a:rPr lang="mr-IN" dirty="0"/>
@@ -6064,7 +6207,7 @@
             </a:r>
             <a:r>
               <a:rPr lang="en-US" dirty="0"/>
-              <a:t> Neural Network</a:t>
+              <a:t> Random Forest</a:t>
             </a:r>
           </a:p>
         </p:txBody>
@@ -6086,87 +6229,63 @@
           </a:bodyPr>
           <a:lstStyle/>
           <a:p>
-            <a:r>
-              <a:rPr lang="en-US" i="1" dirty="0"/>
-              <a:t>Approach 2</a:t>
-            </a:r>
-            <a:r>
-              <a:rPr lang="en-US" dirty="0"/>
-              <a:t>: omit missing value (684 columns)</a:t>
-            </a:r>
-          </a:p>
-          <a:p>
-            <a:r>
-              <a:rPr lang="en-US" dirty="0"/>
-              <a:t>Learning Rate: 0.05 Hidden Layers = 5</a:t>
-            </a:r>
-          </a:p>
-          <a:p>
             <a:pPr lvl="1"/>
-            <a:r>
-              <a:rPr lang="en-US" dirty="0"/>
-              <a:t>0.9197080292 accuracy  (1= Female, 0= Male)</a:t>
+            <a:endParaRPr lang="nb-NO" dirty="0"/>
+          </a:p>
+          <a:p>
+            <a:r>
+              <a:rPr lang="en-US" dirty="0"/>
+              <a:t>Answers:</a:t>
             </a:r>
           </a:p>
           <a:p>
             <a:pPr lvl="1"/>
-            <a:endParaRPr lang="en-US" dirty="0"/>
+            <a:r>
+              <a:rPr lang="nb-NO" dirty="0"/>
+              <a:t>Who do you think is more romantic?  Female</a:t>
+            </a:r>
           </a:p>
           <a:p>
             <a:pPr lvl="1"/>
-            <a:endParaRPr lang="en-US" dirty="0"/>
+            <a:r>
+              <a:rPr lang="nb-NO" dirty="0"/>
+              <a:t>Who do you think like more cars? Male</a:t>
+            </a:r>
           </a:p>
           <a:p>
             <a:pPr lvl="1"/>
-            <a:endParaRPr lang="en-US" dirty="0"/>
+            <a:r>
+              <a:rPr lang="nb-NO" dirty="0"/>
+              <a:t>Who thinks ahead of time? Male</a:t>
+            </a:r>
           </a:p>
           <a:p>
             <a:pPr lvl="1"/>
-            <a:endParaRPr lang="en-US" dirty="0"/>
-          </a:p>
-          <a:p>
-            <a:r>
-              <a:rPr lang="en-US" dirty="0"/>
-              <a:t>Learning Rate: 0.05 Hidden Layers = 10</a:t>
+            <a:r>
+              <a:rPr lang="nb-NO" dirty="0"/>
+              <a:t>Who gives the final judgement? Female</a:t>
             </a:r>
           </a:p>
           <a:p>
             <a:pPr lvl="1"/>
-            <a:r>
-              <a:rPr lang="en-US" dirty="0"/>
-              <a:t>0.9051094891 accuracy</a:t>
-            </a:r>
-          </a:p>
-          <a:p>
-            <a:endParaRPr lang="en-US" dirty="0"/>
-          </a:p>
-        </p:txBody>
-      </p:sp>
-      <p:pic>
-        <p:nvPicPr>
-          <p:cNvPr id="4" name="Picture 3" descr="ann_5_5_omit.PNG"/>
-          <p:cNvPicPr>
-            <a:picLocks noChangeAspect="1"/>
-          </p:cNvPicPr>
-          <p:nvPr/>
-        </p:nvPicPr>
-        <p:blipFill>
-          <a:blip r:embed="rId2"/>
-          <a:stretch>
-            <a:fillRect/>
-          </a:stretch>
-        </p:blipFill>
-        <p:spPr>
-          <a:xfrm>
-            <a:off x="3066757" y="3682324"/>
-            <a:ext cx="2700997" cy="1116411"/>
-          </a:xfrm>
-          <a:prstGeom prst="rect">
-            <a:avLst/>
-          </a:prstGeom>
-        </p:spPr>
-      </p:pic>
+            <a:endParaRPr lang="nb-NO" dirty="0"/>
+          </a:p>
+          <a:p>
+            <a:pPr lvl="1"/>
+            <a:endParaRPr lang="nb-NO" dirty="0"/>
+          </a:p>
+          <a:p>
+            <a:pPr lvl="1"/>
+            <a:endParaRPr lang="en-US" dirty="0"/>
+          </a:p>
+        </p:txBody>
+      </p:sp>
     </p:spTree>
+    <p:extLst>
+      <p:ext uri="{BB962C8B-B14F-4D97-AF65-F5344CB8AC3E}">
+        <p14:creationId xmlns:p14="http://schemas.microsoft.com/office/powerpoint/2010/main" val="1078131030"/>
+      </p:ext>
+    </p:extLst>
   </p:cSld>
   <p:clrMapOvr>
     <a:masterClrMapping/>
@@ -6208,7 +6327,19 @@
           <a:p>
             <a:r>
               <a:rPr lang="en-US" dirty="0"/>
-              <a:t>Algorithm 4 – C5.0</a:t>
+              <a:t>Algorithm </a:t>
+            </a:r>
+            <a:r>
+              <a:rPr lang="en-US" dirty="0" smtClean="0"/>
+              <a:t>3 </a:t>
+            </a:r>
+            <a:r>
+              <a:rPr lang="mr-IN" dirty="0"/>
+              <a:t>–</a:t>
+            </a:r>
+            <a:r>
+              <a:rPr lang="en-US" dirty="0"/>
+              <a:t> Random Forest</a:t>
             </a:r>
           </a:p>
         </p:txBody>
@@ -6225,23 +6356,54 @@
         </p:nvSpPr>
         <p:spPr/>
         <p:txBody>
-          <a:bodyPr/>
+          <a:bodyPr>
+            <a:normAutofit/>
+          </a:bodyPr>
           <a:lstStyle/>
           <a:p>
             <a:r>
               <a:rPr lang="en-US" dirty="0"/>
-              <a:t>Extra!</a:t>
-            </a:r>
-          </a:p>
-          <a:p>
-            <a:r>
-              <a:rPr lang="en-US" dirty="0"/>
-              <a:t>Interesting dependencies between seemingly independent aspects of an individual</a:t>
-            </a:r>
+              <a:t>Conclusion for random forest model:</a:t>
+            </a:r>
+          </a:p>
+          <a:p>
+            <a:pPr lvl="1"/>
+            <a:r>
+              <a:rPr lang="nb-NO" dirty="0"/>
+              <a:t>As the number of trees increase accuracy may or may not increase.</a:t>
+            </a:r>
+          </a:p>
+          <a:p>
+            <a:pPr lvl="1"/>
+            <a:r>
+              <a:rPr lang="nb-NO" dirty="0"/>
+              <a:t>Sometimes the accuracy of training dataset is less than the test dataset even though training has more data in it. So the size of data is also an important factor apart from number of trees.</a:t>
+            </a:r>
+          </a:p>
+          <a:p>
+            <a:pPr lvl="1"/>
+            <a:endParaRPr lang="nb-NO" dirty="0"/>
+          </a:p>
+          <a:p>
+            <a:pPr lvl="1"/>
+            <a:endParaRPr lang="nb-NO" dirty="0"/>
+          </a:p>
+          <a:p>
+            <a:pPr lvl="1"/>
+            <a:endParaRPr lang="nb-NO" dirty="0"/>
+          </a:p>
+          <a:p>
+            <a:pPr lvl="1"/>
+            <a:endParaRPr lang="en-US" dirty="0"/>
           </a:p>
         </p:txBody>
       </p:sp>
     </p:spTree>
+    <p:extLst>
+      <p:ext uri="{BB962C8B-B14F-4D97-AF65-F5344CB8AC3E}">
+        <p14:creationId xmlns:p14="http://schemas.microsoft.com/office/powerpoint/2010/main" val="239787179"/>
+      </p:ext>
+    </p:extLst>
   </p:cSld>
   <p:clrMapOvr>
     <a:masterClrMapping/>
@@ -6266,6 +6428,537 @@
           <a:chExt cx="0" cy="0"/>
         </a:xfrm>
       </p:grpSpPr>
+      <p:sp>
+        <p:nvSpPr>
+          <p:cNvPr id="2" name="Title 1"/>
+          <p:cNvSpPr>
+            <a:spLocks noGrp="1"/>
+          </p:cNvSpPr>
+          <p:nvPr>
+            <p:ph type="title"/>
+          </p:nvPr>
+        </p:nvSpPr>
+        <p:spPr/>
+        <p:txBody>
+          <a:bodyPr/>
+          <a:lstStyle/>
+          <a:p>
+            <a:r>
+              <a:rPr lang="en-US" dirty="0"/>
+              <a:t>Algorithm </a:t>
+            </a:r>
+            <a:r>
+              <a:rPr lang="en-US" dirty="0" smtClean="0"/>
+              <a:t>4 </a:t>
+            </a:r>
+            <a:r>
+              <a:rPr lang="mr-IN" dirty="0"/>
+              <a:t>–</a:t>
+            </a:r>
+            <a:r>
+              <a:rPr lang="en-US" dirty="0"/>
+              <a:t> Neural Network</a:t>
+            </a:r>
+          </a:p>
+        </p:txBody>
+      </p:sp>
+      <p:sp>
+        <p:nvSpPr>
+          <p:cNvPr id="3" name="Content Placeholder 2"/>
+          <p:cNvSpPr>
+            <a:spLocks noGrp="1"/>
+          </p:cNvSpPr>
+          <p:nvPr>
+            <p:ph idx="1"/>
+          </p:nvPr>
+        </p:nvSpPr>
+        <p:spPr/>
+        <p:txBody>
+          <a:bodyPr>
+            <a:normAutofit fontScale="92500" lnSpcReduction="20000"/>
+          </a:bodyPr>
+          <a:lstStyle/>
+          <a:p>
+            <a:r>
+              <a:rPr lang="en-US" dirty="0"/>
+              <a:t>Features used All columns except the categorical data like smoker, alcoholic etc</a:t>
+            </a:r>
+          </a:p>
+          <a:p>
+            <a:r>
+              <a:rPr lang="en-US" i="1" dirty="0"/>
+              <a:t>Approach 1</a:t>
+            </a:r>
+            <a:r>
+              <a:rPr lang="en-US" dirty="0"/>
+              <a:t>: replace missing value with mean of column</a:t>
+            </a:r>
+          </a:p>
+          <a:p>
+            <a:r>
+              <a:rPr lang="en-US" dirty="0"/>
+              <a:t>Learning Rate: 0.05 Hidden Layers = 5</a:t>
+            </a:r>
+          </a:p>
+          <a:p>
+            <a:pPr lvl="1"/>
+            <a:r>
+              <a:rPr lang="en-US" dirty="0"/>
+              <a:t>0.9207920792 accuracy  (1= Female, 0= Male)</a:t>
+            </a:r>
+          </a:p>
+          <a:p>
+            <a:pPr lvl="1"/>
+            <a:endParaRPr lang="en-US" dirty="0"/>
+          </a:p>
+          <a:p>
+            <a:pPr lvl="1"/>
+            <a:endParaRPr lang="en-US" dirty="0"/>
+          </a:p>
+          <a:p>
+            <a:pPr lvl="1"/>
+            <a:endParaRPr lang="en-US" dirty="0"/>
+          </a:p>
+          <a:p>
+            <a:pPr lvl="1"/>
+            <a:endParaRPr lang="en-US" dirty="0"/>
+          </a:p>
+          <a:p>
+            <a:r>
+              <a:rPr lang="en-US" dirty="0"/>
+              <a:t>Learning Rate: 0.1 Hidden Layers = 5</a:t>
+            </a:r>
+          </a:p>
+          <a:p>
+            <a:pPr lvl="1"/>
+            <a:r>
+              <a:rPr lang="en-US" dirty="0"/>
+              <a:t>0.900990099 accuracy</a:t>
+            </a:r>
+          </a:p>
+          <a:p>
+            <a:pPr lvl="1"/>
+            <a:endParaRPr lang="en-US" dirty="0"/>
+          </a:p>
+          <a:p>
+            <a:endParaRPr lang="en-US" dirty="0"/>
+          </a:p>
+        </p:txBody>
+      </p:sp>
+      <p:pic>
+        <p:nvPicPr>
+          <p:cNvPr id="6" name="Picture 5" descr="ann_5_5.PNG"/>
+          <p:cNvPicPr>
+            <a:picLocks noChangeAspect="1"/>
+          </p:cNvPicPr>
+          <p:nvPr/>
+        </p:nvPicPr>
+        <p:blipFill>
+          <a:blip r:embed="rId2"/>
+          <a:stretch>
+            <a:fillRect/>
+          </a:stretch>
+        </p:blipFill>
+        <p:spPr>
+          <a:xfrm>
+            <a:off x="3232591" y="3987129"/>
+            <a:ext cx="2886853" cy="1069834"/>
+          </a:xfrm>
+          <a:prstGeom prst="rect">
+            <a:avLst/>
+          </a:prstGeom>
+        </p:spPr>
+      </p:pic>
+    </p:spTree>
+    <p:extLst>
+      <p:ext uri="{BB962C8B-B14F-4D97-AF65-F5344CB8AC3E}">
+        <p14:creationId xmlns:p14="http://schemas.microsoft.com/office/powerpoint/2010/main" val="2699455244"/>
+      </p:ext>
+    </p:extLst>
+  </p:cSld>
+  <p:clrMapOvr>
+    <a:masterClrMapping/>
+  </p:clrMapOvr>
+</p:sld>
+</file>
+
+<file path=ppt/slides/slide28.xml><?xml version="1.0" encoding="utf-8"?>
+<p:sld xmlns:a="http://schemas.openxmlformats.org/drawingml/2006/main" xmlns:r="http://schemas.openxmlformats.org/officeDocument/2006/relationships" xmlns:p="http://schemas.openxmlformats.org/presentationml/2006/main">
+  <p:cSld>
+    <p:spTree>
+      <p:nvGrpSpPr>
+        <p:cNvPr id="1" name=""/>
+        <p:cNvGrpSpPr/>
+        <p:nvPr/>
+      </p:nvGrpSpPr>
+      <p:grpSpPr>
+        <a:xfrm>
+          <a:off x="0" y="0"/>
+          <a:ext cx="0" cy="0"/>
+          <a:chOff x="0" y="0"/>
+          <a:chExt cx="0" cy="0"/>
+        </a:xfrm>
+      </p:grpSpPr>
+      <p:sp>
+        <p:nvSpPr>
+          <p:cNvPr id="2" name="Title 1"/>
+          <p:cNvSpPr>
+            <a:spLocks noGrp="1"/>
+          </p:cNvSpPr>
+          <p:nvPr>
+            <p:ph type="title"/>
+          </p:nvPr>
+        </p:nvSpPr>
+        <p:spPr/>
+        <p:txBody>
+          <a:bodyPr/>
+          <a:lstStyle/>
+          <a:p>
+            <a:r>
+              <a:rPr lang="en-US" dirty="0"/>
+              <a:t>Algorithm </a:t>
+            </a:r>
+            <a:r>
+              <a:rPr lang="en-US" dirty="0" smtClean="0"/>
+              <a:t>4 </a:t>
+            </a:r>
+            <a:r>
+              <a:rPr lang="mr-IN" dirty="0"/>
+              <a:t>–</a:t>
+            </a:r>
+            <a:r>
+              <a:rPr lang="en-US" dirty="0"/>
+              <a:t> Neural Network</a:t>
+            </a:r>
+          </a:p>
+        </p:txBody>
+      </p:sp>
+      <p:sp>
+        <p:nvSpPr>
+          <p:cNvPr id="3" name="Content Placeholder 2"/>
+          <p:cNvSpPr>
+            <a:spLocks noGrp="1"/>
+          </p:cNvSpPr>
+          <p:nvPr>
+            <p:ph idx="1"/>
+          </p:nvPr>
+        </p:nvSpPr>
+        <p:spPr/>
+        <p:txBody>
+          <a:bodyPr>
+            <a:normAutofit/>
+          </a:bodyPr>
+          <a:lstStyle/>
+          <a:p>
+            <a:r>
+              <a:rPr lang="en-US" i="1" dirty="0"/>
+              <a:t>Approach 2</a:t>
+            </a:r>
+            <a:r>
+              <a:rPr lang="en-US" dirty="0"/>
+              <a:t>: omit missing value (684 columns)</a:t>
+            </a:r>
+          </a:p>
+          <a:p>
+            <a:r>
+              <a:rPr lang="en-US" dirty="0"/>
+              <a:t>Learning Rate: 0.05 Hidden Layers = 5</a:t>
+            </a:r>
+          </a:p>
+          <a:p>
+            <a:pPr lvl="1"/>
+            <a:r>
+              <a:rPr lang="en-US" dirty="0"/>
+              <a:t>0.9197080292 accuracy  (1= Female, 0= Male)</a:t>
+            </a:r>
+          </a:p>
+          <a:p>
+            <a:pPr lvl="1"/>
+            <a:endParaRPr lang="en-US" dirty="0"/>
+          </a:p>
+          <a:p>
+            <a:pPr lvl="1"/>
+            <a:endParaRPr lang="en-US" dirty="0"/>
+          </a:p>
+          <a:p>
+            <a:pPr lvl="1"/>
+            <a:endParaRPr lang="en-US" dirty="0"/>
+          </a:p>
+          <a:p>
+            <a:pPr lvl="1"/>
+            <a:endParaRPr lang="en-US" dirty="0"/>
+          </a:p>
+          <a:p>
+            <a:r>
+              <a:rPr lang="en-US" dirty="0"/>
+              <a:t>Learning Rate: 0.05 Hidden Layers = 10</a:t>
+            </a:r>
+          </a:p>
+          <a:p>
+            <a:pPr lvl="1"/>
+            <a:r>
+              <a:rPr lang="en-US" dirty="0"/>
+              <a:t>0.9051094891 accuracy</a:t>
+            </a:r>
+          </a:p>
+          <a:p>
+            <a:endParaRPr lang="en-US" dirty="0"/>
+          </a:p>
+        </p:txBody>
+      </p:sp>
+      <p:pic>
+        <p:nvPicPr>
+          <p:cNvPr id="4" name="Picture 3" descr="ann_5_5_omit.PNG"/>
+          <p:cNvPicPr>
+            <a:picLocks noChangeAspect="1"/>
+          </p:cNvPicPr>
+          <p:nvPr/>
+        </p:nvPicPr>
+        <p:blipFill>
+          <a:blip r:embed="rId2"/>
+          <a:stretch>
+            <a:fillRect/>
+          </a:stretch>
+        </p:blipFill>
+        <p:spPr>
+          <a:xfrm>
+            <a:off x="3066757" y="3682324"/>
+            <a:ext cx="2700997" cy="1116411"/>
+          </a:xfrm>
+          <a:prstGeom prst="rect">
+            <a:avLst/>
+          </a:prstGeom>
+        </p:spPr>
+      </p:pic>
+    </p:spTree>
+  </p:cSld>
+  <p:clrMapOvr>
+    <a:masterClrMapping/>
+  </p:clrMapOvr>
+</p:sld>
+</file>
+
+<file path=ppt/slides/slide29.xml><?xml version="1.0" encoding="utf-8"?>
+<p:sld xmlns:a="http://schemas.openxmlformats.org/drawingml/2006/main" xmlns:r="http://schemas.openxmlformats.org/officeDocument/2006/relationships" xmlns:p="http://schemas.openxmlformats.org/presentationml/2006/main">
+  <p:cSld>
+    <p:spTree>
+      <p:nvGrpSpPr>
+        <p:cNvPr id="1" name=""/>
+        <p:cNvGrpSpPr/>
+        <p:nvPr/>
+      </p:nvGrpSpPr>
+      <p:grpSpPr>
+        <a:xfrm>
+          <a:off x="0" y="0"/>
+          <a:ext cx="0" cy="0"/>
+          <a:chOff x="0" y="0"/>
+          <a:chExt cx="0" cy="0"/>
+        </a:xfrm>
+      </p:grpSpPr>
+      <p:sp>
+        <p:nvSpPr>
+          <p:cNvPr id="2" name="Title 1"/>
+          <p:cNvSpPr>
+            <a:spLocks noGrp="1"/>
+          </p:cNvSpPr>
+          <p:nvPr>
+            <p:ph type="title"/>
+          </p:nvPr>
+        </p:nvSpPr>
+        <p:spPr/>
+        <p:txBody>
+          <a:bodyPr/>
+          <a:lstStyle/>
+          <a:p>
+            <a:r>
+              <a:rPr lang="en-US" dirty="0"/>
+              <a:t>Algorithm </a:t>
+            </a:r>
+            <a:r>
+              <a:rPr lang="en-US" dirty="0" smtClean="0"/>
+              <a:t>5 </a:t>
+            </a:r>
+            <a:r>
+              <a:rPr lang="en-US" dirty="0"/>
+              <a:t>– C5.0</a:t>
+            </a:r>
+          </a:p>
+        </p:txBody>
+      </p:sp>
+      <p:sp>
+        <p:nvSpPr>
+          <p:cNvPr id="3" name="Content Placeholder 2"/>
+          <p:cNvSpPr>
+            <a:spLocks noGrp="1"/>
+          </p:cNvSpPr>
+          <p:nvPr>
+            <p:ph idx="1"/>
+          </p:nvPr>
+        </p:nvSpPr>
+        <p:spPr/>
+        <p:txBody>
+          <a:bodyPr/>
+          <a:lstStyle/>
+          <a:p>
+            <a:r>
+              <a:rPr lang="en-US" dirty="0"/>
+              <a:t>Extra!</a:t>
+            </a:r>
+          </a:p>
+          <a:p>
+            <a:r>
+              <a:rPr lang="en-US" dirty="0"/>
+              <a:t>Interesting dependencies between seemingly independent aspects of an individual</a:t>
+            </a:r>
+          </a:p>
+        </p:txBody>
+      </p:sp>
+    </p:spTree>
+  </p:cSld>
+  <p:clrMapOvr>
+    <a:masterClrMapping/>
+  </p:clrMapOvr>
+  <p:timing>
+    <p:tnLst>
+      <p:par>
+        <p:cTn id="1" dur="indefinite" restart="never" nodeType="tmRoot"/>
+      </p:par>
+    </p:tnLst>
+  </p:timing>
+</p:sld>
+</file>
+
+<file path=ppt/slides/slide3.xml><?xml version="1.0" encoding="utf-8"?>
+<p:sld xmlns:a="http://schemas.openxmlformats.org/drawingml/2006/main" xmlns:r="http://schemas.openxmlformats.org/officeDocument/2006/relationships" xmlns:p="http://schemas.openxmlformats.org/presentationml/2006/main">
+  <p:cSld>
+    <p:spTree>
+      <p:nvGrpSpPr>
+        <p:cNvPr id="1" name=""/>
+        <p:cNvGrpSpPr/>
+        <p:nvPr/>
+      </p:nvGrpSpPr>
+      <p:grpSpPr>
+        <a:xfrm>
+          <a:off x="0" y="0"/>
+          <a:ext cx="0" cy="0"/>
+          <a:chOff x="0" y="0"/>
+          <a:chExt cx="0" cy="0"/>
+        </a:xfrm>
+      </p:grpSpPr>
+      <p:sp>
+        <p:nvSpPr>
+          <p:cNvPr id="2" name="Title 1"/>
+          <p:cNvSpPr>
+            <a:spLocks noGrp="1"/>
+          </p:cNvSpPr>
+          <p:nvPr>
+            <p:ph type="title"/>
+          </p:nvPr>
+        </p:nvSpPr>
+        <p:spPr/>
+        <p:txBody>
+          <a:bodyPr/>
+          <a:lstStyle/>
+          <a:p>
+            <a:r>
+              <a:rPr lang="en-US" dirty="0"/>
+              <a:t>INTRODUCTION &amp; MOTIVATION</a:t>
+            </a:r>
+          </a:p>
+        </p:txBody>
+      </p:sp>
+      <p:sp>
+        <p:nvSpPr>
+          <p:cNvPr id="3" name="Content Placeholder 2"/>
+          <p:cNvSpPr>
+            <a:spLocks noGrp="1"/>
+          </p:cNvSpPr>
+          <p:nvPr>
+            <p:ph idx="1"/>
+          </p:nvPr>
+        </p:nvSpPr>
+        <p:spPr/>
+        <p:txBody>
+          <a:bodyPr>
+            <a:normAutofit/>
+          </a:bodyPr>
+          <a:lstStyle/>
+          <a:p>
+            <a:pPr algn="just"/>
+            <a:r>
+              <a:rPr lang="en-US" dirty="0"/>
+              <a:t>“Young People Survey” data set</a:t>
+            </a:r>
+          </a:p>
+          <a:p>
+            <a:pPr algn="just">
+              <a:buNone/>
+            </a:pPr>
+            <a:endParaRPr lang="en-US" dirty="0"/>
+          </a:p>
+          <a:p>
+            <a:pPr algn="just"/>
+            <a:r>
+              <a:rPr lang="en-US" dirty="0"/>
+              <a:t>Interesting data set spanning across diverse behavior and preference metrics</a:t>
+            </a:r>
+          </a:p>
+          <a:p>
+            <a:pPr algn="just">
+              <a:buNone/>
+            </a:pPr>
+            <a:endParaRPr lang="en-US" sz="1400" i="1" dirty="0"/>
+          </a:p>
+          <a:p>
+            <a:pPr algn="just"/>
+            <a:r>
+              <a:rPr lang="en-US" smtClean="0"/>
+              <a:t>DataSource</a:t>
+            </a:r>
+            <a:r>
+              <a:rPr lang="en-US" dirty="0" smtClean="0"/>
+              <a:t>: </a:t>
+            </a:r>
+            <a:r>
+              <a:rPr lang="en-US" i="1" dirty="0"/>
+              <a:t>https://www.kaggle.com/miroslavsabo/young-people-survey</a:t>
+            </a:r>
+          </a:p>
+          <a:p>
+            <a:endParaRPr lang="en-US" sz="1400" i="1" dirty="0"/>
+          </a:p>
+        </p:txBody>
+      </p:sp>
+    </p:spTree>
+    <p:extLst>
+      <p:ext uri="{BB962C8B-B14F-4D97-AF65-F5344CB8AC3E}">
+        <p14:creationId xmlns:p14="http://schemas.microsoft.com/office/powerpoint/2010/main" val="1542116808"/>
+      </p:ext>
+    </p:extLst>
+  </p:cSld>
+  <p:clrMapOvr>
+    <a:masterClrMapping/>
+  </p:clrMapOvr>
+</p:sld>
+</file>
+
+<file path=ppt/slides/slide30.xml><?xml version="1.0" encoding="utf-8"?>
+<p:sld xmlns:a="http://schemas.openxmlformats.org/drawingml/2006/main" xmlns:r="http://schemas.openxmlformats.org/officeDocument/2006/relationships" xmlns:p="http://schemas.openxmlformats.org/presentationml/2006/main">
+  <p:cSld>
+    <p:spTree>
+      <p:nvGrpSpPr>
+        <p:cNvPr id="1" name=""/>
+        <p:cNvGrpSpPr/>
+        <p:nvPr/>
+      </p:nvGrpSpPr>
+      <p:grpSpPr>
+        <a:xfrm>
+          <a:off x="0" y="0"/>
+          <a:ext cx="0" cy="0"/>
+          <a:chOff x="0" y="0"/>
+          <a:chExt cx="0" cy="0"/>
+        </a:xfrm>
+      </p:grpSpPr>
       <p:pic>
         <p:nvPicPr>
           <p:cNvPr id="4" name="Content Placeholder 3" descr="gender_movies.PNG"/>
@@ -6336,10 +7029,17 @@
   <p:clrMapOvr>
     <a:masterClrMapping/>
   </p:clrMapOvr>
+  <p:timing>
+    <p:tnLst>
+      <p:par>
+        <p:cTn id="1" dur="indefinite" restart="never" nodeType="tmRoot"/>
+      </p:par>
+    </p:tnLst>
+  </p:timing>
 </p:sld>
 </file>
 
-<file path=ppt/slides/slide28.xml><?xml version="1.0" encoding="utf-8"?>
+<file path=ppt/slides/slide31.xml><?xml version="1.0" encoding="utf-8"?>
 <p:sld xmlns:a="http://schemas.openxmlformats.org/drawingml/2006/main" xmlns:r="http://schemas.openxmlformats.org/officeDocument/2006/relationships" xmlns:p="http://schemas.openxmlformats.org/presentationml/2006/main">
   <p:cSld>
     <p:spTree>
@@ -6400,14 +7100,14 @@
                 <a:gridCol w="657948">
                   <a:extLst>
                     <a:ext uri="{9D8B030D-6E8A-4147-A177-3AD203B41FA5}">
-                      <a16:colId xmlns:a16="http://schemas.microsoft.com/office/drawing/2014/main" val="20000"/>
+                      <a16:colId xmlns:a16="http://schemas.microsoft.com/office/drawing/2014/main" xmlns="" val="20000"/>
                     </a:ext>
                   </a:extLst>
                 </a:gridCol>
                 <a:gridCol w="932092">
                   <a:extLst>
                     <a:ext uri="{9D8B030D-6E8A-4147-A177-3AD203B41FA5}">
-                      <a16:colId xmlns:a16="http://schemas.microsoft.com/office/drawing/2014/main" val="20001"/>
+                      <a16:colId xmlns:a16="http://schemas.microsoft.com/office/drawing/2014/main" xmlns="" val="20001"/>
                     </a:ext>
                   </a:extLst>
                 </a:gridCol>
@@ -6527,7 +7227,7 @@
                 </a:tc>
                 <a:extLst>
                   <a:ext uri="{0D108BD9-81ED-4DB2-BD59-A6C34878D82A}">
-                    <a16:rowId xmlns:a16="http://schemas.microsoft.com/office/drawing/2014/main" val="10000"/>
+                    <a16:rowId xmlns:a16="http://schemas.microsoft.com/office/drawing/2014/main" xmlns="" val="10000"/>
                   </a:ext>
                 </a:extLst>
               </a:tr>
@@ -6646,7 +7346,7 @@
                 </a:tc>
                 <a:extLst>
                   <a:ext uri="{0D108BD9-81ED-4DB2-BD59-A6C34878D82A}">
-                    <a16:rowId xmlns:a16="http://schemas.microsoft.com/office/drawing/2014/main" val="10001"/>
+                    <a16:rowId xmlns:a16="http://schemas.microsoft.com/office/drawing/2014/main" xmlns="" val="10001"/>
                   </a:ext>
                 </a:extLst>
               </a:tr>
@@ -6765,7 +7465,7 @@
                 </a:tc>
                 <a:extLst>
                   <a:ext uri="{0D108BD9-81ED-4DB2-BD59-A6C34878D82A}">
-                    <a16:rowId xmlns:a16="http://schemas.microsoft.com/office/drawing/2014/main" val="10002"/>
+                    <a16:rowId xmlns:a16="http://schemas.microsoft.com/office/drawing/2014/main" xmlns="" val="10002"/>
                   </a:ext>
                 </a:extLst>
               </a:tr>
@@ -6820,10 +7520,17 @@
   <p:clrMapOvr>
     <a:masterClrMapping/>
   </p:clrMapOvr>
+  <p:timing>
+    <p:tnLst>
+      <p:par>
+        <p:cTn id="1" dur="indefinite" restart="never" nodeType="tmRoot"/>
+      </p:par>
+    </p:tnLst>
+  </p:timing>
 </p:sld>
 </file>
 
-<file path=ppt/slides/slide29.xml><?xml version="1.0" encoding="utf-8"?>
+<file path=ppt/slides/slide32.xml><?xml version="1.0" encoding="utf-8"?>
 <p:sld xmlns:a="http://schemas.openxmlformats.org/drawingml/2006/main" xmlns:r="http://schemas.openxmlformats.org/officeDocument/2006/relationships" xmlns:p="http://schemas.openxmlformats.org/presentationml/2006/main">
   <p:cSld>
     <p:spTree>
@@ -6857,7 +7564,7 @@
           <a:p>
             <a:r>
               <a:rPr lang="en-US" dirty="0"/>
-              <a:t>Algorithm 4 - Naïve Bayes</a:t>
+              <a:t>Conclusion</a:t>
             </a:r>
           </a:p>
         </p:txBody>
@@ -6872,246 +7579,10 @@
             <p:ph idx="1"/>
           </p:nvPr>
         </p:nvSpPr>
-        <p:spPr/>
-        <p:txBody>
-          <a:bodyPr/>
-          <a:lstStyle/>
-          <a:p>
-            <a:r>
-              <a:rPr lang="en-US" dirty="0"/>
-              <a:t>Used all predictors</a:t>
-            </a:r>
-          </a:p>
-          <a:p>
-            <a:pPr lvl="1"/>
-            <a:r>
-              <a:rPr lang="cs-CZ" dirty="0"/>
-              <a:t>0.873111 accuracy</a:t>
-            </a:r>
-          </a:p>
-          <a:p>
-            <a:pPr lvl="1"/>
-            <a:endParaRPr lang="en-US" dirty="0"/>
-          </a:p>
-          <a:p>
-            <a:endParaRPr lang="en-US" dirty="0"/>
-          </a:p>
-        </p:txBody>
-      </p:sp>
-      <p:pic>
-        <p:nvPicPr>
-          <p:cNvPr id="4" name="Picture 3"/>
-          <p:cNvPicPr>
-            <a:picLocks noChangeAspect="1"/>
-          </p:cNvPicPr>
-          <p:nvPr/>
-        </p:nvPicPr>
-        <p:blipFill>
-          <a:blip r:embed="rId2"/>
-          <a:stretch>
-            <a:fillRect/>
-          </a:stretch>
-        </p:blipFill>
         <p:spPr>
           <a:xfrm>
-            <a:off x="3162299" y="3025422"/>
-            <a:ext cx="2154767" cy="903196"/>
-          </a:xfrm>
-          <a:prstGeom prst="rect">
-            <a:avLst/>
-          </a:prstGeom>
-        </p:spPr>
-      </p:pic>
-    </p:spTree>
-    <p:extLst>
-      <p:ext uri="{BB962C8B-B14F-4D97-AF65-F5344CB8AC3E}">
-        <p14:creationId xmlns:p14="http://schemas.microsoft.com/office/powerpoint/2010/main" val="1911665564"/>
-      </p:ext>
-    </p:extLst>
-  </p:cSld>
-  <p:clrMapOvr>
-    <a:masterClrMapping/>
-  </p:clrMapOvr>
-</p:sld>
-</file>
-
-<file path=ppt/slides/slide3.xml><?xml version="1.0" encoding="utf-8"?>
-<p:sld xmlns:a="http://schemas.openxmlformats.org/drawingml/2006/main" xmlns:r="http://schemas.openxmlformats.org/officeDocument/2006/relationships" xmlns:p="http://schemas.openxmlformats.org/presentationml/2006/main">
-  <p:cSld>
-    <p:spTree>
-      <p:nvGrpSpPr>
-        <p:cNvPr id="1" name=""/>
-        <p:cNvGrpSpPr/>
-        <p:nvPr/>
-      </p:nvGrpSpPr>
-      <p:grpSpPr>
-        <a:xfrm>
-          <a:off x="0" y="0"/>
-          <a:ext cx="0" cy="0"/>
-          <a:chOff x="0" y="0"/>
-          <a:chExt cx="0" cy="0"/>
-        </a:xfrm>
-      </p:grpSpPr>
-      <p:sp>
-        <p:nvSpPr>
-          <p:cNvPr id="2" name="Title 1"/>
-          <p:cNvSpPr>
-            <a:spLocks noGrp="1"/>
-          </p:cNvSpPr>
-          <p:nvPr>
-            <p:ph type="title"/>
-          </p:nvPr>
-        </p:nvSpPr>
-        <p:spPr/>
-        <p:txBody>
-          <a:bodyPr/>
-          <a:lstStyle/>
-          <a:p>
-            <a:r>
-              <a:rPr lang="en-US" dirty="0"/>
-              <a:t>INTRODUCTION &amp; MOTIVATION</a:t>
-            </a:r>
-          </a:p>
-        </p:txBody>
-      </p:sp>
-      <p:sp>
-        <p:nvSpPr>
-          <p:cNvPr id="3" name="Content Placeholder 2"/>
-          <p:cNvSpPr>
-            <a:spLocks noGrp="1"/>
-          </p:cNvSpPr>
-          <p:nvPr>
-            <p:ph idx="1"/>
-          </p:nvPr>
-        </p:nvSpPr>
-        <p:spPr/>
-        <p:txBody>
-          <a:bodyPr>
-            <a:normAutofit/>
-          </a:bodyPr>
-          <a:lstStyle/>
-          <a:p>
-            <a:pPr algn="just"/>
-            <a:r>
-              <a:rPr lang="en-US" dirty="0"/>
-              <a:t>“Young People Survey” data set</a:t>
-            </a:r>
-          </a:p>
-          <a:p>
-            <a:pPr algn="just">
-              <a:buNone/>
-            </a:pPr>
-            <a:endParaRPr lang="en-US" dirty="0"/>
-          </a:p>
-          <a:p>
-            <a:pPr algn="just"/>
-            <a:r>
-              <a:rPr lang="en-US" dirty="0"/>
-              <a:t>Interesting data set spanning across diverse behavior and preference metrics</a:t>
-            </a:r>
-          </a:p>
-          <a:p>
-            <a:pPr algn="just">
-              <a:buNone/>
-            </a:pPr>
-            <a:endParaRPr lang="en-US" sz="1400" i="1" dirty="0"/>
-          </a:p>
-          <a:p>
-            <a:pPr algn="just"/>
-            <a:r>
-              <a:rPr lang="en-US" dirty="0" err="1"/>
-              <a:t>DataSource</a:t>
-            </a:r>
-            <a:r>
-              <a:rPr lang="en-US" dirty="0"/>
-              <a:t>: </a:t>
-            </a:r>
-            <a:r>
-              <a:rPr lang="en-US" i="1" dirty="0"/>
-              <a:t>https://www.kaggle.com/miroslavsabo/young-people-survey</a:t>
-            </a:r>
-          </a:p>
-          <a:p>
-            <a:endParaRPr lang="en-US" sz="1400" i="1" dirty="0"/>
-          </a:p>
-        </p:txBody>
-      </p:sp>
-    </p:spTree>
-    <p:extLst>
-      <p:ext uri="{BB962C8B-B14F-4D97-AF65-F5344CB8AC3E}">
-        <p14:creationId xmlns:p14="http://schemas.microsoft.com/office/powerpoint/2010/main" val="1542116808"/>
-      </p:ext>
-    </p:extLst>
-  </p:cSld>
-  <p:clrMapOvr>
-    <a:masterClrMapping/>
-  </p:clrMapOvr>
-</p:sld>
-</file>
-
-<file path=ppt/slides/slide30.xml><?xml version="1.0" encoding="utf-8"?>
-<p:sld xmlns:a="http://schemas.openxmlformats.org/drawingml/2006/main" xmlns:r="http://schemas.openxmlformats.org/officeDocument/2006/relationships" xmlns:p="http://schemas.openxmlformats.org/presentationml/2006/main">
-  <p:cSld>
-    <p:spTree>
-      <p:nvGrpSpPr>
-        <p:cNvPr id="1" name=""/>
-        <p:cNvGrpSpPr/>
-        <p:nvPr/>
-      </p:nvGrpSpPr>
-      <p:grpSpPr>
-        <a:xfrm>
-          <a:off x="0" y="0"/>
-          <a:ext cx="0" cy="0"/>
-          <a:chOff x="0" y="0"/>
-          <a:chExt cx="0" cy="0"/>
-        </a:xfrm>
-      </p:grpSpPr>
-      <p:sp>
-        <p:nvSpPr>
-          <p:cNvPr id="2" name="Title 1"/>
-          <p:cNvSpPr>
-            <a:spLocks noGrp="1"/>
-          </p:cNvSpPr>
-          <p:nvPr>
-            <p:ph type="title"/>
-          </p:nvPr>
-        </p:nvSpPr>
-        <p:spPr/>
-        <p:txBody>
-          <a:bodyPr>
-            <a:normAutofit/>
-          </a:bodyPr>
-          <a:lstStyle/>
-          <a:p>
-            <a:r>
-              <a:rPr lang="en-US" dirty="0"/>
-              <a:t>Algorithm 5 </a:t>
-            </a:r>
-            <a:r>
-              <a:rPr lang="mr-IN" dirty="0"/>
-              <a:t>–</a:t>
-            </a:r>
-            <a:r>
-              <a:rPr lang="en-US" dirty="0"/>
-              <a:t> Support Vector Machine</a:t>
-            </a:r>
-          </a:p>
-        </p:txBody>
-      </p:sp>
-      <p:sp>
-        <p:nvSpPr>
-          <p:cNvPr id="3" name="Content Placeholder 2"/>
-          <p:cNvSpPr>
-            <a:spLocks noGrp="1"/>
-          </p:cNvSpPr>
-          <p:nvPr>
-            <p:ph idx="1"/>
-          </p:nvPr>
-        </p:nvSpPr>
-        <p:spPr>
-          <a:xfrm>
-            <a:off x="2589212" y="1569156"/>
-            <a:ext cx="8915400" cy="4342066"/>
+            <a:off x="2589212" y="1501422"/>
+            <a:ext cx="8915400" cy="4409800"/>
           </a:xfrm>
         </p:spPr>
         <p:txBody>
@@ -7122,208 +7593,21 @@
           <a:p>
             <a:r>
               <a:rPr lang="en-US" dirty="0"/>
-              <a:t>SVM method in R for classification used to divide data in two sets using a hyperplane.</a:t>
-            </a:r>
-          </a:p>
-          <a:p>
-            <a:r>
-              <a:rPr lang="en-US" dirty="0"/>
-              <a:t>Predictors used </a:t>
-            </a:r>
-            <a:r>
-              <a:rPr lang="mr-IN" dirty="0"/>
-              <a:t>–</a:t>
-            </a:r>
-            <a:r>
-              <a:rPr lang="en-US" dirty="0"/>
-              <a:t> Satisfaction Level, Last Evaluation, Number of Projects, Average Monthly Hours and Time spent at company.</a:t>
-            </a:r>
-          </a:p>
-          <a:p>
-            <a:r>
-              <a:rPr lang="en-US" dirty="0"/>
-              <a:t>Default parameters - Radial kernel function, Gamma = 1 / 5, Cost = 1</a:t>
+              <a:t>Highest accuracies for each algorithm:</a:t>
             </a:r>
           </a:p>
           <a:p>
             <a:pPr lvl="1"/>
-            <a:r>
-              <a:rPr lang="en-US" dirty="0"/>
-              <a:t>RMSE: </a:t>
-            </a:r>
-            <a:r>
-              <a:rPr lang="nb-NO" dirty="0"/>
-              <a:t>0.1867857</a:t>
-            </a:r>
-            <a:endParaRPr lang="en-US" dirty="0"/>
-          </a:p>
-          <a:p>
-            <a:endParaRPr lang="en-US" dirty="0"/>
-          </a:p>
-          <a:p>
-            <a:endParaRPr lang="en-US" dirty="0"/>
-          </a:p>
-          <a:p>
-            <a:endParaRPr lang="en-US" dirty="0"/>
-          </a:p>
-          <a:p>
-            <a:r>
-              <a:rPr lang="en-US" dirty="0"/>
-              <a:t>After tuning the parameters </a:t>
-            </a:r>
-            <a:r>
-              <a:rPr lang="mr-IN" dirty="0"/>
-              <a:t>–</a:t>
-            </a:r>
-            <a:r>
-              <a:rPr lang="en-US" dirty="0"/>
-              <a:t> Gamma = 2, Cost = 10</a:t>
-            </a:r>
+            <a:endParaRPr lang="en-US" dirty="0"/>
           </a:p>
           <a:p>
             <a:pPr lvl="1"/>
-            <a:r>
-              <a:rPr lang="en-US" dirty="0"/>
-              <a:t>RMSE: </a:t>
-            </a:r>
-            <a:r>
-              <a:rPr lang="nb-NO" dirty="0"/>
-              <a:t>0.1598611</a:t>
-            </a:r>
+            <a:endParaRPr lang="en-US" dirty="0"/>
           </a:p>
           <a:p>
             <a:pPr lvl="1"/>
             <a:endParaRPr lang="en-US" dirty="0"/>
           </a:p>
-        </p:txBody>
-      </p:sp>
-      <p:pic>
-        <p:nvPicPr>
-          <p:cNvPr id="4" name="Picture 3"/>
-          <p:cNvPicPr>
-            <a:picLocks noChangeAspect="1"/>
-          </p:cNvPicPr>
-          <p:nvPr/>
-        </p:nvPicPr>
-        <p:blipFill>
-          <a:blip r:embed="rId2"/>
-          <a:stretch>
-            <a:fillRect/>
-          </a:stretch>
-        </p:blipFill>
-        <p:spPr>
-          <a:xfrm>
-            <a:off x="3178822" y="3687309"/>
-            <a:ext cx="2023794" cy="1040401"/>
-          </a:xfrm>
-          <a:prstGeom prst="rect">
-            <a:avLst/>
-          </a:prstGeom>
-        </p:spPr>
-      </p:pic>
-      <p:pic>
-        <p:nvPicPr>
-          <p:cNvPr id="5" name="Picture 4"/>
-          <p:cNvPicPr>
-            <a:picLocks noChangeAspect="1"/>
-          </p:cNvPicPr>
-          <p:nvPr/>
-        </p:nvPicPr>
-        <p:blipFill>
-          <a:blip r:embed="rId3"/>
-          <a:stretch>
-            <a:fillRect/>
-          </a:stretch>
-        </p:blipFill>
-        <p:spPr>
-          <a:xfrm>
-            <a:off x="3178822" y="5682478"/>
-            <a:ext cx="2023794" cy="1065155"/>
-          </a:xfrm>
-          <a:prstGeom prst="rect">
-            <a:avLst/>
-          </a:prstGeom>
-        </p:spPr>
-      </p:pic>
-    </p:spTree>
-    <p:extLst>
-      <p:ext uri="{BB962C8B-B14F-4D97-AF65-F5344CB8AC3E}">
-        <p14:creationId xmlns:p14="http://schemas.microsoft.com/office/powerpoint/2010/main" val="1042283074"/>
-      </p:ext>
-    </p:extLst>
-  </p:cSld>
-  <p:clrMapOvr>
-    <a:masterClrMapping/>
-  </p:clrMapOvr>
-</p:sld>
-</file>
-
-<file path=ppt/slides/slide31.xml><?xml version="1.0" encoding="utf-8"?>
-<p:sld xmlns:a="http://schemas.openxmlformats.org/drawingml/2006/main" xmlns:r="http://schemas.openxmlformats.org/officeDocument/2006/relationships" xmlns:p="http://schemas.openxmlformats.org/presentationml/2006/main">
-  <p:cSld>
-    <p:spTree>
-      <p:nvGrpSpPr>
-        <p:cNvPr id="1" name=""/>
-        <p:cNvGrpSpPr/>
-        <p:nvPr/>
-      </p:nvGrpSpPr>
-      <p:grpSpPr>
-        <a:xfrm>
-          <a:off x="0" y="0"/>
-          <a:ext cx="0" cy="0"/>
-          <a:chOff x="0" y="0"/>
-          <a:chExt cx="0" cy="0"/>
-        </a:xfrm>
-      </p:grpSpPr>
-      <p:sp>
-        <p:nvSpPr>
-          <p:cNvPr id="2" name="Title 1"/>
-          <p:cNvSpPr>
-            <a:spLocks noGrp="1"/>
-          </p:cNvSpPr>
-          <p:nvPr>
-            <p:ph type="title"/>
-          </p:nvPr>
-        </p:nvSpPr>
-        <p:spPr/>
-        <p:txBody>
-          <a:bodyPr/>
-          <a:lstStyle/>
-          <a:p>
-            <a:r>
-              <a:rPr lang="en-US" dirty="0"/>
-              <a:t>Conclusion</a:t>
-            </a:r>
-          </a:p>
-        </p:txBody>
-      </p:sp>
-      <p:sp>
-        <p:nvSpPr>
-          <p:cNvPr id="3" name="Content Placeholder 2"/>
-          <p:cNvSpPr>
-            <a:spLocks noGrp="1"/>
-          </p:cNvSpPr>
-          <p:nvPr>
-            <p:ph idx="1"/>
-          </p:nvPr>
-        </p:nvSpPr>
-        <p:spPr>
-          <a:xfrm>
-            <a:off x="2589212" y="1501422"/>
-            <a:ext cx="8915400" cy="4409800"/>
-          </a:xfrm>
-        </p:spPr>
-        <p:txBody>
-          <a:bodyPr>
-            <a:normAutofit fontScale="77500" lnSpcReduction="20000"/>
-          </a:bodyPr>
-          <a:lstStyle/>
-          <a:p>
-            <a:r>
-              <a:rPr lang="en-US" dirty="0"/>
-              <a:t>Highest accuracies for each algorithm:</a:t>
-            </a:r>
-          </a:p>
           <a:p>
             <a:pPr lvl="1"/>
             <a:endParaRPr lang="en-US" dirty="0"/>
@@ -7349,20 +7633,12 @@
             <a:endParaRPr lang="en-US" dirty="0"/>
           </a:p>
           <a:p>
-            <a:pPr lvl="1"/>
-            <a:endParaRPr lang="en-US" dirty="0"/>
-          </a:p>
-          <a:p>
-            <a:pPr lvl="1"/>
-            <a:endParaRPr lang="en-US" dirty="0"/>
-          </a:p>
-          <a:p>
-            <a:pPr lvl="1"/>
-            <a:endParaRPr lang="en-US" dirty="0"/>
-          </a:p>
-          <a:p>
-            <a:r>
-              <a:rPr lang="en-US" dirty="0"/>
+            <a:r>
+              <a:rPr lang="en-US" dirty="0">
+                <a:solidFill>
+                  <a:srgbClr val="FF0000"/>
+                </a:solidFill>
+              </a:rPr>
               <a:t>Top features for prediction: Number of Projects, Time Spent at the Company and Satisfaction Level (from Random Forest)</a:t>
             </a:r>
           </a:p>
@@ -7377,14 +7653,14 @@
           <p:nvPr>
             <p:extLst>
               <p:ext uri="{D42A27DB-BD31-4B8C-83A1-F6EECF244321}">
-                <p14:modId xmlns:p14="http://schemas.microsoft.com/office/powerpoint/2010/main" val="3813217767"/>
+                <p14:modId xmlns:p14="http://schemas.microsoft.com/office/powerpoint/2010/main" val="1864373720"/>
               </p:ext>
             </p:extLst>
           </p:nvPr>
         </p:nvGraphicFramePr>
         <p:xfrm>
           <a:off x="2777748" y="1874521"/>
-          <a:ext cx="8127999" cy="2697480"/>
+          <a:ext cx="8127999" cy="2255331"/>
         </p:xfrm>
         <a:graphic>
           <a:graphicData uri="http://schemas.openxmlformats.org/drawingml/2006/table">
@@ -7396,21 +7672,21 @@
                 <a:gridCol w="2709333">
                   <a:extLst>
                     <a:ext uri="{9D8B030D-6E8A-4147-A177-3AD203B41FA5}">
-                      <a16:colId xmlns:a16="http://schemas.microsoft.com/office/drawing/2014/main" val="20000"/>
+                      <a16:colId xmlns:a16="http://schemas.microsoft.com/office/drawing/2014/main" xmlns="" val="20000"/>
                     </a:ext>
                   </a:extLst>
                 </a:gridCol>
                 <a:gridCol w="2709333">
                   <a:extLst>
                     <a:ext uri="{9D8B030D-6E8A-4147-A177-3AD203B41FA5}">
-                      <a16:colId xmlns:a16="http://schemas.microsoft.com/office/drawing/2014/main" val="20001"/>
+                      <a16:colId xmlns:a16="http://schemas.microsoft.com/office/drawing/2014/main" xmlns="" val="20001"/>
                     </a:ext>
                   </a:extLst>
                 </a:gridCol>
                 <a:gridCol w="2709333">
                   <a:extLst>
                     <a:ext uri="{9D8B030D-6E8A-4147-A177-3AD203B41FA5}">
-                      <a16:colId xmlns:a16="http://schemas.microsoft.com/office/drawing/2014/main" val="20002"/>
+                      <a16:colId xmlns:a16="http://schemas.microsoft.com/office/drawing/2014/main" xmlns="" val="20002"/>
                     </a:ext>
                   </a:extLst>
                 </a:gridCol>
@@ -7460,7 +7736,7 @@
                 </a:tc>
                 <a:extLst>
                   <a:ext uri="{0D108BD9-81ED-4DB2-BD59-A6C34878D82A}">
-                    <a16:rowId xmlns:a16="http://schemas.microsoft.com/office/drawing/2014/main" val="10000"/>
+                    <a16:rowId xmlns:a16="http://schemas.microsoft.com/office/drawing/2014/main" xmlns="" val="10000"/>
                   </a:ext>
                 </a:extLst>
               </a:tr>
@@ -7485,7 +7761,46 @@
                     <a:p>
                       <a:r>
                         <a:rPr lang="en-US" dirty="0"/>
-                        <a:t>K = 3</a:t>
+                        <a:t>K = </a:t>
+                      </a:r>
+                      <a:r>
+                        <a:rPr lang="en-US" dirty="0" smtClean="0"/>
+                        <a:t>19,All predictors</a:t>
+                      </a:r>
+                      <a:endParaRPr lang="en-US" dirty="0"/>
+                    </a:p>
+                  </a:txBody>
+                  <a:tcPr/>
+                </a:tc>
+                <a:tc>
+                  <a:txBody>
+                    <a:bodyPr/>
+                    <a:lstStyle/>
+                    <a:p>
+                      <a:r>
+                        <a:rPr lang="is-IS" dirty="0" smtClean="0"/>
+                        <a:t>0.8943</a:t>
+                      </a:r>
+                      <a:endParaRPr lang="en-US" dirty="0"/>
+                    </a:p>
+                  </a:txBody>
+                  <a:tcPr/>
+                </a:tc>
+                <a:extLst>
+                  <a:ext uri="{0D108BD9-81ED-4DB2-BD59-A6C34878D82A}">
+                    <a16:rowId xmlns:a16="http://schemas.microsoft.com/office/drawing/2014/main" xmlns="" val="10001"/>
+                  </a:ext>
+                </a:extLst>
+              </a:tr>
+              <a:tr h="322109">
+                <a:tc>
+                  <a:txBody>
+                    <a:bodyPr/>
+                    <a:lstStyle/>
+                    <a:p>
+                      <a:r>
+                        <a:rPr lang="en-US" dirty="0"/>
+                        <a:t>Naïve Bayes</a:t>
                       </a:r>
                     </a:p>
                   </a:txBody>
@@ -7497,8 +7812,21 @@
                     <a:lstStyle/>
                     <a:p>
                       <a:r>
-                        <a:rPr lang="is-IS" dirty="0"/>
-                        <a:t>0.972444</a:t>
+                        <a:rPr lang="en-US" dirty="0"/>
+                        <a:t>All predictors</a:t>
+                      </a:r>
+                    </a:p>
+                  </a:txBody>
+                  <a:tcPr/>
+                </a:tc>
+                <a:tc>
+                  <a:txBody>
+                    <a:bodyPr/>
+                    <a:lstStyle/>
+                    <a:p>
+                      <a:r>
+                        <a:rPr lang="cs-CZ" dirty="0" smtClean="0"/>
+                        <a:t>0.943894</a:t>
                       </a:r>
                       <a:endParaRPr lang="en-US" dirty="0"/>
                     </a:p>
@@ -7507,11 +7835,11 @@
                 </a:tc>
                 <a:extLst>
                   <a:ext uri="{0D108BD9-81ED-4DB2-BD59-A6C34878D82A}">
-                    <a16:rowId xmlns:a16="http://schemas.microsoft.com/office/drawing/2014/main" val="10001"/>
+                    <a16:rowId xmlns:a16="http://schemas.microsoft.com/office/drawing/2014/main" xmlns="" val="10002"/>
                   </a:ext>
                 </a:extLst>
               </a:tr>
-              <a:tr h="322109">
+              <a:tr h="563691">
                 <a:tc>
                   <a:txBody>
                     <a:bodyPr/>
@@ -7562,11 +7890,11 @@
                 </a:tc>
                 <a:extLst>
                   <a:ext uri="{0D108BD9-81ED-4DB2-BD59-A6C34878D82A}">
-                    <a16:rowId xmlns:a16="http://schemas.microsoft.com/office/drawing/2014/main" val="10002"/>
+                    <a16:rowId xmlns:a16="http://schemas.microsoft.com/office/drawing/2014/main" xmlns="" val="10003"/>
                   </a:ext>
                 </a:extLst>
               </a:tr>
-              <a:tr h="563691">
+              <a:tr h="322109">
                 <a:tc>
                   <a:txBody>
                     <a:bodyPr/>
@@ -7615,116 +7943,7 @@
                 </a:tc>
                 <a:extLst>
                   <a:ext uri="{0D108BD9-81ED-4DB2-BD59-A6C34878D82A}">
-                    <a16:rowId xmlns:a16="http://schemas.microsoft.com/office/drawing/2014/main" val="10003"/>
-                  </a:ext>
-                </a:extLst>
-              </a:tr>
-              <a:tr h="322109">
-                <a:tc>
-                  <a:txBody>
-                    <a:bodyPr/>
-                    <a:lstStyle/>
-                    <a:p>
-                      <a:r>
-                        <a:rPr lang="en-US" dirty="0"/>
-                        <a:t>Naïve Bayes</a:t>
-                      </a:r>
-                    </a:p>
-                  </a:txBody>
-                  <a:tcPr/>
-                </a:tc>
-                <a:tc>
-                  <a:txBody>
-                    <a:bodyPr/>
-                    <a:lstStyle/>
-                    <a:p>
-                      <a:r>
-                        <a:rPr lang="en-US" dirty="0"/>
-                        <a:t>All predictors</a:t>
-                      </a:r>
-                    </a:p>
-                  </a:txBody>
-                  <a:tcPr/>
-                </a:tc>
-                <a:tc>
-                  <a:txBody>
-                    <a:bodyPr/>
-                    <a:lstStyle/>
-                    <a:p>
-                      <a:r>
-                        <a:rPr lang="cs-CZ" dirty="0"/>
-                        <a:t>0.873111</a:t>
-                      </a:r>
-                      <a:endParaRPr lang="en-US" dirty="0"/>
-                    </a:p>
-                  </a:txBody>
-                  <a:tcPr/>
-                </a:tc>
-                <a:extLst>
-                  <a:ext uri="{0D108BD9-81ED-4DB2-BD59-A6C34878D82A}">
-                    <a16:rowId xmlns:a16="http://schemas.microsoft.com/office/drawing/2014/main" val="10004"/>
-                  </a:ext>
-                </a:extLst>
-              </a:tr>
-              <a:tr h="563691">
-                <a:tc>
-                  <a:txBody>
-                    <a:bodyPr/>
-                    <a:lstStyle/>
-                    <a:p>
-                      <a:r>
-                        <a:rPr lang="en-US" dirty="0"/>
-                        <a:t>Support Vector</a:t>
-                      </a:r>
-                      <a:r>
-                        <a:rPr lang="en-US" baseline="0" dirty="0"/>
-                        <a:t> Machine</a:t>
-                      </a:r>
-                      <a:endParaRPr lang="en-US" dirty="0"/>
-                    </a:p>
-                  </a:txBody>
-                  <a:tcPr/>
-                </a:tc>
-                <a:tc>
-                  <a:txBody>
-                    <a:bodyPr/>
-                    <a:lstStyle/>
-                    <a:p>
-                      <a:r>
-                        <a:rPr lang="en-US" dirty="0"/>
-                        <a:t>Gamma</a:t>
-                      </a:r>
-                      <a:r>
-                        <a:rPr lang="en-US" baseline="0" dirty="0"/>
-                        <a:t> = 2</a:t>
-                      </a:r>
-                    </a:p>
-                    <a:p>
-                      <a:r>
-                        <a:rPr lang="en-US" baseline="0" dirty="0"/>
-                        <a:t>Cost  = 10</a:t>
-                      </a:r>
-                      <a:endParaRPr lang="en-US" dirty="0"/>
-                    </a:p>
-                  </a:txBody>
-                  <a:tcPr/>
-                </a:tc>
-                <a:tc>
-                  <a:txBody>
-                    <a:bodyPr/>
-                    <a:lstStyle/>
-                    <a:p>
-                      <a:r>
-                        <a:rPr lang="en-US" dirty="0"/>
-                        <a:t>0.974444</a:t>
-                      </a:r>
-                    </a:p>
-                  </a:txBody>
-                  <a:tcPr/>
-                </a:tc>
-                <a:extLst>
-                  <a:ext uri="{0D108BD9-81ED-4DB2-BD59-A6C34878D82A}">
-                    <a16:rowId xmlns:a16="http://schemas.microsoft.com/office/drawing/2014/main" val="10005"/>
+                    <a16:rowId xmlns:a16="http://schemas.microsoft.com/office/drawing/2014/main" xmlns="" val="10004"/>
                   </a:ext>
                 </a:extLst>
               </a:tr>
@@ -7742,10 +7961,17 @@
   <p:clrMapOvr>
     <a:masterClrMapping/>
   </p:clrMapOvr>
+  <p:timing>
+    <p:tnLst>
+      <p:par>
+        <p:cTn id="1" dur="indefinite" restart="never" nodeType="tmRoot"/>
+      </p:par>
+    </p:tnLst>
+  </p:timing>
 </p:sld>
 </file>
 
-<file path=ppt/slides/slide32.xml><?xml version="1.0" encoding="utf-8"?>
+<file path=ppt/slides/slide33.xml><?xml version="1.0" encoding="utf-8"?>
 <p:sld xmlns:a="http://schemas.openxmlformats.org/drawingml/2006/main" xmlns:r="http://schemas.openxmlformats.org/officeDocument/2006/relationships" xmlns:p="http://schemas.openxmlformats.org/presentationml/2006/main">
   <p:cSld>
     <p:spTree>
@@ -8096,7 +8322,7 @@
         <p:spPr/>
         <p:txBody>
           <a:bodyPr>
-            <a:normAutofit fontScale="92500" lnSpcReduction="10000"/>
+            <a:normAutofit/>
           </a:bodyPr>
           <a:lstStyle/>
           <a:p>
@@ -8115,22 +8341,24 @@
             <a:endParaRPr lang="en-US" dirty="0"/>
           </a:p>
           <a:p>
-            <a:endParaRPr lang="en-US" dirty="0"/>
-          </a:p>
-          <a:p>
-            <a:r>
-              <a:rPr lang="en-US" dirty="0"/>
-              <a:t>Predictors used: Satisfaction Level, Last Evaluation, Number of Projects, Average Monthly Hours, Time spent at the company</a:t>
-            </a:r>
-          </a:p>
-          <a:p>
-            <a:endParaRPr lang="en-US" dirty="0"/>
-          </a:p>
-          <a:p>
-            <a:r>
-              <a:rPr lang="en-US" dirty="0"/>
-              <a:t>K = 2  (0.969556 accuracy)</a:t>
-            </a:r>
+            <a:r>
+              <a:rPr lang="en-US" dirty="0"/>
+              <a:t>Predictors used: </a:t>
+            </a:r>
+            <a:r>
+              <a:rPr lang="en-US" dirty="0" smtClean="0"/>
+              <a:t>Entire Dataset</a:t>
+            </a:r>
+          </a:p>
+          <a:p>
+            <a:r>
+              <a:rPr lang="en-US" dirty="0" smtClean="0"/>
+              <a:t>Classification : Male/Female</a:t>
+            </a:r>
+            <a:endParaRPr lang="en-US" dirty="0"/>
+          </a:p>
+          <a:p>
+            <a:endParaRPr lang="en-US" dirty="0"/>
           </a:p>
           <a:p>
             <a:pPr lvl="1"/>
@@ -8160,32 +8388,8 @@
         </p:blipFill>
         <p:spPr>
           <a:xfrm>
-            <a:off x="1705878" y="2561848"/>
+            <a:off x="2829828" y="2657098"/>
             <a:ext cx="4467755" cy="1335666"/>
-          </a:xfrm>
-          <a:prstGeom prst="rect">
-            <a:avLst/>
-          </a:prstGeom>
-        </p:spPr>
-      </p:pic>
-      <p:pic>
-        <p:nvPicPr>
-          <p:cNvPr id="6" name="Picture 5"/>
-          <p:cNvPicPr>
-            <a:picLocks noChangeAspect="1"/>
-          </p:cNvPicPr>
-          <p:nvPr/>
-        </p:nvPicPr>
-        <p:blipFill>
-          <a:blip r:embed="rId3"/>
-          <a:stretch>
-            <a:fillRect/>
-          </a:stretch>
-        </p:blipFill>
-        <p:spPr>
-          <a:xfrm>
-            <a:off x="6643638" y="5302853"/>
-            <a:ext cx="2108377" cy="1031436"/>
           </a:xfrm>
           <a:prstGeom prst="rect">
             <a:avLst/>
@@ -8262,24 +8466,45 @@
           <a:lstStyle/>
           <a:p>
             <a:r>
-              <a:rPr lang="en-US" dirty="0"/>
-              <a:t>K = 3  (</a:t>
-            </a:r>
-            <a:r>
-              <a:rPr lang="is-IS" dirty="0"/>
-              <a:t>0.972444</a:t>
-            </a:r>
-            <a:r>
-              <a:rPr lang="en-US" dirty="0"/>
-              <a:t> accuracy)</a:t>
-            </a:r>
+              <a:rPr lang="en-US" dirty="0" smtClean="0"/>
+              <a:t>Approach 1 : Omit NA </a:t>
+            </a:r>
+            <a:endParaRPr lang="en-US" dirty="0"/>
           </a:p>
           <a:p>
             <a:pPr lvl="1"/>
-            <a:endParaRPr lang="en-US" dirty="0"/>
+            <a:endParaRPr lang="en-US" dirty="0" smtClean="0"/>
           </a:p>
           <a:p>
             <a:pPr lvl="1"/>
+            <a:r>
+              <a:rPr lang="en-US" dirty="0" smtClean="0"/>
+              <a:t>K </a:t>
+            </a:r>
+            <a:r>
+              <a:rPr lang="en-US" dirty="0"/>
+              <a:t>= </a:t>
+            </a:r>
+            <a:r>
+              <a:rPr lang="en-US" dirty="0" smtClean="0"/>
+              <a:t>17,19  </a:t>
+            </a:r>
+            <a:r>
+              <a:rPr lang="en-US" dirty="0"/>
+              <a:t>(</a:t>
+            </a:r>
+            <a:r>
+              <a:rPr lang="is-IS" dirty="0" smtClean="0"/>
+              <a:t>0.859</a:t>
+            </a:r>
+            <a:r>
+              <a:rPr lang="en-US" dirty="0" smtClean="0"/>
+              <a:t> accuracy</a:t>
+            </a:r>
+            <a:r>
+              <a:rPr lang="en-US" dirty="0"/>
+              <a:t>)</a:t>
+            </a:r>
             <a:endParaRPr lang="en-US" dirty="0"/>
           </a:p>
           <a:p>
@@ -8287,46 +8512,53 @@
             <a:endParaRPr lang="en-US" dirty="0"/>
           </a:p>
           <a:p>
+            <a:endParaRPr lang="en-US" dirty="0" smtClean="0"/>
+          </a:p>
+          <a:p>
+            <a:endParaRPr lang="en-US" dirty="0"/>
+          </a:p>
+          <a:p>
             <a:pPr lvl="1"/>
-            <a:endParaRPr lang="en-US" dirty="0"/>
-          </a:p>
-          <a:p>
-            <a:r>
-              <a:rPr lang="en-US" dirty="0"/>
-              <a:t>K = 5 (</a:t>
-            </a:r>
-            <a:r>
-              <a:rPr lang="it-IT" dirty="0"/>
-              <a:t>0.968889 accuracy)</a:t>
-            </a:r>
-            <a:endParaRPr lang="en-US" dirty="0"/>
-          </a:p>
-          <a:p>
-            <a:endParaRPr lang="en-US" dirty="0"/>
-          </a:p>
-          <a:p>
+            <a:r>
+              <a:rPr lang="en-US" dirty="0" smtClean="0"/>
+              <a:t>K=15(</a:t>
+            </a:r>
+            <a:r>
+              <a:rPr lang="nb-NO" dirty="0" smtClean="0"/>
+              <a:t>0.848 </a:t>
+            </a:r>
+            <a:r>
+              <a:rPr lang="en-US" dirty="0" smtClean="0"/>
+              <a:t>accuracy)</a:t>
+            </a:r>
             <a:endParaRPr lang="en-US" dirty="0"/>
           </a:p>
         </p:txBody>
       </p:sp>
       <p:pic>
         <p:nvPicPr>
-          <p:cNvPr id="5" name="Picture 4"/>
+          <p:cNvPr id="9" name="Picture 8"/>
           <p:cNvPicPr>
             <a:picLocks noChangeAspect="1"/>
           </p:cNvPicPr>
           <p:nvPr/>
         </p:nvPicPr>
         <p:blipFill>
-          <a:blip r:embed="rId2"/>
+          <a:blip r:embed="rId2">
+            <a:extLst>
+              <a:ext uri="{28A0092B-C50C-407E-A947-70E740481C1C}">
+                <a14:useLocalDpi xmlns:a14="http://schemas.microsoft.com/office/drawing/2010/main" val="0"/>
+              </a:ext>
+            </a:extLst>
+          </a:blip>
           <a:stretch>
             <a:fillRect/>
           </a:stretch>
         </p:blipFill>
         <p:spPr>
           <a:xfrm>
-            <a:off x="1348349" y="2862190"/>
-            <a:ext cx="2393657" cy="1188218"/>
+            <a:off x="6965950" y="2644808"/>
+            <a:ext cx="2825750" cy="1524000"/>
           </a:xfrm>
           <a:prstGeom prst="rect">
             <a:avLst/>
@@ -8335,22 +8567,28 @@
       </p:pic>
       <p:pic>
         <p:nvPicPr>
-          <p:cNvPr id="8" name="Picture 7"/>
+          <p:cNvPr id="10" name="Picture 9"/>
           <p:cNvPicPr>
             <a:picLocks noChangeAspect="1"/>
           </p:cNvPicPr>
           <p:nvPr/>
         </p:nvPicPr>
         <p:blipFill>
-          <a:blip r:embed="rId3"/>
+          <a:blip r:embed="rId3">
+            <a:extLst>
+              <a:ext uri="{28A0092B-C50C-407E-A947-70E740481C1C}">
+                <a14:useLocalDpi xmlns:a14="http://schemas.microsoft.com/office/drawing/2010/main" val="0"/>
+              </a:ext>
+            </a:extLst>
+          </a:blip>
           <a:stretch>
             <a:fillRect/>
           </a:stretch>
         </p:blipFill>
         <p:spPr>
           <a:xfrm>
-            <a:off x="1278011" y="5210126"/>
-            <a:ext cx="2305148" cy="1103874"/>
+            <a:off x="6965950" y="4829208"/>
+            <a:ext cx="2825750" cy="1625600"/>
           </a:xfrm>
           <a:prstGeom prst="rect">
             <a:avLst/>
@@ -8427,38 +8665,74 @@
           <a:lstStyle/>
           <a:p>
             <a:r>
-              <a:rPr lang="en-US" dirty="0"/>
-              <a:t>K = 9  (</a:t>
-            </a:r>
-            <a:r>
-              <a:rPr lang="nb-NO" dirty="0"/>
-              <a:t>0.969556</a:t>
-            </a:r>
-            <a:r>
-              <a:rPr lang="en-US" dirty="0"/>
-              <a:t> accuracy)</a:t>
+              <a:rPr lang="en-US" dirty="0" smtClean="0"/>
+              <a:t>Approach 2 : Replaced NA’s with mean/mode</a:t>
             </a:r>
           </a:p>
           <a:p>
             <a:pPr lvl="1"/>
-            <a:endParaRPr lang="en-US" dirty="0"/>
+            <a:endParaRPr lang="en-US" dirty="0" smtClean="0"/>
           </a:p>
           <a:p>
             <a:pPr lvl="1"/>
-            <a:endParaRPr lang="en-US" dirty="0"/>
+            <a:r>
+              <a:rPr lang="en-US" dirty="0" smtClean="0"/>
+              <a:t>K </a:t>
+            </a:r>
+            <a:r>
+              <a:rPr lang="en-US" dirty="0"/>
+              <a:t>= </a:t>
+            </a:r>
+            <a:r>
+              <a:rPr lang="en-US" dirty="0" smtClean="0"/>
+              <a:t>17  (</a:t>
+            </a:r>
+            <a:r>
+              <a:rPr lang="nb-NO" dirty="0" smtClean="0"/>
+              <a:t>0.8844 </a:t>
+            </a:r>
+            <a:r>
+              <a:rPr lang="en-US" dirty="0" smtClean="0"/>
+              <a:t>accuracy</a:t>
+            </a:r>
+            <a:r>
+              <a:rPr lang="en-US" dirty="0"/>
+              <a:t>)</a:t>
+            </a:r>
           </a:p>
           <a:p>
             <a:pPr lvl="1"/>
             <a:endParaRPr lang="en-US" dirty="0"/>
           </a:p>
           <a:p>
-            <a:r>
-              <a:rPr lang="en-US" dirty="0"/>
-              <a:t>K = 15 (</a:t>
-            </a:r>
-            <a:r>
-              <a:rPr lang="de-DE" dirty="0"/>
-              <a:t>0.966000 </a:t>
+            <a:pPr lvl="1"/>
+            <a:endParaRPr lang="en-US" dirty="0" smtClean="0"/>
+          </a:p>
+          <a:p>
+            <a:pPr lvl="1"/>
+            <a:endParaRPr lang="en-US" dirty="0"/>
+          </a:p>
+          <a:p>
+            <a:pPr lvl="1"/>
+            <a:r>
+              <a:rPr lang="en-US" dirty="0" smtClean="0"/>
+              <a:t>K </a:t>
+            </a:r>
+            <a:r>
+              <a:rPr lang="en-US" dirty="0"/>
+              <a:t>= </a:t>
+            </a:r>
+            <a:r>
+              <a:rPr lang="en-US" dirty="0" smtClean="0"/>
+              <a:t>19 </a:t>
+            </a:r>
+            <a:r>
+              <a:rPr lang="en-US" dirty="0"/>
+              <a:t>(</a:t>
+            </a:r>
+            <a:r>
+              <a:rPr lang="de-DE" dirty="0" smtClean="0"/>
+              <a:t>0.8943 </a:t>
             </a:r>
             <a:r>
               <a:rPr lang="it-IT" dirty="0"/>
@@ -8476,22 +8750,28 @@
       </p:sp>
       <p:pic>
         <p:nvPicPr>
-          <p:cNvPr id="4" name="Picture 3"/>
+          <p:cNvPr id="5" name="Picture 4"/>
           <p:cNvPicPr>
             <a:picLocks noChangeAspect="1"/>
           </p:cNvPicPr>
           <p:nvPr/>
         </p:nvPicPr>
         <p:blipFill>
-          <a:blip r:embed="rId2"/>
+          <a:blip r:embed="rId2">
+            <a:extLst>
+              <a:ext uri="{28A0092B-C50C-407E-A947-70E740481C1C}">
+                <a14:useLocalDpi xmlns:a14="http://schemas.microsoft.com/office/drawing/2010/main" val="0"/>
+              </a:ext>
+            </a:extLst>
+          </a:blip>
           <a:stretch>
             <a:fillRect/>
           </a:stretch>
         </p:blipFill>
         <p:spPr>
           <a:xfrm>
-            <a:off x="1685974" y="2566769"/>
-            <a:ext cx="2210777" cy="1097436"/>
+            <a:off x="6464300" y="2604913"/>
+            <a:ext cx="3041650" cy="1219200"/>
           </a:xfrm>
           <a:prstGeom prst="rect">
             <a:avLst/>
@@ -8500,22 +8780,28 @@
       </p:pic>
       <p:pic>
         <p:nvPicPr>
-          <p:cNvPr id="6" name="Picture 5"/>
+          <p:cNvPr id="7" name="Picture 6"/>
           <p:cNvPicPr>
             <a:picLocks noChangeAspect="1"/>
           </p:cNvPicPr>
           <p:nvPr/>
         </p:nvPicPr>
         <p:blipFill>
-          <a:blip r:embed="rId3"/>
+          <a:blip r:embed="rId3">
+            <a:extLst>
+              <a:ext uri="{28A0092B-C50C-407E-A947-70E740481C1C}">
+                <a14:useLocalDpi xmlns:a14="http://schemas.microsoft.com/office/drawing/2010/main" val="0"/>
+              </a:ext>
+            </a:extLst>
+          </a:blip>
           <a:stretch>
             <a:fillRect/>
           </a:stretch>
         </p:blipFill>
         <p:spPr>
           <a:xfrm>
-            <a:off x="1763971" y="4723123"/>
-            <a:ext cx="2304068" cy="1143625"/>
+            <a:off x="6464300" y="4546218"/>
+            <a:ext cx="3041650" cy="1344596"/>
           </a:xfrm>
           <a:prstGeom prst="rect">
             <a:avLst/>
@@ -8568,17 +8854,10 @@
           <a:lstStyle/>
           <a:p>
             <a:r>
-              <a:rPr lang="en-US" dirty="0"/>
-              <a:t>Algorithm 2 </a:t>
-            </a:r>
-            <a:r>
-              <a:rPr lang="mr-IN" dirty="0"/>
-              <a:t>–</a:t>
-            </a:r>
-            <a:r>
-              <a:rPr lang="en-US" dirty="0"/>
-              <a:t> Random Forest</a:t>
-            </a:r>
+              <a:rPr lang="en-US" dirty="0" smtClean="0"/>
+              <a:t>Conclusion for KNN</a:t>
+            </a:r>
+            <a:endParaRPr lang="en-US" dirty="0"/>
           </a:p>
         </p:txBody>
       </p:sp>
@@ -8599,97 +8878,26 @@
           <a:p>
             <a:r>
               <a:rPr lang="en-US" dirty="0"/>
-              <a:t>Used all features after data cleaning to classify gender.</a:t>
-            </a:r>
-          </a:p>
-          <a:p>
-            <a:r>
-              <a:rPr lang="en-US" dirty="0"/>
-              <a:t>Approach 1: Replaced integer “NA” values with mean and factor “NA” values with mode.</a:t>
-            </a:r>
-          </a:p>
-          <a:p>
-            <a:r>
-              <a:rPr lang="en-US" dirty="0"/>
-              <a:t>For Gender, number of Trees (</a:t>
-            </a:r>
-            <a:r>
-              <a:rPr lang="en-US" dirty="0" err="1"/>
-              <a:t>ntree</a:t>
-            </a:r>
-            <a:r>
-              <a:rPr lang="en-US" dirty="0"/>
-              <a:t>) = 1000</a:t>
-            </a:r>
-          </a:p>
-          <a:p>
-            <a:pPr lvl="1"/>
-            <a:r>
-              <a:rPr lang="nb-NO" dirty="0"/>
-              <a:t>0.9306 accuracy</a:t>
-            </a:r>
-          </a:p>
-          <a:p>
-            <a:pPr marL="457200" lvl="1" indent="0">
-              <a:buNone/>
-            </a:pPr>
-            <a:endParaRPr lang="nb-NO" dirty="0"/>
-          </a:p>
-          <a:p>
-            <a:pPr lvl="1"/>
-            <a:endParaRPr lang="nb-NO" dirty="0"/>
-          </a:p>
-          <a:p>
-            <a:pPr lvl="1"/>
-            <a:endParaRPr lang="nb-NO" dirty="0"/>
-          </a:p>
-          <a:p>
-            <a:pPr lvl="1"/>
-            <a:endParaRPr lang="nb-NO" dirty="0"/>
-          </a:p>
-          <a:p>
-            <a:endParaRPr lang="nb-NO" dirty="0"/>
-          </a:p>
-          <a:p>
-            <a:pPr lvl="1"/>
-            <a:endParaRPr lang="en-US" dirty="0"/>
-          </a:p>
-        </p:txBody>
-      </p:sp>
-      <p:pic>
-        <p:nvPicPr>
-          <p:cNvPr id="4" name="Picture 3">
-            <a:extLst>
-              <a:ext uri="{FF2B5EF4-FFF2-40B4-BE49-F238E27FC236}">
-                <a16:creationId xmlns:a16="http://schemas.microsoft.com/office/drawing/2014/main" id="{2487C7DE-DE19-4190-AFF7-8E55A70D19E2}"/>
-              </a:ext>
-            </a:extLst>
-          </p:cNvPr>
-          <p:cNvPicPr>
-            <a:picLocks noChangeAspect="1"/>
-          </p:cNvPicPr>
-          <p:nvPr/>
-        </p:nvPicPr>
-        <p:blipFill>
-          <a:blip r:embed="rId2"/>
-          <a:stretch>
-            <a:fillRect/>
-          </a:stretch>
-        </p:blipFill>
-        <p:spPr>
-          <a:xfrm>
-            <a:off x="3168978" y="4732258"/>
-            <a:ext cx="5231876" cy="1470582"/>
-          </a:xfrm>
-          <a:prstGeom prst="rect">
-            <a:avLst/>
-          </a:prstGeom>
-        </p:spPr>
-      </p:pic>
+              <a:t>C</a:t>
+            </a:r>
+            <a:r>
+              <a:rPr lang="en-US" dirty="0" smtClean="0"/>
+              <a:t>lassification accuracy increased as the value of k increased.</a:t>
+            </a:r>
+          </a:p>
+          <a:p>
+            <a:r>
+              <a:rPr lang="en-US" dirty="0" smtClean="0"/>
+              <a:t>There was not much increase in accuracy after replacing missing values.</a:t>
+            </a:r>
+            <a:endParaRPr lang="en-US" dirty="0"/>
+          </a:p>
+        </p:txBody>
+      </p:sp>
     </p:spTree>
     <p:extLst>
       <p:ext uri="{BB962C8B-B14F-4D97-AF65-F5344CB8AC3E}">
-        <p14:creationId xmlns:p14="http://schemas.microsoft.com/office/powerpoint/2010/main" val="1353407553"/>
+        <p14:creationId xmlns:p14="http://schemas.microsoft.com/office/powerpoint/2010/main" val="1935058227"/>
       </p:ext>
     </p:extLst>
   </p:cSld>

--- a/Presentation_YPS.pptx
+++ b/Presentation_YPS.pptx
@@ -5,7 +5,7 @@
     <p:sldMasterId id="2147483876" r:id="rId1"/>
   </p:sldMasterIdLst>
   <p:notesMasterIdLst>
-    <p:notesMasterId r:id="rId35"/>
+    <p:notesMasterId r:id="rId36"/>
   </p:notesMasterIdLst>
   <p:sldIdLst>
     <p:sldId id="256" r:id="rId2"/>
@@ -13,34 +13,35 @@
     <p:sldId id="257" r:id="rId4"/>
     <p:sldId id="258" r:id="rId5"/>
     <p:sldId id="260" r:id="rId6"/>
-    <p:sldId id="262" r:id="rId7"/>
-    <p:sldId id="272" r:id="rId8"/>
-    <p:sldId id="273" r:id="rId9"/>
-    <p:sldId id="292" r:id="rId10"/>
-    <p:sldId id="295" r:id="rId11"/>
-    <p:sldId id="296" r:id="rId12"/>
-    <p:sldId id="263" r:id="rId13"/>
-    <p:sldId id="281" r:id="rId14"/>
-    <p:sldId id="274" r:id="rId15"/>
-    <p:sldId id="282" r:id="rId16"/>
-    <p:sldId id="275" r:id="rId17"/>
-    <p:sldId id="283" r:id="rId18"/>
-    <p:sldId id="284" r:id="rId19"/>
-    <p:sldId id="285" r:id="rId20"/>
-    <p:sldId id="286" r:id="rId21"/>
-    <p:sldId id="289" r:id="rId22"/>
-    <p:sldId id="288" r:id="rId23"/>
-    <p:sldId id="287" r:id="rId24"/>
-    <p:sldId id="276" r:id="rId25"/>
-    <p:sldId id="291" r:id="rId26"/>
-    <p:sldId id="290" r:id="rId27"/>
-    <p:sldId id="264" r:id="rId28"/>
-    <p:sldId id="277" r:id="rId29"/>
-    <p:sldId id="278" r:id="rId30"/>
-    <p:sldId id="279" r:id="rId31"/>
-    <p:sldId id="280" r:id="rId32"/>
-    <p:sldId id="269" r:id="rId33"/>
-    <p:sldId id="271" r:id="rId34"/>
+    <p:sldId id="298" r:id="rId7"/>
+    <p:sldId id="299" r:id="rId8"/>
+    <p:sldId id="300" r:id="rId9"/>
+    <p:sldId id="262" r:id="rId10"/>
+    <p:sldId id="272" r:id="rId11"/>
+    <p:sldId id="273" r:id="rId12"/>
+    <p:sldId id="292" r:id="rId13"/>
+    <p:sldId id="263" r:id="rId14"/>
+    <p:sldId id="281" r:id="rId15"/>
+    <p:sldId id="274" r:id="rId16"/>
+    <p:sldId id="282" r:id="rId17"/>
+    <p:sldId id="275" r:id="rId18"/>
+    <p:sldId id="283" r:id="rId19"/>
+    <p:sldId id="284" r:id="rId20"/>
+    <p:sldId id="285" r:id="rId21"/>
+    <p:sldId id="286" r:id="rId22"/>
+    <p:sldId id="289" r:id="rId23"/>
+    <p:sldId id="288" r:id="rId24"/>
+    <p:sldId id="287" r:id="rId25"/>
+    <p:sldId id="276" r:id="rId26"/>
+    <p:sldId id="291" r:id="rId27"/>
+    <p:sldId id="290" r:id="rId28"/>
+    <p:sldId id="264" r:id="rId29"/>
+    <p:sldId id="277" r:id="rId30"/>
+    <p:sldId id="278" r:id="rId31"/>
+    <p:sldId id="279" r:id="rId32"/>
+    <p:sldId id="280" r:id="rId33"/>
+    <p:sldId id="269" r:id="rId34"/>
+    <p:sldId id="271" r:id="rId35"/>
   </p:sldIdLst>
   <p:sldSz cx="12192000" cy="6858000"/>
   <p:notesSz cx="6858000" cy="9144000"/>
@@ -161,18 +162,10 @@
 <file path=ppt/commentAuthors.xml><?xml version="1.0" encoding="utf-8"?>
 <p:cmAuthorLst xmlns:a="http://schemas.openxmlformats.org/drawingml/2006/main" xmlns:r="http://schemas.openxmlformats.org/officeDocument/2006/relationships" xmlns:p="http://schemas.openxmlformats.org/presentationml/2006/main">
   <p:cmAuthor id="1" name="Sowmya Vijayakumar" initials="SV" lastIdx="1" clrIdx="0">
-    <p:extLst>
-      <p:ext uri="{19B8F6BF-5375-455C-9EA6-DF929625EA0E}">
-        <p15:presenceInfo xmlns:p15="http://schemas.microsoft.com/office/powerpoint/2012/main" userId="" providerId=""/>
-      </p:ext>
-    </p:extLst>
+    <p:extLst/>
   </p:cmAuthor>
   <p:cmAuthor id="2" name="Sowmya Vijayakumar" initials="SV [2]" lastIdx="1" clrIdx="1">
-    <p:extLst>
-      <p:ext uri="{19B8F6BF-5375-455C-9EA6-DF929625EA0E}">
-        <p15:presenceInfo xmlns:p15="http://schemas.microsoft.com/office/powerpoint/2012/main" userId="" providerId=""/>
-      </p:ext>
-    </p:extLst>
+    <p:extLst/>
   </p:cmAuthor>
 </p:cmAuthorLst>
 </file>
@@ -4102,11 +4095,11 @@
             </a:r>
             <a:r>
               <a:rPr lang="en-US" dirty="0" smtClean="0"/>
-              <a:t>2 </a:t>
-            </a:r>
-            <a:r>
-              <a:rPr lang="en-US" dirty="0"/>
-              <a:t>- Naïve Bayes</a:t>
+              <a:t>2- </a:t>
+            </a:r>
+            <a:r>
+              <a:rPr lang="en-US" dirty="0"/>
+              <a:t>KNN</a:t>
             </a:r>
           </a:p>
         </p:txBody>
@@ -4123,51 +4116,150 @@
         </p:nvSpPr>
         <p:spPr/>
         <p:txBody>
-          <a:bodyPr/>
+          <a:bodyPr>
+            <a:normAutofit/>
+          </a:bodyPr>
           <a:lstStyle/>
           <a:p>
             <a:r>
               <a:rPr lang="en-US" dirty="0" smtClean="0"/>
-              <a:t>Works on the assumption that given a class the occurrence of a certain feature is independent of other features</a:t>
-            </a:r>
-          </a:p>
-          <a:p>
+              <a:t>Approach 1 : Omit NA </a:t>
+            </a:r>
+            <a:endParaRPr lang="en-US" dirty="0"/>
+          </a:p>
+          <a:p>
+            <a:pPr lvl="1"/>
+            <a:endParaRPr lang="en-US" dirty="0" smtClean="0"/>
+          </a:p>
+          <a:p>
+            <a:pPr lvl="1"/>
             <a:r>
               <a:rPr lang="en-US" dirty="0" smtClean="0"/>
-              <a:t>Based on the Bayes theorem of conditional probability</a:t>
-            </a:r>
-            <a:endParaRPr lang="en-US" dirty="0"/>
+              <a:t>K </a:t>
+            </a:r>
+            <a:r>
+              <a:rPr lang="en-US" dirty="0"/>
+              <a:t>= </a:t>
+            </a:r>
+            <a:r>
+              <a:rPr lang="en-US" dirty="0" smtClean="0"/>
+              <a:t>17,19  </a:t>
+            </a:r>
+            <a:r>
+              <a:rPr lang="en-US" dirty="0"/>
+              <a:t>(</a:t>
+            </a:r>
+            <a:r>
+              <a:rPr lang="is-IS" dirty="0" smtClean="0"/>
+              <a:t>0.859</a:t>
+            </a:r>
+            <a:r>
+              <a:rPr lang="en-US" dirty="0" smtClean="0"/>
+              <a:t> accuracy</a:t>
+            </a:r>
+            <a:r>
+              <a:rPr lang="en-US" dirty="0"/>
+              <a:t>)</a:t>
+            </a:r>
           </a:p>
           <a:p>
             <a:pPr lvl="1"/>
             <a:endParaRPr lang="en-US" dirty="0"/>
           </a:p>
           <a:p>
+            <a:endParaRPr lang="en-US" dirty="0" smtClean="0"/>
+          </a:p>
+          <a:p>
+            <a:endParaRPr lang="en-US" dirty="0"/>
+          </a:p>
+          <a:p>
             <a:pPr lvl="1"/>
             <a:r>
               <a:rPr lang="en-US" dirty="0" smtClean="0"/>
-              <a:t>P(A/B) = P(B/A) * (P(A) /P(B))</a:t>
-            </a:r>
-          </a:p>
-        </p:txBody>
-      </p:sp>
+              <a:t>K=15(</a:t>
+            </a:r>
+            <a:r>
+              <a:rPr lang="nb-NO" dirty="0" smtClean="0"/>
+              <a:t>0.848 </a:t>
+            </a:r>
+            <a:r>
+              <a:rPr lang="en-US" dirty="0" smtClean="0"/>
+              <a:t>accuracy)</a:t>
+            </a:r>
+            <a:endParaRPr lang="en-US" dirty="0"/>
+          </a:p>
+        </p:txBody>
+      </p:sp>
+      <p:pic>
+        <p:nvPicPr>
+          <p:cNvPr id="9" name="Picture 8"/>
+          <p:cNvPicPr>
+            <a:picLocks noChangeAspect="1"/>
+          </p:cNvPicPr>
+          <p:nvPr/>
+        </p:nvPicPr>
+        <p:blipFill>
+          <a:blip r:embed="rId2">
+            <a:extLst>
+              <a:ext uri="{28A0092B-C50C-407E-A947-70E740481C1C}">
+                <a14:useLocalDpi xmlns:a14="http://schemas.microsoft.com/office/drawing/2010/main" val="0"/>
+              </a:ext>
+            </a:extLst>
+          </a:blip>
+          <a:stretch>
+            <a:fillRect/>
+          </a:stretch>
+        </p:blipFill>
+        <p:spPr>
+          <a:xfrm>
+            <a:off x="6965950" y="2644808"/>
+            <a:ext cx="2825750" cy="1524000"/>
+          </a:xfrm>
+          <a:prstGeom prst="rect">
+            <a:avLst/>
+          </a:prstGeom>
+        </p:spPr>
+      </p:pic>
+      <p:pic>
+        <p:nvPicPr>
+          <p:cNvPr id="10" name="Picture 9"/>
+          <p:cNvPicPr>
+            <a:picLocks noChangeAspect="1"/>
+          </p:cNvPicPr>
+          <p:nvPr/>
+        </p:nvPicPr>
+        <p:blipFill>
+          <a:blip r:embed="rId3">
+            <a:extLst>
+              <a:ext uri="{28A0092B-C50C-407E-A947-70E740481C1C}">
+                <a14:useLocalDpi xmlns:a14="http://schemas.microsoft.com/office/drawing/2010/main" val="0"/>
+              </a:ext>
+            </a:extLst>
+          </a:blip>
+          <a:stretch>
+            <a:fillRect/>
+          </a:stretch>
+        </p:blipFill>
+        <p:spPr>
+          <a:xfrm>
+            <a:off x="6965950" y="4829208"/>
+            <a:ext cx="2825750" cy="1625600"/>
+          </a:xfrm>
+          <a:prstGeom prst="rect">
+            <a:avLst/>
+          </a:prstGeom>
+        </p:spPr>
+      </p:pic>
     </p:spTree>
     <p:extLst>
       <p:ext uri="{BB962C8B-B14F-4D97-AF65-F5344CB8AC3E}">
-        <p14:creationId xmlns:p14="http://schemas.microsoft.com/office/powerpoint/2010/main" val="13913338"/>
+        <p14:creationId xmlns:p14="http://schemas.microsoft.com/office/powerpoint/2010/main" val="750973216"/>
       </p:ext>
     </p:extLst>
   </p:cSld>
   <p:clrMapOvr>
     <a:masterClrMapping/>
   </p:clrMapOvr>
-  <p:timing>
-    <p:tnLst>
-      <p:par>
-        <p:cTn id="1" dur="indefinite" restart="never" nodeType="tmRoot"/>
-      </p:par>
-    </p:tnLst>
-  </p:timing>
 </p:sld>
 </file>
 
@@ -4204,107 +4296,124 @@
           <a:lstStyle/>
           <a:p>
             <a:r>
+              <a:rPr lang="en-US" dirty="0"/>
+              <a:t>Algorithm </a:t>
+            </a:r>
+            <a:r>
               <a:rPr lang="en-US" dirty="0" smtClean="0"/>
-              <a:t>Algorithm 2</a:t>
-            </a:r>
-            <a:r>
-              <a:rPr lang="mr-IN" dirty="0" smtClean="0"/>
-              <a:t>–</a:t>
-            </a:r>
+              <a:t>2- </a:t>
+            </a:r>
+            <a:r>
+              <a:rPr lang="en-US" dirty="0"/>
+              <a:t>KNN</a:t>
+            </a:r>
+          </a:p>
+        </p:txBody>
+      </p:sp>
+      <p:sp>
+        <p:nvSpPr>
+          <p:cNvPr id="3" name="Content Placeholder 2"/>
+          <p:cNvSpPr>
+            <a:spLocks noGrp="1"/>
+          </p:cNvSpPr>
+          <p:nvPr>
+            <p:ph idx="1"/>
+          </p:nvPr>
+        </p:nvSpPr>
+        <p:spPr/>
+        <p:txBody>
+          <a:bodyPr>
+            <a:normAutofit/>
+          </a:bodyPr>
+          <a:lstStyle/>
+          <a:p>
             <a:r>
               <a:rPr lang="en-US" dirty="0" smtClean="0"/>
-              <a:t> Naïve Bayes</a:t>
-            </a:r>
-            <a:endParaRPr lang="en-US" dirty="0"/>
-          </a:p>
-        </p:txBody>
-      </p:sp>
-      <p:sp>
-        <p:nvSpPr>
-          <p:cNvPr id="3" name="Content Placeholder 2"/>
-          <p:cNvSpPr>
-            <a:spLocks noGrp="1"/>
-          </p:cNvSpPr>
-          <p:nvPr>
-            <p:ph idx="1"/>
-          </p:nvPr>
-        </p:nvSpPr>
-        <p:spPr/>
-        <p:txBody>
-          <a:bodyPr/>
-          <a:lstStyle/>
-          <a:p>
+              <a:t>Approach 2 : Replaced NA’s with mean/mode</a:t>
+            </a:r>
+          </a:p>
+          <a:p>
+            <a:pPr lvl="1"/>
             <a:endParaRPr lang="en-US" dirty="0" smtClean="0"/>
           </a:p>
           <a:p>
+            <a:pPr lvl="1"/>
             <a:r>
               <a:rPr lang="en-US" dirty="0" smtClean="0"/>
-              <a:t>Approach </a:t>
-            </a:r>
-            <a:r>
-              <a:rPr lang="en-US" dirty="0"/>
-              <a:t>1 : Omit NA </a:t>
-            </a:r>
+              <a:t>K </a:t>
+            </a:r>
+            <a:r>
+              <a:rPr lang="en-US" dirty="0"/>
+              <a:t>= </a:t>
+            </a:r>
+            <a:r>
+              <a:rPr lang="en-US" dirty="0" smtClean="0"/>
+              <a:t>17  (</a:t>
+            </a:r>
+            <a:r>
+              <a:rPr lang="nb-NO" dirty="0" smtClean="0"/>
+              <a:t>0.8844 </a:t>
+            </a:r>
+            <a:r>
+              <a:rPr lang="en-US" dirty="0" smtClean="0"/>
+              <a:t>accuracy</a:t>
+            </a:r>
+            <a:r>
+              <a:rPr lang="en-US" dirty="0"/>
+              <a:t>)</a:t>
+            </a:r>
+          </a:p>
+          <a:p>
+            <a:pPr lvl="1"/>
+            <a:endParaRPr lang="en-US" dirty="0"/>
+          </a:p>
+          <a:p>
+            <a:pPr lvl="1"/>
             <a:endParaRPr lang="en-US" dirty="0" smtClean="0"/>
           </a:p>
           <a:p>
             <a:pPr lvl="1"/>
-            <a:r>
-              <a:rPr lang="en-US" dirty="0"/>
-              <a:t>D</a:t>
-            </a:r>
+            <a:endParaRPr lang="en-US" dirty="0"/>
+          </a:p>
+          <a:p>
+            <a:pPr lvl="1"/>
             <a:r>
               <a:rPr lang="en-US" dirty="0" smtClean="0"/>
-              <a:t>ataset : All predictors</a:t>
-            </a:r>
-          </a:p>
-          <a:p>
-            <a:pPr lvl="1"/>
+              <a:t>K </a:t>
+            </a:r>
+            <a:r>
+              <a:rPr lang="en-US" dirty="0"/>
+              <a:t>= </a:t>
+            </a:r>
             <a:r>
               <a:rPr lang="en-US" dirty="0" smtClean="0"/>
-              <a:t>Accuracy: 0.902</a:t>
-            </a:r>
-            <a:endParaRPr lang="en-US" dirty="0"/>
-          </a:p>
-          <a:p>
-            <a:pPr lvl="1"/>
-            <a:endParaRPr lang="en-US" dirty="0"/>
-          </a:p>
-          <a:p>
-            <a:r>
-              <a:rPr lang="en-US" dirty="0"/>
-              <a:t>Approach 1 : </a:t>
-            </a:r>
-            <a:r>
-              <a:rPr lang="en-US" dirty="0" smtClean="0"/>
-              <a:t>Replaced NAs with mean/mode </a:t>
-            </a:r>
-            <a:endParaRPr lang="en-US" dirty="0"/>
-          </a:p>
-          <a:p>
-            <a:pPr lvl="1"/>
-            <a:r>
-              <a:rPr lang="en-US" dirty="0"/>
-              <a:t>Dataset : All predictors</a:t>
-            </a:r>
-          </a:p>
-          <a:p>
-            <a:pPr lvl="1"/>
-            <a:r>
-              <a:rPr lang="en-US" dirty="0" smtClean="0"/>
-              <a:t>Accuracy: </a:t>
+              <a:t>19 </a:t>
+            </a:r>
+            <a:r>
+              <a:rPr lang="en-US" dirty="0"/>
+              <a:t>(</a:t>
+            </a:r>
+            <a:r>
+              <a:rPr lang="de-DE" dirty="0" smtClean="0"/>
+              <a:t>0.8943 </a:t>
             </a:r>
             <a:r>
               <a:rPr lang="it-IT" dirty="0"/>
-              <a:t>0.943</a:t>
-            </a:r>
-            <a:endParaRPr lang="en-US" dirty="0" smtClean="0"/>
+              <a:t>accuracy)</a:t>
+            </a:r>
+            <a:endParaRPr lang="en-US" dirty="0"/>
+          </a:p>
+          <a:p>
+            <a:endParaRPr lang="en-US" dirty="0"/>
+          </a:p>
+          <a:p>
+            <a:endParaRPr lang="en-US" dirty="0"/>
           </a:p>
         </p:txBody>
       </p:sp>
       <p:pic>
         <p:nvPicPr>
-          <p:cNvPr id="4" name="Picture 3"/>
+          <p:cNvPr id="5" name="Picture 4"/>
           <p:cNvPicPr>
             <a:picLocks noChangeAspect="1"/>
           </p:cNvPicPr>
@@ -4324,8 +4433,8 @@
         </p:blipFill>
         <p:spPr>
           <a:xfrm>
-            <a:off x="7569200" y="5029200"/>
-            <a:ext cx="3022600" cy="1257300"/>
+            <a:off x="6464300" y="2604913"/>
+            <a:ext cx="3041650" cy="1219200"/>
           </a:xfrm>
           <a:prstGeom prst="rect">
             <a:avLst/>
@@ -4334,7 +4443,7 @@
       </p:pic>
       <p:pic>
         <p:nvPicPr>
-          <p:cNvPr id="5" name="Picture 4"/>
+          <p:cNvPr id="7" name="Picture 6"/>
           <p:cNvPicPr>
             <a:picLocks noChangeAspect="1"/>
           </p:cNvPicPr>
@@ -4354,8 +4463,8 @@
         </p:blipFill>
         <p:spPr>
           <a:xfrm>
-            <a:off x="7569200" y="2652729"/>
-            <a:ext cx="3022600" cy="1347772"/>
+            <a:off x="6464300" y="4546218"/>
+            <a:ext cx="3041650" cy="1344596"/>
           </a:xfrm>
           <a:prstGeom prst="rect">
             <a:avLst/>
@@ -4365,7 +4474,7 @@
     </p:spTree>
     <p:extLst>
       <p:ext uri="{BB962C8B-B14F-4D97-AF65-F5344CB8AC3E}">
-        <p14:creationId xmlns:p14="http://schemas.microsoft.com/office/powerpoint/2010/main" val="1913237890"/>
+        <p14:creationId xmlns:p14="http://schemas.microsoft.com/office/powerpoint/2010/main" val="313837605"/>
       </p:ext>
     </p:extLst>
   </p:cSld>
@@ -4408,21 +4517,10 @@
           <a:lstStyle/>
           <a:p>
             <a:r>
-              <a:rPr lang="en-US" dirty="0"/>
-              <a:t>Algorithm </a:t>
-            </a:r>
-            <a:r>
               <a:rPr lang="en-US" dirty="0" smtClean="0"/>
-              <a:t>3 </a:t>
-            </a:r>
-            <a:r>
-              <a:rPr lang="mr-IN" dirty="0"/>
-              <a:t>–</a:t>
-            </a:r>
-            <a:r>
-              <a:rPr lang="en-US" dirty="0"/>
-              <a:t> Random Forest</a:t>
-            </a:r>
+              <a:t>Conclusion for KNN</a:t>
+            </a:r>
+            <a:endParaRPr lang="en-US" dirty="0"/>
           </a:p>
         </p:txBody>
       </p:sp>
@@ -4443,97 +4541,26 @@
           <a:p>
             <a:r>
               <a:rPr lang="en-US" dirty="0"/>
-              <a:t>Used all features after data cleaning to classify gender.</a:t>
-            </a:r>
-          </a:p>
-          <a:p>
-            <a:r>
-              <a:rPr lang="en-US" dirty="0"/>
-              <a:t>Approach 1: Replaced integer “NA” values with mean and factor “NA” values with mode.</a:t>
-            </a:r>
-          </a:p>
-          <a:p>
-            <a:r>
-              <a:rPr lang="en-US" dirty="0"/>
-              <a:t>For Gender, number of Trees (</a:t>
-            </a:r>
-            <a:r>
-              <a:rPr lang="en-US" dirty="0" err="1"/>
-              <a:t>ntree</a:t>
-            </a:r>
-            <a:r>
-              <a:rPr lang="en-US" dirty="0"/>
-              <a:t>) = 1000</a:t>
-            </a:r>
-          </a:p>
-          <a:p>
-            <a:pPr lvl="1"/>
-            <a:r>
-              <a:rPr lang="nb-NO" dirty="0"/>
-              <a:t>0.9306 accuracy</a:t>
-            </a:r>
-          </a:p>
-          <a:p>
-            <a:pPr marL="457200" lvl="1" indent="0">
-              <a:buNone/>
-            </a:pPr>
-            <a:endParaRPr lang="nb-NO" dirty="0"/>
-          </a:p>
-          <a:p>
-            <a:pPr lvl="1"/>
-            <a:endParaRPr lang="nb-NO" dirty="0"/>
-          </a:p>
-          <a:p>
-            <a:pPr lvl="1"/>
-            <a:endParaRPr lang="nb-NO" dirty="0"/>
-          </a:p>
-          <a:p>
-            <a:pPr lvl="1"/>
-            <a:endParaRPr lang="nb-NO" dirty="0"/>
-          </a:p>
-          <a:p>
-            <a:endParaRPr lang="nb-NO" dirty="0"/>
-          </a:p>
-          <a:p>
-            <a:pPr lvl="1"/>
-            <a:endParaRPr lang="en-US" dirty="0"/>
-          </a:p>
-        </p:txBody>
-      </p:sp>
-      <p:pic>
-        <p:nvPicPr>
-          <p:cNvPr id="4" name="Picture 3">
-            <a:extLst>
-              <a:ext uri="{FF2B5EF4-FFF2-40B4-BE49-F238E27FC236}">
-                <a16:creationId xmlns:a16="http://schemas.microsoft.com/office/drawing/2014/main" xmlns="" id="{2487C7DE-DE19-4190-AFF7-8E55A70D19E2}"/>
-              </a:ext>
-            </a:extLst>
-          </p:cNvPr>
-          <p:cNvPicPr>
-            <a:picLocks noChangeAspect="1"/>
-          </p:cNvPicPr>
-          <p:nvPr/>
-        </p:nvPicPr>
-        <p:blipFill>
-          <a:blip r:embed="rId2"/>
-          <a:stretch>
-            <a:fillRect/>
-          </a:stretch>
-        </p:blipFill>
-        <p:spPr>
-          <a:xfrm>
-            <a:off x="3168978" y="4732258"/>
-            <a:ext cx="5231876" cy="1470582"/>
-          </a:xfrm>
-          <a:prstGeom prst="rect">
-            <a:avLst/>
-          </a:prstGeom>
-        </p:spPr>
-      </p:pic>
+              <a:t>C</a:t>
+            </a:r>
+            <a:r>
+              <a:rPr lang="en-US" dirty="0" smtClean="0"/>
+              <a:t>lassification accuracy increased as the value of k increased.</a:t>
+            </a:r>
+          </a:p>
+          <a:p>
+            <a:r>
+              <a:rPr lang="en-US" dirty="0" smtClean="0"/>
+              <a:t>There was not much increase in accuracy after replacing missing values.</a:t>
+            </a:r>
+            <a:endParaRPr lang="en-US" dirty="0"/>
+          </a:p>
+        </p:txBody>
+      </p:sp>
     </p:spTree>
     <p:extLst>
       <p:ext uri="{BB962C8B-B14F-4D97-AF65-F5344CB8AC3E}">
-        <p14:creationId xmlns:p14="http://schemas.microsoft.com/office/powerpoint/2010/main" val="1353407553"/>
+        <p14:creationId xmlns:p14="http://schemas.microsoft.com/office/powerpoint/2010/main" val="1935058227"/>
       </p:ext>
     </p:extLst>
   </p:cSld>
@@ -4560,12 +4587,120 @@
           <a:chExt cx="0" cy="0"/>
         </a:xfrm>
       </p:grpSpPr>
+      <p:sp>
+        <p:nvSpPr>
+          <p:cNvPr id="2" name="Title 1"/>
+          <p:cNvSpPr>
+            <a:spLocks noGrp="1"/>
+          </p:cNvSpPr>
+          <p:nvPr>
+            <p:ph type="title"/>
+          </p:nvPr>
+        </p:nvSpPr>
+        <p:spPr/>
+        <p:txBody>
+          <a:bodyPr/>
+          <a:lstStyle/>
+          <a:p>
+            <a:r>
+              <a:rPr lang="en-US" dirty="0"/>
+              <a:t>Algorithm </a:t>
+            </a:r>
+            <a:r>
+              <a:rPr lang="en-US" dirty="0" smtClean="0"/>
+              <a:t>3 </a:t>
+            </a:r>
+            <a:r>
+              <a:rPr lang="mr-IN" dirty="0"/>
+              <a:t>–</a:t>
+            </a:r>
+            <a:r>
+              <a:rPr lang="en-US" dirty="0"/>
+              <a:t> Random Forest</a:t>
+            </a:r>
+          </a:p>
+        </p:txBody>
+      </p:sp>
+      <p:sp>
+        <p:nvSpPr>
+          <p:cNvPr id="3" name="Content Placeholder 2"/>
+          <p:cNvSpPr>
+            <a:spLocks noGrp="1"/>
+          </p:cNvSpPr>
+          <p:nvPr>
+            <p:ph idx="1"/>
+          </p:nvPr>
+        </p:nvSpPr>
+        <p:spPr/>
+        <p:txBody>
+          <a:bodyPr/>
+          <a:lstStyle/>
+          <a:p>
+            <a:r>
+              <a:rPr lang="en-US" dirty="0"/>
+              <a:t>Used all features after data cleaning to classify gender.</a:t>
+            </a:r>
+          </a:p>
+          <a:p>
+            <a:r>
+              <a:rPr lang="en-US" dirty="0"/>
+              <a:t>Approach 1: Replaced integer “NA” values with mean and factor “NA” values with mode.</a:t>
+            </a:r>
+          </a:p>
+          <a:p>
+            <a:r>
+              <a:rPr lang="en-US" dirty="0"/>
+              <a:t>For Gender, number of Trees (</a:t>
+            </a:r>
+            <a:r>
+              <a:rPr lang="en-US" dirty="0" err="1"/>
+              <a:t>ntree</a:t>
+            </a:r>
+            <a:r>
+              <a:rPr lang="en-US" dirty="0"/>
+              <a:t>) = 1000</a:t>
+            </a:r>
+          </a:p>
+          <a:p>
+            <a:pPr lvl="1"/>
+            <a:r>
+              <a:rPr lang="nb-NO" dirty="0"/>
+              <a:t>0.9306 accuracy</a:t>
+            </a:r>
+          </a:p>
+          <a:p>
+            <a:pPr marL="457200" lvl="1" indent="0">
+              <a:buNone/>
+            </a:pPr>
+            <a:endParaRPr lang="nb-NO" dirty="0"/>
+          </a:p>
+          <a:p>
+            <a:pPr lvl="1"/>
+            <a:endParaRPr lang="nb-NO" dirty="0"/>
+          </a:p>
+          <a:p>
+            <a:pPr lvl="1"/>
+            <a:endParaRPr lang="nb-NO" dirty="0"/>
+          </a:p>
+          <a:p>
+            <a:pPr lvl="1"/>
+            <a:endParaRPr lang="nb-NO" dirty="0"/>
+          </a:p>
+          <a:p>
+            <a:endParaRPr lang="nb-NO" dirty="0"/>
+          </a:p>
+          <a:p>
+            <a:pPr lvl="1"/>
+            <a:endParaRPr lang="en-US" dirty="0"/>
+          </a:p>
+        </p:txBody>
+      </p:sp>
       <p:pic>
         <p:nvPicPr>
-          <p:cNvPr id="6" name="Picture 5">
+          <p:cNvPr id="4" name="Picture 3">
             <a:extLst>
               <a:ext uri="{FF2B5EF4-FFF2-40B4-BE49-F238E27FC236}">
-                <a16:creationId xmlns:a16="http://schemas.microsoft.com/office/drawing/2014/main" xmlns="" id="{2EE0A306-66B1-476B-828C-664E99CBFE66}"/>
+                <a16:creationId xmlns="" xmlns:a16="http://schemas.microsoft.com/office/drawing/2014/main" id="{2487C7DE-DE19-4190-AFF7-8E55A70D19E2}"/>
               </a:ext>
             </a:extLst>
           </p:cNvPr>
@@ -4582,38 +4717,8 @@
         </p:blipFill>
         <p:spPr>
           <a:xfrm>
-            <a:off x="502906" y="249860"/>
-            <a:ext cx="5549102" cy="5830430"/>
-          </a:xfrm>
-          <a:prstGeom prst="rect">
-            <a:avLst/>
-          </a:prstGeom>
-        </p:spPr>
-      </p:pic>
-      <p:pic>
-        <p:nvPicPr>
-          <p:cNvPr id="2" name="Picture 1">
-            <a:extLst>
-              <a:ext uri="{FF2B5EF4-FFF2-40B4-BE49-F238E27FC236}">
-                <a16:creationId xmlns:a16="http://schemas.microsoft.com/office/drawing/2014/main" xmlns="" id="{86A41FC7-4FA5-41EE-B9C9-57C6CE06F3D5}"/>
-              </a:ext>
-            </a:extLst>
-          </p:cNvPr>
-          <p:cNvPicPr>
-            <a:picLocks noChangeAspect="1"/>
-          </p:cNvPicPr>
-          <p:nvPr/>
-        </p:nvPicPr>
-        <p:blipFill>
-          <a:blip r:embed="rId3"/>
-          <a:stretch>
-            <a:fillRect/>
-          </a:stretch>
-        </p:blipFill>
-        <p:spPr>
-          <a:xfrm>
-            <a:off x="6617615" y="249860"/>
-            <a:ext cx="5043342" cy="5830430"/>
+            <a:off x="3168978" y="4732258"/>
+            <a:ext cx="5231876" cy="1470582"/>
           </a:xfrm>
           <a:prstGeom prst="rect">
             <a:avLst/>
@@ -4623,13 +4728,20 @@
     </p:spTree>
     <p:extLst>
       <p:ext uri="{BB962C8B-B14F-4D97-AF65-F5344CB8AC3E}">
-        <p14:creationId xmlns:p14="http://schemas.microsoft.com/office/powerpoint/2010/main" val="2813237534"/>
+        <p14:creationId xmlns:p14="http://schemas.microsoft.com/office/powerpoint/2010/main" val="1353407553"/>
       </p:ext>
     </p:extLst>
   </p:cSld>
   <p:clrMapOvr>
     <a:masterClrMapping/>
   </p:clrMapOvr>
+  <p:timing>
+    <p:tnLst>
+      <p:par>
+        <p:cTn id="1" dur="indefinite" restart="never" nodeType="tmRoot"/>
+      </p:par>
+    </p:tnLst>
+  </p:timing>
 </p:sld>
 </file>
 
@@ -4650,93 +4762,12 @@
           <a:chExt cx="0" cy="0"/>
         </a:xfrm>
       </p:grpSpPr>
-      <p:sp>
-        <p:nvSpPr>
-          <p:cNvPr id="2" name="Title 1"/>
-          <p:cNvSpPr>
-            <a:spLocks noGrp="1"/>
-          </p:cNvSpPr>
-          <p:nvPr>
-            <p:ph type="title"/>
-          </p:nvPr>
-        </p:nvSpPr>
-        <p:spPr/>
-        <p:txBody>
-          <a:bodyPr/>
-          <a:lstStyle/>
-          <a:p>
-            <a:r>
-              <a:rPr lang="en-US" dirty="0"/>
-              <a:t>Algorithm </a:t>
-            </a:r>
-            <a:r>
-              <a:rPr lang="en-US" dirty="0" smtClean="0"/>
-              <a:t>3 </a:t>
-            </a:r>
-            <a:r>
-              <a:rPr lang="mr-IN" dirty="0"/>
-              <a:t>–</a:t>
-            </a:r>
-            <a:r>
-              <a:rPr lang="en-US" dirty="0"/>
-              <a:t> Random Forest</a:t>
-            </a:r>
-          </a:p>
-        </p:txBody>
-      </p:sp>
-      <p:sp>
-        <p:nvSpPr>
-          <p:cNvPr id="3" name="Content Placeholder 2"/>
-          <p:cNvSpPr>
-            <a:spLocks noGrp="1"/>
-          </p:cNvSpPr>
-          <p:nvPr>
-            <p:ph idx="1"/>
-          </p:nvPr>
-        </p:nvSpPr>
-        <p:spPr/>
-        <p:txBody>
-          <a:bodyPr>
-            <a:normAutofit/>
-          </a:bodyPr>
-          <a:lstStyle/>
-          <a:p>
-            <a:r>
-              <a:rPr lang="en-US" dirty="0"/>
-              <a:t>For Gender, number of Trees (</a:t>
-            </a:r>
-            <a:r>
-              <a:rPr lang="en-US" dirty="0" err="1"/>
-              <a:t>ntree</a:t>
-            </a:r>
-            <a:r>
-              <a:rPr lang="en-US" dirty="0"/>
-              <a:t>) = 2000</a:t>
-            </a:r>
-          </a:p>
-          <a:p>
-            <a:pPr lvl="1"/>
-            <a:r>
-              <a:rPr lang="nb-NO" dirty="0"/>
-              <a:t>0.9307 accuracy</a:t>
-            </a:r>
-          </a:p>
-          <a:p>
-            <a:pPr lvl="1"/>
-            <a:endParaRPr lang="nb-NO" dirty="0"/>
-          </a:p>
-          <a:p>
-            <a:pPr lvl="1"/>
-            <a:endParaRPr lang="en-US" dirty="0"/>
-          </a:p>
-        </p:txBody>
-      </p:sp>
       <p:pic>
         <p:nvPicPr>
-          <p:cNvPr id="4" name="Picture 3">
+          <p:cNvPr id="6" name="Picture 5">
             <a:extLst>
               <a:ext uri="{FF2B5EF4-FFF2-40B4-BE49-F238E27FC236}">
-                <a16:creationId xmlns:a16="http://schemas.microsoft.com/office/drawing/2014/main" xmlns="" id="{E41201F2-5E9E-49B7-9290-45E8A98E0C9B}"/>
+                <a16:creationId xmlns="" xmlns:a16="http://schemas.microsoft.com/office/drawing/2014/main" id="{2EE0A306-66B1-476B-828C-664E99CBFE66}"/>
               </a:ext>
             </a:extLst>
           </p:cNvPr>
@@ -4753,8 +4784,38 @@
         </p:blipFill>
         <p:spPr>
           <a:xfrm>
-            <a:off x="3168978" y="3912125"/>
-            <a:ext cx="5231876" cy="1470582"/>
+            <a:off x="502906" y="249860"/>
+            <a:ext cx="5549102" cy="5830430"/>
+          </a:xfrm>
+          <a:prstGeom prst="rect">
+            <a:avLst/>
+          </a:prstGeom>
+        </p:spPr>
+      </p:pic>
+      <p:pic>
+        <p:nvPicPr>
+          <p:cNvPr id="2" name="Picture 1">
+            <a:extLst>
+              <a:ext uri="{FF2B5EF4-FFF2-40B4-BE49-F238E27FC236}">
+                <a16:creationId xmlns="" xmlns:a16="http://schemas.microsoft.com/office/drawing/2014/main" id="{86A41FC7-4FA5-41EE-B9C9-57C6CE06F3D5}"/>
+              </a:ext>
+            </a:extLst>
+          </p:cNvPr>
+          <p:cNvPicPr>
+            <a:picLocks noChangeAspect="1"/>
+          </p:cNvPicPr>
+          <p:nvPr/>
+        </p:nvPicPr>
+        <p:blipFill>
+          <a:blip r:embed="rId3"/>
+          <a:stretch>
+            <a:fillRect/>
+          </a:stretch>
+        </p:blipFill>
+        <p:spPr>
+          <a:xfrm>
+            <a:off x="6617615" y="249860"/>
+            <a:ext cx="5043342" cy="5830430"/>
           </a:xfrm>
           <a:prstGeom prst="rect">
             <a:avLst/>
@@ -4764,7 +4825,7 @@
     </p:spTree>
     <p:extLst>
       <p:ext uri="{BB962C8B-B14F-4D97-AF65-F5344CB8AC3E}">
-        <p14:creationId xmlns:p14="http://schemas.microsoft.com/office/powerpoint/2010/main" val="1835096561"/>
+        <p14:creationId xmlns:p14="http://schemas.microsoft.com/office/powerpoint/2010/main" val="2813237534"/>
       </p:ext>
     </p:extLst>
   </p:cSld>
@@ -4791,12 +4852,93 @@
           <a:chExt cx="0" cy="0"/>
         </a:xfrm>
       </p:grpSpPr>
+      <p:sp>
+        <p:nvSpPr>
+          <p:cNvPr id="2" name="Title 1"/>
+          <p:cNvSpPr>
+            <a:spLocks noGrp="1"/>
+          </p:cNvSpPr>
+          <p:nvPr>
+            <p:ph type="title"/>
+          </p:nvPr>
+        </p:nvSpPr>
+        <p:spPr/>
+        <p:txBody>
+          <a:bodyPr/>
+          <a:lstStyle/>
+          <a:p>
+            <a:r>
+              <a:rPr lang="en-US" dirty="0"/>
+              <a:t>Algorithm </a:t>
+            </a:r>
+            <a:r>
+              <a:rPr lang="en-US" dirty="0" smtClean="0"/>
+              <a:t>3 </a:t>
+            </a:r>
+            <a:r>
+              <a:rPr lang="mr-IN" dirty="0"/>
+              <a:t>–</a:t>
+            </a:r>
+            <a:r>
+              <a:rPr lang="en-US" dirty="0"/>
+              <a:t> Random Forest</a:t>
+            </a:r>
+          </a:p>
+        </p:txBody>
+      </p:sp>
+      <p:sp>
+        <p:nvSpPr>
+          <p:cNvPr id="3" name="Content Placeholder 2"/>
+          <p:cNvSpPr>
+            <a:spLocks noGrp="1"/>
+          </p:cNvSpPr>
+          <p:nvPr>
+            <p:ph idx="1"/>
+          </p:nvPr>
+        </p:nvSpPr>
+        <p:spPr/>
+        <p:txBody>
+          <a:bodyPr>
+            <a:normAutofit/>
+          </a:bodyPr>
+          <a:lstStyle/>
+          <a:p>
+            <a:r>
+              <a:rPr lang="en-US" dirty="0"/>
+              <a:t>For Gender, number of Trees (</a:t>
+            </a:r>
+            <a:r>
+              <a:rPr lang="en-US" dirty="0" err="1"/>
+              <a:t>ntree</a:t>
+            </a:r>
+            <a:r>
+              <a:rPr lang="en-US" dirty="0"/>
+              <a:t>) = 2000</a:t>
+            </a:r>
+          </a:p>
+          <a:p>
+            <a:pPr lvl="1"/>
+            <a:r>
+              <a:rPr lang="nb-NO" dirty="0"/>
+              <a:t>0.9307 accuracy</a:t>
+            </a:r>
+          </a:p>
+          <a:p>
+            <a:pPr lvl="1"/>
+            <a:endParaRPr lang="nb-NO" dirty="0"/>
+          </a:p>
+          <a:p>
+            <a:pPr lvl="1"/>
+            <a:endParaRPr lang="en-US" dirty="0"/>
+          </a:p>
+        </p:txBody>
+      </p:sp>
       <p:pic>
         <p:nvPicPr>
-          <p:cNvPr id="2" name="Picture 1">
+          <p:cNvPr id="4" name="Picture 3">
             <a:extLst>
               <a:ext uri="{FF2B5EF4-FFF2-40B4-BE49-F238E27FC236}">
-                <a16:creationId xmlns:a16="http://schemas.microsoft.com/office/drawing/2014/main" xmlns="" id="{CD66F473-202E-4695-A31E-CD0C63192611}"/>
+                <a16:creationId xmlns="" xmlns:a16="http://schemas.microsoft.com/office/drawing/2014/main" id="{E41201F2-5E9E-49B7-9290-45E8A98E0C9B}"/>
               </a:ext>
             </a:extLst>
           </p:cNvPr>
@@ -4813,38 +4955,8 @@
         </p:blipFill>
         <p:spPr>
           <a:xfrm>
-            <a:off x="6608190" y="287567"/>
-            <a:ext cx="5076972" cy="5830430"/>
-          </a:xfrm>
-          <a:prstGeom prst="rect">
-            <a:avLst/>
-          </a:prstGeom>
-        </p:spPr>
-      </p:pic>
-      <p:pic>
-        <p:nvPicPr>
-          <p:cNvPr id="3" name="Picture 2">
-            <a:extLst>
-              <a:ext uri="{FF2B5EF4-FFF2-40B4-BE49-F238E27FC236}">
-                <a16:creationId xmlns:a16="http://schemas.microsoft.com/office/drawing/2014/main" xmlns="" id="{88DE7B0B-7E4E-40A9-BA41-946E7654D5FB}"/>
-              </a:ext>
-            </a:extLst>
-          </p:cNvPr>
-          <p:cNvPicPr>
-            <a:picLocks noChangeAspect="1"/>
-          </p:cNvPicPr>
-          <p:nvPr/>
-        </p:nvPicPr>
-        <p:blipFill>
-          <a:blip r:embed="rId3"/>
-          <a:stretch>
-            <a:fillRect/>
-          </a:stretch>
-        </p:blipFill>
-        <p:spPr>
-          <a:xfrm>
-            <a:off x="502906" y="212153"/>
-            <a:ext cx="5549102" cy="5830430"/>
+            <a:off x="3168978" y="3912125"/>
+            <a:ext cx="5231876" cy="1470582"/>
           </a:xfrm>
           <a:prstGeom prst="rect">
             <a:avLst/>
@@ -4854,7 +4966,7 @@
     </p:spTree>
     <p:extLst>
       <p:ext uri="{BB962C8B-B14F-4D97-AF65-F5344CB8AC3E}">
-        <p14:creationId xmlns:p14="http://schemas.microsoft.com/office/powerpoint/2010/main" val="1066629938"/>
+        <p14:creationId xmlns:p14="http://schemas.microsoft.com/office/powerpoint/2010/main" val="1835096561"/>
       </p:ext>
     </p:extLst>
   </p:cSld>
@@ -4881,93 +4993,12 @@
           <a:chExt cx="0" cy="0"/>
         </a:xfrm>
       </p:grpSpPr>
-      <p:sp>
-        <p:nvSpPr>
-          <p:cNvPr id="2" name="Title 1"/>
-          <p:cNvSpPr>
-            <a:spLocks noGrp="1"/>
-          </p:cNvSpPr>
-          <p:nvPr>
-            <p:ph type="title"/>
-          </p:nvPr>
-        </p:nvSpPr>
-        <p:spPr/>
-        <p:txBody>
-          <a:bodyPr/>
-          <a:lstStyle/>
-          <a:p>
-            <a:r>
-              <a:rPr lang="en-US" dirty="0"/>
-              <a:t>Algorithm </a:t>
-            </a:r>
-            <a:r>
-              <a:rPr lang="en-US" dirty="0" smtClean="0"/>
-              <a:t>3 </a:t>
-            </a:r>
-            <a:r>
-              <a:rPr lang="mr-IN" dirty="0"/>
-              <a:t>–</a:t>
-            </a:r>
-            <a:r>
-              <a:rPr lang="en-US" dirty="0"/>
-              <a:t> Random Forest</a:t>
-            </a:r>
-          </a:p>
-        </p:txBody>
-      </p:sp>
-      <p:sp>
-        <p:nvSpPr>
-          <p:cNvPr id="3" name="Content Placeholder 2"/>
-          <p:cNvSpPr>
-            <a:spLocks noGrp="1"/>
-          </p:cNvSpPr>
-          <p:nvPr>
-            <p:ph idx="1"/>
-          </p:nvPr>
-        </p:nvSpPr>
-        <p:spPr/>
-        <p:txBody>
-          <a:bodyPr/>
-          <a:lstStyle/>
-          <a:p>
-            <a:r>
-              <a:rPr lang="en-US" dirty="0"/>
-              <a:t>For Gender, number of Trees (</a:t>
-            </a:r>
-            <a:r>
-              <a:rPr lang="en-US" dirty="0" err="1"/>
-              <a:t>ntree</a:t>
-            </a:r>
-            <a:r>
-              <a:rPr lang="en-US" dirty="0"/>
-              <a:t>) = 3000</a:t>
-            </a:r>
-          </a:p>
-          <a:p>
-            <a:pPr lvl="1"/>
-            <a:r>
-              <a:rPr lang="nb-NO" dirty="0"/>
-              <a:t>0.94 accuracy</a:t>
-            </a:r>
-          </a:p>
-          <a:p>
-            <a:pPr marL="457200" lvl="1" indent="0">
-              <a:buNone/>
-            </a:pPr>
-            <a:endParaRPr lang="nb-NO" dirty="0"/>
-          </a:p>
-          <a:p>
-            <a:pPr lvl="1"/>
-            <a:endParaRPr lang="en-US" dirty="0"/>
-          </a:p>
-        </p:txBody>
-      </p:sp>
       <p:pic>
         <p:nvPicPr>
-          <p:cNvPr id="4" name="Picture 3">
+          <p:cNvPr id="2" name="Picture 1">
             <a:extLst>
               <a:ext uri="{FF2B5EF4-FFF2-40B4-BE49-F238E27FC236}">
-                <a16:creationId xmlns:a16="http://schemas.microsoft.com/office/drawing/2014/main" xmlns="" id="{E547C40E-EBC3-48BE-A5E8-18839AC62B6E}"/>
+                <a16:creationId xmlns="" xmlns:a16="http://schemas.microsoft.com/office/drawing/2014/main" id="{CD66F473-202E-4695-A31E-CD0C63192611}"/>
               </a:ext>
             </a:extLst>
           </p:cNvPr>
@@ -4984,8 +5015,38 @@
         </p:blipFill>
         <p:spPr>
           <a:xfrm>
-            <a:off x="3214540" y="3679890"/>
-            <a:ext cx="4807670" cy="1617973"/>
+            <a:off x="6608190" y="287567"/>
+            <a:ext cx="5076972" cy="5830430"/>
+          </a:xfrm>
+          <a:prstGeom prst="rect">
+            <a:avLst/>
+          </a:prstGeom>
+        </p:spPr>
+      </p:pic>
+      <p:pic>
+        <p:nvPicPr>
+          <p:cNvPr id="3" name="Picture 2">
+            <a:extLst>
+              <a:ext uri="{FF2B5EF4-FFF2-40B4-BE49-F238E27FC236}">
+                <a16:creationId xmlns="" xmlns:a16="http://schemas.microsoft.com/office/drawing/2014/main" id="{88DE7B0B-7E4E-40A9-BA41-946E7654D5FB}"/>
+              </a:ext>
+            </a:extLst>
+          </p:cNvPr>
+          <p:cNvPicPr>
+            <a:picLocks noChangeAspect="1"/>
+          </p:cNvPicPr>
+          <p:nvPr/>
+        </p:nvPicPr>
+        <p:blipFill>
+          <a:blip r:embed="rId3"/>
+          <a:stretch>
+            <a:fillRect/>
+          </a:stretch>
+        </p:blipFill>
+        <p:spPr>
+          <a:xfrm>
+            <a:off x="502906" y="212153"/>
+            <a:ext cx="5549102" cy="5830430"/>
           </a:xfrm>
           <a:prstGeom prst="rect">
             <a:avLst/>
@@ -4995,7 +5056,7 @@
     </p:spTree>
     <p:extLst>
       <p:ext uri="{BB962C8B-B14F-4D97-AF65-F5344CB8AC3E}">
-        <p14:creationId xmlns:p14="http://schemas.microsoft.com/office/powerpoint/2010/main" val="1644211426"/>
+        <p14:creationId xmlns:p14="http://schemas.microsoft.com/office/powerpoint/2010/main" val="1066629938"/>
       </p:ext>
     </p:extLst>
   </p:cSld>
@@ -5022,12 +5083,93 @@
           <a:chExt cx="0" cy="0"/>
         </a:xfrm>
       </p:grpSpPr>
+      <p:sp>
+        <p:nvSpPr>
+          <p:cNvPr id="2" name="Title 1"/>
+          <p:cNvSpPr>
+            <a:spLocks noGrp="1"/>
+          </p:cNvSpPr>
+          <p:nvPr>
+            <p:ph type="title"/>
+          </p:nvPr>
+        </p:nvSpPr>
+        <p:spPr/>
+        <p:txBody>
+          <a:bodyPr/>
+          <a:lstStyle/>
+          <a:p>
+            <a:r>
+              <a:rPr lang="en-US" dirty="0"/>
+              <a:t>Algorithm </a:t>
+            </a:r>
+            <a:r>
+              <a:rPr lang="en-US" dirty="0" smtClean="0"/>
+              <a:t>3 </a:t>
+            </a:r>
+            <a:r>
+              <a:rPr lang="mr-IN" dirty="0"/>
+              <a:t>–</a:t>
+            </a:r>
+            <a:r>
+              <a:rPr lang="en-US" dirty="0"/>
+              <a:t> Random Forest</a:t>
+            </a:r>
+          </a:p>
+        </p:txBody>
+      </p:sp>
+      <p:sp>
+        <p:nvSpPr>
+          <p:cNvPr id="3" name="Content Placeholder 2"/>
+          <p:cNvSpPr>
+            <a:spLocks noGrp="1"/>
+          </p:cNvSpPr>
+          <p:nvPr>
+            <p:ph idx="1"/>
+          </p:nvPr>
+        </p:nvSpPr>
+        <p:spPr/>
+        <p:txBody>
+          <a:bodyPr/>
+          <a:lstStyle/>
+          <a:p>
+            <a:r>
+              <a:rPr lang="en-US" dirty="0"/>
+              <a:t>For Gender, number of Trees (</a:t>
+            </a:r>
+            <a:r>
+              <a:rPr lang="en-US" dirty="0" err="1"/>
+              <a:t>ntree</a:t>
+            </a:r>
+            <a:r>
+              <a:rPr lang="en-US" dirty="0"/>
+              <a:t>) = 3000</a:t>
+            </a:r>
+          </a:p>
+          <a:p>
+            <a:pPr lvl="1"/>
+            <a:r>
+              <a:rPr lang="nb-NO" dirty="0"/>
+              <a:t>0.94 accuracy</a:t>
+            </a:r>
+          </a:p>
+          <a:p>
+            <a:pPr marL="457200" lvl="1" indent="0">
+              <a:buNone/>
+            </a:pPr>
+            <a:endParaRPr lang="nb-NO" dirty="0"/>
+          </a:p>
+          <a:p>
+            <a:pPr lvl="1"/>
+            <a:endParaRPr lang="en-US" dirty="0"/>
+          </a:p>
+        </p:txBody>
+      </p:sp>
       <p:pic>
         <p:nvPicPr>
-          <p:cNvPr id="6" name="Picture 5">
+          <p:cNvPr id="4" name="Picture 3">
             <a:extLst>
               <a:ext uri="{FF2B5EF4-FFF2-40B4-BE49-F238E27FC236}">
-                <a16:creationId xmlns:a16="http://schemas.microsoft.com/office/drawing/2014/main" xmlns="" id="{E5500A7C-34BB-49CE-8A02-F70D95A61149}"/>
+                <a16:creationId xmlns="" xmlns:a16="http://schemas.microsoft.com/office/drawing/2014/main" id="{E547C40E-EBC3-48BE-A5E8-18839AC62B6E}"/>
               </a:ext>
             </a:extLst>
           </p:cNvPr>
@@ -5044,38 +5186,8 @@
         </p:blipFill>
         <p:spPr>
           <a:xfrm>
-            <a:off x="502906" y="212153"/>
-            <a:ext cx="5549102" cy="5830430"/>
-          </a:xfrm>
-          <a:prstGeom prst="rect">
-            <a:avLst/>
-          </a:prstGeom>
-        </p:spPr>
-      </p:pic>
-      <p:pic>
-        <p:nvPicPr>
-          <p:cNvPr id="2" name="Picture 1">
-            <a:extLst>
-              <a:ext uri="{FF2B5EF4-FFF2-40B4-BE49-F238E27FC236}">
-                <a16:creationId xmlns:a16="http://schemas.microsoft.com/office/drawing/2014/main" xmlns="" id="{E0455F67-7B2A-43B3-8BAD-3ABFCA79DEB2}"/>
-              </a:ext>
-            </a:extLst>
-          </p:cNvPr>
-          <p:cNvPicPr>
-            <a:picLocks noChangeAspect="1"/>
-          </p:cNvPicPr>
-          <p:nvPr/>
-        </p:nvPicPr>
-        <p:blipFill>
-          <a:blip r:embed="rId3"/>
-          <a:stretch>
-            <a:fillRect/>
-          </a:stretch>
-        </p:blipFill>
-        <p:spPr>
-          <a:xfrm>
-            <a:off x="6476213" y="212152"/>
-            <a:ext cx="5316719" cy="5830431"/>
+            <a:off x="3214540" y="3679890"/>
+            <a:ext cx="4807670" cy="1617973"/>
           </a:xfrm>
           <a:prstGeom prst="rect">
             <a:avLst/>
@@ -5085,7 +5197,7 @@
     </p:spTree>
     <p:extLst>
       <p:ext uri="{BB962C8B-B14F-4D97-AF65-F5344CB8AC3E}">
-        <p14:creationId xmlns:p14="http://schemas.microsoft.com/office/powerpoint/2010/main" val="661810499"/>
+        <p14:creationId xmlns:p14="http://schemas.microsoft.com/office/powerpoint/2010/main" val="1644211426"/>
       </p:ext>
     </p:extLst>
   </p:cSld>
@@ -5112,114 +5224,12 @@
           <a:chExt cx="0" cy="0"/>
         </a:xfrm>
       </p:grpSpPr>
-      <p:sp>
-        <p:nvSpPr>
-          <p:cNvPr id="2" name="Title 1"/>
-          <p:cNvSpPr>
-            <a:spLocks noGrp="1"/>
-          </p:cNvSpPr>
-          <p:nvPr>
-            <p:ph type="title"/>
-          </p:nvPr>
-        </p:nvSpPr>
-        <p:spPr/>
-        <p:txBody>
-          <a:bodyPr/>
-          <a:lstStyle/>
-          <a:p>
-            <a:r>
-              <a:rPr lang="en-US" dirty="0"/>
-              <a:t>Algorithm </a:t>
-            </a:r>
-            <a:r>
-              <a:rPr lang="en-US" dirty="0" smtClean="0"/>
-              <a:t>3 </a:t>
-            </a:r>
-            <a:r>
-              <a:rPr lang="mr-IN" dirty="0"/>
-              <a:t>–</a:t>
-            </a:r>
-            <a:r>
-              <a:rPr lang="en-US" dirty="0"/>
-              <a:t> Random Forest</a:t>
-            </a:r>
-          </a:p>
-        </p:txBody>
-      </p:sp>
-      <p:sp>
-        <p:nvSpPr>
-          <p:cNvPr id="3" name="Content Placeholder 2"/>
-          <p:cNvSpPr>
-            <a:spLocks noGrp="1"/>
-          </p:cNvSpPr>
-          <p:nvPr>
-            <p:ph idx="1"/>
-          </p:nvPr>
-        </p:nvSpPr>
-        <p:spPr/>
-        <p:txBody>
-          <a:bodyPr/>
-          <a:lstStyle/>
-          <a:p>
-            <a:r>
-              <a:rPr lang="en-US" dirty="0"/>
-              <a:t>Approach 2: Omitting NA values. (684 columns)</a:t>
-            </a:r>
-          </a:p>
-          <a:p>
-            <a:r>
-              <a:rPr lang="en-US" dirty="0"/>
-              <a:t>For Gender, number of Trees (</a:t>
-            </a:r>
-            <a:r>
-              <a:rPr lang="en-US" dirty="0" err="1"/>
-              <a:t>ntree</a:t>
-            </a:r>
-            <a:r>
-              <a:rPr lang="en-US" dirty="0"/>
-              <a:t>) = 1000</a:t>
-            </a:r>
-          </a:p>
-          <a:p>
-            <a:pPr lvl="1"/>
-            <a:r>
-              <a:rPr lang="nb-NO" dirty="0"/>
-              <a:t>0.9416 accuracy</a:t>
-            </a:r>
-          </a:p>
-          <a:p>
-            <a:pPr marL="457200" lvl="1" indent="0">
-              <a:buNone/>
-            </a:pPr>
-            <a:endParaRPr lang="nb-NO" dirty="0"/>
-          </a:p>
-          <a:p>
-            <a:pPr lvl="1"/>
-            <a:endParaRPr lang="nb-NO" dirty="0"/>
-          </a:p>
-          <a:p>
-            <a:pPr lvl="1"/>
-            <a:endParaRPr lang="nb-NO" dirty="0"/>
-          </a:p>
-          <a:p>
-            <a:pPr lvl="1"/>
-            <a:endParaRPr lang="nb-NO" dirty="0"/>
-          </a:p>
-          <a:p>
-            <a:endParaRPr lang="nb-NO" dirty="0"/>
-          </a:p>
-          <a:p>
-            <a:pPr lvl="1"/>
-            <a:endParaRPr lang="en-US" dirty="0"/>
-          </a:p>
-        </p:txBody>
-      </p:sp>
       <p:pic>
         <p:nvPicPr>
-          <p:cNvPr id="5" name="Picture 4">
+          <p:cNvPr id="6" name="Picture 5">
             <a:extLst>
               <a:ext uri="{FF2B5EF4-FFF2-40B4-BE49-F238E27FC236}">
-                <a16:creationId xmlns:a16="http://schemas.microsoft.com/office/drawing/2014/main" xmlns="" id="{5431268D-64C4-48CF-B095-7AE8588FC7E0}"/>
+                <a16:creationId xmlns="" xmlns:a16="http://schemas.microsoft.com/office/drawing/2014/main" id="{E5500A7C-34BB-49CE-8A02-F70D95A61149}"/>
               </a:ext>
             </a:extLst>
           </p:cNvPr>
@@ -5236,8 +5246,38 @@
         </p:blipFill>
         <p:spPr>
           <a:xfrm>
-            <a:off x="3374797" y="4339471"/>
-            <a:ext cx="4666268" cy="1344891"/>
+            <a:off x="502906" y="212153"/>
+            <a:ext cx="5549102" cy="5830430"/>
+          </a:xfrm>
+          <a:prstGeom prst="rect">
+            <a:avLst/>
+          </a:prstGeom>
+        </p:spPr>
+      </p:pic>
+      <p:pic>
+        <p:nvPicPr>
+          <p:cNvPr id="2" name="Picture 1">
+            <a:extLst>
+              <a:ext uri="{FF2B5EF4-FFF2-40B4-BE49-F238E27FC236}">
+                <a16:creationId xmlns="" xmlns:a16="http://schemas.microsoft.com/office/drawing/2014/main" id="{E0455F67-7B2A-43B3-8BAD-3ABFCA79DEB2}"/>
+              </a:ext>
+            </a:extLst>
+          </p:cNvPr>
+          <p:cNvPicPr>
+            <a:picLocks noChangeAspect="1"/>
+          </p:cNvPicPr>
+          <p:nvPr/>
+        </p:nvPicPr>
+        <p:blipFill>
+          <a:blip r:embed="rId3"/>
+          <a:stretch>
+            <a:fillRect/>
+          </a:stretch>
+        </p:blipFill>
+        <p:spPr>
+          <a:xfrm>
+            <a:off x="6476213" y="212152"/>
+            <a:ext cx="5316719" cy="5830431"/>
           </a:xfrm>
           <a:prstGeom prst="rect">
             <a:avLst/>
@@ -5247,7 +5287,7 @@
     </p:spTree>
     <p:extLst>
       <p:ext uri="{BB962C8B-B14F-4D97-AF65-F5344CB8AC3E}">
-        <p14:creationId xmlns:p14="http://schemas.microsoft.com/office/powerpoint/2010/main" val="2723044403"/>
+        <p14:creationId xmlns:p14="http://schemas.microsoft.com/office/powerpoint/2010/main" val="661810499"/>
       </p:ext>
     </p:extLst>
   </p:cSld>
@@ -5274,12 +5314,114 @@
           <a:chExt cx="0" cy="0"/>
         </a:xfrm>
       </p:grpSpPr>
+      <p:sp>
+        <p:nvSpPr>
+          <p:cNvPr id="2" name="Title 1"/>
+          <p:cNvSpPr>
+            <a:spLocks noGrp="1"/>
+          </p:cNvSpPr>
+          <p:nvPr>
+            <p:ph type="title"/>
+          </p:nvPr>
+        </p:nvSpPr>
+        <p:spPr/>
+        <p:txBody>
+          <a:bodyPr/>
+          <a:lstStyle/>
+          <a:p>
+            <a:r>
+              <a:rPr lang="en-US" dirty="0"/>
+              <a:t>Algorithm </a:t>
+            </a:r>
+            <a:r>
+              <a:rPr lang="en-US" dirty="0" smtClean="0"/>
+              <a:t>3 </a:t>
+            </a:r>
+            <a:r>
+              <a:rPr lang="mr-IN" dirty="0"/>
+              <a:t>–</a:t>
+            </a:r>
+            <a:r>
+              <a:rPr lang="en-US" dirty="0"/>
+              <a:t> Random Forest</a:t>
+            </a:r>
+          </a:p>
+        </p:txBody>
+      </p:sp>
+      <p:sp>
+        <p:nvSpPr>
+          <p:cNvPr id="3" name="Content Placeholder 2"/>
+          <p:cNvSpPr>
+            <a:spLocks noGrp="1"/>
+          </p:cNvSpPr>
+          <p:nvPr>
+            <p:ph idx="1"/>
+          </p:nvPr>
+        </p:nvSpPr>
+        <p:spPr/>
+        <p:txBody>
+          <a:bodyPr/>
+          <a:lstStyle/>
+          <a:p>
+            <a:r>
+              <a:rPr lang="en-US" dirty="0"/>
+              <a:t>Approach 2: Omitting NA values. (684 columns)</a:t>
+            </a:r>
+          </a:p>
+          <a:p>
+            <a:r>
+              <a:rPr lang="en-US" dirty="0"/>
+              <a:t>For Gender, number of Trees (</a:t>
+            </a:r>
+            <a:r>
+              <a:rPr lang="en-US" dirty="0" err="1"/>
+              <a:t>ntree</a:t>
+            </a:r>
+            <a:r>
+              <a:rPr lang="en-US" dirty="0"/>
+              <a:t>) = 1000</a:t>
+            </a:r>
+          </a:p>
+          <a:p>
+            <a:pPr lvl="1"/>
+            <a:r>
+              <a:rPr lang="nb-NO" dirty="0"/>
+              <a:t>0.9416 accuracy</a:t>
+            </a:r>
+          </a:p>
+          <a:p>
+            <a:pPr marL="457200" lvl="1" indent="0">
+              <a:buNone/>
+            </a:pPr>
+            <a:endParaRPr lang="nb-NO" dirty="0"/>
+          </a:p>
+          <a:p>
+            <a:pPr lvl="1"/>
+            <a:endParaRPr lang="nb-NO" dirty="0"/>
+          </a:p>
+          <a:p>
+            <a:pPr lvl="1"/>
+            <a:endParaRPr lang="nb-NO" dirty="0"/>
+          </a:p>
+          <a:p>
+            <a:pPr lvl="1"/>
+            <a:endParaRPr lang="nb-NO" dirty="0"/>
+          </a:p>
+          <a:p>
+            <a:endParaRPr lang="nb-NO" dirty="0"/>
+          </a:p>
+          <a:p>
+            <a:pPr lvl="1"/>
+            <a:endParaRPr lang="en-US" dirty="0"/>
+          </a:p>
+        </p:txBody>
+      </p:sp>
       <p:pic>
         <p:nvPicPr>
-          <p:cNvPr id="3" name="Picture 2">
+          <p:cNvPr id="5" name="Picture 4">
             <a:extLst>
               <a:ext uri="{FF2B5EF4-FFF2-40B4-BE49-F238E27FC236}">
-                <a16:creationId xmlns:a16="http://schemas.microsoft.com/office/drawing/2014/main" xmlns="" id="{F48C9E8F-062F-4E88-9578-6715791F02A7}"/>
+                <a16:creationId xmlns="" xmlns:a16="http://schemas.microsoft.com/office/drawing/2014/main" id="{5431268D-64C4-48CF-B095-7AE8588FC7E0}"/>
               </a:ext>
             </a:extLst>
           </p:cNvPr>
@@ -5296,38 +5438,8 @@
         </p:blipFill>
         <p:spPr>
           <a:xfrm>
-            <a:off x="358218" y="212152"/>
-            <a:ext cx="5804431" cy="5830431"/>
-          </a:xfrm>
-          <a:prstGeom prst="rect">
-            <a:avLst/>
-          </a:prstGeom>
-        </p:spPr>
-      </p:pic>
-      <p:pic>
-        <p:nvPicPr>
-          <p:cNvPr id="7" name="Picture 6">
-            <a:extLst>
-              <a:ext uri="{FF2B5EF4-FFF2-40B4-BE49-F238E27FC236}">
-                <a16:creationId xmlns:a16="http://schemas.microsoft.com/office/drawing/2014/main" xmlns="" id="{8288FDD6-6F4B-494E-99F2-4CE085353B9A}"/>
-              </a:ext>
-            </a:extLst>
-          </p:cNvPr>
-          <p:cNvPicPr>
-            <a:picLocks noChangeAspect="1"/>
-          </p:cNvPicPr>
-          <p:nvPr/>
-        </p:nvPicPr>
-        <p:blipFill>
-          <a:blip r:embed="rId3"/>
-          <a:stretch>
-            <a:fillRect/>
-          </a:stretch>
-        </p:blipFill>
-        <p:spPr>
-          <a:xfrm>
-            <a:off x="6551628" y="212152"/>
-            <a:ext cx="5260157" cy="5830431"/>
+            <a:off x="3374797" y="4339471"/>
+            <a:ext cx="4666268" cy="1344891"/>
           </a:xfrm>
           <a:prstGeom prst="rect">
             <a:avLst/>
@@ -5337,7 +5449,7 @@
     </p:spTree>
     <p:extLst>
       <p:ext uri="{BB962C8B-B14F-4D97-AF65-F5344CB8AC3E}">
-        <p14:creationId xmlns:p14="http://schemas.microsoft.com/office/powerpoint/2010/main" val="3584826668"/>
+        <p14:creationId xmlns:p14="http://schemas.microsoft.com/office/powerpoint/2010/main" val="2723044403"/>
       </p:ext>
     </p:extLst>
   </p:cSld>
@@ -5451,7 +5563,7 @@
           <p:cNvPr id="8" name="Picture 7">
             <a:extLst>
               <a:ext uri="{FF2B5EF4-FFF2-40B4-BE49-F238E27FC236}">
-                <a16:creationId xmlns:a16="http://schemas.microsoft.com/office/drawing/2014/main" xmlns="" id="{8B297A75-5C96-4B8E-A721-B5A80A818F40}"/>
+                <a16:creationId xmlns="" xmlns:a16="http://schemas.microsoft.com/office/drawing/2014/main" id="{8B297A75-5C96-4B8E-A721-B5A80A818F40}"/>
               </a:ext>
             </a:extLst>
           </p:cNvPr>
@@ -5554,108 +5666,12 @@
           <a:chExt cx="0" cy="0"/>
         </a:xfrm>
       </p:grpSpPr>
-      <p:sp>
-        <p:nvSpPr>
-          <p:cNvPr id="2" name="Title 1"/>
-          <p:cNvSpPr>
-            <a:spLocks noGrp="1"/>
-          </p:cNvSpPr>
-          <p:nvPr>
-            <p:ph type="title"/>
-          </p:nvPr>
-        </p:nvSpPr>
-        <p:spPr/>
-        <p:txBody>
-          <a:bodyPr/>
-          <a:lstStyle/>
-          <a:p>
-            <a:r>
-              <a:rPr lang="en-US" dirty="0"/>
-              <a:t>Algorithm </a:t>
-            </a:r>
-            <a:r>
-              <a:rPr lang="en-US" dirty="0" smtClean="0"/>
-              <a:t>3 </a:t>
-            </a:r>
-            <a:r>
-              <a:rPr lang="mr-IN" dirty="0"/>
-              <a:t>–</a:t>
-            </a:r>
-            <a:r>
-              <a:rPr lang="en-US" dirty="0"/>
-              <a:t> Random Forest</a:t>
-            </a:r>
-          </a:p>
-        </p:txBody>
-      </p:sp>
-      <p:sp>
-        <p:nvSpPr>
-          <p:cNvPr id="3" name="Content Placeholder 2"/>
-          <p:cNvSpPr>
-            <a:spLocks noGrp="1"/>
-          </p:cNvSpPr>
-          <p:nvPr>
-            <p:ph idx="1"/>
-          </p:nvPr>
-        </p:nvSpPr>
-        <p:spPr/>
-        <p:txBody>
-          <a:bodyPr/>
-          <a:lstStyle/>
-          <a:p>
-            <a:r>
-              <a:rPr lang="en-US" dirty="0"/>
-              <a:t>For Gender, number of Trees (</a:t>
-            </a:r>
-            <a:r>
-              <a:rPr lang="en-US" dirty="0" err="1"/>
-              <a:t>ntree</a:t>
-            </a:r>
-            <a:r>
-              <a:rPr lang="en-US" dirty="0"/>
-              <a:t>) = 2000</a:t>
-            </a:r>
-          </a:p>
-          <a:p>
-            <a:pPr lvl="1"/>
-            <a:r>
-              <a:rPr lang="nb-NO" dirty="0"/>
-              <a:t>0.9416 accuracy</a:t>
-            </a:r>
-          </a:p>
-          <a:p>
-            <a:pPr marL="457200" lvl="1" indent="0">
-              <a:buNone/>
-            </a:pPr>
-            <a:endParaRPr lang="nb-NO" dirty="0"/>
-          </a:p>
-          <a:p>
-            <a:pPr lvl="1"/>
-            <a:endParaRPr lang="nb-NO" dirty="0"/>
-          </a:p>
-          <a:p>
-            <a:pPr lvl="1"/>
-            <a:endParaRPr lang="nb-NO" dirty="0"/>
-          </a:p>
-          <a:p>
-            <a:pPr lvl="1"/>
-            <a:endParaRPr lang="nb-NO" dirty="0"/>
-          </a:p>
-          <a:p>
-            <a:endParaRPr lang="nb-NO" dirty="0"/>
-          </a:p>
-          <a:p>
-            <a:pPr lvl="1"/>
-            <a:endParaRPr lang="en-US" dirty="0"/>
-          </a:p>
-        </p:txBody>
-      </p:sp>
       <p:pic>
         <p:nvPicPr>
-          <p:cNvPr id="5" name="Picture 4">
+          <p:cNvPr id="3" name="Picture 2">
             <a:extLst>
               <a:ext uri="{FF2B5EF4-FFF2-40B4-BE49-F238E27FC236}">
-                <a16:creationId xmlns:a16="http://schemas.microsoft.com/office/drawing/2014/main" xmlns="" id="{5431268D-64C4-48CF-B095-7AE8588FC7E0}"/>
+                <a16:creationId xmlns="" xmlns:a16="http://schemas.microsoft.com/office/drawing/2014/main" id="{F48C9E8F-062F-4E88-9578-6715791F02A7}"/>
               </a:ext>
             </a:extLst>
           </p:cNvPr>
@@ -5672,8 +5688,38 @@
         </p:blipFill>
         <p:spPr>
           <a:xfrm>
-            <a:off x="3374797" y="4339471"/>
-            <a:ext cx="4666268" cy="1344891"/>
+            <a:off x="358218" y="212152"/>
+            <a:ext cx="5804431" cy="5830431"/>
+          </a:xfrm>
+          <a:prstGeom prst="rect">
+            <a:avLst/>
+          </a:prstGeom>
+        </p:spPr>
+      </p:pic>
+      <p:pic>
+        <p:nvPicPr>
+          <p:cNvPr id="7" name="Picture 6">
+            <a:extLst>
+              <a:ext uri="{FF2B5EF4-FFF2-40B4-BE49-F238E27FC236}">
+                <a16:creationId xmlns="" xmlns:a16="http://schemas.microsoft.com/office/drawing/2014/main" id="{8288FDD6-6F4B-494E-99F2-4CE085353B9A}"/>
+              </a:ext>
+            </a:extLst>
+          </p:cNvPr>
+          <p:cNvPicPr>
+            <a:picLocks noChangeAspect="1"/>
+          </p:cNvPicPr>
+          <p:nvPr/>
+        </p:nvPicPr>
+        <p:blipFill>
+          <a:blip r:embed="rId3"/>
+          <a:stretch>
+            <a:fillRect/>
+          </a:stretch>
+        </p:blipFill>
+        <p:spPr>
+          <a:xfrm>
+            <a:off x="6551628" y="212152"/>
+            <a:ext cx="5260157" cy="5830431"/>
           </a:xfrm>
           <a:prstGeom prst="rect">
             <a:avLst/>
@@ -5683,7 +5729,7 @@
     </p:spTree>
     <p:extLst>
       <p:ext uri="{BB962C8B-B14F-4D97-AF65-F5344CB8AC3E}">
-        <p14:creationId xmlns:p14="http://schemas.microsoft.com/office/powerpoint/2010/main" val="1421159567"/>
+        <p14:creationId xmlns:p14="http://schemas.microsoft.com/office/powerpoint/2010/main" val="3584826668"/>
       </p:ext>
     </p:extLst>
   </p:cSld>
@@ -5710,12 +5756,108 @@
           <a:chExt cx="0" cy="0"/>
         </a:xfrm>
       </p:grpSpPr>
+      <p:sp>
+        <p:nvSpPr>
+          <p:cNvPr id="2" name="Title 1"/>
+          <p:cNvSpPr>
+            <a:spLocks noGrp="1"/>
+          </p:cNvSpPr>
+          <p:nvPr>
+            <p:ph type="title"/>
+          </p:nvPr>
+        </p:nvSpPr>
+        <p:spPr/>
+        <p:txBody>
+          <a:bodyPr/>
+          <a:lstStyle/>
+          <a:p>
+            <a:r>
+              <a:rPr lang="en-US" dirty="0"/>
+              <a:t>Algorithm </a:t>
+            </a:r>
+            <a:r>
+              <a:rPr lang="en-US" dirty="0" smtClean="0"/>
+              <a:t>3 </a:t>
+            </a:r>
+            <a:r>
+              <a:rPr lang="mr-IN" dirty="0"/>
+              <a:t>–</a:t>
+            </a:r>
+            <a:r>
+              <a:rPr lang="en-US" dirty="0"/>
+              <a:t> Random Forest</a:t>
+            </a:r>
+          </a:p>
+        </p:txBody>
+      </p:sp>
+      <p:sp>
+        <p:nvSpPr>
+          <p:cNvPr id="3" name="Content Placeholder 2"/>
+          <p:cNvSpPr>
+            <a:spLocks noGrp="1"/>
+          </p:cNvSpPr>
+          <p:nvPr>
+            <p:ph idx="1"/>
+          </p:nvPr>
+        </p:nvSpPr>
+        <p:spPr/>
+        <p:txBody>
+          <a:bodyPr/>
+          <a:lstStyle/>
+          <a:p>
+            <a:r>
+              <a:rPr lang="en-US" dirty="0"/>
+              <a:t>For Gender, number of Trees (</a:t>
+            </a:r>
+            <a:r>
+              <a:rPr lang="en-US" dirty="0" err="1"/>
+              <a:t>ntree</a:t>
+            </a:r>
+            <a:r>
+              <a:rPr lang="en-US" dirty="0"/>
+              <a:t>) = 2000</a:t>
+            </a:r>
+          </a:p>
+          <a:p>
+            <a:pPr lvl="1"/>
+            <a:r>
+              <a:rPr lang="nb-NO" dirty="0"/>
+              <a:t>0.9416 accuracy</a:t>
+            </a:r>
+          </a:p>
+          <a:p>
+            <a:pPr marL="457200" lvl="1" indent="0">
+              <a:buNone/>
+            </a:pPr>
+            <a:endParaRPr lang="nb-NO" dirty="0"/>
+          </a:p>
+          <a:p>
+            <a:pPr lvl="1"/>
+            <a:endParaRPr lang="nb-NO" dirty="0"/>
+          </a:p>
+          <a:p>
+            <a:pPr lvl="1"/>
+            <a:endParaRPr lang="nb-NO" dirty="0"/>
+          </a:p>
+          <a:p>
+            <a:pPr lvl="1"/>
+            <a:endParaRPr lang="nb-NO" dirty="0"/>
+          </a:p>
+          <a:p>
+            <a:endParaRPr lang="nb-NO" dirty="0"/>
+          </a:p>
+          <a:p>
+            <a:pPr lvl="1"/>
+            <a:endParaRPr lang="en-US" dirty="0"/>
+          </a:p>
+        </p:txBody>
+      </p:sp>
       <p:pic>
         <p:nvPicPr>
-          <p:cNvPr id="3" name="Picture 2">
+          <p:cNvPr id="5" name="Picture 4">
             <a:extLst>
               <a:ext uri="{FF2B5EF4-FFF2-40B4-BE49-F238E27FC236}">
-                <a16:creationId xmlns:a16="http://schemas.microsoft.com/office/drawing/2014/main" xmlns="" id="{F48C9E8F-062F-4E88-9578-6715791F02A7}"/>
+                <a16:creationId xmlns="" xmlns:a16="http://schemas.microsoft.com/office/drawing/2014/main" id="{5431268D-64C4-48CF-B095-7AE8588FC7E0}"/>
               </a:ext>
             </a:extLst>
           </p:cNvPr>
@@ -5732,38 +5874,8 @@
         </p:blipFill>
         <p:spPr>
           <a:xfrm>
-            <a:off x="358218" y="212152"/>
-            <a:ext cx="5804431" cy="5830431"/>
-          </a:xfrm>
-          <a:prstGeom prst="rect">
-            <a:avLst/>
-          </a:prstGeom>
-        </p:spPr>
-      </p:pic>
-      <p:pic>
-        <p:nvPicPr>
-          <p:cNvPr id="2" name="Picture 1">
-            <a:extLst>
-              <a:ext uri="{FF2B5EF4-FFF2-40B4-BE49-F238E27FC236}">
-                <a16:creationId xmlns:a16="http://schemas.microsoft.com/office/drawing/2014/main" xmlns="" id="{4B4B784D-AF37-4CD2-B5E6-80C0A35A8B4B}"/>
-              </a:ext>
-            </a:extLst>
-          </p:cNvPr>
-          <p:cNvPicPr>
-            <a:picLocks noChangeAspect="1"/>
-          </p:cNvPicPr>
-          <p:nvPr/>
-        </p:nvPicPr>
-        <p:blipFill>
-          <a:blip r:embed="rId3"/>
-          <a:stretch>
-            <a:fillRect/>
-          </a:stretch>
-        </p:blipFill>
-        <p:spPr>
-          <a:xfrm>
-            <a:off x="6664751" y="212151"/>
-            <a:ext cx="5184742" cy="5830431"/>
+            <a:off x="3374797" y="4339471"/>
+            <a:ext cx="4666268" cy="1344891"/>
           </a:xfrm>
           <a:prstGeom prst="rect">
             <a:avLst/>
@@ -5773,7 +5885,7 @@
     </p:spTree>
     <p:extLst>
       <p:ext uri="{BB962C8B-B14F-4D97-AF65-F5344CB8AC3E}">
-        <p14:creationId xmlns:p14="http://schemas.microsoft.com/office/powerpoint/2010/main" val="2747040706"/>
+        <p14:creationId xmlns:p14="http://schemas.microsoft.com/office/powerpoint/2010/main" val="1421159567"/>
       </p:ext>
     </p:extLst>
   </p:cSld>
@@ -5800,108 +5912,12 @@
           <a:chExt cx="0" cy="0"/>
         </a:xfrm>
       </p:grpSpPr>
-      <p:sp>
-        <p:nvSpPr>
-          <p:cNvPr id="2" name="Title 1"/>
-          <p:cNvSpPr>
-            <a:spLocks noGrp="1"/>
-          </p:cNvSpPr>
-          <p:nvPr>
-            <p:ph type="title"/>
-          </p:nvPr>
-        </p:nvSpPr>
-        <p:spPr/>
-        <p:txBody>
-          <a:bodyPr/>
-          <a:lstStyle/>
-          <a:p>
-            <a:r>
-              <a:rPr lang="en-US" dirty="0"/>
-              <a:t>Algorithm </a:t>
-            </a:r>
-            <a:r>
-              <a:rPr lang="en-US" dirty="0" smtClean="0"/>
-              <a:t>3 </a:t>
-            </a:r>
-            <a:r>
-              <a:rPr lang="mr-IN" dirty="0"/>
-              <a:t>–</a:t>
-            </a:r>
-            <a:r>
-              <a:rPr lang="en-US" dirty="0"/>
-              <a:t> Random Forest</a:t>
-            </a:r>
-          </a:p>
-        </p:txBody>
-      </p:sp>
-      <p:sp>
-        <p:nvSpPr>
-          <p:cNvPr id="3" name="Content Placeholder 2"/>
-          <p:cNvSpPr>
-            <a:spLocks noGrp="1"/>
-          </p:cNvSpPr>
-          <p:nvPr>
-            <p:ph idx="1"/>
-          </p:nvPr>
-        </p:nvSpPr>
-        <p:spPr/>
-        <p:txBody>
-          <a:bodyPr/>
-          <a:lstStyle/>
-          <a:p>
-            <a:r>
-              <a:rPr lang="en-US" dirty="0"/>
-              <a:t>For Gender, number of Trees (</a:t>
-            </a:r>
-            <a:r>
-              <a:rPr lang="en-US" dirty="0" err="1"/>
-              <a:t>ntree</a:t>
-            </a:r>
-            <a:r>
-              <a:rPr lang="en-US" dirty="0"/>
-              <a:t>) = 3000</a:t>
-            </a:r>
-          </a:p>
-          <a:p>
-            <a:pPr lvl="1"/>
-            <a:r>
-              <a:rPr lang="nb-NO" dirty="0"/>
-              <a:t>0.9416 accuracy</a:t>
-            </a:r>
-          </a:p>
-          <a:p>
-            <a:pPr marL="457200" lvl="1" indent="0">
-              <a:buNone/>
-            </a:pPr>
-            <a:endParaRPr lang="nb-NO" dirty="0"/>
-          </a:p>
-          <a:p>
-            <a:pPr lvl="1"/>
-            <a:endParaRPr lang="nb-NO" dirty="0"/>
-          </a:p>
-          <a:p>
-            <a:pPr lvl="1"/>
-            <a:endParaRPr lang="nb-NO" dirty="0"/>
-          </a:p>
-          <a:p>
-            <a:pPr lvl="1"/>
-            <a:endParaRPr lang="nb-NO" dirty="0"/>
-          </a:p>
-          <a:p>
-            <a:endParaRPr lang="nb-NO" dirty="0"/>
-          </a:p>
-          <a:p>
-            <a:pPr lvl="1"/>
-            <a:endParaRPr lang="en-US" dirty="0"/>
-          </a:p>
-        </p:txBody>
-      </p:sp>
       <p:pic>
         <p:nvPicPr>
-          <p:cNvPr id="5" name="Picture 4">
+          <p:cNvPr id="3" name="Picture 2">
             <a:extLst>
               <a:ext uri="{FF2B5EF4-FFF2-40B4-BE49-F238E27FC236}">
-                <a16:creationId xmlns:a16="http://schemas.microsoft.com/office/drawing/2014/main" xmlns="" id="{5431268D-64C4-48CF-B095-7AE8588FC7E0}"/>
+                <a16:creationId xmlns="" xmlns:a16="http://schemas.microsoft.com/office/drawing/2014/main" id="{F48C9E8F-062F-4E88-9578-6715791F02A7}"/>
               </a:ext>
             </a:extLst>
           </p:cNvPr>
@@ -5918,8 +5934,38 @@
         </p:blipFill>
         <p:spPr>
           <a:xfrm>
-            <a:off x="3374797" y="4339471"/>
-            <a:ext cx="4666268" cy="1344891"/>
+            <a:off x="358218" y="212152"/>
+            <a:ext cx="5804431" cy="5830431"/>
+          </a:xfrm>
+          <a:prstGeom prst="rect">
+            <a:avLst/>
+          </a:prstGeom>
+        </p:spPr>
+      </p:pic>
+      <p:pic>
+        <p:nvPicPr>
+          <p:cNvPr id="2" name="Picture 1">
+            <a:extLst>
+              <a:ext uri="{FF2B5EF4-FFF2-40B4-BE49-F238E27FC236}">
+                <a16:creationId xmlns="" xmlns:a16="http://schemas.microsoft.com/office/drawing/2014/main" id="{4B4B784D-AF37-4CD2-B5E6-80C0A35A8B4B}"/>
+              </a:ext>
+            </a:extLst>
+          </p:cNvPr>
+          <p:cNvPicPr>
+            <a:picLocks noChangeAspect="1"/>
+          </p:cNvPicPr>
+          <p:nvPr/>
+        </p:nvPicPr>
+        <p:blipFill>
+          <a:blip r:embed="rId3"/>
+          <a:stretch>
+            <a:fillRect/>
+          </a:stretch>
+        </p:blipFill>
+        <p:spPr>
+          <a:xfrm>
+            <a:off x="6664751" y="212151"/>
+            <a:ext cx="5184742" cy="5830431"/>
           </a:xfrm>
           <a:prstGeom prst="rect">
             <a:avLst/>
@@ -5929,7 +5975,7 @@
     </p:spTree>
     <p:extLst>
       <p:ext uri="{BB962C8B-B14F-4D97-AF65-F5344CB8AC3E}">
-        <p14:creationId xmlns:p14="http://schemas.microsoft.com/office/powerpoint/2010/main" val="3190382384"/>
+        <p14:creationId xmlns:p14="http://schemas.microsoft.com/office/powerpoint/2010/main" val="2747040706"/>
       </p:ext>
     </p:extLst>
   </p:cSld>
@@ -5956,12 +6002,108 @@
           <a:chExt cx="0" cy="0"/>
         </a:xfrm>
       </p:grpSpPr>
+      <p:sp>
+        <p:nvSpPr>
+          <p:cNvPr id="2" name="Title 1"/>
+          <p:cNvSpPr>
+            <a:spLocks noGrp="1"/>
+          </p:cNvSpPr>
+          <p:nvPr>
+            <p:ph type="title"/>
+          </p:nvPr>
+        </p:nvSpPr>
+        <p:spPr/>
+        <p:txBody>
+          <a:bodyPr/>
+          <a:lstStyle/>
+          <a:p>
+            <a:r>
+              <a:rPr lang="en-US" dirty="0"/>
+              <a:t>Algorithm </a:t>
+            </a:r>
+            <a:r>
+              <a:rPr lang="en-US" dirty="0" smtClean="0"/>
+              <a:t>3 </a:t>
+            </a:r>
+            <a:r>
+              <a:rPr lang="mr-IN" dirty="0"/>
+              <a:t>–</a:t>
+            </a:r>
+            <a:r>
+              <a:rPr lang="en-US" dirty="0"/>
+              <a:t> Random Forest</a:t>
+            </a:r>
+          </a:p>
+        </p:txBody>
+      </p:sp>
+      <p:sp>
+        <p:nvSpPr>
+          <p:cNvPr id="3" name="Content Placeholder 2"/>
+          <p:cNvSpPr>
+            <a:spLocks noGrp="1"/>
+          </p:cNvSpPr>
+          <p:nvPr>
+            <p:ph idx="1"/>
+          </p:nvPr>
+        </p:nvSpPr>
+        <p:spPr/>
+        <p:txBody>
+          <a:bodyPr/>
+          <a:lstStyle/>
+          <a:p>
+            <a:r>
+              <a:rPr lang="en-US" dirty="0"/>
+              <a:t>For Gender, number of Trees (</a:t>
+            </a:r>
+            <a:r>
+              <a:rPr lang="en-US" dirty="0" err="1"/>
+              <a:t>ntree</a:t>
+            </a:r>
+            <a:r>
+              <a:rPr lang="en-US" dirty="0"/>
+              <a:t>) = 3000</a:t>
+            </a:r>
+          </a:p>
+          <a:p>
+            <a:pPr lvl="1"/>
+            <a:r>
+              <a:rPr lang="nb-NO" dirty="0"/>
+              <a:t>0.9416 accuracy</a:t>
+            </a:r>
+          </a:p>
+          <a:p>
+            <a:pPr marL="457200" lvl="1" indent="0">
+              <a:buNone/>
+            </a:pPr>
+            <a:endParaRPr lang="nb-NO" dirty="0"/>
+          </a:p>
+          <a:p>
+            <a:pPr lvl="1"/>
+            <a:endParaRPr lang="nb-NO" dirty="0"/>
+          </a:p>
+          <a:p>
+            <a:pPr lvl="1"/>
+            <a:endParaRPr lang="nb-NO" dirty="0"/>
+          </a:p>
+          <a:p>
+            <a:pPr lvl="1"/>
+            <a:endParaRPr lang="nb-NO" dirty="0"/>
+          </a:p>
+          <a:p>
+            <a:endParaRPr lang="nb-NO" dirty="0"/>
+          </a:p>
+          <a:p>
+            <a:pPr lvl="1"/>
+            <a:endParaRPr lang="en-US" dirty="0"/>
+          </a:p>
+        </p:txBody>
+      </p:sp>
       <p:pic>
         <p:nvPicPr>
-          <p:cNvPr id="3" name="Picture 2">
+          <p:cNvPr id="5" name="Picture 4">
             <a:extLst>
               <a:ext uri="{FF2B5EF4-FFF2-40B4-BE49-F238E27FC236}">
-                <a16:creationId xmlns:a16="http://schemas.microsoft.com/office/drawing/2014/main" xmlns="" id="{F48C9E8F-062F-4E88-9578-6715791F02A7}"/>
+                <a16:creationId xmlns="" xmlns:a16="http://schemas.microsoft.com/office/drawing/2014/main" id="{5431268D-64C4-48CF-B095-7AE8588FC7E0}"/>
               </a:ext>
             </a:extLst>
           </p:cNvPr>
@@ -5978,38 +6120,8 @@
         </p:blipFill>
         <p:spPr>
           <a:xfrm>
-            <a:off x="358218" y="212152"/>
-            <a:ext cx="5804431" cy="5830431"/>
-          </a:xfrm>
-          <a:prstGeom prst="rect">
-            <a:avLst/>
-          </a:prstGeom>
-        </p:spPr>
-      </p:pic>
-      <p:pic>
-        <p:nvPicPr>
-          <p:cNvPr id="4" name="Picture 3">
-            <a:extLst>
-              <a:ext uri="{FF2B5EF4-FFF2-40B4-BE49-F238E27FC236}">
-                <a16:creationId xmlns:a16="http://schemas.microsoft.com/office/drawing/2014/main" xmlns="" id="{FCDFFB69-D0BC-45F9-A7E5-60B1F3210EF2}"/>
-              </a:ext>
-            </a:extLst>
-          </p:cNvPr>
-          <p:cNvPicPr>
-            <a:picLocks noChangeAspect="1"/>
-          </p:cNvPicPr>
-          <p:nvPr/>
-        </p:nvPicPr>
-        <p:blipFill>
-          <a:blip r:embed="rId3"/>
-          <a:stretch>
-            <a:fillRect/>
-          </a:stretch>
-        </p:blipFill>
-        <p:spPr>
-          <a:xfrm>
-            <a:off x="6608190" y="212152"/>
-            <a:ext cx="5175315" cy="5830432"/>
+            <a:off x="3374797" y="4339471"/>
+            <a:ext cx="4666268" cy="1344891"/>
           </a:xfrm>
           <a:prstGeom prst="rect">
             <a:avLst/>
@@ -6019,7 +6131,7 @@
     </p:spTree>
     <p:extLst>
       <p:ext uri="{BB962C8B-B14F-4D97-AF65-F5344CB8AC3E}">
-        <p14:creationId xmlns:p14="http://schemas.microsoft.com/office/powerpoint/2010/main" val="18533381"/>
+        <p14:creationId xmlns:p14="http://schemas.microsoft.com/office/powerpoint/2010/main" val="3190382384"/>
       </p:ext>
     </p:extLst>
   </p:cSld>
@@ -6046,112 +6158,70 @@
           <a:chExt cx="0" cy="0"/>
         </a:xfrm>
       </p:grpSpPr>
-      <p:sp>
-        <p:nvSpPr>
-          <p:cNvPr id="2" name="Title 1"/>
-          <p:cNvSpPr>
-            <a:spLocks noGrp="1"/>
-          </p:cNvSpPr>
-          <p:nvPr>
-            <p:ph type="title"/>
-          </p:nvPr>
-        </p:nvSpPr>
-        <p:spPr/>
-        <p:txBody>
-          <a:bodyPr/>
-          <a:lstStyle/>
-          <a:p>
-            <a:r>
-              <a:rPr lang="en-US" dirty="0"/>
-              <a:t>Algorithm </a:t>
-            </a:r>
-            <a:r>
-              <a:rPr lang="en-US" dirty="0" smtClean="0"/>
-              <a:t>3 </a:t>
-            </a:r>
-            <a:r>
-              <a:rPr lang="mr-IN" dirty="0"/>
-              <a:t>–</a:t>
-            </a:r>
-            <a:r>
-              <a:rPr lang="en-US" dirty="0"/>
-              <a:t> Random Forest</a:t>
-            </a:r>
-          </a:p>
-        </p:txBody>
-      </p:sp>
-      <p:sp>
-        <p:nvSpPr>
-          <p:cNvPr id="3" name="Content Placeholder 2"/>
-          <p:cNvSpPr>
-            <a:spLocks noGrp="1"/>
-          </p:cNvSpPr>
-          <p:nvPr>
-            <p:ph idx="1"/>
-          </p:nvPr>
-        </p:nvSpPr>
-        <p:spPr/>
-        <p:txBody>
-          <a:bodyPr>
-            <a:normAutofit/>
-          </a:bodyPr>
-          <a:lstStyle/>
-          <a:p>
-            <a:pPr lvl="1"/>
-            <a:endParaRPr lang="nb-NO" dirty="0"/>
-          </a:p>
-          <a:p>
-            <a:r>
-              <a:rPr lang="en-US" dirty="0"/>
-              <a:t>Interesting/Fun prediction:</a:t>
-            </a:r>
-          </a:p>
-          <a:p>
-            <a:pPr lvl="1"/>
-            <a:r>
-              <a:rPr lang="nb-NO" dirty="0"/>
-              <a:t>Who do you think is more romantic?</a:t>
-            </a:r>
-          </a:p>
-          <a:p>
-            <a:pPr lvl="1"/>
-            <a:r>
-              <a:rPr lang="nb-NO" dirty="0"/>
-              <a:t>Who do you think like more cars?</a:t>
-            </a:r>
-          </a:p>
-          <a:p>
-            <a:pPr lvl="1"/>
-            <a:r>
-              <a:rPr lang="nb-NO" dirty="0"/>
-              <a:t>Who thinks ahead of time?</a:t>
-            </a:r>
-          </a:p>
-          <a:p>
-            <a:pPr lvl="1"/>
-            <a:r>
-              <a:rPr lang="nb-NO" dirty="0"/>
-              <a:t>Who gives the final judgement?</a:t>
-            </a:r>
-          </a:p>
-          <a:p>
-            <a:pPr lvl="1"/>
-            <a:endParaRPr lang="nb-NO" dirty="0"/>
-          </a:p>
-          <a:p>
-            <a:pPr lvl="1"/>
-            <a:endParaRPr lang="nb-NO" dirty="0"/>
-          </a:p>
-          <a:p>
-            <a:pPr lvl="1"/>
-            <a:endParaRPr lang="en-US" dirty="0"/>
-          </a:p>
-        </p:txBody>
-      </p:sp>
+      <p:pic>
+        <p:nvPicPr>
+          <p:cNvPr id="3" name="Picture 2">
+            <a:extLst>
+              <a:ext uri="{FF2B5EF4-FFF2-40B4-BE49-F238E27FC236}">
+                <a16:creationId xmlns="" xmlns:a16="http://schemas.microsoft.com/office/drawing/2014/main" id="{F48C9E8F-062F-4E88-9578-6715791F02A7}"/>
+              </a:ext>
+            </a:extLst>
+          </p:cNvPr>
+          <p:cNvPicPr>
+            <a:picLocks noChangeAspect="1"/>
+          </p:cNvPicPr>
+          <p:nvPr/>
+        </p:nvPicPr>
+        <p:blipFill>
+          <a:blip r:embed="rId2"/>
+          <a:stretch>
+            <a:fillRect/>
+          </a:stretch>
+        </p:blipFill>
+        <p:spPr>
+          <a:xfrm>
+            <a:off x="358218" y="212152"/>
+            <a:ext cx="5804431" cy="5830431"/>
+          </a:xfrm>
+          <a:prstGeom prst="rect">
+            <a:avLst/>
+          </a:prstGeom>
+        </p:spPr>
+      </p:pic>
+      <p:pic>
+        <p:nvPicPr>
+          <p:cNvPr id="4" name="Picture 3">
+            <a:extLst>
+              <a:ext uri="{FF2B5EF4-FFF2-40B4-BE49-F238E27FC236}">
+                <a16:creationId xmlns="" xmlns:a16="http://schemas.microsoft.com/office/drawing/2014/main" id="{FCDFFB69-D0BC-45F9-A7E5-60B1F3210EF2}"/>
+              </a:ext>
+            </a:extLst>
+          </p:cNvPr>
+          <p:cNvPicPr>
+            <a:picLocks noChangeAspect="1"/>
+          </p:cNvPicPr>
+          <p:nvPr/>
+        </p:nvPicPr>
+        <p:blipFill>
+          <a:blip r:embed="rId3"/>
+          <a:stretch>
+            <a:fillRect/>
+          </a:stretch>
+        </p:blipFill>
+        <p:spPr>
+          <a:xfrm>
+            <a:off x="6608190" y="212152"/>
+            <a:ext cx="5175315" cy="5830432"/>
+          </a:xfrm>
+          <a:prstGeom prst="rect">
+            <a:avLst/>
+          </a:prstGeom>
+        </p:spPr>
+      </p:pic>
     </p:spTree>
     <p:extLst>
       <p:ext uri="{BB962C8B-B14F-4D97-AF65-F5344CB8AC3E}">
-        <p14:creationId xmlns:p14="http://schemas.microsoft.com/office/powerpoint/2010/main" val="501309509"/>
+        <p14:creationId xmlns:p14="http://schemas.microsoft.com/office/powerpoint/2010/main" val="18533381"/>
       </p:ext>
     </p:extLst>
   </p:cSld>
@@ -6235,35 +6305,35 @@
           <a:p>
             <a:r>
               <a:rPr lang="en-US" dirty="0"/>
-              <a:t>Answers:</a:t>
+              <a:t>Interesting/Fun prediction:</a:t>
             </a:r>
           </a:p>
           <a:p>
             <a:pPr lvl="1"/>
             <a:r>
               <a:rPr lang="nb-NO" dirty="0"/>
-              <a:t>Who do you think is more romantic?  Female</a:t>
+              <a:t>Who do you think is more romantic?</a:t>
             </a:r>
           </a:p>
           <a:p>
             <a:pPr lvl="1"/>
             <a:r>
               <a:rPr lang="nb-NO" dirty="0"/>
-              <a:t>Who do you think like more cars? Male</a:t>
+              <a:t>Who do you think like more cars?</a:t>
             </a:r>
           </a:p>
           <a:p>
             <a:pPr lvl="1"/>
             <a:r>
               <a:rPr lang="nb-NO" dirty="0"/>
-              <a:t>Who thinks ahead of time? Male</a:t>
+              <a:t>Who thinks ahead of time?</a:t>
             </a:r>
           </a:p>
           <a:p>
             <a:pPr lvl="1"/>
             <a:r>
               <a:rPr lang="nb-NO" dirty="0"/>
-              <a:t>Who gives the final judgement? Female</a:t>
+              <a:t>Who gives the final judgement?</a:t>
             </a:r>
           </a:p>
           <a:p>
@@ -6283,7 +6353,7 @@
     </p:spTree>
     <p:extLst>
       <p:ext uri="{BB962C8B-B14F-4D97-AF65-F5344CB8AC3E}">
-        <p14:creationId xmlns:p14="http://schemas.microsoft.com/office/powerpoint/2010/main" val="1078131030"/>
+        <p14:creationId xmlns:p14="http://schemas.microsoft.com/office/powerpoint/2010/main" val="501309509"/>
       </p:ext>
     </p:extLst>
   </p:cSld>
@@ -6361,28 +6431,42 @@
           </a:bodyPr>
           <a:lstStyle/>
           <a:p>
-            <a:r>
-              <a:rPr lang="en-US" dirty="0"/>
-              <a:t>Conclusion for random forest model:</a:t>
-            </a:r>
-          </a:p>
-          <a:p>
-            <a:pPr lvl="1"/>
-            <a:r>
-              <a:rPr lang="nb-NO" dirty="0"/>
-              <a:t>As the number of trees increase accuracy may or may not increase.</a:t>
-            </a:r>
-          </a:p>
-          <a:p>
-            <a:pPr lvl="1"/>
-            <a:r>
-              <a:rPr lang="nb-NO" dirty="0"/>
-              <a:t>Sometimes the accuracy of training dataset is less than the test dataset even though training has more data in it. So the size of data is also an important factor apart from number of trees.</a:t>
-            </a:r>
-          </a:p>
-          <a:p>
             <a:pPr lvl="1"/>
             <a:endParaRPr lang="nb-NO" dirty="0"/>
+          </a:p>
+          <a:p>
+            <a:r>
+              <a:rPr lang="en-US" dirty="0"/>
+              <a:t>Answers:</a:t>
+            </a:r>
+          </a:p>
+          <a:p>
+            <a:pPr lvl="1"/>
+            <a:r>
+              <a:rPr lang="nb-NO" dirty="0"/>
+              <a:t>Who do you think is more romantic?  Female</a:t>
+            </a:r>
+          </a:p>
+          <a:p>
+            <a:pPr lvl="1"/>
+            <a:r>
+              <a:rPr lang="nb-NO" dirty="0"/>
+              <a:t>Who do you think like more cars? Male</a:t>
+            </a:r>
+          </a:p>
+          <a:p>
+            <a:pPr lvl="1"/>
+            <a:r>
+              <a:rPr lang="nb-NO" dirty="0"/>
+              <a:t>Who thinks ahead of time? Male</a:t>
+            </a:r>
+          </a:p>
+          <a:p>
+            <a:pPr lvl="1"/>
+            <a:r>
+              <a:rPr lang="nb-NO" dirty="0"/>
+              <a:t>Who gives the final judgement? Female</a:t>
+            </a:r>
           </a:p>
           <a:p>
             <a:pPr lvl="1"/>
@@ -6401,7 +6485,7 @@
     </p:spTree>
     <p:extLst>
       <p:ext uri="{BB962C8B-B14F-4D97-AF65-F5344CB8AC3E}">
-        <p14:creationId xmlns:p14="http://schemas.microsoft.com/office/powerpoint/2010/main" val="239787179"/>
+        <p14:creationId xmlns:p14="http://schemas.microsoft.com/office/powerpoint/2010/main" val="1078131030"/>
       </p:ext>
     </p:extLst>
   </p:cSld>
@@ -6449,7 +6533,7 @@
             </a:r>
             <a:r>
               <a:rPr lang="en-US" dirty="0" smtClean="0"/>
-              <a:t>4 </a:t>
+              <a:t>3 </a:t>
             </a:r>
             <a:r>
               <a:rPr lang="mr-IN" dirty="0"/>
@@ -6457,7 +6541,7 @@
             </a:r>
             <a:r>
               <a:rPr lang="en-US" dirty="0"/>
-              <a:t> Neural Network</a:t>
+              <a:t> Random Forest</a:t>
             </a:r>
           </a:p>
         </p:txBody>
@@ -6475,104 +6559,51 @@
         <p:spPr/>
         <p:txBody>
           <a:bodyPr>
-            <a:normAutofit fontScale="92500" lnSpcReduction="20000"/>
+            <a:normAutofit/>
           </a:bodyPr>
           <a:lstStyle/>
           <a:p>
             <a:r>
               <a:rPr lang="en-US" dirty="0"/>
-              <a:t>Features used All columns except the categorical data like smoker, alcoholic etc</a:t>
-            </a:r>
-          </a:p>
-          <a:p>
-            <a:r>
-              <a:rPr lang="en-US" i="1" dirty="0"/>
-              <a:t>Approach 1</a:t>
-            </a:r>
-            <a:r>
-              <a:rPr lang="en-US" dirty="0"/>
-              <a:t>: replace missing value with mean of column</a:t>
-            </a:r>
-          </a:p>
-          <a:p>
-            <a:r>
-              <a:rPr lang="en-US" dirty="0"/>
-              <a:t>Learning Rate: 0.05 Hidden Layers = 5</a:t>
+              <a:t>Conclusion for random forest model:</a:t>
             </a:r>
           </a:p>
           <a:p>
             <a:pPr lvl="1"/>
             <a:r>
-              <a:rPr lang="en-US" dirty="0"/>
-              <a:t>0.9207920792 accuracy  (1= Female, 0= Male)</a:t>
+              <a:rPr lang="nb-NO" dirty="0"/>
+              <a:t>As the number of trees increase accuracy may or may not increase.</a:t>
             </a:r>
           </a:p>
           <a:p>
             <a:pPr lvl="1"/>
-            <a:endParaRPr lang="en-US" dirty="0"/>
+            <a:r>
+              <a:rPr lang="nb-NO" dirty="0"/>
+              <a:t>Sometimes the accuracy of training dataset is less than the test dataset even though training has more data in it. So the size of data is also an important factor apart from number of trees.</a:t>
+            </a:r>
           </a:p>
           <a:p>
             <a:pPr lvl="1"/>
-            <a:endParaRPr lang="en-US" dirty="0"/>
+            <a:endParaRPr lang="nb-NO" dirty="0"/>
           </a:p>
           <a:p>
             <a:pPr lvl="1"/>
-            <a:endParaRPr lang="en-US" dirty="0"/>
+            <a:endParaRPr lang="nb-NO" dirty="0"/>
           </a:p>
           <a:p>
             <a:pPr lvl="1"/>
-            <a:endParaRPr lang="en-US" dirty="0"/>
-          </a:p>
-          <a:p>
-            <a:r>
-              <a:rPr lang="en-US" dirty="0"/>
-              <a:t>Learning Rate: 0.1 Hidden Layers = 5</a:t>
-            </a:r>
+            <a:endParaRPr lang="nb-NO" dirty="0"/>
           </a:p>
           <a:p>
             <a:pPr lvl="1"/>
-            <a:r>
-              <a:rPr lang="en-US" dirty="0"/>
-              <a:t>0.900990099 accuracy</a:t>
-            </a:r>
-          </a:p>
-          <a:p>
-            <a:pPr lvl="1"/>
-            <a:endParaRPr lang="en-US" dirty="0"/>
-          </a:p>
-          <a:p>
-            <a:endParaRPr lang="en-US" dirty="0"/>
-          </a:p>
-        </p:txBody>
-      </p:sp>
-      <p:pic>
-        <p:nvPicPr>
-          <p:cNvPr id="6" name="Picture 5" descr="ann_5_5.PNG"/>
-          <p:cNvPicPr>
-            <a:picLocks noChangeAspect="1"/>
-          </p:cNvPicPr>
-          <p:nvPr/>
-        </p:nvPicPr>
-        <p:blipFill>
-          <a:blip r:embed="rId2"/>
-          <a:stretch>
-            <a:fillRect/>
-          </a:stretch>
-        </p:blipFill>
-        <p:spPr>
-          <a:xfrm>
-            <a:off x="3232591" y="3987129"/>
-            <a:ext cx="2886853" cy="1069834"/>
-          </a:xfrm>
-          <a:prstGeom prst="rect">
-            <a:avLst/>
-          </a:prstGeom>
-        </p:spPr>
-      </p:pic>
+            <a:endParaRPr lang="en-US" dirty="0"/>
+          </a:p>
+        </p:txBody>
+      </p:sp>
     </p:spTree>
     <p:extLst>
       <p:ext uri="{BB962C8B-B14F-4D97-AF65-F5344CB8AC3E}">
-        <p14:creationId xmlns:p14="http://schemas.microsoft.com/office/powerpoint/2010/main" val="2699455244"/>
+        <p14:creationId xmlns:p14="http://schemas.microsoft.com/office/powerpoint/2010/main" val="239787179"/>
       </p:ext>
     </p:extLst>
   </p:cSld>
@@ -6646,17 +6677,23 @@
         <p:spPr/>
         <p:txBody>
           <a:bodyPr>
-            <a:normAutofit/>
+            <a:normAutofit fontScale="92500" lnSpcReduction="20000"/>
           </a:bodyPr>
           <a:lstStyle/>
           <a:p>
             <a:r>
+              <a:rPr lang="en-US" dirty="0"/>
+              <a:t>Features used All columns except the categorical data like smoker, alcoholic etc</a:t>
+            </a:r>
+          </a:p>
+          <a:p>
+            <a:r>
               <a:rPr lang="en-US" i="1" dirty="0"/>
-              <a:t>Approach 2</a:t>
-            </a:r>
-            <a:r>
-              <a:rPr lang="en-US" dirty="0"/>
-              <a:t>: omit missing value (684 columns)</a:t>
+              <a:t>Approach 1</a:t>
+            </a:r>
+            <a:r>
+              <a:rPr lang="en-US" dirty="0"/>
+              <a:t>: replace missing value with mean of column</a:t>
             </a:r>
           </a:p>
           <a:p>
@@ -6669,7 +6706,7 @@
             <a:pPr lvl="1"/>
             <a:r>
               <a:rPr lang="en-US" dirty="0"/>
-              <a:t>0.9197080292 accuracy  (1= Female, 0= Male)</a:t>
+              <a:t>0.9207920792 accuracy  (1= Female, 0= Male)</a:t>
             </a:r>
           </a:p>
           <a:p>
@@ -6691,15 +6728,19 @@
           <a:p>
             <a:r>
               <a:rPr lang="en-US" dirty="0"/>
-              <a:t>Learning Rate: 0.05 Hidden Layers = 10</a:t>
+              <a:t>Learning Rate: 0.1 Hidden Layers = 5</a:t>
             </a:r>
           </a:p>
           <a:p>
             <a:pPr lvl="1"/>
             <a:r>
               <a:rPr lang="en-US" dirty="0"/>
-              <a:t>0.9051094891 accuracy</a:t>
-            </a:r>
+              <a:t>0.900990099 accuracy</a:t>
+            </a:r>
+          </a:p>
+          <a:p>
+            <a:pPr lvl="1"/>
+            <a:endParaRPr lang="en-US" dirty="0"/>
           </a:p>
           <a:p>
             <a:endParaRPr lang="en-US" dirty="0"/>
@@ -6708,7 +6749,7 @@
       </p:sp>
       <p:pic>
         <p:nvPicPr>
-          <p:cNvPr id="4" name="Picture 3" descr="ann_5_5_omit.PNG"/>
+          <p:cNvPr id="6" name="Picture 5" descr="ann_5_5.PNG"/>
           <p:cNvPicPr>
             <a:picLocks noChangeAspect="1"/>
           </p:cNvPicPr>
@@ -6722,8 +6763,8 @@
         </p:blipFill>
         <p:spPr>
           <a:xfrm>
-            <a:off x="3066757" y="3682324"/>
-            <a:ext cx="2700997" cy="1116411"/>
+            <a:off x="3232591" y="3987129"/>
+            <a:ext cx="2886853" cy="1069834"/>
           </a:xfrm>
           <a:prstGeom prst="rect">
             <a:avLst/>
@@ -6731,6 +6772,11 @@
         </p:spPr>
       </p:pic>
     </p:spTree>
+    <p:extLst>
+      <p:ext uri="{BB962C8B-B14F-4D97-AF65-F5344CB8AC3E}">
+        <p14:creationId xmlns:p14="http://schemas.microsoft.com/office/powerpoint/2010/main" val="2699455244"/>
+      </p:ext>
+    </p:extLst>
   </p:cSld>
   <p:clrMapOvr>
     <a:masterClrMapping/>
@@ -6776,11 +6822,15 @@
             </a:r>
             <a:r>
               <a:rPr lang="en-US" dirty="0" smtClean="0"/>
-              <a:t>5 </a:t>
-            </a:r>
-            <a:r>
-              <a:rPr lang="en-US" dirty="0"/>
-              <a:t>– C5.0</a:t>
+              <a:t>4 </a:t>
+            </a:r>
+            <a:r>
+              <a:rPr lang="mr-IN" dirty="0"/>
+              <a:t>–</a:t>
+            </a:r>
+            <a:r>
+              <a:rPr lang="en-US" dirty="0"/>
+              <a:t> Neural Network</a:t>
             </a:r>
           </a:p>
         </p:txBody>
@@ -6797,34 +6847,96 @@
         </p:nvSpPr>
         <p:spPr/>
         <p:txBody>
-          <a:bodyPr/>
+          <a:bodyPr>
+            <a:normAutofit/>
+          </a:bodyPr>
           <a:lstStyle/>
           <a:p>
             <a:r>
-              <a:rPr lang="en-US" dirty="0"/>
-              <a:t>Extra!</a:t>
-            </a:r>
-          </a:p>
-          <a:p>
-            <a:r>
-              <a:rPr lang="en-US" dirty="0"/>
-              <a:t>Interesting dependencies between seemingly independent aspects of an individual</a:t>
-            </a:r>
-          </a:p>
-        </p:txBody>
-      </p:sp>
+              <a:rPr lang="en-US" i="1" dirty="0"/>
+              <a:t>Approach 2</a:t>
+            </a:r>
+            <a:r>
+              <a:rPr lang="en-US" dirty="0"/>
+              <a:t>: omit missing value (684 columns)</a:t>
+            </a:r>
+          </a:p>
+          <a:p>
+            <a:r>
+              <a:rPr lang="en-US" dirty="0"/>
+              <a:t>Learning Rate: 0.05 Hidden Layers = 5</a:t>
+            </a:r>
+          </a:p>
+          <a:p>
+            <a:pPr lvl="1"/>
+            <a:r>
+              <a:rPr lang="en-US" dirty="0"/>
+              <a:t>0.9197080292 accuracy  (1= Female, 0= Male)</a:t>
+            </a:r>
+          </a:p>
+          <a:p>
+            <a:pPr lvl="1"/>
+            <a:endParaRPr lang="en-US" dirty="0"/>
+          </a:p>
+          <a:p>
+            <a:pPr lvl="1"/>
+            <a:endParaRPr lang="en-US" dirty="0"/>
+          </a:p>
+          <a:p>
+            <a:pPr lvl="1"/>
+            <a:endParaRPr lang="en-US" dirty="0"/>
+          </a:p>
+          <a:p>
+            <a:pPr lvl="1"/>
+            <a:endParaRPr lang="en-US" dirty="0"/>
+          </a:p>
+          <a:p>
+            <a:r>
+              <a:rPr lang="en-US" dirty="0"/>
+              <a:t>Learning Rate: 0.05 Hidden Layers = 10</a:t>
+            </a:r>
+          </a:p>
+          <a:p>
+            <a:pPr lvl="1"/>
+            <a:r>
+              <a:rPr lang="en-US" dirty="0"/>
+              <a:t>0.9051094891 accuracy</a:t>
+            </a:r>
+          </a:p>
+          <a:p>
+            <a:endParaRPr lang="en-US" dirty="0"/>
+          </a:p>
+        </p:txBody>
+      </p:sp>
+      <p:pic>
+        <p:nvPicPr>
+          <p:cNvPr id="4" name="Picture 3" descr="ann_5_5_omit.PNG"/>
+          <p:cNvPicPr>
+            <a:picLocks noChangeAspect="1"/>
+          </p:cNvPicPr>
+          <p:nvPr/>
+        </p:nvPicPr>
+        <p:blipFill>
+          <a:blip r:embed="rId2"/>
+          <a:stretch>
+            <a:fillRect/>
+          </a:stretch>
+        </p:blipFill>
+        <p:spPr>
+          <a:xfrm>
+            <a:off x="3066757" y="3682324"/>
+            <a:ext cx="2700997" cy="1116411"/>
+          </a:xfrm>
+          <a:prstGeom prst="rect">
+            <a:avLst/>
+          </a:prstGeom>
+        </p:spPr>
+      </p:pic>
     </p:spTree>
   </p:cSld>
   <p:clrMapOvr>
     <a:masterClrMapping/>
   </p:clrMapOvr>
-  <p:timing>
-    <p:tnLst>
-      <p:par>
-        <p:cTn id="1" dur="indefinite" restart="never" nodeType="tmRoot"/>
-      </p:par>
-    </p:tnLst>
-  </p:timing>
 </p:sld>
 </file>
 
@@ -6959,67 +7071,60 @@
           <a:chExt cx="0" cy="0"/>
         </a:xfrm>
       </p:grpSpPr>
-      <p:pic>
-        <p:nvPicPr>
-          <p:cNvPr id="4" name="Content Placeholder 3" descr="gender_movies.PNG"/>
-          <p:cNvPicPr>
-            <a:picLocks noGrp="1" noChangeAspect="1"/>
-          </p:cNvPicPr>
-          <p:nvPr>
-            <p:ph idx="4294967295"/>
-          </p:nvPr>
-        </p:nvPicPr>
-        <p:blipFill>
-          <a:blip r:embed="rId2"/>
-          <a:stretch>
-            <a:fillRect/>
-          </a:stretch>
-        </p:blipFill>
-        <p:spPr>
-          <a:xfrm>
-            <a:off x="424424" y="351985"/>
-            <a:ext cx="11528425" cy="5822950"/>
-          </a:xfrm>
-        </p:spPr>
-      </p:pic>
-      <p:sp>
-        <p:nvSpPr>
-          <p:cNvPr id="5" name="Rectangle 4"/>
-          <p:cNvSpPr/>
-          <p:nvPr/>
-        </p:nvSpPr>
-        <p:spPr>
-          <a:xfrm>
-            <a:off x="1280161" y="6239804"/>
-            <a:ext cx="9214338" cy="400110"/>
-          </a:xfrm>
-          <a:prstGeom prst="rect">
-            <a:avLst/>
-          </a:prstGeom>
-        </p:spPr>
-        <p:txBody>
-          <a:bodyPr wrap="square">
-            <a:spAutoFit/>
-          </a:bodyPr>
+      <p:sp>
+        <p:nvSpPr>
+          <p:cNvPr id="2" name="Title 1"/>
+          <p:cNvSpPr>
+            <a:spLocks noGrp="1"/>
+          </p:cNvSpPr>
+          <p:nvPr>
+            <p:ph type="title"/>
+          </p:nvPr>
+        </p:nvSpPr>
+        <p:spPr/>
+        <p:txBody>
+          <a:bodyPr/>
           <a:lstStyle/>
           <a:p>
-            <a:pPr marL="342900" indent="-342900">
-              <a:spcBef>
-                <a:spcPts val="1000"/>
-              </a:spcBef>
-              <a:buClr>
-                <a:schemeClr val="accent1"/>
-              </a:buClr>
-              <a:buFont typeface="Wingdings 3" charset="2"/>
-              <a:buChar char=""/>
-            </a:pPr>
-            <a:r>
-              <a:rPr lang="en-US" sz="2000" b="1" dirty="0">
-                <a:solidFill>
-                  <a:schemeClr val="accent2"/>
-                </a:solidFill>
-              </a:rPr>
-              <a:t>Classify gender based on horror, comedy and romantic movie ratings</a:t>
+            <a:r>
+              <a:rPr lang="en-US" dirty="0"/>
+              <a:t>Algorithm </a:t>
+            </a:r>
+            <a:r>
+              <a:rPr lang="en-US" dirty="0" smtClean="0"/>
+              <a:t>5 </a:t>
+            </a:r>
+            <a:r>
+              <a:rPr lang="en-US" dirty="0"/>
+              <a:t>– C5.0</a:t>
+            </a:r>
+          </a:p>
+        </p:txBody>
+      </p:sp>
+      <p:sp>
+        <p:nvSpPr>
+          <p:cNvPr id="3" name="Content Placeholder 2"/>
+          <p:cNvSpPr>
+            <a:spLocks noGrp="1"/>
+          </p:cNvSpPr>
+          <p:nvPr>
+            <p:ph idx="1"/>
+          </p:nvPr>
+        </p:nvSpPr>
+        <p:spPr/>
+        <p:txBody>
+          <a:bodyPr/>
+          <a:lstStyle/>
+          <a:p>
+            <a:r>
+              <a:rPr lang="en-US" dirty="0"/>
+              <a:t>Extra!</a:t>
+            </a:r>
+          </a:p>
+          <a:p>
+            <a:r>
+              <a:rPr lang="en-US" dirty="0"/>
+              <a:t>Interesting dependencies between seemingly independent aspects of an individual</a:t>
             </a:r>
           </a:p>
         </p:txBody>
@@ -7058,6 +7163,103 @@
       </p:grpSpPr>
       <p:pic>
         <p:nvPicPr>
+          <p:cNvPr id="4" name="Content Placeholder 3" descr="gender_movies.PNG"/>
+          <p:cNvPicPr>
+            <a:picLocks noGrp="1" noChangeAspect="1"/>
+          </p:cNvPicPr>
+          <p:nvPr>
+            <p:ph idx="4294967295"/>
+          </p:nvPr>
+        </p:nvPicPr>
+        <p:blipFill>
+          <a:blip r:embed="rId2"/>
+          <a:stretch>
+            <a:fillRect/>
+          </a:stretch>
+        </p:blipFill>
+        <p:spPr>
+          <a:xfrm>
+            <a:off x="424424" y="351985"/>
+            <a:ext cx="11528425" cy="5822950"/>
+          </a:xfrm>
+        </p:spPr>
+      </p:pic>
+      <p:sp>
+        <p:nvSpPr>
+          <p:cNvPr id="5" name="Rectangle 4"/>
+          <p:cNvSpPr/>
+          <p:nvPr/>
+        </p:nvSpPr>
+        <p:spPr>
+          <a:xfrm>
+            <a:off x="1280161" y="6239804"/>
+            <a:ext cx="9214338" cy="400110"/>
+          </a:xfrm>
+          <a:prstGeom prst="rect">
+            <a:avLst/>
+          </a:prstGeom>
+        </p:spPr>
+        <p:txBody>
+          <a:bodyPr wrap="square">
+            <a:spAutoFit/>
+          </a:bodyPr>
+          <a:lstStyle/>
+          <a:p>
+            <a:pPr marL="342900" indent="-342900">
+              <a:spcBef>
+                <a:spcPts val="1000"/>
+              </a:spcBef>
+              <a:buClr>
+                <a:schemeClr val="accent1"/>
+              </a:buClr>
+              <a:buFont typeface="Wingdings 3" charset="2"/>
+              <a:buChar char=""/>
+            </a:pPr>
+            <a:r>
+              <a:rPr lang="en-US" sz="2000" b="1" dirty="0">
+                <a:solidFill>
+                  <a:schemeClr val="accent2"/>
+                </a:solidFill>
+              </a:rPr>
+              <a:t>Classify gender based on horror, comedy and romantic movie ratings</a:t>
+            </a:r>
+          </a:p>
+        </p:txBody>
+      </p:sp>
+    </p:spTree>
+  </p:cSld>
+  <p:clrMapOvr>
+    <a:masterClrMapping/>
+  </p:clrMapOvr>
+  <p:timing>
+    <p:tnLst>
+      <p:par>
+        <p:cTn id="1" dur="indefinite" restart="never" nodeType="tmRoot"/>
+      </p:par>
+    </p:tnLst>
+  </p:timing>
+</p:sld>
+</file>
+
+<file path=ppt/slides/slide32.xml><?xml version="1.0" encoding="utf-8"?>
+<p:sld xmlns:a="http://schemas.openxmlformats.org/drawingml/2006/main" xmlns:r="http://schemas.openxmlformats.org/officeDocument/2006/relationships" xmlns:p="http://schemas.openxmlformats.org/presentationml/2006/main">
+  <p:cSld>
+    <p:spTree>
+      <p:nvGrpSpPr>
+        <p:cNvPr id="1" name=""/>
+        <p:cNvGrpSpPr/>
+        <p:nvPr/>
+      </p:nvGrpSpPr>
+      <p:grpSpPr>
+        <a:xfrm>
+          <a:off x="0" y="0"/>
+          <a:ext cx="0" cy="0"/>
+          <a:chOff x="0" y="0"/>
+          <a:chExt cx="0" cy="0"/>
+        </a:xfrm>
+      </p:grpSpPr>
+      <p:pic>
+        <p:nvPicPr>
           <p:cNvPr id="2" name="Picture 1" descr="alcohol_movies.PNG"/>
           <p:cNvPicPr>
             <a:picLocks noChangeAspect="1"/>
@@ -7100,14 +7302,14 @@
                 <a:gridCol w="657948">
                   <a:extLst>
                     <a:ext uri="{9D8B030D-6E8A-4147-A177-3AD203B41FA5}">
-                      <a16:colId xmlns:a16="http://schemas.microsoft.com/office/drawing/2014/main" xmlns="" val="20000"/>
+                      <a16:colId xmlns="" xmlns:a16="http://schemas.microsoft.com/office/drawing/2014/main" val="20000"/>
                     </a:ext>
                   </a:extLst>
                 </a:gridCol>
                 <a:gridCol w="932092">
                   <a:extLst>
                     <a:ext uri="{9D8B030D-6E8A-4147-A177-3AD203B41FA5}">
-                      <a16:colId xmlns:a16="http://schemas.microsoft.com/office/drawing/2014/main" xmlns="" val="20001"/>
+                      <a16:colId xmlns="" xmlns:a16="http://schemas.microsoft.com/office/drawing/2014/main" val="20001"/>
                     </a:ext>
                   </a:extLst>
                 </a:gridCol>
@@ -7227,7 +7429,7 @@
                 </a:tc>
                 <a:extLst>
                   <a:ext uri="{0D108BD9-81ED-4DB2-BD59-A6C34878D82A}">
-                    <a16:rowId xmlns:a16="http://schemas.microsoft.com/office/drawing/2014/main" xmlns="" val="10000"/>
+                    <a16:rowId xmlns="" xmlns:a16="http://schemas.microsoft.com/office/drawing/2014/main" val="10000"/>
                   </a:ext>
                 </a:extLst>
               </a:tr>
@@ -7346,7 +7548,7 @@
                 </a:tc>
                 <a:extLst>
                   <a:ext uri="{0D108BD9-81ED-4DB2-BD59-A6C34878D82A}">
-                    <a16:rowId xmlns:a16="http://schemas.microsoft.com/office/drawing/2014/main" xmlns="" val="10001"/>
+                    <a16:rowId xmlns="" xmlns:a16="http://schemas.microsoft.com/office/drawing/2014/main" val="10001"/>
                   </a:ext>
                 </a:extLst>
               </a:tr>
@@ -7465,7 +7667,7 @@
                 </a:tc>
                 <a:extLst>
                   <a:ext uri="{0D108BD9-81ED-4DB2-BD59-A6C34878D82A}">
-                    <a16:rowId xmlns:a16="http://schemas.microsoft.com/office/drawing/2014/main" xmlns="" val="10002"/>
+                    <a16:rowId xmlns="" xmlns:a16="http://schemas.microsoft.com/office/drawing/2014/main" val="10002"/>
                   </a:ext>
                 </a:extLst>
               </a:tr>
@@ -7530,7 +7732,7 @@
 </p:sld>
 </file>
 
-<file path=ppt/slides/slide32.xml><?xml version="1.0" encoding="utf-8"?>
+<file path=ppt/slides/slide33.xml><?xml version="1.0" encoding="utf-8"?>
 <p:sld xmlns:a="http://schemas.openxmlformats.org/drawingml/2006/main" xmlns:r="http://schemas.openxmlformats.org/officeDocument/2006/relationships" xmlns:p="http://schemas.openxmlformats.org/presentationml/2006/main">
   <p:cSld>
     <p:spTree>
@@ -7672,21 +7874,21 @@
                 <a:gridCol w="2709333">
                   <a:extLst>
                     <a:ext uri="{9D8B030D-6E8A-4147-A177-3AD203B41FA5}">
-                      <a16:colId xmlns:a16="http://schemas.microsoft.com/office/drawing/2014/main" xmlns="" val="20000"/>
+                      <a16:colId xmlns="" xmlns:a16="http://schemas.microsoft.com/office/drawing/2014/main" val="20000"/>
                     </a:ext>
                   </a:extLst>
                 </a:gridCol>
                 <a:gridCol w="2709333">
                   <a:extLst>
                     <a:ext uri="{9D8B030D-6E8A-4147-A177-3AD203B41FA5}">
-                      <a16:colId xmlns:a16="http://schemas.microsoft.com/office/drawing/2014/main" xmlns="" val="20001"/>
+                      <a16:colId xmlns="" xmlns:a16="http://schemas.microsoft.com/office/drawing/2014/main" val="20001"/>
                     </a:ext>
                   </a:extLst>
                 </a:gridCol>
                 <a:gridCol w="2709333">
                   <a:extLst>
                     <a:ext uri="{9D8B030D-6E8A-4147-A177-3AD203B41FA5}">
-                      <a16:colId xmlns:a16="http://schemas.microsoft.com/office/drawing/2014/main" xmlns="" val="20002"/>
+                      <a16:colId xmlns="" xmlns:a16="http://schemas.microsoft.com/office/drawing/2014/main" val="20002"/>
                     </a:ext>
                   </a:extLst>
                 </a:gridCol>
@@ -7736,7 +7938,7 @@
                 </a:tc>
                 <a:extLst>
                   <a:ext uri="{0D108BD9-81ED-4DB2-BD59-A6C34878D82A}">
-                    <a16:rowId xmlns:a16="http://schemas.microsoft.com/office/drawing/2014/main" xmlns="" val="10000"/>
+                    <a16:rowId xmlns="" xmlns:a16="http://schemas.microsoft.com/office/drawing/2014/main" val="10000"/>
                   </a:ext>
                 </a:extLst>
               </a:tr>
@@ -7788,7 +7990,7 @@
                 </a:tc>
                 <a:extLst>
                   <a:ext uri="{0D108BD9-81ED-4DB2-BD59-A6C34878D82A}">
-                    <a16:rowId xmlns:a16="http://schemas.microsoft.com/office/drawing/2014/main" xmlns="" val="10001"/>
+                    <a16:rowId xmlns="" xmlns:a16="http://schemas.microsoft.com/office/drawing/2014/main" val="10001"/>
                   </a:ext>
                 </a:extLst>
               </a:tr>
@@ -7835,7 +8037,7 @@
                 </a:tc>
                 <a:extLst>
                   <a:ext uri="{0D108BD9-81ED-4DB2-BD59-A6C34878D82A}">
-                    <a16:rowId xmlns:a16="http://schemas.microsoft.com/office/drawing/2014/main" xmlns="" val="10002"/>
+                    <a16:rowId xmlns="" xmlns:a16="http://schemas.microsoft.com/office/drawing/2014/main" val="10002"/>
                   </a:ext>
                 </a:extLst>
               </a:tr>
@@ -7890,7 +8092,7 @@
                 </a:tc>
                 <a:extLst>
                   <a:ext uri="{0D108BD9-81ED-4DB2-BD59-A6C34878D82A}">
-                    <a16:rowId xmlns:a16="http://schemas.microsoft.com/office/drawing/2014/main" xmlns="" val="10003"/>
+                    <a16:rowId xmlns="" xmlns:a16="http://schemas.microsoft.com/office/drawing/2014/main" val="10003"/>
                   </a:ext>
                 </a:extLst>
               </a:tr>
@@ -7943,7 +8145,7 @@
                 </a:tc>
                 <a:extLst>
                   <a:ext uri="{0D108BD9-81ED-4DB2-BD59-A6C34878D82A}">
-                    <a16:rowId xmlns:a16="http://schemas.microsoft.com/office/drawing/2014/main" xmlns="" val="10004"/>
+                    <a16:rowId xmlns="" xmlns:a16="http://schemas.microsoft.com/office/drawing/2014/main" val="10004"/>
                   </a:ext>
                 </a:extLst>
               </a:tr>
@@ -7971,7 +8173,7 @@
 </p:sld>
 </file>
 
-<file path=ppt/slides/slide33.xml><?xml version="1.0" encoding="utf-8"?>
+<file path=ppt/slides/slide34.xml><?xml version="1.0" encoding="utf-8"?>
 <p:sld xmlns:a="http://schemas.openxmlformats.org/drawingml/2006/main" xmlns:r="http://schemas.openxmlformats.org/officeDocument/2006/relationships" xmlns:p="http://schemas.openxmlformats.org/presentationml/2006/main">
   <p:cSld>
     <p:spTree>
@@ -8304,7 +8506,19 @@
           <a:p>
             <a:r>
               <a:rPr lang="en-US" dirty="0"/>
-              <a:t>Algorithm 1- KNN</a:t>
+              <a:t>Algorithm </a:t>
+            </a:r>
+            <a:r>
+              <a:rPr lang="en-US" dirty="0"/>
+              <a:t>1</a:t>
+            </a:r>
+            <a:r>
+              <a:rPr lang="en-US" dirty="0" smtClean="0"/>
+              <a:t> </a:t>
+            </a:r>
+            <a:r>
+              <a:rPr lang="en-US" dirty="0"/>
+              <a:t>- Naïve Bayes</a:t>
             </a:r>
           </a:p>
         </p:txBody>
@@ -8321,43 +8535,19 @@
         </p:nvSpPr>
         <p:spPr/>
         <p:txBody>
-          <a:bodyPr>
-            <a:normAutofit/>
-          </a:bodyPr>
+          <a:bodyPr/>
           <a:lstStyle/>
           <a:p>
             <a:r>
-              <a:rPr lang="en-US" dirty="0"/>
-              <a:t>K nearest neighbors found using Euclidean distance metric:</a:t>
-            </a:r>
-          </a:p>
-          <a:p>
-            <a:endParaRPr lang="en-US" dirty="0"/>
-          </a:p>
-          <a:p>
-            <a:endParaRPr lang="en-US" dirty="0"/>
-          </a:p>
-          <a:p>
-            <a:endParaRPr lang="en-US" dirty="0"/>
-          </a:p>
-          <a:p>
-            <a:r>
-              <a:rPr lang="en-US" dirty="0"/>
-              <a:t>Predictors used: </a:t>
-            </a:r>
-            <a:r>
               <a:rPr lang="en-US" dirty="0" smtClean="0"/>
-              <a:t>Entire Dataset</a:t>
+              <a:t>Works on the assumption that given a class the occurrence of a certain feature is independent of other features</a:t>
             </a:r>
           </a:p>
           <a:p>
             <a:r>
               <a:rPr lang="en-US" dirty="0" smtClean="0"/>
-              <a:t>Classification : Male/Female</a:t>
-            </a:r>
-            <a:endParaRPr lang="en-US" dirty="0"/>
-          </a:p>
-          <a:p>
+              <a:t>Based on the Bayes theorem of conditional probability</a:t>
+            </a:r>
             <a:endParaRPr lang="en-US" dirty="0"/>
           </a:p>
           <a:p>
@@ -8365,47 +8555,31 @@
             <a:endParaRPr lang="en-US" dirty="0"/>
           </a:p>
           <a:p>
-            <a:endParaRPr lang="en-US" dirty="0"/>
-          </a:p>
-          <a:p>
-            <a:endParaRPr lang="en-US" dirty="0"/>
-          </a:p>
-        </p:txBody>
-      </p:sp>
-      <p:pic>
-        <p:nvPicPr>
-          <p:cNvPr id="4" name="Picture 3"/>
-          <p:cNvPicPr>
-            <a:picLocks noChangeAspect="1"/>
-          </p:cNvPicPr>
-          <p:nvPr/>
-        </p:nvPicPr>
-        <p:blipFill>
-          <a:blip r:embed="rId2"/>
-          <a:stretch>
-            <a:fillRect/>
-          </a:stretch>
-        </p:blipFill>
-        <p:spPr>
-          <a:xfrm>
-            <a:off x="2829828" y="2657098"/>
-            <a:ext cx="4467755" cy="1335666"/>
-          </a:xfrm>
-          <a:prstGeom prst="rect">
-            <a:avLst/>
-          </a:prstGeom>
-        </p:spPr>
-      </p:pic>
+            <a:pPr lvl="1"/>
+            <a:r>
+              <a:rPr lang="en-US" dirty="0" smtClean="0"/>
+              <a:t>P(A/B) = P(B/A) * (P(A) /P(B))</a:t>
+            </a:r>
+          </a:p>
+        </p:txBody>
+      </p:sp>
     </p:spTree>
     <p:extLst>
       <p:ext uri="{BB962C8B-B14F-4D97-AF65-F5344CB8AC3E}">
-        <p14:creationId xmlns:p14="http://schemas.microsoft.com/office/powerpoint/2010/main" val="597700395"/>
+        <p14:creationId xmlns:p14="http://schemas.microsoft.com/office/powerpoint/2010/main" val="869547253"/>
       </p:ext>
     </p:extLst>
   </p:cSld>
   <p:clrMapOvr>
     <a:masterClrMapping/>
   </p:clrMapOvr>
+  <p:timing>
+    <p:tnLst>
+      <p:par>
+        <p:cTn id="1" dur="indefinite" restart="never" nodeType="tmRoot"/>
+      </p:par>
+    </p:tnLst>
+  </p:timing>
 </p:sld>
 </file>
 
@@ -8442,9 +8616,26 @@
           <a:lstStyle/>
           <a:p>
             <a:r>
-              <a:rPr lang="en-US" dirty="0"/>
-              <a:t>Algorithm 1- KNN</a:t>
-            </a:r>
+              <a:rPr lang="en-US" dirty="0" smtClean="0"/>
+              <a:t>Algorithm </a:t>
+            </a:r>
+            <a:r>
+              <a:rPr lang="en-US" dirty="0" smtClean="0"/>
+              <a:t>1</a:t>
+            </a:r>
+            <a:r>
+              <a:rPr lang="mr-IN" dirty="0" smtClean="0"/>
+              <a:t>–</a:t>
+            </a:r>
+            <a:r>
+              <a:rPr lang="en-US" dirty="0" smtClean="0"/>
+              <a:t> </a:t>
+            </a:r>
+            <a:r>
+              <a:rPr lang="en-US" dirty="0" smtClean="0"/>
+              <a:t>Naïve Bayes</a:t>
+            </a:r>
+            <a:endParaRPr lang="en-US" dirty="0"/>
           </a:p>
         </p:txBody>
       </p:sp>
@@ -8461,83 +8652,109 @@
         <p:spPr/>
         <p:txBody>
           <a:bodyPr>
-            <a:normAutofit/>
+            <a:normAutofit lnSpcReduction="10000"/>
           </a:bodyPr>
           <a:lstStyle/>
           <a:p>
+            <a:endParaRPr lang="en-US" dirty="0" smtClean="0"/>
+          </a:p>
+          <a:p>
             <a:r>
               <a:rPr lang="en-US" dirty="0" smtClean="0"/>
-              <a:t>Approach 1 : Omit NA </a:t>
-            </a:r>
-            <a:endParaRPr lang="en-US" dirty="0"/>
+              <a:t>Approach </a:t>
+            </a:r>
+            <a:r>
+              <a:rPr lang="en-US" dirty="0"/>
+              <a:t>1 : Omit NA </a:t>
+            </a:r>
+            <a:endParaRPr lang="en-US" dirty="0" smtClean="0"/>
           </a:p>
           <a:p>
             <a:pPr lvl="1"/>
+            <a:r>
+              <a:rPr lang="en-US" dirty="0"/>
+              <a:t>D</a:t>
+            </a:r>
+            <a:r>
+              <a:rPr lang="en-US" dirty="0" smtClean="0"/>
+              <a:t>ataset : All predictors</a:t>
+            </a:r>
+          </a:p>
+          <a:p>
+            <a:pPr lvl="1"/>
+            <a:r>
+              <a:rPr lang="en-US" dirty="0" smtClean="0"/>
+              <a:t>Accuracy: </a:t>
+            </a:r>
+            <a:r>
+              <a:rPr lang="en-US" dirty="0" smtClean="0"/>
+              <a:t>0.902439</a:t>
+            </a:r>
+            <a:endParaRPr lang="en-US" dirty="0"/>
+          </a:p>
+          <a:p>
+            <a:pPr lvl="1"/>
+            <a:endParaRPr lang="en-US" dirty="0"/>
+          </a:p>
+          <a:p>
+            <a:r>
+              <a:rPr lang="en-US" dirty="0"/>
+              <a:t>Approach </a:t>
+            </a:r>
+            <a:r>
+              <a:rPr lang="en-US" dirty="0" smtClean="0"/>
+              <a:t>2 </a:t>
+            </a:r>
+            <a:r>
+              <a:rPr lang="en-US" dirty="0"/>
+              <a:t>: </a:t>
+            </a:r>
+            <a:r>
+              <a:rPr lang="en-US" dirty="0" smtClean="0"/>
+              <a:t>Replaced NAs with </a:t>
+            </a:r>
+            <a:r>
+              <a:rPr lang="en-US" dirty="0" smtClean="0"/>
+              <a:t>mean/mode and removed the highly correlated factors </a:t>
+            </a:r>
+            <a:endParaRPr lang="en-US" dirty="0"/>
+          </a:p>
+          <a:p>
+            <a:pPr lvl="1"/>
+            <a:r>
+              <a:rPr lang="en-US" dirty="0"/>
+              <a:t>Dataset : All </a:t>
+            </a:r>
+            <a:r>
+              <a:rPr lang="en-US" dirty="0" smtClean="0"/>
+              <a:t>predictors(except highly 		</a:t>
+            </a:r>
+          </a:p>
+          <a:p>
+            <a:pPr lvl="1"/>
+            <a:r>
+              <a:rPr lang="en-US" dirty="0" smtClean="0"/>
+              <a:t>correlated factors</a:t>
+            </a:r>
+            <a:endParaRPr lang="en-US" dirty="0"/>
+          </a:p>
+          <a:p>
+            <a:pPr lvl="1"/>
+            <a:r>
+              <a:rPr lang="en-US" dirty="0" smtClean="0"/>
+              <a:t>Accuracy: </a:t>
+            </a:r>
+            <a:r>
+              <a:rPr lang="it-IT" dirty="0"/>
+              <a:t>0.9405941</a:t>
+            </a:r>
             <a:endParaRPr lang="en-US" dirty="0" smtClean="0"/>
-          </a:p>
-          <a:p>
-            <a:pPr lvl="1"/>
-            <a:r>
-              <a:rPr lang="en-US" dirty="0" smtClean="0"/>
-              <a:t>K </a:t>
-            </a:r>
-            <a:r>
-              <a:rPr lang="en-US" dirty="0"/>
-              <a:t>= </a:t>
-            </a:r>
-            <a:r>
-              <a:rPr lang="en-US" dirty="0" smtClean="0"/>
-              <a:t>17,19  </a:t>
-            </a:r>
-            <a:r>
-              <a:rPr lang="en-US" dirty="0"/>
-              <a:t>(</a:t>
-            </a:r>
-            <a:r>
-              <a:rPr lang="is-IS" dirty="0" smtClean="0"/>
-              <a:t>0.859</a:t>
-            </a:r>
-            <a:r>
-              <a:rPr lang="en-US" dirty="0" smtClean="0"/>
-              <a:t> accuracy</a:t>
-            </a:r>
-            <a:r>
-              <a:rPr lang="en-US" dirty="0"/>
-              <a:t>)</a:t>
-            </a:r>
-            <a:endParaRPr lang="en-US" dirty="0"/>
-          </a:p>
-          <a:p>
-            <a:pPr lvl="1"/>
-            <a:endParaRPr lang="en-US" dirty="0"/>
-          </a:p>
-          <a:p>
-            <a:endParaRPr lang="en-US" dirty="0" smtClean="0"/>
-          </a:p>
-          <a:p>
-            <a:endParaRPr lang="en-US" dirty="0"/>
-          </a:p>
-          <a:p>
-            <a:pPr lvl="1"/>
-            <a:r>
-              <a:rPr lang="en-US" dirty="0" smtClean="0"/>
-              <a:t>K=15(</a:t>
-            </a:r>
-            <a:r>
-              <a:rPr lang="nb-NO" dirty="0" smtClean="0"/>
-              <a:t>0.848 </a:t>
-            </a:r>
-            <a:r>
-              <a:rPr lang="en-US" dirty="0" smtClean="0"/>
-              <a:t>accuracy)</a:t>
-            </a:r>
-            <a:endParaRPr lang="en-US" dirty="0"/>
           </a:p>
         </p:txBody>
       </p:sp>
       <p:pic>
         <p:nvPicPr>
-          <p:cNvPr id="9" name="Picture 8"/>
+          <p:cNvPr id="5" name="Picture 4"/>
           <p:cNvPicPr>
             <a:picLocks noChangeAspect="1"/>
           </p:cNvPicPr>
@@ -8557,8 +8774,8 @@
         </p:blipFill>
         <p:spPr>
           <a:xfrm>
-            <a:off x="6965950" y="2644808"/>
-            <a:ext cx="2825750" cy="1524000"/>
+            <a:off x="8407400" y="2519379"/>
+            <a:ext cx="3022600" cy="1347772"/>
           </a:xfrm>
           <a:prstGeom prst="rect">
             <a:avLst/>
@@ -8567,7 +8784,7 @@
       </p:pic>
       <p:pic>
         <p:nvPicPr>
-          <p:cNvPr id="10" name="Picture 9"/>
+          <p:cNvPr id="6" name="Picture 5"/>
           <p:cNvPicPr>
             <a:picLocks noChangeAspect="1"/>
           </p:cNvPicPr>
@@ -8587,8 +8804,8 @@
         </p:blipFill>
         <p:spPr>
           <a:xfrm>
-            <a:off x="6965950" y="4829208"/>
-            <a:ext cx="2825750" cy="1625600"/>
+            <a:off x="8407400" y="4703778"/>
+            <a:ext cx="3022600" cy="1487471"/>
           </a:xfrm>
           <a:prstGeom prst="rect">
             <a:avLst/>
@@ -8598,13 +8815,20 @@
     </p:spTree>
     <p:extLst>
       <p:ext uri="{BB962C8B-B14F-4D97-AF65-F5344CB8AC3E}">
-        <p14:creationId xmlns:p14="http://schemas.microsoft.com/office/powerpoint/2010/main" val="750973216"/>
+        <p14:creationId xmlns:p14="http://schemas.microsoft.com/office/powerpoint/2010/main" val="854463336"/>
       </p:ext>
     </p:extLst>
   </p:cSld>
   <p:clrMapOvr>
     <a:masterClrMapping/>
   </p:clrMapOvr>
+  <p:timing>
+    <p:tnLst>
+      <p:par>
+        <p:cTn id="1" dur="indefinite" restart="never" nodeType="tmRoot"/>
+      </p:par>
+    </p:tnLst>
+  </p:timing>
 </p:sld>
 </file>
 
@@ -8642,119 +8866,36 @@
           <a:p>
             <a:r>
               <a:rPr lang="en-US" dirty="0"/>
-              <a:t>Algorithm 1- KNN</a:t>
-            </a:r>
-          </a:p>
-        </p:txBody>
-      </p:sp>
-      <p:sp>
-        <p:nvSpPr>
-          <p:cNvPr id="3" name="Content Placeholder 2"/>
-          <p:cNvSpPr>
-            <a:spLocks noGrp="1"/>
-          </p:cNvSpPr>
-          <p:nvPr>
-            <p:ph idx="1"/>
-          </p:nvPr>
-        </p:nvSpPr>
-        <p:spPr/>
-        <p:txBody>
-          <a:bodyPr>
-            <a:normAutofit/>
-          </a:bodyPr>
-          <a:lstStyle/>
-          <a:p>
+              <a:t>Algorithm </a:t>
+            </a:r>
             <a:r>
               <a:rPr lang="en-US" dirty="0" smtClean="0"/>
-              <a:t>Approach 2 : Replaced NA’s with mean/mode</a:t>
-            </a:r>
-          </a:p>
-          <a:p>
-            <a:pPr lvl="1"/>
-            <a:endParaRPr lang="en-US" dirty="0" smtClean="0"/>
-          </a:p>
-          <a:p>
-            <a:pPr lvl="1"/>
+              <a:t>1</a:t>
+            </a:r>
+            <a:r>
+              <a:rPr lang="mr-IN" dirty="0" smtClean="0"/>
+              <a:t>–</a:t>
+            </a:r>
             <a:r>
               <a:rPr lang="en-US" dirty="0" smtClean="0"/>
-              <a:t>K </a:t>
-            </a:r>
-            <a:r>
-              <a:rPr lang="en-US" dirty="0"/>
-              <a:t>= </a:t>
-            </a:r>
-            <a:r>
-              <a:rPr lang="en-US" dirty="0" smtClean="0"/>
-              <a:t>17  (</a:t>
-            </a:r>
-            <a:r>
-              <a:rPr lang="nb-NO" dirty="0" smtClean="0"/>
-              <a:t>0.8844 </a:t>
-            </a:r>
-            <a:r>
-              <a:rPr lang="en-US" dirty="0" smtClean="0"/>
-              <a:t>accuracy</a:t>
-            </a:r>
-            <a:r>
-              <a:rPr lang="en-US" dirty="0"/>
-              <a:t>)</a:t>
-            </a:r>
-          </a:p>
-          <a:p>
-            <a:pPr lvl="1"/>
-            <a:endParaRPr lang="en-US" dirty="0"/>
-          </a:p>
-          <a:p>
-            <a:pPr lvl="1"/>
-            <a:endParaRPr lang="en-US" dirty="0" smtClean="0"/>
-          </a:p>
-          <a:p>
-            <a:pPr lvl="1"/>
-            <a:endParaRPr lang="en-US" dirty="0"/>
-          </a:p>
-          <a:p>
-            <a:pPr lvl="1"/>
-            <a:r>
-              <a:rPr lang="en-US" dirty="0" smtClean="0"/>
-              <a:t>K </a:t>
-            </a:r>
-            <a:r>
-              <a:rPr lang="en-US" dirty="0"/>
-              <a:t>= </a:t>
-            </a:r>
-            <a:r>
-              <a:rPr lang="en-US" dirty="0" smtClean="0"/>
-              <a:t>19 </a:t>
-            </a:r>
-            <a:r>
-              <a:rPr lang="en-US" dirty="0"/>
-              <a:t>(</a:t>
-            </a:r>
-            <a:r>
-              <a:rPr lang="de-DE" dirty="0" smtClean="0"/>
-              <a:t>0.8943 </a:t>
-            </a:r>
-            <a:r>
-              <a:rPr lang="it-IT" dirty="0"/>
-              <a:t>accuracy)</a:t>
-            </a:r>
-            <a:endParaRPr lang="en-US" dirty="0"/>
-          </a:p>
-          <a:p>
-            <a:endParaRPr lang="en-US" dirty="0"/>
-          </a:p>
-          <a:p>
-            <a:endParaRPr lang="en-US" dirty="0"/>
+              <a:t> </a:t>
+            </a:r>
+            <a:r>
+              <a:rPr lang="en-US" dirty="0"/>
+              <a:t>Naïve Bayes</a:t>
+            </a:r>
           </a:p>
         </p:txBody>
       </p:sp>
       <p:pic>
         <p:nvPicPr>
-          <p:cNvPr id="5" name="Picture 4"/>
+          <p:cNvPr id="4" name="Content Placeholder 3"/>
           <p:cNvPicPr>
-            <a:picLocks noChangeAspect="1"/>
+            <a:picLocks noGrp="1" noChangeAspect="1"/>
           </p:cNvPicPr>
-          <p:nvPr/>
+          <p:nvPr>
+            <p:ph idx="1"/>
+          </p:nvPr>
         </p:nvPicPr>
         <p:blipFill>
           <a:blip r:embed="rId2">
@@ -8770,54 +8911,28 @@
         </p:blipFill>
         <p:spPr>
           <a:xfrm>
-            <a:off x="6464300" y="2604913"/>
-            <a:ext cx="3041650" cy="1219200"/>
-          </a:xfrm>
-          <a:prstGeom prst="rect">
-            <a:avLst/>
-          </a:prstGeom>
-        </p:spPr>
-      </p:pic>
-      <p:pic>
-        <p:nvPicPr>
-          <p:cNvPr id="7" name="Picture 6"/>
-          <p:cNvPicPr>
-            <a:picLocks noChangeAspect="1"/>
-          </p:cNvPicPr>
-          <p:nvPr/>
-        </p:nvPicPr>
-        <p:blipFill>
-          <a:blip r:embed="rId3">
-            <a:extLst>
-              <a:ext uri="{28A0092B-C50C-407E-A947-70E740481C1C}">
-                <a14:useLocalDpi xmlns:a14="http://schemas.microsoft.com/office/drawing/2010/main" val="0"/>
-              </a:ext>
-            </a:extLst>
-          </a:blip>
-          <a:stretch>
-            <a:fillRect/>
-          </a:stretch>
-        </p:blipFill>
-        <p:spPr>
-          <a:xfrm>
-            <a:off x="6464300" y="4546218"/>
-            <a:ext cx="3041650" cy="1344596"/>
-          </a:xfrm>
-          <a:prstGeom prst="rect">
-            <a:avLst/>
-          </a:prstGeom>
+            <a:off x="2324100" y="1428750"/>
+            <a:ext cx="7296150" cy="5026025"/>
+          </a:xfrm>
         </p:spPr>
       </p:pic>
     </p:spTree>
     <p:extLst>
       <p:ext uri="{BB962C8B-B14F-4D97-AF65-F5344CB8AC3E}">
-        <p14:creationId xmlns:p14="http://schemas.microsoft.com/office/powerpoint/2010/main" val="313837605"/>
+        <p14:creationId xmlns:p14="http://schemas.microsoft.com/office/powerpoint/2010/main" val="742140663"/>
       </p:ext>
     </p:extLst>
   </p:cSld>
   <p:clrMapOvr>
     <a:masterClrMapping/>
   </p:clrMapOvr>
+  <p:timing>
+    <p:tnLst>
+      <p:par>
+        <p:cTn id="1" dur="indefinite" restart="never" nodeType="tmRoot"/>
+      </p:par>
+    </p:tnLst>
+  </p:timing>
 </p:sld>
 </file>
 
@@ -8854,10 +8969,17 @@
           <a:lstStyle/>
           <a:p>
             <a:r>
+              <a:rPr lang="en-US" dirty="0"/>
+              <a:t>Algorithm </a:t>
+            </a:r>
+            <a:r>
               <a:rPr lang="en-US" dirty="0" smtClean="0"/>
-              <a:t>Conclusion for KNN</a:t>
-            </a:r>
-            <a:endParaRPr lang="en-US" dirty="0"/>
+              <a:t>2- </a:t>
+            </a:r>
+            <a:r>
+              <a:rPr lang="en-US" dirty="0"/>
+              <a:t>KNN</a:t>
+            </a:r>
           </a:p>
         </p:txBody>
       </p:sp>
@@ -8873,31 +8995,85 @@
         </p:nvSpPr>
         <p:spPr/>
         <p:txBody>
-          <a:bodyPr/>
+          <a:bodyPr>
+            <a:normAutofit/>
+          </a:bodyPr>
           <a:lstStyle/>
           <a:p>
             <a:r>
               <a:rPr lang="en-US" dirty="0"/>
-              <a:t>C</a:t>
+              <a:t>K nearest neighbors found using Euclidean distance metric:</a:t>
+            </a:r>
+          </a:p>
+          <a:p>
+            <a:endParaRPr lang="en-US" dirty="0"/>
+          </a:p>
+          <a:p>
+            <a:endParaRPr lang="en-US" dirty="0"/>
+          </a:p>
+          <a:p>
+            <a:endParaRPr lang="en-US" dirty="0"/>
+          </a:p>
+          <a:p>
+            <a:r>
+              <a:rPr lang="en-US" dirty="0"/>
+              <a:t>Predictors used: </a:t>
             </a:r>
             <a:r>
               <a:rPr lang="en-US" dirty="0" smtClean="0"/>
-              <a:t>lassification accuracy increased as the value of k increased.</a:t>
+              <a:t>Entire Dataset</a:t>
             </a:r>
           </a:p>
           <a:p>
             <a:r>
               <a:rPr lang="en-US" dirty="0" smtClean="0"/>
-              <a:t>There was not much increase in accuracy after replacing missing values.</a:t>
-            </a:r>
-            <a:endParaRPr lang="en-US" dirty="0"/>
-          </a:p>
-        </p:txBody>
-      </p:sp>
+              <a:t>Classification : Male/Female</a:t>
+            </a:r>
+            <a:endParaRPr lang="en-US" dirty="0"/>
+          </a:p>
+          <a:p>
+            <a:endParaRPr lang="en-US" dirty="0"/>
+          </a:p>
+          <a:p>
+            <a:pPr lvl="1"/>
+            <a:endParaRPr lang="en-US" dirty="0"/>
+          </a:p>
+          <a:p>
+            <a:endParaRPr lang="en-US" dirty="0"/>
+          </a:p>
+          <a:p>
+            <a:endParaRPr lang="en-US" dirty="0"/>
+          </a:p>
+        </p:txBody>
+      </p:sp>
+      <p:pic>
+        <p:nvPicPr>
+          <p:cNvPr id="4" name="Picture 3"/>
+          <p:cNvPicPr>
+            <a:picLocks noChangeAspect="1"/>
+          </p:cNvPicPr>
+          <p:nvPr/>
+        </p:nvPicPr>
+        <p:blipFill>
+          <a:blip r:embed="rId2"/>
+          <a:stretch>
+            <a:fillRect/>
+          </a:stretch>
+        </p:blipFill>
+        <p:spPr>
+          <a:xfrm>
+            <a:off x="2829828" y="2657098"/>
+            <a:ext cx="4467755" cy="1335666"/>
+          </a:xfrm>
+          <a:prstGeom prst="rect">
+            <a:avLst/>
+          </a:prstGeom>
+        </p:spPr>
+      </p:pic>
     </p:spTree>
     <p:extLst>
       <p:ext uri="{BB962C8B-B14F-4D97-AF65-F5344CB8AC3E}">
-        <p14:creationId xmlns:p14="http://schemas.microsoft.com/office/powerpoint/2010/main" val="1935058227"/>
+        <p14:creationId xmlns:p14="http://schemas.microsoft.com/office/powerpoint/2010/main" val="597700395"/>
       </p:ext>
     </p:extLst>
   </p:cSld>

--- a/Presentation_YPS.pptx
+++ b/Presentation_YPS.pptx
@@ -5,7 +5,7 @@
     <p:sldMasterId id="2147483876" r:id="rId1"/>
   </p:sldMasterIdLst>
   <p:notesMasterIdLst>
-    <p:notesMasterId r:id="rId36"/>
+    <p:notesMasterId r:id="rId38"/>
   </p:notesMasterIdLst>
   <p:sldIdLst>
     <p:sldId id="256" r:id="rId2"/>
@@ -36,12 +36,14 @@
     <p:sldId id="291" r:id="rId27"/>
     <p:sldId id="290" r:id="rId28"/>
     <p:sldId id="264" r:id="rId29"/>
-    <p:sldId id="277" r:id="rId30"/>
-    <p:sldId id="278" r:id="rId31"/>
-    <p:sldId id="279" r:id="rId32"/>
-    <p:sldId id="280" r:id="rId33"/>
-    <p:sldId id="269" r:id="rId34"/>
-    <p:sldId id="271" r:id="rId35"/>
+    <p:sldId id="303" r:id="rId30"/>
+    <p:sldId id="277" r:id="rId31"/>
+    <p:sldId id="302" r:id="rId32"/>
+    <p:sldId id="278" r:id="rId33"/>
+    <p:sldId id="279" r:id="rId34"/>
+    <p:sldId id="280" r:id="rId35"/>
+    <p:sldId id="269" r:id="rId36"/>
+    <p:sldId id="271" r:id="rId37"/>
   </p:sldIdLst>
   <p:sldSz cx="12192000" cy="6858000"/>
   <p:notesSz cx="6858000" cy="9144000"/>
@@ -142,7 +144,7 @@
   </p:defaultTextStyle>
   <p:extLst>
     <p:ext uri="{EFAFB233-063F-42B5-8137-9DF3F51BA10A}">
-      <p15:sldGuideLst xmlns:p15="http://schemas.microsoft.com/office/powerpoint/2012/main">
+      <p15:sldGuideLst xmlns:p15="http://schemas.microsoft.com/office/powerpoint/2012/main" xmlns="">
         <p15:guide id="1" orient="horz" pos="2160">
           <p15:clr>
             <a:srgbClr val="A4A3A4"/>
@@ -181,7 +183,7 @@
     <p:text> It predicts membership probabilities for each class such as the probability that given record or data point belongs to a particular class.  The class with the highest probability is considered as the most likely class</p:text>
     <p:extLst>
       <p:ext uri="{C676402C-5697-4E1C-873F-D02D1690AC5C}">
-        <p15:threadingInfo xmlns:p15="http://schemas.microsoft.com/office/powerpoint/2012/main" timeZoneBias="300"/>
+        <p15:threadingInfo xmlns:p15="http://schemas.microsoft.com/office/powerpoint/2012/main" xmlns="" timeZoneBias="300"/>
       </p:ext>
     </p:extLst>
   </p:cm>
@@ -271,7 +273,7 @@
             <a:fld id="{16D21240-5A3A-024F-BD43-24E48AF3A76B}" type="datetimeFigureOut">
               <a:rPr lang="en-US" smtClean="0"/>
               <a:pPr/>
-              <a:t>12/6/17</a:t>
+              <a:t>12/6/2017</a:t>
             </a:fld>
             <a:endParaRPr lang="en-US"/>
           </a:p>
@@ -439,7 +441,7 @@
     </p:spTree>
     <p:extLst>
       <p:ext uri="{BB962C8B-B14F-4D97-AF65-F5344CB8AC3E}">
-        <p14:creationId xmlns:p14="http://schemas.microsoft.com/office/powerpoint/2010/main" val="2003527968"/>
+        <p14:creationId xmlns:p14="http://schemas.microsoft.com/office/powerpoint/2010/main" xmlns="" val="2003527968"/>
       </p:ext>
     </p:extLst>
   </p:cSld>
@@ -757,7 +759,7 @@
             <a:fld id="{48A87A34-81AB-432B-8DAE-1953F412C126}" type="datetimeFigureOut">
               <a:rPr lang="en-US" smtClean="0"/>
               <a:pPr/>
-              <a:t>12/6/17</a:t>
+              <a:t>12/6/2017</a:t>
             </a:fld>
             <a:endParaRPr lang="en-US" dirty="0"/>
           </a:p>
@@ -945,7 +947,7 @@
             <a:fld id="{48A87A34-81AB-432B-8DAE-1953F412C126}" type="datetimeFigureOut">
               <a:rPr lang="en-US" smtClean="0"/>
               <a:pPr/>
-              <a:t>12/6/17</a:t>
+              <a:t>12/6/2017</a:t>
             </a:fld>
             <a:endParaRPr lang="en-US" dirty="0"/>
           </a:p>
@@ -1121,7 +1123,7 @@
             <a:fld id="{48A87A34-81AB-432B-8DAE-1953F412C126}" type="datetimeFigureOut">
               <a:rPr lang="en-US" smtClean="0"/>
               <a:pPr/>
-              <a:t>12/6/17</a:t>
+              <a:t>12/6/2017</a:t>
             </a:fld>
             <a:endParaRPr lang="en-US" dirty="0"/>
           </a:p>
@@ -1302,7 +1304,7 @@
             <a:fld id="{48A87A34-81AB-432B-8DAE-1953F412C126}" type="datetimeFigureOut">
               <a:rPr lang="en-US" smtClean="0"/>
               <a:pPr/>
-              <a:t>12/6/17</a:t>
+              <a:t>12/6/2017</a:t>
             </a:fld>
             <a:endParaRPr lang="en-US" dirty="0"/>
           </a:p>
@@ -1551,7 +1553,7 @@
             <a:fld id="{48A87A34-81AB-432B-8DAE-1953F412C126}" type="datetimeFigureOut">
               <a:rPr lang="en-US" smtClean="0"/>
               <a:pPr/>
-              <a:t>12/6/17</a:t>
+              <a:t>12/6/2017</a:t>
             </a:fld>
             <a:endParaRPr lang="en-US" dirty="0"/>
           </a:p>
@@ -2025,7 +2027,7 @@
             <a:fld id="{48A87A34-81AB-432B-8DAE-1953F412C126}" type="datetimeFigureOut">
               <a:rPr lang="en-US" smtClean="0"/>
               <a:pPr/>
-              <a:t>12/6/17</a:t>
+              <a:t>12/6/2017</a:t>
             </a:fld>
             <a:endParaRPr lang="en-US" dirty="0"/>
           </a:p>
@@ -2441,7 +2443,7 @@
             <a:fld id="{48A87A34-81AB-432B-8DAE-1953F412C126}" type="datetimeFigureOut">
               <a:rPr lang="en-US" smtClean="0"/>
               <a:pPr/>
-              <a:t>12/6/17</a:t>
+              <a:t>12/6/2017</a:t>
             </a:fld>
             <a:endParaRPr lang="en-US" dirty="0"/>
           </a:p>
@@ -2573,7 +2575,7 @@
             <a:fld id="{48A87A34-81AB-432B-8DAE-1953F412C126}" type="datetimeFigureOut">
               <a:rPr lang="en-US" smtClean="0"/>
               <a:pPr/>
-              <a:t>12/6/17</a:t>
+              <a:t>12/6/2017</a:t>
             </a:fld>
             <a:endParaRPr lang="en-US" dirty="0"/>
           </a:p>
@@ -2670,7 +2672,7 @@
             <a:fld id="{48A87A34-81AB-432B-8DAE-1953F412C126}" type="datetimeFigureOut">
               <a:rPr lang="en-US" smtClean="0"/>
               <a:pPr/>
-              <a:t>12/6/17</a:t>
+              <a:t>12/6/2017</a:t>
             </a:fld>
             <a:endParaRPr lang="en-US" dirty="0"/>
           </a:p>
@@ -2949,7 +2951,7 @@
             <a:fld id="{48A87A34-81AB-432B-8DAE-1953F412C126}" type="datetimeFigureOut">
               <a:rPr lang="en-US" smtClean="0"/>
               <a:pPr/>
-              <a:t>12/6/17</a:t>
+              <a:t>12/6/2017</a:t>
             </a:fld>
             <a:endParaRPr lang="en-US" dirty="0"/>
           </a:p>
@@ -3202,7 +3204,7 @@
             <a:fld id="{48A87A34-81AB-432B-8DAE-1953F412C126}" type="datetimeFigureOut">
               <a:rPr lang="en-US" smtClean="0"/>
               <a:pPr/>
-              <a:t>12/6/17</a:t>
+              <a:t>12/6/2017</a:t>
             </a:fld>
             <a:endParaRPr lang="en-US" dirty="0"/>
           </a:p>
@@ -3574,7 +3576,7 @@
             <a:fld id="{48A87A34-81AB-432B-8DAE-1953F412C126}" type="datetimeFigureOut">
               <a:rPr lang="en-US" smtClean="0"/>
               <a:pPr/>
-              <a:t>12/6/17</a:t>
+              <a:t>12/6/2017</a:t>
             </a:fld>
             <a:endParaRPr lang="en-US" dirty="0"/>
           </a:p>
@@ -4047,7 +4049,7 @@
     </p:spTree>
     <p:extLst>
       <p:ext uri="{BB962C8B-B14F-4D97-AF65-F5344CB8AC3E}">
-        <p14:creationId xmlns:p14="http://schemas.microsoft.com/office/powerpoint/2010/main" val="2624391631"/>
+        <p14:creationId xmlns:p14="http://schemas.microsoft.com/office/powerpoint/2010/main" xmlns="" val="2624391631"/>
       </p:ext>
     </p:extLst>
   </p:cSld>
@@ -4202,7 +4204,7 @@
           <a:blip r:embed="rId2">
             <a:extLst>
               <a:ext uri="{28A0092B-C50C-407E-A947-70E740481C1C}">
-                <a14:useLocalDpi xmlns:a14="http://schemas.microsoft.com/office/drawing/2010/main" val="0"/>
+                <a14:useLocalDpi xmlns:a14="http://schemas.microsoft.com/office/drawing/2010/main" xmlns="" val="0"/>
               </a:ext>
             </a:extLst>
           </a:blip>
@@ -4232,7 +4234,7 @@
           <a:blip r:embed="rId3">
             <a:extLst>
               <a:ext uri="{28A0092B-C50C-407E-A947-70E740481C1C}">
-                <a14:useLocalDpi xmlns:a14="http://schemas.microsoft.com/office/drawing/2010/main" val="0"/>
+                <a14:useLocalDpi xmlns:a14="http://schemas.microsoft.com/office/drawing/2010/main" xmlns="" val="0"/>
               </a:ext>
             </a:extLst>
           </a:blip>
@@ -4253,7 +4255,7 @@
     </p:spTree>
     <p:extLst>
       <p:ext uri="{BB962C8B-B14F-4D97-AF65-F5344CB8AC3E}">
-        <p14:creationId xmlns:p14="http://schemas.microsoft.com/office/powerpoint/2010/main" val="750973216"/>
+        <p14:creationId xmlns:p14="http://schemas.microsoft.com/office/powerpoint/2010/main" xmlns="" val="750973216"/>
       </p:ext>
     </p:extLst>
   </p:cSld>
@@ -4423,7 +4425,7 @@
           <a:blip r:embed="rId2">
             <a:extLst>
               <a:ext uri="{28A0092B-C50C-407E-A947-70E740481C1C}">
-                <a14:useLocalDpi xmlns:a14="http://schemas.microsoft.com/office/drawing/2010/main" val="0"/>
+                <a14:useLocalDpi xmlns:a14="http://schemas.microsoft.com/office/drawing/2010/main" xmlns="" val="0"/>
               </a:ext>
             </a:extLst>
           </a:blip>
@@ -4453,7 +4455,7 @@
           <a:blip r:embed="rId3">
             <a:extLst>
               <a:ext uri="{28A0092B-C50C-407E-A947-70E740481C1C}">
-                <a14:useLocalDpi xmlns:a14="http://schemas.microsoft.com/office/drawing/2010/main" val="0"/>
+                <a14:useLocalDpi xmlns:a14="http://schemas.microsoft.com/office/drawing/2010/main" xmlns="" val="0"/>
               </a:ext>
             </a:extLst>
           </a:blip>
@@ -4474,7 +4476,7 @@
     </p:spTree>
     <p:extLst>
       <p:ext uri="{BB962C8B-B14F-4D97-AF65-F5344CB8AC3E}">
-        <p14:creationId xmlns:p14="http://schemas.microsoft.com/office/powerpoint/2010/main" val="313837605"/>
+        <p14:creationId xmlns:p14="http://schemas.microsoft.com/office/powerpoint/2010/main" xmlns="" val="313837605"/>
       </p:ext>
     </p:extLst>
   </p:cSld>
@@ -4560,7 +4562,7 @@
     </p:spTree>
     <p:extLst>
       <p:ext uri="{BB962C8B-B14F-4D97-AF65-F5344CB8AC3E}">
-        <p14:creationId xmlns:p14="http://schemas.microsoft.com/office/powerpoint/2010/main" val="1935058227"/>
+        <p14:creationId xmlns:p14="http://schemas.microsoft.com/office/powerpoint/2010/main" xmlns="" val="1935058227"/>
       </p:ext>
     </p:extLst>
   </p:cSld>
@@ -4700,7 +4702,7 @@
           <p:cNvPr id="4" name="Picture 3">
             <a:extLst>
               <a:ext uri="{FF2B5EF4-FFF2-40B4-BE49-F238E27FC236}">
-                <a16:creationId xmlns="" xmlns:a16="http://schemas.microsoft.com/office/drawing/2014/main" id="{2487C7DE-DE19-4190-AFF7-8E55A70D19E2}"/>
+                <a16:creationId xmlns:a16="http://schemas.microsoft.com/office/drawing/2014/main" xmlns="" id="{2487C7DE-DE19-4190-AFF7-8E55A70D19E2}"/>
               </a:ext>
             </a:extLst>
           </p:cNvPr>
@@ -4728,7 +4730,7 @@
     </p:spTree>
     <p:extLst>
       <p:ext uri="{BB962C8B-B14F-4D97-AF65-F5344CB8AC3E}">
-        <p14:creationId xmlns:p14="http://schemas.microsoft.com/office/powerpoint/2010/main" val="1353407553"/>
+        <p14:creationId xmlns:p14="http://schemas.microsoft.com/office/powerpoint/2010/main" xmlns="" val="1353407553"/>
       </p:ext>
     </p:extLst>
   </p:cSld>
@@ -4767,7 +4769,7 @@
           <p:cNvPr id="6" name="Picture 5">
             <a:extLst>
               <a:ext uri="{FF2B5EF4-FFF2-40B4-BE49-F238E27FC236}">
-                <a16:creationId xmlns="" xmlns:a16="http://schemas.microsoft.com/office/drawing/2014/main" id="{2EE0A306-66B1-476B-828C-664E99CBFE66}"/>
+                <a16:creationId xmlns:a16="http://schemas.microsoft.com/office/drawing/2014/main" xmlns="" id="{2EE0A306-66B1-476B-828C-664E99CBFE66}"/>
               </a:ext>
             </a:extLst>
           </p:cNvPr>
@@ -4797,7 +4799,7 @@
           <p:cNvPr id="2" name="Picture 1">
             <a:extLst>
               <a:ext uri="{FF2B5EF4-FFF2-40B4-BE49-F238E27FC236}">
-                <a16:creationId xmlns="" xmlns:a16="http://schemas.microsoft.com/office/drawing/2014/main" id="{86A41FC7-4FA5-41EE-B9C9-57C6CE06F3D5}"/>
+                <a16:creationId xmlns:a16="http://schemas.microsoft.com/office/drawing/2014/main" xmlns="" id="{86A41FC7-4FA5-41EE-B9C9-57C6CE06F3D5}"/>
               </a:ext>
             </a:extLst>
           </p:cNvPr>
@@ -4825,7 +4827,7 @@
     </p:spTree>
     <p:extLst>
       <p:ext uri="{BB962C8B-B14F-4D97-AF65-F5344CB8AC3E}">
-        <p14:creationId xmlns:p14="http://schemas.microsoft.com/office/powerpoint/2010/main" val="2813237534"/>
+        <p14:creationId xmlns:p14="http://schemas.microsoft.com/office/powerpoint/2010/main" xmlns="" val="2813237534"/>
       </p:ext>
     </p:extLst>
   </p:cSld>
@@ -4938,7 +4940,7 @@
           <p:cNvPr id="4" name="Picture 3">
             <a:extLst>
               <a:ext uri="{FF2B5EF4-FFF2-40B4-BE49-F238E27FC236}">
-                <a16:creationId xmlns="" xmlns:a16="http://schemas.microsoft.com/office/drawing/2014/main" id="{E41201F2-5E9E-49B7-9290-45E8A98E0C9B}"/>
+                <a16:creationId xmlns:a16="http://schemas.microsoft.com/office/drawing/2014/main" xmlns="" id="{E41201F2-5E9E-49B7-9290-45E8A98E0C9B}"/>
               </a:ext>
             </a:extLst>
           </p:cNvPr>
@@ -4966,7 +4968,7 @@
     </p:spTree>
     <p:extLst>
       <p:ext uri="{BB962C8B-B14F-4D97-AF65-F5344CB8AC3E}">
-        <p14:creationId xmlns:p14="http://schemas.microsoft.com/office/powerpoint/2010/main" val="1835096561"/>
+        <p14:creationId xmlns:p14="http://schemas.microsoft.com/office/powerpoint/2010/main" xmlns="" val="1835096561"/>
       </p:ext>
     </p:extLst>
   </p:cSld>
@@ -4998,7 +5000,7 @@
           <p:cNvPr id="2" name="Picture 1">
             <a:extLst>
               <a:ext uri="{FF2B5EF4-FFF2-40B4-BE49-F238E27FC236}">
-                <a16:creationId xmlns="" xmlns:a16="http://schemas.microsoft.com/office/drawing/2014/main" id="{CD66F473-202E-4695-A31E-CD0C63192611}"/>
+                <a16:creationId xmlns:a16="http://schemas.microsoft.com/office/drawing/2014/main" xmlns="" id="{CD66F473-202E-4695-A31E-CD0C63192611}"/>
               </a:ext>
             </a:extLst>
           </p:cNvPr>
@@ -5028,7 +5030,7 @@
           <p:cNvPr id="3" name="Picture 2">
             <a:extLst>
               <a:ext uri="{FF2B5EF4-FFF2-40B4-BE49-F238E27FC236}">
-                <a16:creationId xmlns="" xmlns:a16="http://schemas.microsoft.com/office/drawing/2014/main" id="{88DE7B0B-7E4E-40A9-BA41-946E7654D5FB}"/>
+                <a16:creationId xmlns:a16="http://schemas.microsoft.com/office/drawing/2014/main" xmlns="" id="{88DE7B0B-7E4E-40A9-BA41-946E7654D5FB}"/>
               </a:ext>
             </a:extLst>
           </p:cNvPr>
@@ -5056,7 +5058,7 @@
     </p:spTree>
     <p:extLst>
       <p:ext uri="{BB962C8B-B14F-4D97-AF65-F5344CB8AC3E}">
-        <p14:creationId xmlns:p14="http://schemas.microsoft.com/office/powerpoint/2010/main" val="1066629938"/>
+        <p14:creationId xmlns:p14="http://schemas.microsoft.com/office/powerpoint/2010/main" xmlns="" val="1066629938"/>
       </p:ext>
     </p:extLst>
   </p:cSld>
@@ -5169,7 +5171,7 @@
           <p:cNvPr id="4" name="Picture 3">
             <a:extLst>
               <a:ext uri="{FF2B5EF4-FFF2-40B4-BE49-F238E27FC236}">
-                <a16:creationId xmlns="" xmlns:a16="http://schemas.microsoft.com/office/drawing/2014/main" id="{E547C40E-EBC3-48BE-A5E8-18839AC62B6E}"/>
+                <a16:creationId xmlns:a16="http://schemas.microsoft.com/office/drawing/2014/main" xmlns="" id="{E547C40E-EBC3-48BE-A5E8-18839AC62B6E}"/>
               </a:ext>
             </a:extLst>
           </p:cNvPr>
@@ -5197,7 +5199,7 @@
     </p:spTree>
     <p:extLst>
       <p:ext uri="{BB962C8B-B14F-4D97-AF65-F5344CB8AC3E}">
-        <p14:creationId xmlns:p14="http://schemas.microsoft.com/office/powerpoint/2010/main" val="1644211426"/>
+        <p14:creationId xmlns:p14="http://schemas.microsoft.com/office/powerpoint/2010/main" xmlns="" val="1644211426"/>
       </p:ext>
     </p:extLst>
   </p:cSld>
@@ -5229,7 +5231,7 @@
           <p:cNvPr id="6" name="Picture 5">
             <a:extLst>
               <a:ext uri="{FF2B5EF4-FFF2-40B4-BE49-F238E27FC236}">
-                <a16:creationId xmlns="" xmlns:a16="http://schemas.microsoft.com/office/drawing/2014/main" id="{E5500A7C-34BB-49CE-8A02-F70D95A61149}"/>
+                <a16:creationId xmlns:a16="http://schemas.microsoft.com/office/drawing/2014/main" xmlns="" id="{E5500A7C-34BB-49CE-8A02-F70D95A61149}"/>
               </a:ext>
             </a:extLst>
           </p:cNvPr>
@@ -5259,7 +5261,7 @@
           <p:cNvPr id="2" name="Picture 1">
             <a:extLst>
               <a:ext uri="{FF2B5EF4-FFF2-40B4-BE49-F238E27FC236}">
-                <a16:creationId xmlns="" xmlns:a16="http://schemas.microsoft.com/office/drawing/2014/main" id="{E0455F67-7B2A-43B3-8BAD-3ABFCA79DEB2}"/>
+                <a16:creationId xmlns:a16="http://schemas.microsoft.com/office/drawing/2014/main" xmlns="" id="{E0455F67-7B2A-43B3-8BAD-3ABFCA79DEB2}"/>
               </a:ext>
             </a:extLst>
           </p:cNvPr>
@@ -5287,7 +5289,7 @@
     </p:spTree>
     <p:extLst>
       <p:ext uri="{BB962C8B-B14F-4D97-AF65-F5344CB8AC3E}">
-        <p14:creationId xmlns:p14="http://schemas.microsoft.com/office/powerpoint/2010/main" val="661810499"/>
+        <p14:creationId xmlns:p14="http://schemas.microsoft.com/office/powerpoint/2010/main" xmlns="" val="661810499"/>
       </p:ext>
     </p:extLst>
   </p:cSld>
@@ -5421,7 +5423,7 @@
           <p:cNvPr id="5" name="Picture 4">
             <a:extLst>
               <a:ext uri="{FF2B5EF4-FFF2-40B4-BE49-F238E27FC236}">
-                <a16:creationId xmlns="" xmlns:a16="http://schemas.microsoft.com/office/drawing/2014/main" id="{5431268D-64C4-48CF-B095-7AE8588FC7E0}"/>
+                <a16:creationId xmlns:a16="http://schemas.microsoft.com/office/drawing/2014/main" xmlns="" id="{5431268D-64C4-48CF-B095-7AE8588FC7E0}"/>
               </a:ext>
             </a:extLst>
           </p:cNvPr>
@@ -5449,7 +5451,7 @@
     </p:spTree>
     <p:extLst>
       <p:ext uri="{BB962C8B-B14F-4D97-AF65-F5344CB8AC3E}">
-        <p14:creationId xmlns:p14="http://schemas.microsoft.com/office/powerpoint/2010/main" val="2723044403"/>
+        <p14:creationId xmlns:p14="http://schemas.microsoft.com/office/powerpoint/2010/main" xmlns="" val="2723044403"/>
       </p:ext>
     </p:extLst>
   </p:cSld>
@@ -5563,7 +5565,7 @@
           <p:cNvPr id="8" name="Picture 7">
             <a:extLst>
               <a:ext uri="{FF2B5EF4-FFF2-40B4-BE49-F238E27FC236}">
-                <a16:creationId xmlns="" xmlns:a16="http://schemas.microsoft.com/office/drawing/2014/main" id="{8B297A75-5C96-4B8E-A721-B5A80A818F40}"/>
+                <a16:creationId xmlns:a16="http://schemas.microsoft.com/office/drawing/2014/main" xmlns="" id="{8B297A75-5C96-4B8E-A721-B5A80A818F40}"/>
               </a:ext>
             </a:extLst>
           </p:cNvPr>
@@ -5639,7 +5641,7 @@
     </p:spTree>
     <p:extLst>
       <p:ext uri="{BB962C8B-B14F-4D97-AF65-F5344CB8AC3E}">
-        <p14:creationId xmlns:p14="http://schemas.microsoft.com/office/powerpoint/2010/main" val="2694219937"/>
+        <p14:creationId xmlns:p14="http://schemas.microsoft.com/office/powerpoint/2010/main" xmlns="" val="2694219937"/>
       </p:ext>
     </p:extLst>
   </p:cSld>
@@ -5671,7 +5673,7 @@
           <p:cNvPr id="3" name="Picture 2">
             <a:extLst>
               <a:ext uri="{FF2B5EF4-FFF2-40B4-BE49-F238E27FC236}">
-                <a16:creationId xmlns="" xmlns:a16="http://schemas.microsoft.com/office/drawing/2014/main" id="{F48C9E8F-062F-4E88-9578-6715791F02A7}"/>
+                <a16:creationId xmlns:a16="http://schemas.microsoft.com/office/drawing/2014/main" xmlns="" id="{F48C9E8F-062F-4E88-9578-6715791F02A7}"/>
               </a:ext>
             </a:extLst>
           </p:cNvPr>
@@ -5701,7 +5703,7 @@
           <p:cNvPr id="7" name="Picture 6">
             <a:extLst>
               <a:ext uri="{FF2B5EF4-FFF2-40B4-BE49-F238E27FC236}">
-                <a16:creationId xmlns="" xmlns:a16="http://schemas.microsoft.com/office/drawing/2014/main" id="{8288FDD6-6F4B-494E-99F2-4CE085353B9A}"/>
+                <a16:creationId xmlns:a16="http://schemas.microsoft.com/office/drawing/2014/main" xmlns="" id="{8288FDD6-6F4B-494E-99F2-4CE085353B9A}"/>
               </a:ext>
             </a:extLst>
           </p:cNvPr>
@@ -5729,7 +5731,7 @@
     </p:spTree>
     <p:extLst>
       <p:ext uri="{BB962C8B-B14F-4D97-AF65-F5344CB8AC3E}">
-        <p14:creationId xmlns:p14="http://schemas.microsoft.com/office/powerpoint/2010/main" val="3584826668"/>
+        <p14:creationId xmlns:p14="http://schemas.microsoft.com/office/powerpoint/2010/main" xmlns="" val="3584826668"/>
       </p:ext>
     </p:extLst>
   </p:cSld>
@@ -5857,7 +5859,7 @@
           <p:cNvPr id="5" name="Picture 4">
             <a:extLst>
               <a:ext uri="{FF2B5EF4-FFF2-40B4-BE49-F238E27FC236}">
-                <a16:creationId xmlns="" xmlns:a16="http://schemas.microsoft.com/office/drawing/2014/main" id="{5431268D-64C4-48CF-B095-7AE8588FC7E0}"/>
+                <a16:creationId xmlns:a16="http://schemas.microsoft.com/office/drawing/2014/main" xmlns="" id="{5431268D-64C4-48CF-B095-7AE8588FC7E0}"/>
               </a:ext>
             </a:extLst>
           </p:cNvPr>
@@ -5885,7 +5887,7 @@
     </p:spTree>
     <p:extLst>
       <p:ext uri="{BB962C8B-B14F-4D97-AF65-F5344CB8AC3E}">
-        <p14:creationId xmlns:p14="http://schemas.microsoft.com/office/powerpoint/2010/main" val="1421159567"/>
+        <p14:creationId xmlns:p14="http://schemas.microsoft.com/office/powerpoint/2010/main" xmlns="" val="1421159567"/>
       </p:ext>
     </p:extLst>
   </p:cSld>
@@ -5917,7 +5919,7 @@
           <p:cNvPr id="3" name="Picture 2">
             <a:extLst>
               <a:ext uri="{FF2B5EF4-FFF2-40B4-BE49-F238E27FC236}">
-                <a16:creationId xmlns="" xmlns:a16="http://schemas.microsoft.com/office/drawing/2014/main" id="{F48C9E8F-062F-4E88-9578-6715791F02A7}"/>
+                <a16:creationId xmlns:a16="http://schemas.microsoft.com/office/drawing/2014/main" xmlns="" id="{F48C9E8F-062F-4E88-9578-6715791F02A7}"/>
               </a:ext>
             </a:extLst>
           </p:cNvPr>
@@ -5947,7 +5949,7 @@
           <p:cNvPr id="2" name="Picture 1">
             <a:extLst>
               <a:ext uri="{FF2B5EF4-FFF2-40B4-BE49-F238E27FC236}">
-                <a16:creationId xmlns="" xmlns:a16="http://schemas.microsoft.com/office/drawing/2014/main" id="{4B4B784D-AF37-4CD2-B5E6-80C0A35A8B4B}"/>
+                <a16:creationId xmlns:a16="http://schemas.microsoft.com/office/drawing/2014/main" xmlns="" id="{4B4B784D-AF37-4CD2-B5E6-80C0A35A8B4B}"/>
               </a:ext>
             </a:extLst>
           </p:cNvPr>
@@ -5975,7 +5977,7 @@
     </p:spTree>
     <p:extLst>
       <p:ext uri="{BB962C8B-B14F-4D97-AF65-F5344CB8AC3E}">
-        <p14:creationId xmlns:p14="http://schemas.microsoft.com/office/powerpoint/2010/main" val="2747040706"/>
+        <p14:creationId xmlns:p14="http://schemas.microsoft.com/office/powerpoint/2010/main" xmlns="" val="2747040706"/>
       </p:ext>
     </p:extLst>
   </p:cSld>
@@ -6103,7 +6105,7 @@
           <p:cNvPr id="5" name="Picture 4">
             <a:extLst>
               <a:ext uri="{FF2B5EF4-FFF2-40B4-BE49-F238E27FC236}">
-                <a16:creationId xmlns="" xmlns:a16="http://schemas.microsoft.com/office/drawing/2014/main" id="{5431268D-64C4-48CF-B095-7AE8588FC7E0}"/>
+                <a16:creationId xmlns:a16="http://schemas.microsoft.com/office/drawing/2014/main" xmlns="" id="{5431268D-64C4-48CF-B095-7AE8588FC7E0}"/>
               </a:ext>
             </a:extLst>
           </p:cNvPr>
@@ -6131,7 +6133,7 @@
     </p:spTree>
     <p:extLst>
       <p:ext uri="{BB962C8B-B14F-4D97-AF65-F5344CB8AC3E}">
-        <p14:creationId xmlns:p14="http://schemas.microsoft.com/office/powerpoint/2010/main" val="3190382384"/>
+        <p14:creationId xmlns:p14="http://schemas.microsoft.com/office/powerpoint/2010/main" xmlns="" val="3190382384"/>
       </p:ext>
     </p:extLst>
   </p:cSld>
@@ -6163,7 +6165,7 @@
           <p:cNvPr id="3" name="Picture 2">
             <a:extLst>
               <a:ext uri="{FF2B5EF4-FFF2-40B4-BE49-F238E27FC236}">
-                <a16:creationId xmlns="" xmlns:a16="http://schemas.microsoft.com/office/drawing/2014/main" id="{F48C9E8F-062F-4E88-9578-6715791F02A7}"/>
+                <a16:creationId xmlns:a16="http://schemas.microsoft.com/office/drawing/2014/main" xmlns="" id="{F48C9E8F-062F-4E88-9578-6715791F02A7}"/>
               </a:ext>
             </a:extLst>
           </p:cNvPr>
@@ -6193,7 +6195,7 @@
           <p:cNvPr id="4" name="Picture 3">
             <a:extLst>
               <a:ext uri="{FF2B5EF4-FFF2-40B4-BE49-F238E27FC236}">
-                <a16:creationId xmlns="" xmlns:a16="http://schemas.microsoft.com/office/drawing/2014/main" id="{FCDFFB69-D0BC-45F9-A7E5-60B1F3210EF2}"/>
+                <a16:creationId xmlns:a16="http://schemas.microsoft.com/office/drawing/2014/main" xmlns="" id="{FCDFFB69-D0BC-45F9-A7E5-60B1F3210EF2}"/>
               </a:ext>
             </a:extLst>
           </p:cNvPr>
@@ -6221,7 +6223,7 @@
     </p:spTree>
     <p:extLst>
       <p:ext uri="{BB962C8B-B14F-4D97-AF65-F5344CB8AC3E}">
-        <p14:creationId xmlns:p14="http://schemas.microsoft.com/office/powerpoint/2010/main" val="18533381"/>
+        <p14:creationId xmlns:p14="http://schemas.microsoft.com/office/powerpoint/2010/main" xmlns="" val="18533381"/>
       </p:ext>
     </p:extLst>
   </p:cSld>
@@ -6353,7 +6355,7 @@
     </p:spTree>
     <p:extLst>
       <p:ext uri="{BB962C8B-B14F-4D97-AF65-F5344CB8AC3E}">
-        <p14:creationId xmlns:p14="http://schemas.microsoft.com/office/powerpoint/2010/main" val="501309509"/>
+        <p14:creationId xmlns:p14="http://schemas.microsoft.com/office/powerpoint/2010/main" xmlns="" val="501309509"/>
       </p:ext>
     </p:extLst>
   </p:cSld>
@@ -6485,7 +6487,7 @@
     </p:spTree>
     <p:extLst>
       <p:ext uri="{BB962C8B-B14F-4D97-AF65-F5344CB8AC3E}">
-        <p14:creationId xmlns:p14="http://schemas.microsoft.com/office/powerpoint/2010/main" val="1078131030"/>
+        <p14:creationId xmlns:p14="http://schemas.microsoft.com/office/powerpoint/2010/main" xmlns="" val="1078131030"/>
       </p:ext>
     </p:extLst>
   </p:cSld>
@@ -6603,7 +6605,7 @@
     </p:spTree>
     <p:extLst>
       <p:ext uri="{BB962C8B-B14F-4D97-AF65-F5344CB8AC3E}">
-        <p14:creationId xmlns:p14="http://schemas.microsoft.com/office/powerpoint/2010/main" val="239787179"/>
+        <p14:creationId xmlns:p14="http://schemas.microsoft.com/office/powerpoint/2010/main" xmlns="" val="239787179"/>
       </p:ext>
     </p:extLst>
   </p:cSld>
@@ -6677,36 +6679,27 @@
         <p:spPr/>
         <p:txBody>
           <a:bodyPr>
-            <a:normAutofit fontScale="92500" lnSpcReduction="20000"/>
+            <a:normAutofit/>
           </a:bodyPr>
           <a:lstStyle/>
           <a:p>
             <a:r>
-              <a:rPr lang="en-US" dirty="0"/>
-              <a:t>Features used All columns except the categorical data like smoker, alcoholic etc</a:t>
-            </a:r>
-          </a:p>
-          <a:p>
-            <a:r>
-              <a:rPr lang="en-US" i="1" dirty="0"/>
-              <a:t>Approach 1</a:t>
-            </a:r>
-            <a:r>
-              <a:rPr lang="en-US" dirty="0"/>
-              <a:t>: replace missing value with mean of column</a:t>
-            </a:r>
-          </a:p>
-          <a:p>
-            <a:r>
-              <a:rPr lang="en-US" dirty="0"/>
-              <a:t>Learning Rate: 0.05 Hidden Layers = 5</a:t>
-            </a:r>
-          </a:p>
-          <a:p>
-            <a:pPr lvl="1"/>
-            <a:r>
-              <a:rPr lang="en-US" dirty="0"/>
-              <a:t>0.9207920792 accuracy  (1= Female, 0= Male)</a:t>
+              <a:rPr lang="en-US" dirty="0" smtClean="0"/>
+              <a:t>Data set: All </a:t>
+            </a:r>
+            <a:r>
+              <a:rPr lang="en-US" dirty="0"/>
+              <a:t>columns except the categorical data like smoker, alcoholic </a:t>
+            </a:r>
+            <a:r>
+              <a:rPr lang="en-US" dirty="0" smtClean="0"/>
+              <a:t>etc</a:t>
+            </a:r>
+          </a:p>
+          <a:p>
+            <a:r>
+              <a:rPr lang="en-US" dirty="0" smtClean="0"/>
+              <a:t>Classification : Male/Female</a:t>
             </a:r>
           </a:p>
           <a:p>
@@ -6714,67 +6707,14 @@
             <a:endParaRPr lang="en-US" dirty="0"/>
           </a:p>
           <a:p>
-            <a:pPr lvl="1"/>
             <a:endParaRPr lang="en-US" dirty="0"/>
           </a:p>
-          <a:p>
-            <a:pPr lvl="1"/>
-            <a:endParaRPr lang="en-US" dirty="0"/>
-          </a:p>
-          <a:p>
-            <a:pPr lvl="1"/>
-            <a:endParaRPr lang="en-US" dirty="0"/>
-          </a:p>
-          <a:p>
-            <a:r>
-              <a:rPr lang="en-US" dirty="0"/>
-              <a:t>Learning Rate: 0.1 Hidden Layers = 5</a:t>
-            </a:r>
-          </a:p>
-          <a:p>
-            <a:pPr lvl="1"/>
-            <a:r>
-              <a:rPr lang="en-US" dirty="0"/>
-              <a:t>0.900990099 accuracy</a:t>
-            </a:r>
-          </a:p>
-          <a:p>
-            <a:pPr lvl="1"/>
-            <a:endParaRPr lang="en-US" dirty="0"/>
-          </a:p>
-          <a:p>
-            <a:endParaRPr lang="en-US" dirty="0"/>
-          </a:p>
-        </p:txBody>
-      </p:sp>
-      <p:pic>
-        <p:nvPicPr>
-          <p:cNvPr id="6" name="Picture 5" descr="ann_5_5.PNG"/>
-          <p:cNvPicPr>
-            <a:picLocks noChangeAspect="1"/>
-          </p:cNvPicPr>
-          <p:nvPr/>
-        </p:nvPicPr>
-        <p:blipFill>
-          <a:blip r:embed="rId2"/>
-          <a:stretch>
-            <a:fillRect/>
-          </a:stretch>
-        </p:blipFill>
-        <p:spPr>
-          <a:xfrm>
-            <a:off x="3232591" y="3987129"/>
-            <a:ext cx="2886853" cy="1069834"/>
-          </a:xfrm>
-          <a:prstGeom prst="rect">
-            <a:avLst/>
-          </a:prstGeom>
-        </p:spPr>
-      </p:pic>
+        </p:txBody>
+      </p:sp>
     </p:spTree>
     <p:extLst>
       <p:ext uri="{BB962C8B-B14F-4D97-AF65-F5344CB8AC3E}">
-        <p14:creationId xmlns:p14="http://schemas.microsoft.com/office/powerpoint/2010/main" val="2699455244"/>
+        <p14:creationId xmlns:p14="http://schemas.microsoft.com/office/powerpoint/2010/main" xmlns="" val="2699455244"/>
       </p:ext>
     </p:extLst>
   </p:cSld>
@@ -6817,21 +6757,18 @@
           <a:lstStyle/>
           <a:p>
             <a:r>
-              <a:rPr lang="en-US" dirty="0"/>
-              <a:t>Algorithm </a:t>
-            </a:r>
-            <a:r>
               <a:rPr lang="en-US" dirty="0" smtClean="0"/>
-              <a:t>4 </a:t>
-            </a:r>
-            <a:r>
-              <a:rPr lang="mr-IN" dirty="0"/>
+              <a:t>Algorithm 4 </a:t>
+            </a:r>
+            <a:r>
+              <a:rPr lang="mr-IN" dirty="0" smtClean="0"/>
               <a:t>–</a:t>
             </a:r>
             <a:r>
-              <a:rPr lang="en-US" dirty="0"/>
+              <a:rPr lang="en-US" dirty="0" smtClean="0"/>
               <a:t> Neural Network</a:t>
             </a:r>
+            <a:endParaRPr lang="en-US" dirty="0"/>
           </a:p>
         </p:txBody>
       </p:sp>
@@ -6853,54 +6790,59 @@
           <a:lstStyle/>
           <a:p>
             <a:r>
-              <a:rPr lang="en-US" i="1" dirty="0"/>
-              <a:t>Approach 2</a:t>
-            </a:r>
-            <a:r>
-              <a:rPr lang="en-US" dirty="0"/>
-              <a:t>: omit missing value (684 columns)</a:t>
-            </a:r>
-          </a:p>
-          <a:p>
-            <a:r>
-              <a:rPr lang="en-US" dirty="0"/>
+              <a:rPr lang="en-US" i="1" dirty="0" smtClean="0"/>
+              <a:t>Approach 1</a:t>
+            </a:r>
+            <a:r>
+              <a:rPr lang="en-US" dirty="0" smtClean="0"/>
+              <a:t>: replace missing value with </a:t>
+            </a:r>
+            <a:r>
+              <a:rPr lang="en-US" dirty="0" smtClean="0"/>
+              <a:t>mean/ mode</a:t>
+            </a:r>
+            <a:endParaRPr lang="en-US" dirty="0" smtClean="0"/>
+          </a:p>
+          <a:p>
+            <a:r>
+              <a:rPr lang="en-US" dirty="0" smtClean="0"/>
               <a:t>Learning Rate: 0.05 Hidden Layers = 5</a:t>
             </a:r>
           </a:p>
           <a:p>
             <a:pPr lvl="1"/>
             <a:r>
-              <a:rPr lang="en-US" dirty="0"/>
-              <a:t>0.9197080292 accuracy  (1= Female, 0= Male)</a:t>
+              <a:rPr lang="en-US" dirty="0" smtClean="0"/>
+              <a:t>0.9405940594 accuracy  (1= Female, 0= Male)</a:t>
             </a:r>
           </a:p>
           <a:p>
             <a:pPr lvl="1"/>
-            <a:endParaRPr lang="en-US" dirty="0"/>
+            <a:endParaRPr lang="en-US" dirty="0" smtClean="0"/>
           </a:p>
           <a:p>
             <a:pPr lvl="1"/>
-            <a:endParaRPr lang="en-US" dirty="0"/>
+            <a:endParaRPr lang="en-US" dirty="0" smtClean="0"/>
           </a:p>
           <a:p>
             <a:pPr lvl="1"/>
-            <a:endParaRPr lang="en-US" dirty="0"/>
+            <a:endParaRPr lang="en-US" dirty="0" smtClean="0"/>
           </a:p>
           <a:p>
             <a:pPr lvl="1"/>
-            <a:endParaRPr lang="en-US" dirty="0"/>
-          </a:p>
-          <a:p>
-            <a:r>
-              <a:rPr lang="en-US" dirty="0"/>
-              <a:t>Learning Rate: 0.05 Hidden Layers = 10</a:t>
+            <a:endParaRPr lang="en-US" dirty="0" smtClean="0"/>
+          </a:p>
+          <a:p>
+            <a:r>
+              <a:rPr lang="en-US" dirty="0" smtClean="0"/>
+              <a:t>Learning Rate: 0.1 Hidden Layers = 5</a:t>
             </a:r>
           </a:p>
           <a:p>
             <a:pPr lvl="1"/>
             <a:r>
-              <a:rPr lang="en-US" dirty="0"/>
-              <a:t>0.9051094891 accuracy</a:t>
+              <a:rPr lang="en-US" dirty="0" smtClean="0"/>
+              <a:t>0.896039604 accuracy</a:t>
             </a:r>
           </a:p>
           <a:p>
@@ -6910,7 +6852,7 @@
       </p:sp>
       <p:pic>
         <p:nvPicPr>
-          <p:cNvPr id="4" name="Picture 3" descr="ann_5_5_omit.PNG"/>
+          <p:cNvPr id="5" name="Picture 4" descr="ann_5_5.PNG"/>
           <p:cNvPicPr>
             <a:picLocks noChangeAspect="1"/>
           </p:cNvPicPr>
@@ -6924,8 +6866,8 @@
         </p:blipFill>
         <p:spPr>
           <a:xfrm>
-            <a:off x="3066757" y="3682324"/>
-            <a:ext cx="2700997" cy="1116411"/>
+            <a:off x="2028206" y="3931000"/>
+            <a:ext cx="3076079" cy="1175572"/>
           </a:xfrm>
           <a:prstGeom prst="rect">
             <a:avLst/>
@@ -7006,7 +6948,7 @@
             <a:pPr algn="just">
               <a:buNone/>
             </a:pPr>
-            <a:endParaRPr lang="en-US" dirty="0"/>
+            <a:endParaRPr lang="en-US" sz="1400" dirty="0"/>
           </a:p>
           <a:p>
             <a:pPr algn="just"/>
@@ -7024,7 +6966,7 @@
           <a:p>
             <a:pPr algn="just"/>
             <a:r>
-              <a:rPr lang="en-US" smtClean="0"/>
+              <a:rPr lang="en-US" dirty="0" err="1" smtClean="0"/>
               <a:t>DataSource</a:t>
             </a:r>
             <a:r>
@@ -7044,7 +6986,7 @@
     </p:spTree>
     <p:extLst>
       <p:ext uri="{BB962C8B-B14F-4D97-AF65-F5344CB8AC3E}">
-        <p14:creationId xmlns:p14="http://schemas.microsoft.com/office/powerpoint/2010/main" val="1542116808"/>
+        <p14:creationId xmlns:p14="http://schemas.microsoft.com/office/powerpoint/2010/main" xmlns="" val="1542116808"/>
       </p:ext>
     </p:extLst>
   </p:cSld>
@@ -7092,6 +7034,278 @@
             </a:r>
             <a:r>
               <a:rPr lang="en-US" dirty="0" smtClean="0"/>
+              <a:t>4 </a:t>
+            </a:r>
+            <a:r>
+              <a:rPr lang="mr-IN" dirty="0"/>
+              <a:t>–</a:t>
+            </a:r>
+            <a:r>
+              <a:rPr lang="en-US" dirty="0"/>
+              <a:t> Neural Network</a:t>
+            </a:r>
+          </a:p>
+        </p:txBody>
+      </p:sp>
+      <p:sp>
+        <p:nvSpPr>
+          <p:cNvPr id="3" name="Content Placeholder 2"/>
+          <p:cNvSpPr>
+            <a:spLocks noGrp="1"/>
+          </p:cNvSpPr>
+          <p:nvPr>
+            <p:ph idx="1"/>
+          </p:nvPr>
+        </p:nvSpPr>
+        <p:spPr/>
+        <p:txBody>
+          <a:bodyPr>
+            <a:normAutofit/>
+          </a:bodyPr>
+          <a:lstStyle/>
+          <a:p>
+            <a:r>
+              <a:rPr lang="en-US" i="1" dirty="0"/>
+              <a:t>Approach 2</a:t>
+            </a:r>
+            <a:r>
+              <a:rPr lang="en-US" dirty="0"/>
+              <a:t>: omit missing value (684 </a:t>
+            </a:r>
+            <a:r>
+              <a:rPr lang="en-US" dirty="0" smtClean="0"/>
+              <a:t>rows)</a:t>
+            </a:r>
+            <a:endParaRPr lang="en-US" dirty="0"/>
+          </a:p>
+          <a:p>
+            <a:r>
+              <a:rPr lang="en-US" dirty="0"/>
+              <a:t>Learning Rate: 0.05 Hidden Layers = 5</a:t>
+            </a:r>
+          </a:p>
+          <a:p>
+            <a:pPr lvl="1"/>
+            <a:r>
+              <a:rPr lang="en-US" dirty="0" smtClean="0"/>
+              <a:t>0.9343065693</a:t>
+            </a:r>
+            <a:r>
+              <a:rPr lang="en-US" dirty="0" smtClean="0"/>
+              <a:t> </a:t>
+            </a:r>
+            <a:r>
+              <a:rPr lang="en-US" dirty="0"/>
+              <a:t>accuracy  (1= Female, 0= Male)</a:t>
+            </a:r>
+          </a:p>
+          <a:p>
+            <a:pPr lvl="1"/>
+            <a:endParaRPr lang="en-US" dirty="0"/>
+          </a:p>
+          <a:p>
+            <a:pPr lvl="1"/>
+            <a:endParaRPr lang="en-US" dirty="0"/>
+          </a:p>
+          <a:p>
+            <a:pPr lvl="1"/>
+            <a:endParaRPr lang="en-US" dirty="0"/>
+          </a:p>
+          <a:p>
+            <a:pPr lvl="1"/>
+            <a:endParaRPr lang="en-US" dirty="0"/>
+          </a:p>
+          <a:p>
+            <a:r>
+              <a:rPr lang="en-US" dirty="0"/>
+              <a:t>Learning Rate: 0.05 Hidden Layers = 10</a:t>
+            </a:r>
+          </a:p>
+          <a:p>
+            <a:pPr lvl="1"/>
+            <a:r>
+              <a:rPr lang="en-US" dirty="0" smtClean="0"/>
+              <a:t>0.8467153285</a:t>
+            </a:r>
+            <a:r>
+              <a:rPr lang="en-US" dirty="0" smtClean="0"/>
+              <a:t> </a:t>
+            </a:r>
+            <a:r>
+              <a:rPr lang="en-US" dirty="0"/>
+              <a:t>accuracy</a:t>
+            </a:r>
+          </a:p>
+          <a:p>
+            <a:endParaRPr lang="en-US" dirty="0"/>
+          </a:p>
+        </p:txBody>
+      </p:sp>
+      <p:pic>
+        <p:nvPicPr>
+          <p:cNvPr id="5" name="Picture 4" descr="ann_5_5_omit.PNG"/>
+          <p:cNvPicPr>
+            <a:picLocks noChangeAspect="1"/>
+          </p:cNvPicPr>
+          <p:nvPr/>
+        </p:nvPicPr>
+        <p:blipFill>
+          <a:blip r:embed="rId2"/>
+          <a:stretch>
+            <a:fillRect/>
+          </a:stretch>
+        </p:blipFill>
+        <p:spPr>
+          <a:xfrm>
+            <a:off x="1691691" y="3583850"/>
+            <a:ext cx="2978783" cy="1300594"/>
+          </a:xfrm>
+          <a:prstGeom prst="rect">
+            <a:avLst/>
+          </a:prstGeom>
+        </p:spPr>
+      </p:pic>
+    </p:spTree>
+  </p:cSld>
+  <p:clrMapOvr>
+    <a:masterClrMapping/>
+  </p:clrMapOvr>
+</p:sld>
+</file>
+
+<file path=ppt/slides/slide31.xml><?xml version="1.0" encoding="utf-8"?>
+<p:sld xmlns:a="http://schemas.openxmlformats.org/drawingml/2006/main" xmlns:r="http://schemas.openxmlformats.org/officeDocument/2006/relationships" xmlns:p="http://schemas.openxmlformats.org/presentationml/2006/main">
+  <p:cSld>
+    <p:spTree>
+      <p:nvGrpSpPr>
+        <p:cNvPr id="1" name=""/>
+        <p:cNvGrpSpPr/>
+        <p:nvPr/>
+      </p:nvGrpSpPr>
+      <p:grpSpPr>
+        <a:xfrm>
+          <a:off x="0" y="0"/>
+          <a:ext cx="0" cy="0"/>
+          <a:chOff x="0" y="0"/>
+          <a:chExt cx="0" cy="0"/>
+        </a:xfrm>
+      </p:grpSpPr>
+      <p:sp>
+        <p:nvSpPr>
+          <p:cNvPr id="2" name="Title 1"/>
+          <p:cNvSpPr>
+            <a:spLocks noGrp="1"/>
+          </p:cNvSpPr>
+          <p:nvPr>
+            <p:ph type="title"/>
+          </p:nvPr>
+        </p:nvSpPr>
+        <p:spPr/>
+        <p:txBody>
+          <a:bodyPr/>
+          <a:lstStyle/>
+          <a:p>
+            <a:r>
+              <a:rPr lang="en-US" dirty="0" smtClean="0"/>
+              <a:t>Conclusion for </a:t>
+            </a:r>
+            <a:r>
+              <a:rPr lang="en-US" dirty="0" smtClean="0"/>
+              <a:t>ANN</a:t>
+            </a:r>
+            <a:endParaRPr lang="en-US" dirty="0"/>
+          </a:p>
+        </p:txBody>
+      </p:sp>
+      <p:sp>
+        <p:nvSpPr>
+          <p:cNvPr id="3" name="Content Placeholder 2"/>
+          <p:cNvSpPr>
+            <a:spLocks noGrp="1"/>
+          </p:cNvSpPr>
+          <p:nvPr>
+            <p:ph idx="1"/>
+          </p:nvPr>
+        </p:nvSpPr>
+        <p:spPr/>
+        <p:txBody>
+          <a:bodyPr/>
+          <a:lstStyle/>
+          <a:p>
+            <a:r>
+              <a:rPr lang="en-US" dirty="0" smtClean="0"/>
+              <a:t>Accuracy higher by replacing NAs vs. omitting NAs</a:t>
+            </a:r>
+            <a:endParaRPr lang="en-US" dirty="0" smtClean="0"/>
+          </a:p>
+          <a:p>
+            <a:r>
+              <a:rPr lang="en-US" dirty="0" smtClean="0"/>
+              <a:t>Not much </a:t>
+            </a:r>
+            <a:r>
+              <a:rPr lang="en-US" dirty="0" smtClean="0"/>
+              <a:t>increase in accuracy </a:t>
+            </a:r>
+            <a:r>
+              <a:rPr lang="en-US" dirty="0" smtClean="0"/>
+              <a:t>by increasing learning rate</a:t>
+            </a:r>
+            <a:endParaRPr lang="en-US" dirty="0"/>
+          </a:p>
+        </p:txBody>
+      </p:sp>
+    </p:spTree>
+    <p:extLst>
+      <p:ext uri="{BB962C8B-B14F-4D97-AF65-F5344CB8AC3E}">
+        <p14:creationId xmlns:p14="http://schemas.microsoft.com/office/powerpoint/2010/main" xmlns="" val="1935058227"/>
+      </p:ext>
+    </p:extLst>
+  </p:cSld>
+  <p:clrMapOvr>
+    <a:masterClrMapping/>
+  </p:clrMapOvr>
+</p:sld>
+</file>
+
+<file path=ppt/slides/slide32.xml><?xml version="1.0" encoding="utf-8"?>
+<p:sld xmlns:a="http://schemas.openxmlformats.org/drawingml/2006/main" xmlns:r="http://schemas.openxmlformats.org/officeDocument/2006/relationships" xmlns:p="http://schemas.openxmlformats.org/presentationml/2006/main">
+  <p:cSld>
+    <p:spTree>
+      <p:nvGrpSpPr>
+        <p:cNvPr id="1" name=""/>
+        <p:cNvGrpSpPr/>
+        <p:nvPr/>
+      </p:nvGrpSpPr>
+      <p:grpSpPr>
+        <a:xfrm>
+          <a:off x="0" y="0"/>
+          <a:ext cx="0" cy="0"/>
+          <a:chOff x="0" y="0"/>
+          <a:chExt cx="0" cy="0"/>
+        </a:xfrm>
+      </p:grpSpPr>
+      <p:sp>
+        <p:nvSpPr>
+          <p:cNvPr id="2" name="Title 1"/>
+          <p:cNvSpPr>
+            <a:spLocks noGrp="1"/>
+          </p:cNvSpPr>
+          <p:nvPr>
+            <p:ph type="title"/>
+          </p:nvPr>
+        </p:nvSpPr>
+        <p:spPr/>
+        <p:txBody>
+          <a:bodyPr/>
+          <a:lstStyle/>
+          <a:p>
+            <a:r>
+              <a:rPr lang="en-US" dirty="0"/>
+              <a:t>Algorithm </a:t>
+            </a:r>
+            <a:r>
+              <a:rPr lang="en-US" dirty="0" smtClean="0"/>
               <a:t>5 </a:t>
             </a:r>
             <a:r>
@@ -7144,7 +7358,7 @@
 </p:sld>
 </file>
 
-<file path=ppt/slides/slide31.xml><?xml version="1.0" encoding="utf-8"?>
+<file path=ppt/slides/slide33.xml><?xml version="1.0" encoding="utf-8"?>
 <p:sld xmlns:a="http://schemas.openxmlformats.org/drawingml/2006/main" xmlns:r="http://schemas.openxmlformats.org/officeDocument/2006/relationships" xmlns:p="http://schemas.openxmlformats.org/presentationml/2006/main">
   <p:cSld>
     <p:spTree>
@@ -7241,7 +7455,7 @@
 </p:sld>
 </file>
 
-<file path=ppt/slides/slide32.xml><?xml version="1.0" encoding="utf-8"?>
+<file path=ppt/slides/slide34.xml><?xml version="1.0" encoding="utf-8"?>
 <p:sld xmlns:a="http://schemas.openxmlformats.org/drawingml/2006/main" xmlns:r="http://schemas.openxmlformats.org/officeDocument/2006/relationships" xmlns:p="http://schemas.openxmlformats.org/presentationml/2006/main">
   <p:cSld>
     <p:spTree>
@@ -7302,14 +7516,14 @@
                 <a:gridCol w="657948">
                   <a:extLst>
                     <a:ext uri="{9D8B030D-6E8A-4147-A177-3AD203B41FA5}">
-                      <a16:colId xmlns="" xmlns:a16="http://schemas.microsoft.com/office/drawing/2014/main" val="20000"/>
+                      <a16:colId xmlns:a16="http://schemas.microsoft.com/office/drawing/2014/main" xmlns="" val="20000"/>
                     </a:ext>
                   </a:extLst>
                 </a:gridCol>
                 <a:gridCol w="932092">
                   <a:extLst>
                     <a:ext uri="{9D8B030D-6E8A-4147-A177-3AD203B41FA5}">
-                      <a16:colId xmlns="" xmlns:a16="http://schemas.microsoft.com/office/drawing/2014/main" val="20001"/>
+                      <a16:colId xmlns:a16="http://schemas.microsoft.com/office/drawing/2014/main" xmlns="" val="20001"/>
                     </a:ext>
                   </a:extLst>
                 </a:gridCol>
@@ -7429,7 +7643,7 @@
                 </a:tc>
                 <a:extLst>
                   <a:ext uri="{0D108BD9-81ED-4DB2-BD59-A6C34878D82A}">
-                    <a16:rowId xmlns="" xmlns:a16="http://schemas.microsoft.com/office/drawing/2014/main" val="10000"/>
+                    <a16:rowId xmlns:a16="http://schemas.microsoft.com/office/drawing/2014/main" xmlns="" val="10000"/>
                   </a:ext>
                 </a:extLst>
               </a:tr>
@@ -7548,7 +7762,7 @@
                 </a:tc>
                 <a:extLst>
                   <a:ext uri="{0D108BD9-81ED-4DB2-BD59-A6C34878D82A}">
-                    <a16:rowId xmlns="" xmlns:a16="http://schemas.microsoft.com/office/drawing/2014/main" val="10001"/>
+                    <a16:rowId xmlns:a16="http://schemas.microsoft.com/office/drawing/2014/main" xmlns="" val="10001"/>
                   </a:ext>
                 </a:extLst>
               </a:tr>
@@ -7667,7 +7881,7 @@
                 </a:tc>
                 <a:extLst>
                   <a:ext uri="{0D108BD9-81ED-4DB2-BD59-A6C34878D82A}">
-                    <a16:rowId xmlns="" xmlns:a16="http://schemas.microsoft.com/office/drawing/2014/main" val="10002"/>
+                    <a16:rowId xmlns:a16="http://schemas.microsoft.com/office/drawing/2014/main" xmlns="" val="10002"/>
                   </a:ext>
                 </a:extLst>
               </a:tr>
@@ -7732,7 +7946,7 @@
 </p:sld>
 </file>
 
-<file path=ppt/slides/slide33.xml><?xml version="1.0" encoding="utf-8"?>
+<file path=ppt/slides/slide35.xml><?xml version="1.0" encoding="utf-8"?>
 <p:sld xmlns:a="http://schemas.openxmlformats.org/drawingml/2006/main" xmlns:r="http://schemas.openxmlformats.org/officeDocument/2006/relationships" xmlns:p="http://schemas.openxmlformats.org/presentationml/2006/main">
   <p:cSld>
     <p:spTree>
@@ -7789,7 +8003,7 @@
         </p:spPr>
         <p:txBody>
           <a:bodyPr>
-            <a:normAutofit fontScale="77500" lnSpcReduction="20000"/>
+            <a:normAutofit/>
           </a:bodyPr>
           <a:lstStyle/>
           <a:p>
@@ -7833,16 +8047,6 @@
           <a:p>
             <a:pPr lvl="1"/>
             <a:endParaRPr lang="en-US" dirty="0"/>
-          </a:p>
-          <a:p>
-            <a:r>
-              <a:rPr lang="en-US" dirty="0">
-                <a:solidFill>
-                  <a:srgbClr val="FF0000"/>
-                </a:solidFill>
-              </a:rPr>
-              <a:t>Top features for prediction: Number of Projects, Time Spent at the Company and Satisfaction Level (from Random Forest)</a:t>
-            </a:r>
           </a:p>
         </p:txBody>
       </p:sp>
@@ -7855,14 +8059,14 @@
           <p:nvPr>
             <p:extLst>
               <p:ext uri="{D42A27DB-BD31-4B8C-83A1-F6EECF244321}">
-                <p14:modId xmlns:p14="http://schemas.microsoft.com/office/powerpoint/2010/main" val="1864373720"/>
+                <p14:modId xmlns:p14="http://schemas.microsoft.com/office/powerpoint/2010/main" xmlns="" val="1864373720"/>
               </p:ext>
             </p:extLst>
           </p:nvPr>
         </p:nvGraphicFramePr>
         <p:xfrm>
-          <a:off x="2777748" y="1874521"/>
-          <a:ext cx="8127999" cy="2255331"/>
+          <a:off x="2932493" y="2620109"/>
+          <a:ext cx="8127999" cy="2529651"/>
         </p:xfrm>
         <a:graphic>
           <a:graphicData uri="http://schemas.openxmlformats.org/drawingml/2006/table">
@@ -7874,21 +8078,21 @@
                 <a:gridCol w="2709333">
                   <a:extLst>
                     <a:ext uri="{9D8B030D-6E8A-4147-A177-3AD203B41FA5}">
-                      <a16:colId xmlns="" xmlns:a16="http://schemas.microsoft.com/office/drawing/2014/main" val="20000"/>
+                      <a16:colId xmlns:a16="http://schemas.microsoft.com/office/drawing/2014/main" xmlns="" val="20000"/>
                     </a:ext>
                   </a:extLst>
                 </a:gridCol>
                 <a:gridCol w="2709333">
                   <a:extLst>
                     <a:ext uri="{9D8B030D-6E8A-4147-A177-3AD203B41FA5}">
-                      <a16:colId xmlns="" xmlns:a16="http://schemas.microsoft.com/office/drawing/2014/main" val="20001"/>
+                      <a16:colId xmlns:a16="http://schemas.microsoft.com/office/drawing/2014/main" xmlns="" val="20001"/>
                     </a:ext>
                   </a:extLst>
                 </a:gridCol>
                 <a:gridCol w="2709333">
                   <a:extLst>
                     <a:ext uri="{9D8B030D-6E8A-4147-A177-3AD203B41FA5}">
-                      <a16:colId xmlns="" xmlns:a16="http://schemas.microsoft.com/office/drawing/2014/main" val="20002"/>
+                      <a16:colId xmlns:a16="http://schemas.microsoft.com/office/drawing/2014/main" xmlns="" val="20002"/>
                     </a:ext>
                   </a:extLst>
                 </a:gridCol>
@@ -7938,7 +8142,7 @@
                 </a:tc>
                 <a:extLst>
                   <a:ext uri="{0D108BD9-81ED-4DB2-BD59-A6C34878D82A}">
-                    <a16:rowId xmlns="" xmlns:a16="http://schemas.microsoft.com/office/drawing/2014/main" val="10000"/>
+                    <a16:rowId xmlns:a16="http://schemas.microsoft.com/office/drawing/2014/main" xmlns="" val="10000"/>
                   </a:ext>
                 </a:extLst>
               </a:tr>
@@ -7990,7 +8194,7 @@
                 </a:tc>
                 <a:extLst>
                   <a:ext uri="{0D108BD9-81ED-4DB2-BD59-A6C34878D82A}">
-                    <a16:rowId xmlns="" xmlns:a16="http://schemas.microsoft.com/office/drawing/2014/main" val="10001"/>
+                    <a16:rowId xmlns:a16="http://schemas.microsoft.com/office/drawing/2014/main" xmlns="" val="10001"/>
                   </a:ext>
                 </a:extLst>
               </a:tr>
@@ -8037,7 +8241,7 @@
                 </a:tc>
                 <a:extLst>
                   <a:ext uri="{0D108BD9-81ED-4DB2-BD59-A6C34878D82A}">
-                    <a16:rowId xmlns="" xmlns:a16="http://schemas.microsoft.com/office/drawing/2014/main" val="10002"/>
+                    <a16:rowId xmlns:a16="http://schemas.microsoft.com/office/drawing/2014/main" xmlns="" val="10002"/>
                   </a:ext>
                 </a:extLst>
               </a:tr>
@@ -8092,7 +8296,7 @@
                 </a:tc>
                 <a:extLst>
                   <a:ext uri="{0D108BD9-81ED-4DB2-BD59-A6C34878D82A}">
-                    <a16:rowId xmlns="" xmlns:a16="http://schemas.microsoft.com/office/drawing/2014/main" val="10003"/>
+                    <a16:rowId xmlns:a16="http://schemas.microsoft.com/office/drawing/2014/main" xmlns="" val="10003"/>
                   </a:ext>
                 </a:extLst>
               </a:tr>
@@ -8117,14 +8321,30 @@
                     <a:p>
                       <a:r>
                         <a:rPr lang="en-US" dirty="0"/>
-                        <a:t>Learning Rate = 0.1</a:t>
+                        <a:t>Learning Rate = </a:t>
+                      </a:r>
+                      <a:r>
+                        <a:rPr lang="en-US" dirty="0" smtClean="0"/>
+                        <a:t>0.05</a:t>
+                      </a:r>
+                      <a:endParaRPr lang="en-US" dirty="0"/>
+                    </a:p>
+                    <a:p>
+                      <a:r>
+                        <a:rPr lang="en-US" dirty="0"/>
+                        <a:t>Hidden Layers = </a:t>
+                      </a:r>
+                      <a:r>
+                        <a:rPr lang="en-US" dirty="0" smtClean="0"/>
+                        <a:t>5</a:t>
                       </a:r>
                     </a:p>
                     <a:p>
                       <a:r>
-                        <a:rPr lang="en-US" dirty="0"/>
-                        <a:t>Hidden Layers = 4</a:t>
+                        <a:rPr lang="en-US" dirty="0" smtClean="0"/>
+                        <a:t>Replace values</a:t>
                       </a:r>
+                      <a:endParaRPr lang="en-US" dirty="0"/>
                     </a:p>
                   </a:txBody>
                   <a:tcPr/>
@@ -8135,8 +8355,8 @@
                     <a:lstStyle/>
                     <a:p>
                       <a:r>
-                        <a:rPr lang="uk-UA" dirty="0"/>
-                        <a:t>0.9477777778</a:t>
+                        <a:rPr lang="en-US" dirty="0" smtClean="0"/>
+                        <a:t>0.9405940594 </a:t>
                       </a:r>
                       <a:endParaRPr lang="en-US" dirty="0"/>
                     </a:p>
@@ -8145,7 +8365,7 @@
                 </a:tc>
                 <a:extLst>
                   <a:ext uri="{0D108BD9-81ED-4DB2-BD59-A6C34878D82A}">
-                    <a16:rowId xmlns="" xmlns:a16="http://schemas.microsoft.com/office/drawing/2014/main" val="10004"/>
+                    <a16:rowId xmlns:a16="http://schemas.microsoft.com/office/drawing/2014/main" xmlns="" val="10004"/>
                   </a:ext>
                 </a:extLst>
               </a:tr>
@@ -8156,7 +8376,7 @@
     </p:spTree>
     <p:extLst>
       <p:ext uri="{BB962C8B-B14F-4D97-AF65-F5344CB8AC3E}">
-        <p14:creationId xmlns:p14="http://schemas.microsoft.com/office/powerpoint/2010/main" val="3578044046"/>
+        <p14:creationId xmlns:p14="http://schemas.microsoft.com/office/powerpoint/2010/main" xmlns="" val="3578044046"/>
       </p:ext>
     </p:extLst>
   </p:cSld>
@@ -8173,7 +8393,7 @@
 </p:sld>
 </file>
 
-<file path=ppt/slides/slide34.xml><?xml version="1.0" encoding="utf-8"?>
+<file path=ppt/slides/slide36.xml><?xml version="1.0" encoding="utf-8"?>
 <p:sld xmlns:a="http://schemas.openxmlformats.org/drawingml/2006/main" xmlns:r="http://schemas.openxmlformats.org/officeDocument/2006/relationships" xmlns:p="http://schemas.openxmlformats.org/presentationml/2006/main">
   <p:cSld>
     <p:spTree>
@@ -8197,7 +8417,7 @@
             <a:spLocks noGrp="1"/>
           </p:cNvSpPr>
           <p:nvPr>
-            <p:ph type="title"/>
+            <p:ph type="ctrTitle"/>
           </p:nvPr>
         </p:nvSpPr>
         <p:spPr/>
@@ -8214,12 +8434,12 @@
       </p:sp>
       <p:sp>
         <p:nvSpPr>
-          <p:cNvPr id="3" name="Content Placeholder 2"/>
-          <p:cNvSpPr>
-            <a:spLocks noGrp="1"/>
-          </p:cNvSpPr>
-          <p:nvPr>
-            <p:ph idx="1"/>
+          <p:cNvPr id="4" name="Subtitle 3"/>
+          <p:cNvSpPr>
+            <a:spLocks noGrp="1"/>
+          </p:cNvSpPr>
+          <p:nvPr>
+            <p:ph type="subTitle" idx="1"/>
           </p:nvPr>
         </p:nvSpPr>
         <p:spPr/>
@@ -8234,7 +8454,7 @@
     </p:spTree>
     <p:extLst>
       <p:ext uri="{BB962C8B-B14F-4D97-AF65-F5344CB8AC3E}">
-        <p14:creationId xmlns:p14="http://schemas.microsoft.com/office/powerpoint/2010/main" val="30137763"/>
+        <p14:creationId xmlns:p14="http://schemas.microsoft.com/office/powerpoint/2010/main" xmlns="" val="30137763"/>
       </p:ext>
     </p:extLst>
   </p:cSld>
@@ -8357,7 +8577,7 @@
     </p:spTree>
     <p:extLst>
       <p:ext uri="{BB962C8B-B14F-4D97-AF65-F5344CB8AC3E}">
-        <p14:creationId xmlns:p14="http://schemas.microsoft.com/office/powerpoint/2010/main" val="306933364"/>
+        <p14:creationId xmlns:p14="http://schemas.microsoft.com/office/powerpoint/2010/main" xmlns="" val="306933364"/>
       </p:ext>
     </p:extLst>
   </p:cSld>
@@ -8462,7 +8682,7 @@
     </p:spTree>
     <p:extLst>
       <p:ext uri="{BB962C8B-B14F-4D97-AF65-F5344CB8AC3E}">
-        <p14:creationId xmlns:p14="http://schemas.microsoft.com/office/powerpoint/2010/main" val="220168066"/>
+        <p14:creationId xmlns:p14="http://schemas.microsoft.com/office/powerpoint/2010/main" xmlns="" val="220168066"/>
       </p:ext>
     </p:extLst>
   </p:cSld>
@@ -8506,11 +8726,7 @@
           <a:p>
             <a:r>
               <a:rPr lang="en-US" dirty="0"/>
-              <a:t>Algorithm </a:t>
-            </a:r>
-            <a:r>
-              <a:rPr lang="en-US" dirty="0"/>
-              <a:t>1</a:t>
+              <a:t>Algorithm 1</a:t>
             </a:r>
             <a:r>
               <a:rPr lang="en-US" dirty="0" smtClean="0"/>
@@ -8566,7 +8782,7 @@
     </p:spTree>
     <p:extLst>
       <p:ext uri="{BB962C8B-B14F-4D97-AF65-F5344CB8AC3E}">
-        <p14:creationId xmlns:p14="http://schemas.microsoft.com/office/powerpoint/2010/main" val="869547253"/>
+        <p14:creationId xmlns:p14="http://schemas.microsoft.com/office/powerpoint/2010/main" xmlns="" val="869547253"/>
       </p:ext>
     </p:extLst>
   </p:cSld>
@@ -8617,11 +8833,7 @@
           <a:p>
             <a:r>
               <a:rPr lang="en-US" dirty="0" smtClean="0"/>
-              <a:t>Algorithm </a:t>
-            </a:r>
-            <a:r>
-              <a:rPr lang="en-US" dirty="0" smtClean="0"/>
-              <a:t>1</a:t>
+              <a:t>Algorithm 1</a:t>
             </a:r>
             <a:r>
               <a:rPr lang="mr-IN" dirty="0" smtClean="0"/>
@@ -8629,11 +8841,7 @@
             </a:r>
             <a:r>
               <a:rPr lang="en-US" dirty="0" smtClean="0"/>
-              <a:t> </a:t>
-            </a:r>
-            <a:r>
-              <a:rPr lang="en-US" dirty="0" smtClean="0"/>
-              <a:t>Naïve Bayes</a:t>
+              <a:t> Naïve Bayes</a:t>
             </a:r>
             <a:endParaRPr lang="en-US" dirty="0"/>
           </a:p>
@@ -8684,11 +8892,7 @@
             <a:pPr lvl="1"/>
             <a:r>
               <a:rPr lang="en-US" dirty="0" smtClean="0"/>
-              <a:t>Accuracy: </a:t>
-            </a:r>
-            <a:r>
-              <a:rPr lang="en-US" dirty="0" smtClean="0"/>
-              <a:t>0.902439</a:t>
+              <a:t>Accuracy: 0.902439</a:t>
             </a:r>
             <a:endParaRPr lang="en-US" dirty="0"/>
           </a:p>
@@ -8711,11 +8915,7 @@
             </a:r>
             <a:r>
               <a:rPr lang="en-US" dirty="0" smtClean="0"/>
-              <a:t>Replaced NAs with </a:t>
-            </a:r>
-            <a:r>
-              <a:rPr lang="en-US" dirty="0" smtClean="0"/>
-              <a:t>mean/mode and removed the highly correlated factors </a:t>
+              <a:t>Replaced NAs with mean/mode and removed the highly correlated factors </a:t>
             </a:r>
             <a:endParaRPr lang="en-US" dirty="0"/>
           </a:p>
@@ -8764,7 +8964,7 @@
           <a:blip r:embed="rId2">
             <a:extLst>
               <a:ext uri="{28A0092B-C50C-407E-A947-70E740481C1C}">
-                <a14:useLocalDpi xmlns:a14="http://schemas.microsoft.com/office/drawing/2010/main" val="0"/>
+                <a14:useLocalDpi xmlns:a14="http://schemas.microsoft.com/office/drawing/2010/main" xmlns="" val="0"/>
               </a:ext>
             </a:extLst>
           </a:blip>
@@ -8794,7 +8994,7 @@
           <a:blip r:embed="rId3">
             <a:extLst>
               <a:ext uri="{28A0092B-C50C-407E-A947-70E740481C1C}">
-                <a14:useLocalDpi xmlns:a14="http://schemas.microsoft.com/office/drawing/2010/main" val="0"/>
+                <a14:useLocalDpi xmlns:a14="http://schemas.microsoft.com/office/drawing/2010/main" xmlns="" val="0"/>
               </a:ext>
             </a:extLst>
           </a:blip>
@@ -8815,7 +9015,7 @@
     </p:spTree>
     <p:extLst>
       <p:ext uri="{BB962C8B-B14F-4D97-AF65-F5344CB8AC3E}">
-        <p14:creationId xmlns:p14="http://schemas.microsoft.com/office/powerpoint/2010/main" val="854463336"/>
+        <p14:creationId xmlns:p14="http://schemas.microsoft.com/office/powerpoint/2010/main" xmlns="" val="854463336"/>
       </p:ext>
     </p:extLst>
   </p:cSld>
@@ -8901,7 +9101,7 @@
           <a:blip r:embed="rId2">
             <a:extLst>
               <a:ext uri="{28A0092B-C50C-407E-A947-70E740481C1C}">
-                <a14:useLocalDpi xmlns:a14="http://schemas.microsoft.com/office/drawing/2010/main" val="0"/>
+                <a14:useLocalDpi xmlns:a14="http://schemas.microsoft.com/office/drawing/2010/main" xmlns="" val="0"/>
               </a:ext>
             </a:extLst>
           </a:blip>
@@ -8919,7 +9119,7 @@
     </p:spTree>
     <p:extLst>
       <p:ext uri="{BB962C8B-B14F-4D97-AF65-F5344CB8AC3E}">
-        <p14:creationId xmlns:p14="http://schemas.microsoft.com/office/powerpoint/2010/main" val="742140663"/>
+        <p14:creationId xmlns:p14="http://schemas.microsoft.com/office/powerpoint/2010/main" xmlns="" val="742140663"/>
       </p:ext>
     </p:extLst>
   </p:cSld>
@@ -9073,7 +9273,7 @@
     </p:spTree>
     <p:extLst>
       <p:ext uri="{BB962C8B-B14F-4D97-AF65-F5344CB8AC3E}">
-        <p14:creationId xmlns:p14="http://schemas.microsoft.com/office/powerpoint/2010/main" val="597700395"/>
+        <p14:creationId xmlns:p14="http://schemas.microsoft.com/office/powerpoint/2010/main" xmlns="" val="597700395"/>
       </p:ext>
     </p:extLst>
   </p:cSld>
@@ -9620,7 +9820,7 @@
   <a:extraClrSchemeLst/>
   <a:extLst>
     <a:ext uri="{05A4C25C-085E-4340-85A3-A5531E510DB2}">
-      <thm15:themeFamily xmlns:thm15="http://schemas.microsoft.com/office/thememl/2012/main" name="Office Theme" id="{62F939B6-93AF-4DB8-9C6B-D6C7DFDC589F}" vid="{4A3C46E8-61CC-4603-A589-7422A47A8E4A}"/>
+      <thm15:themeFamily xmlns:thm15="http://schemas.microsoft.com/office/thememl/2012/main" xmlns="" name="Office Theme" id="{62F939B6-93AF-4DB8-9C6B-D6C7DFDC589F}" vid="{4A3C46E8-61CC-4603-A589-7422A47A8E4A}"/>
     </a:ext>
   </a:extLst>
 </a:theme>

--- a/Presentation_YPS.pptx
+++ b/Presentation_YPS.pptx
@@ -5,45 +5,47 @@
     <p:sldMasterId id="2147483876" r:id="rId1"/>
   </p:sldMasterIdLst>
   <p:notesMasterIdLst>
-    <p:notesMasterId r:id="rId38"/>
+    <p:notesMasterId r:id="rId40"/>
   </p:notesMasterIdLst>
   <p:sldIdLst>
     <p:sldId id="256" r:id="rId2"/>
     <p:sldId id="259" r:id="rId3"/>
     <p:sldId id="257" r:id="rId4"/>
     <p:sldId id="258" r:id="rId5"/>
-    <p:sldId id="260" r:id="rId6"/>
-    <p:sldId id="298" r:id="rId7"/>
-    <p:sldId id="299" r:id="rId8"/>
-    <p:sldId id="300" r:id="rId9"/>
-    <p:sldId id="262" r:id="rId10"/>
-    <p:sldId id="272" r:id="rId11"/>
-    <p:sldId id="273" r:id="rId12"/>
-    <p:sldId id="292" r:id="rId13"/>
-    <p:sldId id="263" r:id="rId14"/>
-    <p:sldId id="281" r:id="rId15"/>
-    <p:sldId id="274" r:id="rId16"/>
-    <p:sldId id="282" r:id="rId17"/>
-    <p:sldId id="275" r:id="rId18"/>
-    <p:sldId id="283" r:id="rId19"/>
-    <p:sldId id="284" r:id="rId20"/>
-    <p:sldId id="285" r:id="rId21"/>
-    <p:sldId id="286" r:id="rId22"/>
-    <p:sldId id="289" r:id="rId23"/>
-    <p:sldId id="288" r:id="rId24"/>
-    <p:sldId id="287" r:id="rId25"/>
-    <p:sldId id="276" r:id="rId26"/>
-    <p:sldId id="291" r:id="rId27"/>
-    <p:sldId id="290" r:id="rId28"/>
-    <p:sldId id="264" r:id="rId29"/>
-    <p:sldId id="303" r:id="rId30"/>
-    <p:sldId id="277" r:id="rId31"/>
-    <p:sldId id="302" r:id="rId32"/>
-    <p:sldId id="278" r:id="rId33"/>
-    <p:sldId id="279" r:id="rId34"/>
-    <p:sldId id="280" r:id="rId35"/>
-    <p:sldId id="269" r:id="rId36"/>
-    <p:sldId id="271" r:id="rId37"/>
+    <p:sldId id="304" r:id="rId6"/>
+    <p:sldId id="260" r:id="rId7"/>
+    <p:sldId id="298" r:id="rId8"/>
+    <p:sldId id="299" r:id="rId9"/>
+    <p:sldId id="300" r:id="rId10"/>
+    <p:sldId id="262" r:id="rId11"/>
+    <p:sldId id="272" r:id="rId12"/>
+    <p:sldId id="273" r:id="rId13"/>
+    <p:sldId id="292" r:id="rId14"/>
+    <p:sldId id="263" r:id="rId15"/>
+    <p:sldId id="281" r:id="rId16"/>
+    <p:sldId id="274" r:id="rId17"/>
+    <p:sldId id="282" r:id="rId18"/>
+    <p:sldId id="275" r:id="rId19"/>
+    <p:sldId id="283" r:id="rId20"/>
+    <p:sldId id="284" r:id="rId21"/>
+    <p:sldId id="285" r:id="rId22"/>
+    <p:sldId id="286" r:id="rId23"/>
+    <p:sldId id="289" r:id="rId24"/>
+    <p:sldId id="288" r:id="rId25"/>
+    <p:sldId id="287" r:id="rId26"/>
+    <p:sldId id="276" r:id="rId27"/>
+    <p:sldId id="291" r:id="rId28"/>
+    <p:sldId id="290" r:id="rId29"/>
+    <p:sldId id="264" r:id="rId30"/>
+    <p:sldId id="303" r:id="rId31"/>
+    <p:sldId id="277" r:id="rId32"/>
+    <p:sldId id="305" r:id="rId33"/>
+    <p:sldId id="302" r:id="rId34"/>
+    <p:sldId id="278" r:id="rId35"/>
+    <p:sldId id="279" r:id="rId36"/>
+    <p:sldId id="280" r:id="rId37"/>
+    <p:sldId id="269" r:id="rId38"/>
+    <p:sldId id="271" r:id="rId39"/>
   </p:sldIdLst>
   <p:sldSz cx="12192000" cy="6858000"/>
   <p:notesSz cx="6858000" cy="9144000"/>
@@ -4006,15 +4008,27 @@
             <p:ph type="ctrTitle"/>
           </p:nvPr>
         </p:nvSpPr>
-        <p:spPr/>
-        <p:txBody>
-          <a:bodyPr/>
+        <p:spPr>
+          <a:xfrm>
+            <a:off x="0" y="776289"/>
+            <a:ext cx="11999742" cy="1470025"/>
+          </a:xfrm>
+        </p:spPr>
+        <p:txBody>
+          <a:bodyPr>
+            <a:normAutofit/>
+          </a:bodyPr>
           <a:lstStyle/>
           <a:p>
             <a:r>
-              <a:rPr lang="en-US" dirty="0"/>
-              <a:t>YOUNG PEOPLE CLASSIFICATION</a:t>
-            </a:r>
+              <a:rPr lang="en-US" sz="3600" dirty="0"/>
+              <a:t>YOUNG PEOPLE </a:t>
+            </a:r>
+            <a:r>
+              <a:rPr lang="en-US" sz="3600" dirty="0" smtClean="0"/>
+              <a:t>SURVEY DATA CLASSIFICATION</a:t>
+            </a:r>
+            <a:endParaRPr lang="en-US" sz="3600" dirty="0"/>
           </a:p>
         </p:txBody>
       </p:sp>
@@ -4056,10 +4070,171 @@
   <p:clrMapOvr>
     <a:masterClrMapping/>
   </p:clrMapOvr>
+  <p:timing>
+    <p:tnLst>
+      <p:par>
+        <p:cTn id="1" dur="indefinite" restart="never" nodeType="tmRoot"/>
+      </p:par>
+    </p:tnLst>
+  </p:timing>
 </p:sld>
 </file>
 
 <file path=ppt/slides/slide10.xml><?xml version="1.0" encoding="utf-8"?>
+<p:sld xmlns:a="http://schemas.openxmlformats.org/drawingml/2006/main" xmlns:r="http://schemas.openxmlformats.org/officeDocument/2006/relationships" xmlns:p="http://schemas.openxmlformats.org/presentationml/2006/main">
+  <p:cSld>
+    <p:spTree>
+      <p:nvGrpSpPr>
+        <p:cNvPr id="1" name=""/>
+        <p:cNvGrpSpPr/>
+        <p:nvPr/>
+      </p:nvGrpSpPr>
+      <p:grpSpPr>
+        <a:xfrm>
+          <a:off x="0" y="0"/>
+          <a:ext cx="0" cy="0"/>
+          <a:chOff x="0" y="0"/>
+          <a:chExt cx="0" cy="0"/>
+        </a:xfrm>
+      </p:grpSpPr>
+      <p:sp>
+        <p:nvSpPr>
+          <p:cNvPr id="2" name="Title 1"/>
+          <p:cNvSpPr>
+            <a:spLocks noGrp="1"/>
+          </p:cNvSpPr>
+          <p:nvPr>
+            <p:ph type="title"/>
+          </p:nvPr>
+        </p:nvSpPr>
+        <p:spPr/>
+        <p:txBody>
+          <a:bodyPr/>
+          <a:lstStyle/>
+          <a:p>
+            <a:r>
+              <a:rPr lang="en-US" dirty="0"/>
+              <a:t>Algorithm </a:t>
+            </a:r>
+            <a:r>
+              <a:rPr lang="en-US" dirty="0" smtClean="0"/>
+              <a:t>2- </a:t>
+            </a:r>
+            <a:r>
+              <a:rPr lang="en-US" dirty="0"/>
+              <a:t>KNN</a:t>
+            </a:r>
+          </a:p>
+        </p:txBody>
+      </p:sp>
+      <p:sp>
+        <p:nvSpPr>
+          <p:cNvPr id="3" name="Content Placeholder 2"/>
+          <p:cNvSpPr>
+            <a:spLocks noGrp="1"/>
+          </p:cNvSpPr>
+          <p:nvPr>
+            <p:ph idx="1"/>
+          </p:nvPr>
+        </p:nvSpPr>
+        <p:spPr/>
+        <p:txBody>
+          <a:bodyPr>
+            <a:normAutofit/>
+          </a:bodyPr>
+          <a:lstStyle/>
+          <a:p>
+            <a:r>
+              <a:rPr lang="en-US" dirty="0"/>
+              <a:t>K nearest neighbors found using Euclidean distance metric:</a:t>
+            </a:r>
+          </a:p>
+          <a:p>
+            <a:endParaRPr lang="en-US" dirty="0"/>
+          </a:p>
+          <a:p>
+            <a:endParaRPr lang="en-US" dirty="0"/>
+          </a:p>
+          <a:p>
+            <a:endParaRPr lang="en-US" dirty="0"/>
+          </a:p>
+          <a:p>
+            <a:r>
+              <a:rPr lang="en-US" dirty="0"/>
+              <a:t>Predictors used: </a:t>
+            </a:r>
+            <a:r>
+              <a:rPr lang="en-US" dirty="0" smtClean="0"/>
+              <a:t>Entire Dataset</a:t>
+            </a:r>
+          </a:p>
+          <a:p>
+            <a:r>
+              <a:rPr lang="en-US" dirty="0" smtClean="0"/>
+              <a:t>Classification : Male/Female</a:t>
+            </a:r>
+            <a:endParaRPr lang="en-US" dirty="0"/>
+          </a:p>
+          <a:p>
+            <a:endParaRPr lang="en-US" dirty="0"/>
+          </a:p>
+          <a:p>
+            <a:pPr lvl="1"/>
+            <a:endParaRPr lang="en-US" dirty="0"/>
+          </a:p>
+          <a:p>
+            <a:endParaRPr lang="en-US" dirty="0"/>
+          </a:p>
+          <a:p>
+            <a:endParaRPr lang="en-US" dirty="0"/>
+          </a:p>
+        </p:txBody>
+      </p:sp>
+      <p:pic>
+        <p:nvPicPr>
+          <p:cNvPr id="4" name="Picture 3"/>
+          <p:cNvPicPr>
+            <a:picLocks noChangeAspect="1"/>
+          </p:cNvPicPr>
+          <p:nvPr/>
+        </p:nvPicPr>
+        <p:blipFill>
+          <a:blip r:embed="rId2"/>
+          <a:stretch>
+            <a:fillRect/>
+          </a:stretch>
+        </p:blipFill>
+        <p:spPr>
+          <a:xfrm>
+            <a:off x="2829828" y="2657098"/>
+            <a:ext cx="4467755" cy="1335666"/>
+          </a:xfrm>
+          <a:prstGeom prst="rect">
+            <a:avLst/>
+          </a:prstGeom>
+        </p:spPr>
+      </p:pic>
+    </p:spTree>
+    <p:extLst>
+      <p:ext uri="{BB962C8B-B14F-4D97-AF65-F5344CB8AC3E}">
+        <p14:creationId xmlns:p14="http://schemas.microsoft.com/office/powerpoint/2010/main" xmlns="" val="597700395"/>
+      </p:ext>
+    </p:extLst>
+  </p:cSld>
+  <p:clrMapOvr>
+    <a:masterClrMapping/>
+  </p:clrMapOvr>
+  <p:timing>
+    <p:tnLst>
+      <p:par>
+        <p:cTn id="1" dur="indefinite" restart="never" nodeType="tmRoot"/>
+      </p:par>
+    </p:tnLst>
+  </p:timing>
+</p:sld>
+</file>
+
+<file path=ppt/slides/slide11.xml><?xml version="1.0" encoding="utf-8"?>
 <p:sld xmlns:a="http://schemas.openxmlformats.org/drawingml/2006/main" xmlns:r="http://schemas.openxmlformats.org/officeDocument/2006/relationships" xmlns:p="http://schemas.openxmlformats.org/presentationml/2006/main">
   <p:cSld>
     <p:spTree>
@@ -4262,10 +4437,17 @@
   <p:clrMapOvr>
     <a:masterClrMapping/>
   </p:clrMapOvr>
+  <p:timing>
+    <p:tnLst>
+      <p:par>
+        <p:cTn id="1" dur="indefinite" restart="never" nodeType="tmRoot"/>
+      </p:par>
+    </p:tnLst>
+  </p:timing>
 </p:sld>
 </file>
 
-<file path=ppt/slides/slide11.xml><?xml version="1.0" encoding="utf-8"?>
+<file path=ppt/slides/slide12.xml><?xml version="1.0" encoding="utf-8"?>
 <p:sld xmlns:a="http://schemas.openxmlformats.org/drawingml/2006/main" xmlns:r="http://schemas.openxmlformats.org/officeDocument/2006/relationships" xmlns:p="http://schemas.openxmlformats.org/presentationml/2006/main">
   <p:cSld>
     <p:spTree>
@@ -4483,10 +4665,17 @@
   <p:clrMapOvr>
     <a:masterClrMapping/>
   </p:clrMapOvr>
+  <p:timing>
+    <p:tnLst>
+      <p:par>
+        <p:cTn id="1" dur="indefinite" restart="never" nodeType="tmRoot"/>
+      </p:par>
+    </p:tnLst>
+  </p:timing>
 </p:sld>
 </file>
 
-<file path=ppt/slides/slide12.xml><?xml version="1.0" encoding="utf-8"?>
+<file path=ppt/slides/slide13.xml><?xml version="1.0" encoding="utf-8"?>
 <p:sld xmlns:a="http://schemas.openxmlformats.org/drawingml/2006/main" xmlns:r="http://schemas.openxmlformats.org/officeDocument/2006/relationships" xmlns:p="http://schemas.openxmlformats.org/presentationml/2006/main">
   <p:cSld>
     <p:spTree>
@@ -4569,10 +4758,17 @@
   <p:clrMapOvr>
     <a:masterClrMapping/>
   </p:clrMapOvr>
+  <p:timing>
+    <p:tnLst>
+      <p:par>
+        <p:cTn id="1" dur="indefinite" restart="never" nodeType="tmRoot"/>
+      </p:par>
+    </p:tnLst>
+  </p:timing>
 </p:sld>
 </file>
 
-<file path=ppt/slides/slide13.xml><?xml version="1.0" encoding="utf-8"?>
+<file path=ppt/slides/slide14.xml><?xml version="1.0" encoding="utf-8"?>
 <p:sld xmlns:a="http://schemas.openxmlformats.org/drawingml/2006/main" xmlns:r="http://schemas.openxmlformats.org/officeDocument/2006/relationships" xmlns:p="http://schemas.openxmlformats.org/presentationml/2006/main">
   <p:cSld>
     <p:spTree>
@@ -4747,7 +4943,7 @@
 </p:sld>
 </file>
 
-<file path=ppt/slides/slide14.xml><?xml version="1.0" encoding="utf-8"?>
+<file path=ppt/slides/slide15.xml><?xml version="1.0" encoding="utf-8"?>
 <p:sld xmlns:a="http://schemas.openxmlformats.org/drawingml/2006/main" xmlns:r="http://schemas.openxmlformats.org/officeDocument/2006/relationships" xmlns:p="http://schemas.openxmlformats.org/presentationml/2006/main">
   <p:cSld>
     <p:spTree>
@@ -4834,10 +5030,17 @@
   <p:clrMapOvr>
     <a:masterClrMapping/>
   </p:clrMapOvr>
+  <p:timing>
+    <p:tnLst>
+      <p:par>
+        <p:cTn id="1" dur="indefinite" restart="never" nodeType="tmRoot"/>
+      </p:par>
+    </p:tnLst>
+  </p:timing>
 </p:sld>
 </file>
 
-<file path=ppt/slides/slide15.xml><?xml version="1.0" encoding="utf-8"?>
+<file path=ppt/slides/slide16.xml><?xml version="1.0" encoding="utf-8"?>
 <p:sld xmlns:a="http://schemas.openxmlformats.org/drawingml/2006/main" xmlns:r="http://schemas.openxmlformats.org/officeDocument/2006/relationships" xmlns:p="http://schemas.openxmlformats.org/presentationml/2006/main">
   <p:cSld>
     <p:spTree>
@@ -4975,10 +5178,17 @@
   <p:clrMapOvr>
     <a:masterClrMapping/>
   </p:clrMapOvr>
+  <p:timing>
+    <p:tnLst>
+      <p:par>
+        <p:cTn id="1" dur="indefinite" restart="never" nodeType="tmRoot"/>
+      </p:par>
+    </p:tnLst>
+  </p:timing>
 </p:sld>
 </file>
 
-<file path=ppt/slides/slide16.xml><?xml version="1.0" encoding="utf-8"?>
+<file path=ppt/slides/slide17.xml><?xml version="1.0" encoding="utf-8"?>
 <p:sld xmlns:a="http://schemas.openxmlformats.org/drawingml/2006/main" xmlns:r="http://schemas.openxmlformats.org/officeDocument/2006/relationships" xmlns:p="http://schemas.openxmlformats.org/presentationml/2006/main">
   <p:cSld>
     <p:spTree>
@@ -5065,10 +5275,17 @@
   <p:clrMapOvr>
     <a:masterClrMapping/>
   </p:clrMapOvr>
+  <p:timing>
+    <p:tnLst>
+      <p:par>
+        <p:cTn id="1" dur="indefinite" restart="never" nodeType="tmRoot"/>
+      </p:par>
+    </p:tnLst>
+  </p:timing>
 </p:sld>
 </file>
 
-<file path=ppt/slides/slide17.xml><?xml version="1.0" encoding="utf-8"?>
+<file path=ppt/slides/slide18.xml><?xml version="1.0" encoding="utf-8"?>
 <p:sld xmlns:a="http://schemas.openxmlformats.org/drawingml/2006/main" xmlns:r="http://schemas.openxmlformats.org/officeDocument/2006/relationships" xmlns:p="http://schemas.openxmlformats.org/presentationml/2006/main">
   <p:cSld>
     <p:spTree>
@@ -5206,10 +5423,17 @@
   <p:clrMapOvr>
     <a:masterClrMapping/>
   </p:clrMapOvr>
+  <p:timing>
+    <p:tnLst>
+      <p:par>
+        <p:cTn id="1" dur="indefinite" restart="never" nodeType="tmRoot"/>
+      </p:par>
+    </p:tnLst>
+  </p:timing>
 </p:sld>
 </file>
 
-<file path=ppt/slides/slide18.xml><?xml version="1.0" encoding="utf-8"?>
+<file path=ppt/slides/slide19.xml><?xml version="1.0" encoding="utf-8"?>
 <p:sld xmlns:a="http://schemas.openxmlformats.org/drawingml/2006/main" xmlns:r="http://schemas.openxmlformats.org/officeDocument/2006/relationships" xmlns:p="http://schemas.openxmlformats.org/presentationml/2006/main">
   <p:cSld>
     <p:spTree>
@@ -5296,168 +5520,13 @@
   <p:clrMapOvr>
     <a:masterClrMapping/>
   </p:clrMapOvr>
-</p:sld>
-</file>
-
-<file path=ppt/slides/slide19.xml><?xml version="1.0" encoding="utf-8"?>
-<p:sld xmlns:a="http://schemas.openxmlformats.org/drawingml/2006/main" xmlns:r="http://schemas.openxmlformats.org/officeDocument/2006/relationships" xmlns:p="http://schemas.openxmlformats.org/presentationml/2006/main">
-  <p:cSld>
-    <p:spTree>
-      <p:nvGrpSpPr>
-        <p:cNvPr id="1" name=""/>
-        <p:cNvGrpSpPr/>
-        <p:nvPr/>
-      </p:nvGrpSpPr>
-      <p:grpSpPr>
-        <a:xfrm>
-          <a:off x="0" y="0"/>
-          <a:ext cx="0" cy="0"/>
-          <a:chOff x="0" y="0"/>
-          <a:chExt cx="0" cy="0"/>
-        </a:xfrm>
-      </p:grpSpPr>
-      <p:sp>
-        <p:nvSpPr>
-          <p:cNvPr id="2" name="Title 1"/>
-          <p:cNvSpPr>
-            <a:spLocks noGrp="1"/>
-          </p:cNvSpPr>
-          <p:nvPr>
-            <p:ph type="title"/>
-          </p:nvPr>
-        </p:nvSpPr>
-        <p:spPr/>
-        <p:txBody>
-          <a:bodyPr/>
-          <a:lstStyle/>
-          <a:p>
-            <a:r>
-              <a:rPr lang="en-US" dirty="0"/>
-              <a:t>Algorithm </a:t>
-            </a:r>
-            <a:r>
-              <a:rPr lang="en-US" dirty="0" smtClean="0"/>
-              <a:t>3 </a:t>
-            </a:r>
-            <a:r>
-              <a:rPr lang="mr-IN" dirty="0"/>
-              <a:t>–</a:t>
-            </a:r>
-            <a:r>
-              <a:rPr lang="en-US" dirty="0"/>
-              <a:t> Random Forest</a:t>
-            </a:r>
-          </a:p>
-        </p:txBody>
-      </p:sp>
-      <p:sp>
-        <p:nvSpPr>
-          <p:cNvPr id="3" name="Content Placeholder 2"/>
-          <p:cNvSpPr>
-            <a:spLocks noGrp="1"/>
-          </p:cNvSpPr>
-          <p:nvPr>
-            <p:ph idx="1"/>
-          </p:nvPr>
-        </p:nvSpPr>
-        <p:spPr/>
-        <p:txBody>
-          <a:bodyPr/>
-          <a:lstStyle/>
-          <a:p>
-            <a:r>
-              <a:rPr lang="en-US" dirty="0"/>
-              <a:t>Approach 2: Omitting NA values. (684 columns)</a:t>
-            </a:r>
-          </a:p>
-          <a:p>
-            <a:r>
-              <a:rPr lang="en-US" dirty="0"/>
-              <a:t>For Gender, number of Trees (</a:t>
-            </a:r>
-            <a:r>
-              <a:rPr lang="en-US" dirty="0" err="1"/>
-              <a:t>ntree</a:t>
-            </a:r>
-            <a:r>
-              <a:rPr lang="en-US" dirty="0"/>
-              <a:t>) = 1000</a:t>
-            </a:r>
-          </a:p>
-          <a:p>
-            <a:pPr lvl="1"/>
-            <a:r>
-              <a:rPr lang="nb-NO" dirty="0"/>
-              <a:t>0.9416 accuracy</a:t>
-            </a:r>
-          </a:p>
-          <a:p>
-            <a:pPr marL="457200" lvl="1" indent="0">
-              <a:buNone/>
-            </a:pPr>
-            <a:endParaRPr lang="nb-NO" dirty="0"/>
-          </a:p>
-          <a:p>
-            <a:pPr lvl="1"/>
-            <a:endParaRPr lang="nb-NO" dirty="0"/>
-          </a:p>
-          <a:p>
-            <a:pPr lvl="1"/>
-            <a:endParaRPr lang="nb-NO" dirty="0"/>
-          </a:p>
-          <a:p>
-            <a:pPr lvl="1"/>
-            <a:endParaRPr lang="nb-NO" dirty="0"/>
-          </a:p>
-          <a:p>
-            <a:endParaRPr lang="nb-NO" dirty="0"/>
-          </a:p>
-          <a:p>
-            <a:pPr lvl="1"/>
-            <a:endParaRPr lang="en-US" dirty="0"/>
-          </a:p>
-        </p:txBody>
-      </p:sp>
-      <p:pic>
-        <p:nvPicPr>
-          <p:cNvPr id="5" name="Picture 4">
-            <a:extLst>
-              <a:ext uri="{FF2B5EF4-FFF2-40B4-BE49-F238E27FC236}">
-                <a16:creationId xmlns:a16="http://schemas.microsoft.com/office/drawing/2014/main" xmlns="" id="{5431268D-64C4-48CF-B095-7AE8588FC7E0}"/>
-              </a:ext>
-            </a:extLst>
-          </p:cNvPr>
-          <p:cNvPicPr>
-            <a:picLocks noChangeAspect="1"/>
-          </p:cNvPicPr>
-          <p:nvPr/>
-        </p:nvPicPr>
-        <p:blipFill>
-          <a:blip r:embed="rId2"/>
-          <a:stretch>
-            <a:fillRect/>
-          </a:stretch>
-        </p:blipFill>
-        <p:spPr>
-          <a:xfrm>
-            <a:off x="3374797" y="4339471"/>
-            <a:ext cx="4666268" cy="1344891"/>
-          </a:xfrm>
-          <a:prstGeom prst="rect">
-            <a:avLst/>
-          </a:prstGeom>
-        </p:spPr>
-      </p:pic>
-    </p:spTree>
-    <p:extLst>
-      <p:ext uri="{BB962C8B-B14F-4D97-AF65-F5344CB8AC3E}">
-        <p14:creationId xmlns:p14="http://schemas.microsoft.com/office/powerpoint/2010/main" xmlns="" val="2723044403"/>
-      </p:ext>
-    </p:extLst>
-  </p:cSld>
-  <p:clrMapOvr>
-    <a:masterClrMapping/>
-  </p:clrMapOvr>
+  <p:timing>
+    <p:tnLst>
+      <p:par>
+        <p:cTn id="1" dur="indefinite" restart="never" nodeType="tmRoot"/>
+      </p:par>
+    </p:tnLst>
+  </p:timing>
 </p:sld>
 </file>
 
@@ -5648,10 +5717,186 @@
   <p:clrMapOvr>
     <a:masterClrMapping/>
   </p:clrMapOvr>
+  <p:timing>
+    <p:tnLst>
+      <p:par>
+        <p:cTn id="1" dur="indefinite" restart="never" nodeType="tmRoot"/>
+      </p:par>
+    </p:tnLst>
+  </p:timing>
 </p:sld>
 </file>
 
 <file path=ppt/slides/slide20.xml><?xml version="1.0" encoding="utf-8"?>
+<p:sld xmlns:a="http://schemas.openxmlformats.org/drawingml/2006/main" xmlns:r="http://schemas.openxmlformats.org/officeDocument/2006/relationships" xmlns:p="http://schemas.openxmlformats.org/presentationml/2006/main">
+  <p:cSld>
+    <p:spTree>
+      <p:nvGrpSpPr>
+        <p:cNvPr id="1" name=""/>
+        <p:cNvGrpSpPr/>
+        <p:nvPr/>
+      </p:nvGrpSpPr>
+      <p:grpSpPr>
+        <a:xfrm>
+          <a:off x="0" y="0"/>
+          <a:ext cx="0" cy="0"/>
+          <a:chOff x="0" y="0"/>
+          <a:chExt cx="0" cy="0"/>
+        </a:xfrm>
+      </p:grpSpPr>
+      <p:sp>
+        <p:nvSpPr>
+          <p:cNvPr id="2" name="Title 1"/>
+          <p:cNvSpPr>
+            <a:spLocks noGrp="1"/>
+          </p:cNvSpPr>
+          <p:nvPr>
+            <p:ph type="title"/>
+          </p:nvPr>
+        </p:nvSpPr>
+        <p:spPr/>
+        <p:txBody>
+          <a:bodyPr/>
+          <a:lstStyle/>
+          <a:p>
+            <a:r>
+              <a:rPr lang="en-US" dirty="0"/>
+              <a:t>Algorithm </a:t>
+            </a:r>
+            <a:r>
+              <a:rPr lang="en-US" dirty="0" smtClean="0"/>
+              <a:t>3 </a:t>
+            </a:r>
+            <a:r>
+              <a:rPr lang="mr-IN" dirty="0"/>
+              <a:t>–</a:t>
+            </a:r>
+            <a:r>
+              <a:rPr lang="en-US" dirty="0"/>
+              <a:t> Random Forest</a:t>
+            </a:r>
+          </a:p>
+        </p:txBody>
+      </p:sp>
+      <p:sp>
+        <p:nvSpPr>
+          <p:cNvPr id="3" name="Content Placeholder 2"/>
+          <p:cNvSpPr>
+            <a:spLocks noGrp="1"/>
+          </p:cNvSpPr>
+          <p:nvPr>
+            <p:ph idx="1"/>
+          </p:nvPr>
+        </p:nvSpPr>
+        <p:spPr/>
+        <p:txBody>
+          <a:bodyPr/>
+          <a:lstStyle/>
+          <a:p>
+            <a:r>
+              <a:rPr lang="en-US" dirty="0"/>
+              <a:t>Approach 2: Omitting NA values. (684 columns)</a:t>
+            </a:r>
+          </a:p>
+          <a:p>
+            <a:r>
+              <a:rPr lang="en-US" dirty="0"/>
+              <a:t>For Gender, number of Trees (</a:t>
+            </a:r>
+            <a:r>
+              <a:rPr lang="en-US" dirty="0" err="1"/>
+              <a:t>ntree</a:t>
+            </a:r>
+            <a:r>
+              <a:rPr lang="en-US" dirty="0"/>
+              <a:t>) = 1000</a:t>
+            </a:r>
+          </a:p>
+          <a:p>
+            <a:pPr lvl="1"/>
+            <a:r>
+              <a:rPr lang="nb-NO" dirty="0"/>
+              <a:t>0.9416 accuracy</a:t>
+            </a:r>
+          </a:p>
+          <a:p>
+            <a:pPr marL="457200" lvl="1" indent="0">
+              <a:buNone/>
+            </a:pPr>
+            <a:endParaRPr lang="nb-NO" dirty="0"/>
+          </a:p>
+          <a:p>
+            <a:pPr lvl="1"/>
+            <a:endParaRPr lang="nb-NO" dirty="0"/>
+          </a:p>
+          <a:p>
+            <a:pPr lvl="1"/>
+            <a:endParaRPr lang="nb-NO" dirty="0"/>
+          </a:p>
+          <a:p>
+            <a:pPr lvl="1"/>
+            <a:endParaRPr lang="nb-NO" dirty="0"/>
+          </a:p>
+          <a:p>
+            <a:endParaRPr lang="nb-NO" dirty="0"/>
+          </a:p>
+          <a:p>
+            <a:pPr lvl="1"/>
+            <a:endParaRPr lang="en-US" dirty="0"/>
+          </a:p>
+        </p:txBody>
+      </p:sp>
+      <p:pic>
+        <p:nvPicPr>
+          <p:cNvPr id="5" name="Picture 4">
+            <a:extLst>
+              <a:ext uri="{FF2B5EF4-FFF2-40B4-BE49-F238E27FC236}">
+                <a16:creationId xmlns:a16="http://schemas.microsoft.com/office/drawing/2014/main" xmlns="" id="{5431268D-64C4-48CF-B095-7AE8588FC7E0}"/>
+              </a:ext>
+            </a:extLst>
+          </p:cNvPr>
+          <p:cNvPicPr>
+            <a:picLocks noChangeAspect="1"/>
+          </p:cNvPicPr>
+          <p:nvPr/>
+        </p:nvPicPr>
+        <p:blipFill>
+          <a:blip r:embed="rId2"/>
+          <a:stretch>
+            <a:fillRect/>
+          </a:stretch>
+        </p:blipFill>
+        <p:spPr>
+          <a:xfrm>
+            <a:off x="3374797" y="4339471"/>
+            <a:ext cx="4666268" cy="1344891"/>
+          </a:xfrm>
+          <a:prstGeom prst="rect">
+            <a:avLst/>
+          </a:prstGeom>
+        </p:spPr>
+      </p:pic>
+    </p:spTree>
+    <p:extLst>
+      <p:ext uri="{BB962C8B-B14F-4D97-AF65-F5344CB8AC3E}">
+        <p14:creationId xmlns:p14="http://schemas.microsoft.com/office/powerpoint/2010/main" xmlns="" val="2723044403"/>
+      </p:ext>
+    </p:extLst>
+  </p:cSld>
+  <p:clrMapOvr>
+    <a:masterClrMapping/>
+  </p:clrMapOvr>
+  <p:timing>
+    <p:tnLst>
+      <p:par>
+        <p:cTn id="1" dur="indefinite" restart="never" nodeType="tmRoot"/>
+      </p:par>
+    </p:tnLst>
+  </p:timing>
+</p:sld>
+</file>
+
+<file path=ppt/slides/slide21.xml><?xml version="1.0" encoding="utf-8"?>
 <p:sld xmlns:a="http://schemas.openxmlformats.org/drawingml/2006/main" xmlns:r="http://schemas.openxmlformats.org/officeDocument/2006/relationships" xmlns:p="http://schemas.openxmlformats.org/presentationml/2006/main">
   <p:cSld>
     <p:spTree>
@@ -5738,10 +5983,17 @@
   <p:clrMapOvr>
     <a:masterClrMapping/>
   </p:clrMapOvr>
+  <p:timing>
+    <p:tnLst>
+      <p:par>
+        <p:cTn id="1" dur="indefinite" restart="never" nodeType="tmRoot"/>
+      </p:par>
+    </p:tnLst>
+  </p:timing>
 </p:sld>
 </file>
 
-<file path=ppt/slides/slide21.xml><?xml version="1.0" encoding="utf-8"?>
+<file path=ppt/slides/slide22.xml><?xml version="1.0" encoding="utf-8"?>
 <p:sld xmlns:a="http://schemas.openxmlformats.org/drawingml/2006/main" xmlns:r="http://schemas.openxmlformats.org/officeDocument/2006/relationships" xmlns:p="http://schemas.openxmlformats.org/presentationml/2006/main">
   <p:cSld>
     <p:spTree>
@@ -5894,10 +6146,17 @@
   <p:clrMapOvr>
     <a:masterClrMapping/>
   </p:clrMapOvr>
+  <p:timing>
+    <p:tnLst>
+      <p:par>
+        <p:cTn id="1" dur="indefinite" restart="never" nodeType="tmRoot"/>
+      </p:par>
+    </p:tnLst>
+  </p:timing>
 </p:sld>
 </file>
 
-<file path=ppt/slides/slide22.xml><?xml version="1.0" encoding="utf-8"?>
+<file path=ppt/slides/slide23.xml><?xml version="1.0" encoding="utf-8"?>
 <p:sld xmlns:a="http://schemas.openxmlformats.org/drawingml/2006/main" xmlns:r="http://schemas.openxmlformats.org/officeDocument/2006/relationships" xmlns:p="http://schemas.openxmlformats.org/presentationml/2006/main">
   <p:cSld>
     <p:spTree>
@@ -5984,10 +6243,17 @@
   <p:clrMapOvr>
     <a:masterClrMapping/>
   </p:clrMapOvr>
+  <p:timing>
+    <p:tnLst>
+      <p:par>
+        <p:cTn id="1" dur="indefinite" restart="never" nodeType="tmRoot"/>
+      </p:par>
+    </p:tnLst>
+  </p:timing>
 </p:sld>
 </file>
 
-<file path=ppt/slides/slide23.xml><?xml version="1.0" encoding="utf-8"?>
+<file path=ppt/slides/slide24.xml><?xml version="1.0" encoding="utf-8"?>
 <p:sld xmlns:a="http://schemas.openxmlformats.org/drawingml/2006/main" xmlns:r="http://schemas.openxmlformats.org/officeDocument/2006/relationships" xmlns:p="http://schemas.openxmlformats.org/presentationml/2006/main">
   <p:cSld>
     <p:spTree>
@@ -6140,10 +6406,17 @@
   <p:clrMapOvr>
     <a:masterClrMapping/>
   </p:clrMapOvr>
+  <p:timing>
+    <p:tnLst>
+      <p:par>
+        <p:cTn id="1" dur="indefinite" restart="never" nodeType="tmRoot"/>
+      </p:par>
+    </p:tnLst>
+  </p:timing>
 </p:sld>
 </file>
 
-<file path=ppt/slides/slide24.xml><?xml version="1.0" encoding="utf-8"?>
+<file path=ppt/slides/slide25.xml><?xml version="1.0" encoding="utf-8"?>
 <p:sld xmlns:a="http://schemas.openxmlformats.org/drawingml/2006/main" xmlns:r="http://schemas.openxmlformats.org/officeDocument/2006/relationships" xmlns:p="http://schemas.openxmlformats.org/presentationml/2006/main">
   <p:cSld>
     <p:spTree>
@@ -6230,138 +6503,13 @@
   <p:clrMapOvr>
     <a:masterClrMapping/>
   </p:clrMapOvr>
-</p:sld>
-</file>
-
-<file path=ppt/slides/slide25.xml><?xml version="1.0" encoding="utf-8"?>
-<p:sld xmlns:a="http://schemas.openxmlformats.org/drawingml/2006/main" xmlns:r="http://schemas.openxmlformats.org/officeDocument/2006/relationships" xmlns:p="http://schemas.openxmlformats.org/presentationml/2006/main">
-  <p:cSld>
-    <p:spTree>
-      <p:nvGrpSpPr>
-        <p:cNvPr id="1" name=""/>
-        <p:cNvGrpSpPr/>
-        <p:nvPr/>
-      </p:nvGrpSpPr>
-      <p:grpSpPr>
-        <a:xfrm>
-          <a:off x="0" y="0"/>
-          <a:ext cx="0" cy="0"/>
-          <a:chOff x="0" y="0"/>
-          <a:chExt cx="0" cy="0"/>
-        </a:xfrm>
-      </p:grpSpPr>
-      <p:sp>
-        <p:nvSpPr>
-          <p:cNvPr id="2" name="Title 1"/>
-          <p:cNvSpPr>
-            <a:spLocks noGrp="1"/>
-          </p:cNvSpPr>
-          <p:nvPr>
-            <p:ph type="title"/>
-          </p:nvPr>
-        </p:nvSpPr>
-        <p:spPr/>
-        <p:txBody>
-          <a:bodyPr/>
-          <a:lstStyle/>
-          <a:p>
-            <a:r>
-              <a:rPr lang="en-US" dirty="0"/>
-              <a:t>Algorithm </a:t>
-            </a:r>
-            <a:r>
-              <a:rPr lang="en-US" dirty="0" smtClean="0"/>
-              <a:t>3 </a:t>
-            </a:r>
-            <a:r>
-              <a:rPr lang="mr-IN" dirty="0"/>
-              <a:t>–</a:t>
-            </a:r>
-            <a:r>
-              <a:rPr lang="en-US" dirty="0"/>
-              <a:t> Random Forest</a:t>
-            </a:r>
-          </a:p>
-        </p:txBody>
-      </p:sp>
-      <p:sp>
-        <p:nvSpPr>
-          <p:cNvPr id="3" name="Content Placeholder 2"/>
-          <p:cNvSpPr>
-            <a:spLocks noGrp="1"/>
-          </p:cNvSpPr>
-          <p:nvPr>
-            <p:ph idx="1"/>
-          </p:nvPr>
-        </p:nvSpPr>
-        <p:spPr/>
-        <p:txBody>
-          <a:bodyPr>
-            <a:normAutofit/>
-          </a:bodyPr>
-          <a:lstStyle/>
-          <a:p>
-            <a:pPr lvl="1"/>
-            <a:endParaRPr lang="nb-NO" dirty="0"/>
-          </a:p>
-          <a:p>
-            <a:r>
-              <a:rPr lang="en-US" dirty="0"/>
-              <a:t>Interesting/Fun prediction:</a:t>
-            </a:r>
-          </a:p>
-          <a:p>
-            <a:pPr lvl="1"/>
-            <a:r>
-              <a:rPr lang="nb-NO" dirty="0"/>
-              <a:t>Who do you think is more romantic?</a:t>
-            </a:r>
-          </a:p>
-          <a:p>
-            <a:pPr lvl="1"/>
-            <a:r>
-              <a:rPr lang="nb-NO" dirty="0"/>
-              <a:t>Who do you think like more cars?</a:t>
-            </a:r>
-          </a:p>
-          <a:p>
-            <a:pPr lvl="1"/>
-            <a:r>
-              <a:rPr lang="nb-NO" dirty="0"/>
-              <a:t>Who thinks ahead of time?</a:t>
-            </a:r>
-          </a:p>
-          <a:p>
-            <a:pPr lvl="1"/>
-            <a:r>
-              <a:rPr lang="nb-NO" dirty="0"/>
-              <a:t>Who gives the final judgement?</a:t>
-            </a:r>
-          </a:p>
-          <a:p>
-            <a:pPr lvl="1"/>
-            <a:endParaRPr lang="nb-NO" dirty="0"/>
-          </a:p>
-          <a:p>
-            <a:pPr lvl="1"/>
-            <a:endParaRPr lang="nb-NO" dirty="0"/>
-          </a:p>
-          <a:p>
-            <a:pPr lvl="1"/>
-            <a:endParaRPr lang="en-US" dirty="0"/>
-          </a:p>
-        </p:txBody>
-      </p:sp>
-    </p:spTree>
-    <p:extLst>
-      <p:ext uri="{BB962C8B-B14F-4D97-AF65-F5344CB8AC3E}">
-        <p14:creationId xmlns:p14="http://schemas.microsoft.com/office/powerpoint/2010/main" xmlns="" val="501309509"/>
-      </p:ext>
-    </p:extLst>
-  </p:cSld>
-  <p:clrMapOvr>
-    <a:masterClrMapping/>
-  </p:clrMapOvr>
+  <p:timing>
+    <p:tnLst>
+      <p:par>
+        <p:cTn id="1" dur="indefinite" restart="never" nodeType="tmRoot"/>
+      </p:par>
+    </p:tnLst>
+  </p:timing>
 </p:sld>
 </file>
 
@@ -6439,35 +6587,35 @@
           <a:p>
             <a:r>
               <a:rPr lang="en-US" dirty="0"/>
-              <a:t>Answers:</a:t>
+              <a:t>Interesting/Fun prediction:</a:t>
             </a:r>
           </a:p>
           <a:p>
             <a:pPr lvl="1"/>
             <a:r>
               <a:rPr lang="nb-NO" dirty="0"/>
-              <a:t>Who do you think is more romantic?  Female</a:t>
+              <a:t>Who do you think is more romantic?</a:t>
             </a:r>
           </a:p>
           <a:p>
             <a:pPr lvl="1"/>
             <a:r>
               <a:rPr lang="nb-NO" dirty="0"/>
-              <a:t>Who do you think like more cars? Male</a:t>
+              <a:t>Who do you think like more cars?</a:t>
             </a:r>
           </a:p>
           <a:p>
             <a:pPr lvl="1"/>
             <a:r>
               <a:rPr lang="nb-NO" dirty="0"/>
-              <a:t>Who thinks ahead of time? Male</a:t>
+              <a:t>Who thinks ahead of time?</a:t>
             </a:r>
           </a:p>
           <a:p>
             <a:pPr lvl="1"/>
             <a:r>
               <a:rPr lang="nb-NO" dirty="0"/>
-              <a:t>Who gives the final judgement? Female</a:t>
+              <a:t>Who gives the final judgement?</a:t>
             </a:r>
           </a:p>
           <a:p>
@@ -6487,13 +6635,20 @@
     </p:spTree>
     <p:extLst>
       <p:ext uri="{BB962C8B-B14F-4D97-AF65-F5344CB8AC3E}">
-        <p14:creationId xmlns:p14="http://schemas.microsoft.com/office/powerpoint/2010/main" xmlns="" val="1078131030"/>
+        <p14:creationId xmlns:p14="http://schemas.microsoft.com/office/powerpoint/2010/main" xmlns="" val="501309509"/>
       </p:ext>
     </p:extLst>
   </p:cSld>
   <p:clrMapOvr>
     <a:masterClrMapping/>
   </p:clrMapOvr>
+  <p:timing>
+    <p:tnLst>
+      <p:par>
+        <p:cTn id="1" dur="indefinite" restart="never" nodeType="tmRoot"/>
+      </p:par>
+    </p:tnLst>
+  </p:timing>
 </p:sld>
 </file>
 
@@ -6565,28 +6720,42 @@
           </a:bodyPr>
           <a:lstStyle/>
           <a:p>
-            <a:r>
-              <a:rPr lang="en-US" dirty="0"/>
-              <a:t>Conclusion for random forest model:</a:t>
-            </a:r>
-          </a:p>
-          <a:p>
-            <a:pPr lvl="1"/>
-            <a:r>
-              <a:rPr lang="nb-NO" dirty="0"/>
-              <a:t>As the number of trees increase accuracy may or may not increase.</a:t>
-            </a:r>
-          </a:p>
-          <a:p>
-            <a:pPr lvl="1"/>
-            <a:r>
-              <a:rPr lang="nb-NO" dirty="0"/>
-              <a:t>Sometimes the accuracy of training dataset is less than the test dataset even though training has more data in it. So the size of data is also an important factor apart from number of trees.</a:t>
-            </a:r>
-          </a:p>
-          <a:p>
             <a:pPr lvl="1"/>
             <a:endParaRPr lang="nb-NO" dirty="0"/>
+          </a:p>
+          <a:p>
+            <a:r>
+              <a:rPr lang="en-US" dirty="0"/>
+              <a:t>Answers:</a:t>
+            </a:r>
+          </a:p>
+          <a:p>
+            <a:pPr lvl="1"/>
+            <a:r>
+              <a:rPr lang="nb-NO" dirty="0"/>
+              <a:t>Who do you think is more romantic?  Female</a:t>
+            </a:r>
+          </a:p>
+          <a:p>
+            <a:pPr lvl="1"/>
+            <a:r>
+              <a:rPr lang="nb-NO" dirty="0"/>
+              <a:t>Who do you think like more cars? Male</a:t>
+            </a:r>
+          </a:p>
+          <a:p>
+            <a:pPr lvl="1"/>
+            <a:r>
+              <a:rPr lang="nb-NO" dirty="0"/>
+              <a:t>Who thinks ahead of time? Male</a:t>
+            </a:r>
+          </a:p>
+          <a:p>
+            <a:pPr lvl="1"/>
+            <a:r>
+              <a:rPr lang="nb-NO" dirty="0"/>
+              <a:t>Who gives the final judgement? Female</a:t>
+            </a:r>
           </a:p>
           <a:p>
             <a:pPr lvl="1"/>
@@ -6605,13 +6774,20 @@
     </p:spTree>
     <p:extLst>
       <p:ext uri="{BB962C8B-B14F-4D97-AF65-F5344CB8AC3E}">
-        <p14:creationId xmlns:p14="http://schemas.microsoft.com/office/powerpoint/2010/main" xmlns="" val="239787179"/>
+        <p14:creationId xmlns:p14="http://schemas.microsoft.com/office/powerpoint/2010/main" xmlns="" val="1078131030"/>
       </p:ext>
     </p:extLst>
   </p:cSld>
   <p:clrMapOvr>
     <a:masterClrMapping/>
   </p:clrMapOvr>
+  <p:timing>
+    <p:tnLst>
+      <p:par>
+        <p:cTn id="1" dur="indefinite" restart="never" nodeType="tmRoot"/>
+      </p:par>
+    </p:tnLst>
+  </p:timing>
 </p:sld>
 </file>
 
@@ -6653,7 +6829,7 @@
             </a:r>
             <a:r>
               <a:rPr lang="en-US" dirty="0" smtClean="0"/>
-              <a:t>4 </a:t>
+              <a:t>3 </a:t>
             </a:r>
             <a:r>
               <a:rPr lang="mr-IN" dirty="0"/>
@@ -6661,7 +6837,7 @@
             </a:r>
             <a:r>
               <a:rPr lang="en-US" dirty="0"/>
-              <a:t> Neural Network</a:t>
+              <a:t> Random Forest</a:t>
             </a:r>
           </a:p>
         </p:txBody>
@@ -6684,29 +6860,38 @@
           <a:lstStyle/>
           <a:p>
             <a:r>
-              <a:rPr lang="en-US" dirty="0" smtClean="0"/>
-              <a:t>Data set: All </a:t>
-            </a:r>
-            <a:r>
-              <a:rPr lang="en-US" dirty="0"/>
-              <a:t>columns except the categorical data like smoker, alcoholic </a:t>
-            </a:r>
-            <a:r>
-              <a:rPr lang="en-US" dirty="0" smtClean="0"/>
-              <a:t>etc</a:t>
-            </a:r>
-          </a:p>
-          <a:p>
-            <a:r>
-              <a:rPr lang="en-US" dirty="0" smtClean="0"/>
-              <a:t>Classification : Male/Female</a:t>
+              <a:rPr lang="en-US" dirty="0"/>
+              <a:t>Conclusion for random forest model:</a:t>
             </a:r>
           </a:p>
           <a:p>
             <a:pPr lvl="1"/>
-            <a:endParaRPr lang="en-US" dirty="0"/>
-          </a:p>
-          <a:p>
+            <a:r>
+              <a:rPr lang="nb-NO" dirty="0"/>
+              <a:t>As the number of trees increase accuracy may or may not increase.</a:t>
+            </a:r>
+          </a:p>
+          <a:p>
+            <a:pPr lvl="1"/>
+            <a:r>
+              <a:rPr lang="nb-NO" dirty="0"/>
+              <a:t>Sometimes the accuracy of training dataset is less than the test dataset even though training has more data in it. So the size of data is also an important factor apart from number of trees.</a:t>
+            </a:r>
+          </a:p>
+          <a:p>
+            <a:pPr lvl="1"/>
+            <a:endParaRPr lang="nb-NO" dirty="0"/>
+          </a:p>
+          <a:p>
+            <a:pPr lvl="1"/>
+            <a:endParaRPr lang="nb-NO" dirty="0"/>
+          </a:p>
+          <a:p>
+            <a:pPr lvl="1"/>
+            <a:endParaRPr lang="nb-NO" dirty="0"/>
+          </a:p>
+          <a:p>
+            <a:pPr lvl="1"/>
             <a:endParaRPr lang="en-US" dirty="0"/>
           </a:p>
         </p:txBody>
@@ -6714,13 +6899,20 @@
     </p:spTree>
     <p:extLst>
       <p:ext uri="{BB962C8B-B14F-4D97-AF65-F5344CB8AC3E}">
-        <p14:creationId xmlns:p14="http://schemas.microsoft.com/office/powerpoint/2010/main" xmlns="" val="2699455244"/>
+        <p14:creationId xmlns:p14="http://schemas.microsoft.com/office/powerpoint/2010/main" xmlns="" val="239787179"/>
       </p:ext>
     </p:extLst>
   </p:cSld>
   <p:clrMapOvr>
     <a:masterClrMapping/>
   </p:clrMapOvr>
+  <p:timing>
+    <p:tnLst>
+      <p:par>
+        <p:cTn id="1" dur="indefinite" restart="never" nodeType="tmRoot"/>
+      </p:par>
+    </p:tnLst>
+  </p:timing>
 </p:sld>
 </file>
 
@@ -6757,18 +6949,21 @@
           <a:lstStyle/>
           <a:p>
             <a:r>
+              <a:rPr lang="en-US" dirty="0"/>
+              <a:t>Algorithm </a:t>
+            </a:r>
+            <a:r>
               <a:rPr lang="en-US" dirty="0" smtClean="0"/>
-              <a:t>Algorithm 4 </a:t>
-            </a:r>
-            <a:r>
-              <a:rPr lang="mr-IN" dirty="0" smtClean="0"/>
+              <a:t>4 </a:t>
+            </a:r>
+            <a:r>
+              <a:rPr lang="mr-IN" dirty="0"/>
               <a:t>–</a:t>
             </a:r>
             <a:r>
-              <a:rPr lang="en-US" dirty="0" smtClean="0"/>
+              <a:rPr lang="en-US" dirty="0"/>
               <a:t> Neural Network</a:t>
             </a:r>
-            <a:endParaRPr lang="en-US" dirty="0"/>
           </a:p>
         </p:txBody>
       </p:sp>
@@ -6790,95 +6985,63 @@
           <a:lstStyle/>
           <a:p>
             <a:r>
-              <a:rPr lang="en-US" i="1" dirty="0" smtClean="0"/>
-              <a:t>Approach 1</a:t>
-            </a:r>
-            <a:r>
               <a:rPr lang="en-US" dirty="0" smtClean="0"/>
-              <a:t>: replace missing value with </a:t>
+              <a:t>Data set: All </a:t>
+            </a:r>
+            <a:r>
+              <a:rPr lang="en-US" dirty="0"/>
+              <a:t>columns except </a:t>
             </a:r>
             <a:r>
               <a:rPr lang="en-US" dirty="0" smtClean="0"/>
-              <a:t>mean/ mode</a:t>
+              <a:t>categorical </a:t>
+            </a:r>
+            <a:r>
+              <a:rPr lang="en-US" dirty="0"/>
+              <a:t>data like smoker, alcoholic </a:t>
+            </a:r>
+            <a:r>
+              <a:rPr lang="en-US" dirty="0" smtClean="0"/>
+              <a:t>etc</a:t>
+            </a:r>
+          </a:p>
+          <a:p>
+            <a:r>
+              <a:rPr lang="en-US" dirty="0" smtClean="0"/>
+              <a:t>Classification : </a:t>
+            </a:r>
+            <a:r>
+              <a:rPr lang="en-US" dirty="0" smtClean="0"/>
+              <a:t>Gender</a:t>
             </a:r>
             <a:endParaRPr lang="en-US" dirty="0" smtClean="0"/>
           </a:p>
           <a:p>
-            <a:r>
-              <a:rPr lang="en-US" dirty="0" smtClean="0"/>
-              <a:t>Learning Rate: 0.05 Hidden Layers = 5</a:t>
-            </a:r>
-          </a:p>
-          <a:p>
             <a:pPr lvl="1"/>
-            <a:r>
-              <a:rPr lang="en-US" dirty="0" smtClean="0"/>
-              <a:t>0.9405940594 accuracy  (1= Female, 0= Male)</a:t>
-            </a:r>
-          </a:p>
-          <a:p>
-            <a:pPr lvl="1"/>
-            <a:endParaRPr lang="en-US" dirty="0" smtClean="0"/>
-          </a:p>
-          <a:p>
-            <a:pPr lvl="1"/>
-            <a:endParaRPr lang="en-US" dirty="0" smtClean="0"/>
-          </a:p>
-          <a:p>
-            <a:pPr lvl="1"/>
-            <a:endParaRPr lang="en-US" dirty="0" smtClean="0"/>
-          </a:p>
-          <a:p>
-            <a:pPr lvl="1"/>
-            <a:endParaRPr lang="en-US" dirty="0" smtClean="0"/>
-          </a:p>
-          <a:p>
-            <a:r>
-              <a:rPr lang="en-US" dirty="0" smtClean="0"/>
-              <a:t>Learning Rate: 0.1 Hidden Layers = 5</a:t>
-            </a:r>
-          </a:p>
-          <a:p>
-            <a:pPr lvl="1"/>
-            <a:r>
-              <a:rPr lang="en-US" dirty="0" smtClean="0"/>
-              <a:t>0.896039604 accuracy</a:t>
-            </a:r>
-          </a:p>
-          <a:p>
             <a:endParaRPr lang="en-US" dirty="0"/>
           </a:p>
-        </p:txBody>
-      </p:sp>
-      <p:pic>
-        <p:nvPicPr>
-          <p:cNvPr id="5" name="Picture 4" descr="ann_5_5.PNG"/>
-          <p:cNvPicPr>
-            <a:picLocks noChangeAspect="1"/>
-          </p:cNvPicPr>
-          <p:nvPr/>
-        </p:nvPicPr>
-        <p:blipFill>
-          <a:blip r:embed="rId2"/>
-          <a:stretch>
-            <a:fillRect/>
-          </a:stretch>
-        </p:blipFill>
-        <p:spPr>
-          <a:xfrm>
-            <a:off x="2028206" y="3931000"/>
-            <a:ext cx="3076079" cy="1175572"/>
-          </a:xfrm>
-          <a:prstGeom prst="rect">
-            <a:avLst/>
-          </a:prstGeom>
-        </p:spPr>
-      </p:pic>
+          <a:p>
+            <a:endParaRPr lang="en-US" dirty="0"/>
+          </a:p>
+        </p:txBody>
+      </p:sp>
     </p:spTree>
+    <p:extLst>
+      <p:ext uri="{BB962C8B-B14F-4D97-AF65-F5344CB8AC3E}">
+        <p14:creationId xmlns:p14="http://schemas.microsoft.com/office/powerpoint/2010/main" xmlns="" val="2699455244"/>
+      </p:ext>
+    </p:extLst>
   </p:cSld>
   <p:clrMapOvr>
     <a:masterClrMapping/>
   </p:clrMapOvr>
+  <p:timing>
+    <p:tnLst>
+      <p:par>
+        <p:cTn id="1" dur="indefinite" restart="never" nodeType="tmRoot"/>
+      </p:par>
+    </p:tnLst>
+  </p:timing>
 </p:sld>
 </file>
 
@@ -6993,6 +7156,13 @@
   <p:clrMapOvr>
     <a:masterClrMapping/>
   </p:clrMapOvr>
+  <p:timing>
+    <p:tnLst>
+      <p:par>
+        <p:cTn id="1" dur="indefinite" restart="never" nodeType="tmRoot"/>
+      </p:par>
+    </p:tnLst>
+  </p:timing>
 </p:sld>
 </file>
 
@@ -7029,21 +7199,18 @@
           <a:lstStyle/>
           <a:p>
             <a:r>
-              <a:rPr lang="en-US" dirty="0"/>
-              <a:t>Algorithm </a:t>
-            </a:r>
-            <a:r>
               <a:rPr lang="en-US" dirty="0" smtClean="0"/>
-              <a:t>4 </a:t>
-            </a:r>
-            <a:r>
-              <a:rPr lang="mr-IN" dirty="0"/>
+              <a:t>Algorithm 4 </a:t>
+            </a:r>
+            <a:r>
+              <a:rPr lang="mr-IN" dirty="0" smtClean="0"/>
               <a:t>–</a:t>
             </a:r>
             <a:r>
-              <a:rPr lang="en-US" dirty="0"/>
+              <a:rPr lang="en-US" dirty="0" smtClean="0"/>
               <a:t> Neural Network</a:t>
             </a:r>
+            <a:endParaRPr lang="en-US" dirty="0"/>
           </a:p>
         </p:txBody>
       </p:sp>
@@ -7065,22 +7232,22 @@
           <a:lstStyle/>
           <a:p>
             <a:r>
-              <a:rPr lang="en-US" i="1" dirty="0"/>
-              <a:t>Approach 2</a:t>
-            </a:r>
-            <a:r>
-              <a:rPr lang="en-US" dirty="0"/>
-              <a:t>: omit missing value (684 </a:t>
+              <a:rPr lang="en-US" i="1" dirty="0" smtClean="0"/>
+              <a:t>Approach 1</a:t>
             </a:r>
             <a:r>
               <a:rPr lang="en-US" dirty="0" smtClean="0"/>
-              <a:t>rows)</a:t>
-            </a:r>
-            <a:endParaRPr lang="en-US" dirty="0"/>
-          </a:p>
-          <a:p>
-            <a:r>
-              <a:rPr lang="en-US" dirty="0"/>
+              <a:t>: replace missing value with </a:t>
+            </a:r>
+            <a:r>
+              <a:rPr lang="en-US" dirty="0" smtClean="0"/>
+              <a:t>mean/ mode</a:t>
+            </a:r>
+            <a:endParaRPr lang="en-US" dirty="0" smtClean="0"/>
+          </a:p>
+          <a:p>
+            <a:r>
+              <a:rPr lang="en-US" dirty="0" smtClean="0"/>
               <a:t>Learning Rate: 0.05 Hidden Layers = 5</a:t>
             </a:r>
           </a:p>
@@ -7088,52 +7255,36 @@
             <a:pPr lvl="1"/>
             <a:r>
               <a:rPr lang="en-US" dirty="0" smtClean="0"/>
-              <a:t>0.9343065693</a:t>
-            </a:r>
+              <a:t>0.9405940594 accuracy  (1= Female, 0= Male)</a:t>
+            </a:r>
+          </a:p>
+          <a:p>
+            <a:pPr lvl="1"/>
+            <a:endParaRPr lang="en-US" dirty="0" smtClean="0"/>
+          </a:p>
+          <a:p>
+            <a:pPr lvl="1"/>
+            <a:endParaRPr lang="en-US" dirty="0" smtClean="0"/>
+          </a:p>
+          <a:p>
+            <a:pPr lvl="1"/>
+            <a:endParaRPr lang="en-US" dirty="0" smtClean="0"/>
+          </a:p>
+          <a:p>
+            <a:pPr lvl="1"/>
+            <a:endParaRPr lang="en-US" dirty="0" smtClean="0"/>
+          </a:p>
+          <a:p>
             <a:r>
               <a:rPr lang="en-US" dirty="0" smtClean="0"/>
-              <a:t> </a:t>
-            </a:r>
-            <a:r>
-              <a:rPr lang="en-US" dirty="0"/>
-              <a:t>accuracy  (1= Female, 0= Male)</a:t>
+              <a:t>Learning Rate: 0.1 Hidden Layers = 5</a:t>
             </a:r>
           </a:p>
           <a:p>
             <a:pPr lvl="1"/>
-            <a:endParaRPr lang="en-US" dirty="0"/>
-          </a:p>
-          <a:p>
-            <a:pPr lvl="1"/>
-            <a:endParaRPr lang="en-US" dirty="0"/>
-          </a:p>
-          <a:p>
-            <a:pPr lvl="1"/>
-            <a:endParaRPr lang="en-US" dirty="0"/>
-          </a:p>
-          <a:p>
-            <a:pPr lvl="1"/>
-            <a:endParaRPr lang="en-US" dirty="0"/>
-          </a:p>
-          <a:p>
-            <a:r>
-              <a:rPr lang="en-US" dirty="0"/>
-              <a:t>Learning Rate: 0.05 Hidden Layers = 10</a:t>
-            </a:r>
-          </a:p>
-          <a:p>
-            <a:pPr lvl="1"/>
             <a:r>
               <a:rPr lang="en-US" dirty="0" smtClean="0"/>
-              <a:t>0.8467153285</a:t>
-            </a:r>
-            <a:r>
-              <a:rPr lang="en-US" dirty="0" smtClean="0"/>
-              <a:t> </a:t>
-            </a:r>
-            <a:r>
-              <a:rPr lang="en-US" dirty="0"/>
-              <a:t>accuracy</a:t>
+              <a:t>0.896039604 accuracy</a:t>
             </a:r>
           </a:p>
           <a:p>
@@ -7143,7 +7294,7 @@
       </p:sp>
       <p:pic>
         <p:nvPicPr>
-          <p:cNvPr id="5" name="Picture 4" descr="ann_5_5_omit.PNG"/>
+          <p:cNvPr id="5" name="Picture 4" descr="ann_5_5.PNG"/>
           <p:cNvPicPr>
             <a:picLocks noChangeAspect="1"/>
           </p:cNvPicPr>
@@ -7157,8 +7308,8 @@
         </p:blipFill>
         <p:spPr>
           <a:xfrm>
-            <a:off x="1691691" y="3583850"/>
-            <a:ext cx="2978783" cy="1300594"/>
+            <a:off x="1199331" y="3713871"/>
+            <a:ext cx="3496991" cy="1336430"/>
           </a:xfrm>
           <a:prstGeom prst="rect">
             <a:avLst/>
@@ -7170,6 +7321,13 @@
   <p:clrMapOvr>
     <a:masterClrMapping/>
   </p:clrMapOvr>
+  <p:timing>
+    <p:tnLst>
+      <p:par>
+        <p:cTn id="1" dur="indefinite" restart="never" nodeType="tmRoot"/>
+      </p:par>
+    </p:tnLst>
+  </p:timing>
 </p:sld>
 </file>
 
@@ -7206,65 +7364,154 @@
           <a:lstStyle/>
           <a:p>
             <a:r>
+              <a:rPr lang="en-US" dirty="0"/>
+              <a:t>Algorithm </a:t>
+            </a:r>
+            <a:r>
               <a:rPr lang="en-US" dirty="0" smtClean="0"/>
-              <a:t>Conclusion for </a:t>
+              <a:t>4 </a:t>
+            </a:r>
+            <a:r>
+              <a:rPr lang="mr-IN" dirty="0"/>
+              <a:t>–</a:t>
+            </a:r>
+            <a:r>
+              <a:rPr lang="en-US" dirty="0"/>
+              <a:t> Neural Network</a:t>
+            </a:r>
+          </a:p>
+        </p:txBody>
+      </p:sp>
+      <p:sp>
+        <p:nvSpPr>
+          <p:cNvPr id="3" name="Content Placeholder 2"/>
+          <p:cNvSpPr>
+            <a:spLocks noGrp="1"/>
+          </p:cNvSpPr>
+          <p:nvPr>
+            <p:ph idx="1"/>
+          </p:nvPr>
+        </p:nvSpPr>
+        <p:spPr/>
+        <p:txBody>
+          <a:bodyPr>
+            <a:normAutofit/>
+          </a:bodyPr>
+          <a:lstStyle/>
+          <a:p>
+            <a:r>
+              <a:rPr lang="en-US" i="1" dirty="0"/>
+              <a:t>Approach 2</a:t>
+            </a:r>
+            <a:r>
+              <a:rPr lang="en-US" dirty="0"/>
+              <a:t>: omit missing value (684 </a:t>
             </a:r>
             <a:r>
               <a:rPr lang="en-US" dirty="0" smtClean="0"/>
-              <a:t>ANN</a:t>
+              <a:t>rows)</a:t>
             </a:r>
             <a:endParaRPr lang="en-US" dirty="0"/>
           </a:p>
-        </p:txBody>
-      </p:sp>
-      <p:sp>
-        <p:nvSpPr>
-          <p:cNvPr id="3" name="Content Placeholder 2"/>
-          <p:cNvSpPr>
-            <a:spLocks noGrp="1"/>
-          </p:cNvSpPr>
-          <p:nvPr>
-            <p:ph idx="1"/>
-          </p:nvPr>
-        </p:nvSpPr>
-        <p:spPr/>
-        <p:txBody>
-          <a:bodyPr/>
-          <a:lstStyle/>
-          <a:p>
+          <a:p>
+            <a:r>
+              <a:rPr lang="en-US" dirty="0"/>
+              <a:t>Learning Rate: 0.05 Hidden Layers = 5</a:t>
+            </a:r>
+          </a:p>
+          <a:p>
+            <a:pPr lvl="1"/>
             <a:r>
               <a:rPr lang="en-US" dirty="0" smtClean="0"/>
-              <a:t>Accuracy higher by replacing NAs vs. omitting NAs</a:t>
-            </a:r>
-            <a:endParaRPr lang="en-US" dirty="0" smtClean="0"/>
-          </a:p>
-          <a:p>
+              <a:t>0.9343065693</a:t>
+            </a:r>
             <a:r>
               <a:rPr lang="en-US" dirty="0" smtClean="0"/>
-              <a:t>Not much </a:t>
-            </a:r>
+              <a:t> </a:t>
+            </a:r>
+            <a:r>
+              <a:rPr lang="en-US" dirty="0"/>
+              <a:t>accuracy  (1= Female, 0= Male)</a:t>
+            </a:r>
+          </a:p>
+          <a:p>
+            <a:pPr lvl="1"/>
+            <a:endParaRPr lang="en-US" dirty="0"/>
+          </a:p>
+          <a:p>
+            <a:pPr lvl="1"/>
+            <a:endParaRPr lang="en-US" dirty="0"/>
+          </a:p>
+          <a:p>
+            <a:pPr lvl="1"/>
+            <a:endParaRPr lang="en-US" dirty="0"/>
+          </a:p>
+          <a:p>
+            <a:pPr lvl="1"/>
+            <a:endParaRPr lang="en-US" dirty="0"/>
+          </a:p>
+          <a:p>
+            <a:r>
+              <a:rPr lang="en-US" dirty="0"/>
+              <a:t>Learning Rate: 0.05 Hidden Layers = 10</a:t>
+            </a:r>
+          </a:p>
+          <a:p>
+            <a:pPr lvl="1"/>
             <a:r>
               <a:rPr lang="en-US" dirty="0" smtClean="0"/>
-              <a:t>increase in accuracy </a:t>
+              <a:t>0.8467153285</a:t>
             </a:r>
             <a:r>
               <a:rPr lang="en-US" dirty="0" smtClean="0"/>
-              <a:t>by increasing learning rate</a:t>
-            </a:r>
+              <a:t> </a:t>
+            </a:r>
+            <a:r>
+              <a:rPr lang="en-US" dirty="0"/>
+              <a:t>accuracy</a:t>
+            </a:r>
+          </a:p>
+          <a:p>
             <a:endParaRPr lang="en-US" dirty="0"/>
           </a:p>
         </p:txBody>
       </p:sp>
+      <p:pic>
+        <p:nvPicPr>
+          <p:cNvPr id="5" name="Picture 4" descr="ann_5_5_omit.PNG"/>
+          <p:cNvPicPr>
+            <a:picLocks noChangeAspect="1"/>
+          </p:cNvPicPr>
+          <p:nvPr/>
+        </p:nvPicPr>
+        <p:blipFill>
+          <a:blip r:embed="rId2"/>
+          <a:stretch>
+            <a:fillRect/>
+          </a:stretch>
+        </p:blipFill>
+        <p:spPr>
+          <a:xfrm>
+            <a:off x="1255592" y="3724527"/>
+            <a:ext cx="2978783" cy="1300594"/>
+          </a:xfrm>
+          <a:prstGeom prst="rect">
+            <a:avLst/>
+          </a:prstGeom>
+        </p:spPr>
+      </p:pic>
     </p:spTree>
-    <p:extLst>
-      <p:ext uri="{BB962C8B-B14F-4D97-AF65-F5344CB8AC3E}">
-        <p14:creationId xmlns:p14="http://schemas.microsoft.com/office/powerpoint/2010/main" xmlns="" val="1935058227"/>
-      </p:ext>
-    </p:extLst>
   </p:cSld>
   <p:clrMapOvr>
     <a:masterClrMapping/>
   </p:clrMapOvr>
+  <p:timing>
+    <p:tnLst>
+      <p:par>
+        <p:cTn id="1" dur="indefinite" restart="never" nodeType="tmRoot"/>
+      </p:par>
+    </p:tnLst>
+  </p:timing>
 </p:sld>
 </file>
 
@@ -7306,11 +7553,15 @@
             </a:r>
             <a:r>
               <a:rPr lang="en-US" dirty="0" smtClean="0"/>
-              <a:t>5 </a:t>
-            </a:r>
-            <a:r>
-              <a:rPr lang="en-US" dirty="0"/>
-              <a:t>– C5.0</a:t>
+              <a:t>4 </a:t>
+            </a:r>
+            <a:r>
+              <a:rPr lang="mr-IN" dirty="0"/>
+              <a:t>–</a:t>
+            </a:r>
+            <a:r>
+              <a:rPr lang="en-US" dirty="0"/>
+              <a:t> Neural Network</a:t>
             </a:r>
           </a:p>
         </p:txBody>
@@ -7327,22 +7578,87 @@
         </p:nvSpPr>
         <p:spPr/>
         <p:txBody>
-          <a:bodyPr/>
+          <a:bodyPr>
+            <a:normAutofit/>
+          </a:bodyPr>
           <a:lstStyle/>
           <a:p>
             <a:r>
-              <a:rPr lang="en-US" dirty="0"/>
-              <a:t>Extra!</a:t>
-            </a:r>
-          </a:p>
-          <a:p>
-            <a:r>
-              <a:rPr lang="en-US" dirty="0"/>
-              <a:t>Interesting dependencies between seemingly independent aspects of an individual</a:t>
-            </a:r>
-          </a:p>
-        </p:txBody>
-      </p:sp>
+              <a:rPr lang="en-US" i="1" dirty="0"/>
+              <a:t>Approach </a:t>
+            </a:r>
+            <a:r>
+              <a:rPr lang="en-US" i="1" dirty="0" smtClean="0"/>
+              <a:t>3</a:t>
+            </a:r>
+            <a:r>
+              <a:rPr lang="en-US" dirty="0" smtClean="0"/>
+              <a:t>: omit age, height, weight</a:t>
+            </a:r>
+            <a:endParaRPr lang="en-US" dirty="0"/>
+          </a:p>
+          <a:p>
+            <a:r>
+              <a:rPr lang="en-US" dirty="0"/>
+              <a:t>Learning Rate: 0.05 Hidden Layers = 5</a:t>
+            </a:r>
+          </a:p>
+          <a:p>
+            <a:pPr lvl="1"/>
+            <a:r>
+              <a:rPr lang="en-US" dirty="0" smtClean="0"/>
+              <a:t>0.8861386139</a:t>
+            </a:r>
+            <a:r>
+              <a:rPr lang="en-US" dirty="0" smtClean="0"/>
+              <a:t> </a:t>
+            </a:r>
+            <a:r>
+              <a:rPr lang="en-US" dirty="0"/>
+              <a:t>accuracy  (1= Female, 0= Male)</a:t>
+            </a:r>
+          </a:p>
+          <a:p>
+            <a:pPr lvl="1"/>
+            <a:endParaRPr lang="en-US" dirty="0"/>
+          </a:p>
+          <a:p>
+            <a:pPr lvl="1"/>
+            <a:endParaRPr lang="en-US" dirty="0"/>
+          </a:p>
+          <a:p>
+            <a:pPr lvl="1"/>
+            <a:endParaRPr lang="en-US" dirty="0"/>
+          </a:p>
+          <a:p>
+            <a:endParaRPr lang="en-US" dirty="0"/>
+          </a:p>
+        </p:txBody>
+      </p:sp>
+      <p:pic>
+        <p:nvPicPr>
+          <p:cNvPr id="6" name="Picture 5" descr="ann_5_5_height_weight.PNG"/>
+          <p:cNvPicPr>
+            <a:picLocks noChangeAspect="1"/>
+          </p:cNvPicPr>
+          <p:nvPr/>
+        </p:nvPicPr>
+        <p:blipFill>
+          <a:blip r:embed="rId2"/>
+          <a:stretch>
+            <a:fillRect/>
+          </a:stretch>
+        </p:blipFill>
+        <p:spPr>
+          <a:xfrm>
+            <a:off x="1323714" y="3776033"/>
+            <a:ext cx="3402140" cy="1246133"/>
+          </a:xfrm>
+          <a:prstGeom prst="rect">
+            <a:avLst/>
+          </a:prstGeom>
+        </p:spPr>
+      </p:pic>
     </p:spTree>
   </p:cSld>
   <p:clrMapOvr>
@@ -7375,67 +7691,162 @@
           <a:chExt cx="0" cy="0"/>
         </a:xfrm>
       </p:grpSpPr>
-      <p:pic>
-        <p:nvPicPr>
-          <p:cNvPr id="4" name="Content Placeholder 3" descr="gender_movies.PNG"/>
-          <p:cNvPicPr>
-            <a:picLocks noGrp="1" noChangeAspect="1"/>
-          </p:cNvPicPr>
-          <p:nvPr>
-            <p:ph idx="4294967295"/>
-          </p:nvPr>
-        </p:nvPicPr>
-        <p:blipFill>
-          <a:blip r:embed="rId2"/>
-          <a:stretch>
-            <a:fillRect/>
-          </a:stretch>
-        </p:blipFill>
-        <p:spPr>
-          <a:xfrm>
-            <a:off x="424424" y="351985"/>
-            <a:ext cx="11528425" cy="5822950"/>
-          </a:xfrm>
-        </p:spPr>
-      </p:pic>
-      <p:sp>
-        <p:nvSpPr>
-          <p:cNvPr id="5" name="Rectangle 4"/>
-          <p:cNvSpPr/>
-          <p:nvPr/>
-        </p:nvSpPr>
-        <p:spPr>
-          <a:xfrm>
-            <a:off x="1280161" y="6239804"/>
-            <a:ext cx="9214338" cy="400110"/>
-          </a:xfrm>
-          <a:prstGeom prst="rect">
-            <a:avLst/>
-          </a:prstGeom>
-        </p:spPr>
-        <p:txBody>
-          <a:bodyPr wrap="square">
-            <a:spAutoFit/>
-          </a:bodyPr>
+      <p:sp>
+        <p:nvSpPr>
+          <p:cNvPr id="2" name="Title 1"/>
+          <p:cNvSpPr>
+            <a:spLocks noGrp="1"/>
+          </p:cNvSpPr>
+          <p:nvPr>
+            <p:ph type="title"/>
+          </p:nvPr>
+        </p:nvSpPr>
+        <p:spPr/>
+        <p:txBody>
+          <a:bodyPr/>
           <a:lstStyle/>
           <a:p>
-            <a:pPr marL="342900" indent="-342900">
-              <a:spcBef>
-                <a:spcPts val="1000"/>
-              </a:spcBef>
-              <a:buClr>
-                <a:schemeClr val="accent1"/>
-              </a:buClr>
-              <a:buFont typeface="Wingdings 3" charset="2"/>
-              <a:buChar char=""/>
-            </a:pPr>
-            <a:r>
-              <a:rPr lang="en-US" sz="2000" b="1" dirty="0">
-                <a:solidFill>
-                  <a:schemeClr val="accent2"/>
-                </a:solidFill>
-              </a:rPr>
-              <a:t>Classify gender based on horror, comedy and romantic movie ratings</a:t>
+            <a:r>
+              <a:rPr lang="en-US" dirty="0" smtClean="0"/>
+              <a:t>Conclusion for </a:t>
+            </a:r>
+            <a:r>
+              <a:rPr lang="en-US" dirty="0" smtClean="0"/>
+              <a:t>ANN</a:t>
+            </a:r>
+            <a:endParaRPr lang="en-US" dirty="0"/>
+          </a:p>
+        </p:txBody>
+      </p:sp>
+      <p:sp>
+        <p:nvSpPr>
+          <p:cNvPr id="3" name="Content Placeholder 2"/>
+          <p:cNvSpPr>
+            <a:spLocks noGrp="1"/>
+          </p:cNvSpPr>
+          <p:nvPr>
+            <p:ph idx="1"/>
+          </p:nvPr>
+        </p:nvSpPr>
+        <p:spPr/>
+        <p:txBody>
+          <a:bodyPr/>
+          <a:lstStyle/>
+          <a:p>
+            <a:r>
+              <a:rPr lang="en-US" dirty="0" smtClean="0"/>
+              <a:t>Accuracy higher by replacing NAs vs. omitting NAs</a:t>
+            </a:r>
+            <a:endParaRPr lang="en-US" dirty="0" smtClean="0"/>
+          </a:p>
+          <a:p>
+            <a:r>
+              <a:rPr lang="en-US" dirty="0" smtClean="0"/>
+              <a:t>Not much </a:t>
+            </a:r>
+            <a:r>
+              <a:rPr lang="en-US" dirty="0" smtClean="0"/>
+              <a:t>increase in accuracy </a:t>
+            </a:r>
+            <a:r>
+              <a:rPr lang="en-US" dirty="0" smtClean="0"/>
+              <a:t>by increasing learning rate</a:t>
+            </a:r>
+            <a:endParaRPr lang="en-US" dirty="0"/>
+          </a:p>
+        </p:txBody>
+      </p:sp>
+    </p:spTree>
+    <p:extLst>
+      <p:ext uri="{BB962C8B-B14F-4D97-AF65-F5344CB8AC3E}">
+        <p14:creationId xmlns:p14="http://schemas.microsoft.com/office/powerpoint/2010/main" xmlns="" val="1935058227"/>
+      </p:ext>
+    </p:extLst>
+  </p:cSld>
+  <p:clrMapOvr>
+    <a:masterClrMapping/>
+  </p:clrMapOvr>
+  <p:timing>
+    <p:tnLst>
+      <p:par>
+        <p:cTn id="1" dur="indefinite" restart="never" nodeType="tmRoot"/>
+      </p:par>
+    </p:tnLst>
+  </p:timing>
+</p:sld>
+</file>
+
+<file path=ppt/slides/slide34.xml><?xml version="1.0" encoding="utf-8"?>
+<p:sld xmlns:a="http://schemas.openxmlformats.org/drawingml/2006/main" xmlns:r="http://schemas.openxmlformats.org/officeDocument/2006/relationships" xmlns:p="http://schemas.openxmlformats.org/presentationml/2006/main">
+  <p:cSld>
+    <p:spTree>
+      <p:nvGrpSpPr>
+        <p:cNvPr id="1" name=""/>
+        <p:cNvGrpSpPr/>
+        <p:nvPr/>
+      </p:nvGrpSpPr>
+      <p:grpSpPr>
+        <a:xfrm>
+          <a:off x="0" y="0"/>
+          <a:ext cx="0" cy="0"/>
+          <a:chOff x="0" y="0"/>
+          <a:chExt cx="0" cy="0"/>
+        </a:xfrm>
+      </p:grpSpPr>
+      <p:sp>
+        <p:nvSpPr>
+          <p:cNvPr id="2" name="Title 1"/>
+          <p:cNvSpPr>
+            <a:spLocks noGrp="1"/>
+          </p:cNvSpPr>
+          <p:nvPr>
+            <p:ph type="title"/>
+          </p:nvPr>
+        </p:nvSpPr>
+        <p:spPr/>
+        <p:txBody>
+          <a:bodyPr/>
+          <a:lstStyle/>
+          <a:p>
+            <a:r>
+              <a:rPr lang="en-US" dirty="0"/>
+              <a:t>Algorithm </a:t>
+            </a:r>
+            <a:r>
+              <a:rPr lang="en-US" dirty="0" smtClean="0"/>
+              <a:t>5 </a:t>
+            </a:r>
+            <a:r>
+              <a:rPr lang="en-US" dirty="0"/>
+              <a:t>– C5.0</a:t>
+            </a:r>
+          </a:p>
+        </p:txBody>
+      </p:sp>
+      <p:sp>
+        <p:nvSpPr>
+          <p:cNvPr id="3" name="Content Placeholder 2"/>
+          <p:cNvSpPr>
+            <a:spLocks noGrp="1"/>
+          </p:cNvSpPr>
+          <p:nvPr>
+            <p:ph idx="1"/>
+          </p:nvPr>
+        </p:nvSpPr>
+        <p:spPr/>
+        <p:txBody>
+          <a:bodyPr/>
+          <a:lstStyle/>
+          <a:p>
+            <a:r>
+              <a:rPr lang="en-US" dirty="0"/>
+              <a:t>Extra!</a:t>
+            </a:r>
+          </a:p>
+          <a:p>
+            <a:r>
+              <a:rPr lang="en-US" dirty="0"/>
+              <a:t>Interesting dependencies between seemingly independent aspects of an individual</a:t>
             </a:r>
           </a:p>
         </p:txBody>
@@ -7455,7 +7866,104 @@
 </p:sld>
 </file>
 
-<file path=ppt/slides/slide34.xml><?xml version="1.0" encoding="utf-8"?>
+<file path=ppt/slides/slide35.xml><?xml version="1.0" encoding="utf-8"?>
+<p:sld xmlns:a="http://schemas.openxmlformats.org/drawingml/2006/main" xmlns:r="http://schemas.openxmlformats.org/officeDocument/2006/relationships" xmlns:p="http://schemas.openxmlformats.org/presentationml/2006/main">
+  <p:cSld>
+    <p:spTree>
+      <p:nvGrpSpPr>
+        <p:cNvPr id="1" name=""/>
+        <p:cNvGrpSpPr/>
+        <p:nvPr/>
+      </p:nvGrpSpPr>
+      <p:grpSpPr>
+        <a:xfrm>
+          <a:off x="0" y="0"/>
+          <a:ext cx="0" cy="0"/>
+          <a:chOff x="0" y="0"/>
+          <a:chExt cx="0" cy="0"/>
+        </a:xfrm>
+      </p:grpSpPr>
+      <p:pic>
+        <p:nvPicPr>
+          <p:cNvPr id="4" name="Content Placeholder 3" descr="gender_movies.PNG"/>
+          <p:cNvPicPr>
+            <a:picLocks noGrp="1" noChangeAspect="1"/>
+          </p:cNvPicPr>
+          <p:nvPr>
+            <p:ph idx="4294967295"/>
+          </p:nvPr>
+        </p:nvPicPr>
+        <p:blipFill>
+          <a:blip r:embed="rId2"/>
+          <a:stretch>
+            <a:fillRect/>
+          </a:stretch>
+        </p:blipFill>
+        <p:spPr>
+          <a:xfrm>
+            <a:off x="424424" y="351985"/>
+            <a:ext cx="11528425" cy="5822950"/>
+          </a:xfrm>
+        </p:spPr>
+      </p:pic>
+      <p:sp>
+        <p:nvSpPr>
+          <p:cNvPr id="5" name="Rectangle 4"/>
+          <p:cNvSpPr/>
+          <p:nvPr/>
+        </p:nvSpPr>
+        <p:spPr>
+          <a:xfrm>
+            <a:off x="1280161" y="6239804"/>
+            <a:ext cx="9214338" cy="400110"/>
+          </a:xfrm>
+          <a:prstGeom prst="rect">
+            <a:avLst/>
+          </a:prstGeom>
+        </p:spPr>
+        <p:txBody>
+          <a:bodyPr wrap="square">
+            <a:spAutoFit/>
+          </a:bodyPr>
+          <a:lstStyle/>
+          <a:p>
+            <a:pPr marL="342900" indent="-342900">
+              <a:spcBef>
+                <a:spcPts val="1000"/>
+              </a:spcBef>
+              <a:buClr>
+                <a:schemeClr val="accent1"/>
+              </a:buClr>
+              <a:buFont typeface="Wingdings 3" charset="2"/>
+              <a:buChar char=""/>
+            </a:pPr>
+            <a:r>
+              <a:rPr lang="en-US" sz="2000" b="1" dirty="0">
+                <a:solidFill>
+                  <a:schemeClr val="accent2"/>
+                </a:solidFill>
+              </a:rPr>
+              <a:t>Classify gender based on horror, comedy and romantic movie ratings</a:t>
+            </a:r>
+          </a:p>
+        </p:txBody>
+      </p:sp>
+    </p:spTree>
+  </p:cSld>
+  <p:clrMapOvr>
+    <a:masterClrMapping/>
+  </p:clrMapOvr>
+  <p:timing>
+    <p:tnLst>
+      <p:par>
+        <p:cTn id="1" dur="indefinite" restart="never" nodeType="tmRoot"/>
+      </p:par>
+    </p:tnLst>
+  </p:timing>
+</p:sld>
+</file>
+
+<file path=ppt/slides/slide36.xml><?xml version="1.0" encoding="utf-8"?>
 <p:sld xmlns:a="http://schemas.openxmlformats.org/drawingml/2006/main" xmlns:r="http://schemas.openxmlformats.org/officeDocument/2006/relationships" xmlns:p="http://schemas.openxmlformats.org/presentationml/2006/main">
   <p:cSld>
     <p:spTree>
@@ -7946,7 +8454,7 @@
 </p:sld>
 </file>
 
-<file path=ppt/slides/slide35.xml><?xml version="1.0" encoding="utf-8"?>
+<file path=ppt/slides/slide37.xml><?xml version="1.0" encoding="utf-8"?>
 <p:sld xmlns:a="http://schemas.openxmlformats.org/drawingml/2006/main" xmlns:r="http://schemas.openxmlformats.org/officeDocument/2006/relationships" xmlns:p="http://schemas.openxmlformats.org/presentationml/2006/main">
   <p:cSld>
     <p:spTree>
@@ -7995,21 +8503,23 @@
             <p:ph idx="1"/>
           </p:nvPr>
         </p:nvSpPr>
-        <p:spPr>
-          <a:xfrm>
-            <a:off x="2589212" y="1501422"/>
-            <a:ext cx="8915400" cy="4409800"/>
-          </a:xfrm>
-        </p:spPr>
+        <p:spPr/>
         <p:txBody>
           <a:bodyPr>
             <a:normAutofit/>
           </a:bodyPr>
           <a:lstStyle/>
           <a:p>
-            <a:r>
-              <a:rPr lang="en-US" dirty="0"/>
-              <a:t>Highest accuracies for each algorithm:</a:t>
+            <a:pPr>
+              <a:buNone/>
+            </a:pPr>
+            <a:r>
+              <a:rPr lang="en-US" dirty="0" smtClean="0"/>
+              <a:t>    Highest </a:t>
+            </a:r>
+            <a:r>
+              <a:rPr lang="en-US" dirty="0"/>
+              <a:t>accuracies for each algorithm:</a:t>
             </a:r>
           </a:p>
           <a:p>
@@ -8065,7 +8575,7 @@
           </p:nvPr>
         </p:nvGraphicFramePr>
         <p:xfrm>
-          <a:off x="2932493" y="2620109"/>
+          <a:off x="1174031" y="2760786"/>
           <a:ext cx="8127999" cy="2529651"/>
         </p:xfrm>
         <a:graphic>
@@ -8232,7 +8742,11 @@
                     <a:p>
                       <a:r>
                         <a:rPr lang="cs-CZ" dirty="0" smtClean="0"/>
-                        <a:t>0.943894</a:t>
+                        <a:t>0.94</a:t>
+                      </a:r>
+                      <a:r>
+                        <a:rPr lang="en-US" dirty="0" smtClean="0"/>
+                        <a:t>059</a:t>
                       </a:r>
                       <a:endParaRPr lang="en-US" dirty="0"/>
                     </a:p>
@@ -8393,7 +8907,7 @@
 </p:sld>
 </file>
 
-<file path=ppt/slides/slide36.xml><?xml version="1.0" encoding="utf-8"?>
+<file path=ppt/slides/slide38.xml><?xml version="1.0" encoding="utf-8"?>
 <p:sld xmlns:a="http://schemas.openxmlformats.org/drawingml/2006/main" xmlns:r="http://schemas.openxmlformats.org/officeDocument/2006/relationships" xmlns:p="http://schemas.openxmlformats.org/presentationml/2006/main">
   <p:cSld>
     <p:spTree>
@@ -8461,6 +8975,13 @@
   <p:clrMapOvr>
     <a:masterClrMapping/>
   </p:clrMapOvr>
+  <p:timing>
+    <p:tnLst>
+      <p:par>
+        <p:cTn id="1" dur="indefinite" restart="never" nodeType="tmRoot"/>
+      </p:par>
+    </p:tnLst>
+  </p:timing>
 </p:sld>
 </file>
 
@@ -8522,8 +9043,13 @@
           <a:p>
             <a:r>
               <a:rPr lang="en-US" dirty="0"/>
-              <a:t>1010 rows ,140columns</a:t>
-            </a:r>
+              <a:t>1010 rows ,</a:t>
+            </a:r>
+            <a:r>
+              <a:rPr lang="en-US" dirty="0" smtClean="0"/>
+              <a:t>140 columns</a:t>
+            </a:r>
+            <a:endParaRPr lang="en-US" dirty="0"/>
           </a:p>
           <a:p>
             <a:r>
@@ -8555,14 +9081,19 @@
             <a:pPr lvl="1"/>
             <a:r>
               <a:rPr lang="en-US" dirty="0"/>
-              <a:t>Finances(Integer)			</a:t>
-            </a:r>
+              <a:t>Finances(Integer)	</a:t>
+            </a:r>
+            <a:endParaRPr lang="en-US" dirty="0" smtClean="0"/>
           </a:p>
           <a:p>
             <a:pPr lvl="1"/>
             <a:r>
-              <a:rPr lang="en-US" dirty="0"/>
-              <a:t>Age(Integer)		</a:t>
+              <a:rPr lang="en-US" dirty="0" smtClean="0"/>
+              <a:t>Fears (Integer)</a:t>
+            </a:r>
+            <a:r>
+              <a:rPr lang="en-US" dirty="0"/>
+              <a:t>	</a:t>
             </a:r>
           </a:p>
           <a:p>
@@ -8584,6 +9115,13 @@
   <p:clrMapOvr>
     <a:masterClrMapping/>
   </p:clrMapOvr>
+  <p:timing>
+    <p:tnLst>
+      <p:par>
+        <p:cTn id="1" dur="indefinite" restart="never" nodeType="tmRoot"/>
+      </p:par>
+    </p:tnLst>
+  </p:timing>
 </p:sld>
 </file>
 
@@ -8604,91 +9142,90 @@
           <a:chExt cx="0" cy="0"/>
         </a:xfrm>
       </p:grpSpPr>
-      <p:sp>
-        <p:nvSpPr>
-          <p:cNvPr id="2" name="Title 1"/>
-          <p:cNvSpPr>
-            <a:spLocks noGrp="1"/>
-          </p:cNvSpPr>
-          <p:nvPr>
-            <p:ph type="title"/>
-          </p:nvPr>
-        </p:nvSpPr>
-        <p:spPr/>
-        <p:txBody>
-          <a:bodyPr>
-            <a:normAutofit/>
-          </a:bodyPr>
-          <a:lstStyle/>
-          <a:p>
-            <a:r>
-              <a:rPr lang="en-US" dirty="0"/>
-              <a:t>DATA CLEANING &amp; PRE-PROCESSING</a:t>
-            </a:r>
-          </a:p>
-        </p:txBody>
-      </p:sp>
-      <p:sp>
-        <p:nvSpPr>
-          <p:cNvPr id="3" name="Content Placeholder 2"/>
-          <p:cNvSpPr>
-            <a:spLocks noGrp="1"/>
-          </p:cNvSpPr>
-          <p:nvPr>
-            <p:ph idx="1"/>
-          </p:nvPr>
-        </p:nvSpPr>
-        <p:spPr/>
-        <p:txBody>
-          <a:bodyPr>
-            <a:normAutofit/>
-          </a:bodyPr>
-          <a:lstStyle/>
-          <a:p>
-            <a:r>
-              <a:rPr lang="en-US" dirty="0"/>
-              <a:t>Multiple missing values</a:t>
-            </a:r>
-          </a:p>
-          <a:p>
-            <a:r>
-              <a:rPr lang="en-US" dirty="0"/>
-              <a:t>Approach 1: replace missing values with mean of column </a:t>
-            </a:r>
-          </a:p>
-          <a:p>
-            <a:r>
-              <a:rPr lang="en-US" dirty="0"/>
-              <a:t>Approach 2: omit missing values</a:t>
-            </a:r>
-          </a:p>
-          <a:p>
-            <a:r>
-              <a:rPr lang="en-US" dirty="0"/>
-              <a:t>Normalize the Integer columns for certain algorithms like KNN</a:t>
-            </a:r>
-          </a:p>
-          <a:p>
-            <a:r>
-              <a:rPr lang="en-US" dirty="0"/>
-              <a:t>Training and Test Data</a:t>
-            </a:r>
-          </a:p>
-          <a:p>
-            <a:endParaRPr lang="en-US" dirty="0"/>
-          </a:p>
-        </p:txBody>
-      </p:sp>
+      <p:pic>
+        <p:nvPicPr>
+          <p:cNvPr id="4" name="Picture 3" descr="dataset1.PNG"/>
+          <p:cNvPicPr>
+            <a:picLocks noChangeAspect="1"/>
+          </p:cNvPicPr>
+          <p:nvPr/>
+        </p:nvPicPr>
+        <p:blipFill>
+          <a:blip r:embed="rId2"/>
+          <a:stretch>
+            <a:fillRect/>
+          </a:stretch>
+        </p:blipFill>
+        <p:spPr>
+          <a:xfrm>
+            <a:off x="571438" y="363003"/>
+            <a:ext cx="6125430" cy="1714739"/>
+          </a:xfrm>
+          <a:prstGeom prst="rect">
+            <a:avLst/>
+          </a:prstGeom>
+        </p:spPr>
+      </p:pic>
+      <p:pic>
+        <p:nvPicPr>
+          <p:cNvPr id="5" name="Picture 4" descr="dataset2.PNG"/>
+          <p:cNvPicPr>
+            <a:picLocks noChangeAspect="1"/>
+          </p:cNvPicPr>
+          <p:nvPr/>
+        </p:nvPicPr>
+        <p:blipFill>
+          <a:blip r:embed="rId3"/>
+          <a:stretch>
+            <a:fillRect/>
+          </a:stretch>
+        </p:blipFill>
+        <p:spPr>
+          <a:xfrm>
+            <a:off x="6328253" y="2552799"/>
+            <a:ext cx="4714886" cy="2459350"/>
+          </a:xfrm>
+          <a:prstGeom prst="rect">
+            <a:avLst/>
+          </a:prstGeom>
+        </p:spPr>
+      </p:pic>
+      <p:pic>
+        <p:nvPicPr>
+          <p:cNvPr id="6" name="Picture 5" descr="dataset3.PNG"/>
+          <p:cNvPicPr>
+            <a:picLocks noChangeAspect="1"/>
+          </p:cNvPicPr>
+          <p:nvPr/>
+        </p:nvPicPr>
+        <p:blipFill>
+          <a:blip r:embed="rId4"/>
+          <a:stretch>
+            <a:fillRect/>
+          </a:stretch>
+        </p:blipFill>
+        <p:spPr>
+          <a:xfrm>
+            <a:off x="960919" y="4318781"/>
+            <a:ext cx="4891299" cy="1993558"/>
+          </a:xfrm>
+          <a:prstGeom prst="rect">
+            <a:avLst/>
+          </a:prstGeom>
+        </p:spPr>
+      </p:pic>
     </p:spTree>
-    <p:extLst>
-      <p:ext uri="{BB962C8B-B14F-4D97-AF65-F5344CB8AC3E}">
-        <p14:creationId xmlns:p14="http://schemas.microsoft.com/office/powerpoint/2010/main" xmlns="" val="220168066"/>
-      </p:ext>
-    </p:extLst>
   </p:cSld>
   <p:clrMapOvr>
     <a:masterClrMapping/>
   </p:clrMapOvr>
+  <p:timing>
+    <p:tnLst>
+      <p:par>
+        <p:cTn id="1" dur="indefinite" restart="never" nodeType="tmRoot"/>
+      </p:par>
+    </p:tnLst>
+  </p:timing>
 </p:sld>
 </file>
 
@@ -8721,6 +9258,118 @@
         </p:nvSpPr>
         <p:spPr/>
         <p:txBody>
+          <a:bodyPr>
+            <a:normAutofit/>
+          </a:bodyPr>
+          <a:lstStyle/>
+          <a:p>
+            <a:r>
+              <a:rPr lang="en-US" dirty="0"/>
+              <a:t>DATA CLEANING &amp; PRE-PROCESSING</a:t>
+            </a:r>
+          </a:p>
+        </p:txBody>
+      </p:sp>
+      <p:sp>
+        <p:nvSpPr>
+          <p:cNvPr id="3" name="Content Placeholder 2"/>
+          <p:cNvSpPr>
+            <a:spLocks noGrp="1"/>
+          </p:cNvSpPr>
+          <p:nvPr>
+            <p:ph idx="1"/>
+          </p:nvPr>
+        </p:nvSpPr>
+        <p:spPr/>
+        <p:txBody>
+          <a:bodyPr>
+            <a:normAutofit/>
+          </a:bodyPr>
+          <a:lstStyle/>
+          <a:p>
+            <a:r>
+              <a:rPr lang="en-US" dirty="0"/>
+              <a:t>Multiple missing values</a:t>
+            </a:r>
+          </a:p>
+          <a:p>
+            <a:r>
+              <a:rPr lang="en-US" dirty="0"/>
+              <a:t>Approach 1: replace missing values with mean of column </a:t>
+            </a:r>
+          </a:p>
+          <a:p>
+            <a:r>
+              <a:rPr lang="en-US" dirty="0"/>
+              <a:t>Approach 2: omit missing values</a:t>
+            </a:r>
+          </a:p>
+          <a:p>
+            <a:r>
+              <a:rPr lang="en-US" dirty="0"/>
+              <a:t>Normalize the Integer columns for certain algorithms like KNN</a:t>
+            </a:r>
+          </a:p>
+          <a:p>
+            <a:r>
+              <a:rPr lang="en-US" dirty="0"/>
+              <a:t>Training and Test Data</a:t>
+            </a:r>
+          </a:p>
+          <a:p>
+            <a:endParaRPr lang="en-US" dirty="0"/>
+          </a:p>
+        </p:txBody>
+      </p:sp>
+    </p:spTree>
+    <p:extLst>
+      <p:ext uri="{BB962C8B-B14F-4D97-AF65-F5344CB8AC3E}">
+        <p14:creationId xmlns:p14="http://schemas.microsoft.com/office/powerpoint/2010/main" xmlns="" val="220168066"/>
+      </p:ext>
+    </p:extLst>
+  </p:cSld>
+  <p:clrMapOvr>
+    <a:masterClrMapping/>
+  </p:clrMapOvr>
+  <p:timing>
+    <p:tnLst>
+      <p:par>
+        <p:cTn id="1" dur="indefinite" restart="never" nodeType="tmRoot"/>
+      </p:par>
+    </p:tnLst>
+  </p:timing>
+</p:sld>
+</file>
+
+<file path=ppt/slides/slide7.xml><?xml version="1.0" encoding="utf-8"?>
+<p:sld xmlns:a="http://schemas.openxmlformats.org/drawingml/2006/main" xmlns:r="http://schemas.openxmlformats.org/officeDocument/2006/relationships" xmlns:p="http://schemas.openxmlformats.org/presentationml/2006/main">
+  <p:cSld>
+    <p:spTree>
+      <p:nvGrpSpPr>
+        <p:cNvPr id="1" name=""/>
+        <p:cNvGrpSpPr/>
+        <p:nvPr/>
+      </p:nvGrpSpPr>
+      <p:grpSpPr>
+        <a:xfrm>
+          <a:off x="0" y="0"/>
+          <a:ext cx="0" cy="0"/>
+          <a:chOff x="0" y="0"/>
+          <a:chExt cx="0" cy="0"/>
+        </a:xfrm>
+      </p:grpSpPr>
+      <p:sp>
+        <p:nvSpPr>
+          <p:cNvPr id="2" name="Title 1"/>
+          <p:cNvSpPr>
+            <a:spLocks noGrp="1"/>
+          </p:cNvSpPr>
+          <p:nvPr>
+            <p:ph type="title"/>
+          </p:nvPr>
+        </p:nvSpPr>
+        <p:spPr/>
+        <p:txBody>
           <a:bodyPr/>
           <a:lstStyle/>
           <a:p>
@@ -8799,7 +9448,7 @@
 </p:sld>
 </file>
 
-<file path=ppt/slides/slide7.xml><?xml version="1.0" encoding="utf-8"?>
+<file path=ppt/slides/slide8.xml><?xml version="1.0" encoding="utf-8"?>
 <p:sld xmlns:a="http://schemas.openxmlformats.org/drawingml/2006/main" xmlns:r="http://schemas.openxmlformats.org/officeDocument/2006/relationships" xmlns:p="http://schemas.openxmlformats.org/presentationml/2006/main">
   <p:cSld>
     <p:spTree>
@@ -9032,7 +9681,7 @@
 </p:sld>
 </file>
 
-<file path=ppt/slides/slide8.xml><?xml version="1.0" encoding="utf-8"?>
+<file path=ppt/slides/slide9.xml><?xml version="1.0" encoding="utf-8"?>
 <p:sld xmlns:a="http://schemas.openxmlformats.org/drawingml/2006/main" xmlns:r="http://schemas.openxmlformats.org/officeDocument/2006/relationships" xmlns:p="http://schemas.openxmlformats.org/presentationml/2006/main">
   <p:cSld>
     <p:spTree>
@@ -9133,153 +9782,6 @@
       </p:par>
     </p:tnLst>
   </p:timing>
-</p:sld>
-</file>
-
-<file path=ppt/slides/slide9.xml><?xml version="1.0" encoding="utf-8"?>
-<p:sld xmlns:a="http://schemas.openxmlformats.org/drawingml/2006/main" xmlns:r="http://schemas.openxmlformats.org/officeDocument/2006/relationships" xmlns:p="http://schemas.openxmlformats.org/presentationml/2006/main">
-  <p:cSld>
-    <p:spTree>
-      <p:nvGrpSpPr>
-        <p:cNvPr id="1" name=""/>
-        <p:cNvGrpSpPr/>
-        <p:nvPr/>
-      </p:nvGrpSpPr>
-      <p:grpSpPr>
-        <a:xfrm>
-          <a:off x="0" y="0"/>
-          <a:ext cx="0" cy="0"/>
-          <a:chOff x="0" y="0"/>
-          <a:chExt cx="0" cy="0"/>
-        </a:xfrm>
-      </p:grpSpPr>
-      <p:sp>
-        <p:nvSpPr>
-          <p:cNvPr id="2" name="Title 1"/>
-          <p:cNvSpPr>
-            <a:spLocks noGrp="1"/>
-          </p:cNvSpPr>
-          <p:nvPr>
-            <p:ph type="title"/>
-          </p:nvPr>
-        </p:nvSpPr>
-        <p:spPr/>
-        <p:txBody>
-          <a:bodyPr/>
-          <a:lstStyle/>
-          <a:p>
-            <a:r>
-              <a:rPr lang="en-US" dirty="0"/>
-              <a:t>Algorithm </a:t>
-            </a:r>
-            <a:r>
-              <a:rPr lang="en-US" dirty="0" smtClean="0"/>
-              <a:t>2- </a:t>
-            </a:r>
-            <a:r>
-              <a:rPr lang="en-US" dirty="0"/>
-              <a:t>KNN</a:t>
-            </a:r>
-          </a:p>
-        </p:txBody>
-      </p:sp>
-      <p:sp>
-        <p:nvSpPr>
-          <p:cNvPr id="3" name="Content Placeholder 2"/>
-          <p:cNvSpPr>
-            <a:spLocks noGrp="1"/>
-          </p:cNvSpPr>
-          <p:nvPr>
-            <p:ph idx="1"/>
-          </p:nvPr>
-        </p:nvSpPr>
-        <p:spPr/>
-        <p:txBody>
-          <a:bodyPr>
-            <a:normAutofit/>
-          </a:bodyPr>
-          <a:lstStyle/>
-          <a:p>
-            <a:r>
-              <a:rPr lang="en-US" dirty="0"/>
-              <a:t>K nearest neighbors found using Euclidean distance metric:</a:t>
-            </a:r>
-          </a:p>
-          <a:p>
-            <a:endParaRPr lang="en-US" dirty="0"/>
-          </a:p>
-          <a:p>
-            <a:endParaRPr lang="en-US" dirty="0"/>
-          </a:p>
-          <a:p>
-            <a:endParaRPr lang="en-US" dirty="0"/>
-          </a:p>
-          <a:p>
-            <a:r>
-              <a:rPr lang="en-US" dirty="0"/>
-              <a:t>Predictors used: </a:t>
-            </a:r>
-            <a:r>
-              <a:rPr lang="en-US" dirty="0" smtClean="0"/>
-              <a:t>Entire Dataset</a:t>
-            </a:r>
-          </a:p>
-          <a:p>
-            <a:r>
-              <a:rPr lang="en-US" dirty="0" smtClean="0"/>
-              <a:t>Classification : Male/Female</a:t>
-            </a:r>
-            <a:endParaRPr lang="en-US" dirty="0"/>
-          </a:p>
-          <a:p>
-            <a:endParaRPr lang="en-US" dirty="0"/>
-          </a:p>
-          <a:p>
-            <a:pPr lvl="1"/>
-            <a:endParaRPr lang="en-US" dirty="0"/>
-          </a:p>
-          <a:p>
-            <a:endParaRPr lang="en-US" dirty="0"/>
-          </a:p>
-          <a:p>
-            <a:endParaRPr lang="en-US" dirty="0"/>
-          </a:p>
-        </p:txBody>
-      </p:sp>
-      <p:pic>
-        <p:nvPicPr>
-          <p:cNvPr id="4" name="Picture 3"/>
-          <p:cNvPicPr>
-            <a:picLocks noChangeAspect="1"/>
-          </p:cNvPicPr>
-          <p:nvPr/>
-        </p:nvPicPr>
-        <p:blipFill>
-          <a:blip r:embed="rId2"/>
-          <a:stretch>
-            <a:fillRect/>
-          </a:stretch>
-        </p:blipFill>
-        <p:spPr>
-          <a:xfrm>
-            <a:off x="2829828" y="2657098"/>
-            <a:ext cx="4467755" cy="1335666"/>
-          </a:xfrm>
-          <a:prstGeom prst="rect">
-            <a:avLst/>
-          </a:prstGeom>
-        </p:spPr>
-      </p:pic>
-    </p:spTree>
-    <p:extLst>
-      <p:ext uri="{BB962C8B-B14F-4D97-AF65-F5344CB8AC3E}">
-        <p14:creationId xmlns:p14="http://schemas.microsoft.com/office/powerpoint/2010/main" xmlns="" val="597700395"/>
-      </p:ext>
-    </p:extLst>
-  </p:cSld>
-  <p:clrMapOvr>
-    <a:masterClrMapping/>
-  </p:clrMapOvr>
 </p:sld>
 </file>
 

--- a/Presentation_YPS.pptx
+++ b/Presentation_YPS.pptx
@@ -5,7 +5,7 @@
     <p:sldMasterId id="2147483876" r:id="rId1"/>
   </p:sldMasterIdLst>
   <p:notesMasterIdLst>
-    <p:notesMasterId r:id="rId40"/>
+    <p:notesMasterId r:id="rId41"/>
   </p:notesMasterIdLst>
   <p:sldIdLst>
     <p:sldId id="256" r:id="rId2"/>
@@ -20,32 +20,33 @@
     <p:sldId id="262" r:id="rId11"/>
     <p:sldId id="272" r:id="rId12"/>
     <p:sldId id="273" r:id="rId13"/>
-    <p:sldId id="292" r:id="rId14"/>
-    <p:sldId id="263" r:id="rId15"/>
-    <p:sldId id="281" r:id="rId16"/>
-    <p:sldId id="274" r:id="rId17"/>
-    <p:sldId id="282" r:id="rId18"/>
-    <p:sldId id="275" r:id="rId19"/>
-    <p:sldId id="283" r:id="rId20"/>
-    <p:sldId id="284" r:id="rId21"/>
-    <p:sldId id="285" r:id="rId22"/>
-    <p:sldId id="286" r:id="rId23"/>
-    <p:sldId id="289" r:id="rId24"/>
-    <p:sldId id="288" r:id="rId25"/>
-    <p:sldId id="287" r:id="rId26"/>
-    <p:sldId id="276" r:id="rId27"/>
-    <p:sldId id="291" r:id="rId28"/>
-    <p:sldId id="290" r:id="rId29"/>
-    <p:sldId id="264" r:id="rId30"/>
-    <p:sldId id="303" r:id="rId31"/>
-    <p:sldId id="277" r:id="rId32"/>
-    <p:sldId id="305" r:id="rId33"/>
-    <p:sldId id="302" r:id="rId34"/>
-    <p:sldId id="278" r:id="rId35"/>
-    <p:sldId id="279" r:id="rId36"/>
-    <p:sldId id="280" r:id="rId37"/>
-    <p:sldId id="269" r:id="rId38"/>
-    <p:sldId id="271" r:id="rId39"/>
+    <p:sldId id="306" r:id="rId14"/>
+    <p:sldId id="292" r:id="rId15"/>
+    <p:sldId id="263" r:id="rId16"/>
+    <p:sldId id="281" r:id="rId17"/>
+    <p:sldId id="274" r:id="rId18"/>
+    <p:sldId id="282" r:id="rId19"/>
+    <p:sldId id="275" r:id="rId20"/>
+    <p:sldId id="283" r:id="rId21"/>
+    <p:sldId id="284" r:id="rId22"/>
+    <p:sldId id="285" r:id="rId23"/>
+    <p:sldId id="286" r:id="rId24"/>
+    <p:sldId id="289" r:id="rId25"/>
+    <p:sldId id="288" r:id="rId26"/>
+    <p:sldId id="287" r:id="rId27"/>
+    <p:sldId id="276" r:id="rId28"/>
+    <p:sldId id="291" r:id="rId29"/>
+    <p:sldId id="290" r:id="rId30"/>
+    <p:sldId id="264" r:id="rId31"/>
+    <p:sldId id="303" r:id="rId32"/>
+    <p:sldId id="277" r:id="rId33"/>
+    <p:sldId id="305" r:id="rId34"/>
+    <p:sldId id="302" r:id="rId35"/>
+    <p:sldId id="278" r:id="rId36"/>
+    <p:sldId id="279" r:id="rId37"/>
+    <p:sldId id="280" r:id="rId38"/>
+    <p:sldId id="269" r:id="rId39"/>
+    <p:sldId id="271" r:id="rId40"/>
   </p:sldIdLst>
   <p:sldSz cx="12192000" cy="6858000"/>
   <p:notesSz cx="6858000" cy="9144000"/>
@@ -146,7 +147,7 @@
   </p:defaultTextStyle>
   <p:extLst>
     <p:ext uri="{EFAFB233-063F-42B5-8137-9DF3F51BA10A}">
-      <p15:sldGuideLst xmlns:p15="http://schemas.microsoft.com/office/powerpoint/2012/main" xmlns="">
+      <p15:sldGuideLst xmlns:p15="http://schemas.microsoft.com/office/powerpoint/2012/main">
         <p15:guide id="1" orient="horz" pos="2160">
           <p15:clr>
             <a:srgbClr val="A4A3A4"/>
@@ -185,7 +186,7 @@
     <p:text> It predicts membership probabilities for each class such as the probability that given record or data point belongs to a particular class.  The class with the highest probability is considered as the most likely class</p:text>
     <p:extLst>
       <p:ext uri="{C676402C-5697-4E1C-873F-D02D1690AC5C}">
-        <p15:threadingInfo xmlns:p15="http://schemas.microsoft.com/office/powerpoint/2012/main" xmlns="" timeZoneBias="300"/>
+        <p15:threadingInfo xmlns:p15="http://schemas.microsoft.com/office/powerpoint/2012/main" timeZoneBias="300"/>
       </p:ext>
     </p:extLst>
   </p:cm>
@@ -275,7 +276,7 @@
             <a:fld id="{16D21240-5A3A-024F-BD43-24E48AF3A76B}" type="datetimeFigureOut">
               <a:rPr lang="en-US" smtClean="0"/>
               <a:pPr/>
-              <a:t>12/6/2017</a:t>
+              <a:t>12/6/17</a:t>
             </a:fld>
             <a:endParaRPr lang="en-US"/>
           </a:p>
@@ -443,7 +444,7 @@
     </p:spTree>
     <p:extLst>
       <p:ext uri="{BB962C8B-B14F-4D97-AF65-F5344CB8AC3E}">
-        <p14:creationId xmlns:p14="http://schemas.microsoft.com/office/powerpoint/2010/main" xmlns="" val="2003527968"/>
+        <p14:creationId xmlns:p14="http://schemas.microsoft.com/office/powerpoint/2010/main" val="2003527968"/>
       </p:ext>
     </p:extLst>
   </p:cSld>
@@ -761,7 +762,7 @@
             <a:fld id="{48A87A34-81AB-432B-8DAE-1953F412C126}" type="datetimeFigureOut">
               <a:rPr lang="en-US" smtClean="0"/>
               <a:pPr/>
-              <a:t>12/6/2017</a:t>
+              <a:t>12/6/17</a:t>
             </a:fld>
             <a:endParaRPr lang="en-US" dirty="0"/>
           </a:p>
@@ -949,7 +950,7 @@
             <a:fld id="{48A87A34-81AB-432B-8DAE-1953F412C126}" type="datetimeFigureOut">
               <a:rPr lang="en-US" smtClean="0"/>
               <a:pPr/>
-              <a:t>12/6/2017</a:t>
+              <a:t>12/6/17</a:t>
             </a:fld>
             <a:endParaRPr lang="en-US" dirty="0"/>
           </a:p>
@@ -1125,7 +1126,7 @@
             <a:fld id="{48A87A34-81AB-432B-8DAE-1953F412C126}" type="datetimeFigureOut">
               <a:rPr lang="en-US" smtClean="0"/>
               <a:pPr/>
-              <a:t>12/6/2017</a:t>
+              <a:t>12/6/17</a:t>
             </a:fld>
             <a:endParaRPr lang="en-US" dirty="0"/>
           </a:p>
@@ -1306,7 +1307,7 @@
             <a:fld id="{48A87A34-81AB-432B-8DAE-1953F412C126}" type="datetimeFigureOut">
               <a:rPr lang="en-US" smtClean="0"/>
               <a:pPr/>
-              <a:t>12/6/2017</a:t>
+              <a:t>12/6/17</a:t>
             </a:fld>
             <a:endParaRPr lang="en-US" dirty="0"/>
           </a:p>
@@ -1555,7 +1556,7 @@
             <a:fld id="{48A87A34-81AB-432B-8DAE-1953F412C126}" type="datetimeFigureOut">
               <a:rPr lang="en-US" smtClean="0"/>
               <a:pPr/>
-              <a:t>12/6/2017</a:t>
+              <a:t>12/6/17</a:t>
             </a:fld>
             <a:endParaRPr lang="en-US" dirty="0"/>
           </a:p>
@@ -2029,7 +2030,7 @@
             <a:fld id="{48A87A34-81AB-432B-8DAE-1953F412C126}" type="datetimeFigureOut">
               <a:rPr lang="en-US" smtClean="0"/>
               <a:pPr/>
-              <a:t>12/6/2017</a:t>
+              <a:t>12/6/17</a:t>
             </a:fld>
             <a:endParaRPr lang="en-US" dirty="0"/>
           </a:p>
@@ -2445,7 +2446,7 @@
             <a:fld id="{48A87A34-81AB-432B-8DAE-1953F412C126}" type="datetimeFigureOut">
               <a:rPr lang="en-US" smtClean="0"/>
               <a:pPr/>
-              <a:t>12/6/2017</a:t>
+              <a:t>12/6/17</a:t>
             </a:fld>
             <a:endParaRPr lang="en-US" dirty="0"/>
           </a:p>
@@ -2577,7 +2578,7 @@
             <a:fld id="{48A87A34-81AB-432B-8DAE-1953F412C126}" type="datetimeFigureOut">
               <a:rPr lang="en-US" smtClean="0"/>
               <a:pPr/>
-              <a:t>12/6/2017</a:t>
+              <a:t>12/6/17</a:t>
             </a:fld>
             <a:endParaRPr lang="en-US" dirty="0"/>
           </a:p>
@@ -2674,7 +2675,7 @@
             <a:fld id="{48A87A34-81AB-432B-8DAE-1953F412C126}" type="datetimeFigureOut">
               <a:rPr lang="en-US" smtClean="0"/>
               <a:pPr/>
-              <a:t>12/6/2017</a:t>
+              <a:t>12/6/17</a:t>
             </a:fld>
             <a:endParaRPr lang="en-US" dirty="0"/>
           </a:p>
@@ -2953,7 +2954,7 @@
             <a:fld id="{48A87A34-81AB-432B-8DAE-1953F412C126}" type="datetimeFigureOut">
               <a:rPr lang="en-US" smtClean="0"/>
               <a:pPr/>
-              <a:t>12/6/2017</a:t>
+              <a:t>12/6/17</a:t>
             </a:fld>
             <a:endParaRPr lang="en-US" dirty="0"/>
           </a:p>
@@ -3206,7 +3207,7 @@
             <a:fld id="{48A87A34-81AB-432B-8DAE-1953F412C126}" type="datetimeFigureOut">
               <a:rPr lang="en-US" smtClean="0"/>
               <a:pPr/>
-              <a:t>12/6/2017</a:t>
+              <a:t>12/6/17</a:t>
             </a:fld>
             <a:endParaRPr lang="en-US" dirty="0"/>
           </a:p>
@@ -3578,7 +3579,7 @@
             <a:fld id="{48A87A34-81AB-432B-8DAE-1953F412C126}" type="datetimeFigureOut">
               <a:rPr lang="en-US" smtClean="0"/>
               <a:pPr/>
-              <a:t>12/6/2017</a:t>
+              <a:t>12/6/17</a:t>
             </a:fld>
             <a:endParaRPr lang="en-US" dirty="0"/>
           </a:p>
@@ -4063,7 +4064,7 @@
     </p:spTree>
     <p:extLst>
       <p:ext uri="{BB962C8B-B14F-4D97-AF65-F5344CB8AC3E}">
-        <p14:creationId xmlns:p14="http://schemas.microsoft.com/office/powerpoint/2010/main" xmlns="" val="2624391631"/>
+        <p14:creationId xmlns:p14="http://schemas.microsoft.com/office/powerpoint/2010/main" val="2624391631"/>
       </p:ext>
     </p:extLst>
   </p:cSld>
@@ -4217,7 +4218,7 @@
     </p:spTree>
     <p:extLst>
       <p:ext uri="{BB962C8B-B14F-4D97-AF65-F5344CB8AC3E}">
-        <p14:creationId xmlns:p14="http://schemas.microsoft.com/office/powerpoint/2010/main" xmlns="" val="597700395"/>
+        <p14:creationId xmlns:p14="http://schemas.microsoft.com/office/powerpoint/2010/main" val="597700395"/>
       </p:ext>
     </p:extLst>
   </p:cSld>
@@ -4379,7 +4380,7 @@
           <a:blip r:embed="rId2">
             <a:extLst>
               <a:ext uri="{28A0092B-C50C-407E-A947-70E740481C1C}">
-                <a14:useLocalDpi xmlns:a14="http://schemas.microsoft.com/office/drawing/2010/main" xmlns="" val="0"/>
+                <a14:useLocalDpi xmlns:a14="http://schemas.microsoft.com/office/drawing/2010/main" val="0"/>
               </a:ext>
             </a:extLst>
           </a:blip>
@@ -4409,7 +4410,7 @@
           <a:blip r:embed="rId3">
             <a:extLst>
               <a:ext uri="{28A0092B-C50C-407E-A947-70E740481C1C}">
-                <a14:useLocalDpi xmlns:a14="http://schemas.microsoft.com/office/drawing/2010/main" xmlns="" val="0"/>
+                <a14:useLocalDpi xmlns:a14="http://schemas.microsoft.com/office/drawing/2010/main" val="0"/>
               </a:ext>
             </a:extLst>
           </a:blip>
@@ -4430,7 +4431,7 @@
     </p:spTree>
     <p:extLst>
       <p:ext uri="{BB962C8B-B14F-4D97-AF65-F5344CB8AC3E}">
-        <p14:creationId xmlns:p14="http://schemas.microsoft.com/office/powerpoint/2010/main" xmlns="" val="750973216"/>
+        <p14:creationId xmlns:p14="http://schemas.microsoft.com/office/powerpoint/2010/main" val="750973216"/>
       </p:ext>
     </p:extLst>
   </p:cSld>
@@ -4582,8 +4583,12 @@
               <a:t>0.8943 </a:t>
             </a:r>
             <a:r>
+              <a:rPr lang="it-IT" dirty="0" err="1"/>
+              <a:t>accuracy</a:t>
+            </a:r>
+            <a:r>
               <a:rPr lang="it-IT" dirty="0"/>
-              <a:t>accuracy)</a:t>
+              <a:t>)</a:t>
             </a:r>
             <a:endParaRPr lang="en-US" dirty="0"/>
           </a:p>
@@ -4607,7 +4612,7 @@
           <a:blip r:embed="rId2">
             <a:extLst>
               <a:ext uri="{28A0092B-C50C-407E-A947-70E740481C1C}">
-                <a14:useLocalDpi xmlns:a14="http://schemas.microsoft.com/office/drawing/2010/main" xmlns="" val="0"/>
+                <a14:useLocalDpi xmlns:a14="http://schemas.microsoft.com/office/drawing/2010/main" val="0"/>
               </a:ext>
             </a:extLst>
           </a:blip>
@@ -4637,7 +4642,7 @@
           <a:blip r:embed="rId3">
             <a:extLst>
               <a:ext uri="{28A0092B-C50C-407E-A947-70E740481C1C}">
-                <a14:useLocalDpi xmlns:a14="http://schemas.microsoft.com/office/drawing/2010/main" xmlns="" val="0"/>
+                <a14:useLocalDpi xmlns:a14="http://schemas.microsoft.com/office/drawing/2010/main" val="0"/>
               </a:ext>
             </a:extLst>
           </a:blip>
@@ -4658,7 +4663,7 @@
     </p:spTree>
     <p:extLst>
       <p:ext uri="{BB962C8B-B14F-4D97-AF65-F5344CB8AC3E}">
-        <p14:creationId xmlns:p14="http://schemas.microsoft.com/office/powerpoint/2010/main" xmlns="" val="313837605"/>
+        <p14:creationId xmlns:p14="http://schemas.microsoft.com/office/powerpoint/2010/main" val="313837605"/>
       </p:ext>
     </p:extLst>
   </p:cSld>
@@ -4708,10 +4713,9 @@
           <a:lstStyle/>
           <a:p>
             <a:r>
-              <a:rPr lang="en-US" dirty="0" smtClean="0"/>
-              <a:t>Conclusion for KNN</a:t>
-            </a:r>
-            <a:endParaRPr lang="en-US" dirty="0"/>
+              <a:rPr lang="en-US" dirty="0"/>
+              <a:t>Algorithm 2- KNN</a:t>
+            </a:r>
           </a:p>
         </p:txBody>
       </p:sp>
@@ -4732,18 +4736,73 @@
           <a:p>
             <a:r>
               <a:rPr lang="en-US" dirty="0"/>
-              <a:t>C</a:t>
+              <a:t>Approach </a:t>
             </a:r>
             <a:r>
               <a:rPr lang="en-US" dirty="0" smtClean="0"/>
-              <a:t>lassification accuracy increased as the value of k increased.</a:t>
-            </a:r>
-          </a:p>
-          <a:p>
+              <a:t>3 </a:t>
+            </a:r>
+            <a:r>
+              <a:rPr lang="en-US" dirty="0"/>
+              <a:t>: </a:t>
+            </a:r>
             <a:r>
               <a:rPr lang="en-US" dirty="0" smtClean="0"/>
-              <a:t>There was not much increase in accuracy after replacing missing values.</a:t>
-            </a:r>
+              <a:t>Non-Normalized Data, replaced </a:t>
+            </a:r>
+            <a:r>
+              <a:rPr lang="en-US" dirty="0"/>
+              <a:t>NA’s with mean/mode</a:t>
+            </a:r>
+          </a:p>
+          <a:p>
+            <a:pPr marL="448056" lvl="1" indent="-384048">
+              <a:buSzPct val="80000"/>
+              <a:buFont typeface="Wingdings 2"/>
+              <a:buChar char=""/>
+            </a:pPr>
+            <a:r>
+              <a:rPr lang="en-US" dirty="0"/>
+              <a:t>K = 19 </a:t>
+            </a:r>
+            <a:r>
+              <a:rPr lang="en-US" dirty="0" smtClean="0"/>
+              <a:t>(</a:t>
+            </a:r>
+            <a:r>
+              <a:rPr lang="is-IS" dirty="0" smtClean="0"/>
+              <a:t>0.9240924 </a:t>
+            </a:r>
+            <a:r>
+              <a:rPr lang="en-US" dirty="0"/>
+              <a:t>accuracy</a:t>
+            </a:r>
+            <a:r>
+              <a:rPr lang="it-IT" dirty="0" smtClean="0"/>
+              <a:t>)</a:t>
+            </a:r>
+          </a:p>
+          <a:p>
+            <a:pPr marL="448056" lvl="1" indent="-384048">
+              <a:buSzPct val="80000"/>
+              <a:buFont typeface="Wingdings 2"/>
+              <a:buChar char=""/>
+            </a:pPr>
+            <a:r>
+              <a:rPr lang="it-IT" dirty="0" smtClean="0"/>
+              <a:t>Accuracy </a:t>
+            </a:r>
+            <a:r>
+              <a:rPr lang="it-IT" smtClean="0"/>
+              <a:t>increased</a:t>
+            </a:r>
+            <a:r>
+              <a:rPr lang="it-IT" dirty="0" smtClean="0"/>
+              <a:t> !!</a:t>
+            </a:r>
+            <a:endParaRPr lang="en-US" dirty="0"/>
+          </a:p>
+          <a:p>
             <a:endParaRPr lang="en-US" dirty="0"/>
           </a:p>
         </p:txBody>
@@ -4751,20 +4810,13 @@
     </p:spTree>
     <p:extLst>
       <p:ext uri="{BB962C8B-B14F-4D97-AF65-F5344CB8AC3E}">
-        <p14:creationId xmlns:p14="http://schemas.microsoft.com/office/powerpoint/2010/main" xmlns="" val="1935058227"/>
+        <p14:creationId xmlns:p14="http://schemas.microsoft.com/office/powerpoint/2010/main" val="418922733"/>
       </p:ext>
     </p:extLst>
   </p:cSld>
   <p:clrMapOvr>
     <a:masterClrMapping/>
   </p:clrMapOvr>
-  <p:timing>
-    <p:tnLst>
-      <p:par>
-        <p:cTn id="1" dur="indefinite" restart="never" nodeType="tmRoot"/>
-      </p:par>
-    </p:tnLst>
-  </p:timing>
 </p:sld>
 </file>
 
@@ -4801,21 +4853,10 @@
           <a:lstStyle/>
           <a:p>
             <a:r>
-              <a:rPr lang="en-US" dirty="0"/>
-              <a:t>Algorithm </a:t>
-            </a:r>
-            <a:r>
               <a:rPr lang="en-US" dirty="0" smtClean="0"/>
-              <a:t>3 </a:t>
-            </a:r>
-            <a:r>
-              <a:rPr lang="mr-IN" dirty="0"/>
-              <a:t>–</a:t>
-            </a:r>
-            <a:r>
-              <a:rPr lang="en-US" dirty="0"/>
-              <a:t> Random Forest</a:t>
-            </a:r>
+              <a:t>Conclusion for KNN</a:t>
+            </a:r>
+            <a:endParaRPr lang="en-US" dirty="0"/>
           </a:p>
         </p:txBody>
       </p:sp>
@@ -4836,97 +4877,26 @@
           <a:p>
             <a:r>
               <a:rPr lang="en-US" dirty="0"/>
-              <a:t>Used all features after data cleaning to classify gender.</a:t>
-            </a:r>
-          </a:p>
-          <a:p>
-            <a:r>
-              <a:rPr lang="en-US" dirty="0"/>
-              <a:t>Approach 1: Replaced integer “NA” values with mean and factor “NA” values with mode.</a:t>
-            </a:r>
-          </a:p>
-          <a:p>
-            <a:r>
-              <a:rPr lang="en-US" dirty="0"/>
-              <a:t>For Gender, number of Trees (</a:t>
-            </a:r>
-            <a:r>
-              <a:rPr lang="en-US" dirty="0" err="1"/>
-              <a:t>ntree</a:t>
-            </a:r>
-            <a:r>
-              <a:rPr lang="en-US" dirty="0"/>
-              <a:t>) = 1000</a:t>
-            </a:r>
-          </a:p>
-          <a:p>
-            <a:pPr lvl="1"/>
-            <a:r>
-              <a:rPr lang="nb-NO" dirty="0"/>
-              <a:t>0.9306 accuracy</a:t>
-            </a:r>
-          </a:p>
-          <a:p>
-            <a:pPr marL="457200" lvl="1" indent="0">
-              <a:buNone/>
-            </a:pPr>
-            <a:endParaRPr lang="nb-NO" dirty="0"/>
-          </a:p>
-          <a:p>
-            <a:pPr lvl="1"/>
-            <a:endParaRPr lang="nb-NO" dirty="0"/>
-          </a:p>
-          <a:p>
-            <a:pPr lvl="1"/>
-            <a:endParaRPr lang="nb-NO" dirty="0"/>
-          </a:p>
-          <a:p>
-            <a:pPr lvl="1"/>
-            <a:endParaRPr lang="nb-NO" dirty="0"/>
-          </a:p>
-          <a:p>
-            <a:endParaRPr lang="nb-NO" dirty="0"/>
-          </a:p>
-          <a:p>
-            <a:pPr lvl="1"/>
-            <a:endParaRPr lang="en-US" dirty="0"/>
-          </a:p>
-        </p:txBody>
-      </p:sp>
-      <p:pic>
-        <p:nvPicPr>
-          <p:cNvPr id="4" name="Picture 3">
-            <a:extLst>
-              <a:ext uri="{FF2B5EF4-FFF2-40B4-BE49-F238E27FC236}">
-                <a16:creationId xmlns:a16="http://schemas.microsoft.com/office/drawing/2014/main" xmlns="" id="{2487C7DE-DE19-4190-AFF7-8E55A70D19E2}"/>
-              </a:ext>
-            </a:extLst>
-          </p:cNvPr>
-          <p:cNvPicPr>
-            <a:picLocks noChangeAspect="1"/>
-          </p:cNvPicPr>
-          <p:nvPr/>
-        </p:nvPicPr>
-        <p:blipFill>
-          <a:blip r:embed="rId2"/>
-          <a:stretch>
-            <a:fillRect/>
-          </a:stretch>
-        </p:blipFill>
-        <p:spPr>
-          <a:xfrm>
-            <a:off x="3168978" y="4732258"/>
-            <a:ext cx="5231876" cy="1470582"/>
-          </a:xfrm>
-          <a:prstGeom prst="rect">
-            <a:avLst/>
-          </a:prstGeom>
-        </p:spPr>
-      </p:pic>
+              <a:t>C</a:t>
+            </a:r>
+            <a:r>
+              <a:rPr lang="en-US" dirty="0" smtClean="0"/>
+              <a:t>lassification accuracy increased as the value of k increased.</a:t>
+            </a:r>
+          </a:p>
+          <a:p>
+            <a:r>
+              <a:rPr lang="en-US" dirty="0" smtClean="0"/>
+              <a:t>There was not much increase in accuracy after replacing missing values.</a:t>
+            </a:r>
+            <a:endParaRPr lang="en-US" dirty="0"/>
+          </a:p>
+        </p:txBody>
+      </p:sp>
     </p:spTree>
     <p:extLst>
       <p:ext uri="{BB962C8B-B14F-4D97-AF65-F5344CB8AC3E}">
-        <p14:creationId xmlns:p14="http://schemas.microsoft.com/office/powerpoint/2010/main" xmlns="" val="1353407553"/>
+        <p14:creationId xmlns:p14="http://schemas.microsoft.com/office/powerpoint/2010/main" val="1935058227"/>
       </p:ext>
     </p:extLst>
   </p:cSld>
@@ -4960,12 +4930,120 @@
           <a:chExt cx="0" cy="0"/>
         </a:xfrm>
       </p:grpSpPr>
+      <p:sp>
+        <p:nvSpPr>
+          <p:cNvPr id="2" name="Title 1"/>
+          <p:cNvSpPr>
+            <a:spLocks noGrp="1"/>
+          </p:cNvSpPr>
+          <p:nvPr>
+            <p:ph type="title"/>
+          </p:nvPr>
+        </p:nvSpPr>
+        <p:spPr/>
+        <p:txBody>
+          <a:bodyPr/>
+          <a:lstStyle/>
+          <a:p>
+            <a:r>
+              <a:rPr lang="en-US" dirty="0"/>
+              <a:t>Algorithm </a:t>
+            </a:r>
+            <a:r>
+              <a:rPr lang="en-US" dirty="0" smtClean="0"/>
+              <a:t>3 </a:t>
+            </a:r>
+            <a:r>
+              <a:rPr lang="mr-IN" dirty="0"/>
+              <a:t>–</a:t>
+            </a:r>
+            <a:r>
+              <a:rPr lang="en-US" dirty="0"/>
+              <a:t> Random Forest</a:t>
+            </a:r>
+          </a:p>
+        </p:txBody>
+      </p:sp>
+      <p:sp>
+        <p:nvSpPr>
+          <p:cNvPr id="3" name="Content Placeholder 2"/>
+          <p:cNvSpPr>
+            <a:spLocks noGrp="1"/>
+          </p:cNvSpPr>
+          <p:nvPr>
+            <p:ph idx="1"/>
+          </p:nvPr>
+        </p:nvSpPr>
+        <p:spPr/>
+        <p:txBody>
+          <a:bodyPr/>
+          <a:lstStyle/>
+          <a:p>
+            <a:r>
+              <a:rPr lang="en-US" dirty="0"/>
+              <a:t>Used all features after data cleaning to classify gender.</a:t>
+            </a:r>
+          </a:p>
+          <a:p>
+            <a:r>
+              <a:rPr lang="en-US" dirty="0"/>
+              <a:t>Approach 1: Replaced integer “NA” values with mean and factor “NA” values with mode.</a:t>
+            </a:r>
+          </a:p>
+          <a:p>
+            <a:r>
+              <a:rPr lang="en-US" dirty="0"/>
+              <a:t>For Gender, number of Trees (</a:t>
+            </a:r>
+            <a:r>
+              <a:rPr lang="en-US" dirty="0" err="1"/>
+              <a:t>ntree</a:t>
+            </a:r>
+            <a:r>
+              <a:rPr lang="en-US" dirty="0"/>
+              <a:t>) = 1000</a:t>
+            </a:r>
+          </a:p>
+          <a:p>
+            <a:pPr lvl="1"/>
+            <a:r>
+              <a:rPr lang="nb-NO" dirty="0"/>
+              <a:t>0.9306 accuracy</a:t>
+            </a:r>
+          </a:p>
+          <a:p>
+            <a:pPr marL="457200" lvl="1" indent="0">
+              <a:buNone/>
+            </a:pPr>
+            <a:endParaRPr lang="nb-NO" dirty="0"/>
+          </a:p>
+          <a:p>
+            <a:pPr lvl="1"/>
+            <a:endParaRPr lang="nb-NO" dirty="0"/>
+          </a:p>
+          <a:p>
+            <a:pPr lvl="1"/>
+            <a:endParaRPr lang="nb-NO" dirty="0"/>
+          </a:p>
+          <a:p>
+            <a:pPr lvl="1"/>
+            <a:endParaRPr lang="nb-NO" dirty="0"/>
+          </a:p>
+          <a:p>
+            <a:endParaRPr lang="nb-NO" dirty="0"/>
+          </a:p>
+          <a:p>
+            <a:pPr lvl="1"/>
+            <a:endParaRPr lang="en-US" dirty="0"/>
+          </a:p>
+        </p:txBody>
+      </p:sp>
       <p:pic>
         <p:nvPicPr>
-          <p:cNvPr id="6" name="Picture 5">
+          <p:cNvPr id="4" name="Picture 3">
             <a:extLst>
               <a:ext uri="{FF2B5EF4-FFF2-40B4-BE49-F238E27FC236}">
-                <a16:creationId xmlns:a16="http://schemas.microsoft.com/office/drawing/2014/main" xmlns="" id="{2EE0A306-66B1-476B-828C-664E99CBFE66}"/>
+                <a16:creationId xmlns="" xmlns:a16="http://schemas.microsoft.com/office/drawing/2014/main" id="{2487C7DE-DE19-4190-AFF7-8E55A70D19E2}"/>
               </a:ext>
             </a:extLst>
           </p:cNvPr>
@@ -4982,38 +5060,8 @@
         </p:blipFill>
         <p:spPr>
           <a:xfrm>
-            <a:off x="502906" y="249860"/>
-            <a:ext cx="5549102" cy="5830430"/>
-          </a:xfrm>
-          <a:prstGeom prst="rect">
-            <a:avLst/>
-          </a:prstGeom>
-        </p:spPr>
-      </p:pic>
-      <p:pic>
-        <p:nvPicPr>
-          <p:cNvPr id="2" name="Picture 1">
-            <a:extLst>
-              <a:ext uri="{FF2B5EF4-FFF2-40B4-BE49-F238E27FC236}">
-                <a16:creationId xmlns:a16="http://schemas.microsoft.com/office/drawing/2014/main" xmlns="" id="{86A41FC7-4FA5-41EE-B9C9-57C6CE06F3D5}"/>
-              </a:ext>
-            </a:extLst>
-          </p:cNvPr>
-          <p:cNvPicPr>
-            <a:picLocks noChangeAspect="1"/>
-          </p:cNvPicPr>
-          <p:nvPr/>
-        </p:nvPicPr>
-        <p:blipFill>
-          <a:blip r:embed="rId3"/>
-          <a:stretch>
-            <a:fillRect/>
-          </a:stretch>
-        </p:blipFill>
-        <p:spPr>
-          <a:xfrm>
-            <a:off x="6617615" y="249860"/>
-            <a:ext cx="5043342" cy="5830430"/>
+            <a:off x="3168978" y="4732258"/>
+            <a:ext cx="5231876" cy="1470582"/>
           </a:xfrm>
           <a:prstGeom prst="rect">
             <a:avLst/>
@@ -5023,7 +5071,7 @@
     </p:spTree>
     <p:extLst>
       <p:ext uri="{BB962C8B-B14F-4D97-AF65-F5344CB8AC3E}">
-        <p14:creationId xmlns:p14="http://schemas.microsoft.com/office/powerpoint/2010/main" xmlns="" val="2813237534"/>
+        <p14:creationId xmlns:p14="http://schemas.microsoft.com/office/powerpoint/2010/main" val="1353407553"/>
       </p:ext>
     </p:extLst>
   </p:cSld>
@@ -5057,93 +5105,12 @@
           <a:chExt cx="0" cy="0"/>
         </a:xfrm>
       </p:grpSpPr>
-      <p:sp>
-        <p:nvSpPr>
-          <p:cNvPr id="2" name="Title 1"/>
-          <p:cNvSpPr>
-            <a:spLocks noGrp="1"/>
-          </p:cNvSpPr>
-          <p:nvPr>
-            <p:ph type="title"/>
-          </p:nvPr>
-        </p:nvSpPr>
-        <p:spPr/>
-        <p:txBody>
-          <a:bodyPr/>
-          <a:lstStyle/>
-          <a:p>
-            <a:r>
-              <a:rPr lang="en-US" dirty="0"/>
-              <a:t>Algorithm </a:t>
-            </a:r>
-            <a:r>
-              <a:rPr lang="en-US" dirty="0" smtClean="0"/>
-              <a:t>3 </a:t>
-            </a:r>
-            <a:r>
-              <a:rPr lang="mr-IN" dirty="0"/>
-              <a:t>–</a:t>
-            </a:r>
-            <a:r>
-              <a:rPr lang="en-US" dirty="0"/>
-              <a:t> Random Forest</a:t>
-            </a:r>
-          </a:p>
-        </p:txBody>
-      </p:sp>
-      <p:sp>
-        <p:nvSpPr>
-          <p:cNvPr id="3" name="Content Placeholder 2"/>
-          <p:cNvSpPr>
-            <a:spLocks noGrp="1"/>
-          </p:cNvSpPr>
-          <p:nvPr>
-            <p:ph idx="1"/>
-          </p:nvPr>
-        </p:nvSpPr>
-        <p:spPr/>
-        <p:txBody>
-          <a:bodyPr>
-            <a:normAutofit/>
-          </a:bodyPr>
-          <a:lstStyle/>
-          <a:p>
-            <a:r>
-              <a:rPr lang="en-US" dirty="0"/>
-              <a:t>For Gender, number of Trees (</a:t>
-            </a:r>
-            <a:r>
-              <a:rPr lang="en-US" dirty="0" err="1"/>
-              <a:t>ntree</a:t>
-            </a:r>
-            <a:r>
-              <a:rPr lang="en-US" dirty="0"/>
-              <a:t>) = 2000</a:t>
-            </a:r>
-          </a:p>
-          <a:p>
-            <a:pPr lvl="1"/>
-            <a:r>
-              <a:rPr lang="nb-NO" dirty="0"/>
-              <a:t>0.9307 accuracy</a:t>
-            </a:r>
-          </a:p>
-          <a:p>
-            <a:pPr lvl="1"/>
-            <a:endParaRPr lang="nb-NO" dirty="0"/>
-          </a:p>
-          <a:p>
-            <a:pPr lvl="1"/>
-            <a:endParaRPr lang="en-US" dirty="0"/>
-          </a:p>
-        </p:txBody>
-      </p:sp>
       <p:pic>
         <p:nvPicPr>
-          <p:cNvPr id="4" name="Picture 3">
+          <p:cNvPr id="6" name="Picture 5">
             <a:extLst>
               <a:ext uri="{FF2B5EF4-FFF2-40B4-BE49-F238E27FC236}">
-                <a16:creationId xmlns:a16="http://schemas.microsoft.com/office/drawing/2014/main" xmlns="" id="{E41201F2-5E9E-49B7-9290-45E8A98E0C9B}"/>
+                <a16:creationId xmlns="" xmlns:a16="http://schemas.microsoft.com/office/drawing/2014/main" id="{2EE0A306-66B1-476B-828C-664E99CBFE66}"/>
               </a:ext>
             </a:extLst>
           </p:cNvPr>
@@ -5160,8 +5127,38 @@
         </p:blipFill>
         <p:spPr>
           <a:xfrm>
-            <a:off x="3168978" y="3912125"/>
-            <a:ext cx="5231876" cy="1470582"/>
+            <a:off x="502906" y="249860"/>
+            <a:ext cx="5549102" cy="5830430"/>
+          </a:xfrm>
+          <a:prstGeom prst="rect">
+            <a:avLst/>
+          </a:prstGeom>
+        </p:spPr>
+      </p:pic>
+      <p:pic>
+        <p:nvPicPr>
+          <p:cNvPr id="2" name="Picture 1">
+            <a:extLst>
+              <a:ext uri="{FF2B5EF4-FFF2-40B4-BE49-F238E27FC236}">
+                <a16:creationId xmlns="" xmlns:a16="http://schemas.microsoft.com/office/drawing/2014/main" id="{86A41FC7-4FA5-41EE-B9C9-57C6CE06F3D5}"/>
+              </a:ext>
+            </a:extLst>
+          </p:cNvPr>
+          <p:cNvPicPr>
+            <a:picLocks noChangeAspect="1"/>
+          </p:cNvPicPr>
+          <p:nvPr/>
+        </p:nvPicPr>
+        <p:blipFill>
+          <a:blip r:embed="rId3"/>
+          <a:stretch>
+            <a:fillRect/>
+          </a:stretch>
+        </p:blipFill>
+        <p:spPr>
+          <a:xfrm>
+            <a:off x="6617615" y="249860"/>
+            <a:ext cx="5043342" cy="5830430"/>
           </a:xfrm>
           <a:prstGeom prst="rect">
             <a:avLst/>
@@ -5171,7 +5168,7 @@
     </p:spTree>
     <p:extLst>
       <p:ext uri="{BB962C8B-B14F-4D97-AF65-F5344CB8AC3E}">
-        <p14:creationId xmlns:p14="http://schemas.microsoft.com/office/powerpoint/2010/main" xmlns="" val="1835096561"/>
+        <p14:creationId xmlns:p14="http://schemas.microsoft.com/office/powerpoint/2010/main" val="2813237534"/>
       </p:ext>
     </p:extLst>
   </p:cSld>
@@ -5205,12 +5202,93 @@
           <a:chExt cx="0" cy="0"/>
         </a:xfrm>
       </p:grpSpPr>
+      <p:sp>
+        <p:nvSpPr>
+          <p:cNvPr id="2" name="Title 1"/>
+          <p:cNvSpPr>
+            <a:spLocks noGrp="1"/>
+          </p:cNvSpPr>
+          <p:nvPr>
+            <p:ph type="title"/>
+          </p:nvPr>
+        </p:nvSpPr>
+        <p:spPr/>
+        <p:txBody>
+          <a:bodyPr/>
+          <a:lstStyle/>
+          <a:p>
+            <a:r>
+              <a:rPr lang="en-US" dirty="0"/>
+              <a:t>Algorithm </a:t>
+            </a:r>
+            <a:r>
+              <a:rPr lang="en-US" dirty="0" smtClean="0"/>
+              <a:t>3 </a:t>
+            </a:r>
+            <a:r>
+              <a:rPr lang="mr-IN" dirty="0"/>
+              <a:t>–</a:t>
+            </a:r>
+            <a:r>
+              <a:rPr lang="en-US" dirty="0"/>
+              <a:t> Random Forest</a:t>
+            </a:r>
+          </a:p>
+        </p:txBody>
+      </p:sp>
+      <p:sp>
+        <p:nvSpPr>
+          <p:cNvPr id="3" name="Content Placeholder 2"/>
+          <p:cNvSpPr>
+            <a:spLocks noGrp="1"/>
+          </p:cNvSpPr>
+          <p:nvPr>
+            <p:ph idx="1"/>
+          </p:nvPr>
+        </p:nvSpPr>
+        <p:spPr/>
+        <p:txBody>
+          <a:bodyPr>
+            <a:normAutofit/>
+          </a:bodyPr>
+          <a:lstStyle/>
+          <a:p>
+            <a:r>
+              <a:rPr lang="en-US" dirty="0"/>
+              <a:t>For Gender, number of Trees (</a:t>
+            </a:r>
+            <a:r>
+              <a:rPr lang="en-US" dirty="0" err="1"/>
+              <a:t>ntree</a:t>
+            </a:r>
+            <a:r>
+              <a:rPr lang="en-US" dirty="0"/>
+              <a:t>) = 2000</a:t>
+            </a:r>
+          </a:p>
+          <a:p>
+            <a:pPr lvl="1"/>
+            <a:r>
+              <a:rPr lang="nb-NO" dirty="0"/>
+              <a:t>0.9307 accuracy</a:t>
+            </a:r>
+          </a:p>
+          <a:p>
+            <a:pPr lvl="1"/>
+            <a:endParaRPr lang="nb-NO" dirty="0"/>
+          </a:p>
+          <a:p>
+            <a:pPr lvl="1"/>
+            <a:endParaRPr lang="en-US" dirty="0"/>
+          </a:p>
+        </p:txBody>
+      </p:sp>
       <p:pic>
         <p:nvPicPr>
-          <p:cNvPr id="2" name="Picture 1">
+          <p:cNvPr id="4" name="Picture 3">
             <a:extLst>
               <a:ext uri="{FF2B5EF4-FFF2-40B4-BE49-F238E27FC236}">
-                <a16:creationId xmlns:a16="http://schemas.microsoft.com/office/drawing/2014/main" xmlns="" id="{CD66F473-202E-4695-A31E-CD0C63192611}"/>
+                <a16:creationId xmlns="" xmlns:a16="http://schemas.microsoft.com/office/drawing/2014/main" id="{E41201F2-5E9E-49B7-9290-45E8A98E0C9B}"/>
               </a:ext>
             </a:extLst>
           </p:cNvPr>
@@ -5227,38 +5305,8 @@
         </p:blipFill>
         <p:spPr>
           <a:xfrm>
-            <a:off x="6608190" y="287567"/>
-            <a:ext cx="5076972" cy="5830430"/>
-          </a:xfrm>
-          <a:prstGeom prst="rect">
-            <a:avLst/>
-          </a:prstGeom>
-        </p:spPr>
-      </p:pic>
-      <p:pic>
-        <p:nvPicPr>
-          <p:cNvPr id="3" name="Picture 2">
-            <a:extLst>
-              <a:ext uri="{FF2B5EF4-FFF2-40B4-BE49-F238E27FC236}">
-                <a16:creationId xmlns:a16="http://schemas.microsoft.com/office/drawing/2014/main" xmlns="" id="{88DE7B0B-7E4E-40A9-BA41-946E7654D5FB}"/>
-              </a:ext>
-            </a:extLst>
-          </p:cNvPr>
-          <p:cNvPicPr>
-            <a:picLocks noChangeAspect="1"/>
-          </p:cNvPicPr>
-          <p:nvPr/>
-        </p:nvPicPr>
-        <p:blipFill>
-          <a:blip r:embed="rId3"/>
-          <a:stretch>
-            <a:fillRect/>
-          </a:stretch>
-        </p:blipFill>
-        <p:spPr>
-          <a:xfrm>
-            <a:off x="502906" y="212153"/>
-            <a:ext cx="5549102" cy="5830430"/>
+            <a:off x="3168978" y="3912125"/>
+            <a:ext cx="5231876" cy="1470582"/>
           </a:xfrm>
           <a:prstGeom prst="rect">
             <a:avLst/>
@@ -5268,7 +5316,7 @@
     </p:spTree>
     <p:extLst>
       <p:ext uri="{BB962C8B-B14F-4D97-AF65-F5344CB8AC3E}">
-        <p14:creationId xmlns:p14="http://schemas.microsoft.com/office/powerpoint/2010/main" xmlns="" val="1066629938"/>
+        <p14:creationId xmlns:p14="http://schemas.microsoft.com/office/powerpoint/2010/main" val="1835096561"/>
       </p:ext>
     </p:extLst>
   </p:cSld>
@@ -5302,93 +5350,12 @@
           <a:chExt cx="0" cy="0"/>
         </a:xfrm>
       </p:grpSpPr>
-      <p:sp>
-        <p:nvSpPr>
-          <p:cNvPr id="2" name="Title 1"/>
-          <p:cNvSpPr>
-            <a:spLocks noGrp="1"/>
-          </p:cNvSpPr>
-          <p:nvPr>
-            <p:ph type="title"/>
-          </p:nvPr>
-        </p:nvSpPr>
-        <p:spPr/>
-        <p:txBody>
-          <a:bodyPr/>
-          <a:lstStyle/>
-          <a:p>
-            <a:r>
-              <a:rPr lang="en-US" dirty="0"/>
-              <a:t>Algorithm </a:t>
-            </a:r>
-            <a:r>
-              <a:rPr lang="en-US" dirty="0" smtClean="0"/>
-              <a:t>3 </a:t>
-            </a:r>
-            <a:r>
-              <a:rPr lang="mr-IN" dirty="0"/>
-              <a:t>–</a:t>
-            </a:r>
-            <a:r>
-              <a:rPr lang="en-US" dirty="0"/>
-              <a:t> Random Forest</a:t>
-            </a:r>
-          </a:p>
-        </p:txBody>
-      </p:sp>
-      <p:sp>
-        <p:nvSpPr>
-          <p:cNvPr id="3" name="Content Placeholder 2"/>
-          <p:cNvSpPr>
-            <a:spLocks noGrp="1"/>
-          </p:cNvSpPr>
-          <p:nvPr>
-            <p:ph idx="1"/>
-          </p:nvPr>
-        </p:nvSpPr>
-        <p:spPr/>
-        <p:txBody>
-          <a:bodyPr/>
-          <a:lstStyle/>
-          <a:p>
-            <a:r>
-              <a:rPr lang="en-US" dirty="0"/>
-              <a:t>For Gender, number of Trees (</a:t>
-            </a:r>
-            <a:r>
-              <a:rPr lang="en-US" dirty="0" err="1"/>
-              <a:t>ntree</a:t>
-            </a:r>
-            <a:r>
-              <a:rPr lang="en-US" dirty="0"/>
-              <a:t>) = 3000</a:t>
-            </a:r>
-          </a:p>
-          <a:p>
-            <a:pPr lvl="1"/>
-            <a:r>
-              <a:rPr lang="nb-NO" dirty="0"/>
-              <a:t>0.94 accuracy</a:t>
-            </a:r>
-          </a:p>
-          <a:p>
-            <a:pPr marL="457200" lvl="1" indent="0">
-              <a:buNone/>
-            </a:pPr>
-            <a:endParaRPr lang="nb-NO" dirty="0"/>
-          </a:p>
-          <a:p>
-            <a:pPr lvl="1"/>
-            <a:endParaRPr lang="en-US" dirty="0"/>
-          </a:p>
-        </p:txBody>
-      </p:sp>
       <p:pic>
         <p:nvPicPr>
-          <p:cNvPr id="4" name="Picture 3">
+          <p:cNvPr id="2" name="Picture 1">
             <a:extLst>
               <a:ext uri="{FF2B5EF4-FFF2-40B4-BE49-F238E27FC236}">
-                <a16:creationId xmlns:a16="http://schemas.microsoft.com/office/drawing/2014/main" xmlns="" id="{E547C40E-EBC3-48BE-A5E8-18839AC62B6E}"/>
+                <a16:creationId xmlns="" xmlns:a16="http://schemas.microsoft.com/office/drawing/2014/main" id="{CD66F473-202E-4695-A31E-CD0C63192611}"/>
               </a:ext>
             </a:extLst>
           </p:cNvPr>
@@ -5405,8 +5372,38 @@
         </p:blipFill>
         <p:spPr>
           <a:xfrm>
-            <a:off x="3214540" y="3679890"/>
-            <a:ext cx="4807670" cy="1617973"/>
+            <a:off x="6608190" y="287567"/>
+            <a:ext cx="5076972" cy="5830430"/>
+          </a:xfrm>
+          <a:prstGeom prst="rect">
+            <a:avLst/>
+          </a:prstGeom>
+        </p:spPr>
+      </p:pic>
+      <p:pic>
+        <p:nvPicPr>
+          <p:cNvPr id="3" name="Picture 2">
+            <a:extLst>
+              <a:ext uri="{FF2B5EF4-FFF2-40B4-BE49-F238E27FC236}">
+                <a16:creationId xmlns="" xmlns:a16="http://schemas.microsoft.com/office/drawing/2014/main" id="{88DE7B0B-7E4E-40A9-BA41-946E7654D5FB}"/>
+              </a:ext>
+            </a:extLst>
+          </p:cNvPr>
+          <p:cNvPicPr>
+            <a:picLocks noChangeAspect="1"/>
+          </p:cNvPicPr>
+          <p:nvPr/>
+        </p:nvPicPr>
+        <p:blipFill>
+          <a:blip r:embed="rId3"/>
+          <a:stretch>
+            <a:fillRect/>
+          </a:stretch>
+        </p:blipFill>
+        <p:spPr>
+          <a:xfrm>
+            <a:off x="502906" y="212153"/>
+            <a:ext cx="5549102" cy="5830430"/>
           </a:xfrm>
           <a:prstGeom prst="rect">
             <a:avLst/>
@@ -5416,7 +5413,7 @@
     </p:spTree>
     <p:extLst>
       <p:ext uri="{BB962C8B-B14F-4D97-AF65-F5344CB8AC3E}">
-        <p14:creationId xmlns:p14="http://schemas.microsoft.com/office/powerpoint/2010/main" xmlns="" val="1644211426"/>
+        <p14:creationId xmlns:p14="http://schemas.microsoft.com/office/powerpoint/2010/main" val="1066629938"/>
       </p:ext>
     </p:extLst>
   </p:cSld>
@@ -5450,12 +5447,93 @@
           <a:chExt cx="0" cy="0"/>
         </a:xfrm>
       </p:grpSpPr>
+      <p:sp>
+        <p:nvSpPr>
+          <p:cNvPr id="2" name="Title 1"/>
+          <p:cNvSpPr>
+            <a:spLocks noGrp="1"/>
+          </p:cNvSpPr>
+          <p:nvPr>
+            <p:ph type="title"/>
+          </p:nvPr>
+        </p:nvSpPr>
+        <p:spPr/>
+        <p:txBody>
+          <a:bodyPr/>
+          <a:lstStyle/>
+          <a:p>
+            <a:r>
+              <a:rPr lang="en-US" dirty="0"/>
+              <a:t>Algorithm </a:t>
+            </a:r>
+            <a:r>
+              <a:rPr lang="en-US" dirty="0" smtClean="0"/>
+              <a:t>3 </a:t>
+            </a:r>
+            <a:r>
+              <a:rPr lang="mr-IN" dirty="0"/>
+              <a:t>–</a:t>
+            </a:r>
+            <a:r>
+              <a:rPr lang="en-US" dirty="0"/>
+              <a:t> Random Forest</a:t>
+            </a:r>
+          </a:p>
+        </p:txBody>
+      </p:sp>
+      <p:sp>
+        <p:nvSpPr>
+          <p:cNvPr id="3" name="Content Placeholder 2"/>
+          <p:cNvSpPr>
+            <a:spLocks noGrp="1"/>
+          </p:cNvSpPr>
+          <p:nvPr>
+            <p:ph idx="1"/>
+          </p:nvPr>
+        </p:nvSpPr>
+        <p:spPr/>
+        <p:txBody>
+          <a:bodyPr/>
+          <a:lstStyle/>
+          <a:p>
+            <a:r>
+              <a:rPr lang="en-US" dirty="0"/>
+              <a:t>For Gender, number of Trees (</a:t>
+            </a:r>
+            <a:r>
+              <a:rPr lang="en-US" dirty="0" err="1"/>
+              <a:t>ntree</a:t>
+            </a:r>
+            <a:r>
+              <a:rPr lang="en-US" dirty="0"/>
+              <a:t>) = 3000</a:t>
+            </a:r>
+          </a:p>
+          <a:p>
+            <a:pPr lvl="1"/>
+            <a:r>
+              <a:rPr lang="nb-NO" dirty="0"/>
+              <a:t>0.94 accuracy</a:t>
+            </a:r>
+          </a:p>
+          <a:p>
+            <a:pPr marL="457200" lvl="1" indent="0">
+              <a:buNone/>
+            </a:pPr>
+            <a:endParaRPr lang="nb-NO" dirty="0"/>
+          </a:p>
+          <a:p>
+            <a:pPr lvl="1"/>
+            <a:endParaRPr lang="en-US" dirty="0"/>
+          </a:p>
+        </p:txBody>
+      </p:sp>
       <p:pic>
         <p:nvPicPr>
-          <p:cNvPr id="6" name="Picture 5">
+          <p:cNvPr id="4" name="Picture 3">
             <a:extLst>
               <a:ext uri="{FF2B5EF4-FFF2-40B4-BE49-F238E27FC236}">
-                <a16:creationId xmlns:a16="http://schemas.microsoft.com/office/drawing/2014/main" xmlns="" id="{E5500A7C-34BB-49CE-8A02-F70D95A61149}"/>
+                <a16:creationId xmlns="" xmlns:a16="http://schemas.microsoft.com/office/drawing/2014/main" id="{E547C40E-EBC3-48BE-A5E8-18839AC62B6E}"/>
               </a:ext>
             </a:extLst>
           </p:cNvPr>
@@ -5472,38 +5550,8 @@
         </p:blipFill>
         <p:spPr>
           <a:xfrm>
-            <a:off x="502906" y="212153"/>
-            <a:ext cx="5549102" cy="5830430"/>
-          </a:xfrm>
-          <a:prstGeom prst="rect">
-            <a:avLst/>
-          </a:prstGeom>
-        </p:spPr>
-      </p:pic>
-      <p:pic>
-        <p:nvPicPr>
-          <p:cNvPr id="2" name="Picture 1">
-            <a:extLst>
-              <a:ext uri="{FF2B5EF4-FFF2-40B4-BE49-F238E27FC236}">
-                <a16:creationId xmlns:a16="http://schemas.microsoft.com/office/drawing/2014/main" xmlns="" id="{E0455F67-7B2A-43B3-8BAD-3ABFCA79DEB2}"/>
-              </a:ext>
-            </a:extLst>
-          </p:cNvPr>
-          <p:cNvPicPr>
-            <a:picLocks noChangeAspect="1"/>
-          </p:cNvPicPr>
-          <p:nvPr/>
-        </p:nvPicPr>
-        <p:blipFill>
-          <a:blip r:embed="rId3"/>
-          <a:stretch>
-            <a:fillRect/>
-          </a:stretch>
-        </p:blipFill>
-        <p:spPr>
-          <a:xfrm>
-            <a:off x="6476213" y="212152"/>
-            <a:ext cx="5316719" cy="5830431"/>
+            <a:off x="3214540" y="3679890"/>
+            <a:ext cx="4807670" cy="1617973"/>
           </a:xfrm>
           <a:prstGeom prst="rect">
             <a:avLst/>
@@ -5513,7 +5561,7 @@
     </p:spTree>
     <p:extLst>
       <p:ext uri="{BB962C8B-B14F-4D97-AF65-F5344CB8AC3E}">
-        <p14:creationId xmlns:p14="http://schemas.microsoft.com/office/powerpoint/2010/main" xmlns="" val="661810499"/>
+        <p14:creationId xmlns:p14="http://schemas.microsoft.com/office/powerpoint/2010/main" val="1644211426"/>
       </p:ext>
     </p:extLst>
   </p:cSld>
@@ -5634,7 +5682,7 @@
           <p:cNvPr id="8" name="Picture 7">
             <a:extLst>
               <a:ext uri="{FF2B5EF4-FFF2-40B4-BE49-F238E27FC236}">
-                <a16:creationId xmlns:a16="http://schemas.microsoft.com/office/drawing/2014/main" xmlns="" id="{8B297A75-5C96-4B8E-A721-B5A80A818F40}"/>
+                <a16:creationId xmlns="" xmlns:a16="http://schemas.microsoft.com/office/drawing/2014/main" id="{8B297A75-5C96-4B8E-A721-B5A80A818F40}"/>
               </a:ext>
             </a:extLst>
           </p:cNvPr>
@@ -5710,7 +5758,7 @@
     </p:spTree>
     <p:extLst>
       <p:ext uri="{BB962C8B-B14F-4D97-AF65-F5344CB8AC3E}">
-        <p14:creationId xmlns:p14="http://schemas.microsoft.com/office/powerpoint/2010/main" xmlns="" val="2694219937"/>
+        <p14:creationId xmlns:p14="http://schemas.microsoft.com/office/powerpoint/2010/main" val="2694219937"/>
       </p:ext>
     </p:extLst>
   </p:cSld>
@@ -5744,114 +5792,12 @@
           <a:chExt cx="0" cy="0"/>
         </a:xfrm>
       </p:grpSpPr>
-      <p:sp>
-        <p:nvSpPr>
-          <p:cNvPr id="2" name="Title 1"/>
-          <p:cNvSpPr>
-            <a:spLocks noGrp="1"/>
-          </p:cNvSpPr>
-          <p:nvPr>
-            <p:ph type="title"/>
-          </p:nvPr>
-        </p:nvSpPr>
-        <p:spPr/>
-        <p:txBody>
-          <a:bodyPr/>
-          <a:lstStyle/>
-          <a:p>
-            <a:r>
-              <a:rPr lang="en-US" dirty="0"/>
-              <a:t>Algorithm </a:t>
-            </a:r>
-            <a:r>
-              <a:rPr lang="en-US" dirty="0" smtClean="0"/>
-              <a:t>3 </a:t>
-            </a:r>
-            <a:r>
-              <a:rPr lang="mr-IN" dirty="0"/>
-              <a:t>–</a:t>
-            </a:r>
-            <a:r>
-              <a:rPr lang="en-US" dirty="0"/>
-              <a:t> Random Forest</a:t>
-            </a:r>
-          </a:p>
-        </p:txBody>
-      </p:sp>
-      <p:sp>
-        <p:nvSpPr>
-          <p:cNvPr id="3" name="Content Placeholder 2"/>
-          <p:cNvSpPr>
-            <a:spLocks noGrp="1"/>
-          </p:cNvSpPr>
-          <p:nvPr>
-            <p:ph idx="1"/>
-          </p:nvPr>
-        </p:nvSpPr>
-        <p:spPr/>
-        <p:txBody>
-          <a:bodyPr/>
-          <a:lstStyle/>
-          <a:p>
-            <a:r>
-              <a:rPr lang="en-US" dirty="0"/>
-              <a:t>Approach 2: Omitting NA values. (684 columns)</a:t>
-            </a:r>
-          </a:p>
-          <a:p>
-            <a:r>
-              <a:rPr lang="en-US" dirty="0"/>
-              <a:t>For Gender, number of Trees (</a:t>
-            </a:r>
-            <a:r>
-              <a:rPr lang="en-US" dirty="0" err="1"/>
-              <a:t>ntree</a:t>
-            </a:r>
-            <a:r>
-              <a:rPr lang="en-US" dirty="0"/>
-              <a:t>) = 1000</a:t>
-            </a:r>
-          </a:p>
-          <a:p>
-            <a:pPr lvl="1"/>
-            <a:r>
-              <a:rPr lang="nb-NO" dirty="0"/>
-              <a:t>0.9416 accuracy</a:t>
-            </a:r>
-          </a:p>
-          <a:p>
-            <a:pPr marL="457200" lvl="1" indent="0">
-              <a:buNone/>
-            </a:pPr>
-            <a:endParaRPr lang="nb-NO" dirty="0"/>
-          </a:p>
-          <a:p>
-            <a:pPr lvl="1"/>
-            <a:endParaRPr lang="nb-NO" dirty="0"/>
-          </a:p>
-          <a:p>
-            <a:pPr lvl="1"/>
-            <a:endParaRPr lang="nb-NO" dirty="0"/>
-          </a:p>
-          <a:p>
-            <a:pPr lvl="1"/>
-            <a:endParaRPr lang="nb-NO" dirty="0"/>
-          </a:p>
-          <a:p>
-            <a:endParaRPr lang="nb-NO" dirty="0"/>
-          </a:p>
-          <a:p>
-            <a:pPr lvl="1"/>
-            <a:endParaRPr lang="en-US" dirty="0"/>
-          </a:p>
-        </p:txBody>
-      </p:sp>
       <p:pic>
         <p:nvPicPr>
-          <p:cNvPr id="5" name="Picture 4">
+          <p:cNvPr id="6" name="Picture 5">
             <a:extLst>
               <a:ext uri="{FF2B5EF4-FFF2-40B4-BE49-F238E27FC236}">
-                <a16:creationId xmlns:a16="http://schemas.microsoft.com/office/drawing/2014/main" xmlns="" id="{5431268D-64C4-48CF-B095-7AE8588FC7E0}"/>
+                <a16:creationId xmlns="" xmlns:a16="http://schemas.microsoft.com/office/drawing/2014/main" id="{E5500A7C-34BB-49CE-8A02-F70D95A61149}"/>
               </a:ext>
             </a:extLst>
           </p:cNvPr>
@@ -5868,8 +5814,38 @@
         </p:blipFill>
         <p:spPr>
           <a:xfrm>
-            <a:off x="3374797" y="4339471"/>
-            <a:ext cx="4666268" cy="1344891"/>
+            <a:off x="502906" y="212153"/>
+            <a:ext cx="5549102" cy="5830430"/>
+          </a:xfrm>
+          <a:prstGeom prst="rect">
+            <a:avLst/>
+          </a:prstGeom>
+        </p:spPr>
+      </p:pic>
+      <p:pic>
+        <p:nvPicPr>
+          <p:cNvPr id="2" name="Picture 1">
+            <a:extLst>
+              <a:ext uri="{FF2B5EF4-FFF2-40B4-BE49-F238E27FC236}">
+                <a16:creationId xmlns="" xmlns:a16="http://schemas.microsoft.com/office/drawing/2014/main" id="{E0455F67-7B2A-43B3-8BAD-3ABFCA79DEB2}"/>
+              </a:ext>
+            </a:extLst>
+          </p:cNvPr>
+          <p:cNvPicPr>
+            <a:picLocks noChangeAspect="1"/>
+          </p:cNvPicPr>
+          <p:nvPr/>
+        </p:nvPicPr>
+        <p:blipFill>
+          <a:blip r:embed="rId3"/>
+          <a:stretch>
+            <a:fillRect/>
+          </a:stretch>
+        </p:blipFill>
+        <p:spPr>
+          <a:xfrm>
+            <a:off x="6476213" y="212152"/>
+            <a:ext cx="5316719" cy="5830431"/>
           </a:xfrm>
           <a:prstGeom prst="rect">
             <a:avLst/>
@@ -5879,7 +5855,7 @@
     </p:spTree>
     <p:extLst>
       <p:ext uri="{BB962C8B-B14F-4D97-AF65-F5344CB8AC3E}">
-        <p14:creationId xmlns:p14="http://schemas.microsoft.com/office/powerpoint/2010/main" xmlns="" val="2723044403"/>
+        <p14:creationId xmlns:p14="http://schemas.microsoft.com/office/powerpoint/2010/main" val="661810499"/>
       </p:ext>
     </p:extLst>
   </p:cSld>
@@ -5913,12 +5889,114 @@
           <a:chExt cx="0" cy="0"/>
         </a:xfrm>
       </p:grpSpPr>
+      <p:sp>
+        <p:nvSpPr>
+          <p:cNvPr id="2" name="Title 1"/>
+          <p:cNvSpPr>
+            <a:spLocks noGrp="1"/>
+          </p:cNvSpPr>
+          <p:nvPr>
+            <p:ph type="title"/>
+          </p:nvPr>
+        </p:nvSpPr>
+        <p:spPr/>
+        <p:txBody>
+          <a:bodyPr/>
+          <a:lstStyle/>
+          <a:p>
+            <a:r>
+              <a:rPr lang="en-US" dirty="0"/>
+              <a:t>Algorithm </a:t>
+            </a:r>
+            <a:r>
+              <a:rPr lang="en-US" dirty="0" smtClean="0"/>
+              <a:t>3 </a:t>
+            </a:r>
+            <a:r>
+              <a:rPr lang="mr-IN" dirty="0"/>
+              <a:t>–</a:t>
+            </a:r>
+            <a:r>
+              <a:rPr lang="en-US" dirty="0"/>
+              <a:t> Random Forest</a:t>
+            </a:r>
+          </a:p>
+        </p:txBody>
+      </p:sp>
+      <p:sp>
+        <p:nvSpPr>
+          <p:cNvPr id="3" name="Content Placeholder 2"/>
+          <p:cNvSpPr>
+            <a:spLocks noGrp="1"/>
+          </p:cNvSpPr>
+          <p:nvPr>
+            <p:ph idx="1"/>
+          </p:nvPr>
+        </p:nvSpPr>
+        <p:spPr/>
+        <p:txBody>
+          <a:bodyPr/>
+          <a:lstStyle/>
+          <a:p>
+            <a:r>
+              <a:rPr lang="en-US" dirty="0"/>
+              <a:t>Approach 2: Omitting NA values. (684 columns)</a:t>
+            </a:r>
+          </a:p>
+          <a:p>
+            <a:r>
+              <a:rPr lang="en-US" dirty="0"/>
+              <a:t>For Gender, number of Trees (</a:t>
+            </a:r>
+            <a:r>
+              <a:rPr lang="en-US" dirty="0" err="1"/>
+              <a:t>ntree</a:t>
+            </a:r>
+            <a:r>
+              <a:rPr lang="en-US" dirty="0"/>
+              <a:t>) = 1000</a:t>
+            </a:r>
+          </a:p>
+          <a:p>
+            <a:pPr lvl="1"/>
+            <a:r>
+              <a:rPr lang="nb-NO" dirty="0"/>
+              <a:t>0.9416 accuracy</a:t>
+            </a:r>
+          </a:p>
+          <a:p>
+            <a:pPr marL="457200" lvl="1" indent="0">
+              <a:buNone/>
+            </a:pPr>
+            <a:endParaRPr lang="nb-NO" dirty="0"/>
+          </a:p>
+          <a:p>
+            <a:pPr lvl="1"/>
+            <a:endParaRPr lang="nb-NO" dirty="0"/>
+          </a:p>
+          <a:p>
+            <a:pPr lvl="1"/>
+            <a:endParaRPr lang="nb-NO" dirty="0"/>
+          </a:p>
+          <a:p>
+            <a:pPr lvl="1"/>
+            <a:endParaRPr lang="nb-NO" dirty="0"/>
+          </a:p>
+          <a:p>
+            <a:endParaRPr lang="nb-NO" dirty="0"/>
+          </a:p>
+          <a:p>
+            <a:pPr lvl="1"/>
+            <a:endParaRPr lang="en-US" dirty="0"/>
+          </a:p>
+        </p:txBody>
+      </p:sp>
       <p:pic>
         <p:nvPicPr>
-          <p:cNvPr id="3" name="Picture 2">
+          <p:cNvPr id="5" name="Picture 4">
             <a:extLst>
               <a:ext uri="{FF2B5EF4-FFF2-40B4-BE49-F238E27FC236}">
-                <a16:creationId xmlns:a16="http://schemas.microsoft.com/office/drawing/2014/main" xmlns="" id="{F48C9E8F-062F-4E88-9578-6715791F02A7}"/>
+                <a16:creationId xmlns="" xmlns:a16="http://schemas.microsoft.com/office/drawing/2014/main" id="{5431268D-64C4-48CF-B095-7AE8588FC7E0}"/>
               </a:ext>
             </a:extLst>
           </p:cNvPr>
@@ -5935,38 +6013,8 @@
         </p:blipFill>
         <p:spPr>
           <a:xfrm>
-            <a:off x="358218" y="212152"/>
-            <a:ext cx="5804431" cy="5830431"/>
-          </a:xfrm>
-          <a:prstGeom prst="rect">
-            <a:avLst/>
-          </a:prstGeom>
-        </p:spPr>
-      </p:pic>
-      <p:pic>
-        <p:nvPicPr>
-          <p:cNvPr id="7" name="Picture 6">
-            <a:extLst>
-              <a:ext uri="{FF2B5EF4-FFF2-40B4-BE49-F238E27FC236}">
-                <a16:creationId xmlns:a16="http://schemas.microsoft.com/office/drawing/2014/main" xmlns="" id="{8288FDD6-6F4B-494E-99F2-4CE085353B9A}"/>
-              </a:ext>
-            </a:extLst>
-          </p:cNvPr>
-          <p:cNvPicPr>
-            <a:picLocks noChangeAspect="1"/>
-          </p:cNvPicPr>
-          <p:nvPr/>
-        </p:nvPicPr>
-        <p:blipFill>
-          <a:blip r:embed="rId3"/>
-          <a:stretch>
-            <a:fillRect/>
-          </a:stretch>
-        </p:blipFill>
-        <p:spPr>
-          <a:xfrm>
-            <a:off x="6551628" y="212152"/>
-            <a:ext cx="5260157" cy="5830431"/>
+            <a:off x="3374797" y="4339471"/>
+            <a:ext cx="4666268" cy="1344891"/>
           </a:xfrm>
           <a:prstGeom prst="rect">
             <a:avLst/>
@@ -5976,7 +6024,7 @@
     </p:spTree>
     <p:extLst>
       <p:ext uri="{BB962C8B-B14F-4D97-AF65-F5344CB8AC3E}">
-        <p14:creationId xmlns:p14="http://schemas.microsoft.com/office/powerpoint/2010/main" xmlns="" val="3584826668"/>
+        <p14:creationId xmlns:p14="http://schemas.microsoft.com/office/powerpoint/2010/main" val="2723044403"/>
       </p:ext>
     </p:extLst>
   </p:cSld>
@@ -6010,108 +6058,12 @@
           <a:chExt cx="0" cy="0"/>
         </a:xfrm>
       </p:grpSpPr>
-      <p:sp>
-        <p:nvSpPr>
-          <p:cNvPr id="2" name="Title 1"/>
-          <p:cNvSpPr>
-            <a:spLocks noGrp="1"/>
-          </p:cNvSpPr>
-          <p:nvPr>
-            <p:ph type="title"/>
-          </p:nvPr>
-        </p:nvSpPr>
-        <p:spPr/>
-        <p:txBody>
-          <a:bodyPr/>
-          <a:lstStyle/>
-          <a:p>
-            <a:r>
-              <a:rPr lang="en-US" dirty="0"/>
-              <a:t>Algorithm </a:t>
-            </a:r>
-            <a:r>
-              <a:rPr lang="en-US" dirty="0" smtClean="0"/>
-              <a:t>3 </a:t>
-            </a:r>
-            <a:r>
-              <a:rPr lang="mr-IN" dirty="0"/>
-              <a:t>–</a:t>
-            </a:r>
-            <a:r>
-              <a:rPr lang="en-US" dirty="0"/>
-              <a:t> Random Forest</a:t>
-            </a:r>
-          </a:p>
-        </p:txBody>
-      </p:sp>
-      <p:sp>
-        <p:nvSpPr>
-          <p:cNvPr id="3" name="Content Placeholder 2"/>
-          <p:cNvSpPr>
-            <a:spLocks noGrp="1"/>
-          </p:cNvSpPr>
-          <p:nvPr>
-            <p:ph idx="1"/>
-          </p:nvPr>
-        </p:nvSpPr>
-        <p:spPr/>
-        <p:txBody>
-          <a:bodyPr/>
-          <a:lstStyle/>
-          <a:p>
-            <a:r>
-              <a:rPr lang="en-US" dirty="0"/>
-              <a:t>For Gender, number of Trees (</a:t>
-            </a:r>
-            <a:r>
-              <a:rPr lang="en-US" dirty="0" err="1"/>
-              <a:t>ntree</a:t>
-            </a:r>
-            <a:r>
-              <a:rPr lang="en-US" dirty="0"/>
-              <a:t>) = 2000</a:t>
-            </a:r>
-          </a:p>
-          <a:p>
-            <a:pPr lvl="1"/>
-            <a:r>
-              <a:rPr lang="nb-NO" dirty="0"/>
-              <a:t>0.9416 accuracy</a:t>
-            </a:r>
-          </a:p>
-          <a:p>
-            <a:pPr marL="457200" lvl="1" indent="0">
-              <a:buNone/>
-            </a:pPr>
-            <a:endParaRPr lang="nb-NO" dirty="0"/>
-          </a:p>
-          <a:p>
-            <a:pPr lvl="1"/>
-            <a:endParaRPr lang="nb-NO" dirty="0"/>
-          </a:p>
-          <a:p>
-            <a:pPr lvl="1"/>
-            <a:endParaRPr lang="nb-NO" dirty="0"/>
-          </a:p>
-          <a:p>
-            <a:pPr lvl="1"/>
-            <a:endParaRPr lang="nb-NO" dirty="0"/>
-          </a:p>
-          <a:p>
-            <a:endParaRPr lang="nb-NO" dirty="0"/>
-          </a:p>
-          <a:p>
-            <a:pPr lvl="1"/>
-            <a:endParaRPr lang="en-US" dirty="0"/>
-          </a:p>
-        </p:txBody>
-      </p:sp>
       <p:pic>
         <p:nvPicPr>
-          <p:cNvPr id="5" name="Picture 4">
+          <p:cNvPr id="3" name="Picture 2">
             <a:extLst>
               <a:ext uri="{FF2B5EF4-FFF2-40B4-BE49-F238E27FC236}">
-                <a16:creationId xmlns:a16="http://schemas.microsoft.com/office/drawing/2014/main" xmlns="" id="{5431268D-64C4-48CF-B095-7AE8588FC7E0}"/>
+                <a16:creationId xmlns="" xmlns:a16="http://schemas.microsoft.com/office/drawing/2014/main" id="{F48C9E8F-062F-4E88-9578-6715791F02A7}"/>
               </a:ext>
             </a:extLst>
           </p:cNvPr>
@@ -6128,8 +6080,38 @@
         </p:blipFill>
         <p:spPr>
           <a:xfrm>
-            <a:off x="3374797" y="4339471"/>
-            <a:ext cx="4666268" cy="1344891"/>
+            <a:off x="358218" y="212152"/>
+            <a:ext cx="5804431" cy="5830431"/>
+          </a:xfrm>
+          <a:prstGeom prst="rect">
+            <a:avLst/>
+          </a:prstGeom>
+        </p:spPr>
+      </p:pic>
+      <p:pic>
+        <p:nvPicPr>
+          <p:cNvPr id="7" name="Picture 6">
+            <a:extLst>
+              <a:ext uri="{FF2B5EF4-FFF2-40B4-BE49-F238E27FC236}">
+                <a16:creationId xmlns="" xmlns:a16="http://schemas.microsoft.com/office/drawing/2014/main" id="{8288FDD6-6F4B-494E-99F2-4CE085353B9A}"/>
+              </a:ext>
+            </a:extLst>
+          </p:cNvPr>
+          <p:cNvPicPr>
+            <a:picLocks noChangeAspect="1"/>
+          </p:cNvPicPr>
+          <p:nvPr/>
+        </p:nvPicPr>
+        <p:blipFill>
+          <a:blip r:embed="rId3"/>
+          <a:stretch>
+            <a:fillRect/>
+          </a:stretch>
+        </p:blipFill>
+        <p:spPr>
+          <a:xfrm>
+            <a:off x="6551628" y="212152"/>
+            <a:ext cx="5260157" cy="5830431"/>
           </a:xfrm>
           <a:prstGeom prst="rect">
             <a:avLst/>
@@ -6139,7 +6121,7 @@
     </p:spTree>
     <p:extLst>
       <p:ext uri="{BB962C8B-B14F-4D97-AF65-F5344CB8AC3E}">
-        <p14:creationId xmlns:p14="http://schemas.microsoft.com/office/powerpoint/2010/main" xmlns="" val="1421159567"/>
+        <p14:creationId xmlns:p14="http://schemas.microsoft.com/office/powerpoint/2010/main" val="3584826668"/>
       </p:ext>
     </p:extLst>
   </p:cSld>
@@ -6173,12 +6155,108 @@
           <a:chExt cx="0" cy="0"/>
         </a:xfrm>
       </p:grpSpPr>
+      <p:sp>
+        <p:nvSpPr>
+          <p:cNvPr id="2" name="Title 1"/>
+          <p:cNvSpPr>
+            <a:spLocks noGrp="1"/>
+          </p:cNvSpPr>
+          <p:nvPr>
+            <p:ph type="title"/>
+          </p:nvPr>
+        </p:nvSpPr>
+        <p:spPr/>
+        <p:txBody>
+          <a:bodyPr/>
+          <a:lstStyle/>
+          <a:p>
+            <a:r>
+              <a:rPr lang="en-US" dirty="0"/>
+              <a:t>Algorithm </a:t>
+            </a:r>
+            <a:r>
+              <a:rPr lang="en-US" dirty="0" smtClean="0"/>
+              <a:t>3 </a:t>
+            </a:r>
+            <a:r>
+              <a:rPr lang="mr-IN" dirty="0"/>
+              <a:t>–</a:t>
+            </a:r>
+            <a:r>
+              <a:rPr lang="en-US" dirty="0"/>
+              <a:t> Random Forest</a:t>
+            </a:r>
+          </a:p>
+        </p:txBody>
+      </p:sp>
+      <p:sp>
+        <p:nvSpPr>
+          <p:cNvPr id="3" name="Content Placeholder 2"/>
+          <p:cNvSpPr>
+            <a:spLocks noGrp="1"/>
+          </p:cNvSpPr>
+          <p:nvPr>
+            <p:ph idx="1"/>
+          </p:nvPr>
+        </p:nvSpPr>
+        <p:spPr/>
+        <p:txBody>
+          <a:bodyPr/>
+          <a:lstStyle/>
+          <a:p>
+            <a:r>
+              <a:rPr lang="en-US" dirty="0"/>
+              <a:t>For Gender, number of Trees (</a:t>
+            </a:r>
+            <a:r>
+              <a:rPr lang="en-US" dirty="0" err="1"/>
+              <a:t>ntree</a:t>
+            </a:r>
+            <a:r>
+              <a:rPr lang="en-US" dirty="0"/>
+              <a:t>) = 2000</a:t>
+            </a:r>
+          </a:p>
+          <a:p>
+            <a:pPr lvl="1"/>
+            <a:r>
+              <a:rPr lang="nb-NO" dirty="0"/>
+              <a:t>0.9416 accuracy</a:t>
+            </a:r>
+          </a:p>
+          <a:p>
+            <a:pPr marL="457200" lvl="1" indent="0">
+              <a:buNone/>
+            </a:pPr>
+            <a:endParaRPr lang="nb-NO" dirty="0"/>
+          </a:p>
+          <a:p>
+            <a:pPr lvl="1"/>
+            <a:endParaRPr lang="nb-NO" dirty="0"/>
+          </a:p>
+          <a:p>
+            <a:pPr lvl="1"/>
+            <a:endParaRPr lang="nb-NO" dirty="0"/>
+          </a:p>
+          <a:p>
+            <a:pPr lvl="1"/>
+            <a:endParaRPr lang="nb-NO" dirty="0"/>
+          </a:p>
+          <a:p>
+            <a:endParaRPr lang="nb-NO" dirty="0"/>
+          </a:p>
+          <a:p>
+            <a:pPr lvl="1"/>
+            <a:endParaRPr lang="en-US" dirty="0"/>
+          </a:p>
+        </p:txBody>
+      </p:sp>
       <p:pic>
         <p:nvPicPr>
-          <p:cNvPr id="3" name="Picture 2">
+          <p:cNvPr id="5" name="Picture 4">
             <a:extLst>
               <a:ext uri="{FF2B5EF4-FFF2-40B4-BE49-F238E27FC236}">
-                <a16:creationId xmlns:a16="http://schemas.microsoft.com/office/drawing/2014/main" xmlns="" id="{F48C9E8F-062F-4E88-9578-6715791F02A7}"/>
+                <a16:creationId xmlns="" xmlns:a16="http://schemas.microsoft.com/office/drawing/2014/main" id="{5431268D-64C4-48CF-B095-7AE8588FC7E0}"/>
               </a:ext>
             </a:extLst>
           </p:cNvPr>
@@ -6195,38 +6273,8 @@
         </p:blipFill>
         <p:spPr>
           <a:xfrm>
-            <a:off x="358218" y="212152"/>
-            <a:ext cx="5804431" cy="5830431"/>
-          </a:xfrm>
-          <a:prstGeom prst="rect">
-            <a:avLst/>
-          </a:prstGeom>
-        </p:spPr>
-      </p:pic>
-      <p:pic>
-        <p:nvPicPr>
-          <p:cNvPr id="2" name="Picture 1">
-            <a:extLst>
-              <a:ext uri="{FF2B5EF4-FFF2-40B4-BE49-F238E27FC236}">
-                <a16:creationId xmlns:a16="http://schemas.microsoft.com/office/drawing/2014/main" xmlns="" id="{4B4B784D-AF37-4CD2-B5E6-80C0A35A8B4B}"/>
-              </a:ext>
-            </a:extLst>
-          </p:cNvPr>
-          <p:cNvPicPr>
-            <a:picLocks noChangeAspect="1"/>
-          </p:cNvPicPr>
-          <p:nvPr/>
-        </p:nvPicPr>
-        <p:blipFill>
-          <a:blip r:embed="rId3"/>
-          <a:stretch>
-            <a:fillRect/>
-          </a:stretch>
-        </p:blipFill>
-        <p:spPr>
-          <a:xfrm>
-            <a:off x="6664751" y="212151"/>
-            <a:ext cx="5184742" cy="5830431"/>
+            <a:off x="3374797" y="4339471"/>
+            <a:ext cx="4666268" cy="1344891"/>
           </a:xfrm>
           <a:prstGeom prst="rect">
             <a:avLst/>
@@ -6236,7 +6284,7 @@
     </p:spTree>
     <p:extLst>
       <p:ext uri="{BB962C8B-B14F-4D97-AF65-F5344CB8AC3E}">
-        <p14:creationId xmlns:p14="http://schemas.microsoft.com/office/powerpoint/2010/main" xmlns="" val="2747040706"/>
+        <p14:creationId xmlns:p14="http://schemas.microsoft.com/office/powerpoint/2010/main" val="1421159567"/>
       </p:ext>
     </p:extLst>
   </p:cSld>
@@ -6270,108 +6318,12 @@
           <a:chExt cx="0" cy="0"/>
         </a:xfrm>
       </p:grpSpPr>
-      <p:sp>
-        <p:nvSpPr>
-          <p:cNvPr id="2" name="Title 1"/>
-          <p:cNvSpPr>
-            <a:spLocks noGrp="1"/>
-          </p:cNvSpPr>
-          <p:nvPr>
-            <p:ph type="title"/>
-          </p:nvPr>
-        </p:nvSpPr>
-        <p:spPr/>
-        <p:txBody>
-          <a:bodyPr/>
-          <a:lstStyle/>
-          <a:p>
-            <a:r>
-              <a:rPr lang="en-US" dirty="0"/>
-              <a:t>Algorithm </a:t>
-            </a:r>
-            <a:r>
-              <a:rPr lang="en-US" dirty="0" smtClean="0"/>
-              <a:t>3 </a:t>
-            </a:r>
-            <a:r>
-              <a:rPr lang="mr-IN" dirty="0"/>
-              <a:t>–</a:t>
-            </a:r>
-            <a:r>
-              <a:rPr lang="en-US" dirty="0"/>
-              <a:t> Random Forest</a:t>
-            </a:r>
-          </a:p>
-        </p:txBody>
-      </p:sp>
-      <p:sp>
-        <p:nvSpPr>
-          <p:cNvPr id="3" name="Content Placeholder 2"/>
-          <p:cNvSpPr>
-            <a:spLocks noGrp="1"/>
-          </p:cNvSpPr>
-          <p:nvPr>
-            <p:ph idx="1"/>
-          </p:nvPr>
-        </p:nvSpPr>
-        <p:spPr/>
-        <p:txBody>
-          <a:bodyPr/>
-          <a:lstStyle/>
-          <a:p>
-            <a:r>
-              <a:rPr lang="en-US" dirty="0"/>
-              <a:t>For Gender, number of Trees (</a:t>
-            </a:r>
-            <a:r>
-              <a:rPr lang="en-US" dirty="0" err="1"/>
-              <a:t>ntree</a:t>
-            </a:r>
-            <a:r>
-              <a:rPr lang="en-US" dirty="0"/>
-              <a:t>) = 3000</a:t>
-            </a:r>
-          </a:p>
-          <a:p>
-            <a:pPr lvl="1"/>
-            <a:r>
-              <a:rPr lang="nb-NO" dirty="0"/>
-              <a:t>0.9416 accuracy</a:t>
-            </a:r>
-          </a:p>
-          <a:p>
-            <a:pPr marL="457200" lvl="1" indent="0">
-              <a:buNone/>
-            </a:pPr>
-            <a:endParaRPr lang="nb-NO" dirty="0"/>
-          </a:p>
-          <a:p>
-            <a:pPr lvl="1"/>
-            <a:endParaRPr lang="nb-NO" dirty="0"/>
-          </a:p>
-          <a:p>
-            <a:pPr lvl="1"/>
-            <a:endParaRPr lang="nb-NO" dirty="0"/>
-          </a:p>
-          <a:p>
-            <a:pPr lvl="1"/>
-            <a:endParaRPr lang="nb-NO" dirty="0"/>
-          </a:p>
-          <a:p>
-            <a:endParaRPr lang="nb-NO" dirty="0"/>
-          </a:p>
-          <a:p>
-            <a:pPr lvl="1"/>
-            <a:endParaRPr lang="en-US" dirty="0"/>
-          </a:p>
-        </p:txBody>
-      </p:sp>
       <p:pic>
         <p:nvPicPr>
-          <p:cNvPr id="5" name="Picture 4">
+          <p:cNvPr id="3" name="Picture 2">
             <a:extLst>
               <a:ext uri="{FF2B5EF4-FFF2-40B4-BE49-F238E27FC236}">
-                <a16:creationId xmlns:a16="http://schemas.microsoft.com/office/drawing/2014/main" xmlns="" id="{5431268D-64C4-48CF-B095-7AE8588FC7E0}"/>
+                <a16:creationId xmlns="" xmlns:a16="http://schemas.microsoft.com/office/drawing/2014/main" id="{F48C9E8F-062F-4E88-9578-6715791F02A7}"/>
               </a:ext>
             </a:extLst>
           </p:cNvPr>
@@ -6388,8 +6340,38 @@
         </p:blipFill>
         <p:spPr>
           <a:xfrm>
-            <a:off x="3374797" y="4339471"/>
-            <a:ext cx="4666268" cy="1344891"/>
+            <a:off x="358218" y="212152"/>
+            <a:ext cx="5804431" cy="5830431"/>
+          </a:xfrm>
+          <a:prstGeom prst="rect">
+            <a:avLst/>
+          </a:prstGeom>
+        </p:spPr>
+      </p:pic>
+      <p:pic>
+        <p:nvPicPr>
+          <p:cNvPr id="2" name="Picture 1">
+            <a:extLst>
+              <a:ext uri="{FF2B5EF4-FFF2-40B4-BE49-F238E27FC236}">
+                <a16:creationId xmlns="" xmlns:a16="http://schemas.microsoft.com/office/drawing/2014/main" id="{4B4B784D-AF37-4CD2-B5E6-80C0A35A8B4B}"/>
+              </a:ext>
+            </a:extLst>
+          </p:cNvPr>
+          <p:cNvPicPr>
+            <a:picLocks noChangeAspect="1"/>
+          </p:cNvPicPr>
+          <p:nvPr/>
+        </p:nvPicPr>
+        <p:blipFill>
+          <a:blip r:embed="rId3"/>
+          <a:stretch>
+            <a:fillRect/>
+          </a:stretch>
+        </p:blipFill>
+        <p:spPr>
+          <a:xfrm>
+            <a:off x="6664751" y="212151"/>
+            <a:ext cx="5184742" cy="5830431"/>
           </a:xfrm>
           <a:prstGeom prst="rect">
             <a:avLst/>
@@ -6399,7 +6381,7 @@
     </p:spTree>
     <p:extLst>
       <p:ext uri="{BB962C8B-B14F-4D97-AF65-F5344CB8AC3E}">
-        <p14:creationId xmlns:p14="http://schemas.microsoft.com/office/powerpoint/2010/main" xmlns="" val="3190382384"/>
+        <p14:creationId xmlns:p14="http://schemas.microsoft.com/office/powerpoint/2010/main" val="2747040706"/>
       </p:ext>
     </p:extLst>
   </p:cSld>
@@ -6433,12 +6415,108 @@
           <a:chExt cx="0" cy="0"/>
         </a:xfrm>
       </p:grpSpPr>
+      <p:sp>
+        <p:nvSpPr>
+          <p:cNvPr id="2" name="Title 1"/>
+          <p:cNvSpPr>
+            <a:spLocks noGrp="1"/>
+          </p:cNvSpPr>
+          <p:nvPr>
+            <p:ph type="title"/>
+          </p:nvPr>
+        </p:nvSpPr>
+        <p:spPr/>
+        <p:txBody>
+          <a:bodyPr/>
+          <a:lstStyle/>
+          <a:p>
+            <a:r>
+              <a:rPr lang="en-US" dirty="0"/>
+              <a:t>Algorithm </a:t>
+            </a:r>
+            <a:r>
+              <a:rPr lang="en-US" dirty="0" smtClean="0"/>
+              <a:t>3 </a:t>
+            </a:r>
+            <a:r>
+              <a:rPr lang="mr-IN" dirty="0"/>
+              <a:t>–</a:t>
+            </a:r>
+            <a:r>
+              <a:rPr lang="en-US" dirty="0"/>
+              <a:t> Random Forest</a:t>
+            </a:r>
+          </a:p>
+        </p:txBody>
+      </p:sp>
+      <p:sp>
+        <p:nvSpPr>
+          <p:cNvPr id="3" name="Content Placeholder 2"/>
+          <p:cNvSpPr>
+            <a:spLocks noGrp="1"/>
+          </p:cNvSpPr>
+          <p:nvPr>
+            <p:ph idx="1"/>
+          </p:nvPr>
+        </p:nvSpPr>
+        <p:spPr/>
+        <p:txBody>
+          <a:bodyPr/>
+          <a:lstStyle/>
+          <a:p>
+            <a:r>
+              <a:rPr lang="en-US" dirty="0"/>
+              <a:t>For Gender, number of Trees (</a:t>
+            </a:r>
+            <a:r>
+              <a:rPr lang="en-US" dirty="0" err="1"/>
+              <a:t>ntree</a:t>
+            </a:r>
+            <a:r>
+              <a:rPr lang="en-US" dirty="0"/>
+              <a:t>) = 3000</a:t>
+            </a:r>
+          </a:p>
+          <a:p>
+            <a:pPr lvl="1"/>
+            <a:r>
+              <a:rPr lang="nb-NO" dirty="0"/>
+              <a:t>0.9416 accuracy</a:t>
+            </a:r>
+          </a:p>
+          <a:p>
+            <a:pPr marL="457200" lvl="1" indent="0">
+              <a:buNone/>
+            </a:pPr>
+            <a:endParaRPr lang="nb-NO" dirty="0"/>
+          </a:p>
+          <a:p>
+            <a:pPr lvl="1"/>
+            <a:endParaRPr lang="nb-NO" dirty="0"/>
+          </a:p>
+          <a:p>
+            <a:pPr lvl="1"/>
+            <a:endParaRPr lang="nb-NO" dirty="0"/>
+          </a:p>
+          <a:p>
+            <a:pPr lvl="1"/>
+            <a:endParaRPr lang="nb-NO" dirty="0"/>
+          </a:p>
+          <a:p>
+            <a:endParaRPr lang="nb-NO" dirty="0"/>
+          </a:p>
+          <a:p>
+            <a:pPr lvl="1"/>
+            <a:endParaRPr lang="en-US" dirty="0"/>
+          </a:p>
+        </p:txBody>
+      </p:sp>
       <p:pic>
         <p:nvPicPr>
-          <p:cNvPr id="3" name="Picture 2">
+          <p:cNvPr id="5" name="Picture 4">
             <a:extLst>
               <a:ext uri="{FF2B5EF4-FFF2-40B4-BE49-F238E27FC236}">
-                <a16:creationId xmlns:a16="http://schemas.microsoft.com/office/drawing/2014/main" xmlns="" id="{F48C9E8F-062F-4E88-9578-6715791F02A7}"/>
+                <a16:creationId xmlns="" xmlns:a16="http://schemas.microsoft.com/office/drawing/2014/main" id="{5431268D-64C4-48CF-B095-7AE8588FC7E0}"/>
               </a:ext>
             </a:extLst>
           </p:cNvPr>
@@ -6455,38 +6533,8 @@
         </p:blipFill>
         <p:spPr>
           <a:xfrm>
-            <a:off x="358218" y="212152"/>
-            <a:ext cx="5804431" cy="5830431"/>
-          </a:xfrm>
-          <a:prstGeom prst="rect">
-            <a:avLst/>
-          </a:prstGeom>
-        </p:spPr>
-      </p:pic>
-      <p:pic>
-        <p:nvPicPr>
-          <p:cNvPr id="4" name="Picture 3">
-            <a:extLst>
-              <a:ext uri="{FF2B5EF4-FFF2-40B4-BE49-F238E27FC236}">
-                <a16:creationId xmlns:a16="http://schemas.microsoft.com/office/drawing/2014/main" xmlns="" id="{FCDFFB69-D0BC-45F9-A7E5-60B1F3210EF2}"/>
-              </a:ext>
-            </a:extLst>
-          </p:cNvPr>
-          <p:cNvPicPr>
-            <a:picLocks noChangeAspect="1"/>
-          </p:cNvPicPr>
-          <p:nvPr/>
-        </p:nvPicPr>
-        <p:blipFill>
-          <a:blip r:embed="rId3"/>
-          <a:stretch>
-            <a:fillRect/>
-          </a:stretch>
-        </p:blipFill>
-        <p:spPr>
-          <a:xfrm>
-            <a:off x="6608190" y="212152"/>
-            <a:ext cx="5175315" cy="5830432"/>
+            <a:off x="3374797" y="4339471"/>
+            <a:ext cx="4666268" cy="1344891"/>
           </a:xfrm>
           <a:prstGeom prst="rect">
             <a:avLst/>
@@ -6496,7 +6544,7 @@
     </p:spTree>
     <p:extLst>
       <p:ext uri="{BB962C8B-B14F-4D97-AF65-F5344CB8AC3E}">
-        <p14:creationId xmlns:p14="http://schemas.microsoft.com/office/powerpoint/2010/main" xmlns="" val="18533381"/>
+        <p14:creationId xmlns:p14="http://schemas.microsoft.com/office/powerpoint/2010/main" val="3190382384"/>
       </p:ext>
     </p:extLst>
   </p:cSld>
@@ -6530,112 +6578,70 @@
           <a:chExt cx="0" cy="0"/>
         </a:xfrm>
       </p:grpSpPr>
-      <p:sp>
-        <p:nvSpPr>
-          <p:cNvPr id="2" name="Title 1"/>
-          <p:cNvSpPr>
-            <a:spLocks noGrp="1"/>
-          </p:cNvSpPr>
-          <p:nvPr>
-            <p:ph type="title"/>
-          </p:nvPr>
-        </p:nvSpPr>
-        <p:spPr/>
-        <p:txBody>
-          <a:bodyPr/>
-          <a:lstStyle/>
-          <a:p>
-            <a:r>
-              <a:rPr lang="en-US" dirty="0"/>
-              <a:t>Algorithm </a:t>
-            </a:r>
-            <a:r>
-              <a:rPr lang="en-US" dirty="0" smtClean="0"/>
-              <a:t>3 </a:t>
-            </a:r>
-            <a:r>
-              <a:rPr lang="mr-IN" dirty="0"/>
-              <a:t>–</a:t>
-            </a:r>
-            <a:r>
-              <a:rPr lang="en-US" dirty="0"/>
-              <a:t> Random Forest</a:t>
-            </a:r>
-          </a:p>
-        </p:txBody>
-      </p:sp>
-      <p:sp>
-        <p:nvSpPr>
-          <p:cNvPr id="3" name="Content Placeholder 2"/>
-          <p:cNvSpPr>
-            <a:spLocks noGrp="1"/>
-          </p:cNvSpPr>
-          <p:nvPr>
-            <p:ph idx="1"/>
-          </p:nvPr>
-        </p:nvSpPr>
-        <p:spPr/>
-        <p:txBody>
-          <a:bodyPr>
-            <a:normAutofit/>
-          </a:bodyPr>
-          <a:lstStyle/>
-          <a:p>
-            <a:pPr lvl="1"/>
-            <a:endParaRPr lang="nb-NO" dirty="0"/>
-          </a:p>
-          <a:p>
-            <a:r>
-              <a:rPr lang="en-US" dirty="0"/>
-              <a:t>Interesting/Fun prediction:</a:t>
-            </a:r>
-          </a:p>
-          <a:p>
-            <a:pPr lvl="1"/>
-            <a:r>
-              <a:rPr lang="nb-NO" dirty="0"/>
-              <a:t>Who do you think is more romantic?</a:t>
-            </a:r>
-          </a:p>
-          <a:p>
-            <a:pPr lvl="1"/>
-            <a:r>
-              <a:rPr lang="nb-NO" dirty="0"/>
-              <a:t>Who do you think like more cars?</a:t>
-            </a:r>
-          </a:p>
-          <a:p>
-            <a:pPr lvl="1"/>
-            <a:r>
-              <a:rPr lang="nb-NO" dirty="0"/>
-              <a:t>Who thinks ahead of time?</a:t>
-            </a:r>
-          </a:p>
-          <a:p>
-            <a:pPr lvl="1"/>
-            <a:r>
-              <a:rPr lang="nb-NO" dirty="0"/>
-              <a:t>Who gives the final judgement?</a:t>
-            </a:r>
-          </a:p>
-          <a:p>
-            <a:pPr lvl="1"/>
-            <a:endParaRPr lang="nb-NO" dirty="0"/>
-          </a:p>
-          <a:p>
-            <a:pPr lvl="1"/>
-            <a:endParaRPr lang="nb-NO" dirty="0"/>
-          </a:p>
-          <a:p>
-            <a:pPr lvl="1"/>
-            <a:endParaRPr lang="en-US" dirty="0"/>
-          </a:p>
-        </p:txBody>
-      </p:sp>
+      <p:pic>
+        <p:nvPicPr>
+          <p:cNvPr id="3" name="Picture 2">
+            <a:extLst>
+              <a:ext uri="{FF2B5EF4-FFF2-40B4-BE49-F238E27FC236}">
+                <a16:creationId xmlns="" xmlns:a16="http://schemas.microsoft.com/office/drawing/2014/main" id="{F48C9E8F-062F-4E88-9578-6715791F02A7}"/>
+              </a:ext>
+            </a:extLst>
+          </p:cNvPr>
+          <p:cNvPicPr>
+            <a:picLocks noChangeAspect="1"/>
+          </p:cNvPicPr>
+          <p:nvPr/>
+        </p:nvPicPr>
+        <p:blipFill>
+          <a:blip r:embed="rId2"/>
+          <a:stretch>
+            <a:fillRect/>
+          </a:stretch>
+        </p:blipFill>
+        <p:spPr>
+          <a:xfrm>
+            <a:off x="358218" y="212152"/>
+            <a:ext cx="5804431" cy="5830431"/>
+          </a:xfrm>
+          <a:prstGeom prst="rect">
+            <a:avLst/>
+          </a:prstGeom>
+        </p:spPr>
+      </p:pic>
+      <p:pic>
+        <p:nvPicPr>
+          <p:cNvPr id="4" name="Picture 3">
+            <a:extLst>
+              <a:ext uri="{FF2B5EF4-FFF2-40B4-BE49-F238E27FC236}">
+                <a16:creationId xmlns="" xmlns:a16="http://schemas.microsoft.com/office/drawing/2014/main" id="{FCDFFB69-D0BC-45F9-A7E5-60B1F3210EF2}"/>
+              </a:ext>
+            </a:extLst>
+          </p:cNvPr>
+          <p:cNvPicPr>
+            <a:picLocks noChangeAspect="1"/>
+          </p:cNvPicPr>
+          <p:nvPr/>
+        </p:nvPicPr>
+        <p:blipFill>
+          <a:blip r:embed="rId3"/>
+          <a:stretch>
+            <a:fillRect/>
+          </a:stretch>
+        </p:blipFill>
+        <p:spPr>
+          <a:xfrm>
+            <a:off x="6608190" y="212152"/>
+            <a:ext cx="5175315" cy="5830432"/>
+          </a:xfrm>
+          <a:prstGeom prst="rect">
+            <a:avLst/>
+          </a:prstGeom>
+        </p:spPr>
+      </p:pic>
     </p:spTree>
     <p:extLst>
       <p:ext uri="{BB962C8B-B14F-4D97-AF65-F5344CB8AC3E}">
-        <p14:creationId xmlns:p14="http://schemas.microsoft.com/office/powerpoint/2010/main" xmlns="" val="501309509"/>
+        <p14:creationId xmlns:p14="http://schemas.microsoft.com/office/powerpoint/2010/main" val="18533381"/>
       </p:ext>
     </p:extLst>
   </p:cSld>
@@ -6726,35 +6732,35 @@
           <a:p>
             <a:r>
               <a:rPr lang="en-US" dirty="0"/>
-              <a:t>Answers:</a:t>
+              <a:t>Interesting/Fun prediction:</a:t>
             </a:r>
           </a:p>
           <a:p>
             <a:pPr lvl="1"/>
             <a:r>
               <a:rPr lang="nb-NO" dirty="0"/>
-              <a:t>Who do you think is more romantic?  Female</a:t>
+              <a:t>Who do you think is more romantic?</a:t>
             </a:r>
           </a:p>
           <a:p>
             <a:pPr lvl="1"/>
             <a:r>
               <a:rPr lang="nb-NO" dirty="0"/>
-              <a:t>Who do you think like more cars? Male</a:t>
+              <a:t>Who do you think like more cars?</a:t>
             </a:r>
           </a:p>
           <a:p>
             <a:pPr lvl="1"/>
             <a:r>
               <a:rPr lang="nb-NO" dirty="0"/>
-              <a:t>Who thinks ahead of time? Male</a:t>
+              <a:t>Who thinks ahead of time?</a:t>
             </a:r>
           </a:p>
           <a:p>
             <a:pPr lvl="1"/>
             <a:r>
               <a:rPr lang="nb-NO" dirty="0"/>
-              <a:t>Who gives the final judgement? Female</a:t>
+              <a:t>Who gives the final judgement?</a:t>
             </a:r>
           </a:p>
           <a:p>
@@ -6774,7 +6780,7 @@
     </p:spTree>
     <p:extLst>
       <p:ext uri="{BB962C8B-B14F-4D97-AF65-F5344CB8AC3E}">
-        <p14:creationId xmlns:p14="http://schemas.microsoft.com/office/powerpoint/2010/main" xmlns="" val="1078131030"/>
+        <p14:creationId xmlns:p14="http://schemas.microsoft.com/office/powerpoint/2010/main" val="501309509"/>
       </p:ext>
     </p:extLst>
   </p:cSld>
@@ -6859,28 +6865,42 @@
           </a:bodyPr>
           <a:lstStyle/>
           <a:p>
-            <a:r>
-              <a:rPr lang="en-US" dirty="0"/>
-              <a:t>Conclusion for random forest model:</a:t>
-            </a:r>
-          </a:p>
-          <a:p>
-            <a:pPr lvl="1"/>
-            <a:r>
-              <a:rPr lang="nb-NO" dirty="0"/>
-              <a:t>As the number of trees increase accuracy may or may not increase.</a:t>
-            </a:r>
-          </a:p>
-          <a:p>
-            <a:pPr lvl="1"/>
-            <a:r>
-              <a:rPr lang="nb-NO" dirty="0"/>
-              <a:t>Sometimes the accuracy of training dataset is less than the test dataset even though training has more data in it. So the size of data is also an important factor apart from number of trees.</a:t>
-            </a:r>
-          </a:p>
-          <a:p>
             <a:pPr lvl="1"/>
             <a:endParaRPr lang="nb-NO" dirty="0"/>
+          </a:p>
+          <a:p>
+            <a:r>
+              <a:rPr lang="en-US" dirty="0"/>
+              <a:t>Answers:</a:t>
+            </a:r>
+          </a:p>
+          <a:p>
+            <a:pPr lvl="1"/>
+            <a:r>
+              <a:rPr lang="nb-NO" dirty="0"/>
+              <a:t>Who do you think is more romantic?  Female</a:t>
+            </a:r>
+          </a:p>
+          <a:p>
+            <a:pPr lvl="1"/>
+            <a:r>
+              <a:rPr lang="nb-NO" dirty="0"/>
+              <a:t>Who do you think like more cars? Male</a:t>
+            </a:r>
+          </a:p>
+          <a:p>
+            <a:pPr lvl="1"/>
+            <a:r>
+              <a:rPr lang="nb-NO" dirty="0"/>
+              <a:t>Who thinks ahead of time? Male</a:t>
+            </a:r>
+          </a:p>
+          <a:p>
+            <a:pPr lvl="1"/>
+            <a:r>
+              <a:rPr lang="nb-NO" dirty="0"/>
+              <a:t>Who gives the final judgement? Female</a:t>
+            </a:r>
           </a:p>
           <a:p>
             <a:pPr lvl="1"/>
@@ -6899,7 +6919,7 @@
     </p:spTree>
     <p:extLst>
       <p:ext uri="{BB962C8B-B14F-4D97-AF65-F5344CB8AC3E}">
-        <p14:creationId xmlns:p14="http://schemas.microsoft.com/office/powerpoint/2010/main" xmlns="" val="239787179"/>
+        <p14:creationId xmlns:p14="http://schemas.microsoft.com/office/powerpoint/2010/main" val="1078131030"/>
       </p:ext>
     </p:extLst>
   </p:cSld>
@@ -6954,7 +6974,7 @@
             </a:r>
             <a:r>
               <a:rPr lang="en-US" dirty="0" smtClean="0"/>
-              <a:t>4 </a:t>
+              <a:t>3 </a:t>
             </a:r>
             <a:r>
               <a:rPr lang="mr-IN" dirty="0"/>
@@ -6962,7 +6982,7 @@
             </a:r>
             <a:r>
               <a:rPr lang="en-US" dirty="0"/>
-              <a:t> Neural Network</a:t>
+              <a:t> Random Forest</a:t>
             </a:r>
           </a:p>
         </p:txBody>
@@ -6985,42 +7005,38 @@
           <a:lstStyle/>
           <a:p>
             <a:r>
-              <a:rPr lang="en-US" dirty="0" smtClean="0"/>
-              <a:t>Data set: All </a:t>
-            </a:r>
-            <a:r>
-              <a:rPr lang="en-US" dirty="0"/>
-              <a:t>columns except </a:t>
-            </a:r>
-            <a:r>
-              <a:rPr lang="en-US" dirty="0" smtClean="0"/>
-              <a:t>categorical </a:t>
-            </a:r>
-            <a:r>
-              <a:rPr lang="en-US" dirty="0"/>
-              <a:t>data like smoker, alcoholic </a:t>
-            </a:r>
-            <a:r>
-              <a:rPr lang="en-US" dirty="0" smtClean="0"/>
-              <a:t>etc</a:t>
-            </a:r>
-          </a:p>
-          <a:p>
-            <a:r>
-              <a:rPr lang="en-US" dirty="0" smtClean="0"/>
-              <a:t>Classification : </a:t>
-            </a:r>
-            <a:r>
-              <a:rPr lang="en-US" dirty="0" smtClean="0"/>
-              <a:t>Gender</a:t>
-            </a:r>
-            <a:endParaRPr lang="en-US" dirty="0" smtClean="0"/>
+              <a:rPr lang="en-US" dirty="0"/>
+              <a:t>Conclusion for random forest model:</a:t>
+            </a:r>
           </a:p>
           <a:p>
             <a:pPr lvl="1"/>
-            <a:endParaRPr lang="en-US" dirty="0"/>
-          </a:p>
-          <a:p>
+            <a:r>
+              <a:rPr lang="nb-NO" dirty="0"/>
+              <a:t>As the number of trees increase accuracy may or may not increase.</a:t>
+            </a:r>
+          </a:p>
+          <a:p>
+            <a:pPr lvl="1"/>
+            <a:r>
+              <a:rPr lang="nb-NO" dirty="0"/>
+              <a:t>Sometimes the accuracy of training dataset is less than the test dataset even though training has more data in it. So the size of data is also an important factor apart from number of trees.</a:t>
+            </a:r>
+          </a:p>
+          <a:p>
+            <a:pPr lvl="1"/>
+            <a:endParaRPr lang="nb-NO" dirty="0"/>
+          </a:p>
+          <a:p>
+            <a:pPr lvl="1"/>
+            <a:endParaRPr lang="nb-NO" dirty="0"/>
+          </a:p>
+          <a:p>
+            <a:pPr lvl="1"/>
+            <a:endParaRPr lang="nb-NO" dirty="0"/>
+          </a:p>
+          <a:p>
+            <a:pPr lvl="1"/>
             <a:endParaRPr lang="en-US" dirty="0"/>
           </a:p>
         </p:txBody>
@@ -7028,7 +7044,7 @@
     </p:spTree>
     <p:extLst>
       <p:ext uri="{BB962C8B-B14F-4D97-AF65-F5344CB8AC3E}">
-        <p14:creationId xmlns:p14="http://schemas.microsoft.com/office/powerpoint/2010/main" xmlns="" val="2699455244"/>
+        <p14:creationId xmlns:p14="http://schemas.microsoft.com/office/powerpoint/2010/main" val="239787179"/>
       </p:ext>
     </p:extLst>
   </p:cSld>
@@ -7149,7 +7165,7 @@
     </p:spTree>
     <p:extLst>
       <p:ext uri="{BB962C8B-B14F-4D97-AF65-F5344CB8AC3E}">
-        <p14:creationId xmlns:p14="http://schemas.microsoft.com/office/powerpoint/2010/main" xmlns="" val="1542116808"/>
+        <p14:creationId xmlns:p14="http://schemas.microsoft.com/office/powerpoint/2010/main" val="1542116808"/>
       </p:ext>
     </p:extLst>
   </p:cSld>
@@ -7199,18 +7215,21 @@
           <a:lstStyle/>
           <a:p>
             <a:r>
+              <a:rPr lang="en-US" dirty="0"/>
+              <a:t>Algorithm </a:t>
+            </a:r>
+            <a:r>
               <a:rPr lang="en-US" dirty="0" smtClean="0"/>
-              <a:t>Algorithm 4 </a:t>
-            </a:r>
-            <a:r>
-              <a:rPr lang="mr-IN" dirty="0" smtClean="0"/>
+              <a:t>4 </a:t>
+            </a:r>
+            <a:r>
+              <a:rPr lang="mr-IN" dirty="0"/>
               <a:t>–</a:t>
             </a:r>
             <a:r>
-              <a:rPr lang="en-US" dirty="0" smtClean="0"/>
+              <a:rPr lang="en-US" dirty="0"/>
               <a:t> Neural Network</a:t>
             </a:r>
-            <a:endParaRPr lang="en-US" dirty="0"/>
           </a:p>
         </p:txBody>
       </p:sp>
@@ -7232,18 +7251,134 @@
           <a:lstStyle/>
           <a:p>
             <a:r>
+              <a:rPr lang="en-US" dirty="0" smtClean="0"/>
+              <a:t>Data set: All </a:t>
+            </a:r>
+            <a:r>
+              <a:rPr lang="en-US" dirty="0"/>
+              <a:t>columns except </a:t>
+            </a:r>
+            <a:r>
+              <a:rPr lang="en-US" dirty="0" smtClean="0"/>
+              <a:t>categorical </a:t>
+            </a:r>
+            <a:r>
+              <a:rPr lang="en-US" dirty="0"/>
+              <a:t>data like smoker, alcoholic </a:t>
+            </a:r>
+            <a:r>
+              <a:rPr lang="en-US" dirty="0" smtClean="0"/>
+              <a:t>etc</a:t>
+            </a:r>
+          </a:p>
+          <a:p>
+            <a:r>
+              <a:rPr lang="en-US" dirty="0" smtClean="0"/>
+              <a:t>Classification : Gender</a:t>
+            </a:r>
+          </a:p>
+          <a:p>
+            <a:pPr lvl="1"/>
+            <a:endParaRPr lang="en-US" dirty="0"/>
+          </a:p>
+          <a:p>
+            <a:endParaRPr lang="en-US" dirty="0"/>
+          </a:p>
+        </p:txBody>
+      </p:sp>
+    </p:spTree>
+    <p:extLst>
+      <p:ext uri="{BB962C8B-B14F-4D97-AF65-F5344CB8AC3E}">
+        <p14:creationId xmlns:p14="http://schemas.microsoft.com/office/powerpoint/2010/main" val="2699455244"/>
+      </p:ext>
+    </p:extLst>
+  </p:cSld>
+  <p:clrMapOvr>
+    <a:masterClrMapping/>
+  </p:clrMapOvr>
+  <p:timing>
+    <p:tnLst>
+      <p:par>
+        <p:cTn id="1" dur="indefinite" restart="never" nodeType="tmRoot"/>
+      </p:par>
+    </p:tnLst>
+  </p:timing>
+</p:sld>
+</file>
+
+<file path=ppt/slides/slide31.xml><?xml version="1.0" encoding="utf-8"?>
+<p:sld xmlns:a="http://schemas.openxmlformats.org/drawingml/2006/main" xmlns:r="http://schemas.openxmlformats.org/officeDocument/2006/relationships" xmlns:p="http://schemas.openxmlformats.org/presentationml/2006/main">
+  <p:cSld>
+    <p:spTree>
+      <p:nvGrpSpPr>
+        <p:cNvPr id="1" name=""/>
+        <p:cNvGrpSpPr/>
+        <p:nvPr/>
+      </p:nvGrpSpPr>
+      <p:grpSpPr>
+        <a:xfrm>
+          <a:off x="0" y="0"/>
+          <a:ext cx="0" cy="0"/>
+          <a:chOff x="0" y="0"/>
+          <a:chExt cx="0" cy="0"/>
+        </a:xfrm>
+      </p:grpSpPr>
+      <p:sp>
+        <p:nvSpPr>
+          <p:cNvPr id="2" name="Title 1"/>
+          <p:cNvSpPr>
+            <a:spLocks noGrp="1"/>
+          </p:cNvSpPr>
+          <p:nvPr>
+            <p:ph type="title"/>
+          </p:nvPr>
+        </p:nvSpPr>
+        <p:spPr/>
+        <p:txBody>
+          <a:bodyPr/>
+          <a:lstStyle/>
+          <a:p>
+            <a:r>
+              <a:rPr lang="en-US" dirty="0" smtClean="0"/>
+              <a:t>Algorithm 4 </a:t>
+            </a:r>
+            <a:r>
+              <a:rPr lang="mr-IN" dirty="0" smtClean="0"/>
+              <a:t>–</a:t>
+            </a:r>
+            <a:r>
+              <a:rPr lang="en-US" dirty="0" smtClean="0"/>
+              <a:t> Neural Network</a:t>
+            </a:r>
+            <a:endParaRPr lang="en-US" dirty="0"/>
+          </a:p>
+        </p:txBody>
+      </p:sp>
+      <p:sp>
+        <p:nvSpPr>
+          <p:cNvPr id="3" name="Content Placeholder 2"/>
+          <p:cNvSpPr>
+            <a:spLocks noGrp="1"/>
+          </p:cNvSpPr>
+          <p:nvPr>
+            <p:ph idx="1"/>
+          </p:nvPr>
+        </p:nvSpPr>
+        <p:spPr/>
+        <p:txBody>
+          <a:bodyPr>
+            <a:normAutofit/>
+          </a:bodyPr>
+          <a:lstStyle/>
+          <a:p>
+            <a:r>
               <a:rPr lang="en-US" i="1" dirty="0" smtClean="0"/>
               <a:t>Approach 1</a:t>
             </a:r>
             <a:r>
               <a:rPr lang="en-US" dirty="0" smtClean="0"/>
-              <a:t>: replace missing value with </a:t>
-            </a:r>
-            <a:r>
-              <a:rPr lang="en-US" dirty="0" smtClean="0"/>
-              <a:t>mean/ mode</a:t>
-            </a:r>
-            <a:endParaRPr lang="en-US" dirty="0" smtClean="0"/>
+              <a:t>: replace missing value with mean/ mode</a:t>
+            </a:r>
           </a:p>
           <a:p>
             <a:r>
@@ -7331,7 +7466,7 @@
 </p:sld>
 </file>
 
-<file path=ppt/slides/slide31.xml><?xml version="1.0" encoding="utf-8"?>
+<file path=ppt/slides/slide32.xml><?xml version="1.0" encoding="utf-8"?>
 <p:sld xmlns:a="http://schemas.openxmlformats.org/drawingml/2006/main" xmlns:r="http://schemas.openxmlformats.org/officeDocument/2006/relationships" xmlns:p="http://schemas.openxmlformats.org/presentationml/2006/main">
   <p:cSld>
     <p:spTree>
@@ -7423,48 +7558,40 @@
             <a:pPr lvl="1"/>
             <a:r>
               <a:rPr lang="en-US" dirty="0" smtClean="0"/>
-              <a:t>0.9343065693</a:t>
-            </a:r>
+              <a:t>0.9343065693 </a:t>
+            </a:r>
+            <a:r>
+              <a:rPr lang="en-US" dirty="0"/>
+              <a:t>accuracy  (1= Female, 0= Male)</a:t>
+            </a:r>
+          </a:p>
+          <a:p>
+            <a:pPr lvl="1"/>
+            <a:endParaRPr lang="en-US" dirty="0"/>
+          </a:p>
+          <a:p>
+            <a:pPr lvl="1"/>
+            <a:endParaRPr lang="en-US" dirty="0"/>
+          </a:p>
+          <a:p>
+            <a:pPr lvl="1"/>
+            <a:endParaRPr lang="en-US" dirty="0"/>
+          </a:p>
+          <a:p>
+            <a:pPr lvl="1"/>
+            <a:endParaRPr lang="en-US" dirty="0"/>
+          </a:p>
+          <a:p>
+            <a:r>
+              <a:rPr lang="en-US" dirty="0"/>
+              <a:t>Learning Rate: 0.05 Hidden Layers = 10</a:t>
+            </a:r>
+          </a:p>
+          <a:p>
+            <a:pPr lvl="1"/>
             <a:r>
               <a:rPr lang="en-US" dirty="0" smtClean="0"/>
-              <a:t> </a:t>
-            </a:r>
-            <a:r>
-              <a:rPr lang="en-US" dirty="0"/>
-              <a:t>accuracy  (1= Female, 0= Male)</a:t>
-            </a:r>
-          </a:p>
-          <a:p>
-            <a:pPr lvl="1"/>
-            <a:endParaRPr lang="en-US" dirty="0"/>
-          </a:p>
-          <a:p>
-            <a:pPr lvl="1"/>
-            <a:endParaRPr lang="en-US" dirty="0"/>
-          </a:p>
-          <a:p>
-            <a:pPr lvl="1"/>
-            <a:endParaRPr lang="en-US" dirty="0"/>
-          </a:p>
-          <a:p>
-            <a:pPr lvl="1"/>
-            <a:endParaRPr lang="en-US" dirty="0"/>
-          </a:p>
-          <a:p>
-            <a:r>
-              <a:rPr lang="en-US" dirty="0"/>
-              <a:t>Learning Rate: 0.05 Hidden Layers = 10</a:t>
-            </a:r>
-          </a:p>
-          <a:p>
-            <a:pPr lvl="1"/>
-            <a:r>
-              <a:rPr lang="en-US" dirty="0" smtClean="0"/>
-              <a:t>0.8467153285</a:t>
-            </a:r>
-            <a:r>
-              <a:rPr lang="en-US" dirty="0" smtClean="0"/>
-              <a:t> </a:t>
+              <a:t>0.8467153285 </a:t>
             </a:r>
             <a:r>
               <a:rPr lang="en-US" dirty="0"/>
@@ -7515,7 +7642,7 @@
 </p:sld>
 </file>
 
-<file path=ppt/slides/slide32.xml><?xml version="1.0" encoding="utf-8"?>
+<file path=ppt/slides/slide33.xml><?xml version="1.0" encoding="utf-8"?>
 <p:sld xmlns:a="http://schemas.openxmlformats.org/drawingml/2006/main" xmlns:r="http://schemas.openxmlformats.org/officeDocument/2006/relationships" xmlns:p="http://schemas.openxmlformats.org/presentationml/2006/main">
   <p:cSld>
     <p:spTree>
@@ -7607,11 +7734,7 @@
             <a:pPr lvl="1"/>
             <a:r>
               <a:rPr lang="en-US" dirty="0" smtClean="0"/>
-              <a:t>0.8861386139</a:t>
-            </a:r>
-            <a:r>
-              <a:rPr lang="en-US" dirty="0" smtClean="0"/>
-              <a:t> </a:t>
+              <a:t>0.8861386139 </a:t>
             </a:r>
             <a:r>
               <a:rPr lang="en-US" dirty="0"/>
@@ -7674,108 +7797,6 @@
 </p:sld>
 </file>
 
-<file path=ppt/slides/slide33.xml><?xml version="1.0" encoding="utf-8"?>
-<p:sld xmlns:a="http://schemas.openxmlformats.org/drawingml/2006/main" xmlns:r="http://schemas.openxmlformats.org/officeDocument/2006/relationships" xmlns:p="http://schemas.openxmlformats.org/presentationml/2006/main">
-  <p:cSld>
-    <p:spTree>
-      <p:nvGrpSpPr>
-        <p:cNvPr id="1" name=""/>
-        <p:cNvGrpSpPr/>
-        <p:nvPr/>
-      </p:nvGrpSpPr>
-      <p:grpSpPr>
-        <a:xfrm>
-          <a:off x="0" y="0"/>
-          <a:ext cx="0" cy="0"/>
-          <a:chOff x="0" y="0"/>
-          <a:chExt cx="0" cy="0"/>
-        </a:xfrm>
-      </p:grpSpPr>
-      <p:sp>
-        <p:nvSpPr>
-          <p:cNvPr id="2" name="Title 1"/>
-          <p:cNvSpPr>
-            <a:spLocks noGrp="1"/>
-          </p:cNvSpPr>
-          <p:nvPr>
-            <p:ph type="title"/>
-          </p:nvPr>
-        </p:nvSpPr>
-        <p:spPr/>
-        <p:txBody>
-          <a:bodyPr/>
-          <a:lstStyle/>
-          <a:p>
-            <a:r>
-              <a:rPr lang="en-US" dirty="0" smtClean="0"/>
-              <a:t>Conclusion for </a:t>
-            </a:r>
-            <a:r>
-              <a:rPr lang="en-US" dirty="0" smtClean="0"/>
-              <a:t>ANN</a:t>
-            </a:r>
-            <a:endParaRPr lang="en-US" dirty="0"/>
-          </a:p>
-        </p:txBody>
-      </p:sp>
-      <p:sp>
-        <p:nvSpPr>
-          <p:cNvPr id="3" name="Content Placeholder 2"/>
-          <p:cNvSpPr>
-            <a:spLocks noGrp="1"/>
-          </p:cNvSpPr>
-          <p:nvPr>
-            <p:ph idx="1"/>
-          </p:nvPr>
-        </p:nvSpPr>
-        <p:spPr/>
-        <p:txBody>
-          <a:bodyPr/>
-          <a:lstStyle/>
-          <a:p>
-            <a:r>
-              <a:rPr lang="en-US" dirty="0" smtClean="0"/>
-              <a:t>Accuracy higher by replacing NAs vs. omitting NAs</a:t>
-            </a:r>
-            <a:endParaRPr lang="en-US" dirty="0" smtClean="0"/>
-          </a:p>
-          <a:p>
-            <a:r>
-              <a:rPr lang="en-US" dirty="0" smtClean="0"/>
-              <a:t>Not much </a:t>
-            </a:r>
-            <a:r>
-              <a:rPr lang="en-US" dirty="0" smtClean="0"/>
-              <a:t>increase in accuracy </a:t>
-            </a:r>
-            <a:r>
-              <a:rPr lang="en-US" dirty="0" smtClean="0"/>
-              <a:t>by increasing learning rate</a:t>
-            </a:r>
-            <a:endParaRPr lang="en-US" dirty="0"/>
-          </a:p>
-        </p:txBody>
-      </p:sp>
-    </p:spTree>
-    <p:extLst>
-      <p:ext uri="{BB962C8B-B14F-4D97-AF65-F5344CB8AC3E}">
-        <p14:creationId xmlns:p14="http://schemas.microsoft.com/office/powerpoint/2010/main" xmlns="" val="1935058227"/>
-      </p:ext>
-    </p:extLst>
-  </p:cSld>
-  <p:clrMapOvr>
-    <a:masterClrMapping/>
-  </p:clrMapOvr>
-  <p:timing>
-    <p:tnLst>
-      <p:par>
-        <p:cTn id="1" dur="indefinite" restart="never" nodeType="tmRoot"/>
-      </p:par>
-    </p:tnLst>
-  </p:timing>
-</p:sld>
-</file>
-
 <file path=ppt/slides/slide34.xml><?xml version="1.0" encoding="utf-8"?>
 <p:sld xmlns:a="http://schemas.openxmlformats.org/drawingml/2006/main" xmlns:r="http://schemas.openxmlformats.org/officeDocument/2006/relationships" xmlns:p="http://schemas.openxmlformats.org/presentationml/2006/main">
   <p:cSld>
@@ -7809,17 +7830,10 @@
           <a:lstStyle/>
           <a:p>
             <a:r>
-              <a:rPr lang="en-US" dirty="0"/>
-              <a:t>Algorithm </a:t>
-            </a:r>
-            <a:r>
               <a:rPr lang="en-US" dirty="0" smtClean="0"/>
-              <a:t>5 </a:t>
-            </a:r>
-            <a:r>
-              <a:rPr lang="en-US" dirty="0"/>
-              <a:t>– C5.0</a:t>
-            </a:r>
+              <a:t>Conclusion for ANN</a:t>
+            </a:r>
+            <a:endParaRPr lang="en-US" dirty="0"/>
           </a:p>
         </p:txBody>
       </p:sp>
@@ -7839,19 +7853,25 @@
           <a:lstStyle/>
           <a:p>
             <a:r>
-              <a:rPr lang="en-US" dirty="0"/>
-              <a:t>Extra!</a:t>
-            </a:r>
-          </a:p>
-          <a:p>
-            <a:r>
-              <a:rPr lang="en-US" dirty="0"/>
-              <a:t>Interesting dependencies between seemingly independent aspects of an individual</a:t>
-            </a:r>
+              <a:rPr lang="en-US" dirty="0" smtClean="0"/>
+              <a:t>Accuracy higher by replacing NAs vs. omitting NAs</a:t>
+            </a:r>
+          </a:p>
+          <a:p>
+            <a:r>
+              <a:rPr lang="en-US" dirty="0" smtClean="0"/>
+              <a:t>Not much increase in accuracy by increasing learning rate</a:t>
+            </a:r>
+            <a:endParaRPr lang="en-US" dirty="0"/>
           </a:p>
         </p:txBody>
       </p:sp>
     </p:spTree>
+    <p:extLst>
+      <p:ext uri="{BB962C8B-B14F-4D97-AF65-F5344CB8AC3E}">
+        <p14:creationId xmlns:p14="http://schemas.microsoft.com/office/powerpoint/2010/main" val="1935058227"/>
+      </p:ext>
+    </p:extLst>
   </p:cSld>
   <p:clrMapOvr>
     <a:masterClrMapping/>
@@ -7883,67 +7903,60 @@
           <a:chExt cx="0" cy="0"/>
         </a:xfrm>
       </p:grpSpPr>
-      <p:pic>
-        <p:nvPicPr>
-          <p:cNvPr id="4" name="Content Placeholder 3" descr="gender_movies.PNG"/>
-          <p:cNvPicPr>
-            <a:picLocks noGrp="1" noChangeAspect="1"/>
-          </p:cNvPicPr>
-          <p:nvPr>
-            <p:ph idx="4294967295"/>
-          </p:nvPr>
-        </p:nvPicPr>
-        <p:blipFill>
-          <a:blip r:embed="rId2"/>
-          <a:stretch>
-            <a:fillRect/>
-          </a:stretch>
-        </p:blipFill>
-        <p:spPr>
-          <a:xfrm>
-            <a:off x="424424" y="351985"/>
-            <a:ext cx="11528425" cy="5822950"/>
-          </a:xfrm>
-        </p:spPr>
-      </p:pic>
-      <p:sp>
-        <p:nvSpPr>
-          <p:cNvPr id="5" name="Rectangle 4"/>
-          <p:cNvSpPr/>
-          <p:nvPr/>
-        </p:nvSpPr>
-        <p:spPr>
-          <a:xfrm>
-            <a:off x="1280161" y="6239804"/>
-            <a:ext cx="9214338" cy="400110"/>
-          </a:xfrm>
-          <a:prstGeom prst="rect">
-            <a:avLst/>
-          </a:prstGeom>
-        </p:spPr>
-        <p:txBody>
-          <a:bodyPr wrap="square">
-            <a:spAutoFit/>
-          </a:bodyPr>
+      <p:sp>
+        <p:nvSpPr>
+          <p:cNvPr id="2" name="Title 1"/>
+          <p:cNvSpPr>
+            <a:spLocks noGrp="1"/>
+          </p:cNvSpPr>
+          <p:nvPr>
+            <p:ph type="title"/>
+          </p:nvPr>
+        </p:nvSpPr>
+        <p:spPr/>
+        <p:txBody>
+          <a:bodyPr/>
           <a:lstStyle/>
           <a:p>
-            <a:pPr marL="342900" indent="-342900">
-              <a:spcBef>
-                <a:spcPts val="1000"/>
-              </a:spcBef>
-              <a:buClr>
-                <a:schemeClr val="accent1"/>
-              </a:buClr>
-              <a:buFont typeface="Wingdings 3" charset="2"/>
-              <a:buChar char=""/>
-            </a:pPr>
-            <a:r>
-              <a:rPr lang="en-US" sz="2000" b="1" dirty="0">
-                <a:solidFill>
-                  <a:schemeClr val="accent2"/>
-                </a:solidFill>
-              </a:rPr>
-              <a:t>Classify gender based on horror, comedy and romantic movie ratings</a:t>
+            <a:r>
+              <a:rPr lang="en-US" dirty="0"/>
+              <a:t>Algorithm </a:t>
+            </a:r>
+            <a:r>
+              <a:rPr lang="en-US" dirty="0" smtClean="0"/>
+              <a:t>5 </a:t>
+            </a:r>
+            <a:r>
+              <a:rPr lang="en-US" dirty="0"/>
+              <a:t>– C5.0</a:t>
+            </a:r>
+          </a:p>
+        </p:txBody>
+      </p:sp>
+      <p:sp>
+        <p:nvSpPr>
+          <p:cNvPr id="3" name="Content Placeholder 2"/>
+          <p:cNvSpPr>
+            <a:spLocks noGrp="1"/>
+          </p:cNvSpPr>
+          <p:nvPr>
+            <p:ph idx="1"/>
+          </p:nvPr>
+        </p:nvSpPr>
+        <p:spPr/>
+        <p:txBody>
+          <a:bodyPr/>
+          <a:lstStyle/>
+          <a:p>
+            <a:r>
+              <a:rPr lang="en-US" dirty="0"/>
+              <a:t>Extra!</a:t>
+            </a:r>
+          </a:p>
+          <a:p>
+            <a:r>
+              <a:rPr lang="en-US" dirty="0"/>
+              <a:t>Interesting dependencies between seemingly independent aspects of an individual</a:t>
             </a:r>
           </a:p>
         </p:txBody>
@@ -7964,6 +7977,103 @@
 </file>
 
 <file path=ppt/slides/slide36.xml><?xml version="1.0" encoding="utf-8"?>
+<p:sld xmlns:a="http://schemas.openxmlformats.org/drawingml/2006/main" xmlns:r="http://schemas.openxmlformats.org/officeDocument/2006/relationships" xmlns:p="http://schemas.openxmlformats.org/presentationml/2006/main">
+  <p:cSld>
+    <p:spTree>
+      <p:nvGrpSpPr>
+        <p:cNvPr id="1" name=""/>
+        <p:cNvGrpSpPr/>
+        <p:nvPr/>
+      </p:nvGrpSpPr>
+      <p:grpSpPr>
+        <a:xfrm>
+          <a:off x="0" y="0"/>
+          <a:ext cx="0" cy="0"/>
+          <a:chOff x="0" y="0"/>
+          <a:chExt cx="0" cy="0"/>
+        </a:xfrm>
+      </p:grpSpPr>
+      <p:pic>
+        <p:nvPicPr>
+          <p:cNvPr id="4" name="Content Placeholder 3" descr="gender_movies.PNG"/>
+          <p:cNvPicPr>
+            <a:picLocks noGrp="1" noChangeAspect="1"/>
+          </p:cNvPicPr>
+          <p:nvPr>
+            <p:ph idx="4294967295"/>
+          </p:nvPr>
+        </p:nvPicPr>
+        <p:blipFill>
+          <a:blip r:embed="rId2"/>
+          <a:stretch>
+            <a:fillRect/>
+          </a:stretch>
+        </p:blipFill>
+        <p:spPr>
+          <a:xfrm>
+            <a:off x="424424" y="351985"/>
+            <a:ext cx="11528425" cy="5822950"/>
+          </a:xfrm>
+        </p:spPr>
+      </p:pic>
+      <p:sp>
+        <p:nvSpPr>
+          <p:cNvPr id="5" name="Rectangle 4"/>
+          <p:cNvSpPr/>
+          <p:nvPr/>
+        </p:nvSpPr>
+        <p:spPr>
+          <a:xfrm>
+            <a:off x="1280161" y="6239804"/>
+            <a:ext cx="9214338" cy="400110"/>
+          </a:xfrm>
+          <a:prstGeom prst="rect">
+            <a:avLst/>
+          </a:prstGeom>
+        </p:spPr>
+        <p:txBody>
+          <a:bodyPr wrap="square">
+            <a:spAutoFit/>
+          </a:bodyPr>
+          <a:lstStyle/>
+          <a:p>
+            <a:pPr marL="342900" indent="-342900">
+              <a:spcBef>
+                <a:spcPts val="1000"/>
+              </a:spcBef>
+              <a:buClr>
+                <a:schemeClr val="accent1"/>
+              </a:buClr>
+              <a:buFont typeface="Wingdings 3" charset="2"/>
+              <a:buChar char=""/>
+            </a:pPr>
+            <a:r>
+              <a:rPr lang="en-US" sz="2000" b="1" dirty="0">
+                <a:solidFill>
+                  <a:schemeClr val="accent2"/>
+                </a:solidFill>
+              </a:rPr>
+              <a:t>Classify gender based on horror, comedy and romantic movie ratings</a:t>
+            </a:r>
+          </a:p>
+        </p:txBody>
+      </p:sp>
+    </p:spTree>
+  </p:cSld>
+  <p:clrMapOvr>
+    <a:masterClrMapping/>
+  </p:clrMapOvr>
+  <p:timing>
+    <p:tnLst>
+      <p:par>
+        <p:cTn id="1" dur="indefinite" restart="never" nodeType="tmRoot"/>
+      </p:par>
+    </p:tnLst>
+  </p:timing>
+</p:sld>
+</file>
+
+<file path=ppt/slides/slide37.xml><?xml version="1.0" encoding="utf-8"?>
 <p:sld xmlns:a="http://schemas.openxmlformats.org/drawingml/2006/main" xmlns:r="http://schemas.openxmlformats.org/officeDocument/2006/relationships" xmlns:p="http://schemas.openxmlformats.org/presentationml/2006/main">
   <p:cSld>
     <p:spTree>
@@ -8024,14 +8134,14 @@
                 <a:gridCol w="657948">
                   <a:extLst>
                     <a:ext uri="{9D8B030D-6E8A-4147-A177-3AD203B41FA5}">
-                      <a16:colId xmlns:a16="http://schemas.microsoft.com/office/drawing/2014/main" xmlns="" val="20000"/>
+                      <a16:colId xmlns="" xmlns:a16="http://schemas.microsoft.com/office/drawing/2014/main" val="20000"/>
                     </a:ext>
                   </a:extLst>
                 </a:gridCol>
                 <a:gridCol w="932092">
                   <a:extLst>
                     <a:ext uri="{9D8B030D-6E8A-4147-A177-3AD203B41FA5}">
-                      <a16:colId xmlns:a16="http://schemas.microsoft.com/office/drawing/2014/main" xmlns="" val="20001"/>
+                      <a16:colId xmlns="" xmlns:a16="http://schemas.microsoft.com/office/drawing/2014/main" val="20001"/>
                     </a:ext>
                   </a:extLst>
                 </a:gridCol>
@@ -8151,7 +8261,7 @@
                 </a:tc>
                 <a:extLst>
                   <a:ext uri="{0D108BD9-81ED-4DB2-BD59-A6C34878D82A}">
-                    <a16:rowId xmlns:a16="http://schemas.microsoft.com/office/drawing/2014/main" xmlns="" val="10000"/>
+                    <a16:rowId xmlns="" xmlns:a16="http://schemas.microsoft.com/office/drawing/2014/main" val="10000"/>
                   </a:ext>
                 </a:extLst>
               </a:tr>
@@ -8270,7 +8380,7 @@
                 </a:tc>
                 <a:extLst>
                   <a:ext uri="{0D108BD9-81ED-4DB2-BD59-A6C34878D82A}">
-                    <a16:rowId xmlns:a16="http://schemas.microsoft.com/office/drawing/2014/main" xmlns="" val="10001"/>
+                    <a16:rowId xmlns="" xmlns:a16="http://schemas.microsoft.com/office/drawing/2014/main" val="10001"/>
                   </a:ext>
                 </a:extLst>
               </a:tr>
@@ -8389,7 +8499,7 @@
                 </a:tc>
                 <a:extLst>
                   <a:ext uri="{0D108BD9-81ED-4DB2-BD59-A6C34878D82A}">
-                    <a16:rowId xmlns:a16="http://schemas.microsoft.com/office/drawing/2014/main" xmlns="" val="10002"/>
+                    <a16:rowId xmlns="" xmlns:a16="http://schemas.microsoft.com/office/drawing/2014/main" val="10002"/>
                   </a:ext>
                 </a:extLst>
               </a:tr>
@@ -8454,7 +8564,7 @@
 </p:sld>
 </file>
 
-<file path=ppt/slides/slide37.xml><?xml version="1.0" encoding="utf-8"?>
+<file path=ppt/slides/slide38.xml><?xml version="1.0" encoding="utf-8"?>
 <p:sld xmlns:a="http://schemas.openxmlformats.org/drawingml/2006/main" xmlns:r="http://schemas.openxmlformats.org/officeDocument/2006/relationships" xmlns:p="http://schemas.openxmlformats.org/presentationml/2006/main">
   <p:cSld>
     <p:spTree>
@@ -8569,7 +8679,7 @@
           <p:nvPr>
             <p:extLst>
               <p:ext uri="{D42A27DB-BD31-4B8C-83A1-F6EECF244321}">
-                <p14:modId xmlns:p14="http://schemas.microsoft.com/office/powerpoint/2010/main" xmlns="" val="1864373720"/>
+                <p14:modId xmlns:p14="http://schemas.microsoft.com/office/powerpoint/2010/main" val="1864373720"/>
               </p:ext>
             </p:extLst>
           </p:nvPr>
@@ -8588,21 +8698,21 @@
                 <a:gridCol w="2709333">
                   <a:extLst>
                     <a:ext uri="{9D8B030D-6E8A-4147-A177-3AD203B41FA5}">
-                      <a16:colId xmlns:a16="http://schemas.microsoft.com/office/drawing/2014/main" xmlns="" val="20000"/>
+                      <a16:colId xmlns="" xmlns:a16="http://schemas.microsoft.com/office/drawing/2014/main" val="20000"/>
                     </a:ext>
                   </a:extLst>
                 </a:gridCol>
                 <a:gridCol w="2709333">
                   <a:extLst>
                     <a:ext uri="{9D8B030D-6E8A-4147-A177-3AD203B41FA5}">
-                      <a16:colId xmlns:a16="http://schemas.microsoft.com/office/drawing/2014/main" xmlns="" val="20001"/>
+                      <a16:colId xmlns="" xmlns:a16="http://schemas.microsoft.com/office/drawing/2014/main" val="20001"/>
                     </a:ext>
                   </a:extLst>
                 </a:gridCol>
                 <a:gridCol w="2709333">
                   <a:extLst>
                     <a:ext uri="{9D8B030D-6E8A-4147-A177-3AD203B41FA5}">
-                      <a16:colId xmlns:a16="http://schemas.microsoft.com/office/drawing/2014/main" xmlns="" val="20002"/>
+                      <a16:colId xmlns="" xmlns:a16="http://schemas.microsoft.com/office/drawing/2014/main" val="20002"/>
                     </a:ext>
                   </a:extLst>
                 </a:gridCol>
@@ -8652,7 +8762,7 @@
                 </a:tc>
                 <a:extLst>
                   <a:ext uri="{0D108BD9-81ED-4DB2-BD59-A6C34878D82A}">
-                    <a16:rowId xmlns:a16="http://schemas.microsoft.com/office/drawing/2014/main" xmlns="" val="10000"/>
+                    <a16:rowId xmlns="" xmlns:a16="http://schemas.microsoft.com/office/drawing/2014/main" val="10000"/>
                   </a:ext>
                 </a:extLst>
               </a:tr>
@@ -8704,7 +8814,7 @@
                 </a:tc>
                 <a:extLst>
                   <a:ext uri="{0D108BD9-81ED-4DB2-BD59-A6C34878D82A}">
-                    <a16:rowId xmlns:a16="http://schemas.microsoft.com/office/drawing/2014/main" xmlns="" val="10001"/>
+                    <a16:rowId xmlns="" xmlns:a16="http://schemas.microsoft.com/office/drawing/2014/main" val="10001"/>
                   </a:ext>
                 </a:extLst>
               </a:tr>
@@ -8755,7 +8865,7 @@
                 </a:tc>
                 <a:extLst>
                   <a:ext uri="{0D108BD9-81ED-4DB2-BD59-A6C34878D82A}">
-                    <a16:rowId xmlns:a16="http://schemas.microsoft.com/office/drawing/2014/main" xmlns="" val="10002"/>
+                    <a16:rowId xmlns="" xmlns:a16="http://schemas.microsoft.com/office/drawing/2014/main" val="10002"/>
                   </a:ext>
                 </a:extLst>
               </a:tr>
@@ -8810,7 +8920,7 @@
                 </a:tc>
                 <a:extLst>
                   <a:ext uri="{0D108BD9-81ED-4DB2-BD59-A6C34878D82A}">
-                    <a16:rowId xmlns:a16="http://schemas.microsoft.com/office/drawing/2014/main" xmlns="" val="10003"/>
+                    <a16:rowId xmlns="" xmlns:a16="http://schemas.microsoft.com/office/drawing/2014/main" val="10003"/>
                   </a:ext>
                 </a:extLst>
               </a:tr>
@@ -8879,7 +8989,7 @@
                 </a:tc>
                 <a:extLst>
                   <a:ext uri="{0D108BD9-81ED-4DB2-BD59-A6C34878D82A}">
-                    <a16:rowId xmlns:a16="http://schemas.microsoft.com/office/drawing/2014/main" xmlns="" val="10004"/>
+                    <a16:rowId xmlns="" xmlns:a16="http://schemas.microsoft.com/office/drawing/2014/main" val="10004"/>
                   </a:ext>
                 </a:extLst>
               </a:tr>
@@ -8890,7 +9000,7 @@
     </p:spTree>
     <p:extLst>
       <p:ext uri="{BB962C8B-B14F-4D97-AF65-F5344CB8AC3E}">
-        <p14:creationId xmlns:p14="http://schemas.microsoft.com/office/powerpoint/2010/main" xmlns="" val="3578044046"/>
+        <p14:creationId xmlns:p14="http://schemas.microsoft.com/office/powerpoint/2010/main" val="3578044046"/>
       </p:ext>
     </p:extLst>
   </p:cSld>
@@ -8907,7 +9017,7 @@
 </p:sld>
 </file>
 
-<file path=ppt/slides/slide38.xml><?xml version="1.0" encoding="utf-8"?>
+<file path=ppt/slides/slide39.xml><?xml version="1.0" encoding="utf-8"?>
 <p:sld xmlns:a="http://schemas.openxmlformats.org/drawingml/2006/main" xmlns:r="http://schemas.openxmlformats.org/officeDocument/2006/relationships" xmlns:p="http://schemas.openxmlformats.org/presentationml/2006/main">
   <p:cSld>
     <p:spTree>
@@ -8968,7 +9078,7 @@
     </p:spTree>
     <p:extLst>
       <p:ext uri="{BB962C8B-B14F-4D97-AF65-F5344CB8AC3E}">
-        <p14:creationId xmlns:p14="http://schemas.microsoft.com/office/powerpoint/2010/main" xmlns="" val="30137763"/>
+        <p14:creationId xmlns:p14="http://schemas.microsoft.com/office/powerpoint/2010/main" val="30137763"/>
       </p:ext>
     </p:extLst>
   </p:cSld>
@@ -9108,7 +9218,7 @@
     </p:spTree>
     <p:extLst>
       <p:ext uri="{BB962C8B-B14F-4D97-AF65-F5344CB8AC3E}">
-        <p14:creationId xmlns:p14="http://schemas.microsoft.com/office/powerpoint/2010/main" xmlns="" val="306933364"/>
+        <p14:creationId xmlns:p14="http://schemas.microsoft.com/office/powerpoint/2010/main" val="306933364"/>
       </p:ext>
     </p:extLst>
   </p:cSld>
@@ -9324,7 +9434,7 @@
     </p:spTree>
     <p:extLst>
       <p:ext uri="{BB962C8B-B14F-4D97-AF65-F5344CB8AC3E}">
-        <p14:creationId xmlns:p14="http://schemas.microsoft.com/office/powerpoint/2010/main" xmlns="" val="220168066"/>
+        <p14:creationId xmlns:p14="http://schemas.microsoft.com/office/powerpoint/2010/main" val="220168066"/>
       </p:ext>
     </p:extLst>
   </p:cSld>
@@ -9431,7 +9541,7 @@
     </p:spTree>
     <p:extLst>
       <p:ext uri="{BB962C8B-B14F-4D97-AF65-F5344CB8AC3E}">
-        <p14:creationId xmlns:p14="http://schemas.microsoft.com/office/powerpoint/2010/main" xmlns="" val="869547253"/>
+        <p14:creationId xmlns:p14="http://schemas.microsoft.com/office/powerpoint/2010/main" val="869547253"/>
       </p:ext>
     </p:extLst>
   </p:cSld>
@@ -9613,7 +9723,7 @@
           <a:blip r:embed="rId2">
             <a:extLst>
               <a:ext uri="{28A0092B-C50C-407E-A947-70E740481C1C}">
-                <a14:useLocalDpi xmlns:a14="http://schemas.microsoft.com/office/drawing/2010/main" xmlns="" val="0"/>
+                <a14:useLocalDpi xmlns:a14="http://schemas.microsoft.com/office/drawing/2010/main" val="0"/>
               </a:ext>
             </a:extLst>
           </a:blip>
@@ -9643,7 +9753,7 @@
           <a:blip r:embed="rId3">
             <a:extLst>
               <a:ext uri="{28A0092B-C50C-407E-A947-70E740481C1C}">
-                <a14:useLocalDpi xmlns:a14="http://schemas.microsoft.com/office/drawing/2010/main" xmlns="" val="0"/>
+                <a14:useLocalDpi xmlns:a14="http://schemas.microsoft.com/office/drawing/2010/main" val="0"/>
               </a:ext>
             </a:extLst>
           </a:blip>
@@ -9664,7 +9774,7 @@
     </p:spTree>
     <p:extLst>
       <p:ext uri="{BB962C8B-B14F-4D97-AF65-F5344CB8AC3E}">
-        <p14:creationId xmlns:p14="http://schemas.microsoft.com/office/powerpoint/2010/main" xmlns="" val="854463336"/>
+        <p14:creationId xmlns:p14="http://schemas.microsoft.com/office/powerpoint/2010/main" val="854463336"/>
       </p:ext>
     </p:extLst>
   </p:cSld>
@@ -9750,7 +9860,7 @@
           <a:blip r:embed="rId2">
             <a:extLst>
               <a:ext uri="{28A0092B-C50C-407E-A947-70E740481C1C}">
-                <a14:useLocalDpi xmlns:a14="http://schemas.microsoft.com/office/drawing/2010/main" xmlns="" val="0"/>
+                <a14:useLocalDpi xmlns:a14="http://schemas.microsoft.com/office/drawing/2010/main" val="0"/>
               </a:ext>
             </a:extLst>
           </a:blip>
@@ -9768,7 +9878,7 @@
     </p:spTree>
     <p:extLst>
       <p:ext uri="{BB962C8B-B14F-4D97-AF65-F5344CB8AC3E}">
-        <p14:creationId xmlns:p14="http://schemas.microsoft.com/office/powerpoint/2010/main" xmlns="" val="742140663"/>
+        <p14:creationId xmlns:p14="http://schemas.microsoft.com/office/powerpoint/2010/main" val="742140663"/>
       </p:ext>
     </p:extLst>
   </p:cSld>
@@ -10322,7 +10432,7 @@
   <a:extraClrSchemeLst/>
   <a:extLst>
     <a:ext uri="{05A4C25C-085E-4340-85A3-A5531E510DB2}">
-      <thm15:themeFamily xmlns:thm15="http://schemas.microsoft.com/office/thememl/2012/main" xmlns="" name="Office Theme" id="{62F939B6-93AF-4DB8-9C6B-D6C7DFDC589F}" vid="{4A3C46E8-61CC-4603-A589-7422A47A8E4A}"/>
+      <thm15:themeFamily xmlns:thm15="http://schemas.microsoft.com/office/thememl/2012/main" name="Office Theme" id="{62F939B6-93AF-4DB8-9C6B-D6C7DFDC589F}" vid="{4A3C46E8-61CC-4603-A589-7422A47A8E4A}"/>
     </a:ext>
   </a:extLst>
 </a:theme>

--- a/Presentation_YPS.pptx
+++ b/Presentation_YPS.pptx
@@ -4790,23 +4790,45 @@
             </a:pPr>
             <a:r>
               <a:rPr lang="it-IT" dirty="0" smtClean="0"/>
-              <a:t>Accuracy </a:t>
-            </a:r>
-            <a:r>
-              <a:rPr lang="it-IT" smtClean="0"/>
-              <a:t>increased</a:t>
-            </a:r>
-            <a:r>
-              <a:rPr lang="it-IT" dirty="0" smtClean="0"/>
-              <a:t> !!</a:t>
-            </a:r>
-            <a:endParaRPr lang="en-US" dirty="0"/>
-          </a:p>
-          <a:p>
-            <a:endParaRPr lang="en-US" dirty="0"/>
-          </a:p>
-        </p:txBody>
-      </p:sp>
+              <a:t>Accuracy increased !!</a:t>
+            </a:r>
+            <a:endParaRPr lang="en-US" dirty="0"/>
+          </a:p>
+          <a:p>
+            <a:endParaRPr lang="en-US" dirty="0"/>
+          </a:p>
+        </p:txBody>
+      </p:sp>
+      <p:pic>
+        <p:nvPicPr>
+          <p:cNvPr id="4" name="Picture 3"/>
+          <p:cNvPicPr>
+            <a:picLocks noChangeAspect="1"/>
+          </p:cNvPicPr>
+          <p:nvPr/>
+        </p:nvPicPr>
+        <p:blipFill>
+          <a:blip r:embed="rId2">
+            <a:extLst>
+              <a:ext uri="{28A0092B-C50C-407E-A947-70E740481C1C}">
+                <a14:useLocalDpi xmlns:a14="http://schemas.microsoft.com/office/drawing/2010/main" val="0"/>
+              </a:ext>
+            </a:extLst>
+          </a:blip>
+          <a:stretch>
+            <a:fillRect/>
+          </a:stretch>
+        </p:blipFill>
+        <p:spPr>
+          <a:xfrm>
+            <a:off x="6610350" y="2882900"/>
+            <a:ext cx="3143250" cy="1384300"/>
+          </a:xfrm>
+          <a:prstGeom prst="rect">
+            <a:avLst/>
+          </a:prstGeom>
+        </p:spPr>
+      </p:pic>
     </p:spTree>
     <p:extLst>
       <p:ext uri="{BB962C8B-B14F-4D97-AF65-F5344CB8AC3E}">
@@ -5043,7 +5065,7 @@
           <p:cNvPr id="4" name="Picture 3">
             <a:extLst>
               <a:ext uri="{FF2B5EF4-FFF2-40B4-BE49-F238E27FC236}">
-                <a16:creationId xmlns="" xmlns:a16="http://schemas.microsoft.com/office/drawing/2014/main" id="{2487C7DE-DE19-4190-AFF7-8E55A70D19E2}"/>
+                <a16:creationId xmlns:a16="http://schemas.microsoft.com/office/drawing/2014/main" xmlns="" id="{2487C7DE-DE19-4190-AFF7-8E55A70D19E2}"/>
               </a:ext>
             </a:extLst>
           </p:cNvPr>
@@ -5110,7 +5132,7 @@
           <p:cNvPr id="6" name="Picture 5">
             <a:extLst>
               <a:ext uri="{FF2B5EF4-FFF2-40B4-BE49-F238E27FC236}">
-                <a16:creationId xmlns="" xmlns:a16="http://schemas.microsoft.com/office/drawing/2014/main" id="{2EE0A306-66B1-476B-828C-664E99CBFE66}"/>
+                <a16:creationId xmlns:a16="http://schemas.microsoft.com/office/drawing/2014/main" xmlns="" id="{2EE0A306-66B1-476B-828C-664E99CBFE66}"/>
               </a:ext>
             </a:extLst>
           </p:cNvPr>
@@ -5140,7 +5162,7 @@
           <p:cNvPr id="2" name="Picture 1">
             <a:extLst>
               <a:ext uri="{FF2B5EF4-FFF2-40B4-BE49-F238E27FC236}">
-                <a16:creationId xmlns="" xmlns:a16="http://schemas.microsoft.com/office/drawing/2014/main" id="{86A41FC7-4FA5-41EE-B9C9-57C6CE06F3D5}"/>
+                <a16:creationId xmlns:a16="http://schemas.microsoft.com/office/drawing/2014/main" xmlns="" id="{86A41FC7-4FA5-41EE-B9C9-57C6CE06F3D5}"/>
               </a:ext>
             </a:extLst>
           </p:cNvPr>
@@ -5288,7 +5310,7 @@
           <p:cNvPr id="4" name="Picture 3">
             <a:extLst>
               <a:ext uri="{FF2B5EF4-FFF2-40B4-BE49-F238E27FC236}">
-                <a16:creationId xmlns="" xmlns:a16="http://schemas.microsoft.com/office/drawing/2014/main" id="{E41201F2-5E9E-49B7-9290-45E8A98E0C9B}"/>
+                <a16:creationId xmlns:a16="http://schemas.microsoft.com/office/drawing/2014/main" xmlns="" id="{E41201F2-5E9E-49B7-9290-45E8A98E0C9B}"/>
               </a:ext>
             </a:extLst>
           </p:cNvPr>
@@ -5355,7 +5377,7 @@
           <p:cNvPr id="2" name="Picture 1">
             <a:extLst>
               <a:ext uri="{FF2B5EF4-FFF2-40B4-BE49-F238E27FC236}">
-                <a16:creationId xmlns="" xmlns:a16="http://schemas.microsoft.com/office/drawing/2014/main" id="{CD66F473-202E-4695-A31E-CD0C63192611}"/>
+                <a16:creationId xmlns:a16="http://schemas.microsoft.com/office/drawing/2014/main" xmlns="" id="{CD66F473-202E-4695-A31E-CD0C63192611}"/>
               </a:ext>
             </a:extLst>
           </p:cNvPr>
@@ -5385,7 +5407,7 @@
           <p:cNvPr id="3" name="Picture 2">
             <a:extLst>
               <a:ext uri="{FF2B5EF4-FFF2-40B4-BE49-F238E27FC236}">
-                <a16:creationId xmlns="" xmlns:a16="http://schemas.microsoft.com/office/drawing/2014/main" id="{88DE7B0B-7E4E-40A9-BA41-946E7654D5FB}"/>
+                <a16:creationId xmlns:a16="http://schemas.microsoft.com/office/drawing/2014/main" xmlns="" id="{88DE7B0B-7E4E-40A9-BA41-946E7654D5FB}"/>
               </a:ext>
             </a:extLst>
           </p:cNvPr>
@@ -5533,7 +5555,7 @@
           <p:cNvPr id="4" name="Picture 3">
             <a:extLst>
               <a:ext uri="{FF2B5EF4-FFF2-40B4-BE49-F238E27FC236}">
-                <a16:creationId xmlns="" xmlns:a16="http://schemas.microsoft.com/office/drawing/2014/main" id="{E547C40E-EBC3-48BE-A5E8-18839AC62B6E}"/>
+                <a16:creationId xmlns:a16="http://schemas.microsoft.com/office/drawing/2014/main" xmlns="" id="{E547C40E-EBC3-48BE-A5E8-18839AC62B6E}"/>
               </a:ext>
             </a:extLst>
           </p:cNvPr>
@@ -5682,7 +5704,7 @@
           <p:cNvPr id="8" name="Picture 7">
             <a:extLst>
               <a:ext uri="{FF2B5EF4-FFF2-40B4-BE49-F238E27FC236}">
-                <a16:creationId xmlns="" xmlns:a16="http://schemas.microsoft.com/office/drawing/2014/main" id="{8B297A75-5C96-4B8E-A721-B5A80A818F40}"/>
+                <a16:creationId xmlns:a16="http://schemas.microsoft.com/office/drawing/2014/main" xmlns="" id="{8B297A75-5C96-4B8E-A721-B5A80A818F40}"/>
               </a:ext>
             </a:extLst>
           </p:cNvPr>
@@ -5797,7 +5819,7 @@
           <p:cNvPr id="6" name="Picture 5">
             <a:extLst>
               <a:ext uri="{FF2B5EF4-FFF2-40B4-BE49-F238E27FC236}">
-                <a16:creationId xmlns="" xmlns:a16="http://schemas.microsoft.com/office/drawing/2014/main" id="{E5500A7C-34BB-49CE-8A02-F70D95A61149}"/>
+                <a16:creationId xmlns:a16="http://schemas.microsoft.com/office/drawing/2014/main" xmlns="" id="{E5500A7C-34BB-49CE-8A02-F70D95A61149}"/>
               </a:ext>
             </a:extLst>
           </p:cNvPr>
@@ -5827,7 +5849,7 @@
           <p:cNvPr id="2" name="Picture 1">
             <a:extLst>
               <a:ext uri="{FF2B5EF4-FFF2-40B4-BE49-F238E27FC236}">
-                <a16:creationId xmlns="" xmlns:a16="http://schemas.microsoft.com/office/drawing/2014/main" id="{E0455F67-7B2A-43B3-8BAD-3ABFCA79DEB2}"/>
+                <a16:creationId xmlns:a16="http://schemas.microsoft.com/office/drawing/2014/main" xmlns="" id="{E0455F67-7B2A-43B3-8BAD-3ABFCA79DEB2}"/>
               </a:ext>
             </a:extLst>
           </p:cNvPr>
@@ -5996,7 +6018,7 @@
           <p:cNvPr id="5" name="Picture 4">
             <a:extLst>
               <a:ext uri="{FF2B5EF4-FFF2-40B4-BE49-F238E27FC236}">
-                <a16:creationId xmlns="" xmlns:a16="http://schemas.microsoft.com/office/drawing/2014/main" id="{5431268D-64C4-48CF-B095-7AE8588FC7E0}"/>
+                <a16:creationId xmlns:a16="http://schemas.microsoft.com/office/drawing/2014/main" xmlns="" id="{5431268D-64C4-48CF-B095-7AE8588FC7E0}"/>
               </a:ext>
             </a:extLst>
           </p:cNvPr>
@@ -6063,7 +6085,7 @@
           <p:cNvPr id="3" name="Picture 2">
             <a:extLst>
               <a:ext uri="{FF2B5EF4-FFF2-40B4-BE49-F238E27FC236}">
-                <a16:creationId xmlns="" xmlns:a16="http://schemas.microsoft.com/office/drawing/2014/main" id="{F48C9E8F-062F-4E88-9578-6715791F02A7}"/>
+                <a16:creationId xmlns:a16="http://schemas.microsoft.com/office/drawing/2014/main" xmlns="" id="{F48C9E8F-062F-4E88-9578-6715791F02A7}"/>
               </a:ext>
             </a:extLst>
           </p:cNvPr>
@@ -6093,7 +6115,7 @@
           <p:cNvPr id="7" name="Picture 6">
             <a:extLst>
               <a:ext uri="{FF2B5EF4-FFF2-40B4-BE49-F238E27FC236}">
-                <a16:creationId xmlns="" xmlns:a16="http://schemas.microsoft.com/office/drawing/2014/main" id="{8288FDD6-6F4B-494E-99F2-4CE085353B9A}"/>
+                <a16:creationId xmlns:a16="http://schemas.microsoft.com/office/drawing/2014/main" xmlns="" id="{8288FDD6-6F4B-494E-99F2-4CE085353B9A}"/>
               </a:ext>
             </a:extLst>
           </p:cNvPr>
@@ -6256,7 +6278,7 @@
           <p:cNvPr id="5" name="Picture 4">
             <a:extLst>
               <a:ext uri="{FF2B5EF4-FFF2-40B4-BE49-F238E27FC236}">
-                <a16:creationId xmlns="" xmlns:a16="http://schemas.microsoft.com/office/drawing/2014/main" id="{5431268D-64C4-48CF-B095-7AE8588FC7E0}"/>
+                <a16:creationId xmlns:a16="http://schemas.microsoft.com/office/drawing/2014/main" xmlns="" id="{5431268D-64C4-48CF-B095-7AE8588FC7E0}"/>
               </a:ext>
             </a:extLst>
           </p:cNvPr>
@@ -6323,7 +6345,7 @@
           <p:cNvPr id="3" name="Picture 2">
             <a:extLst>
               <a:ext uri="{FF2B5EF4-FFF2-40B4-BE49-F238E27FC236}">
-                <a16:creationId xmlns="" xmlns:a16="http://schemas.microsoft.com/office/drawing/2014/main" id="{F48C9E8F-062F-4E88-9578-6715791F02A7}"/>
+                <a16:creationId xmlns:a16="http://schemas.microsoft.com/office/drawing/2014/main" xmlns="" id="{F48C9E8F-062F-4E88-9578-6715791F02A7}"/>
               </a:ext>
             </a:extLst>
           </p:cNvPr>
@@ -6353,7 +6375,7 @@
           <p:cNvPr id="2" name="Picture 1">
             <a:extLst>
               <a:ext uri="{FF2B5EF4-FFF2-40B4-BE49-F238E27FC236}">
-                <a16:creationId xmlns="" xmlns:a16="http://schemas.microsoft.com/office/drawing/2014/main" id="{4B4B784D-AF37-4CD2-B5E6-80C0A35A8B4B}"/>
+                <a16:creationId xmlns:a16="http://schemas.microsoft.com/office/drawing/2014/main" xmlns="" id="{4B4B784D-AF37-4CD2-B5E6-80C0A35A8B4B}"/>
               </a:ext>
             </a:extLst>
           </p:cNvPr>
@@ -6516,7 +6538,7 @@
           <p:cNvPr id="5" name="Picture 4">
             <a:extLst>
               <a:ext uri="{FF2B5EF4-FFF2-40B4-BE49-F238E27FC236}">
-                <a16:creationId xmlns="" xmlns:a16="http://schemas.microsoft.com/office/drawing/2014/main" id="{5431268D-64C4-48CF-B095-7AE8588FC7E0}"/>
+                <a16:creationId xmlns:a16="http://schemas.microsoft.com/office/drawing/2014/main" xmlns="" id="{5431268D-64C4-48CF-B095-7AE8588FC7E0}"/>
               </a:ext>
             </a:extLst>
           </p:cNvPr>
@@ -6583,7 +6605,7 @@
           <p:cNvPr id="3" name="Picture 2">
             <a:extLst>
               <a:ext uri="{FF2B5EF4-FFF2-40B4-BE49-F238E27FC236}">
-                <a16:creationId xmlns="" xmlns:a16="http://schemas.microsoft.com/office/drawing/2014/main" id="{F48C9E8F-062F-4E88-9578-6715791F02A7}"/>
+                <a16:creationId xmlns:a16="http://schemas.microsoft.com/office/drawing/2014/main" xmlns="" id="{F48C9E8F-062F-4E88-9578-6715791F02A7}"/>
               </a:ext>
             </a:extLst>
           </p:cNvPr>
@@ -6613,7 +6635,7 @@
           <p:cNvPr id="4" name="Picture 3">
             <a:extLst>
               <a:ext uri="{FF2B5EF4-FFF2-40B4-BE49-F238E27FC236}">
-                <a16:creationId xmlns="" xmlns:a16="http://schemas.microsoft.com/office/drawing/2014/main" id="{FCDFFB69-D0BC-45F9-A7E5-60B1F3210EF2}"/>
+                <a16:creationId xmlns:a16="http://schemas.microsoft.com/office/drawing/2014/main" xmlns="" id="{FCDFFB69-D0BC-45F9-A7E5-60B1F3210EF2}"/>
               </a:ext>
             </a:extLst>
           </p:cNvPr>
@@ -8134,14 +8156,14 @@
                 <a:gridCol w="657948">
                   <a:extLst>
                     <a:ext uri="{9D8B030D-6E8A-4147-A177-3AD203B41FA5}">
-                      <a16:colId xmlns="" xmlns:a16="http://schemas.microsoft.com/office/drawing/2014/main" val="20000"/>
+                      <a16:colId xmlns:a16="http://schemas.microsoft.com/office/drawing/2014/main" xmlns="" val="20000"/>
                     </a:ext>
                   </a:extLst>
                 </a:gridCol>
                 <a:gridCol w="932092">
                   <a:extLst>
                     <a:ext uri="{9D8B030D-6E8A-4147-A177-3AD203B41FA5}">
-                      <a16:colId xmlns="" xmlns:a16="http://schemas.microsoft.com/office/drawing/2014/main" val="20001"/>
+                      <a16:colId xmlns:a16="http://schemas.microsoft.com/office/drawing/2014/main" xmlns="" val="20001"/>
                     </a:ext>
                   </a:extLst>
                 </a:gridCol>
@@ -8261,7 +8283,7 @@
                 </a:tc>
                 <a:extLst>
                   <a:ext uri="{0D108BD9-81ED-4DB2-BD59-A6C34878D82A}">
-                    <a16:rowId xmlns="" xmlns:a16="http://schemas.microsoft.com/office/drawing/2014/main" val="10000"/>
+                    <a16:rowId xmlns:a16="http://schemas.microsoft.com/office/drawing/2014/main" xmlns="" val="10000"/>
                   </a:ext>
                 </a:extLst>
               </a:tr>
@@ -8380,7 +8402,7 @@
                 </a:tc>
                 <a:extLst>
                   <a:ext uri="{0D108BD9-81ED-4DB2-BD59-A6C34878D82A}">
-                    <a16:rowId xmlns="" xmlns:a16="http://schemas.microsoft.com/office/drawing/2014/main" val="10001"/>
+                    <a16:rowId xmlns:a16="http://schemas.microsoft.com/office/drawing/2014/main" xmlns="" val="10001"/>
                   </a:ext>
                 </a:extLst>
               </a:tr>
@@ -8499,7 +8521,7 @@
                 </a:tc>
                 <a:extLst>
                   <a:ext uri="{0D108BD9-81ED-4DB2-BD59-A6C34878D82A}">
-                    <a16:rowId xmlns="" xmlns:a16="http://schemas.microsoft.com/office/drawing/2014/main" val="10002"/>
+                    <a16:rowId xmlns:a16="http://schemas.microsoft.com/office/drawing/2014/main" xmlns="" val="10002"/>
                   </a:ext>
                 </a:extLst>
               </a:tr>
@@ -8698,21 +8720,21 @@
                 <a:gridCol w="2709333">
                   <a:extLst>
                     <a:ext uri="{9D8B030D-6E8A-4147-A177-3AD203B41FA5}">
-                      <a16:colId xmlns="" xmlns:a16="http://schemas.microsoft.com/office/drawing/2014/main" val="20000"/>
+                      <a16:colId xmlns:a16="http://schemas.microsoft.com/office/drawing/2014/main" xmlns="" val="20000"/>
                     </a:ext>
                   </a:extLst>
                 </a:gridCol>
                 <a:gridCol w="2709333">
                   <a:extLst>
                     <a:ext uri="{9D8B030D-6E8A-4147-A177-3AD203B41FA5}">
-                      <a16:colId xmlns="" xmlns:a16="http://schemas.microsoft.com/office/drawing/2014/main" val="20001"/>
+                      <a16:colId xmlns:a16="http://schemas.microsoft.com/office/drawing/2014/main" xmlns="" val="20001"/>
                     </a:ext>
                   </a:extLst>
                 </a:gridCol>
                 <a:gridCol w="2709333">
                   <a:extLst>
                     <a:ext uri="{9D8B030D-6E8A-4147-A177-3AD203B41FA5}">
-                      <a16:colId xmlns="" xmlns:a16="http://schemas.microsoft.com/office/drawing/2014/main" val="20002"/>
+                      <a16:colId xmlns:a16="http://schemas.microsoft.com/office/drawing/2014/main" xmlns="" val="20002"/>
                     </a:ext>
                   </a:extLst>
                 </a:gridCol>
@@ -8762,7 +8784,7 @@
                 </a:tc>
                 <a:extLst>
                   <a:ext uri="{0D108BD9-81ED-4DB2-BD59-A6C34878D82A}">
-                    <a16:rowId xmlns="" xmlns:a16="http://schemas.microsoft.com/office/drawing/2014/main" val="10000"/>
+                    <a16:rowId xmlns:a16="http://schemas.microsoft.com/office/drawing/2014/main" xmlns="" val="10000"/>
                   </a:ext>
                 </a:extLst>
               </a:tr>
@@ -8814,7 +8836,7 @@
                 </a:tc>
                 <a:extLst>
                   <a:ext uri="{0D108BD9-81ED-4DB2-BD59-A6C34878D82A}">
-                    <a16:rowId xmlns="" xmlns:a16="http://schemas.microsoft.com/office/drawing/2014/main" val="10001"/>
+                    <a16:rowId xmlns:a16="http://schemas.microsoft.com/office/drawing/2014/main" xmlns="" val="10001"/>
                   </a:ext>
                 </a:extLst>
               </a:tr>
@@ -8865,7 +8887,7 @@
                 </a:tc>
                 <a:extLst>
                   <a:ext uri="{0D108BD9-81ED-4DB2-BD59-A6C34878D82A}">
-                    <a16:rowId xmlns="" xmlns:a16="http://schemas.microsoft.com/office/drawing/2014/main" val="10002"/>
+                    <a16:rowId xmlns:a16="http://schemas.microsoft.com/office/drawing/2014/main" xmlns="" val="10002"/>
                   </a:ext>
                 </a:extLst>
               </a:tr>
@@ -8920,7 +8942,7 @@
                 </a:tc>
                 <a:extLst>
                   <a:ext uri="{0D108BD9-81ED-4DB2-BD59-A6C34878D82A}">
-                    <a16:rowId xmlns="" xmlns:a16="http://schemas.microsoft.com/office/drawing/2014/main" val="10003"/>
+                    <a16:rowId xmlns:a16="http://schemas.microsoft.com/office/drawing/2014/main" xmlns="" val="10003"/>
                   </a:ext>
                 </a:extLst>
               </a:tr>
@@ -8989,7 +9011,7 @@
                 </a:tc>
                 <a:extLst>
                   <a:ext uri="{0D108BD9-81ED-4DB2-BD59-A6C34878D82A}">
-                    <a16:rowId xmlns="" xmlns:a16="http://schemas.microsoft.com/office/drawing/2014/main" val="10004"/>
+                    <a16:rowId xmlns:a16="http://schemas.microsoft.com/office/drawing/2014/main" xmlns="" val="10004"/>
                   </a:ext>
                 </a:extLst>
               </a:tr>

--- a/Presentation_YPS.pptx
+++ b/Presentation_YPS.pptx
@@ -7742,15 +7742,17 @@
           <a:p>
             <a:r>
               <a:rPr lang="en-US" dirty="0" smtClean="0"/>
-              <a:t>Not much </a:t>
-            </a:r>
+              <a:t>Increasing learning rate decreases accuracy</a:t>
+            </a:r>
+          </a:p>
+          <a:p>
             <a:r>
               <a:rPr lang="en-US" dirty="0" smtClean="0"/>
-              <a:t>increase in accuracy </a:t>
-            </a:r>
-            <a:r>
-              <a:rPr lang="en-US" dirty="0" smtClean="0"/>
-              <a:t>by increasing learning rate</a:t>
+              <a:t>Weight and Height impact </a:t>
+            </a:r>
+            <a:r>
+              <a:rPr lang="en-US" smtClean="0"/>
+              <a:t>on classification</a:t>
             </a:r>
             <a:endParaRPr lang="en-US" dirty="0"/>
           </a:p>

--- a/Presentation_YPS.pptx
+++ b/Presentation_YPS.pptx
@@ -5065,7 +5065,7 @@
           <p:cNvPr id="4" name="Picture 3">
             <a:extLst>
               <a:ext uri="{FF2B5EF4-FFF2-40B4-BE49-F238E27FC236}">
-                <a16:creationId xmlns:a16="http://schemas.microsoft.com/office/drawing/2014/main" xmlns="" id="{2487C7DE-DE19-4190-AFF7-8E55A70D19E2}"/>
+                <a16:creationId xmlns="" xmlns:a16="http://schemas.microsoft.com/office/drawing/2014/main" id="{2487C7DE-DE19-4190-AFF7-8E55A70D19E2}"/>
               </a:ext>
             </a:extLst>
           </p:cNvPr>
@@ -5132,7 +5132,7 @@
           <p:cNvPr id="6" name="Picture 5">
             <a:extLst>
               <a:ext uri="{FF2B5EF4-FFF2-40B4-BE49-F238E27FC236}">
-                <a16:creationId xmlns:a16="http://schemas.microsoft.com/office/drawing/2014/main" xmlns="" id="{2EE0A306-66B1-476B-828C-664E99CBFE66}"/>
+                <a16:creationId xmlns="" xmlns:a16="http://schemas.microsoft.com/office/drawing/2014/main" id="{2EE0A306-66B1-476B-828C-664E99CBFE66}"/>
               </a:ext>
             </a:extLst>
           </p:cNvPr>
@@ -5162,7 +5162,7 @@
           <p:cNvPr id="2" name="Picture 1">
             <a:extLst>
               <a:ext uri="{FF2B5EF4-FFF2-40B4-BE49-F238E27FC236}">
-                <a16:creationId xmlns:a16="http://schemas.microsoft.com/office/drawing/2014/main" xmlns="" id="{86A41FC7-4FA5-41EE-B9C9-57C6CE06F3D5}"/>
+                <a16:creationId xmlns="" xmlns:a16="http://schemas.microsoft.com/office/drawing/2014/main" id="{86A41FC7-4FA5-41EE-B9C9-57C6CE06F3D5}"/>
               </a:ext>
             </a:extLst>
           </p:cNvPr>
@@ -5310,7 +5310,7 @@
           <p:cNvPr id="4" name="Picture 3">
             <a:extLst>
               <a:ext uri="{FF2B5EF4-FFF2-40B4-BE49-F238E27FC236}">
-                <a16:creationId xmlns:a16="http://schemas.microsoft.com/office/drawing/2014/main" xmlns="" id="{E41201F2-5E9E-49B7-9290-45E8A98E0C9B}"/>
+                <a16:creationId xmlns="" xmlns:a16="http://schemas.microsoft.com/office/drawing/2014/main" id="{E41201F2-5E9E-49B7-9290-45E8A98E0C9B}"/>
               </a:ext>
             </a:extLst>
           </p:cNvPr>
@@ -5377,7 +5377,7 @@
           <p:cNvPr id="2" name="Picture 1">
             <a:extLst>
               <a:ext uri="{FF2B5EF4-FFF2-40B4-BE49-F238E27FC236}">
-                <a16:creationId xmlns:a16="http://schemas.microsoft.com/office/drawing/2014/main" xmlns="" id="{CD66F473-202E-4695-A31E-CD0C63192611}"/>
+                <a16:creationId xmlns="" xmlns:a16="http://schemas.microsoft.com/office/drawing/2014/main" id="{CD66F473-202E-4695-A31E-CD0C63192611}"/>
               </a:ext>
             </a:extLst>
           </p:cNvPr>
@@ -5407,7 +5407,7 @@
           <p:cNvPr id="3" name="Picture 2">
             <a:extLst>
               <a:ext uri="{FF2B5EF4-FFF2-40B4-BE49-F238E27FC236}">
-                <a16:creationId xmlns:a16="http://schemas.microsoft.com/office/drawing/2014/main" xmlns="" id="{88DE7B0B-7E4E-40A9-BA41-946E7654D5FB}"/>
+                <a16:creationId xmlns="" xmlns:a16="http://schemas.microsoft.com/office/drawing/2014/main" id="{88DE7B0B-7E4E-40A9-BA41-946E7654D5FB}"/>
               </a:ext>
             </a:extLst>
           </p:cNvPr>
@@ -5555,7 +5555,7 @@
           <p:cNvPr id="4" name="Picture 3">
             <a:extLst>
               <a:ext uri="{FF2B5EF4-FFF2-40B4-BE49-F238E27FC236}">
-                <a16:creationId xmlns:a16="http://schemas.microsoft.com/office/drawing/2014/main" xmlns="" id="{E547C40E-EBC3-48BE-A5E8-18839AC62B6E}"/>
+                <a16:creationId xmlns="" xmlns:a16="http://schemas.microsoft.com/office/drawing/2014/main" id="{E547C40E-EBC3-48BE-A5E8-18839AC62B6E}"/>
               </a:ext>
             </a:extLst>
           </p:cNvPr>
@@ -5704,7 +5704,7 @@
           <p:cNvPr id="8" name="Picture 7">
             <a:extLst>
               <a:ext uri="{FF2B5EF4-FFF2-40B4-BE49-F238E27FC236}">
-                <a16:creationId xmlns:a16="http://schemas.microsoft.com/office/drawing/2014/main" xmlns="" id="{8B297A75-5C96-4B8E-A721-B5A80A818F40}"/>
+                <a16:creationId xmlns="" xmlns:a16="http://schemas.microsoft.com/office/drawing/2014/main" id="{8B297A75-5C96-4B8E-A721-B5A80A818F40}"/>
               </a:ext>
             </a:extLst>
           </p:cNvPr>
@@ -5819,7 +5819,7 @@
           <p:cNvPr id="6" name="Picture 5">
             <a:extLst>
               <a:ext uri="{FF2B5EF4-FFF2-40B4-BE49-F238E27FC236}">
-                <a16:creationId xmlns:a16="http://schemas.microsoft.com/office/drawing/2014/main" xmlns="" id="{E5500A7C-34BB-49CE-8A02-F70D95A61149}"/>
+                <a16:creationId xmlns="" xmlns:a16="http://schemas.microsoft.com/office/drawing/2014/main" id="{E5500A7C-34BB-49CE-8A02-F70D95A61149}"/>
               </a:ext>
             </a:extLst>
           </p:cNvPr>
@@ -5849,7 +5849,7 @@
           <p:cNvPr id="2" name="Picture 1">
             <a:extLst>
               <a:ext uri="{FF2B5EF4-FFF2-40B4-BE49-F238E27FC236}">
-                <a16:creationId xmlns:a16="http://schemas.microsoft.com/office/drawing/2014/main" xmlns="" id="{E0455F67-7B2A-43B3-8BAD-3ABFCA79DEB2}"/>
+                <a16:creationId xmlns="" xmlns:a16="http://schemas.microsoft.com/office/drawing/2014/main" id="{E0455F67-7B2A-43B3-8BAD-3ABFCA79DEB2}"/>
               </a:ext>
             </a:extLst>
           </p:cNvPr>
@@ -6018,7 +6018,7 @@
           <p:cNvPr id="5" name="Picture 4">
             <a:extLst>
               <a:ext uri="{FF2B5EF4-FFF2-40B4-BE49-F238E27FC236}">
-                <a16:creationId xmlns:a16="http://schemas.microsoft.com/office/drawing/2014/main" xmlns="" id="{5431268D-64C4-48CF-B095-7AE8588FC7E0}"/>
+                <a16:creationId xmlns="" xmlns:a16="http://schemas.microsoft.com/office/drawing/2014/main" id="{5431268D-64C4-48CF-B095-7AE8588FC7E0}"/>
               </a:ext>
             </a:extLst>
           </p:cNvPr>
@@ -6085,7 +6085,7 @@
           <p:cNvPr id="3" name="Picture 2">
             <a:extLst>
               <a:ext uri="{FF2B5EF4-FFF2-40B4-BE49-F238E27FC236}">
-                <a16:creationId xmlns:a16="http://schemas.microsoft.com/office/drawing/2014/main" xmlns="" id="{F48C9E8F-062F-4E88-9578-6715791F02A7}"/>
+                <a16:creationId xmlns="" xmlns:a16="http://schemas.microsoft.com/office/drawing/2014/main" id="{F48C9E8F-062F-4E88-9578-6715791F02A7}"/>
               </a:ext>
             </a:extLst>
           </p:cNvPr>
@@ -6115,7 +6115,7 @@
           <p:cNvPr id="7" name="Picture 6">
             <a:extLst>
               <a:ext uri="{FF2B5EF4-FFF2-40B4-BE49-F238E27FC236}">
-                <a16:creationId xmlns:a16="http://schemas.microsoft.com/office/drawing/2014/main" xmlns="" id="{8288FDD6-6F4B-494E-99F2-4CE085353B9A}"/>
+                <a16:creationId xmlns="" xmlns:a16="http://schemas.microsoft.com/office/drawing/2014/main" id="{8288FDD6-6F4B-494E-99F2-4CE085353B9A}"/>
               </a:ext>
             </a:extLst>
           </p:cNvPr>
@@ -6278,7 +6278,7 @@
           <p:cNvPr id="5" name="Picture 4">
             <a:extLst>
               <a:ext uri="{FF2B5EF4-FFF2-40B4-BE49-F238E27FC236}">
-                <a16:creationId xmlns:a16="http://schemas.microsoft.com/office/drawing/2014/main" xmlns="" id="{5431268D-64C4-48CF-B095-7AE8588FC7E0}"/>
+                <a16:creationId xmlns="" xmlns:a16="http://schemas.microsoft.com/office/drawing/2014/main" id="{5431268D-64C4-48CF-B095-7AE8588FC7E0}"/>
               </a:ext>
             </a:extLst>
           </p:cNvPr>
@@ -6345,7 +6345,7 @@
           <p:cNvPr id="3" name="Picture 2">
             <a:extLst>
               <a:ext uri="{FF2B5EF4-FFF2-40B4-BE49-F238E27FC236}">
-                <a16:creationId xmlns:a16="http://schemas.microsoft.com/office/drawing/2014/main" xmlns="" id="{F48C9E8F-062F-4E88-9578-6715791F02A7}"/>
+                <a16:creationId xmlns="" xmlns:a16="http://schemas.microsoft.com/office/drawing/2014/main" id="{F48C9E8F-062F-4E88-9578-6715791F02A7}"/>
               </a:ext>
             </a:extLst>
           </p:cNvPr>
@@ -6375,7 +6375,7 @@
           <p:cNvPr id="2" name="Picture 1">
             <a:extLst>
               <a:ext uri="{FF2B5EF4-FFF2-40B4-BE49-F238E27FC236}">
-                <a16:creationId xmlns:a16="http://schemas.microsoft.com/office/drawing/2014/main" xmlns="" id="{4B4B784D-AF37-4CD2-B5E6-80C0A35A8B4B}"/>
+                <a16:creationId xmlns="" xmlns:a16="http://schemas.microsoft.com/office/drawing/2014/main" id="{4B4B784D-AF37-4CD2-B5E6-80C0A35A8B4B}"/>
               </a:ext>
             </a:extLst>
           </p:cNvPr>
@@ -6538,7 +6538,7 @@
           <p:cNvPr id="5" name="Picture 4">
             <a:extLst>
               <a:ext uri="{FF2B5EF4-FFF2-40B4-BE49-F238E27FC236}">
-                <a16:creationId xmlns:a16="http://schemas.microsoft.com/office/drawing/2014/main" xmlns="" id="{5431268D-64C4-48CF-B095-7AE8588FC7E0}"/>
+                <a16:creationId xmlns="" xmlns:a16="http://schemas.microsoft.com/office/drawing/2014/main" id="{5431268D-64C4-48CF-B095-7AE8588FC7E0}"/>
               </a:ext>
             </a:extLst>
           </p:cNvPr>
@@ -6605,7 +6605,7 @@
           <p:cNvPr id="3" name="Picture 2">
             <a:extLst>
               <a:ext uri="{FF2B5EF4-FFF2-40B4-BE49-F238E27FC236}">
-                <a16:creationId xmlns:a16="http://schemas.microsoft.com/office/drawing/2014/main" xmlns="" id="{F48C9E8F-062F-4E88-9578-6715791F02A7}"/>
+                <a16:creationId xmlns="" xmlns:a16="http://schemas.microsoft.com/office/drawing/2014/main" id="{F48C9E8F-062F-4E88-9578-6715791F02A7}"/>
               </a:ext>
             </a:extLst>
           </p:cNvPr>
@@ -6635,7 +6635,7 @@
           <p:cNvPr id="4" name="Picture 3">
             <a:extLst>
               <a:ext uri="{FF2B5EF4-FFF2-40B4-BE49-F238E27FC236}">
-                <a16:creationId xmlns:a16="http://schemas.microsoft.com/office/drawing/2014/main" xmlns="" id="{FCDFFB69-D0BC-45F9-A7E5-60B1F3210EF2}"/>
+                <a16:creationId xmlns="" xmlns:a16="http://schemas.microsoft.com/office/drawing/2014/main" id="{FCDFFB69-D0BC-45F9-A7E5-60B1F3210EF2}"/>
               </a:ext>
             </a:extLst>
           </p:cNvPr>
@@ -8156,14 +8156,14 @@
                 <a:gridCol w="657948">
                   <a:extLst>
                     <a:ext uri="{9D8B030D-6E8A-4147-A177-3AD203B41FA5}">
-                      <a16:colId xmlns:a16="http://schemas.microsoft.com/office/drawing/2014/main" xmlns="" val="20000"/>
+                      <a16:colId xmlns="" xmlns:a16="http://schemas.microsoft.com/office/drawing/2014/main" val="20000"/>
                     </a:ext>
                   </a:extLst>
                 </a:gridCol>
                 <a:gridCol w="932092">
                   <a:extLst>
                     <a:ext uri="{9D8B030D-6E8A-4147-A177-3AD203B41FA5}">
-                      <a16:colId xmlns:a16="http://schemas.microsoft.com/office/drawing/2014/main" xmlns="" val="20001"/>
+                      <a16:colId xmlns="" xmlns:a16="http://schemas.microsoft.com/office/drawing/2014/main" val="20001"/>
                     </a:ext>
                   </a:extLst>
                 </a:gridCol>
@@ -8283,7 +8283,7 @@
                 </a:tc>
                 <a:extLst>
                   <a:ext uri="{0D108BD9-81ED-4DB2-BD59-A6C34878D82A}">
-                    <a16:rowId xmlns:a16="http://schemas.microsoft.com/office/drawing/2014/main" xmlns="" val="10000"/>
+                    <a16:rowId xmlns="" xmlns:a16="http://schemas.microsoft.com/office/drawing/2014/main" val="10000"/>
                   </a:ext>
                 </a:extLst>
               </a:tr>
@@ -8402,7 +8402,7 @@
                 </a:tc>
                 <a:extLst>
                   <a:ext uri="{0D108BD9-81ED-4DB2-BD59-A6C34878D82A}">
-                    <a16:rowId xmlns:a16="http://schemas.microsoft.com/office/drawing/2014/main" xmlns="" val="10001"/>
+                    <a16:rowId xmlns="" xmlns:a16="http://schemas.microsoft.com/office/drawing/2014/main" val="10001"/>
                   </a:ext>
                 </a:extLst>
               </a:tr>
@@ -8521,7 +8521,7 @@
                 </a:tc>
                 <a:extLst>
                   <a:ext uri="{0D108BD9-81ED-4DB2-BD59-A6C34878D82A}">
-                    <a16:rowId xmlns:a16="http://schemas.microsoft.com/office/drawing/2014/main" xmlns="" val="10002"/>
+                    <a16:rowId xmlns="" xmlns:a16="http://schemas.microsoft.com/office/drawing/2014/main" val="10002"/>
                   </a:ext>
                 </a:extLst>
               </a:tr>
@@ -8701,7 +8701,7 @@
           <p:nvPr>
             <p:extLst>
               <p:ext uri="{D42A27DB-BD31-4B8C-83A1-F6EECF244321}">
-                <p14:modId xmlns:p14="http://schemas.microsoft.com/office/powerpoint/2010/main" val="1864373720"/>
+                <p14:modId xmlns:p14="http://schemas.microsoft.com/office/powerpoint/2010/main" val="688311253"/>
               </p:ext>
             </p:extLst>
           </p:nvPr>
@@ -8720,21 +8720,21 @@
                 <a:gridCol w="2709333">
                   <a:extLst>
                     <a:ext uri="{9D8B030D-6E8A-4147-A177-3AD203B41FA5}">
-                      <a16:colId xmlns:a16="http://schemas.microsoft.com/office/drawing/2014/main" xmlns="" val="20000"/>
+                      <a16:colId xmlns="" xmlns:a16="http://schemas.microsoft.com/office/drawing/2014/main" val="20000"/>
                     </a:ext>
                   </a:extLst>
                 </a:gridCol>
                 <a:gridCol w="2709333">
                   <a:extLst>
                     <a:ext uri="{9D8B030D-6E8A-4147-A177-3AD203B41FA5}">
-                      <a16:colId xmlns:a16="http://schemas.microsoft.com/office/drawing/2014/main" xmlns="" val="20001"/>
+                      <a16:colId xmlns="" xmlns:a16="http://schemas.microsoft.com/office/drawing/2014/main" val="20001"/>
                     </a:ext>
                   </a:extLst>
                 </a:gridCol>
                 <a:gridCol w="2709333">
                   <a:extLst>
                     <a:ext uri="{9D8B030D-6E8A-4147-A177-3AD203B41FA5}">
-                      <a16:colId xmlns:a16="http://schemas.microsoft.com/office/drawing/2014/main" xmlns="" val="20002"/>
+                      <a16:colId xmlns="" xmlns:a16="http://schemas.microsoft.com/office/drawing/2014/main" val="20002"/>
                     </a:ext>
                   </a:extLst>
                 </a:gridCol>
@@ -8784,7 +8784,7 @@
                 </a:tc>
                 <a:extLst>
                   <a:ext uri="{0D108BD9-81ED-4DB2-BD59-A6C34878D82A}">
-                    <a16:rowId xmlns:a16="http://schemas.microsoft.com/office/drawing/2014/main" xmlns="" val="10000"/>
+                    <a16:rowId xmlns="" xmlns:a16="http://schemas.microsoft.com/office/drawing/2014/main" val="10000"/>
                   </a:ext>
                 </a:extLst>
               </a:tr>
@@ -8809,11 +8809,19 @@
                     <a:p>
                       <a:r>
                         <a:rPr lang="en-US" dirty="0"/>
-                        <a:t>K = </a:t>
+                        <a:t>K </a:t>
                       </a:r>
                       <a:r>
-                        <a:rPr lang="en-US" dirty="0" smtClean="0"/>
-                        <a:t>19,All predictors</a:t>
+                        <a:rPr lang="en-US"/>
+                        <a:t>= </a:t>
+                      </a:r>
+                      <a:r>
+                        <a:rPr lang="en-US" smtClean="0"/>
+                        <a:t>19,Non</a:t>
+                      </a:r>
+                      <a:r>
+                        <a:rPr lang="en-US" baseline="0" smtClean="0"/>
+                        <a:t> Normalized</a:t>
                       </a:r>
                       <a:endParaRPr lang="en-US" dirty="0"/>
                     </a:p>
@@ -8827,7 +8835,7 @@
                     <a:p>
                       <a:r>
                         <a:rPr lang="is-IS" dirty="0" smtClean="0"/>
-                        <a:t>0.8943</a:t>
+                        <a:t>0.9240924 </a:t>
                       </a:r>
                       <a:endParaRPr lang="en-US" dirty="0"/>
                     </a:p>
@@ -8836,7 +8844,7 @@
                 </a:tc>
                 <a:extLst>
                   <a:ext uri="{0D108BD9-81ED-4DB2-BD59-A6C34878D82A}">
-                    <a16:rowId xmlns:a16="http://schemas.microsoft.com/office/drawing/2014/main" xmlns="" val="10001"/>
+                    <a16:rowId xmlns="" xmlns:a16="http://schemas.microsoft.com/office/drawing/2014/main" val="10001"/>
                   </a:ext>
                 </a:extLst>
               </a:tr>
@@ -8887,7 +8895,7 @@
                 </a:tc>
                 <a:extLst>
                   <a:ext uri="{0D108BD9-81ED-4DB2-BD59-A6C34878D82A}">
-                    <a16:rowId xmlns:a16="http://schemas.microsoft.com/office/drawing/2014/main" xmlns="" val="10002"/>
+                    <a16:rowId xmlns="" xmlns:a16="http://schemas.microsoft.com/office/drawing/2014/main" val="10002"/>
                   </a:ext>
                 </a:extLst>
               </a:tr>
@@ -8942,7 +8950,7 @@
                 </a:tc>
                 <a:extLst>
                   <a:ext uri="{0D108BD9-81ED-4DB2-BD59-A6C34878D82A}">
-                    <a16:rowId xmlns:a16="http://schemas.microsoft.com/office/drawing/2014/main" xmlns="" val="10003"/>
+                    <a16:rowId xmlns="" xmlns:a16="http://schemas.microsoft.com/office/drawing/2014/main" val="10003"/>
                   </a:ext>
                 </a:extLst>
               </a:tr>
@@ -9011,7 +9019,7 @@
                 </a:tc>
                 <a:extLst>
                   <a:ext uri="{0D108BD9-81ED-4DB2-BD59-A6C34878D82A}">
-                    <a16:rowId xmlns:a16="http://schemas.microsoft.com/office/drawing/2014/main" xmlns="" val="10004"/>
+                    <a16:rowId xmlns="" xmlns:a16="http://schemas.microsoft.com/office/drawing/2014/main" val="10004"/>
                   </a:ext>
                 </a:extLst>
               </a:tr>

--- a/Presentation_YPS.pptx
+++ b/Presentation_YPS.pptx
@@ -5,7 +5,7 @@
     <p:sldMasterId id="2147483876" r:id="rId1"/>
   </p:sldMasterIdLst>
   <p:notesMasterIdLst>
-    <p:notesMasterId r:id="rId40"/>
+    <p:notesMasterId r:id="rId41"/>
   </p:notesMasterIdLst>
   <p:sldIdLst>
     <p:sldId id="256" r:id="rId2"/>
@@ -20,32 +20,33 @@
     <p:sldId id="262" r:id="rId11"/>
     <p:sldId id="272" r:id="rId12"/>
     <p:sldId id="273" r:id="rId13"/>
-    <p:sldId id="292" r:id="rId14"/>
-    <p:sldId id="263" r:id="rId15"/>
-    <p:sldId id="281" r:id="rId16"/>
-    <p:sldId id="274" r:id="rId17"/>
-    <p:sldId id="282" r:id="rId18"/>
-    <p:sldId id="275" r:id="rId19"/>
-    <p:sldId id="283" r:id="rId20"/>
-    <p:sldId id="284" r:id="rId21"/>
-    <p:sldId id="285" r:id="rId22"/>
-    <p:sldId id="286" r:id="rId23"/>
-    <p:sldId id="289" r:id="rId24"/>
-    <p:sldId id="288" r:id="rId25"/>
-    <p:sldId id="287" r:id="rId26"/>
-    <p:sldId id="276" r:id="rId27"/>
-    <p:sldId id="291" r:id="rId28"/>
-    <p:sldId id="290" r:id="rId29"/>
-    <p:sldId id="264" r:id="rId30"/>
-    <p:sldId id="303" r:id="rId31"/>
-    <p:sldId id="277" r:id="rId32"/>
-    <p:sldId id="305" r:id="rId33"/>
-    <p:sldId id="302" r:id="rId34"/>
-    <p:sldId id="278" r:id="rId35"/>
-    <p:sldId id="279" r:id="rId36"/>
-    <p:sldId id="280" r:id="rId37"/>
-    <p:sldId id="269" r:id="rId38"/>
-    <p:sldId id="271" r:id="rId39"/>
+    <p:sldId id="306" r:id="rId14"/>
+    <p:sldId id="292" r:id="rId15"/>
+    <p:sldId id="263" r:id="rId16"/>
+    <p:sldId id="281" r:id="rId17"/>
+    <p:sldId id="274" r:id="rId18"/>
+    <p:sldId id="282" r:id="rId19"/>
+    <p:sldId id="275" r:id="rId20"/>
+    <p:sldId id="283" r:id="rId21"/>
+    <p:sldId id="284" r:id="rId22"/>
+    <p:sldId id="285" r:id="rId23"/>
+    <p:sldId id="286" r:id="rId24"/>
+    <p:sldId id="289" r:id="rId25"/>
+    <p:sldId id="288" r:id="rId26"/>
+    <p:sldId id="287" r:id="rId27"/>
+    <p:sldId id="276" r:id="rId28"/>
+    <p:sldId id="291" r:id="rId29"/>
+    <p:sldId id="290" r:id="rId30"/>
+    <p:sldId id="264" r:id="rId31"/>
+    <p:sldId id="303" r:id="rId32"/>
+    <p:sldId id="277" r:id="rId33"/>
+    <p:sldId id="305" r:id="rId34"/>
+    <p:sldId id="302" r:id="rId35"/>
+    <p:sldId id="278" r:id="rId36"/>
+    <p:sldId id="279" r:id="rId37"/>
+    <p:sldId id="280" r:id="rId38"/>
+    <p:sldId id="269" r:id="rId39"/>
+    <p:sldId id="271" r:id="rId40"/>
   </p:sldIdLst>
   <p:sldSz cx="12192000" cy="6858000"/>
   <p:notesSz cx="6858000" cy="9144000"/>
@@ -146,7 +147,7 @@
   </p:defaultTextStyle>
   <p:extLst>
     <p:ext uri="{EFAFB233-063F-42B5-8137-9DF3F51BA10A}">
-      <p15:sldGuideLst xmlns:p15="http://schemas.microsoft.com/office/powerpoint/2012/main" xmlns="">
+      <p15:sldGuideLst xmlns:p15="http://schemas.microsoft.com/office/powerpoint/2012/main">
         <p15:guide id="1" orient="horz" pos="2160">
           <p15:clr>
             <a:srgbClr val="A4A3A4"/>
@@ -185,7 +186,7 @@
     <p:text> It predicts membership probabilities for each class such as the probability that given record or data point belongs to a particular class.  The class with the highest probability is considered as the most likely class</p:text>
     <p:extLst>
       <p:ext uri="{C676402C-5697-4E1C-873F-D02D1690AC5C}">
-        <p15:threadingInfo xmlns:p15="http://schemas.microsoft.com/office/powerpoint/2012/main" xmlns="" timeZoneBias="300"/>
+        <p15:threadingInfo xmlns:p15="http://schemas.microsoft.com/office/powerpoint/2012/main" timeZoneBias="300"/>
       </p:ext>
     </p:extLst>
   </p:cm>
@@ -275,7 +276,7 @@
             <a:fld id="{16D21240-5A3A-024F-BD43-24E48AF3A76B}" type="datetimeFigureOut">
               <a:rPr lang="en-US" smtClean="0"/>
               <a:pPr/>
-              <a:t>12/6/2017</a:t>
+              <a:t>12/6/17</a:t>
             </a:fld>
             <a:endParaRPr lang="en-US"/>
           </a:p>
@@ -443,7 +444,7 @@
     </p:spTree>
     <p:extLst>
       <p:ext uri="{BB962C8B-B14F-4D97-AF65-F5344CB8AC3E}">
-        <p14:creationId xmlns:p14="http://schemas.microsoft.com/office/powerpoint/2010/main" xmlns="" val="2003527968"/>
+        <p14:creationId xmlns:p14="http://schemas.microsoft.com/office/powerpoint/2010/main" val="2003527968"/>
       </p:ext>
     </p:extLst>
   </p:cSld>
@@ -761,7 +762,7 @@
             <a:fld id="{48A87A34-81AB-432B-8DAE-1953F412C126}" type="datetimeFigureOut">
               <a:rPr lang="en-US" smtClean="0"/>
               <a:pPr/>
-              <a:t>12/6/2017</a:t>
+              <a:t>12/6/17</a:t>
             </a:fld>
             <a:endParaRPr lang="en-US" dirty="0"/>
           </a:p>
@@ -949,7 +950,7 @@
             <a:fld id="{48A87A34-81AB-432B-8DAE-1953F412C126}" type="datetimeFigureOut">
               <a:rPr lang="en-US" smtClean="0"/>
               <a:pPr/>
-              <a:t>12/6/2017</a:t>
+              <a:t>12/6/17</a:t>
             </a:fld>
             <a:endParaRPr lang="en-US" dirty="0"/>
           </a:p>
@@ -1125,7 +1126,7 @@
             <a:fld id="{48A87A34-81AB-432B-8DAE-1953F412C126}" type="datetimeFigureOut">
               <a:rPr lang="en-US" smtClean="0"/>
               <a:pPr/>
-              <a:t>12/6/2017</a:t>
+              <a:t>12/6/17</a:t>
             </a:fld>
             <a:endParaRPr lang="en-US" dirty="0"/>
           </a:p>
@@ -1306,7 +1307,7 @@
             <a:fld id="{48A87A34-81AB-432B-8DAE-1953F412C126}" type="datetimeFigureOut">
               <a:rPr lang="en-US" smtClean="0"/>
               <a:pPr/>
-              <a:t>12/6/2017</a:t>
+              <a:t>12/6/17</a:t>
             </a:fld>
             <a:endParaRPr lang="en-US" dirty="0"/>
           </a:p>
@@ -1555,7 +1556,7 @@
             <a:fld id="{48A87A34-81AB-432B-8DAE-1953F412C126}" type="datetimeFigureOut">
               <a:rPr lang="en-US" smtClean="0"/>
               <a:pPr/>
-              <a:t>12/6/2017</a:t>
+              <a:t>12/6/17</a:t>
             </a:fld>
             <a:endParaRPr lang="en-US" dirty="0"/>
           </a:p>
@@ -2029,7 +2030,7 @@
             <a:fld id="{48A87A34-81AB-432B-8DAE-1953F412C126}" type="datetimeFigureOut">
               <a:rPr lang="en-US" smtClean="0"/>
               <a:pPr/>
-              <a:t>12/6/2017</a:t>
+              <a:t>12/6/17</a:t>
             </a:fld>
             <a:endParaRPr lang="en-US" dirty="0"/>
           </a:p>
@@ -2445,7 +2446,7 @@
             <a:fld id="{48A87A34-81AB-432B-8DAE-1953F412C126}" type="datetimeFigureOut">
               <a:rPr lang="en-US" smtClean="0"/>
               <a:pPr/>
-              <a:t>12/6/2017</a:t>
+              <a:t>12/6/17</a:t>
             </a:fld>
             <a:endParaRPr lang="en-US" dirty="0"/>
           </a:p>
@@ -2577,7 +2578,7 @@
             <a:fld id="{48A87A34-81AB-432B-8DAE-1953F412C126}" type="datetimeFigureOut">
               <a:rPr lang="en-US" smtClean="0"/>
               <a:pPr/>
-              <a:t>12/6/2017</a:t>
+              <a:t>12/6/17</a:t>
             </a:fld>
             <a:endParaRPr lang="en-US" dirty="0"/>
           </a:p>
@@ -2674,7 +2675,7 @@
             <a:fld id="{48A87A34-81AB-432B-8DAE-1953F412C126}" type="datetimeFigureOut">
               <a:rPr lang="en-US" smtClean="0"/>
               <a:pPr/>
-              <a:t>12/6/2017</a:t>
+              <a:t>12/6/17</a:t>
             </a:fld>
             <a:endParaRPr lang="en-US" dirty="0"/>
           </a:p>
@@ -2953,7 +2954,7 @@
             <a:fld id="{48A87A34-81AB-432B-8DAE-1953F412C126}" type="datetimeFigureOut">
               <a:rPr lang="en-US" smtClean="0"/>
               <a:pPr/>
-              <a:t>12/6/2017</a:t>
+              <a:t>12/6/17</a:t>
             </a:fld>
             <a:endParaRPr lang="en-US" dirty="0"/>
           </a:p>
@@ -3206,7 +3207,7 @@
             <a:fld id="{48A87A34-81AB-432B-8DAE-1953F412C126}" type="datetimeFigureOut">
               <a:rPr lang="en-US" smtClean="0"/>
               <a:pPr/>
-              <a:t>12/6/2017</a:t>
+              <a:t>12/6/17</a:t>
             </a:fld>
             <a:endParaRPr lang="en-US" dirty="0"/>
           </a:p>
@@ -3578,7 +3579,7 @@
             <a:fld id="{48A87A34-81AB-432B-8DAE-1953F412C126}" type="datetimeFigureOut">
               <a:rPr lang="en-US" smtClean="0"/>
               <a:pPr/>
-              <a:t>12/6/2017</a:t>
+              <a:t>12/6/17</a:t>
             </a:fld>
             <a:endParaRPr lang="en-US" dirty="0"/>
           </a:p>
@@ -4063,7 +4064,7 @@
     </p:spTree>
     <p:extLst>
       <p:ext uri="{BB962C8B-B14F-4D97-AF65-F5344CB8AC3E}">
-        <p14:creationId xmlns:p14="http://schemas.microsoft.com/office/powerpoint/2010/main" xmlns="" val="2624391631"/>
+        <p14:creationId xmlns:p14="http://schemas.microsoft.com/office/powerpoint/2010/main" val="2624391631"/>
       </p:ext>
     </p:extLst>
   </p:cSld>
@@ -4217,7 +4218,7 @@
     </p:spTree>
     <p:extLst>
       <p:ext uri="{BB962C8B-B14F-4D97-AF65-F5344CB8AC3E}">
-        <p14:creationId xmlns:p14="http://schemas.microsoft.com/office/powerpoint/2010/main" xmlns="" val="597700395"/>
+        <p14:creationId xmlns:p14="http://schemas.microsoft.com/office/powerpoint/2010/main" val="597700395"/>
       </p:ext>
     </p:extLst>
   </p:cSld>
@@ -4379,7 +4380,7 @@
           <a:blip r:embed="rId2">
             <a:extLst>
               <a:ext uri="{28A0092B-C50C-407E-A947-70E740481C1C}">
-                <a14:useLocalDpi xmlns:a14="http://schemas.microsoft.com/office/drawing/2010/main" xmlns="" val="0"/>
+                <a14:useLocalDpi xmlns:a14="http://schemas.microsoft.com/office/drawing/2010/main" val="0"/>
               </a:ext>
             </a:extLst>
           </a:blip>
@@ -4409,7 +4410,7 @@
           <a:blip r:embed="rId3">
             <a:extLst>
               <a:ext uri="{28A0092B-C50C-407E-A947-70E740481C1C}">
-                <a14:useLocalDpi xmlns:a14="http://schemas.microsoft.com/office/drawing/2010/main" xmlns="" val="0"/>
+                <a14:useLocalDpi xmlns:a14="http://schemas.microsoft.com/office/drawing/2010/main" val="0"/>
               </a:ext>
             </a:extLst>
           </a:blip>
@@ -4430,7 +4431,7 @@
     </p:spTree>
     <p:extLst>
       <p:ext uri="{BB962C8B-B14F-4D97-AF65-F5344CB8AC3E}">
-        <p14:creationId xmlns:p14="http://schemas.microsoft.com/office/powerpoint/2010/main" xmlns="" val="750973216"/>
+        <p14:creationId xmlns:p14="http://schemas.microsoft.com/office/powerpoint/2010/main" val="750973216"/>
       </p:ext>
     </p:extLst>
   </p:cSld>
@@ -4582,8 +4583,12 @@
               <a:t>0.8943 </a:t>
             </a:r>
             <a:r>
+              <a:rPr lang="it-IT" dirty="0" err="1"/>
+              <a:t>accuracy</a:t>
+            </a:r>
+            <a:r>
               <a:rPr lang="it-IT" dirty="0"/>
-              <a:t>accuracy)</a:t>
+              <a:t>)</a:t>
             </a:r>
             <a:endParaRPr lang="en-US" dirty="0"/>
           </a:p>
@@ -4607,7 +4612,7 @@
           <a:blip r:embed="rId2">
             <a:extLst>
               <a:ext uri="{28A0092B-C50C-407E-A947-70E740481C1C}">
-                <a14:useLocalDpi xmlns:a14="http://schemas.microsoft.com/office/drawing/2010/main" xmlns="" val="0"/>
+                <a14:useLocalDpi xmlns:a14="http://schemas.microsoft.com/office/drawing/2010/main" val="0"/>
               </a:ext>
             </a:extLst>
           </a:blip>
@@ -4637,7 +4642,7 @@
           <a:blip r:embed="rId3">
             <a:extLst>
               <a:ext uri="{28A0092B-C50C-407E-A947-70E740481C1C}">
-                <a14:useLocalDpi xmlns:a14="http://schemas.microsoft.com/office/drawing/2010/main" xmlns="" val="0"/>
+                <a14:useLocalDpi xmlns:a14="http://schemas.microsoft.com/office/drawing/2010/main" val="0"/>
               </a:ext>
             </a:extLst>
           </a:blip>
@@ -4658,7 +4663,7 @@
     </p:spTree>
     <p:extLst>
       <p:ext uri="{BB962C8B-B14F-4D97-AF65-F5344CB8AC3E}">
-        <p14:creationId xmlns:p14="http://schemas.microsoft.com/office/powerpoint/2010/main" xmlns="" val="313837605"/>
+        <p14:creationId xmlns:p14="http://schemas.microsoft.com/office/powerpoint/2010/main" val="313837605"/>
       </p:ext>
     </p:extLst>
   </p:cSld>
@@ -4708,10 +4713,9 @@
           <a:lstStyle/>
           <a:p>
             <a:r>
-              <a:rPr lang="en-US" dirty="0" smtClean="0"/>
-              <a:t>Conclusion for KNN</a:t>
-            </a:r>
-            <a:endParaRPr lang="en-US" dirty="0"/>
+              <a:rPr lang="en-US" dirty="0"/>
+              <a:t>Algorithm 2- KNN</a:t>
+            </a:r>
           </a:p>
         </p:txBody>
       </p:sp>
@@ -4732,39 +4736,109 @@
           <a:p>
             <a:r>
               <a:rPr lang="en-US" dirty="0"/>
-              <a:t>C</a:t>
+              <a:t>Approach </a:t>
             </a:r>
             <a:r>
               <a:rPr lang="en-US" dirty="0" smtClean="0"/>
-              <a:t>lassification accuracy increased as the value of k increased.</a:t>
-            </a:r>
-          </a:p>
-          <a:p>
+              <a:t>3 </a:t>
+            </a:r>
+            <a:r>
+              <a:rPr lang="en-US" dirty="0"/>
+              <a:t>: </a:t>
+            </a:r>
             <a:r>
               <a:rPr lang="en-US" dirty="0" smtClean="0"/>
-              <a:t>There was not much increase in accuracy after replacing missing values.</a:t>
-            </a:r>
-            <a:endParaRPr lang="en-US" dirty="0"/>
-          </a:p>
-        </p:txBody>
-      </p:sp>
+              <a:t>Non-Normalized Data, replaced </a:t>
+            </a:r>
+            <a:r>
+              <a:rPr lang="en-US" dirty="0"/>
+              <a:t>NA’s with mean/mode</a:t>
+            </a:r>
+          </a:p>
+          <a:p>
+            <a:pPr marL="448056" lvl="1" indent="-384048">
+              <a:buSzPct val="80000"/>
+              <a:buFont typeface="Wingdings 2"/>
+              <a:buChar char=""/>
+            </a:pPr>
+            <a:r>
+              <a:rPr lang="en-US" dirty="0"/>
+              <a:t>K = 19 </a:t>
+            </a:r>
+            <a:r>
+              <a:rPr lang="en-US" dirty="0" smtClean="0"/>
+              <a:t>(</a:t>
+            </a:r>
+            <a:r>
+              <a:rPr lang="is-IS" dirty="0" smtClean="0"/>
+              <a:t>0.9240924 </a:t>
+            </a:r>
+            <a:r>
+              <a:rPr lang="en-US" dirty="0"/>
+              <a:t>accuracy</a:t>
+            </a:r>
+            <a:r>
+              <a:rPr lang="it-IT" dirty="0" smtClean="0"/>
+              <a:t>)</a:t>
+            </a:r>
+          </a:p>
+          <a:p>
+            <a:pPr marL="448056" lvl="1" indent="-384048">
+              <a:buSzPct val="80000"/>
+              <a:buFont typeface="Wingdings 2"/>
+              <a:buChar char=""/>
+            </a:pPr>
+            <a:r>
+              <a:rPr lang="it-IT" dirty="0" smtClean="0"/>
+              <a:t>Accuracy increased !!</a:t>
+            </a:r>
+            <a:endParaRPr lang="en-US" dirty="0"/>
+          </a:p>
+          <a:p>
+            <a:endParaRPr lang="en-US" dirty="0"/>
+          </a:p>
+        </p:txBody>
+      </p:sp>
+      <p:pic>
+        <p:nvPicPr>
+          <p:cNvPr id="4" name="Picture 3"/>
+          <p:cNvPicPr>
+            <a:picLocks noChangeAspect="1"/>
+          </p:cNvPicPr>
+          <p:nvPr/>
+        </p:nvPicPr>
+        <p:blipFill>
+          <a:blip r:embed="rId2">
+            <a:extLst>
+              <a:ext uri="{28A0092B-C50C-407E-A947-70E740481C1C}">
+                <a14:useLocalDpi xmlns:a14="http://schemas.microsoft.com/office/drawing/2010/main" val="0"/>
+              </a:ext>
+            </a:extLst>
+          </a:blip>
+          <a:stretch>
+            <a:fillRect/>
+          </a:stretch>
+        </p:blipFill>
+        <p:spPr>
+          <a:xfrm>
+            <a:off x="6610350" y="2882900"/>
+            <a:ext cx="3143250" cy="1384300"/>
+          </a:xfrm>
+          <a:prstGeom prst="rect">
+            <a:avLst/>
+          </a:prstGeom>
+        </p:spPr>
+      </p:pic>
     </p:spTree>
     <p:extLst>
       <p:ext uri="{BB962C8B-B14F-4D97-AF65-F5344CB8AC3E}">
-        <p14:creationId xmlns:p14="http://schemas.microsoft.com/office/powerpoint/2010/main" xmlns="" val="1935058227"/>
+        <p14:creationId xmlns:p14="http://schemas.microsoft.com/office/powerpoint/2010/main" val="418922733"/>
       </p:ext>
     </p:extLst>
   </p:cSld>
   <p:clrMapOvr>
     <a:masterClrMapping/>
   </p:clrMapOvr>
-  <p:timing>
-    <p:tnLst>
-      <p:par>
-        <p:cTn id="1" dur="indefinite" restart="never" nodeType="tmRoot"/>
-      </p:par>
-    </p:tnLst>
-  </p:timing>
 </p:sld>
 </file>
 
@@ -4801,21 +4875,10 @@
           <a:lstStyle/>
           <a:p>
             <a:r>
-              <a:rPr lang="en-US" dirty="0"/>
-              <a:t>Algorithm </a:t>
-            </a:r>
-            <a:r>
               <a:rPr lang="en-US" dirty="0" smtClean="0"/>
-              <a:t>3 </a:t>
-            </a:r>
-            <a:r>
-              <a:rPr lang="mr-IN" dirty="0"/>
-              <a:t>–</a:t>
-            </a:r>
-            <a:r>
-              <a:rPr lang="en-US" dirty="0"/>
-              <a:t> Random Forest</a:t>
-            </a:r>
+              <a:t>Conclusion for KNN</a:t>
+            </a:r>
+            <a:endParaRPr lang="en-US" dirty="0"/>
           </a:p>
         </p:txBody>
       </p:sp>
@@ -4836,97 +4899,26 @@
           <a:p>
             <a:r>
               <a:rPr lang="en-US" dirty="0"/>
-              <a:t>Used all features after data cleaning to classify gender.</a:t>
-            </a:r>
-          </a:p>
-          <a:p>
-            <a:r>
-              <a:rPr lang="en-US" dirty="0"/>
-              <a:t>Approach 1: Replaced integer “NA” values with mean and factor “NA” values with mode.</a:t>
-            </a:r>
-          </a:p>
-          <a:p>
-            <a:r>
-              <a:rPr lang="en-US" dirty="0"/>
-              <a:t>For Gender, number of Trees (</a:t>
-            </a:r>
-            <a:r>
-              <a:rPr lang="en-US" dirty="0" err="1"/>
-              <a:t>ntree</a:t>
-            </a:r>
-            <a:r>
-              <a:rPr lang="en-US" dirty="0"/>
-              <a:t>) = 1000</a:t>
-            </a:r>
-          </a:p>
-          <a:p>
-            <a:pPr lvl="1"/>
-            <a:r>
-              <a:rPr lang="nb-NO" dirty="0"/>
-              <a:t>0.9306 accuracy</a:t>
-            </a:r>
-          </a:p>
-          <a:p>
-            <a:pPr marL="457200" lvl="1" indent="0">
-              <a:buNone/>
-            </a:pPr>
-            <a:endParaRPr lang="nb-NO" dirty="0"/>
-          </a:p>
-          <a:p>
-            <a:pPr lvl="1"/>
-            <a:endParaRPr lang="nb-NO" dirty="0"/>
-          </a:p>
-          <a:p>
-            <a:pPr lvl="1"/>
-            <a:endParaRPr lang="nb-NO" dirty="0"/>
-          </a:p>
-          <a:p>
-            <a:pPr lvl="1"/>
-            <a:endParaRPr lang="nb-NO" dirty="0"/>
-          </a:p>
-          <a:p>
-            <a:endParaRPr lang="nb-NO" dirty="0"/>
-          </a:p>
-          <a:p>
-            <a:pPr lvl="1"/>
-            <a:endParaRPr lang="en-US" dirty="0"/>
-          </a:p>
-        </p:txBody>
-      </p:sp>
-      <p:pic>
-        <p:nvPicPr>
-          <p:cNvPr id="4" name="Picture 3">
-            <a:extLst>
-              <a:ext uri="{FF2B5EF4-FFF2-40B4-BE49-F238E27FC236}">
-                <a16:creationId xmlns:a16="http://schemas.microsoft.com/office/drawing/2014/main" xmlns="" id="{2487C7DE-DE19-4190-AFF7-8E55A70D19E2}"/>
-              </a:ext>
-            </a:extLst>
-          </p:cNvPr>
-          <p:cNvPicPr>
-            <a:picLocks noChangeAspect="1"/>
-          </p:cNvPicPr>
-          <p:nvPr/>
-        </p:nvPicPr>
-        <p:blipFill>
-          <a:blip r:embed="rId2"/>
-          <a:stretch>
-            <a:fillRect/>
-          </a:stretch>
-        </p:blipFill>
-        <p:spPr>
-          <a:xfrm>
-            <a:off x="3168978" y="4732258"/>
-            <a:ext cx="5231876" cy="1470582"/>
-          </a:xfrm>
-          <a:prstGeom prst="rect">
-            <a:avLst/>
-          </a:prstGeom>
-        </p:spPr>
-      </p:pic>
+              <a:t>C</a:t>
+            </a:r>
+            <a:r>
+              <a:rPr lang="en-US" dirty="0" smtClean="0"/>
+              <a:t>lassification accuracy increased as the value of k increased.</a:t>
+            </a:r>
+          </a:p>
+          <a:p>
+            <a:r>
+              <a:rPr lang="en-US" dirty="0" smtClean="0"/>
+              <a:t>There was not much increase in accuracy after replacing missing values.</a:t>
+            </a:r>
+            <a:endParaRPr lang="en-US" dirty="0"/>
+          </a:p>
+        </p:txBody>
+      </p:sp>
     </p:spTree>
     <p:extLst>
       <p:ext uri="{BB962C8B-B14F-4D97-AF65-F5344CB8AC3E}">
-        <p14:creationId xmlns:p14="http://schemas.microsoft.com/office/powerpoint/2010/main" xmlns="" val="1353407553"/>
+        <p14:creationId xmlns:p14="http://schemas.microsoft.com/office/powerpoint/2010/main" val="1935058227"/>
       </p:ext>
     </p:extLst>
   </p:cSld>
@@ -4960,12 +4952,120 @@
           <a:chExt cx="0" cy="0"/>
         </a:xfrm>
       </p:grpSpPr>
+      <p:sp>
+        <p:nvSpPr>
+          <p:cNvPr id="2" name="Title 1"/>
+          <p:cNvSpPr>
+            <a:spLocks noGrp="1"/>
+          </p:cNvSpPr>
+          <p:nvPr>
+            <p:ph type="title"/>
+          </p:nvPr>
+        </p:nvSpPr>
+        <p:spPr/>
+        <p:txBody>
+          <a:bodyPr/>
+          <a:lstStyle/>
+          <a:p>
+            <a:r>
+              <a:rPr lang="en-US" dirty="0"/>
+              <a:t>Algorithm </a:t>
+            </a:r>
+            <a:r>
+              <a:rPr lang="en-US" dirty="0" smtClean="0"/>
+              <a:t>3 </a:t>
+            </a:r>
+            <a:r>
+              <a:rPr lang="mr-IN" dirty="0"/>
+              <a:t>–</a:t>
+            </a:r>
+            <a:r>
+              <a:rPr lang="en-US" dirty="0"/>
+              <a:t> Random Forest</a:t>
+            </a:r>
+          </a:p>
+        </p:txBody>
+      </p:sp>
+      <p:sp>
+        <p:nvSpPr>
+          <p:cNvPr id="3" name="Content Placeholder 2"/>
+          <p:cNvSpPr>
+            <a:spLocks noGrp="1"/>
+          </p:cNvSpPr>
+          <p:nvPr>
+            <p:ph idx="1"/>
+          </p:nvPr>
+        </p:nvSpPr>
+        <p:spPr/>
+        <p:txBody>
+          <a:bodyPr/>
+          <a:lstStyle/>
+          <a:p>
+            <a:r>
+              <a:rPr lang="en-US" dirty="0"/>
+              <a:t>Used all features after data cleaning to classify gender.</a:t>
+            </a:r>
+          </a:p>
+          <a:p>
+            <a:r>
+              <a:rPr lang="en-US" dirty="0"/>
+              <a:t>Approach 1: Replaced integer “NA” values with mean and factor “NA” values with mode.</a:t>
+            </a:r>
+          </a:p>
+          <a:p>
+            <a:r>
+              <a:rPr lang="en-US" dirty="0"/>
+              <a:t>For Gender, number of Trees (</a:t>
+            </a:r>
+            <a:r>
+              <a:rPr lang="en-US" dirty="0" err="1"/>
+              <a:t>ntree</a:t>
+            </a:r>
+            <a:r>
+              <a:rPr lang="en-US" dirty="0"/>
+              <a:t>) = 1000</a:t>
+            </a:r>
+          </a:p>
+          <a:p>
+            <a:pPr lvl="1"/>
+            <a:r>
+              <a:rPr lang="nb-NO" dirty="0"/>
+              <a:t>0.9306 accuracy</a:t>
+            </a:r>
+          </a:p>
+          <a:p>
+            <a:pPr marL="457200" lvl="1" indent="0">
+              <a:buNone/>
+            </a:pPr>
+            <a:endParaRPr lang="nb-NO" dirty="0"/>
+          </a:p>
+          <a:p>
+            <a:pPr lvl="1"/>
+            <a:endParaRPr lang="nb-NO" dirty="0"/>
+          </a:p>
+          <a:p>
+            <a:pPr lvl="1"/>
+            <a:endParaRPr lang="nb-NO" dirty="0"/>
+          </a:p>
+          <a:p>
+            <a:pPr lvl="1"/>
+            <a:endParaRPr lang="nb-NO" dirty="0"/>
+          </a:p>
+          <a:p>
+            <a:endParaRPr lang="nb-NO" dirty="0"/>
+          </a:p>
+          <a:p>
+            <a:pPr lvl="1"/>
+            <a:endParaRPr lang="en-US" dirty="0"/>
+          </a:p>
+        </p:txBody>
+      </p:sp>
       <p:pic>
         <p:nvPicPr>
-          <p:cNvPr id="6" name="Picture 5">
+          <p:cNvPr id="4" name="Picture 3">
             <a:extLst>
               <a:ext uri="{FF2B5EF4-FFF2-40B4-BE49-F238E27FC236}">
-                <a16:creationId xmlns:a16="http://schemas.microsoft.com/office/drawing/2014/main" xmlns="" id="{2EE0A306-66B1-476B-828C-664E99CBFE66}"/>
+                <a16:creationId xmlns="" xmlns:a16="http://schemas.microsoft.com/office/drawing/2014/main" id="{2487C7DE-DE19-4190-AFF7-8E55A70D19E2}"/>
               </a:ext>
             </a:extLst>
           </p:cNvPr>
@@ -4982,38 +5082,8 @@
         </p:blipFill>
         <p:spPr>
           <a:xfrm>
-            <a:off x="502906" y="249860"/>
-            <a:ext cx="5549102" cy="5830430"/>
-          </a:xfrm>
-          <a:prstGeom prst="rect">
-            <a:avLst/>
-          </a:prstGeom>
-        </p:spPr>
-      </p:pic>
-      <p:pic>
-        <p:nvPicPr>
-          <p:cNvPr id="2" name="Picture 1">
-            <a:extLst>
-              <a:ext uri="{FF2B5EF4-FFF2-40B4-BE49-F238E27FC236}">
-                <a16:creationId xmlns:a16="http://schemas.microsoft.com/office/drawing/2014/main" xmlns="" id="{86A41FC7-4FA5-41EE-B9C9-57C6CE06F3D5}"/>
-              </a:ext>
-            </a:extLst>
-          </p:cNvPr>
-          <p:cNvPicPr>
-            <a:picLocks noChangeAspect="1"/>
-          </p:cNvPicPr>
-          <p:nvPr/>
-        </p:nvPicPr>
-        <p:blipFill>
-          <a:blip r:embed="rId3"/>
-          <a:stretch>
-            <a:fillRect/>
-          </a:stretch>
-        </p:blipFill>
-        <p:spPr>
-          <a:xfrm>
-            <a:off x="6617615" y="249860"/>
-            <a:ext cx="5043342" cy="5830430"/>
+            <a:off x="3168978" y="4732258"/>
+            <a:ext cx="5231876" cy="1470582"/>
           </a:xfrm>
           <a:prstGeom prst="rect">
             <a:avLst/>
@@ -5023,7 +5093,7 @@
     </p:spTree>
     <p:extLst>
       <p:ext uri="{BB962C8B-B14F-4D97-AF65-F5344CB8AC3E}">
-        <p14:creationId xmlns:p14="http://schemas.microsoft.com/office/powerpoint/2010/main" xmlns="" val="2813237534"/>
+        <p14:creationId xmlns:p14="http://schemas.microsoft.com/office/powerpoint/2010/main" val="1353407553"/>
       </p:ext>
     </p:extLst>
   </p:cSld>
@@ -5057,93 +5127,12 @@
           <a:chExt cx="0" cy="0"/>
         </a:xfrm>
       </p:grpSpPr>
-      <p:sp>
-        <p:nvSpPr>
-          <p:cNvPr id="2" name="Title 1"/>
-          <p:cNvSpPr>
-            <a:spLocks noGrp="1"/>
-          </p:cNvSpPr>
-          <p:nvPr>
-            <p:ph type="title"/>
-          </p:nvPr>
-        </p:nvSpPr>
-        <p:spPr/>
-        <p:txBody>
-          <a:bodyPr/>
-          <a:lstStyle/>
-          <a:p>
-            <a:r>
-              <a:rPr lang="en-US" dirty="0"/>
-              <a:t>Algorithm </a:t>
-            </a:r>
-            <a:r>
-              <a:rPr lang="en-US" dirty="0" smtClean="0"/>
-              <a:t>3 </a:t>
-            </a:r>
-            <a:r>
-              <a:rPr lang="mr-IN" dirty="0"/>
-              <a:t>–</a:t>
-            </a:r>
-            <a:r>
-              <a:rPr lang="en-US" dirty="0"/>
-              <a:t> Random Forest</a:t>
-            </a:r>
-          </a:p>
-        </p:txBody>
-      </p:sp>
-      <p:sp>
-        <p:nvSpPr>
-          <p:cNvPr id="3" name="Content Placeholder 2"/>
-          <p:cNvSpPr>
-            <a:spLocks noGrp="1"/>
-          </p:cNvSpPr>
-          <p:nvPr>
-            <p:ph idx="1"/>
-          </p:nvPr>
-        </p:nvSpPr>
-        <p:spPr/>
-        <p:txBody>
-          <a:bodyPr>
-            <a:normAutofit/>
-          </a:bodyPr>
-          <a:lstStyle/>
-          <a:p>
-            <a:r>
-              <a:rPr lang="en-US" dirty="0"/>
-              <a:t>For Gender, number of Trees (</a:t>
-            </a:r>
-            <a:r>
-              <a:rPr lang="en-US" dirty="0" err="1"/>
-              <a:t>ntree</a:t>
-            </a:r>
-            <a:r>
-              <a:rPr lang="en-US" dirty="0"/>
-              <a:t>) = 2000</a:t>
-            </a:r>
-          </a:p>
-          <a:p>
-            <a:pPr lvl="1"/>
-            <a:r>
-              <a:rPr lang="nb-NO" dirty="0"/>
-              <a:t>0.9307 accuracy</a:t>
-            </a:r>
-          </a:p>
-          <a:p>
-            <a:pPr lvl="1"/>
-            <a:endParaRPr lang="nb-NO" dirty="0"/>
-          </a:p>
-          <a:p>
-            <a:pPr lvl="1"/>
-            <a:endParaRPr lang="en-US" dirty="0"/>
-          </a:p>
-        </p:txBody>
-      </p:sp>
       <p:pic>
         <p:nvPicPr>
-          <p:cNvPr id="4" name="Picture 3">
+          <p:cNvPr id="6" name="Picture 5">
             <a:extLst>
               <a:ext uri="{FF2B5EF4-FFF2-40B4-BE49-F238E27FC236}">
-                <a16:creationId xmlns:a16="http://schemas.microsoft.com/office/drawing/2014/main" xmlns="" id="{E41201F2-5E9E-49B7-9290-45E8A98E0C9B}"/>
+                <a16:creationId xmlns="" xmlns:a16="http://schemas.microsoft.com/office/drawing/2014/main" id="{2EE0A306-66B1-476B-828C-664E99CBFE66}"/>
               </a:ext>
             </a:extLst>
           </p:cNvPr>
@@ -5160,8 +5149,38 @@
         </p:blipFill>
         <p:spPr>
           <a:xfrm>
-            <a:off x="3168978" y="3912125"/>
-            <a:ext cx="5231876" cy="1470582"/>
+            <a:off x="502906" y="249860"/>
+            <a:ext cx="5549102" cy="5830430"/>
+          </a:xfrm>
+          <a:prstGeom prst="rect">
+            <a:avLst/>
+          </a:prstGeom>
+        </p:spPr>
+      </p:pic>
+      <p:pic>
+        <p:nvPicPr>
+          <p:cNvPr id="2" name="Picture 1">
+            <a:extLst>
+              <a:ext uri="{FF2B5EF4-FFF2-40B4-BE49-F238E27FC236}">
+                <a16:creationId xmlns="" xmlns:a16="http://schemas.microsoft.com/office/drawing/2014/main" id="{86A41FC7-4FA5-41EE-B9C9-57C6CE06F3D5}"/>
+              </a:ext>
+            </a:extLst>
+          </p:cNvPr>
+          <p:cNvPicPr>
+            <a:picLocks noChangeAspect="1"/>
+          </p:cNvPicPr>
+          <p:nvPr/>
+        </p:nvPicPr>
+        <p:blipFill>
+          <a:blip r:embed="rId3"/>
+          <a:stretch>
+            <a:fillRect/>
+          </a:stretch>
+        </p:blipFill>
+        <p:spPr>
+          <a:xfrm>
+            <a:off x="6617615" y="249860"/>
+            <a:ext cx="5043342" cy="5830430"/>
           </a:xfrm>
           <a:prstGeom prst="rect">
             <a:avLst/>
@@ -5171,7 +5190,7 @@
     </p:spTree>
     <p:extLst>
       <p:ext uri="{BB962C8B-B14F-4D97-AF65-F5344CB8AC3E}">
-        <p14:creationId xmlns:p14="http://schemas.microsoft.com/office/powerpoint/2010/main" xmlns="" val="1835096561"/>
+        <p14:creationId xmlns:p14="http://schemas.microsoft.com/office/powerpoint/2010/main" val="2813237534"/>
       </p:ext>
     </p:extLst>
   </p:cSld>
@@ -5205,12 +5224,93 @@
           <a:chExt cx="0" cy="0"/>
         </a:xfrm>
       </p:grpSpPr>
+      <p:sp>
+        <p:nvSpPr>
+          <p:cNvPr id="2" name="Title 1"/>
+          <p:cNvSpPr>
+            <a:spLocks noGrp="1"/>
+          </p:cNvSpPr>
+          <p:nvPr>
+            <p:ph type="title"/>
+          </p:nvPr>
+        </p:nvSpPr>
+        <p:spPr/>
+        <p:txBody>
+          <a:bodyPr/>
+          <a:lstStyle/>
+          <a:p>
+            <a:r>
+              <a:rPr lang="en-US" dirty="0"/>
+              <a:t>Algorithm </a:t>
+            </a:r>
+            <a:r>
+              <a:rPr lang="en-US" dirty="0" smtClean="0"/>
+              <a:t>3 </a:t>
+            </a:r>
+            <a:r>
+              <a:rPr lang="mr-IN" dirty="0"/>
+              <a:t>–</a:t>
+            </a:r>
+            <a:r>
+              <a:rPr lang="en-US" dirty="0"/>
+              <a:t> Random Forest</a:t>
+            </a:r>
+          </a:p>
+        </p:txBody>
+      </p:sp>
+      <p:sp>
+        <p:nvSpPr>
+          <p:cNvPr id="3" name="Content Placeholder 2"/>
+          <p:cNvSpPr>
+            <a:spLocks noGrp="1"/>
+          </p:cNvSpPr>
+          <p:nvPr>
+            <p:ph idx="1"/>
+          </p:nvPr>
+        </p:nvSpPr>
+        <p:spPr/>
+        <p:txBody>
+          <a:bodyPr>
+            <a:normAutofit/>
+          </a:bodyPr>
+          <a:lstStyle/>
+          <a:p>
+            <a:r>
+              <a:rPr lang="en-US" dirty="0"/>
+              <a:t>For Gender, number of Trees (</a:t>
+            </a:r>
+            <a:r>
+              <a:rPr lang="en-US" dirty="0" err="1"/>
+              <a:t>ntree</a:t>
+            </a:r>
+            <a:r>
+              <a:rPr lang="en-US" dirty="0"/>
+              <a:t>) = 2000</a:t>
+            </a:r>
+          </a:p>
+          <a:p>
+            <a:pPr lvl="1"/>
+            <a:r>
+              <a:rPr lang="nb-NO" dirty="0"/>
+              <a:t>0.9307 accuracy</a:t>
+            </a:r>
+          </a:p>
+          <a:p>
+            <a:pPr lvl="1"/>
+            <a:endParaRPr lang="nb-NO" dirty="0"/>
+          </a:p>
+          <a:p>
+            <a:pPr lvl="1"/>
+            <a:endParaRPr lang="en-US" dirty="0"/>
+          </a:p>
+        </p:txBody>
+      </p:sp>
       <p:pic>
         <p:nvPicPr>
-          <p:cNvPr id="2" name="Picture 1">
+          <p:cNvPr id="4" name="Picture 3">
             <a:extLst>
               <a:ext uri="{FF2B5EF4-FFF2-40B4-BE49-F238E27FC236}">
-                <a16:creationId xmlns:a16="http://schemas.microsoft.com/office/drawing/2014/main" xmlns="" id="{CD66F473-202E-4695-A31E-CD0C63192611}"/>
+                <a16:creationId xmlns="" xmlns:a16="http://schemas.microsoft.com/office/drawing/2014/main" id="{E41201F2-5E9E-49B7-9290-45E8A98E0C9B}"/>
               </a:ext>
             </a:extLst>
           </p:cNvPr>
@@ -5227,38 +5327,8 @@
         </p:blipFill>
         <p:spPr>
           <a:xfrm>
-            <a:off x="6608190" y="287567"/>
-            <a:ext cx="5076972" cy="5830430"/>
-          </a:xfrm>
-          <a:prstGeom prst="rect">
-            <a:avLst/>
-          </a:prstGeom>
-        </p:spPr>
-      </p:pic>
-      <p:pic>
-        <p:nvPicPr>
-          <p:cNvPr id="3" name="Picture 2">
-            <a:extLst>
-              <a:ext uri="{FF2B5EF4-FFF2-40B4-BE49-F238E27FC236}">
-                <a16:creationId xmlns:a16="http://schemas.microsoft.com/office/drawing/2014/main" xmlns="" id="{88DE7B0B-7E4E-40A9-BA41-946E7654D5FB}"/>
-              </a:ext>
-            </a:extLst>
-          </p:cNvPr>
-          <p:cNvPicPr>
-            <a:picLocks noChangeAspect="1"/>
-          </p:cNvPicPr>
-          <p:nvPr/>
-        </p:nvPicPr>
-        <p:blipFill>
-          <a:blip r:embed="rId3"/>
-          <a:stretch>
-            <a:fillRect/>
-          </a:stretch>
-        </p:blipFill>
-        <p:spPr>
-          <a:xfrm>
-            <a:off x="502906" y="212153"/>
-            <a:ext cx="5549102" cy="5830430"/>
+            <a:off x="3168978" y="3912125"/>
+            <a:ext cx="5231876" cy="1470582"/>
           </a:xfrm>
           <a:prstGeom prst="rect">
             <a:avLst/>
@@ -5268,7 +5338,7 @@
     </p:spTree>
     <p:extLst>
       <p:ext uri="{BB962C8B-B14F-4D97-AF65-F5344CB8AC3E}">
-        <p14:creationId xmlns:p14="http://schemas.microsoft.com/office/powerpoint/2010/main" xmlns="" val="1066629938"/>
+        <p14:creationId xmlns:p14="http://schemas.microsoft.com/office/powerpoint/2010/main" val="1835096561"/>
       </p:ext>
     </p:extLst>
   </p:cSld>
@@ -5302,93 +5372,12 @@
           <a:chExt cx="0" cy="0"/>
         </a:xfrm>
       </p:grpSpPr>
-      <p:sp>
-        <p:nvSpPr>
-          <p:cNvPr id="2" name="Title 1"/>
-          <p:cNvSpPr>
-            <a:spLocks noGrp="1"/>
-          </p:cNvSpPr>
-          <p:nvPr>
-            <p:ph type="title"/>
-          </p:nvPr>
-        </p:nvSpPr>
-        <p:spPr/>
-        <p:txBody>
-          <a:bodyPr/>
-          <a:lstStyle/>
-          <a:p>
-            <a:r>
-              <a:rPr lang="en-US" dirty="0"/>
-              <a:t>Algorithm </a:t>
-            </a:r>
-            <a:r>
-              <a:rPr lang="en-US" dirty="0" smtClean="0"/>
-              <a:t>3 </a:t>
-            </a:r>
-            <a:r>
-              <a:rPr lang="mr-IN" dirty="0"/>
-              <a:t>–</a:t>
-            </a:r>
-            <a:r>
-              <a:rPr lang="en-US" dirty="0"/>
-              <a:t> Random Forest</a:t>
-            </a:r>
-          </a:p>
-        </p:txBody>
-      </p:sp>
-      <p:sp>
-        <p:nvSpPr>
-          <p:cNvPr id="3" name="Content Placeholder 2"/>
-          <p:cNvSpPr>
-            <a:spLocks noGrp="1"/>
-          </p:cNvSpPr>
-          <p:nvPr>
-            <p:ph idx="1"/>
-          </p:nvPr>
-        </p:nvSpPr>
-        <p:spPr/>
-        <p:txBody>
-          <a:bodyPr/>
-          <a:lstStyle/>
-          <a:p>
-            <a:r>
-              <a:rPr lang="en-US" dirty="0"/>
-              <a:t>For Gender, number of Trees (</a:t>
-            </a:r>
-            <a:r>
-              <a:rPr lang="en-US" dirty="0" err="1"/>
-              <a:t>ntree</a:t>
-            </a:r>
-            <a:r>
-              <a:rPr lang="en-US" dirty="0"/>
-              <a:t>) = 3000</a:t>
-            </a:r>
-          </a:p>
-          <a:p>
-            <a:pPr lvl="1"/>
-            <a:r>
-              <a:rPr lang="nb-NO" dirty="0"/>
-              <a:t>0.94 accuracy</a:t>
-            </a:r>
-          </a:p>
-          <a:p>
-            <a:pPr marL="457200" lvl="1" indent="0">
-              <a:buNone/>
-            </a:pPr>
-            <a:endParaRPr lang="nb-NO" dirty="0"/>
-          </a:p>
-          <a:p>
-            <a:pPr lvl="1"/>
-            <a:endParaRPr lang="en-US" dirty="0"/>
-          </a:p>
-        </p:txBody>
-      </p:sp>
       <p:pic>
         <p:nvPicPr>
-          <p:cNvPr id="4" name="Picture 3">
+          <p:cNvPr id="2" name="Picture 1">
             <a:extLst>
               <a:ext uri="{FF2B5EF4-FFF2-40B4-BE49-F238E27FC236}">
-                <a16:creationId xmlns:a16="http://schemas.microsoft.com/office/drawing/2014/main" xmlns="" id="{E547C40E-EBC3-48BE-A5E8-18839AC62B6E}"/>
+                <a16:creationId xmlns="" xmlns:a16="http://schemas.microsoft.com/office/drawing/2014/main" id="{CD66F473-202E-4695-A31E-CD0C63192611}"/>
               </a:ext>
             </a:extLst>
           </p:cNvPr>
@@ -5405,8 +5394,38 @@
         </p:blipFill>
         <p:spPr>
           <a:xfrm>
-            <a:off x="3214540" y="3679890"/>
-            <a:ext cx="4807670" cy="1617973"/>
+            <a:off x="6608190" y="287567"/>
+            <a:ext cx="5076972" cy="5830430"/>
+          </a:xfrm>
+          <a:prstGeom prst="rect">
+            <a:avLst/>
+          </a:prstGeom>
+        </p:spPr>
+      </p:pic>
+      <p:pic>
+        <p:nvPicPr>
+          <p:cNvPr id="3" name="Picture 2">
+            <a:extLst>
+              <a:ext uri="{FF2B5EF4-FFF2-40B4-BE49-F238E27FC236}">
+                <a16:creationId xmlns="" xmlns:a16="http://schemas.microsoft.com/office/drawing/2014/main" id="{88DE7B0B-7E4E-40A9-BA41-946E7654D5FB}"/>
+              </a:ext>
+            </a:extLst>
+          </p:cNvPr>
+          <p:cNvPicPr>
+            <a:picLocks noChangeAspect="1"/>
+          </p:cNvPicPr>
+          <p:nvPr/>
+        </p:nvPicPr>
+        <p:blipFill>
+          <a:blip r:embed="rId3"/>
+          <a:stretch>
+            <a:fillRect/>
+          </a:stretch>
+        </p:blipFill>
+        <p:spPr>
+          <a:xfrm>
+            <a:off x="502906" y="212153"/>
+            <a:ext cx="5549102" cy="5830430"/>
           </a:xfrm>
           <a:prstGeom prst="rect">
             <a:avLst/>
@@ -5416,7 +5435,7 @@
     </p:spTree>
     <p:extLst>
       <p:ext uri="{BB962C8B-B14F-4D97-AF65-F5344CB8AC3E}">
-        <p14:creationId xmlns:p14="http://schemas.microsoft.com/office/powerpoint/2010/main" xmlns="" val="1644211426"/>
+        <p14:creationId xmlns:p14="http://schemas.microsoft.com/office/powerpoint/2010/main" val="1066629938"/>
       </p:ext>
     </p:extLst>
   </p:cSld>
@@ -5450,12 +5469,93 @@
           <a:chExt cx="0" cy="0"/>
         </a:xfrm>
       </p:grpSpPr>
+      <p:sp>
+        <p:nvSpPr>
+          <p:cNvPr id="2" name="Title 1"/>
+          <p:cNvSpPr>
+            <a:spLocks noGrp="1"/>
+          </p:cNvSpPr>
+          <p:nvPr>
+            <p:ph type="title"/>
+          </p:nvPr>
+        </p:nvSpPr>
+        <p:spPr/>
+        <p:txBody>
+          <a:bodyPr/>
+          <a:lstStyle/>
+          <a:p>
+            <a:r>
+              <a:rPr lang="en-US" dirty="0"/>
+              <a:t>Algorithm </a:t>
+            </a:r>
+            <a:r>
+              <a:rPr lang="en-US" dirty="0" smtClean="0"/>
+              <a:t>3 </a:t>
+            </a:r>
+            <a:r>
+              <a:rPr lang="mr-IN" dirty="0"/>
+              <a:t>–</a:t>
+            </a:r>
+            <a:r>
+              <a:rPr lang="en-US" dirty="0"/>
+              <a:t> Random Forest</a:t>
+            </a:r>
+          </a:p>
+        </p:txBody>
+      </p:sp>
+      <p:sp>
+        <p:nvSpPr>
+          <p:cNvPr id="3" name="Content Placeholder 2"/>
+          <p:cNvSpPr>
+            <a:spLocks noGrp="1"/>
+          </p:cNvSpPr>
+          <p:nvPr>
+            <p:ph idx="1"/>
+          </p:nvPr>
+        </p:nvSpPr>
+        <p:spPr/>
+        <p:txBody>
+          <a:bodyPr/>
+          <a:lstStyle/>
+          <a:p>
+            <a:r>
+              <a:rPr lang="en-US" dirty="0"/>
+              <a:t>For Gender, number of Trees (</a:t>
+            </a:r>
+            <a:r>
+              <a:rPr lang="en-US" dirty="0" err="1"/>
+              <a:t>ntree</a:t>
+            </a:r>
+            <a:r>
+              <a:rPr lang="en-US" dirty="0"/>
+              <a:t>) = 3000</a:t>
+            </a:r>
+          </a:p>
+          <a:p>
+            <a:pPr lvl="1"/>
+            <a:r>
+              <a:rPr lang="nb-NO" dirty="0"/>
+              <a:t>0.94 accuracy</a:t>
+            </a:r>
+          </a:p>
+          <a:p>
+            <a:pPr marL="457200" lvl="1" indent="0">
+              <a:buNone/>
+            </a:pPr>
+            <a:endParaRPr lang="nb-NO" dirty="0"/>
+          </a:p>
+          <a:p>
+            <a:pPr lvl="1"/>
+            <a:endParaRPr lang="en-US" dirty="0"/>
+          </a:p>
+        </p:txBody>
+      </p:sp>
       <p:pic>
         <p:nvPicPr>
-          <p:cNvPr id="6" name="Picture 5">
+          <p:cNvPr id="4" name="Picture 3">
             <a:extLst>
               <a:ext uri="{FF2B5EF4-FFF2-40B4-BE49-F238E27FC236}">
-                <a16:creationId xmlns:a16="http://schemas.microsoft.com/office/drawing/2014/main" xmlns="" id="{E5500A7C-34BB-49CE-8A02-F70D95A61149}"/>
+                <a16:creationId xmlns="" xmlns:a16="http://schemas.microsoft.com/office/drawing/2014/main" id="{E547C40E-EBC3-48BE-A5E8-18839AC62B6E}"/>
               </a:ext>
             </a:extLst>
           </p:cNvPr>
@@ -5472,38 +5572,8 @@
         </p:blipFill>
         <p:spPr>
           <a:xfrm>
-            <a:off x="502906" y="212153"/>
-            <a:ext cx="5549102" cy="5830430"/>
-          </a:xfrm>
-          <a:prstGeom prst="rect">
-            <a:avLst/>
-          </a:prstGeom>
-        </p:spPr>
-      </p:pic>
-      <p:pic>
-        <p:nvPicPr>
-          <p:cNvPr id="2" name="Picture 1">
-            <a:extLst>
-              <a:ext uri="{FF2B5EF4-FFF2-40B4-BE49-F238E27FC236}">
-                <a16:creationId xmlns:a16="http://schemas.microsoft.com/office/drawing/2014/main" xmlns="" id="{E0455F67-7B2A-43B3-8BAD-3ABFCA79DEB2}"/>
-              </a:ext>
-            </a:extLst>
-          </p:cNvPr>
-          <p:cNvPicPr>
-            <a:picLocks noChangeAspect="1"/>
-          </p:cNvPicPr>
-          <p:nvPr/>
-        </p:nvPicPr>
-        <p:blipFill>
-          <a:blip r:embed="rId3"/>
-          <a:stretch>
-            <a:fillRect/>
-          </a:stretch>
-        </p:blipFill>
-        <p:spPr>
-          <a:xfrm>
-            <a:off x="6476213" y="212152"/>
-            <a:ext cx="5316719" cy="5830431"/>
+            <a:off x="3214540" y="3679890"/>
+            <a:ext cx="4807670" cy="1617973"/>
           </a:xfrm>
           <a:prstGeom prst="rect">
             <a:avLst/>
@@ -5513,7 +5583,7 @@
     </p:spTree>
     <p:extLst>
       <p:ext uri="{BB962C8B-B14F-4D97-AF65-F5344CB8AC3E}">
-        <p14:creationId xmlns:p14="http://schemas.microsoft.com/office/powerpoint/2010/main" xmlns="" val="661810499"/>
+        <p14:creationId xmlns:p14="http://schemas.microsoft.com/office/powerpoint/2010/main" val="1644211426"/>
       </p:ext>
     </p:extLst>
   </p:cSld>
@@ -5634,7 +5704,7 @@
           <p:cNvPr id="8" name="Picture 7">
             <a:extLst>
               <a:ext uri="{FF2B5EF4-FFF2-40B4-BE49-F238E27FC236}">
-                <a16:creationId xmlns:a16="http://schemas.microsoft.com/office/drawing/2014/main" xmlns="" id="{8B297A75-5C96-4B8E-A721-B5A80A818F40}"/>
+                <a16:creationId xmlns="" xmlns:a16="http://schemas.microsoft.com/office/drawing/2014/main" id="{8B297A75-5C96-4B8E-A721-B5A80A818F40}"/>
               </a:ext>
             </a:extLst>
           </p:cNvPr>
@@ -5710,7 +5780,7 @@
     </p:spTree>
     <p:extLst>
       <p:ext uri="{BB962C8B-B14F-4D97-AF65-F5344CB8AC3E}">
-        <p14:creationId xmlns:p14="http://schemas.microsoft.com/office/powerpoint/2010/main" xmlns="" val="2694219937"/>
+        <p14:creationId xmlns:p14="http://schemas.microsoft.com/office/powerpoint/2010/main" val="2694219937"/>
       </p:ext>
     </p:extLst>
   </p:cSld>
@@ -5744,114 +5814,12 @@
           <a:chExt cx="0" cy="0"/>
         </a:xfrm>
       </p:grpSpPr>
-      <p:sp>
-        <p:nvSpPr>
-          <p:cNvPr id="2" name="Title 1"/>
-          <p:cNvSpPr>
-            <a:spLocks noGrp="1"/>
-          </p:cNvSpPr>
-          <p:nvPr>
-            <p:ph type="title"/>
-          </p:nvPr>
-        </p:nvSpPr>
-        <p:spPr/>
-        <p:txBody>
-          <a:bodyPr/>
-          <a:lstStyle/>
-          <a:p>
-            <a:r>
-              <a:rPr lang="en-US" dirty="0"/>
-              <a:t>Algorithm </a:t>
-            </a:r>
-            <a:r>
-              <a:rPr lang="en-US" dirty="0" smtClean="0"/>
-              <a:t>3 </a:t>
-            </a:r>
-            <a:r>
-              <a:rPr lang="mr-IN" dirty="0"/>
-              <a:t>–</a:t>
-            </a:r>
-            <a:r>
-              <a:rPr lang="en-US" dirty="0"/>
-              <a:t> Random Forest</a:t>
-            </a:r>
-          </a:p>
-        </p:txBody>
-      </p:sp>
-      <p:sp>
-        <p:nvSpPr>
-          <p:cNvPr id="3" name="Content Placeholder 2"/>
-          <p:cNvSpPr>
-            <a:spLocks noGrp="1"/>
-          </p:cNvSpPr>
-          <p:nvPr>
-            <p:ph idx="1"/>
-          </p:nvPr>
-        </p:nvSpPr>
-        <p:spPr/>
-        <p:txBody>
-          <a:bodyPr/>
-          <a:lstStyle/>
-          <a:p>
-            <a:r>
-              <a:rPr lang="en-US" dirty="0"/>
-              <a:t>Approach 2: Omitting NA values. (684 columns)</a:t>
-            </a:r>
-          </a:p>
-          <a:p>
-            <a:r>
-              <a:rPr lang="en-US" dirty="0"/>
-              <a:t>For Gender, number of Trees (</a:t>
-            </a:r>
-            <a:r>
-              <a:rPr lang="en-US" dirty="0" err="1"/>
-              <a:t>ntree</a:t>
-            </a:r>
-            <a:r>
-              <a:rPr lang="en-US" dirty="0"/>
-              <a:t>) = 1000</a:t>
-            </a:r>
-          </a:p>
-          <a:p>
-            <a:pPr lvl="1"/>
-            <a:r>
-              <a:rPr lang="nb-NO" dirty="0"/>
-              <a:t>0.9416 accuracy</a:t>
-            </a:r>
-          </a:p>
-          <a:p>
-            <a:pPr marL="457200" lvl="1" indent="0">
-              <a:buNone/>
-            </a:pPr>
-            <a:endParaRPr lang="nb-NO" dirty="0"/>
-          </a:p>
-          <a:p>
-            <a:pPr lvl="1"/>
-            <a:endParaRPr lang="nb-NO" dirty="0"/>
-          </a:p>
-          <a:p>
-            <a:pPr lvl="1"/>
-            <a:endParaRPr lang="nb-NO" dirty="0"/>
-          </a:p>
-          <a:p>
-            <a:pPr lvl="1"/>
-            <a:endParaRPr lang="nb-NO" dirty="0"/>
-          </a:p>
-          <a:p>
-            <a:endParaRPr lang="nb-NO" dirty="0"/>
-          </a:p>
-          <a:p>
-            <a:pPr lvl="1"/>
-            <a:endParaRPr lang="en-US" dirty="0"/>
-          </a:p>
-        </p:txBody>
-      </p:sp>
       <p:pic>
         <p:nvPicPr>
-          <p:cNvPr id="5" name="Picture 4">
+          <p:cNvPr id="6" name="Picture 5">
             <a:extLst>
               <a:ext uri="{FF2B5EF4-FFF2-40B4-BE49-F238E27FC236}">
-                <a16:creationId xmlns:a16="http://schemas.microsoft.com/office/drawing/2014/main" xmlns="" id="{5431268D-64C4-48CF-B095-7AE8588FC7E0}"/>
+                <a16:creationId xmlns="" xmlns:a16="http://schemas.microsoft.com/office/drawing/2014/main" id="{E5500A7C-34BB-49CE-8A02-F70D95A61149}"/>
               </a:ext>
             </a:extLst>
           </p:cNvPr>
@@ -5868,8 +5836,38 @@
         </p:blipFill>
         <p:spPr>
           <a:xfrm>
-            <a:off x="3374797" y="4339471"/>
-            <a:ext cx="4666268" cy="1344891"/>
+            <a:off x="502906" y="212153"/>
+            <a:ext cx="5549102" cy="5830430"/>
+          </a:xfrm>
+          <a:prstGeom prst="rect">
+            <a:avLst/>
+          </a:prstGeom>
+        </p:spPr>
+      </p:pic>
+      <p:pic>
+        <p:nvPicPr>
+          <p:cNvPr id="2" name="Picture 1">
+            <a:extLst>
+              <a:ext uri="{FF2B5EF4-FFF2-40B4-BE49-F238E27FC236}">
+                <a16:creationId xmlns="" xmlns:a16="http://schemas.microsoft.com/office/drawing/2014/main" id="{E0455F67-7B2A-43B3-8BAD-3ABFCA79DEB2}"/>
+              </a:ext>
+            </a:extLst>
+          </p:cNvPr>
+          <p:cNvPicPr>
+            <a:picLocks noChangeAspect="1"/>
+          </p:cNvPicPr>
+          <p:nvPr/>
+        </p:nvPicPr>
+        <p:blipFill>
+          <a:blip r:embed="rId3"/>
+          <a:stretch>
+            <a:fillRect/>
+          </a:stretch>
+        </p:blipFill>
+        <p:spPr>
+          <a:xfrm>
+            <a:off x="6476213" y="212152"/>
+            <a:ext cx="5316719" cy="5830431"/>
           </a:xfrm>
           <a:prstGeom prst="rect">
             <a:avLst/>
@@ -5879,7 +5877,7 @@
     </p:spTree>
     <p:extLst>
       <p:ext uri="{BB962C8B-B14F-4D97-AF65-F5344CB8AC3E}">
-        <p14:creationId xmlns:p14="http://schemas.microsoft.com/office/powerpoint/2010/main" xmlns="" val="2723044403"/>
+        <p14:creationId xmlns:p14="http://schemas.microsoft.com/office/powerpoint/2010/main" val="661810499"/>
       </p:ext>
     </p:extLst>
   </p:cSld>
@@ -5913,12 +5911,114 @@
           <a:chExt cx="0" cy="0"/>
         </a:xfrm>
       </p:grpSpPr>
+      <p:sp>
+        <p:nvSpPr>
+          <p:cNvPr id="2" name="Title 1"/>
+          <p:cNvSpPr>
+            <a:spLocks noGrp="1"/>
+          </p:cNvSpPr>
+          <p:nvPr>
+            <p:ph type="title"/>
+          </p:nvPr>
+        </p:nvSpPr>
+        <p:spPr/>
+        <p:txBody>
+          <a:bodyPr/>
+          <a:lstStyle/>
+          <a:p>
+            <a:r>
+              <a:rPr lang="en-US" dirty="0"/>
+              <a:t>Algorithm </a:t>
+            </a:r>
+            <a:r>
+              <a:rPr lang="en-US" dirty="0" smtClean="0"/>
+              <a:t>3 </a:t>
+            </a:r>
+            <a:r>
+              <a:rPr lang="mr-IN" dirty="0"/>
+              <a:t>–</a:t>
+            </a:r>
+            <a:r>
+              <a:rPr lang="en-US" dirty="0"/>
+              <a:t> Random Forest</a:t>
+            </a:r>
+          </a:p>
+        </p:txBody>
+      </p:sp>
+      <p:sp>
+        <p:nvSpPr>
+          <p:cNvPr id="3" name="Content Placeholder 2"/>
+          <p:cNvSpPr>
+            <a:spLocks noGrp="1"/>
+          </p:cNvSpPr>
+          <p:nvPr>
+            <p:ph idx="1"/>
+          </p:nvPr>
+        </p:nvSpPr>
+        <p:spPr/>
+        <p:txBody>
+          <a:bodyPr/>
+          <a:lstStyle/>
+          <a:p>
+            <a:r>
+              <a:rPr lang="en-US" dirty="0"/>
+              <a:t>Approach 2: Omitting NA values. (684 columns)</a:t>
+            </a:r>
+          </a:p>
+          <a:p>
+            <a:r>
+              <a:rPr lang="en-US" dirty="0"/>
+              <a:t>For Gender, number of Trees (</a:t>
+            </a:r>
+            <a:r>
+              <a:rPr lang="en-US" dirty="0" err="1"/>
+              <a:t>ntree</a:t>
+            </a:r>
+            <a:r>
+              <a:rPr lang="en-US" dirty="0"/>
+              <a:t>) = 1000</a:t>
+            </a:r>
+          </a:p>
+          <a:p>
+            <a:pPr lvl="1"/>
+            <a:r>
+              <a:rPr lang="nb-NO" dirty="0"/>
+              <a:t>0.9416 accuracy</a:t>
+            </a:r>
+          </a:p>
+          <a:p>
+            <a:pPr marL="457200" lvl="1" indent="0">
+              <a:buNone/>
+            </a:pPr>
+            <a:endParaRPr lang="nb-NO" dirty="0"/>
+          </a:p>
+          <a:p>
+            <a:pPr lvl="1"/>
+            <a:endParaRPr lang="nb-NO" dirty="0"/>
+          </a:p>
+          <a:p>
+            <a:pPr lvl="1"/>
+            <a:endParaRPr lang="nb-NO" dirty="0"/>
+          </a:p>
+          <a:p>
+            <a:pPr lvl="1"/>
+            <a:endParaRPr lang="nb-NO" dirty="0"/>
+          </a:p>
+          <a:p>
+            <a:endParaRPr lang="nb-NO" dirty="0"/>
+          </a:p>
+          <a:p>
+            <a:pPr lvl="1"/>
+            <a:endParaRPr lang="en-US" dirty="0"/>
+          </a:p>
+        </p:txBody>
+      </p:sp>
       <p:pic>
         <p:nvPicPr>
-          <p:cNvPr id="3" name="Picture 2">
+          <p:cNvPr id="5" name="Picture 4">
             <a:extLst>
               <a:ext uri="{FF2B5EF4-FFF2-40B4-BE49-F238E27FC236}">
-                <a16:creationId xmlns:a16="http://schemas.microsoft.com/office/drawing/2014/main" xmlns="" id="{F48C9E8F-062F-4E88-9578-6715791F02A7}"/>
+                <a16:creationId xmlns="" xmlns:a16="http://schemas.microsoft.com/office/drawing/2014/main" id="{5431268D-64C4-48CF-B095-7AE8588FC7E0}"/>
               </a:ext>
             </a:extLst>
           </p:cNvPr>
@@ -5935,38 +6035,8 @@
         </p:blipFill>
         <p:spPr>
           <a:xfrm>
-            <a:off x="358218" y="212152"/>
-            <a:ext cx="5804431" cy="5830431"/>
-          </a:xfrm>
-          <a:prstGeom prst="rect">
-            <a:avLst/>
-          </a:prstGeom>
-        </p:spPr>
-      </p:pic>
-      <p:pic>
-        <p:nvPicPr>
-          <p:cNvPr id="7" name="Picture 6">
-            <a:extLst>
-              <a:ext uri="{FF2B5EF4-FFF2-40B4-BE49-F238E27FC236}">
-                <a16:creationId xmlns:a16="http://schemas.microsoft.com/office/drawing/2014/main" xmlns="" id="{8288FDD6-6F4B-494E-99F2-4CE085353B9A}"/>
-              </a:ext>
-            </a:extLst>
-          </p:cNvPr>
-          <p:cNvPicPr>
-            <a:picLocks noChangeAspect="1"/>
-          </p:cNvPicPr>
-          <p:nvPr/>
-        </p:nvPicPr>
-        <p:blipFill>
-          <a:blip r:embed="rId3"/>
-          <a:stretch>
-            <a:fillRect/>
-          </a:stretch>
-        </p:blipFill>
-        <p:spPr>
-          <a:xfrm>
-            <a:off x="6551628" y="212152"/>
-            <a:ext cx="5260157" cy="5830431"/>
+            <a:off x="3374797" y="4339471"/>
+            <a:ext cx="4666268" cy="1344891"/>
           </a:xfrm>
           <a:prstGeom prst="rect">
             <a:avLst/>
@@ -5976,7 +6046,7 @@
     </p:spTree>
     <p:extLst>
       <p:ext uri="{BB962C8B-B14F-4D97-AF65-F5344CB8AC3E}">
-        <p14:creationId xmlns:p14="http://schemas.microsoft.com/office/powerpoint/2010/main" xmlns="" val="3584826668"/>
+        <p14:creationId xmlns:p14="http://schemas.microsoft.com/office/powerpoint/2010/main" val="2723044403"/>
       </p:ext>
     </p:extLst>
   </p:cSld>
@@ -6010,108 +6080,12 @@
           <a:chExt cx="0" cy="0"/>
         </a:xfrm>
       </p:grpSpPr>
-      <p:sp>
-        <p:nvSpPr>
-          <p:cNvPr id="2" name="Title 1"/>
-          <p:cNvSpPr>
-            <a:spLocks noGrp="1"/>
-          </p:cNvSpPr>
-          <p:nvPr>
-            <p:ph type="title"/>
-          </p:nvPr>
-        </p:nvSpPr>
-        <p:spPr/>
-        <p:txBody>
-          <a:bodyPr/>
-          <a:lstStyle/>
-          <a:p>
-            <a:r>
-              <a:rPr lang="en-US" dirty="0"/>
-              <a:t>Algorithm </a:t>
-            </a:r>
-            <a:r>
-              <a:rPr lang="en-US" dirty="0" smtClean="0"/>
-              <a:t>3 </a:t>
-            </a:r>
-            <a:r>
-              <a:rPr lang="mr-IN" dirty="0"/>
-              <a:t>–</a:t>
-            </a:r>
-            <a:r>
-              <a:rPr lang="en-US" dirty="0"/>
-              <a:t> Random Forest</a:t>
-            </a:r>
-          </a:p>
-        </p:txBody>
-      </p:sp>
-      <p:sp>
-        <p:nvSpPr>
-          <p:cNvPr id="3" name="Content Placeholder 2"/>
-          <p:cNvSpPr>
-            <a:spLocks noGrp="1"/>
-          </p:cNvSpPr>
-          <p:nvPr>
-            <p:ph idx="1"/>
-          </p:nvPr>
-        </p:nvSpPr>
-        <p:spPr/>
-        <p:txBody>
-          <a:bodyPr/>
-          <a:lstStyle/>
-          <a:p>
-            <a:r>
-              <a:rPr lang="en-US" dirty="0"/>
-              <a:t>For Gender, number of Trees (</a:t>
-            </a:r>
-            <a:r>
-              <a:rPr lang="en-US" dirty="0" err="1"/>
-              <a:t>ntree</a:t>
-            </a:r>
-            <a:r>
-              <a:rPr lang="en-US" dirty="0"/>
-              <a:t>) = 2000</a:t>
-            </a:r>
-          </a:p>
-          <a:p>
-            <a:pPr lvl="1"/>
-            <a:r>
-              <a:rPr lang="nb-NO" dirty="0"/>
-              <a:t>0.9416 accuracy</a:t>
-            </a:r>
-          </a:p>
-          <a:p>
-            <a:pPr marL="457200" lvl="1" indent="0">
-              <a:buNone/>
-            </a:pPr>
-            <a:endParaRPr lang="nb-NO" dirty="0"/>
-          </a:p>
-          <a:p>
-            <a:pPr lvl="1"/>
-            <a:endParaRPr lang="nb-NO" dirty="0"/>
-          </a:p>
-          <a:p>
-            <a:pPr lvl="1"/>
-            <a:endParaRPr lang="nb-NO" dirty="0"/>
-          </a:p>
-          <a:p>
-            <a:pPr lvl="1"/>
-            <a:endParaRPr lang="nb-NO" dirty="0"/>
-          </a:p>
-          <a:p>
-            <a:endParaRPr lang="nb-NO" dirty="0"/>
-          </a:p>
-          <a:p>
-            <a:pPr lvl="1"/>
-            <a:endParaRPr lang="en-US" dirty="0"/>
-          </a:p>
-        </p:txBody>
-      </p:sp>
       <p:pic>
         <p:nvPicPr>
-          <p:cNvPr id="5" name="Picture 4">
+          <p:cNvPr id="3" name="Picture 2">
             <a:extLst>
               <a:ext uri="{FF2B5EF4-FFF2-40B4-BE49-F238E27FC236}">
-                <a16:creationId xmlns:a16="http://schemas.microsoft.com/office/drawing/2014/main" xmlns="" id="{5431268D-64C4-48CF-B095-7AE8588FC7E0}"/>
+                <a16:creationId xmlns="" xmlns:a16="http://schemas.microsoft.com/office/drawing/2014/main" id="{F48C9E8F-062F-4E88-9578-6715791F02A7}"/>
               </a:ext>
             </a:extLst>
           </p:cNvPr>
@@ -6128,8 +6102,38 @@
         </p:blipFill>
         <p:spPr>
           <a:xfrm>
-            <a:off x="3374797" y="4339471"/>
-            <a:ext cx="4666268" cy="1344891"/>
+            <a:off x="358218" y="212152"/>
+            <a:ext cx="5804431" cy="5830431"/>
+          </a:xfrm>
+          <a:prstGeom prst="rect">
+            <a:avLst/>
+          </a:prstGeom>
+        </p:spPr>
+      </p:pic>
+      <p:pic>
+        <p:nvPicPr>
+          <p:cNvPr id="7" name="Picture 6">
+            <a:extLst>
+              <a:ext uri="{FF2B5EF4-FFF2-40B4-BE49-F238E27FC236}">
+                <a16:creationId xmlns="" xmlns:a16="http://schemas.microsoft.com/office/drawing/2014/main" id="{8288FDD6-6F4B-494E-99F2-4CE085353B9A}"/>
+              </a:ext>
+            </a:extLst>
+          </p:cNvPr>
+          <p:cNvPicPr>
+            <a:picLocks noChangeAspect="1"/>
+          </p:cNvPicPr>
+          <p:nvPr/>
+        </p:nvPicPr>
+        <p:blipFill>
+          <a:blip r:embed="rId3"/>
+          <a:stretch>
+            <a:fillRect/>
+          </a:stretch>
+        </p:blipFill>
+        <p:spPr>
+          <a:xfrm>
+            <a:off x="6551628" y="212152"/>
+            <a:ext cx="5260157" cy="5830431"/>
           </a:xfrm>
           <a:prstGeom prst="rect">
             <a:avLst/>
@@ -6139,7 +6143,7 @@
     </p:spTree>
     <p:extLst>
       <p:ext uri="{BB962C8B-B14F-4D97-AF65-F5344CB8AC3E}">
-        <p14:creationId xmlns:p14="http://schemas.microsoft.com/office/powerpoint/2010/main" xmlns="" val="1421159567"/>
+        <p14:creationId xmlns:p14="http://schemas.microsoft.com/office/powerpoint/2010/main" val="3584826668"/>
       </p:ext>
     </p:extLst>
   </p:cSld>
@@ -6173,12 +6177,108 @@
           <a:chExt cx="0" cy="0"/>
         </a:xfrm>
       </p:grpSpPr>
+      <p:sp>
+        <p:nvSpPr>
+          <p:cNvPr id="2" name="Title 1"/>
+          <p:cNvSpPr>
+            <a:spLocks noGrp="1"/>
+          </p:cNvSpPr>
+          <p:nvPr>
+            <p:ph type="title"/>
+          </p:nvPr>
+        </p:nvSpPr>
+        <p:spPr/>
+        <p:txBody>
+          <a:bodyPr/>
+          <a:lstStyle/>
+          <a:p>
+            <a:r>
+              <a:rPr lang="en-US" dirty="0"/>
+              <a:t>Algorithm </a:t>
+            </a:r>
+            <a:r>
+              <a:rPr lang="en-US" dirty="0" smtClean="0"/>
+              <a:t>3 </a:t>
+            </a:r>
+            <a:r>
+              <a:rPr lang="mr-IN" dirty="0"/>
+              <a:t>–</a:t>
+            </a:r>
+            <a:r>
+              <a:rPr lang="en-US" dirty="0"/>
+              <a:t> Random Forest</a:t>
+            </a:r>
+          </a:p>
+        </p:txBody>
+      </p:sp>
+      <p:sp>
+        <p:nvSpPr>
+          <p:cNvPr id="3" name="Content Placeholder 2"/>
+          <p:cNvSpPr>
+            <a:spLocks noGrp="1"/>
+          </p:cNvSpPr>
+          <p:nvPr>
+            <p:ph idx="1"/>
+          </p:nvPr>
+        </p:nvSpPr>
+        <p:spPr/>
+        <p:txBody>
+          <a:bodyPr/>
+          <a:lstStyle/>
+          <a:p>
+            <a:r>
+              <a:rPr lang="en-US" dirty="0"/>
+              <a:t>For Gender, number of Trees (</a:t>
+            </a:r>
+            <a:r>
+              <a:rPr lang="en-US" dirty="0" err="1"/>
+              <a:t>ntree</a:t>
+            </a:r>
+            <a:r>
+              <a:rPr lang="en-US" dirty="0"/>
+              <a:t>) = 2000</a:t>
+            </a:r>
+          </a:p>
+          <a:p>
+            <a:pPr lvl="1"/>
+            <a:r>
+              <a:rPr lang="nb-NO" dirty="0"/>
+              <a:t>0.9416 accuracy</a:t>
+            </a:r>
+          </a:p>
+          <a:p>
+            <a:pPr marL="457200" lvl="1" indent="0">
+              <a:buNone/>
+            </a:pPr>
+            <a:endParaRPr lang="nb-NO" dirty="0"/>
+          </a:p>
+          <a:p>
+            <a:pPr lvl="1"/>
+            <a:endParaRPr lang="nb-NO" dirty="0"/>
+          </a:p>
+          <a:p>
+            <a:pPr lvl="1"/>
+            <a:endParaRPr lang="nb-NO" dirty="0"/>
+          </a:p>
+          <a:p>
+            <a:pPr lvl="1"/>
+            <a:endParaRPr lang="nb-NO" dirty="0"/>
+          </a:p>
+          <a:p>
+            <a:endParaRPr lang="nb-NO" dirty="0"/>
+          </a:p>
+          <a:p>
+            <a:pPr lvl="1"/>
+            <a:endParaRPr lang="en-US" dirty="0"/>
+          </a:p>
+        </p:txBody>
+      </p:sp>
       <p:pic>
         <p:nvPicPr>
-          <p:cNvPr id="3" name="Picture 2">
+          <p:cNvPr id="5" name="Picture 4">
             <a:extLst>
               <a:ext uri="{FF2B5EF4-FFF2-40B4-BE49-F238E27FC236}">
-                <a16:creationId xmlns:a16="http://schemas.microsoft.com/office/drawing/2014/main" xmlns="" id="{F48C9E8F-062F-4E88-9578-6715791F02A7}"/>
+                <a16:creationId xmlns="" xmlns:a16="http://schemas.microsoft.com/office/drawing/2014/main" id="{5431268D-64C4-48CF-B095-7AE8588FC7E0}"/>
               </a:ext>
             </a:extLst>
           </p:cNvPr>
@@ -6195,38 +6295,8 @@
         </p:blipFill>
         <p:spPr>
           <a:xfrm>
-            <a:off x="358218" y="212152"/>
-            <a:ext cx="5804431" cy="5830431"/>
-          </a:xfrm>
-          <a:prstGeom prst="rect">
-            <a:avLst/>
-          </a:prstGeom>
-        </p:spPr>
-      </p:pic>
-      <p:pic>
-        <p:nvPicPr>
-          <p:cNvPr id="2" name="Picture 1">
-            <a:extLst>
-              <a:ext uri="{FF2B5EF4-FFF2-40B4-BE49-F238E27FC236}">
-                <a16:creationId xmlns:a16="http://schemas.microsoft.com/office/drawing/2014/main" xmlns="" id="{4B4B784D-AF37-4CD2-B5E6-80C0A35A8B4B}"/>
-              </a:ext>
-            </a:extLst>
-          </p:cNvPr>
-          <p:cNvPicPr>
-            <a:picLocks noChangeAspect="1"/>
-          </p:cNvPicPr>
-          <p:nvPr/>
-        </p:nvPicPr>
-        <p:blipFill>
-          <a:blip r:embed="rId3"/>
-          <a:stretch>
-            <a:fillRect/>
-          </a:stretch>
-        </p:blipFill>
-        <p:spPr>
-          <a:xfrm>
-            <a:off x="6664751" y="212151"/>
-            <a:ext cx="5184742" cy="5830431"/>
+            <a:off x="3374797" y="4339471"/>
+            <a:ext cx="4666268" cy="1344891"/>
           </a:xfrm>
           <a:prstGeom prst="rect">
             <a:avLst/>
@@ -6236,7 +6306,7 @@
     </p:spTree>
     <p:extLst>
       <p:ext uri="{BB962C8B-B14F-4D97-AF65-F5344CB8AC3E}">
-        <p14:creationId xmlns:p14="http://schemas.microsoft.com/office/powerpoint/2010/main" xmlns="" val="2747040706"/>
+        <p14:creationId xmlns:p14="http://schemas.microsoft.com/office/powerpoint/2010/main" val="1421159567"/>
       </p:ext>
     </p:extLst>
   </p:cSld>
@@ -6270,108 +6340,12 @@
           <a:chExt cx="0" cy="0"/>
         </a:xfrm>
       </p:grpSpPr>
-      <p:sp>
-        <p:nvSpPr>
-          <p:cNvPr id="2" name="Title 1"/>
-          <p:cNvSpPr>
-            <a:spLocks noGrp="1"/>
-          </p:cNvSpPr>
-          <p:nvPr>
-            <p:ph type="title"/>
-          </p:nvPr>
-        </p:nvSpPr>
-        <p:spPr/>
-        <p:txBody>
-          <a:bodyPr/>
-          <a:lstStyle/>
-          <a:p>
-            <a:r>
-              <a:rPr lang="en-US" dirty="0"/>
-              <a:t>Algorithm </a:t>
-            </a:r>
-            <a:r>
-              <a:rPr lang="en-US" dirty="0" smtClean="0"/>
-              <a:t>3 </a:t>
-            </a:r>
-            <a:r>
-              <a:rPr lang="mr-IN" dirty="0"/>
-              <a:t>–</a:t>
-            </a:r>
-            <a:r>
-              <a:rPr lang="en-US" dirty="0"/>
-              <a:t> Random Forest</a:t>
-            </a:r>
-          </a:p>
-        </p:txBody>
-      </p:sp>
-      <p:sp>
-        <p:nvSpPr>
-          <p:cNvPr id="3" name="Content Placeholder 2"/>
-          <p:cNvSpPr>
-            <a:spLocks noGrp="1"/>
-          </p:cNvSpPr>
-          <p:nvPr>
-            <p:ph idx="1"/>
-          </p:nvPr>
-        </p:nvSpPr>
-        <p:spPr/>
-        <p:txBody>
-          <a:bodyPr/>
-          <a:lstStyle/>
-          <a:p>
-            <a:r>
-              <a:rPr lang="en-US" dirty="0"/>
-              <a:t>For Gender, number of Trees (</a:t>
-            </a:r>
-            <a:r>
-              <a:rPr lang="en-US" dirty="0" err="1"/>
-              <a:t>ntree</a:t>
-            </a:r>
-            <a:r>
-              <a:rPr lang="en-US" dirty="0"/>
-              <a:t>) = 3000</a:t>
-            </a:r>
-          </a:p>
-          <a:p>
-            <a:pPr lvl="1"/>
-            <a:r>
-              <a:rPr lang="nb-NO" dirty="0"/>
-              <a:t>0.9416 accuracy</a:t>
-            </a:r>
-          </a:p>
-          <a:p>
-            <a:pPr marL="457200" lvl="1" indent="0">
-              <a:buNone/>
-            </a:pPr>
-            <a:endParaRPr lang="nb-NO" dirty="0"/>
-          </a:p>
-          <a:p>
-            <a:pPr lvl="1"/>
-            <a:endParaRPr lang="nb-NO" dirty="0"/>
-          </a:p>
-          <a:p>
-            <a:pPr lvl="1"/>
-            <a:endParaRPr lang="nb-NO" dirty="0"/>
-          </a:p>
-          <a:p>
-            <a:pPr lvl="1"/>
-            <a:endParaRPr lang="nb-NO" dirty="0"/>
-          </a:p>
-          <a:p>
-            <a:endParaRPr lang="nb-NO" dirty="0"/>
-          </a:p>
-          <a:p>
-            <a:pPr lvl="1"/>
-            <a:endParaRPr lang="en-US" dirty="0"/>
-          </a:p>
-        </p:txBody>
-      </p:sp>
       <p:pic>
         <p:nvPicPr>
-          <p:cNvPr id="5" name="Picture 4">
+          <p:cNvPr id="3" name="Picture 2">
             <a:extLst>
               <a:ext uri="{FF2B5EF4-FFF2-40B4-BE49-F238E27FC236}">
-                <a16:creationId xmlns:a16="http://schemas.microsoft.com/office/drawing/2014/main" xmlns="" id="{5431268D-64C4-48CF-B095-7AE8588FC7E0}"/>
+                <a16:creationId xmlns="" xmlns:a16="http://schemas.microsoft.com/office/drawing/2014/main" id="{F48C9E8F-062F-4E88-9578-6715791F02A7}"/>
               </a:ext>
             </a:extLst>
           </p:cNvPr>
@@ -6388,8 +6362,38 @@
         </p:blipFill>
         <p:spPr>
           <a:xfrm>
-            <a:off x="3374797" y="4339471"/>
-            <a:ext cx="4666268" cy="1344891"/>
+            <a:off x="358218" y="212152"/>
+            <a:ext cx="5804431" cy="5830431"/>
+          </a:xfrm>
+          <a:prstGeom prst="rect">
+            <a:avLst/>
+          </a:prstGeom>
+        </p:spPr>
+      </p:pic>
+      <p:pic>
+        <p:nvPicPr>
+          <p:cNvPr id="2" name="Picture 1">
+            <a:extLst>
+              <a:ext uri="{FF2B5EF4-FFF2-40B4-BE49-F238E27FC236}">
+                <a16:creationId xmlns="" xmlns:a16="http://schemas.microsoft.com/office/drawing/2014/main" id="{4B4B784D-AF37-4CD2-B5E6-80C0A35A8B4B}"/>
+              </a:ext>
+            </a:extLst>
+          </p:cNvPr>
+          <p:cNvPicPr>
+            <a:picLocks noChangeAspect="1"/>
+          </p:cNvPicPr>
+          <p:nvPr/>
+        </p:nvPicPr>
+        <p:blipFill>
+          <a:blip r:embed="rId3"/>
+          <a:stretch>
+            <a:fillRect/>
+          </a:stretch>
+        </p:blipFill>
+        <p:spPr>
+          <a:xfrm>
+            <a:off x="6664751" y="212151"/>
+            <a:ext cx="5184742" cy="5830431"/>
           </a:xfrm>
           <a:prstGeom prst="rect">
             <a:avLst/>
@@ -6399,7 +6403,7 @@
     </p:spTree>
     <p:extLst>
       <p:ext uri="{BB962C8B-B14F-4D97-AF65-F5344CB8AC3E}">
-        <p14:creationId xmlns:p14="http://schemas.microsoft.com/office/powerpoint/2010/main" xmlns="" val="3190382384"/>
+        <p14:creationId xmlns:p14="http://schemas.microsoft.com/office/powerpoint/2010/main" val="2747040706"/>
       </p:ext>
     </p:extLst>
   </p:cSld>
@@ -6433,12 +6437,108 @@
           <a:chExt cx="0" cy="0"/>
         </a:xfrm>
       </p:grpSpPr>
+      <p:sp>
+        <p:nvSpPr>
+          <p:cNvPr id="2" name="Title 1"/>
+          <p:cNvSpPr>
+            <a:spLocks noGrp="1"/>
+          </p:cNvSpPr>
+          <p:nvPr>
+            <p:ph type="title"/>
+          </p:nvPr>
+        </p:nvSpPr>
+        <p:spPr/>
+        <p:txBody>
+          <a:bodyPr/>
+          <a:lstStyle/>
+          <a:p>
+            <a:r>
+              <a:rPr lang="en-US" dirty="0"/>
+              <a:t>Algorithm </a:t>
+            </a:r>
+            <a:r>
+              <a:rPr lang="en-US" dirty="0" smtClean="0"/>
+              <a:t>3 </a:t>
+            </a:r>
+            <a:r>
+              <a:rPr lang="mr-IN" dirty="0"/>
+              <a:t>–</a:t>
+            </a:r>
+            <a:r>
+              <a:rPr lang="en-US" dirty="0"/>
+              <a:t> Random Forest</a:t>
+            </a:r>
+          </a:p>
+        </p:txBody>
+      </p:sp>
+      <p:sp>
+        <p:nvSpPr>
+          <p:cNvPr id="3" name="Content Placeholder 2"/>
+          <p:cNvSpPr>
+            <a:spLocks noGrp="1"/>
+          </p:cNvSpPr>
+          <p:nvPr>
+            <p:ph idx="1"/>
+          </p:nvPr>
+        </p:nvSpPr>
+        <p:spPr/>
+        <p:txBody>
+          <a:bodyPr/>
+          <a:lstStyle/>
+          <a:p>
+            <a:r>
+              <a:rPr lang="en-US" dirty="0"/>
+              <a:t>For Gender, number of Trees (</a:t>
+            </a:r>
+            <a:r>
+              <a:rPr lang="en-US" dirty="0" err="1"/>
+              <a:t>ntree</a:t>
+            </a:r>
+            <a:r>
+              <a:rPr lang="en-US" dirty="0"/>
+              <a:t>) = 3000</a:t>
+            </a:r>
+          </a:p>
+          <a:p>
+            <a:pPr lvl="1"/>
+            <a:r>
+              <a:rPr lang="nb-NO" dirty="0"/>
+              <a:t>0.9416 accuracy</a:t>
+            </a:r>
+          </a:p>
+          <a:p>
+            <a:pPr marL="457200" lvl="1" indent="0">
+              <a:buNone/>
+            </a:pPr>
+            <a:endParaRPr lang="nb-NO" dirty="0"/>
+          </a:p>
+          <a:p>
+            <a:pPr lvl="1"/>
+            <a:endParaRPr lang="nb-NO" dirty="0"/>
+          </a:p>
+          <a:p>
+            <a:pPr lvl="1"/>
+            <a:endParaRPr lang="nb-NO" dirty="0"/>
+          </a:p>
+          <a:p>
+            <a:pPr lvl="1"/>
+            <a:endParaRPr lang="nb-NO" dirty="0"/>
+          </a:p>
+          <a:p>
+            <a:endParaRPr lang="nb-NO" dirty="0"/>
+          </a:p>
+          <a:p>
+            <a:pPr lvl="1"/>
+            <a:endParaRPr lang="en-US" dirty="0"/>
+          </a:p>
+        </p:txBody>
+      </p:sp>
       <p:pic>
         <p:nvPicPr>
-          <p:cNvPr id="3" name="Picture 2">
+          <p:cNvPr id="5" name="Picture 4">
             <a:extLst>
               <a:ext uri="{FF2B5EF4-FFF2-40B4-BE49-F238E27FC236}">
-                <a16:creationId xmlns:a16="http://schemas.microsoft.com/office/drawing/2014/main" xmlns="" id="{F48C9E8F-062F-4E88-9578-6715791F02A7}"/>
+                <a16:creationId xmlns="" xmlns:a16="http://schemas.microsoft.com/office/drawing/2014/main" id="{5431268D-64C4-48CF-B095-7AE8588FC7E0}"/>
               </a:ext>
             </a:extLst>
           </p:cNvPr>
@@ -6455,38 +6555,8 @@
         </p:blipFill>
         <p:spPr>
           <a:xfrm>
-            <a:off x="358218" y="212152"/>
-            <a:ext cx="5804431" cy="5830431"/>
-          </a:xfrm>
-          <a:prstGeom prst="rect">
-            <a:avLst/>
-          </a:prstGeom>
-        </p:spPr>
-      </p:pic>
-      <p:pic>
-        <p:nvPicPr>
-          <p:cNvPr id="4" name="Picture 3">
-            <a:extLst>
-              <a:ext uri="{FF2B5EF4-FFF2-40B4-BE49-F238E27FC236}">
-                <a16:creationId xmlns:a16="http://schemas.microsoft.com/office/drawing/2014/main" xmlns="" id="{FCDFFB69-D0BC-45F9-A7E5-60B1F3210EF2}"/>
-              </a:ext>
-            </a:extLst>
-          </p:cNvPr>
-          <p:cNvPicPr>
-            <a:picLocks noChangeAspect="1"/>
-          </p:cNvPicPr>
-          <p:nvPr/>
-        </p:nvPicPr>
-        <p:blipFill>
-          <a:blip r:embed="rId3"/>
-          <a:stretch>
-            <a:fillRect/>
-          </a:stretch>
-        </p:blipFill>
-        <p:spPr>
-          <a:xfrm>
-            <a:off x="6608190" y="212152"/>
-            <a:ext cx="5175315" cy="5830432"/>
+            <a:off x="3374797" y="4339471"/>
+            <a:ext cx="4666268" cy="1344891"/>
           </a:xfrm>
           <a:prstGeom prst="rect">
             <a:avLst/>
@@ -6496,7 +6566,7 @@
     </p:spTree>
     <p:extLst>
       <p:ext uri="{BB962C8B-B14F-4D97-AF65-F5344CB8AC3E}">
-        <p14:creationId xmlns:p14="http://schemas.microsoft.com/office/powerpoint/2010/main" xmlns="" val="18533381"/>
+        <p14:creationId xmlns:p14="http://schemas.microsoft.com/office/powerpoint/2010/main" val="3190382384"/>
       </p:ext>
     </p:extLst>
   </p:cSld>
@@ -6530,112 +6600,70 @@
           <a:chExt cx="0" cy="0"/>
         </a:xfrm>
       </p:grpSpPr>
-      <p:sp>
-        <p:nvSpPr>
-          <p:cNvPr id="2" name="Title 1"/>
-          <p:cNvSpPr>
-            <a:spLocks noGrp="1"/>
-          </p:cNvSpPr>
-          <p:nvPr>
-            <p:ph type="title"/>
-          </p:nvPr>
-        </p:nvSpPr>
-        <p:spPr/>
-        <p:txBody>
-          <a:bodyPr/>
-          <a:lstStyle/>
-          <a:p>
-            <a:r>
-              <a:rPr lang="en-US" dirty="0"/>
-              <a:t>Algorithm </a:t>
-            </a:r>
-            <a:r>
-              <a:rPr lang="en-US" dirty="0" smtClean="0"/>
-              <a:t>3 </a:t>
-            </a:r>
-            <a:r>
-              <a:rPr lang="mr-IN" dirty="0"/>
-              <a:t>–</a:t>
-            </a:r>
-            <a:r>
-              <a:rPr lang="en-US" dirty="0"/>
-              <a:t> Random Forest</a:t>
-            </a:r>
-          </a:p>
-        </p:txBody>
-      </p:sp>
-      <p:sp>
-        <p:nvSpPr>
-          <p:cNvPr id="3" name="Content Placeholder 2"/>
-          <p:cNvSpPr>
-            <a:spLocks noGrp="1"/>
-          </p:cNvSpPr>
-          <p:nvPr>
-            <p:ph idx="1"/>
-          </p:nvPr>
-        </p:nvSpPr>
-        <p:spPr/>
-        <p:txBody>
-          <a:bodyPr>
-            <a:normAutofit/>
-          </a:bodyPr>
-          <a:lstStyle/>
-          <a:p>
-            <a:pPr lvl="1"/>
-            <a:endParaRPr lang="nb-NO" dirty="0"/>
-          </a:p>
-          <a:p>
-            <a:r>
-              <a:rPr lang="en-US" dirty="0"/>
-              <a:t>Interesting/Fun prediction:</a:t>
-            </a:r>
-          </a:p>
-          <a:p>
-            <a:pPr lvl="1"/>
-            <a:r>
-              <a:rPr lang="nb-NO" dirty="0"/>
-              <a:t>Who do you think is more romantic?</a:t>
-            </a:r>
-          </a:p>
-          <a:p>
-            <a:pPr lvl="1"/>
-            <a:r>
-              <a:rPr lang="nb-NO" dirty="0"/>
-              <a:t>Who do you think like more cars?</a:t>
-            </a:r>
-          </a:p>
-          <a:p>
-            <a:pPr lvl="1"/>
-            <a:r>
-              <a:rPr lang="nb-NO" dirty="0"/>
-              <a:t>Who thinks ahead of time?</a:t>
-            </a:r>
-          </a:p>
-          <a:p>
-            <a:pPr lvl="1"/>
-            <a:r>
-              <a:rPr lang="nb-NO" dirty="0"/>
-              <a:t>Who gives the final judgement?</a:t>
-            </a:r>
-          </a:p>
-          <a:p>
-            <a:pPr lvl="1"/>
-            <a:endParaRPr lang="nb-NO" dirty="0"/>
-          </a:p>
-          <a:p>
-            <a:pPr lvl="1"/>
-            <a:endParaRPr lang="nb-NO" dirty="0"/>
-          </a:p>
-          <a:p>
-            <a:pPr lvl="1"/>
-            <a:endParaRPr lang="en-US" dirty="0"/>
-          </a:p>
-        </p:txBody>
-      </p:sp>
+      <p:pic>
+        <p:nvPicPr>
+          <p:cNvPr id="3" name="Picture 2">
+            <a:extLst>
+              <a:ext uri="{FF2B5EF4-FFF2-40B4-BE49-F238E27FC236}">
+                <a16:creationId xmlns="" xmlns:a16="http://schemas.microsoft.com/office/drawing/2014/main" id="{F48C9E8F-062F-4E88-9578-6715791F02A7}"/>
+              </a:ext>
+            </a:extLst>
+          </p:cNvPr>
+          <p:cNvPicPr>
+            <a:picLocks noChangeAspect="1"/>
+          </p:cNvPicPr>
+          <p:nvPr/>
+        </p:nvPicPr>
+        <p:blipFill>
+          <a:blip r:embed="rId2"/>
+          <a:stretch>
+            <a:fillRect/>
+          </a:stretch>
+        </p:blipFill>
+        <p:spPr>
+          <a:xfrm>
+            <a:off x="358218" y="212152"/>
+            <a:ext cx="5804431" cy="5830431"/>
+          </a:xfrm>
+          <a:prstGeom prst="rect">
+            <a:avLst/>
+          </a:prstGeom>
+        </p:spPr>
+      </p:pic>
+      <p:pic>
+        <p:nvPicPr>
+          <p:cNvPr id="4" name="Picture 3">
+            <a:extLst>
+              <a:ext uri="{FF2B5EF4-FFF2-40B4-BE49-F238E27FC236}">
+                <a16:creationId xmlns="" xmlns:a16="http://schemas.microsoft.com/office/drawing/2014/main" id="{FCDFFB69-D0BC-45F9-A7E5-60B1F3210EF2}"/>
+              </a:ext>
+            </a:extLst>
+          </p:cNvPr>
+          <p:cNvPicPr>
+            <a:picLocks noChangeAspect="1"/>
+          </p:cNvPicPr>
+          <p:nvPr/>
+        </p:nvPicPr>
+        <p:blipFill>
+          <a:blip r:embed="rId3"/>
+          <a:stretch>
+            <a:fillRect/>
+          </a:stretch>
+        </p:blipFill>
+        <p:spPr>
+          <a:xfrm>
+            <a:off x="6608190" y="212152"/>
+            <a:ext cx="5175315" cy="5830432"/>
+          </a:xfrm>
+          <a:prstGeom prst="rect">
+            <a:avLst/>
+          </a:prstGeom>
+        </p:spPr>
+      </p:pic>
     </p:spTree>
     <p:extLst>
       <p:ext uri="{BB962C8B-B14F-4D97-AF65-F5344CB8AC3E}">
-        <p14:creationId xmlns:p14="http://schemas.microsoft.com/office/powerpoint/2010/main" xmlns="" val="501309509"/>
+        <p14:creationId xmlns:p14="http://schemas.microsoft.com/office/powerpoint/2010/main" val="18533381"/>
       </p:ext>
     </p:extLst>
   </p:cSld>
@@ -6726,35 +6754,35 @@
           <a:p>
             <a:r>
               <a:rPr lang="en-US" dirty="0"/>
-              <a:t>Answers:</a:t>
+              <a:t>Interesting/Fun prediction:</a:t>
             </a:r>
           </a:p>
           <a:p>
             <a:pPr lvl="1"/>
             <a:r>
               <a:rPr lang="nb-NO" dirty="0"/>
-              <a:t>Who do you think is more romantic?  Female</a:t>
+              <a:t>Who do you think is more romantic?</a:t>
             </a:r>
           </a:p>
           <a:p>
             <a:pPr lvl="1"/>
             <a:r>
               <a:rPr lang="nb-NO" dirty="0"/>
-              <a:t>Who do you think like more cars? Male</a:t>
+              <a:t>Who do you think like more cars?</a:t>
             </a:r>
           </a:p>
           <a:p>
             <a:pPr lvl="1"/>
             <a:r>
               <a:rPr lang="nb-NO" dirty="0"/>
-              <a:t>Who thinks ahead of time? Male</a:t>
+              <a:t>Who thinks ahead of time?</a:t>
             </a:r>
           </a:p>
           <a:p>
             <a:pPr lvl="1"/>
             <a:r>
               <a:rPr lang="nb-NO" dirty="0"/>
-              <a:t>Who gives the final judgement? Female</a:t>
+              <a:t>Who gives the final judgement?</a:t>
             </a:r>
           </a:p>
           <a:p>
@@ -6774,7 +6802,7 @@
     </p:spTree>
     <p:extLst>
       <p:ext uri="{BB962C8B-B14F-4D97-AF65-F5344CB8AC3E}">
-        <p14:creationId xmlns:p14="http://schemas.microsoft.com/office/powerpoint/2010/main" xmlns="" val="1078131030"/>
+        <p14:creationId xmlns:p14="http://schemas.microsoft.com/office/powerpoint/2010/main" val="501309509"/>
       </p:ext>
     </p:extLst>
   </p:cSld>
@@ -6859,28 +6887,42 @@
           </a:bodyPr>
           <a:lstStyle/>
           <a:p>
-            <a:r>
-              <a:rPr lang="en-US" dirty="0"/>
-              <a:t>Conclusion for random forest model:</a:t>
-            </a:r>
-          </a:p>
-          <a:p>
-            <a:pPr lvl="1"/>
-            <a:r>
-              <a:rPr lang="nb-NO" dirty="0"/>
-              <a:t>As the number of trees increase accuracy may or may not increase.</a:t>
-            </a:r>
-          </a:p>
-          <a:p>
-            <a:pPr lvl="1"/>
-            <a:r>
-              <a:rPr lang="nb-NO" dirty="0"/>
-              <a:t>Sometimes the accuracy of training dataset is less than the test dataset even though training has more data in it. So the size of data is also an important factor apart from number of trees.</a:t>
-            </a:r>
-          </a:p>
-          <a:p>
             <a:pPr lvl="1"/>
             <a:endParaRPr lang="nb-NO" dirty="0"/>
+          </a:p>
+          <a:p>
+            <a:r>
+              <a:rPr lang="en-US" dirty="0"/>
+              <a:t>Answers:</a:t>
+            </a:r>
+          </a:p>
+          <a:p>
+            <a:pPr lvl="1"/>
+            <a:r>
+              <a:rPr lang="nb-NO" dirty="0"/>
+              <a:t>Who do you think is more romantic?  Female</a:t>
+            </a:r>
+          </a:p>
+          <a:p>
+            <a:pPr lvl="1"/>
+            <a:r>
+              <a:rPr lang="nb-NO" dirty="0"/>
+              <a:t>Who do you think like more cars? Male</a:t>
+            </a:r>
+          </a:p>
+          <a:p>
+            <a:pPr lvl="1"/>
+            <a:r>
+              <a:rPr lang="nb-NO" dirty="0"/>
+              <a:t>Who thinks ahead of time? Male</a:t>
+            </a:r>
+          </a:p>
+          <a:p>
+            <a:pPr lvl="1"/>
+            <a:r>
+              <a:rPr lang="nb-NO" dirty="0"/>
+              <a:t>Who gives the final judgement? Female</a:t>
+            </a:r>
           </a:p>
           <a:p>
             <a:pPr lvl="1"/>
@@ -6899,7 +6941,7 @@
     </p:spTree>
     <p:extLst>
       <p:ext uri="{BB962C8B-B14F-4D97-AF65-F5344CB8AC3E}">
-        <p14:creationId xmlns:p14="http://schemas.microsoft.com/office/powerpoint/2010/main" xmlns="" val="239787179"/>
+        <p14:creationId xmlns:p14="http://schemas.microsoft.com/office/powerpoint/2010/main" val="1078131030"/>
       </p:ext>
     </p:extLst>
   </p:cSld>
@@ -6954,7 +6996,7 @@
             </a:r>
             <a:r>
               <a:rPr lang="en-US" dirty="0" smtClean="0"/>
-              <a:t>4 </a:t>
+              <a:t>3 </a:t>
             </a:r>
             <a:r>
               <a:rPr lang="mr-IN" dirty="0"/>
@@ -6962,7 +7004,7 @@
             </a:r>
             <a:r>
               <a:rPr lang="en-US" dirty="0"/>
-              <a:t> Neural Network</a:t>
+              <a:t> Random Forest</a:t>
             </a:r>
           </a:p>
         </p:txBody>
@@ -6985,42 +7027,38 @@
           <a:lstStyle/>
           <a:p>
             <a:r>
-              <a:rPr lang="en-US" dirty="0" smtClean="0"/>
-              <a:t>Data set: All </a:t>
-            </a:r>
-            <a:r>
-              <a:rPr lang="en-US" dirty="0"/>
-              <a:t>columns except </a:t>
-            </a:r>
-            <a:r>
-              <a:rPr lang="en-US" dirty="0" smtClean="0"/>
-              <a:t>categorical </a:t>
-            </a:r>
-            <a:r>
-              <a:rPr lang="en-US" dirty="0"/>
-              <a:t>data like smoker, alcoholic </a:t>
-            </a:r>
-            <a:r>
-              <a:rPr lang="en-US" dirty="0" smtClean="0"/>
-              <a:t>etc</a:t>
-            </a:r>
-          </a:p>
-          <a:p>
-            <a:r>
-              <a:rPr lang="en-US" dirty="0" smtClean="0"/>
-              <a:t>Classification : </a:t>
-            </a:r>
-            <a:r>
-              <a:rPr lang="en-US" dirty="0" smtClean="0"/>
-              <a:t>Gender</a:t>
-            </a:r>
-            <a:endParaRPr lang="en-US" dirty="0" smtClean="0"/>
+              <a:rPr lang="en-US" dirty="0"/>
+              <a:t>Conclusion for random forest model:</a:t>
+            </a:r>
           </a:p>
           <a:p>
             <a:pPr lvl="1"/>
-            <a:endParaRPr lang="en-US" dirty="0"/>
-          </a:p>
-          <a:p>
+            <a:r>
+              <a:rPr lang="nb-NO" dirty="0"/>
+              <a:t>As the number of trees increase accuracy may or may not increase.</a:t>
+            </a:r>
+          </a:p>
+          <a:p>
+            <a:pPr lvl="1"/>
+            <a:r>
+              <a:rPr lang="nb-NO" dirty="0"/>
+              <a:t>Sometimes the accuracy of training dataset is less than the test dataset even though training has more data in it. So the size of data is also an important factor apart from number of trees.</a:t>
+            </a:r>
+          </a:p>
+          <a:p>
+            <a:pPr lvl="1"/>
+            <a:endParaRPr lang="nb-NO" dirty="0"/>
+          </a:p>
+          <a:p>
+            <a:pPr lvl="1"/>
+            <a:endParaRPr lang="nb-NO" dirty="0"/>
+          </a:p>
+          <a:p>
+            <a:pPr lvl="1"/>
+            <a:endParaRPr lang="nb-NO" dirty="0"/>
+          </a:p>
+          <a:p>
+            <a:pPr lvl="1"/>
             <a:endParaRPr lang="en-US" dirty="0"/>
           </a:p>
         </p:txBody>
@@ -7028,7 +7066,7 @@
     </p:spTree>
     <p:extLst>
       <p:ext uri="{BB962C8B-B14F-4D97-AF65-F5344CB8AC3E}">
-        <p14:creationId xmlns:p14="http://schemas.microsoft.com/office/powerpoint/2010/main" xmlns="" val="2699455244"/>
+        <p14:creationId xmlns:p14="http://schemas.microsoft.com/office/powerpoint/2010/main" val="239787179"/>
       </p:ext>
     </p:extLst>
   </p:cSld>
@@ -7149,7 +7187,7 @@
     </p:spTree>
     <p:extLst>
       <p:ext uri="{BB962C8B-B14F-4D97-AF65-F5344CB8AC3E}">
-        <p14:creationId xmlns:p14="http://schemas.microsoft.com/office/powerpoint/2010/main" xmlns="" val="1542116808"/>
+        <p14:creationId xmlns:p14="http://schemas.microsoft.com/office/powerpoint/2010/main" val="1542116808"/>
       </p:ext>
     </p:extLst>
   </p:cSld>
@@ -7199,18 +7237,21 @@
           <a:lstStyle/>
           <a:p>
             <a:r>
+              <a:rPr lang="en-US" dirty="0"/>
+              <a:t>Algorithm </a:t>
+            </a:r>
+            <a:r>
               <a:rPr lang="en-US" dirty="0" smtClean="0"/>
-              <a:t>Algorithm 4 </a:t>
-            </a:r>
-            <a:r>
-              <a:rPr lang="mr-IN" dirty="0" smtClean="0"/>
+              <a:t>4 </a:t>
+            </a:r>
+            <a:r>
+              <a:rPr lang="mr-IN" dirty="0"/>
               <a:t>–</a:t>
             </a:r>
             <a:r>
-              <a:rPr lang="en-US" dirty="0" smtClean="0"/>
+              <a:rPr lang="en-US" dirty="0"/>
               <a:t> Neural Network</a:t>
             </a:r>
-            <a:endParaRPr lang="en-US" dirty="0"/>
           </a:p>
         </p:txBody>
       </p:sp>
@@ -7232,18 +7273,134 @@
           <a:lstStyle/>
           <a:p>
             <a:r>
+              <a:rPr lang="en-US" dirty="0" smtClean="0"/>
+              <a:t>Data set: All </a:t>
+            </a:r>
+            <a:r>
+              <a:rPr lang="en-US" dirty="0"/>
+              <a:t>columns except </a:t>
+            </a:r>
+            <a:r>
+              <a:rPr lang="en-US" dirty="0" smtClean="0"/>
+              <a:t>categorical </a:t>
+            </a:r>
+            <a:r>
+              <a:rPr lang="en-US" dirty="0"/>
+              <a:t>data like smoker, alcoholic </a:t>
+            </a:r>
+            <a:r>
+              <a:rPr lang="en-US" dirty="0" smtClean="0"/>
+              <a:t>etc</a:t>
+            </a:r>
+          </a:p>
+          <a:p>
+            <a:r>
+              <a:rPr lang="en-US" dirty="0" smtClean="0"/>
+              <a:t>Classification : Gender</a:t>
+            </a:r>
+          </a:p>
+          <a:p>
+            <a:pPr lvl="1"/>
+            <a:endParaRPr lang="en-US" dirty="0"/>
+          </a:p>
+          <a:p>
+            <a:endParaRPr lang="en-US" dirty="0"/>
+          </a:p>
+        </p:txBody>
+      </p:sp>
+    </p:spTree>
+    <p:extLst>
+      <p:ext uri="{BB962C8B-B14F-4D97-AF65-F5344CB8AC3E}">
+        <p14:creationId xmlns:p14="http://schemas.microsoft.com/office/powerpoint/2010/main" val="2699455244"/>
+      </p:ext>
+    </p:extLst>
+  </p:cSld>
+  <p:clrMapOvr>
+    <a:masterClrMapping/>
+  </p:clrMapOvr>
+  <p:timing>
+    <p:tnLst>
+      <p:par>
+        <p:cTn id="1" dur="indefinite" restart="never" nodeType="tmRoot"/>
+      </p:par>
+    </p:tnLst>
+  </p:timing>
+</p:sld>
+</file>
+
+<file path=ppt/slides/slide31.xml><?xml version="1.0" encoding="utf-8"?>
+<p:sld xmlns:a="http://schemas.openxmlformats.org/drawingml/2006/main" xmlns:r="http://schemas.openxmlformats.org/officeDocument/2006/relationships" xmlns:p="http://schemas.openxmlformats.org/presentationml/2006/main">
+  <p:cSld>
+    <p:spTree>
+      <p:nvGrpSpPr>
+        <p:cNvPr id="1" name=""/>
+        <p:cNvGrpSpPr/>
+        <p:nvPr/>
+      </p:nvGrpSpPr>
+      <p:grpSpPr>
+        <a:xfrm>
+          <a:off x="0" y="0"/>
+          <a:ext cx="0" cy="0"/>
+          <a:chOff x="0" y="0"/>
+          <a:chExt cx="0" cy="0"/>
+        </a:xfrm>
+      </p:grpSpPr>
+      <p:sp>
+        <p:nvSpPr>
+          <p:cNvPr id="2" name="Title 1"/>
+          <p:cNvSpPr>
+            <a:spLocks noGrp="1"/>
+          </p:cNvSpPr>
+          <p:nvPr>
+            <p:ph type="title"/>
+          </p:nvPr>
+        </p:nvSpPr>
+        <p:spPr/>
+        <p:txBody>
+          <a:bodyPr/>
+          <a:lstStyle/>
+          <a:p>
+            <a:r>
+              <a:rPr lang="en-US" dirty="0" smtClean="0"/>
+              <a:t>Algorithm 4 </a:t>
+            </a:r>
+            <a:r>
+              <a:rPr lang="mr-IN" dirty="0" smtClean="0"/>
+              <a:t>–</a:t>
+            </a:r>
+            <a:r>
+              <a:rPr lang="en-US" dirty="0" smtClean="0"/>
+              <a:t> Neural Network</a:t>
+            </a:r>
+            <a:endParaRPr lang="en-US" dirty="0"/>
+          </a:p>
+        </p:txBody>
+      </p:sp>
+      <p:sp>
+        <p:nvSpPr>
+          <p:cNvPr id="3" name="Content Placeholder 2"/>
+          <p:cNvSpPr>
+            <a:spLocks noGrp="1"/>
+          </p:cNvSpPr>
+          <p:nvPr>
+            <p:ph idx="1"/>
+          </p:nvPr>
+        </p:nvSpPr>
+        <p:spPr/>
+        <p:txBody>
+          <a:bodyPr>
+            <a:normAutofit/>
+          </a:bodyPr>
+          <a:lstStyle/>
+          <a:p>
+            <a:r>
               <a:rPr lang="en-US" i="1" dirty="0" smtClean="0"/>
               <a:t>Approach 1</a:t>
             </a:r>
             <a:r>
               <a:rPr lang="en-US" dirty="0" smtClean="0"/>
-              <a:t>: replace missing value with </a:t>
-            </a:r>
-            <a:r>
-              <a:rPr lang="en-US" dirty="0" smtClean="0"/>
-              <a:t>mean/ mode</a:t>
-            </a:r>
-            <a:endParaRPr lang="en-US" dirty="0" smtClean="0"/>
+              <a:t>: replace missing value with mean/ mode</a:t>
+            </a:r>
           </a:p>
           <a:p>
             <a:r>
@@ -7331,7 +7488,7 @@
 </p:sld>
 </file>
 
-<file path=ppt/slides/slide31.xml><?xml version="1.0" encoding="utf-8"?>
+<file path=ppt/slides/slide32.xml><?xml version="1.0" encoding="utf-8"?>
 <p:sld xmlns:a="http://schemas.openxmlformats.org/drawingml/2006/main" xmlns:r="http://schemas.openxmlformats.org/officeDocument/2006/relationships" xmlns:p="http://schemas.openxmlformats.org/presentationml/2006/main">
   <p:cSld>
     <p:spTree>
@@ -7423,48 +7580,40 @@
             <a:pPr lvl="1"/>
             <a:r>
               <a:rPr lang="en-US" dirty="0" smtClean="0"/>
-              <a:t>0.9343065693</a:t>
-            </a:r>
+              <a:t>0.9343065693 </a:t>
+            </a:r>
+            <a:r>
+              <a:rPr lang="en-US" dirty="0"/>
+              <a:t>accuracy  (1= Female, 0= Male)</a:t>
+            </a:r>
+          </a:p>
+          <a:p>
+            <a:pPr lvl="1"/>
+            <a:endParaRPr lang="en-US" dirty="0"/>
+          </a:p>
+          <a:p>
+            <a:pPr lvl="1"/>
+            <a:endParaRPr lang="en-US" dirty="0"/>
+          </a:p>
+          <a:p>
+            <a:pPr lvl="1"/>
+            <a:endParaRPr lang="en-US" dirty="0"/>
+          </a:p>
+          <a:p>
+            <a:pPr lvl="1"/>
+            <a:endParaRPr lang="en-US" dirty="0"/>
+          </a:p>
+          <a:p>
+            <a:r>
+              <a:rPr lang="en-US" dirty="0"/>
+              <a:t>Learning Rate: 0.05 Hidden Layers = 10</a:t>
+            </a:r>
+          </a:p>
+          <a:p>
+            <a:pPr lvl="1"/>
             <a:r>
               <a:rPr lang="en-US" dirty="0" smtClean="0"/>
-              <a:t> </a:t>
-            </a:r>
-            <a:r>
-              <a:rPr lang="en-US" dirty="0"/>
-              <a:t>accuracy  (1= Female, 0= Male)</a:t>
-            </a:r>
-          </a:p>
-          <a:p>
-            <a:pPr lvl="1"/>
-            <a:endParaRPr lang="en-US" dirty="0"/>
-          </a:p>
-          <a:p>
-            <a:pPr lvl="1"/>
-            <a:endParaRPr lang="en-US" dirty="0"/>
-          </a:p>
-          <a:p>
-            <a:pPr lvl="1"/>
-            <a:endParaRPr lang="en-US" dirty="0"/>
-          </a:p>
-          <a:p>
-            <a:pPr lvl="1"/>
-            <a:endParaRPr lang="en-US" dirty="0"/>
-          </a:p>
-          <a:p>
-            <a:r>
-              <a:rPr lang="en-US" dirty="0"/>
-              <a:t>Learning Rate: 0.05 Hidden Layers = 10</a:t>
-            </a:r>
-          </a:p>
-          <a:p>
-            <a:pPr lvl="1"/>
-            <a:r>
-              <a:rPr lang="en-US" dirty="0" smtClean="0"/>
-              <a:t>0.8467153285</a:t>
-            </a:r>
-            <a:r>
-              <a:rPr lang="en-US" dirty="0" smtClean="0"/>
-              <a:t> </a:t>
+              <a:t>0.8467153285 </a:t>
             </a:r>
             <a:r>
               <a:rPr lang="en-US" dirty="0"/>
@@ -7515,7 +7664,7 @@
 </p:sld>
 </file>
 
-<file path=ppt/slides/slide32.xml><?xml version="1.0" encoding="utf-8"?>
+<file path=ppt/slides/slide33.xml><?xml version="1.0" encoding="utf-8"?>
 <p:sld xmlns:a="http://schemas.openxmlformats.org/drawingml/2006/main" xmlns:r="http://schemas.openxmlformats.org/officeDocument/2006/relationships" xmlns:p="http://schemas.openxmlformats.org/presentationml/2006/main">
   <p:cSld>
     <p:spTree>
@@ -7607,11 +7756,7 @@
             <a:pPr lvl="1"/>
             <a:r>
               <a:rPr lang="en-US" dirty="0" smtClean="0"/>
-              <a:t>0.8861386139</a:t>
-            </a:r>
-            <a:r>
-              <a:rPr lang="en-US" dirty="0" smtClean="0"/>
-              <a:t> </a:t>
+              <a:t>0.8861386139 </a:t>
             </a:r>
             <a:r>
               <a:rPr lang="en-US" dirty="0"/>
@@ -7674,110 +7819,6 @@
 </p:sld>
 </file>
 
-<file path=ppt/slides/slide33.xml><?xml version="1.0" encoding="utf-8"?>
-<p:sld xmlns:a="http://schemas.openxmlformats.org/drawingml/2006/main" xmlns:r="http://schemas.openxmlformats.org/officeDocument/2006/relationships" xmlns:p="http://schemas.openxmlformats.org/presentationml/2006/main">
-  <p:cSld>
-    <p:spTree>
-      <p:nvGrpSpPr>
-        <p:cNvPr id="1" name=""/>
-        <p:cNvGrpSpPr/>
-        <p:nvPr/>
-      </p:nvGrpSpPr>
-      <p:grpSpPr>
-        <a:xfrm>
-          <a:off x="0" y="0"/>
-          <a:ext cx="0" cy="0"/>
-          <a:chOff x="0" y="0"/>
-          <a:chExt cx="0" cy="0"/>
-        </a:xfrm>
-      </p:grpSpPr>
-      <p:sp>
-        <p:nvSpPr>
-          <p:cNvPr id="2" name="Title 1"/>
-          <p:cNvSpPr>
-            <a:spLocks noGrp="1"/>
-          </p:cNvSpPr>
-          <p:nvPr>
-            <p:ph type="title"/>
-          </p:nvPr>
-        </p:nvSpPr>
-        <p:spPr/>
-        <p:txBody>
-          <a:bodyPr/>
-          <a:lstStyle/>
-          <a:p>
-            <a:r>
-              <a:rPr lang="en-US" dirty="0" smtClean="0"/>
-              <a:t>Conclusion for </a:t>
-            </a:r>
-            <a:r>
-              <a:rPr lang="en-US" dirty="0" smtClean="0"/>
-              <a:t>ANN</a:t>
-            </a:r>
-            <a:endParaRPr lang="en-US" dirty="0"/>
-          </a:p>
-        </p:txBody>
-      </p:sp>
-      <p:sp>
-        <p:nvSpPr>
-          <p:cNvPr id="3" name="Content Placeholder 2"/>
-          <p:cNvSpPr>
-            <a:spLocks noGrp="1"/>
-          </p:cNvSpPr>
-          <p:nvPr>
-            <p:ph idx="1"/>
-          </p:nvPr>
-        </p:nvSpPr>
-        <p:spPr/>
-        <p:txBody>
-          <a:bodyPr/>
-          <a:lstStyle/>
-          <a:p>
-            <a:r>
-              <a:rPr lang="en-US" dirty="0" smtClean="0"/>
-              <a:t>Accuracy higher by replacing NAs vs. omitting NAs</a:t>
-            </a:r>
-            <a:endParaRPr lang="en-US" dirty="0" smtClean="0"/>
-          </a:p>
-          <a:p>
-            <a:r>
-              <a:rPr lang="en-US" dirty="0" smtClean="0"/>
-              <a:t>Increasing learning rate decreases accuracy</a:t>
-            </a:r>
-          </a:p>
-          <a:p>
-            <a:r>
-              <a:rPr lang="en-US" dirty="0" smtClean="0"/>
-              <a:t>Weight and Height impact </a:t>
-            </a:r>
-            <a:r>
-              <a:rPr lang="en-US" smtClean="0"/>
-              <a:t>on classification</a:t>
-            </a:r>
-            <a:endParaRPr lang="en-US" dirty="0"/>
-          </a:p>
-        </p:txBody>
-      </p:sp>
-    </p:spTree>
-    <p:extLst>
-      <p:ext uri="{BB962C8B-B14F-4D97-AF65-F5344CB8AC3E}">
-        <p14:creationId xmlns:p14="http://schemas.microsoft.com/office/powerpoint/2010/main" xmlns="" val="1935058227"/>
-      </p:ext>
-    </p:extLst>
-  </p:cSld>
-  <p:clrMapOvr>
-    <a:masterClrMapping/>
-  </p:clrMapOvr>
-  <p:timing>
-    <p:tnLst>
-      <p:par>
-        <p:cTn id="1" dur="indefinite" restart="never" nodeType="tmRoot"/>
-      </p:par>
-    </p:tnLst>
-  </p:timing>
-</p:sld>
-</file>
-
 <file path=ppt/slides/slide34.xml><?xml version="1.0" encoding="utf-8"?>
 <p:sld xmlns:a="http://schemas.openxmlformats.org/drawingml/2006/main" xmlns:r="http://schemas.openxmlformats.org/officeDocument/2006/relationships" xmlns:p="http://schemas.openxmlformats.org/presentationml/2006/main">
   <p:cSld>
@@ -7811,17 +7852,10 @@
           <a:lstStyle/>
           <a:p>
             <a:r>
-              <a:rPr lang="en-US" dirty="0"/>
-              <a:t>Algorithm </a:t>
-            </a:r>
-            <a:r>
               <a:rPr lang="en-US" dirty="0" smtClean="0"/>
-              <a:t>5 </a:t>
-            </a:r>
-            <a:r>
-              <a:rPr lang="en-US" dirty="0"/>
-              <a:t>– C5.0</a:t>
-            </a:r>
+              <a:t>Conclusion for ANN</a:t>
+            </a:r>
+            <a:endParaRPr lang="en-US" dirty="0"/>
           </a:p>
         </p:txBody>
       </p:sp>
@@ -7841,19 +7875,25 @@
           <a:lstStyle/>
           <a:p>
             <a:r>
-              <a:rPr lang="en-US" dirty="0"/>
-              <a:t>Extra!</a:t>
-            </a:r>
-          </a:p>
-          <a:p>
-            <a:r>
-              <a:rPr lang="en-US" dirty="0"/>
-              <a:t>Interesting dependencies between seemingly independent aspects of an individual</a:t>
-            </a:r>
+              <a:rPr lang="en-US" dirty="0" smtClean="0"/>
+              <a:t>Accuracy higher by replacing NAs vs. omitting NAs</a:t>
+            </a:r>
+          </a:p>
+          <a:p>
+            <a:r>
+              <a:rPr lang="en-US" dirty="0" smtClean="0"/>
+              <a:t>Not much increase in accuracy by increasing learning rate</a:t>
+            </a:r>
+            <a:endParaRPr lang="en-US" dirty="0"/>
           </a:p>
         </p:txBody>
       </p:sp>
     </p:spTree>
+    <p:extLst>
+      <p:ext uri="{BB962C8B-B14F-4D97-AF65-F5344CB8AC3E}">
+        <p14:creationId xmlns:p14="http://schemas.microsoft.com/office/powerpoint/2010/main" val="1935058227"/>
+      </p:ext>
+    </p:extLst>
   </p:cSld>
   <p:clrMapOvr>
     <a:masterClrMapping/>
@@ -7885,67 +7925,60 @@
           <a:chExt cx="0" cy="0"/>
         </a:xfrm>
       </p:grpSpPr>
-      <p:pic>
-        <p:nvPicPr>
-          <p:cNvPr id="4" name="Content Placeholder 3" descr="gender_movies.PNG"/>
-          <p:cNvPicPr>
-            <a:picLocks noGrp="1" noChangeAspect="1"/>
-          </p:cNvPicPr>
-          <p:nvPr>
-            <p:ph idx="4294967295"/>
-          </p:nvPr>
-        </p:nvPicPr>
-        <p:blipFill>
-          <a:blip r:embed="rId2"/>
-          <a:stretch>
-            <a:fillRect/>
-          </a:stretch>
-        </p:blipFill>
-        <p:spPr>
-          <a:xfrm>
-            <a:off x="424424" y="351985"/>
-            <a:ext cx="11528425" cy="5822950"/>
-          </a:xfrm>
-        </p:spPr>
-      </p:pic>
-      <p:sp>
-        <p:nvSpPr>
-          <p:cNvPr id="5" name="Rectangle 4"/>
-          <p:cNvSpPr/>
-          <p:nvPr/>
-        </p:nvSpPr>
-        <p:spPr>
-          <a:xfrm>
-            <a:off x="1280161" y="6239804"/>
-            <a:ext cx="9214338" cy="400110"/>
-          </a:xfrm>
-          <a:prstGeom prst="rect">
-            <a:avLst/>
-          </a:prstGeom>
-        </p:spPr>
-        <p:txBody>
-          <a:bodyPr wrap="square">
-            <a:spAutoFit/>
-          </a:bodyPr>
+      <p:sp>
+        <p:nvSpPr>
+          <p:cNvPr id="2" name="Title 1"/>
+          <p:cNvSpPr>
+            <a:spLocks noGrp="1"/>
+          </p:cNvSpPr>
+          <p:nvPr>
+            <p:ph type="title"/>
+          </p:nvPr>
+        </p:nvSpPr>
+        <p:spPr/>
+        <p:txBody>
+          <a:bodyPr/>
           <a:lstStyle/>
           <a:p>
-            <a:pPr marL="342900" indent="-342900">
-              <a:spcBef>
-                <a:spcPts val="1000"/>
-              </a:spcBef>
-              <a:buClr>
-                <a:schemeClr val="accent1"/>
-              </a:buClr>
-              <a:buFont typeface="Wingdings 3" charset="2"/>
-              <a:buChar char=""/>
-            </a:pPr>
-            <a:r>
-              <a:rPr lang="en-US" sz="2000" b="1" dirty="0">
-                <a:solidFill>
-                  <a:schemeClr val="accent2"/>
-                </a:solidFill>
-              </a:rPr>
-              <a:t>Classify gender based on horror, comedy and romantic movie ratings</a:t>
+            <a:r>
+              <a:rPr lang="en-US" dirty="0"/>
+              <a:t>Algorithm </a:t>
+            </a:r>
+            <a:r>
+              <a:rPr lang="en-US" dirty="0" smtClean="0"/>
+              <a:t>5 </a:t>
+            </a:r>
+            <a:r>
+              <a:rPr lang="en-US" dirty="0"/>
+              <a:t>– C5.0</a:t>
+            </a:r>
+          </a:p>
+        </p:txBody>
+      </p:sp>
+      <p:sp>
+        <p:nvSpPr>
+          <p:cNvPr id="3" name="Content Placeholder 2"/>
+          <p:cNvSpPr>
+            <a:spLocks noGrp="1"/>
+          </p:cNvSpPr>
+          <p:nvPr>
+            <p:ph idx="1"/>
+          </p:nvPr>
+        </p:nvSpPr>
+        <p:spPr/>
+        <p:txBody>
+          <a:bodyPr/>
+          <a:lstStyle/>
+          <a:p>
+            <a:r>
+              <a:rPr lang="en-US" dirty="0"/>
+              <a:t>Extra!</a:t>
+            </a:r>
+          </a:p>
+          <a:p>
+            <a:r>
+              <a:rPr lang="en-US" dirty="0"/>
+              <a:t>Interesting dependencies between seemingly independent aspects of an individual</a:t>
             </a:r>
           </a:p>
         </p:txBody>
@@ -7966,6 +7999,103 @@
 </file>
 
 <file path=ppt/slides/slide36.xml><?xml version="1.0" encoding="utf-8"?>
+<p:sld xmlns:a="http://schemas.openxmlformats.org/drawingml/2006/main" xmlns:r="http://schemas.openxmlformats.org/officeDocument/2006/relationships" xmlns:p="http://schemas.openxmlformats.org/presentationml/2006/main">
+  <p:cSld>
+    <p:spTree>
+      <p:nvGrpSpPr>
+        <p:cNvPr id="1" name=""/>
+        <p:cNvGrpSpPr/>
+        <p:nvPr/>
+      </p:nvGrpSpPr>
+      <p:grpSpPr>
+        <a:xfrm>
+          <a:off x="0" y="0"/>
+          <a:ext cx="0" cy="0"/>
+          <a:chOff x="0" y="0"/>
+          <a:chExt cx="0" cy="0"/>
+        </a:xfrm>
+      </p:grpSpPr>
+      <p:pic>
+        <p:nvPicPr>
+          <p:cNvPr id="4" name="Content Placeholder 3" descr="gender_movies.PNG"/>
+          <p:cNvPicPr>
+            <a:picLocks noGrp="1" noChangeAspect="1"/>
+          </p:cNvPicPr>
+          <p:nvPr>
+            <p:ph idx="4294967295"/>
+          </p:nvPr>
+        </p:nvPicPr>
+        <p:blipFill>
+          <a:blip r:embed="rId2"/>
+          <a:stretch>
+            <a:fillRect/>
+          </a:stretch>
+        </p:blipFill>
+        <p:spPr>
+          <a:xfrm>
+            <a:off x="424424" y="351985"/>
+            <a:ext cx="11528425" cy="5822950"/>
+          </a:xfrm>
+        </p:spPr>
+      </p:pic>
+      <p:sp>
+        <p:nvSpPr>
+          <p:cNvPr id="5" name="Rectangle 4"/>
+          <p:cNvSpPr/>
+          <p:nvPr/>
+        </p:nvSpPr>
+        <p:spPr>
+          <a:xfrm>
+            <a:off x="1280161" y="6239804"/>
+            <a:ext cx="9214338" cy="400110"/>
+          </a:xfrm>
+          <a:prstGeom prst="rect">
+            <a:avLst/>
+          </a:prstGeom>
+        </p:spPr>
+        <p:txBody>
+          <a:bodyPr wrap="square">
+            <a:spAutoFit/>
+          </a:bodyPr>
+          <a:lstStyle/>
+          <a:p>
+            <a:pPr marL="342900" indent="-342900">
+              <a:spcBef>
+                <a:spcPts val="1000"/>
+              </a:spcBef>
+              <a:buClr>
+                <a:schemeClr val="accent1"/>
+              </a:buClr>
+              <a:buFont typeface="Wingdings 3" charset="2"/>
+              <a:buChar char=""/>
+            </a:pPr>
+            <a:r>
+              <a:rPr lang="en-US" sz="2000" b="1" dirty="0">
+                <a:solidFill>
+                  <a:schemeClr val="accent2"/>
+                </a:solidFill>
+              </a:rPr>
+              <a:t>Classify gender based on horror, comedy and romantic movie ratings</a:t>
+            </a:r>
+          </a:p>
+        </p:txBody>
+      </p:sp>
+    </p:spTree>
+  </p:cSld>
+  <p:clrMapOvr>
+    <a:masterClrMapping/>
+  </p:clrMapOvr>
+  <p:timing>
+    <p:tnLst>
+      <p:par>
+        <p:cTn id="1" dur="indefinite" restart="never" nodeType="tmRoot"/>
+      </p:par>
+    </p:tnLst>
+  </p:timing>
+</p:sld>
+</file>
+
+<file path=ppt/slides/slide37.xml><?xml version="1.0" encoding="utf-8"?>
 <p:sld xmlns:a="http://schemas.openxmlformats.org/drawingml/2006/main" xmlns:r="http://schemas.openxmlformats.org/officeDocument/2006/relationships" xmlns:p="http://schemas.openxmlformats.org/presentationml/2006/main">
   <p:cSld>
     <p:spTree>
@@ -8026,14 +8156,14 @@
                 <a:gridCol w="657948">
                   <a:extLst>
                     <a:ext uri="{9D8B030D-6E8A-4147-A177-3AD203B41FA5}">
-                      <a16:colId xmlns:a16="http://schemas.microsoft.com/office/drawing/2014/main" xmlns="" val="20000"/>
+                      <a16:colId xmlns="" xmlns:a16="http://schemas.microsoft.com/office/drawing/2014/main" val="20000"/>
                     </a:ext>
                   </a:extLst>
                 </a:gridCol>
                 <a:gridCol w="932092">
                   <a:extLst>
                     <a:ext uri="{9D8B030D-6E8A-4147-A177-3AD203B41FA5}">
-                      <a16:colId xmlns:a16="http://schemas.microsoft.com/office/drawing/2014/main" xmlns="" val="20001"/>
+                      <a16:colId xmlns="" xmlns:a16="http://schemas.microsoft.com/office/drawing/2014/main" val="20001"/>
                     </a:ext>
                   </a:extLst>
                 </a:gridCol>
@@ -8153,7 +8283,7 @@
                 </a:tc>
                 <a:extLst>
                   <a:ext uri="{0D108BD9-81ED-4DB2-BD59-A6C34878D82A}">
-                    <a16:rowId xmlns:a16="http://schemas.microsoft.com/office/drawing/2014/main" xmlns="" val="10000"/>
+                    <a16:rowId xmlns="" xmlns:a16="http://schemas.microsoft.com/office/drawing/2014/main" val="10000"/>
                   </a:ext>
                 </a:extLst>
               </a:tr>
@@ -8272,7 +8402,7 @@
                 </a:tc>
                 <a:extLst>
                   <a:ext uri="{0D108BD9-81ED-4DB2-BD59-A6C34878D82A}">
-                    <a16:rowId xmlns:a16="http://schemas.microsoft.com/office/drawing/2014/main" xmlns="" val="10001"/>
+                    <a16:rowId xmlns="" xmlns:a16="http://schemas.microsoft.com/office/drawing/2014/main" val="10001"/>
                   </a:ext>
                 </a:extLst>
               </a:tr>
@@ -8391,7 +8521,7 @@
                 </a:tc>
                 <a:extLst>
                   <a:ext uri="{0D108BD9-81ED-4DB2-BD59-A6C34878D82A}">
-                    <a16:rowId xmlns:a16="http://schemas.microsoft.com/office/drawing/2014/main" xmlns="" val="10002"/>
+                    <a16:rowId xmlns="" xmlns:a16="http://schemas.microsoft.com/office/drawing/2014/main" val="10002"/>
                   </a:ext>
                 </a:extLst>
               </a:tr>
@@ -8456,7 +8586,7 @@
 </p:sld>
 </file>
 
-<file path=ppt/slides/slide37.xml><?xml version="1.0" encoding="utf-8"?>
+<file path=ppt/slides/slide38.xml><?xml version="1.0" encoding="utf-8"?>
 <p:sld xmlns:a="http://schemas.openxmlformats.org/drawingml/2006/main" xmlns:r="http://schemas.openxmlformats.org/officeDocument/2006/relationships" xmlns:p="http://schemas.openxmlformats.org/presentationml/2006/main">
   <p:cSld>
     <p:spTree>
@@ -8571,7 +8701,7 @@
           <p:nvPr>
             <p:extLst>
               <p:ext uri="{D42A27DB-BD31-4B8C-83A1-F6EECF244321}">
-                <p14:modId xmlns:p14="http://schemas.microsoft.com/office/powerpoint/2010/main" xmlns="" val="1864373720"/>
+                <p14:modId xmlns:p14="http://schemas.microsoft.com/office/powerpoint/2010/main" val="688311253"/>
               </p:ext>
             </p:extLst>
           </p:nvPr>
@@ -8590,21 +8720,21 @@
                 <a:gridCol w="2709333">
                   <a:extLst>
                     <a:ext uri="{9D8B030D-6E8A-4147-A177-3AD203B41FA5}">
-                      <a16:colId xmlns:a16="http://schemas.microsoft.com/office/drawing/2014/main" xmlns="" val="20000"/>
+                      <a16:colId xmlns="" xmlns:a16="http://schemas.microsoft.com/office/drawing/2014/main" val="20000"/>
                     </a:ext>
                   </a:extLst>
                 </a:gridCol>
                 <a:gridCol w="2709333">
                   <a:extLst>
                     <a:ext uri="{9D8B030D-6E8A-4147-A177-3AD203B41FA5}">
-                      <a16:colId xmlns:a16="http://schemas.microsoft.com/office/drawing/2014/main" xmlns="" val="20001"/>
+                      <a16:colId xmlns="" xmlns:a16="http://schemas.microsoft.com/office/drawing/2014/main" val="20001"/>
                     </a:ext>
                   </a:extLst>
                 </a:gridCol>
                 <a:gridCol w="2709333">
                   <a:extLst>
                     <a:ext uri="{9D8B030D-6E8A-4147-A177-3AD203B41FA5}">
-                      <a16:colId xmlns:a16="http://schemas.microsoft.com/office/drawing/2014/main" xmlns="" val="20002"/>
+                      <a16:colId xmlns="" xmlns:a16="http://schemas.microsoft.com/office/drawing/2014/main" val="20002"/>
                     </a:ext>
                   </a:extLst>
                 </a:gridCol>
@@ -8654,7 +8784,7 @@
                 </a:tc>
                 <a:extLst>
                   <a:ext uri="{0D108BD9-81ED-4DB2-BD59-A6C34878D82A}">
-                    <a16:rowId xmlns:a16="http://schemas.microsoft.com/office/drawing/2014/main" xmlns="" val="10000"/>
+                    <a16:rowId xmlns="" xmlns:a16="http://schemas.microsoft.com/office/drawing/2014/main" val="10000"/>
                   </a:ext>
                 </a:extLst>
               </a:tr>
@@ -8679,11 +8809,19 @@
                     <a:p>
                       <a:r>
                         <a:rPr lang="en-US" dirty="0"/>
-                        <a:t>K = </a:t>
+                        <a:t>K </a:t>
                       </a:r>
                       <a:r>
-                        <a:rPr lang="en-US" dirty="0" smtClean="0"/>
-                        <a:t>19,All predictors</a:t>
+                        <a:rPr lang="en-US"/>
+                        <a:t>= </a:t>
+                      </a:r>
+                      <a:r>
+                        <a:rPr lang="en-US" smtClean="0"/>
+                        <a:t>19,Non</a:t>
+                      </a:r>
+                      <a:r>
+                        <a:rPr lang="en-US" baseline="0" smtClean="0"/>
+                        <a:t> Normalized</a:t>
                       </a:r>
                       <a:endParaRPr lang="en-US" dirty="0"/>
                     </a:p>
@@ -8697,7 +8835,7 @@
                     <a:p>
                       <a:r>
                         <a:rPr lang="is-IS" dirty="0" smtClean="0"/>
-                        <a:t>0.8943</a:t>
+                        <a:t>0.9240924 </a:t>
                       </a:r>
                       <a:endParaRPr lang="en-US" dirty="0"/>
                     </a:p>
@@ -8706,7 +8844,7 @@
                 </a:tc>
                 <a:extLst>
                   <a:ext uri="{0D108BD9-81ED-4DB2-BD59-A6C34878D82A}">
-                    <a16:rowId xmlns:a16="http://schemas.microsoft.com/office/drawing/2014/main" xmlns="" val="10001"/>
+                    <a16:rowId xmlns="" xmlns:a16="http://schemas.microsoft.com/office/drawing/2014/main" val="10001"/>
                   </a:ext>
                 </a:extLst>
               </a:tr>
@@ -8757,7 +8895,7 @@
                 </a:tc>
                 <a:extLst>
                   <a:ext uri="{0D108BD9-81ED-4DB2-BD59-A6C34878D82A}">
-                    <a16:rowId xmlns:a16="http://schemas.microsoft.com/office/drawing/2014/main" xmlns="" val="10002"/>
+                    <a16:rowId xmlns="" xmlns:a16="http://schemas.microsoft.com/office/drawing/2014/main" val="10002"/>
                   </a:ext>
                 </a:extLst>
               </a:tr>
@@ -8812,7 +8950,7 @@
                 </a:tc>
                 <a:extLst>
                   <a:ext uri="{0D108BD9-81ED-4DB2-BD59-A6C34878D82A}">
-                    <a16:rowId xmlns:a16="http://schemas.microsoft.com/office/drawing/2014/main" xmlns="" val="10003"/>
+                    <a16:rowId xmlns="" xmlns:a16="http://schemas.microsoft.com/office/drawing/2014/main" val="10003"/>
                   </a:ext>
                 </a:extLst>
               </a:tr>
@@ -8881,7 +9019,7 @@
                 </a:tc>
                 <a:extLst>
                   <a:ext uri="{0D108BD9-81ED-4DB2-BD59-A6C34878D82A}">
-                    <a16:rowId xmlns:a16="http://schemas.microsoft.com/office/drawing/2014/main" xmlns="" val="10004"/>
+                    <a16:rowId xmlns="" xmlns:a16="http://schemas.microsoft.com/office/drawing/2014/main" val="10004"/>
                   </a:ext>
                 </a:extLst>
               </a:tr>
@@ -8892,7 +9030,7 @@
     </p:spTree>
     <p:extLst>
       <p:ext uri="{BB962C8B-B14F-4D97-AF65-F5344CB8AC3E}">
-        <p14:creationId xmlns:p14="http://schemas.microsoft.com/office/powerpoint/2010/main" xmlns="" val="3578044046"/>
+        <p14:creationId xmlns:p14="http://schemas.microsoft.com/office/powerpoint/2010/main" val="3578044046"/>
       </p:ext>
     </p:extLst>
   </p:cSld>
@@ -8909,7 +9047,7 @@
 </p:sld>
 </file>
 
-<file path=ppt/slides/slide38.xml><?xml version="1.0" encoding="utf-8"?>
+<file path=ppt/slides/slide39.xml><?xml version="1.0" encoding="utf-8"?>
 <p:sld xmlns:a="http://schemas.openxmlformats.org/drawingml/2006/main" xmlns:r="http://schemas.openxmlformats.org/officeDocument/2006/relationships" xmlns:p="http://schemas.openxmlformats.org/presentationml/2006/main">
   <p:cSld>
     <p:spTree>
@@ -8970,7 +9108,7 @@
     </p:spTree>
     <p:extLst>
       <p:ext uri="{BB962C8B-B14F-4D97-AF65-F5344CB8AC3E}">
-        <p14:creationId xmlns:p14="http://schemas.microsoft.com/office/powerpoint/2010/main" xmlns="" val="30137763"/>
+        <p14:creationId xmlns:p14="http://schemas.microsoft.com/office/powerpoint/2010/main" val="30137763"/>
       </p:ext>
     </p:extLst>
   </p:cSld>
@@ -9110,7 +9248,7 @@
     </p:spTree>
     <p:extLst>
       <p:ext uri="{BB962C8B-B14F-4D97-AF65-F5344CB8AC3E}">
-        <p14:creationId xmlns:p14="http://schemas.microsoft.com/office/powerpoint/2010/main" xmlns="" val="306933364"/>
+        <p14:creationId xmlns:p14="http://schemas.microsoft.com/office/powerpoint/2010/main" val="306933364"/>
       </p:ext>
     </p:extLst>
   </p:cSld>
@@ -9326,7 +9464,7 @@
     </p:spTree>
     <p:extLst>
       <p:ext uri="{BB962C8B-B14F-4D97-AF65-F5344CB8AC3E}">
-        <p14:creationId xmlns:p14="http://schemas.microsoft.com/office/powerpoint/2010/main" xmlns="" val="220168066"/>
+        <p14:creationId xmlns:p14="http://schemas.microsoft.com/office/powerpoint/2010/main" val="220168066"/>
       </p:ext>
     </p:extLst>
   </p:cSld>
@@ -9433,7 +9571,7 @@
     </p:spTree>
     <p:extLst>
       <p:ext uri="{BB962C8B-B14F-4D97-AF65-F5344CB8AC3E}">
-        <p14:creationId xmlns:p14="http://schemas.microsoft.com/office/powerpoint/2010/main" xmlns="" val="869547253"/>
+        <p14:creationId xmlns:p14="http://schemas.microsoft.com/office/powerpoint/2010/main" val="869547253"/>
       </p:ext>
     </p:extLst>
   </p:cSld>
@@ -9615,7 +9753,7 @@
           <a:blip r:embed="rId2">
             <a:extLst>
               <a:ext uri="{28A0092B-C50C-407E-A947-70E740481C1C}">
-                <a14:useLocalDpi xmlns:a14="http://schemas.microsoft.com/office/drawing/2010/main" xmlns="" val="0"/>
+                <a14:useLocalDpi xmlns:a14="http://schemas.microsoft.com/office/drawing/2010/main" val="0"/>
               </a:ext>
             </a:extLst>
           </a:blip>
@@ -9645,7 +9783,7 @@
           <a:blip r:embed="rId3">
             <a:extLst>
               <a:ext uri="{28A0092B-C50C-407E-A947-70E740481C1C}">
-                <a14:useLocalDpi xmlns:a14="http://schemas.microsoft.com/office/drawing/2010/main" xmlns="" val="0"/>
+                <a14:useLocalDpi xmlns:a14="http://schemas.microsoft.com/office/drawing/2010/main" val="0"/>
               </a:ext>
             </a:extLst>
           </a:blip>
@@ -9666,7 +9804,7 @@
     </p:spTree>
     <p:extLst>
       <p:ext uri="{BB962C8B-B14F-4D97-AF65-F5344CB8AC3E}">
-        <p14:creationId xmlns:p14="http://schemas.microsoft.com/office/powerpoint/2010/main" xmlns="" val="854463336"/>
+        <p14:creationId xmlns:p14="http://schemas.microsoft.com/office/powerpoint/2010/main" val="854463336"/>
       </p:ext>
     </p:extLst>
   </p:cSld>
@@ -9752,7 +9890,7 @@
           <a:blip r:embed="rId2">
             <a:extLst>
               <a:ext uri="{28A0092B-C50C-407E-A947-70E740481C1C}">
-                <a14:useLocalDpi xmlns:a14="http://schemas.microsoft.com/office/drawing/2010/main" xmlns="" val="0"/>
+                <a14:useLocalDpi xmlns:a14="http://schemas.microsoft.com/office/drawing/2010/main" val="0"/>
               </a:ext>
             </a:extLst>
           </a:blip>
@@ -9770,7 +9908,7 @@
     </p:spTree>
     <p:extLst>
       <p:ext uri="{BB962C8B-B14F-4D97-AF65-F5344CB8AC3E}">
-        <p14:creationId xmlns:p14="http://schemas.microsoft.com/office/powerpoint/2010/main" xmlns="" val="742140663"/>
+        <p14:creationId xmlns:p14="http://schemas.microsoft.com/office/powerpoint/2010/main" val="742140663"/>
       </p:ext>
     </p:extLst>
   </p:cSld>
@@ -10324,7 +10462,7 @@
   <a:extraClrSchemeLst/>
   <a:extLst>
     <a:ext uri="{05A4C25C-085E-4340-85A3-A5531E510DB2}">
-      <thm15:themeFamily xmlns:thm15="http://schemas.microsoft.com/office/thememl/2012/main" xmlns="" name="Office Theme" id="{62F939B6-93AF-4DB8-9C6B-D6C7DFDC589F}" vid="{4A3C46E8-61CC-4603-A589-7422A47A8E4A}"/>
+      <thm15:themeFamily xmlns:thm15="http://schemas.microsoft.com/office/thememl/2012/main" name="Office Theme" id="{62F939B6-93AF-4DB8-9C6B-D6C7DFDC589F}" vid="{4A3C46E8-61CC-4603-A589-7422A47A8E4A}"/>
     </a:ext>
   </a:extLst>
 </a:theme>

--- a/Presentation_YPS.pptx
+++ b/Presentation_YPS.pptx
@@ -147,7 +147,7 @@
   </p:defaultTextStyle>
   <p:extLst>
     <p:ext uri="{EFAFB233-063F-42B5-8137-9DF3F51BA10A}">
-      <p15:sldGuideLst xmlns:p15="http://schemas.microsoft.com/office/powerpoint/2012/main">
+      <p15:sldGuideLst xmlns:p15="http://schemas.microsoft.com/office/powerpoint/2012/main" xmlns="">
         <p15:guide id="1" orient="horz" pos="2160">
           <p15:clr>
             <a:srgbClr val="A4A3A4"/>
@@ -186,7 +186,7 @@
     <p:text> It predicts membership probabilities for each class such as the probability that given record or data point belongs to a particular class.  The class with the highest probability is considered as the most likely class</p:text>
     <p:extLst>
       <p:ext uri="{C676402C-5697-4E1C-873F-D02D1690AC5C}">
-        <p15:threadingInfo xmlns:p15="http://schemas.microsoft.com/office/powerpoint/2012/main" timeZoneBias="300"/>
+        <p15:threadingInfo xmlns:p15="http://schemas.microsoft.com/office/powerpoint/2012/main" xmlns="" timeZoneBias="300"/>
       </p:ext>
     </p:extLst>
   </p:cm>
@@ -242,7 +242,7 @@
             </a:lvl1pPr>
           </a:lstStyle>
           <a:p>
-            <a:endParaRPr lang="en-US"/>
+            <a:endParaRPr lang="en-US" dirty="0"/>
           </a:p>
         </p:txBody>
       </p:sp>
@@ -276,9 +276,9 @@
             <a:fld id="{16D21240-5A3A-024F-BD43-24E48AF3A76B}" type="datetimeFigureOut">
               <a:rPr lang="en-US" smtClean="0"/>
               <a:pPr/>
-              <a:t>12/6/17</a:t>
+              <a:t>12/6/2017</a:t>
             </a:fld>
-            <a:endParaRPr lang="en-US"/>
+            <a:endParaRPr lang="en-US" dirty="0"/>
           </a:p>
         </p:txBody>
       </p:sp>
@@ -311,7 +311,7 @@
           <a:bodyPr vert="horz" lIns="91440" tIns="45720" rIns="91440" bIns="45720" rtlCol="0" anchor="ctr"/>
           <a:lstStyle/>
           <a:p>
-            <a:endParaRPr lang="en-US"/>
+            <a:endParaRPr lang="en-US" dirty="0"/>
           </a:p>
         </p:txBody>
       </p:sp>
@@ -401,7 +401,7 @@
             </a:lvl1pPr>
           </a:lstStyle>
           <a:p>
-            <a:endParaRPr lang="en-US"/>
+            <a:endParaRPr lang="en-US" dirty="0"/>
           </a:p>
         </p:txBody>
       </p:sp>
@@ -437,14 +437,14 @@
               <a:pPr/>
               <a:t>‹#›</a:t>
             </a:fld>
-            <a:endParaRPr lang="en-US"/>
+            <a:endParaRPr lang="en-US" dirty="0"/>
           </a:p>
         </p:txBody>
       </p:sp>
     </p:spTree>
     <p:extLst>
       <p:ext uri="{BB962C8B-B14F-4D97-AF65-F5344CB8AC3E}">
-        <p14:creationId xmlns:p14="http://schemas.microsoft.com/office/powerpoint/2010/main" val="2003527968"/>
+        <p14:creationId xmlns:p14="http://schemas.microsoft.com/office/powerpoint/2010/main" xmlns="" val="2003527968"/>
       </p:ext>
     </p:extLst>
   </p:cSld>
@@ -628,7 +628,7 @@
           <a:lstStyle/>
           <a:p>
             <a:pPr algn="ctr" eaLnBrk="1" latinLnBrk="0" hangingPunct="1"/>
-            <a:endParaRPr kumimoji="0" lang="en-US"/>
+            <a:endParaRPr kumimoji="0" lang="en-US" dirty="0"/>
           </a:p>
         </p:txBody>
       </p:sp>
@@ -762,7 +762,7 @@
             <a:fld id="{48A87A34-81AB-432B-8DAE-1953F412C126}" type="datetimeFigureOut">
               <a:rPr lang="en-US" smtClean="0"/>
               <a:pPr/>
-              <a:t>12/6/17</a:t>
+              <a:t>12/6/2017</a:t>
             </a:fld>
             <a:endParaRPr lang="en-US" dirty="0"/>
           </a:p>
@@ -950,7 +950,7 @@
             <a:fld id="{48A87A34-81AB-432B-8DAE-1953F412C126}" type="datetimeFigureOut">
               <a:rPr lang="en-US" smtClean="0"/>
               <a:pPr/>
-              <a:t>12/6/17</a:t>
+              <a:t>12/6/2017</a:t>
             </a:fld>
             <a:endParaRPr lang="en-US" dirty="0"/>
           </a:p>
@@ -1126,7 +1126,7 @@
             <a:fld id="{48A87A34-81AB-432B-8DAE-1953F412C126}" type="datetimeFigureOut">
               <a:rPr lang="en-US" smtClean="0"/>
               <a:pPr/>
-              <a:t>12/6/17</a:t>
+              <a:t>12/6/2017</a:t>
             </a:fld>
             <a:endParaRPr lang="en-US" dirty="0"/>
           </a:p>
@@ -1307,7 +1307,7 @@
             <a:fld id="{48A87A34-81AB-432B-8DAE-1953F412C126}" type="datetimeFigureOut">
               <a:rPr lang="en-US" smtClean="0"/>
               <a:pPr/>
-              <a:t>12/6/17</a:t>
+              <a:t>12/6/2017</a:t>
             </a:fld>
             <a:endParaRPr lang="en-US" dirty="0"/>
           </a:p>
@@ -1451,7 +1451,7 @@
           <a:lstStyle/>
           <a:p>
             <a:pPr marL="0" algn="ctr" defTabSz="914400" rtl="0" eaLnBrk="1" latinLnBrk="0" hangingPunct="1"/>
-            <a:endParaRPr kumimoji="0" lang="en-US" sz="1800" kern="1200">
+            <a:endParaRPr kumimoji="0" lang="en-US" sz="1800" kern="1200" dirty="0">
               <a:solidFill>
                 <a:schemeClr val="lt1"/>
               </a:solidFill>
@@ -1529,7 +1529,7 @@
           <a:lstStyle/>
           <a:p>
             <a:pPr algn="ctr" eaLnBrk="1" latinLnBrk="0" hangingPunct="1"/>
-            <a:endParaRPr kumimoji="0" lang="en-US"/>
+            <a:endParaRPr kumimoji="0" lang="en-US" dirty="0"/>
           </a:p>
         </p:txBody>
       </p:sp>
@@ -1556,7 +1556,7 @@
             <a:fld id="{48A87A34-81AB-432B-8DAE-1953F412C126}" type="datetimeFigureOut">
               <a:rPr lang="en-US" smtClean="0"/>
               <a:pPr/>
-              <a:t>12/6/17</a:t>
+              <a:t>12/6/2017</a:t>
             </a:fld>
             <a:endParaRPr lang="en-US" dirty="0"/>
           </a:p>
@@ -2030,7 +2030,7 @@
             <a:fld id="{48A87A34-81AB-432B-8DAE-1953F412C126}" type="datetimeFigureOut">
               <a:rPr lang="en-US" smtClean="0"/>
               <a:pPr/>
-              <a:t>12/6/17</a:t>
+              <a:t>12/6/2017</a:t>
             </a:fld>
             <a:endParaRPr lang="en-US" dirty="0"/>
           </a:p>
@@ -2446,7 +2446,7 @@
             <a:fld id="{48A87A34-81AB-432B-8DAE-1953F412C126}" type="datetimeFigureOut">
               <a:rPr lang="en-US" smtClean="0"/>
               <a:pPr/>
-              <a:t>12/6/17</a:t>
+              <a:t>12/6/2017</a:t>
             </a:fld>
             <a:endParaRPr lang="en-US" dirty="0"/>
           </a:p>
@@ -2578,7 +2578,7 @@
             <a:fld id="{48A87A34-81AB-432B-8DAE-1953F412C126}" type="datetimeFigureOut">
               <a:rPr lang="en-US" smtClean="0"/>
               <a:pPr/>
-              <a:t>12/6/17</a:t>
+              <a:t>12/6/2017</a:t>
             </a:fld>
             <a:endParaRPr lang="en-US" dirty="0"/>
           </a:p>
@@ -2675,7 +2675,7 @@
             <a:fld id="{48A87A34-81AB-432B-8DAE-1953F412C126}" type="datetimeFigureOut">
               <a:rPr lang="en-US" smtClean="0"/>
               <a:pPr/>
-              <a:t>12/6/17</a:t>
+              <a:t>12/6/2017</a:t>
             </a:fld>
             <a:endParaRPr lang="en-US" dirty="0"/>
           </a:p>
@@ -2954,7 +2954,7 @@
             <a:fld id="{48A87A34-81AB-432B-8DAE-1953F412C126}" type="datetimeFigureOut">
               <a:rPr lang="en-US" smtClean="0"/>
               <a:pPr/>
-              <a:t>12/6/17</a:t>
+              <a:t>12/6/2017</a:t>
             </a:fld>
             <a:endParaRPr lang="en-US" dirty="0"/>
           </a:p>
@@ -3114,10 +3114,9 @@
           </a:lstStyle>
           <a:p>
             <a:r>
-              <a:rPr kumimoji="0" lang="en-US"/>
+              <a:rPr kumimoji="0" lang="en-US" dirty="0"/>
               <a:t>Click icon to add picture</a:t>
             </a:r>
-            <a:endParaRPr kumimoji="0" lang="en-US" dirty="0"/>
           </a:p>
         </p:txBody>
       </p:sp>
@@ -3207,7 +3206,7 @@
             <a:fld id="{48A87A34-81AB-432B-8DAE-1953F412C126}" type="datetimeFigureOut">
               <a:rPr lang="en-US" smtClean="0"/>
               <a:pPr/>
-              <a:t>12/6/17</a:t>
+              <a:t>12/6/2017</a:t>
             </a:fld>
             <a:endParaRPr lang="en-US" dirty="0"/>
           </a:p>
@@ -3364,7 +3363,7 @@
           <a:lstStyle/>
           <a:p>
             <a:pPr algn="ctr" eaLnBrk="1" latinLnBrk="0" hangingPunct="1"/>
-            <a:endParaRPr kumimoji="0" lang="en-US"/>
+            <a:endParaRPr kumimoji="0" lang="en-US" dirty="0"/>
           </a:p>
         </p:txBody>
       </p:sp>
@@ -3579,7 +3578,7 @@
             <a:fld id="{48A87A34-81AB-432B-8DAE-1953F412C126}" type="datetimeFigureOut">
               <a:rPr lang="en-US" smtClean="0"/>
               <a:pPr/>
-              <a:t>12/6/17</a:t>
+              <a:t>12/6/2017</a:t>
             </a:fld>
             <a:endParaRPr lang="en-US" dirty="0"/>
           </a:p>
@@ -4064,7 +4063,7 @@
     </p:spTree>
     <p:extLst>
       <p:ext uri="{BB962C8B-B14F-4D97-AF65-F5344CB8AC3E}">
-        <p14:creationId xmlns:p14="http://schemas.microsoft.com/office/powerpoint/2010/main" val="2624391631"/>
+        <p14:creationId xmlns:p14="http://schemas.microsoft.com/office/powerpoint/2010/main" xmlns="" val="2624391631"/>
       </p:ext>
     </p:extLst>
   </p:cSld>
@@ -4218,7 +4217,7 @@
     </p:spTree>
     <p:extLst>
       <p:ext uri="{BB962C8B-B14F-4D97-AF65-F5344CB8AC3E}">
-        <p14:creationId xmlns:p14="http://schemas.microsoft.com/office/powerpoint/2010/main" val="597700395"/>
+        <p14:creationId xmlns:p14="http://schemas.microsoft.com/office/powerpoint/2010/main" xmlns="" val="597700395"/>
       </p:ext>
     </p:extLst>
   </p:cSld>
@@ -4380,7 +4379,7 @@
           <a:blip r:embed="rId2">
             <a:extLst>
               <a:ext uri="{28A0092B-C50C-407E-A947-70E740481C1C}">
-                <a14:useLocalDpi xmlns:a14="http://schemas.microsoft.com/office/drawing/2010/main" val="0"/>
+                <a14:useLocalDpi xmlns:a14="http://schemas.microsoft.com/office/drawing/2010/main" xmlns="" val="0"/>
               </a:ext>
             </a:extLst>
           </a:blip>
@@ -4410,7 +4409,7 @@
           <a:blip r:embed="rId3">
             <a:extLst>
               <a:ext uri="{28A0092B-C50C-407E-A947-70E740481C1C}">
-                <a14:useLocalDpi xmlns:a14="http://schemas.microsoft.com/office/drawing/2010/main" val="0"/>
+                <a14:useLocalDpi xmlns:a14="http://schemas.microsoft.com/office/drawing/2010/main" xmlns="" val="0"/>
               </a:ext>
             </a:extLst>
           </a:blip>
@@ -4431,7 +4430,7 @@
     </p:spTree>
     <p:extLst>
       <p:ext uri="{BB962C8B-B14F-4D97-AF65-F5344CB8AC3E}">
-        <p14:creationId xmlns:p14="http://schemas.microsoft.com/office/powerpoint/2010/main" val="750973216"/>
+        <p14:creationId xmlns:p14="http://schemas.microsoft.com/office/powerpoint/2010/main" xmlns="" val="750973216"/>
       </p:ext>
     </p:extLst>
   </p:cSld>
@@ -4612,7 +4611,7 @@
           <a:blip r:embed="rId2">
             <a:extLst>
               <a:ext uri="{28A0092B-C50C-407E-A947-70E740481C1C}">
-                <a14:useLocalDpi xmlns:a14="http://schemas.microsoft.com/office/drawing/2010/main" val="0"/>
+                <a14:useLocalDpi xmlns:a14="http://schemas.microsoft.com/office/drawing/2010/main" xmlns="" val="0"/>
               </a:ext>
             </a:extLst>
           </a:blip>
@@ -4642,7 +4641,7 @@
           <a:blip r:embed="rId3">
             <a:extLst>
               <a:ext uri="{28A0092B-C50C-407E-A947-70E740481C1C}">
-                <a14:useLocalDpi xmlns:a14="http://schemas.microsoft.com/office/drawing/2010/main" val="0"/>
+                <a14:useLocalDpi xmlns:a14="http://schemas.microsoft.com/office/drawing/2010/main" xmlns="" val="0"/>
               </a:ext>
             </a:extLst>
           </a:blip>
@@ -4663,7 +4662,7 @@
     </p:spTree>
     <p:extLst>
       <p:ext uri="{BB962C8B-B14F-4D97-AF65-F5344CB8AC3E}">
-        <p14:creationId xmlns:p14="http://schemas.microsoft.com/office/powerpoint/2010/main" val="313837605"/>
+        <p14:creationId xmlns:p14="http://schemas.microsoft.com/office/powerpoint/2010/main" xmlns="" val="313837605"/>
       </p:ext>
     </p:extLst>
   </p:cSld>
@@ -4811,7 +4810,7 @@
           <a:blip r:embed="rId2">
             <a:extLst>
               <a:ext uri="{28A0092B-C50C-407E-A947-70E740481C1C}">
-                <a14:useLocalDpi xmlns:a14="http://schemas.microsoft.com/office/drawing/2010/main" val="0"/>
+                <a14:useLocalDpi xmlns:a14="http://schemas.microsoft.com/office/drawing/2010/main" xmlns="" val="0"/>
               </a:ext>
             </a:extLst>
           </a:blip>
@@ -4832,13 +4831,20 @@
     </p:spTree>
     <p:extLst>
       <p:ext uri="{BB962C8B-B14F-4D97-AF65-F5344CB8AC3E}">
-        <p14:creationId xmlns:p14="http://schemas.microsoft.com/office/powerpoint/2010/main" val="418922733"/>
+        <p14:creationId xmlns:p14="http://schemas.microsoft.com/office/powerpoint/2010/main" xmlns="" val="418922733"/>
       </p:ext>
     </p:extLst>
   </p:cSld>
   <p:clrMapOvr>
     <a:masterClrMapping/>
   </p:clrMapOvr>
+  <p:timing>
+    <p:tnLst>
+      <p:par>
+        <p:cTn id="1" dur="indefinite" restart="never" nodeType="tmRoot"/>
+      </p:par>
+    </p:tnLst>
+  </p:timing>
 </p:sld>
 </file>
 
@@ -4918,7 +4924,7 @@
     </p:spTree>
     <p:extLst>
       <p:ext uri="{BB962C8B-B14F-4D97-AF65-F5344CB8AC3E}">
-        <p14:creationId xmlns:p14="http://schemas.microsoft.com/office/powerpoint/2010/main" val="1935058227"/>
+        <p14:creationId xmlns:p14="http://schemas.microsoft.com/office/powerpoint/2010/main" xmlns="" val="1935058227"/>
       </p:ext>
     </p:extLst>
   </p:cSld>
@@ -5015,15 +5021,7 @@
           <a:p>
             <a:r>
               <a:rPr lang="en-US" dirty="0"/>
-              <a:t>For Gender, number of Trees (</a:t>
-            </a:r>
-            <a:r>
-              <a:rPr lang="en-US" dirty="0" err="1"/>
-              <a:t>ntree</a:t>
-            </a:r>
-            <a:r>
-              <a:rPr lang="en-US" dirty="0"/>
-              <a:t>) = 1000</a:t>
+              <a:t>For Gender, number of Trees (ntree) = 1000</a:t>
             </a:r>
           </a:p>
           <a:p>
@@ -5065,7 +5063,7 @@
           <p:cNvPr id="4" name="Picture 3">
             <a:extLst>
               <a:ext uri="{FF2B5EF4-FFF2-40B4-BE49-F238E27FC236}">
-                <a16:creationId xmlns="" xmlns:a16="http://schemas.microsoft.com/office/drawing/2014/main" id="{2487C7DE-DE19-4190-AFF7-8E55A70D19E2}"/>
+                <a16:creationId xmlns:a16="http://schemas.microsoft.com/office/drawing/2014/main" xmlns="" id="{2487C7DE-DE19-4190-AFF7-8E55A70D19E2}"/>
               </a:ext>
             </a:extLst>
           </p:cNvPr>
@@ -5093,7 +5091,7 @@
     </p:spTree>
     <p:extLst>
       <p:ext uri="{BB962C8B-B14F-4D97-AF65-F5344CB8AC3E}">
-        <p14:creationId xmlns:p14="http://schemas.microsoft.com/office/powerpoint/2010/main" val="1353407553"/>
+        <p14:creationId xmlns:p14="http://schemas.microsoft.com/office/powerpoint/2010/main" xmlns="" val="1353407553"/>
       </p:ext>
     </p:extLst>
   </p:cSld>
@@ -5132,7 +5130,7 @@
           <p:cNvPr id="6" name="Picture 5">
             <a:extLst>
               <a:ext uri="{FF2B5EF4-FFF2-40B4-BE49-F238E27FC236}">
-                <a16:creationId xmlns="" xmlns:a16="http://schemas.microsoft.com/office/drawing/2014/main" id="{2EE0A306-66B1-476B-828C-664E99CBFE66}"/>
+                <a16:creationId xmlns:a16="http://schemas.microsoft.com/office/drawing/2014/main" xmlns="" id="{2EE0A306-66B1-476B-828C-664E99CBFE66}"/>
               </a:ext>
             </a:extLst>
           </p:cNvPr>
@@ -5162,7 +5160,7 @@
           <p:cNvPr id="2" name="Picture 1">
             <a:extLst>
               <a:ext uri="{FF2B5EF4-FFF2-40B4-BE49-F238E27FC236}">
-                <a16:creationId xmlns="" xmlns:a16="http://schemas.microsoft.com/office/drawing/2014/main" id="{86A41FC7-4FA5-41EE-B9C9-57C6CE06F3D5}"/>
+                <a16:creationId xmlns:a16="http://schemas.microsoft.com/office/drawing/2014/main" xmlns="" id="{86A41FC7-4FA5-41EE-B9C9-57C6CE06F3D5}"/>
               </a:ext>
             </a:extLst>
           </p:cNvPr>
@@ -5190,7 +5188,7 @@
     </p:spTree>
     <p:extLst>
       <p:ext uri="{BB962C8B-B14F-4D97-AF65-F5344CB8AC3E}">
-        <p14:creationId xmlns:p14="http://schemas.microsoft.com/office/powerpoint/2010/main" val="2813237534"/>
+        <p14:creationId xmlns:p14="http://schemas.microsoft.com/office/powerpoint/2010/main" xmlns="" val="2813237534"/>
       </p:ext>
     </p:extLst>
   </p:cSld>
@@ -5277,15 +5275,7 @@
           <a:p>
             <a:r>
               <a:rPr lang="en-US" dirty="0"/>
-              <a:t>For Gender, number of Trees (</a:t>
-            </a:r>
-            <a:r>
-              <a:rPr lang="en-US" dirty="0" err="1"/>
-              <a:t>ntree</a:t>
-            </a:r>
-            <a:r>
-              <a:rPr lang="en-US" dirty="0"/>
-              <a:t>) = 2000</a:t>
+              <a:t>For Gender, number of Trees (ntree) = 2000</a:t>
             </a:r>
           </a:p>
           <a:p>
@@ -5310,7 +5300,7 @@
           <p:cNvPr id="4" name="Picture 3">
             <a:extLst>
               <a:ext uri="{FF2B5EF4-FFF2-40B4-BE49-F238E27FC236}">
-                <a16:creationId xmlns="" xmlns:a16="http://schemas.microsoft.com/office/drawing/2014/main" id="{E41201F2-5E9E-49B7-9290-45E8A98E0C9B}"/>
+                <a16:creationId xmlns:a16="http://schemas.microsoft.com/office/drawing/2014/main" xmlns="" id="{E41201F2-5E9E-49B7-9290-45E8A98E0C9B}"/>
               </a:ext>
             </a:extLst>
           </p:cNvPr>
@@ -5338,7 +5328,7 @@
     </p:spTree>
     <p:extLst>
       <p:ext uri="{BB962C8B-B14F-4D97-AF65-F5344CB8AC3E}">
-        <p14:creationId xmlns:p14="http://schemas.microsoft.com/office/powerpoint/2010/main" val="1835096561"/>
+        <p14:creationId xmlns:p14="http://schemas.microsoft.com/office/powerpoint/2010/main" xmlns="" val="1835096561"/>
       </p:ext>
     </p:extLst>
   </p:cSld>
@@ -5377,7 +5367,7 @@
           <p:cNvPr id="2" name="Picture 1">
             <a:extLst>
               <a:ext uri="{FF2B5EF4-FFF2-40B4-BE49-F238E27FC236}">
-                <a16:creationId xmlns="" xmlns:a16="http://schemas.microsoft.com/office/drawing/2014/main" id="{CD66F473-202E-4695-A31E-CD0C63192611}"/>
+                <a16:creationId xmlns:a16="http://schemas.microsoft.com/office/drawing/2014/main" xmlns="" id="{CD66F473-202E-4695-A31E-CD0C63192611}"/>
               </a:ext>
             </a:extLst>
           </p:cNvPr>
@@ -5394,38 +5384,8 @@
         </p:blipFill>
         <p:spPr>
           <a:xfrm>
-            <a:off x="6608190" y="287567"/>
-            <a:ext cx="5076972" cy="5830430"/>
-          </a:xfrm>
-          <a:prstGeom prst="rect">
-            <a:avLst/>
-          </a:prstGeom>
-        </p:spPr>
-      </p:pic>
-      <p:pic>
-        <p:nvPicPr>
-          <p:cNvPr id="3" name="Picture 2">
-            <a:extLst>
-              <a:ext uri="{FF2B5EF4-FFF2-40B4-BE49-F238E27FC236}">
-                <a16:creationId xmlns="" xmlns:a16="http://schemas.microsoft.com/office/drawing/2014/main" id="{88DE7B0B-7E4E-40A9-BA41-946E7654D5FB}"/>
-              </a:ext>
-            </a:extLst>
-          </p:cNvPr>
-          <p:cNvPicPr>
-            <a:picLocks noChangeAspect="1"/>
-          </p:cNvPicPr>
-          <p:nvPr/>
-        </p:nvPicPr>
-        <p:blipFill>
-          <a:blip r:embed="rId3"/>
-          <a:stretch>
-            <a:fillRect/>
-          </a:stretch>
-        </p:blipFill>
-        <p:spPr>
-          <a:xfrm>
-            <a:off x="502906" y="212153"/>
-            <a:ext cx="5549102" cy="5830430"/>
+            <a:off x="914400" y="470447"/>
+            <a:ext cx="10405002" cy="5830430"/>
           </a:xfrm>
           <a:prstGeom prst="rect">
             <a:avLst/>
@@ -5435,7 +5395,7 @@
     </p:spTree>
     <p:extLst>
       <p:ext uri="{BB962C8B-B14F-4D97-AF65-F5344CB8AC3E}">
-        <p14:creationId xmlns:p14="http://schemas.microsoft.com/office/powerpoint/2010/main" val="1066629938"/>
+        <p14:creationId xmlns:p14="http://schemas.microsoft.com/office/powerpoint/2010/main" xmlns="" val="1066629938"/>
       </p:ext>
     </p:extLst>
   </p:cSld>
@@ -5520,15 +5480,7 @@
           <a:p>
             <a:r>
               <a:rPr lang="en-US" dirty="0"/>
-              <a:t>For Gender, number of Trees (</a:t>
-            </a:r>
-            <a:r>
-              <a:rPr lang="en-US" dirty="0" err="1"/>
-              <a:t>ntree</a:t>
-            </a:r>
-            <a:r>
-              <a:rPr lang="en-US" dirty="0"/>
-              <a:t>) = 3000</a:t>
+              <a:t>For Gender, number of Trees (ntree) = 3000</a:t>
             </a:r>
           </a:p>
           <a:p>
@@ -5555,7 +5507,7 @@
           <p:cNvPr id="4" name="Picture 3">
             <a:extLst>
               <a:ext uri="{FF2B5EF4-FFF2-40B4-BE49-F238E27FC236}">
-                <a16:creationId xmlns="" xmlns:a16="http://schemas.microsoft.com/office/drawing/2014/main" id="{E547C40E-EBC3-48BE-A5E8-18839AC62B6E}"/>
+                <a16:creationId xmlns:a16="http://schemas.microsoft.com/office/drawing/2014/main" xmlns="" id="{E547C40E-EBC3-48BE-A5E8-18839AC62B6E}"/>
               </a:ext>
             </a:extLst>
           </p:cNvPr>
@@ -5583,7 +5535,7 @@
     </p:spTree>
     <p:extLst>
       <p:ext uri="{BB962C8B-B14F-4D97-AF65-F5344CB8AC3E}">
-        <p14:creationId xmlns:p14="http://schemas.microsoft.com/office/powerpoint/2010/main" val="1644211426"/>
+        <p14:creationId xmlns:p14="http://schemas.microsoft.com/office/powerpoint/2010/main" xmlns="" val="1644211426"/>
       </p:ext>
     </p:extLst>
   </p:cSld>
@@ -5704,7 +5656,7 @@
           <p:cNvPr id="8" name="Picture 7">
             <a:extLst>
               <a:ext uri="{FF2B5EF4-FFF2-40B4-BE49-F238E27FC236}">
-                <a16:creationId xmlns="" xmlns:a16="http://schemas.microsoft.com/office/drawing/2014/main" id="{8B297A75-5C96-4B8E-A721-B5A80A818F40}"/>
+                <a16:creationId xmlns:a16="http://schemas.microsoft.com/office/drawing/2014/main" xmlns="" id="{8B297A75-5C96-4B8E-A721-B5A80A818F40}"/>
               </a:ext>
             </a:extLst>
           </p:cNvPr>
@@ -5780,7 +5732,7 @@
     </p:spTree>
     <p:extLst>
       <p:ext uri="{BB962C8B-B14F-4D97-AF65-F5344CB8AC3E}">
-        <p14:creationId xmlns:p14="http://schemas.microsoft.com/office/powerpoint/2010/main" val="2694219937"/>
+        <p14:creationId xmlns:p14="http://schemas.microsoft.com/office/powerpoint/2010/main" xmlns="" val="2694219937"/>
       </p:ext>
     </p:extLst>
   </p:cSld>
@@ -5816,10 +5768,10 @@
       </p:grpSpPr>
       <p:pic>
         <p:nvPicPr>
-          <p:cNvPr id="6" name="Picture 5">
+          <p:cNvPr id="2" name="Picture 1">
             <a:extLst>
               <a:ext uri="{FF2B5EF4-FFF2-40B4-BE49-F238E27FC236}">
-                <a16:creationId xmlns="" xmlns:a16="http://schemas.microsoft.com/office/drawing/2014/main" id="{E5500A7C-34BB-49CE-8A02-F70D95A61149}"/>
+                <a16:creationId xmlns:a16="http://schemas.microsoft.com/office/drawing/2014/main" xmlns="" id="{E0455F67-7B2A-43B3-8BAD-3ABFCA79DEB2}"/>
               </a:ext>
             </a:extLst>
           </p:cNvPr>
@@ -5836,38 +5788,8 @@
         </p:blipFill>
         <p:spPr>
           <a:xfrm>
-            <a:off x="502906" y="212153"/>
-            <a:ext cx="5549102" cy="5830430"/>
-          </a:xfrm>
-          <a:prstGeom prst="rect">
-            <a:avLst/>
-          </a:prstGeom>
-        </p:spPr>
-      </p:pic>
-      <p:pic>
-        <p:nvPicPr>
-          <p:cNvPr id="2" name="Picture 1">
-            <a:extLst>
-              <a:ext uri="{FF2B5EF4-FFF2-40B4-BE49-F238E27FC236}">
-                <a16:creationId xmlns="" xmlns:a16="http://schemas.microsoft.com/office/drawing/2014/main" id="{E0455F67-7B2A-43B3-8BAD-3ABFCA79DEB2}"/>
-              </a:ext>
-            </a:extLst>
-          </p:cNvPr>
-          <p:cNvPicPr>
-            <a:picLocks noChangeAspect="1"/>
-          </p:cNvPicPr>
-          <p:nvPr/>
-        </p:nvPicPr>
-        <p:blipFill>
-          <a:blip r:embed="rId3"/>
-          <a:stretch>
-            <a:fillRect/>
-          </a:stretch>
-        </p:blipFill>
-        <p:spPr>
-          <a:xfrm>
-            <a:off x="6476213" y="212152"/>
-            <a:ext cx="5316719" cy="5830431"/>
+            <a:off x="604912" y="521641"/>
+            <a:ext cx="11159886" cy="5830431"/>
           </a:xfrm>
           <a:prstGeom prst="rect">
             <a:avLst/>
@@ -5877,7 +5799,7 @@
     </p:spTree>
     <p:extLst>
       <p:ext uri="{BB962C8B-B14F-4D97-AF65-F5344CB8AC3E}">
-        <p14:creationId xmlns:p14="http://schemas.microsoft.com/office/powerpoint/2010/main" val="661810499"/>
+        <p14:creationId xmlns:p14="http://schemas.microsoft.com/office/powerpoint/2010/main" xmlns="" val="661810499"/>
       </p:ext>
     </p:extLst>
   </p:cSld>
@@ -5968,15 +5890,7 @@
           <a:p>
             <a:r>
               <a:rPr lang="en-US" dirty="0"/>
-              <a:t>For Gender, number of Trees (</a:t>
-            </a:r>
-            <a:r>
-              <a:rPr lang="en-US" dirty="0" err="1"/>
-              <a:t>ntree</a:t>
-            </a:r>
-            <a:r>
-              <a:rPr lang="en-US" dirty="0"/>
-              <a:t>) = 1000</a:t>
+              <a:t>For Gender, number of Trees (ntree) = 1000</a:t>
             </a:r>
           </a:p>
           <a:p>
@@ -6018,7 +5932,7 @@
           <p:cNvPr id="5" name="Picture 4">
             <a:extLst>
               <a:ext uri="{FF2B5EF4-FFF2-40B4-BE49-F238E27FC236}">
-                <a16:creationId xmlns="" xmlns:a16="http://schemas.microsoft.com/office/drawing/2014/main" id="{5431268D-64C4-48CF-B095-7AE8588FC7E0}"/>
+                <a16:creationId xmlns:a16="http://schemas.microsoft.com/office/drawing/2014/main" xmlns="" id="{5431268D-64C4-48CF-B095-7AE8588FC7E0}"/>
               </a:ext>
             </a:extLst>
           </p:cNvPr>
@@ -6046,7 +5960,7 @@
     </p:spTree>
     <p:extLst>
       <p:ext uri="{BB962C8B-B14F-4D97-AF65-F5344CB8AC3E}">
-        <p14:creationId xmlns:p14="http://schemas.microsoft.com/office/powerpoint/2010/main" val="2723044403"/>
+        <p14:creationId xmlns:p14="http://schemas.microsoft.com/office/powerpoint/2010/main" xmlns="" val="2723044403"/>
       </p:ext>
     </p:extLst>
   </p:cSld>
@@ -6085,7 +5999,7 @@
           <p:cNvPr id="3" name="Picture 2">
             <a:extLst>
               <a:ext uri="{FF2B5EF4-FFF2-40B4-BE49-F238E27FC236}">
-                <a16:creationId xmlns="" xmlns:a16="http://schemas.microsoft.com/office/drawing/2014/main" id="{F48C9E8F-062F-4E88-9578-6715791F02A7}"/>
+                <a16:creationId xmlns:a16="http://schemas.microsoft.com/office/drawing/2014/main" xmlns="" id="{F48C9E8F-062F-4E88-9578-6715791F02A7}"/>
               </a:ext>
             </a:extLst>
           </p:cNvPr>
@@ -6115,7 +6029,7 @@
           <p:cNvPr id="7" name="Picture 6">
             <a:extLst>
               <a:ext uri="{FF2B5EF4-FFF2-40B4-BE49-F238E27FC236}">
-                <a16:creationId xmlns="" xmlns:a16="http://schemas.microsoft.com/office/drawing/2014/main" id="{8288FDD6-6F4B-494E-99F2-4CE085353B9A}"/>
+                <a16:creationId xmlns:a16="http://schemas.microsoft.com/office/drawing/2014/main" xmlns="" id="{8288FDD6-6F4B-494E-99F2-4CE085353B9A}"/>
               </a:ext>
             </a:extLst>
           </p:cNvPr>
@@ -6143,7 +6057,7 @@
     </p:spTree>
     <p:extLst>
       <p:ext uri="{BB962C8B-B14F-4D97-AF65-F5344CB8AC3E}">
-        <p14:creationId xmlns:p14="http://schemas.microsoft.com/office/powerpoint/2010/main" val="3584826668"/>
+        <p14:creationId xmlns:p14="http://schemas.microsoft.com/office/powerpoint/2010/main" xmlns="" val="3584826668"/>
       </p:ext>
     </p:extLst>
   </p:cSld>
@@ -6228,15 +6142,7 @@
           <a:p>
             <a:r>
               <a:rPr lang="en-US" dirty="0"/>
-              <a:t>For Gender, number of Trees (</a:t>
-            </a:r>
-            <a:r>
-              <a:rPr lang="en-US" dirty="0" err="1"/>
-              <a:t>ntree</a:t>
-            </a:r>
-            <a:r>
-              <a:rPr lang="en-US" dirty="0"/>
-              <a:t>) = 2000</a:t>
+              <a:t>For Gender, number of Trees (ntree) = 2000</a:t>
             </a:r>
           </a:p>
           <a:p>
@@ -6278,7 +6184,7 @@
           <p:cNvPr id="5" name="Picture 4">
             <a:extLst>
               <a:ext uri="{FF2B5EF4-FFF2-40B4-BE49-F238E27FC236}">
-                <a16:creationId xmlns="" xmlns:a16="http://schemas.microsoft.com/office/drawing/2014/main" id="{5431268D-64C4-48CF-B095-7AE8588FC7E0}"/>
+                <a16:creationId xmlns:a16="http://schemas.microsoft.com/office/drawing/2014/main" xmlns="" id="{5431268D-64C4-48CF-B095-7AE8588FC7E0}"/>
               </a:ext>
             </a:extLst>
           </p:cNvPr>
@@ -6306,7 +6212,7 @@
     </p:spTree>
     <p:extLst>
       <p:ext uri="{BB962C8B-B14F-4D97-AF65-F5344CB8AC3E}">
-        <p14:creationId xmlns:p14="http://schemas.microsoft.com/office/powerpoint/2010/main" val="1421159567"/>
+        <p14:creationId xmlns:p14="http://schemas.microsoft.com/office/powerpoint/2010/main" xmlns="" val="1421159567"/>
       </p:ext>
     </p:extLst>
   </p:cSld>
@@ -6342,10 +6248,10 @@
       </p:grpSpPr>
       <p:pic>
         <p:nvPicPr>
-          <p:cNvPr id="3" name="Picture 2">
+          <p:cNvPr id="2" name="Picture 1">
             <a:extLst>
               <a:ext uri="{FF2B5EF4-FFF2-40B4-BE49-F238E27FC236}">
-                <a16:creationId xmlns="" xmlns:a16="http://schemas.microsoft.com/office/drawing/2014/main" id="{F48C9E8F-062F-4E88-9578-6715791F02A7}"/>
+                <a16:creationId xmlns:a16="http://schemas.microsoft.com/office/drawing/2014/main" xmlns="" id="{4B4B784D-AF37-4CD2-B5E6-80C0A35A8B4B}"/>
               </a:ext>
             </a:extLst>
           </p:cNvPr>
@@ -6362,38 +6268,8 @@
         </p:blipFill>
         <p:spPr>
           <a:xfrm>
-            <a:off x="358218" y="212152"/>
-            <a:ext cx="5804431" cy="5830431"/>
-          </a:xfrm>
-          <a:prstGeom prst="rect">
-            <a:avLst/>
-          </a:prstGeom>
-        </p:spPr>
-      </p:pic>
-      <p:pic>
-        <p:nvPicPr>
-          <p:cNvPr id="2" name="Picture 1">
-            <a:extLst>
-              <a:ext uri="{FF2B5EF4-FFF2-40B4-BE49-F238E27FC236}">
-                <a16:creationId xmlns="" xmlns:a16="http://schemas.microsoft.com/office/drawing/2014/main" id="{4B4B784D-AF37-4CD2-B5E6-80C0A35A8B4B}"/>
-              </a:ext>
-            </a:extLst>
-          </p:cNvPr>
-          <p:cNvPicPr>
-            <a:picLocks noChangeAspect="1"/>
-          </p:cNvPicPr>
-          <p:nvPr/>
-        </p:nvPicPr>
-        <p:blipFill>
-          <a:blip r:embed="rId3"/>
-          <a:stretch>
-            <a:fillRect/>
-          </a:stretch>
-        </p:blipFill>
-        <p:spPr>
-          <a:xfrm>
-            <a:off x="6664751" y="212151"/>
-            <a:ext cx="5184742" cy="5830431"/>
+            <a:off x="534572" y="521640"/>
+            <a:ext cx="11117973" cy="5830431"/>
           </a:xfrm>
           <a:prstGeom prst="rect">
             <a:avLst/>
@@ -6403,7 +6279,7 @@
     </p:spTree>
     <p:extLst>
       <p:ext uri="{BB962C8B-B14F-4D97-AF65-F5344CB8AC3E}">
-        <p14:creationId xmlns:p14="http://schemas.microsoft.com/office/powerpoint/2010/main" val="2747040706"/>
+        <p14:creationId xmlns:p14="http://schemas.microsoft.com/office/powerpoint/2010/main" xmlns="" val="2747040706"/>
       </p:ext>
     </p:extLst>
   </p:cSld>
@@ -6488,15 +6364,7 @@
           <a:p>
             <a:r>
               <a:rPr lang="en-US" dirty="0"/>
-              <a:t>For Gender, number of Trees (</a:t>
-            </a:r>
-            <a:r>
-              <a:rPr lang="en-US" dirty="0" err="1"/>
-              <a:t>ntree</a:t>
-            </a:r>
-            <a:r>
-              <a:rPr lang="en-US" dirty="0"/>
-              <a:t>) = 3000</a:t>
+              <a:t>For Gender, number of Trees (ntree) = 3000</a:t>
             </a:r>
           </a:p>
           <a:p>
@@ -6538,7 +6406,7 @@
           <p:cNvPr id="5" name="Picture 4">
             <a:extLst>
               <a:ext uri="{FF2B5EF4-FFF2-40B4-BE49-F238E27FC236}">
-                <a16:creationId xmlns="" xmlns:a16="http://schemas.microsoft.com/office/drawing/2014/main" id="{5431268D-64C4-48CF-B095-7AE8588FC7E0}"/>
+                <a16:creationId xmlns:a16="http://schemas.microsoft.com/office/drawing/2014/main" xmlns="" id="{5431268D-64C4-48CF-B095-7AE8588FC7E0}"/>
               </a:ext>
             </a:extLst>
           </p:cNvPr>
@@ -6566,7 +6434,7 @@
     </p:spTree>
     <p:extLst>
       <p:ext uri="{BB962C8B-B14F-4D97-AF65-F5344CB8AC3E}">
-        <p14:creationId xmlns:p14="http://schemas.microsoft.com/office/powerpoint/2010/main" val="3190382384"/>
+        <p14:creationId xmlns:p14="http://schemas.microsoft.com/office/powerpoint/2010/main" xmlns="" val="3190382384"/>
       </p:ext>
     </p:extLst>
   </p:cSld>
@@ -6602,10 +6470,10 @@
       </p:grpSpPr>
       <p:pic>
         <p:nvPicPr>
-          <p:cNvPr id="3" name="Picture 2">
+          <p:cNvPr id="4" name="Picture 3">
             <a:extLst>
               <a:ext uri="{FF2B5EF4-FFF2-40B4-BE49-F238E27FC236}">
-                <a16:creationId xmlns="" xmlns:a16="http://schemas.microsoft.com/office/drawing/2014/main" id="{F48C9E8F-062F-4E88-9578-6715791F02A7}"/>
+                <a16:creationId xmlns:a16="http://schemas.microsoft.com/office/drawing/2014/main" xmlns="" id="{FCDFFB69-D0BC-45F9-A7E5-60B1F3210EF2}"/>
               </a:ext>
             </a:extLst>
           </p:cNvPr>
@@ -6622,38 +6490,8 @@
         </p:blipFill>
         <p:spPr>
           <a:xfrm>
-            <a:off x="358218" y="212152"/>
-            <a:ext cx="5804431" cy="5830431"/>
-          </a:xfrm>
-          <a:prstGeom prst="rect">
-            <a:avLst/>
-          </a:prstGeom>
-        </p:spPr>
-      </p:pic>
-      <p:pic>
-        <p:nvPicPr>
-          <p:cNvPr id="4" name="Picture 3">
-            <a:extLst>
-              <a:ext uri="{FF2B5EF4-FFF2-40B4-BE49-F238E27FC236}">
-                <a16:creationId xmlns="" xmlns:a16="http://schemas.microsoft.com/office/drawing/2014/main" id="{FCDFFB69-D0BC-45F9-A7E5-60B1F3210EF2}"/>
-              </a:ext>
-            </a:extLst>
-          </p:cNvPr>
-          <p:cNvPicPr>
-            <a:picLocks noChangeAspect="1"/>
-          </p:cNvPicPr>
-          <p:nvPr/>
-        </p:nvPicPr>
-        <p:blipFill>
-          <a:blip r:embed="rId3"/>
-          <a:stretch>
-            <a:fillRect/>
-          </a:stretch>
-        </p:blipFill>
-        <p:spPr>
-          <a:xfrm>
-            <a:off x="6608190" y="212152"/>
-            <a:ext cx="5175315" cy="5830432"/>
+            <a:off x="548640" y="535708"/>
+            <a:ext cx="11136391" cy="5830432"/>
           </a:xfrm>
           <a:prstGeom prst="rect">
             <a:avLst/>
@@ -6663,7 +6501,7 @@
     </p:spTree>
     <p:extLst>
       <p:ext uri="{BB962C8B-B14F-4D97-AF65-F5344CB8AC3E}">
-        <p14:creationId xmlns:p14="http://schemas.microsoft.com/office/powerpoint/2010/main" val="18533381"/>
+        <p14:creationId xmlns:p14="http://schemas.microsoft.com/office/powerpoint/2010/main" xmlns="" val="18533381"/>
       </p:ext>
     </p:extLst>
   </p:cSld>
@@ -6802,7 +6640,7 @@
     </p:spTree>
     <p:extLst>
       <p:ext uri="{BB962C8B-B14F-4D97-AF65-F5344CB8AC3E}">
-        <p14:creationId xmlns:p14="http://schemas.microsoft.com/office/powerpoint/2010/main" val="501309509"/>
+        <p14:creationId xmlns:p14="http://schemas.microsoft.com/office/powerpoint/2010/main" xmlns="" val="501309509"/>
       </p:ext>
     </p:extLst>
   </p:cSld>
@@ -6941,7 +6779,7 @@
     </p:spTree>
     <p:extLst>
       <p:ext uri="{BB962C8B-B14F-4D97-AF65-F5344CB8AC3E}">
-        <p14:creationId xmlns:p14="http://schemas.microsoft.com/office/powerpoint/2010/main" val="1078131030"/>
+        <p14:creationId xmlns:p14="http://schemas.microsoft.com/office/powerpoint/2010/main" xmlns="" val="1078131030"/>
       </p:ext>
     </p:extLst>
   </p:cSld>
@@ -6985,7 +6823,12 @@
             <p:ph type="title"/>
           </p:nvPr>
         </p:nvSpPr>
-        <p:spPr/>
+        <p:spPr>
+          <a:xfrm>
+            <a:off x="637735" y="295629"/>
+            <a:ext cx="10972800" cy="1399032"/>
+          </a:xfrm>
+        </p:spPr>
         <p:txBody>
           <a:bodyPr/>
           <a:lstStyle/>
@@ -7066,7 +6909,7 @@
     </p:spTree>
     <p:extLst>
       <p:ext uri="{BB962C8B-B14F-4D97-AF65-F5344CB8AC3E}">
-        <p14:creationId xmlns:p14="http://schemas.microsoft.com/office/powerpoint/2010/main" val="239787179"/>
+        <p14:creationId xmlns:p14="http://schemas.microsoft.com/office/powerpoint/2010/main" xmlns="" val="239787179"/>
       </p:ext>
     </p:extLst>
   </p:cSld>
@@ -7167,12 +7010,8 @@
           <a:p>
             <a:pPr algn="just"/>
             <a:r>
-              <a:rPr lang="en-US" dirty="0" err="1" smtClean="0"/>
-              <a:t>DataSource</a:t>
-            </a:r>
-            <a:r>
               <a:rPr lang="en-US" dirty="0" smtClean="0"/>
-              <a:t>: </a:t>
+              <a:t>DataSource: </a:t>
             </a:r>
             <a:r>
               <a:rPr lang="en-US" i="1" dirty="0"/>
@@ -7187,7 +7026,7 @@
     </p:spTree>
     <p:extLst>
       <p:ext uri="{BB962C8B-B14F-4D97-AF65-F5344CB8AC3E}">
-        <p14:creationId xmlns:p14="http://schemas.microsoft.com/office/powerpoint/2010/main" val="1542116808"/>
+        <p14:creationId xmlns:p14="http://schemas.microsoft.com/office/powerpoint/2010/main" xmlns="" val="1542116808"/>
       </p:ext>
     </p:extLst>
   </p:cSld>
@@ -7311,7 +7150,7 @@
     </p:spTree>
     <p:extLst>
       <p:ext uri="{BB962C8B-B14F-4D97-AF65-F5344CB8AC3E}">
-        <p14:creationId xmlns:p14="http://schemas.microsoft.com/office/powerpoint/2010/main" val="2699455244"/>
+        <p14:creationId xmlns:p14="http://schemas.microsoft.com/office/powerpoint/2010/main" xmlns="" val="2699455244"/>
       </p:ext>
     </p:extLst>
   </p:cSld>
@@ -7882,7 +7721,13 @@
           <a:p>
             <a:r>
               <a:rPr lang="en-US" dirty="0" smtClean="0"/>
-              <a:t>Not much increase in accuracy by increasing learning rate</a:t>
+              <a:t>Increasing learning rate decreases accuracy</a:t>
+            </a:r>
+          </a:p>
+          <a:p>
+            <a:r>
+              <a:rPr lang="en-US" dirty="0" smtClean="0"/>
+              <a:t>Weight and Height impact on classification</a:t>
             </a:r>
             <a:endParaRPr lang="en-US" dirty="0"/>
           </a:p>
@@ -7891,7 +7736,7 @@
     </p:spTree>
     <p:extLst>
       <p:ext uri="{BB962C8B-B14F-4D97-AF65-F5344CB8AC3E}">
-        <p14:creationId xmlns:p14="http://schemas.microsoft.com/office/powerpoint/2010/main" val="1935058227"/>
+        <p14:creationId xmlns:p14="http://schemas.microsoft.com/office/powerpoint/2010/main" xmlns="" val="1935058227"/>
       </p:ext>
     </p:extLst>
   </p:cSld>
@@ -8156,14 +8001,14 @@
                 <a:gridCol w="657948">
                   <a:extLst>
                     <a:ext uri="{9D8B030D-6E8A-4147-A177-3AD203B41FA5}">
-                      <a16:colId xmlns="" xmlns:a16="http://schemas.microsoft.com/office/drawing/2014/main" val="20000"/>
+                      <a16:colId xmlns:a16="http://schemas.microsoft.com/office/drawing/2014/main" xmlns="" val="20000"/>
                     </a:ext>
                   </a:extLst>
                 </a:gridCol>
                 <a:gridCol w="932092">
                   <a:extLst>
                     <a:ext uri="{9D8B030D-6E8A-4147-A177-3AD203B41FA5}">
-                      <a16:colId xmlns="" xmlns:a16="http://schemas.microsoft.com/office/drawing/2014/main" val="20001"/>
+                      <a16:colId xmlns:a16="http://schemas.microsoft.com/office/drawing/2014/main" xmlns="" val="20001"/>
                     </a:ext>
                   </a:extLst>
                 </a:gridCol>
@@ -8176,7 +8021,7 @@
                     <a:p>
                       <a:pPr algn="r" fontAlgn="b"/>
                       <a:r>
-                        <a:rPr lang="en-US" sz="1100" b="0" i="0" u="none" strike="noStrike">
+                        <a:rPr lang="en-US" sz="1100" b="0" i="0" u="none" strike="noStrike" dirty="0">
                           <a:solidFill>
                             <a:srgbClr val="000000"/>
                           </a:solidFill>
@@ -8232,7 +8077,7 @@
                     <a:p>
                       <a:pPr algn="l" fontAlgn="b"/>
                       <a:r>
-                        <a:rPr lang="en-US" sz="1100" b="0" i="0" u="none" strike="noStrike">
+                        <a:rPr lang="en-US" sz="1100" b="0" i="0" u="none" strike="noStrike" dirty="0">
                           <a:solidFill>
                             <a:srgbClr val="000000"/>
                           </a:solidFill>
@@ -8283,7 +8128,7 @@
                 </a:tc>
                 <a:extLst>
                   <a:ext uri="{0D108BD9-81ED-4DB2-BD59-A6C34878D82A}">
-                    <a16:rowId xmlns="" xmlns:a16="http://schemas.microsoft.com/office/drawing/2014/main" val="10000"/>
+                    <a16:rowId xmlns:a16="http://schemas.microsoft.com/office/drawing/2014/main" xmlns="" val="10000"/>
                   </a:ext>
                 </a:extLst>
               </a:tr>
@@ -8295,7 +8140,7 @@
                     <a:p>
                       <a:pPr algn="r" fontAlgn="b"/>
                       <a:r>
-                        <a:rPr lang="en-US" sz="1100" b="0" i="0" u="none" strike="noStrike">
+                        <a:rPr lang="en-US" sz="1100" b="0" i="0" u="none" strike="noStrike" dirty="0">
                           <a:solidFill>
                             <a:srgbClr val="000000"/>
                           </a:solidFill>
@@ -8351,7 +8196,7 @@
                     <a:p>
                       <a:pPr algn="l" fontAlgn="b"/>
                       <a:r>
-                        <a:rPr lang="en-US" sz="1100" b="0" i="0" u="none" strike="noStrike">
+                        <a:rPr lang="en-US" sz="1100" b="0" i="0" u="none" strike="noStrike" dirty="0">
                           <a:solidFill>
                             <a:srgbClr val="000000"/>
                           </a:solidFill>
@@ -8402,7 +8247,7 @@
                 </a:tc>
                 <a:extLst>
                   <a:ext uri="{0D108BD9-81ED-4DB2-BD59-A6C34878D82A}">
-                    <a16:rowId xmlns="" xmlns:a16="http://schemas.microsoft.com/office/drawing/2014/main" val="10001"/>
+                    <a16:rowId xmlns:a16="http://schemas.microsoft.com/office/drawing/2014/main" xmlns="" val="10001"/>
                   </a:ext>
                 </a:extLst>
               </a:tr>
@@ -8414,7 +8259,7 @@
                     <a:p>
                       <a:pPr algn="r" fontAlgn="b"/>
                       <a:r>
-                        <a:rPr lang="en-US" sz="1100" b="0" i="0" u="none" strike="noStrike">
+                        <a:rPr lang="en-US" sz="1100" b="0" i="0" u="none" strike="noStrike" dirty="0">
                           <a:solidFill>
                             <a:srgbClr val="000000"/>
                           </a:solidFill>
@@ -8521,7 +8366,7 @@
                 </a:tc>
                 <a:extLst>
                   <a:ext uri="{0D108BD9-81ED-4DB2-BD59-A6C34878D82A}">
-                    <a16:rowId xmlns="" xmlns:a16="http://schemas.microsoft.com/office/drawing/2014/main" val="10002"/>
+                    <a16:rowId xmlns:a16="http://schemas.microsoft.com/office/drawing/2014/main" xmlns="" val="10002"/>
                   </a:ext>
                 </a:extLst>
               </a:tr>
@@ -8701,7 +8546,7 @@
           <p:nvPr>
             <p:extLst>
               <p:ext uri="{D42A27DB-BD31-4B8C-83A1-F6EECF244321}">
-                <p14:modId xmlns:p14="http://schemas.microsoft.com/office/powerpoint/2010/main" val="688311253"/>
+                <p14:modId xmlns:p14="http://schemas.microsoft.com/office/powerpoint/2010/main" xmlns="" val="688311253"/>
               </p:ext>
             </p:extLst>
           </p:nvPr>
@@ -8720,21 +8565,21 @@
                 <a:gridCol w="2709333">
                   <a:extLst>
                     <a:ext uri="{9D8B030D-6E8A-4147-A177-3AD203B41FA5}">
-                      <a16:colId xmlns="" xmlns:a16="http://schemas.microsoft.com/office/drawing/2014/main" val="20000"/>
+                      <a16:colId xmlns:a16="http://schemas.microsoft.com/office/drawing/2014/main" xmlns="" val="20000"/>
                     </a:ext>
                   </a:extLst>
                 </a:gridCol>
                 <a:gridCol w="2709333">
                   <a:extLst>
                     <a:ext uri="{9D8B030D-6E8A-4147-A177-3AD203B41FA5}">
-                      <a16:colId xmlns="" xmlns:a16="http://schemas.microsoft.com/office/drawing/2014/main" val="20001"/>
+                      <a16:colId xmlns:a16="http://schemas.microsoft.com/office/drawing/2014/main" xmlns="" val="20001"/>
                     </a:ext>
                   </a:extLst>
                 </a:gridCol>
                 <a:gridCol w="2709333">
                   <a:extLst>
                     <a:ext uri="{9D8B030D-6E8A-4147-A177-3AD203B41FA5}">
-                      <a16:colId xmlns="" xmlns:a16="http://schemas.microsoft.com/office/drawing/2014/main" val="20002"/>
+                      <a16:colId xmlns:a16="http://schemas.microsoft.com/office/drawing/2014/main" xmlns="" val="20002"/>
                     </a:ext>
                   </a:extLst>
                 </a:gridCol>
@@ -8784,7 +8629,7 @@
                 </a:tc>
                 <a:extLst>
                   <a:ext uri="{0D108BD9-81ED-4DB2-BD59-A6C34878D82A}">
-                    <a16:rowId xmlns="" xmlns:a16="http://schemas.microsoft.com/office/drawing/2014/main" val="10000"/>
+                    <a16:rowId xmlns:a16="http://schemas.microsoft.com/office/drawing/2014/main" xmlns="" val="10000"/>
                   </a:ext>
                 </a:extLst>
               </a:tr>
@@ -8809,18 +8654,14 @@
                     <a:p>
                       <a:r>
                         <a:rPr lang="en-US" dirty="0"/>
-                        <a:t>K </a:t>
+                        <a:t>K = </a:t>
                       </a:r>
                       <a:r>
-                        <a:rPr lang="en-US"/>
-                        <a:t>= </a:t>
-                      </a:r>
-                      <a:r>
-                        <a:rPr lang="en-US" smtClean="0"/>
+                        <a:rPr lang="en-US" dirty="0" smtClean="0"/>
                         <a:t>19,Non</a:t>
                       </a:r>
                       <a:r>
-                        <a:rPr lang="en-US" baseline="0" smtClean="0"/>
+                        <a:rPr lang="en-US" baseline="0" dirty="0" smtClean="0"/>
                         <a:t> Normalized</a:t>
                       </a:r>
                       <a:endParaRPr lang="en-US" dirty="0"/>
@@ -8844,7 +8685,7 @@
                 </a:tc>
                 <a:extLst>
                   <a:ext uri="{0D108BD9-81ED-4DB2-BD59-A6C34878D82A}">
-                    <a16:rowId xmlns="" xmlns:a16="http://schemas.microsoft.com/office/drawing/2014/main" val="10001"/>
+                    <a16:rowId xmlns:a16="http://schemas.microsoft.com/office/drawing/2014/main" xmlns="" val="10001"/>
                   </a:ext>
                 </a:extLst>
               </a:tr>
@@ -8895,7 +8736,7 @@
                 </a:tc>
                 <a:extLst>
                   <a:ext uri="{0D108BD9-81ED-4DB2-BD59-A6C34878D82A}">
-                    <a16:rowId xmlns="" xmlns:a16="http://schemas.microsoft.com/office/drawing/2014/main" val="10002"/>
+                    <a16:rowId xmlns:a16="http://schemas.microsoft.com/office/drawing/2014/main" xmlns="" val="10002"/>
                   </a:ext>
                 </a:extLst>
               </a:tr>
@@ -8950,7 +8791,7 @@
                 </a:tc>
                 <a:extLst>
                   <a:ext uri="{0D108BD9-81ED-4DB2-BD59-A6C34878D82A}">
-                    <a16:rowId xmlns="" xmlns:a16="http://schemas.microsoft.com/office/drawing/2014/main" val="10003"/>
+                    <a16:rowId xmlns:a16="http://schemas.microsoft.com/office/drawing/2014/main" xmlns="" val="10003"/>
                   </a:ext>
                 </a:extLst>
               </a:tr>
@@ -9019,7 +8860,7 @@
                 </a:tc>
                 <a:extLst>
                   <a:ext uri="{0D108BD9-81ED-4DB2-BD59-A6C34878D82A}">
-                    <a16:rowId xmlns="" xmlns:a16="http://schemas.microsoft.com/office/drawing/2014/main" val="10004"/>
+                    <a16:rowId xmlns:a16="http://schemas.microsoft.com/office/drawing/2014/main" xmlns="" val="10004"/>
                   </a:ext>
                 </a:extLst>
               </a:tr>
@@ -9030,7 +8871,7 @@
     </p:spTree>
     <p:extLst>
       <p:ext uri="{BB962C8B-B14F-4D97-AF65-F5344CB8AC3E}">
-        <p14:creationId xmlns:p14="http://schemas.microsoft.com/office/powerpoint/2010/main" val="3578044046"/>
+        <p14:creationId xmlns:p14="http://schemas.microsoft.com/office/powerpoint/2010/main" xmlns="" val="3578044046"/>
       </p:ext>
     </p:extLst>
   </p:cSld>
@@ -9101,14 +8942,14 @@
           <a:bodyPr/>
           <a:lstStyle/>
           <a:p>
-            <a:endParaRPr lang="en-US"/>
+            <a:endParaRPr lang="en-US" dirty="0"/>
           </a:p>
         </p:txBody>
       </p:sp>
     </p:spTree>
     <p:extLst>
       <p:ext uri="{BB962C8B-B14F-4D97-AF65-F5344CB8AC3E}">
-        <p14:creationId xmlns:p14="http://schemas.microsoft.com/office/powerpoint/2010/main" val="30137763"/>
+        <p14:creationId xmlns:p14="http://schemas.microsoft.com/office/powerpoint/2010/main" xmlns="" val="30137763"/>
       </p:ext>
     </p:extLst>
   </p:cSld>
@@ -9248,7 +9089,7 @@
     </p:spTree>
     <p:extLst>
       <p:ext uri="{BB962C8B-B14F-4D97-AF65-F5344CB8AC3E}">
-        <p14:creationId xmlns:p14="http://schemas.microsoft.com/office/powerpoint/2010/main" val="306933364"/>
+        <p14:creationId xmlns:p14="http://schemas.microsoft.com/office/powerpoint/2010/main" xmlns="" val="306933364"/>
       </p:ext>
     </p:extLst>
   </p:cSld>
@@ -9464,7 +9305,7 @@
     </p:spTree>
     <p:extLst>
       <p:ext uri="{BB962C8B-B14F-4D97-AF65-F5344CB8AC3E}">
-        <p14:creationId xmlns:p14="http://schemas.microsoft.com/office/powerpoint/2010/main" val="220168066"/>
+        <p14:creationId xmlns:p14="http://schemas.microsoft.com/office/powerpoint/2010/main" xmlns="" val="220168066"/>
       </p:ext>
     </p:extLst>
   </p:cSld>
@@ -9571,7 +9412,7 @@
     </p:spTree>
     <p:extLst>
       <p:ext uri="{BB962C8B-B14F-4D97-AF65-F5344CB8AC3E}">
-        <p14:creationId xmlns:p14="http://schemas.microsoft.com/office/powerpoint/2010/main" val="869547253"/>
+        <p14:creationId xmlns:p14="http://schemas.microsoft.com/office/powerpoint/2010/main" xmlns="" val="869547253"/>
       </p:ext>
     </p:extLst>
   </p:cSld>
@@ -9646,15 +9487,17 @@
             <p:ph idx="1"/>
           </p:nvPr>
         </p:nvSpPr>
-        <p:spPr/>
+        <p:spPr>
+          <a:xfrm>
+            <a:off x="497058" y="1460777"/>
+            <a:ext cx="10972800" cy="4572000"/>
+          </a:xfrm>
+        </p:spPr>
         <p:txBody>
           <a:bodyPr>
-            <a:normAutofit lnSpcReduction="10000"/>
+            <a:normAutofit/>
           </a:bodyPr>
           <a:lstStyle/>
-          <a:p>
-            <a:endParaRPr lang="en-US" dirty="0" smtClean="0"/>
-          </a:p>
           <a:p>
             <a:r>
               <a:rPr lang="en-US" dirty="0" smtClean="0"/>
@@ -9753,7 +9596,7 @@
           <a:blip r:embed="rId2">
             <a:extLst>
               <a:ext uri="{28A0092B-C50C-407E-A947-70E740481C1C}">
-                <a14:useLocalDpi xmlns:a14="http://schemas.microsoft.com/office/drawing/2010/main" val="0"/>
+                <a14:useLocalDpi xmlns:a14="http://schemas.microsoft.com/office/drawing/2010/main" xmlns="" val="0"/>
               </a:ext>
             </a:extLst>
           </a:blip>
@@ -9763,7 +9606,7 @@
         </p:blipFill>
         <p:spPr>
           <a:xfrm>
-            <a:off x="8407400" y="2519379"/>
+            <a:off x="8280791" y="1984806"/>
             <a:ext cx="3022600" cy="1347772"/>
           </a:xfrm>
           <a:prstGeom prst="rect">
@@ -9783,7 +9626,7 @@
           <a:blip r:embed="rId3">
             <a:extLst>
               <a:ext uri="{28A0092B-C50C-407E-A947-70E740481C1C}">
-                <a14:useLocalDpi xmlns:a14="http://schemas.microsoft.com/office/drawing/2010/main" val="0"/>
+                <a14:useLocalDpi xmlns:a14="http://schemas.microsoft.com/office/drawing/2010/main" xmlns="" val="0"/>
               </a:ext>
             </a:extLst>
           </a:blip>
@@ -9804,7 +9647,7 @@
     </p:spTree>
     <p:extLst>
       <p:ext uri="{BB962C8B-B14F-4D97-AF65-F5344CB8AC3E}">
-        <p14:creationId xmlns:p14="http://schemas.microsoft.com/office/powerpoint/2010/main" val="854463336"/>
+        <p14:creationId xmlns:p14="http://schemas.microsoft.com/office/powerpoint/2010/main" xmlns="" val="854463336"/>
       </p:ext>
     </p:extLst>
   </p:cSld>
@@ -9854,25 +9697,10 @@
           <a:lstStyle/>
           <a:p>
             <a:r>
-              <a:rPr lang="en-US" dirty="0"/>
-              <a:t>Algorithm </a:t>
-            </a:r>
-            <a:r>
               <a:rPr lang="en-US" dirty="0" smtClean="0"/>
-              <a:t>1</a:t>
-            </a:r>
-            <a:r>
-              <a:rPr lang="mr-IN" dirty="0" smtClean="0"/>
-              <a:t>–</a:t>
-            </a:r>
-            <a:r>
-              <a:rPr lang="en-US" dirty="0" smtClean="0"/>
-              <a:t> </a:t>
-            </a:r>
-            <a:r>
-              <a:rPr lang="en-US" dirty="0"/>
-              <a:t>Naïve Bayes</a:t>
-            </a:r>
+              <a:t>Correlation Matrix – Music Preferences</a:t>
+            </a:r>
+            <a:endParaRPr lang="en-US" dirty="0"/>
           </a:p>
         </p:txBody>
       </p:sp>
@@ -9890,7 +9718,7 @@
           <a:blip r:embed="rId2">
             <a:extLst>
               <a:ext uri="{28A0092B-C50C-407E-A947-70E740481C1C}">
-                <a14:useLocalDpi xmlns:a14="http://schemas.microsoft.com/office/drawing/2010/main" val="0"/>
+                <a14:useLocalDpi xmlns:a14="http://schemas.microsoft.com/office/drawing/2010/main" xmlns="" val="0"/>
               </a:ext>
             </a:extLst>
           </a:blip>
@@ -9908,7 +9736,7 @@
     </p:spTree>
     <p:extLst>
       <p:ext uri="{BB962C8B-B14F-4D97-AF65-F5344CB8AC3E}">
-        <p14:creationId xmlns:p14="http://schemas.microsoft.com/office/powerpoint/2010/main" val="742140663"/>
+        <p14:creationId xmlns:p14="http://schemas.microsoft.com/office/powerpoint/2010/main" xmlns="" val="742140663"/>
       </p:ext>
     </p:extLst>
   </p:cSld>
@@ -10462,7 +10290,7 @@
   <a:extraClrSchemeLst/>
   <a:extLst>
     <a:ext uri="{05A4C25C-085E-4340-85A3-A5531E510DB2}">
-      <thm15:themeFamily xmlns:thm15="http://schemas.microsoft.com/office/thememl/2012/main" name="Office Theme" id="{62F939B6-93AF-4DB8-9C6B-D6C7DFDC589F}" vid="{4A3C46E8-61CC-4603-A589-7422A47A8E4A}"/>
+      <thm15:themeFamily xmlns:thm15="http://schemas.microsoft.com/office/thememl/2012/main" xmlns="" name="Office Theme" id="{62F939B6-93AF-4DB8-9C6B-D6C7DFDC589F}" vid="{4A3C46E8-61CC-4603-A589-7422A47A8E4A}"/>
     </a:ext>
   </a:extLst>
 </a:theme>
